--- a/docs/diagrams/PutShipSequenceDiagram.pptx
+++ b/docs/diagrams/PutShipSequenceDiagram.pptx
@@ -129,7 +129,7 @@
 <file path=ppt/revisionInfo.xml><?xml version="1.0" encoding="utf-8"?>
 <p1510:revInfo xmlns:a="http://schemas.openxmlformats.org/drawingml/2006/main" xmlns:r="http://schemas.openxmlformats.org/officeDocument/2006/relationships" xmlns:p1510="http://schemas.microsoft.com/office/powerpoint/2015/10/main">
   <p1510:revLst>
-    <p1510:client id="{25B0B48C-3155-344C-9C5D-EB0F11A61745}" v="33" dt="2019-03-29T12:17:56.612"/>
+    <p1510:client id="{25B0B48C-3155-344C-9C5D-EB0F11A61745}" v="34" dt="2019-03-29T12:22:17.171"/>
   </p1510:revLst>
 </p1510:revInfo>
 </file>
@@ -139,12 +139,12 @@
   <pc:docChgLst>
     <pc:chgData name="Ian Wu Ling En" userId="28715549-2f5c-46f8-b7f8-f39c35f3312d" providerId="ADAL" clId="{25B0B48C-3155-344C-9C5D-EB0F11A61745}"/>
     <pc:docChg chg="undo redo custSel addSld delSld modSld modMainMaster">
-      <pc:chgData name="Ian Wu Ling En" userId="28715549-2f5c-46f8-b7f8-f39c35f3312d" providerId="ADAL" clId="{25B0B48C-3155-344C-9C5D-EB0F11A61745}" dt="2019-03-29T12:19:37.053" v="599" actId="1037"/>
+      <pc:chgData name="Ian Wu Ling En" userId="28715549-2f5c-46f8-b7f8-f39c35f3312d" providerId="ADAL" clId="{25B0B48C-3155-344C-9C5D-EB0F11A61745}" dt="2019-03-29T12:22:51.733" v="656" actId="20577"/>
       <pc:docMkLst>
         <pc:docMk/>
       </pc:docMkLst>
       <pc:sldChg chg="addSp delSp modSp">
-        <pc:chgData name="Ian Wu Ling En" userId="28715549-2f5c-46f8-b7f8-f39c35f3312d" providerId="ADAL" clId="{25B0B48C-3155-344C-9C5D-EB0F11A61745}" dt="2019-03-29T12:19:37.053" v="599" actId="1037"/>
+        <pc:chgData name="Ian Wu Ling En" userId="28715549-2f5c-46f8-b7f8-f39c35f3312d" providerId="ADAL" clId="{25B0B48C-3155-344C-9C5D-EB0F11A61745}" dt="2019-03-29T12:22:51.733" v="656" actId="20577"/>
         <pc:sldMkLst>
           <pc:docMk/>
           <pc:sldMk cId="3945898909" sldId="267"/>
@@ -251,6 +251,14 @@
             <pc:docMk/>
             <pc:sldMk cId="3945898909" sldId="267"/>
             <ac:spMk id="56" creationId="{00000000-0000-0000-0000-000000000000}"/>
+          </ac:spMkLst>
+        </pc:spChg>
+        <pc:spChg chg="add mod">
+          <ac:chgData name="Ian Wu Ling En" userId="28715549-2f5c-46f8-b7f8-f39c35f3312d" providerId="ADAL" clId="{25B0B48C-3155-344C-9C5D-EB0F11A61745}" dt="2019-03-29T12:22:51.733" v="656" actId="20577"/>
+          <ac:spMkLst>
+            <pc:docMk/>
+            <pc:sldMk cId="3945898909" sldId="267"/>
+            <ac:spMk id="61" creationId="{A6AA3A69-FF3B-4544-9DE5-D79C590BA53D}"/>
           </ac:spMkLst>
         </pc:spChg>
         <pc:spChg chg="add del mod">
@@ -7276,6 +7284,61 @@
           </a:fontRef>
         </p:style>
       </p:cxnSp>
+      <p:sp>
+        <p:nvSpPr>
+          <p:cNvPr id="61" name="TextBox 60">
+            <a:extLst>
+              <a:ext uri="{FF2B5EF4-FFF2-40B4-BE49-F238E27FC236}">
+                <a16:creationId xmlns:a16="http://schemas.microsoft.com/office/drawing/2014/main" id="{A6AA3A69-FF3B-4544-9DE5-D79C590BA53D}"/>
+              </a:ext>
+            </a:extLst>
+          </p:cNvPr>
+          <p:cNvSpPr txBox="1"/>
+          <p:nvPr/>
+        </p:nvSpPr>
+        <p:spPr>
+          <a:xfrm>
+            <a:off x="294013" y="6533668"/>
+            <a:ext cx="9254858" cy="220916"/>
+          </a:xfrm>
+          <a:prstGeom prst="rect">
+            <a:avLst/>
+          </a:prstGeom>
+          <a:noFill/>
+        </p:spPr>
+        <p:txBody>
+          <a:bodyPr wrap="square" lIns="0" tIns="0" rIns="0" bIns="0" rtlCol="0">
+            <a:spAutoFit/>
+          </a:bodyPr>
+          <a:lstStyle/>
+          <a:p>
+            <a:r>
+              <a:rPr lang="en-US" sz="1400" dirty="0">
+                <a:solidFill>
+                  <a:srgbClr val="0070C0"/>
+                </a:solidFill>
+              </a:rPr>
+              <a:t>&lt;</a:t>
+            </a:r>
+            <a:r>
+              <a:rPr lang="en-US" sz="1400" dirty="0" err="1">
+                <a:solidFill>
+                  <a:srgbClr val="0070C0"/>
+                </a:solidFill>
+              </a:rPr>
+              <a:t>args</a:t>
+            </a:r>
+            <a:r>
+              <a:rPr lang="en-US" sz="1400" dirty="0">
+                <a:solidFill>
+                  <a:srgbClr val="0070C0"/>
+                </a:solidFill>
+              </a:rPr>
+              <a:t>&gt; = n/destroyer c/a1 r/vertical t/tag</a:t>
+            </a:r>
+          </a:p>
+        </p:txBody>
+      </p:sp>
     </p:spTree>
     <p:extLst>
       <p:ext uri="{BB962C8B-B14F-4D97-AF65-F5344CB8AC3E}">

--- a/docs/diagrams/PutShipSequenceDiagram.pptx
+++ b/docs/diagrams/PutShipSequenceDiagram.pptx
@@ -129,7 +129,7 @@
 <file path=ppt/revisionInfo.xml><?xml version="1.0" encoding="utf-8"?>
 <p1510:revInfo xmlns:a="http://schemas.openxmlformats.org/drawingml/2006/main" xmlns:r="http://schemas.openxmlformats.org/officeDocument/2006/relationships" xmlns:p1510="http://schemas.microsoft.com/office/powerpoint/2015/10/main">
   <p1510:revLst>
-    <p1510:client id="{25B0B48C-3155-344C-9C5D-EB0F11A61745}" v="34" dt="2019-03-29T12:22:17.171"/>
+    <p1510:client id="{E7B3513D-77CA-6A41-910B-0B9402F691A1}" v="1" dt="2019-04-05T01:25:36.917"/>
   </p1510:revLst>
 </p1510:revInfo>
 </file>
@@ -709,44 +709,6 @@
             <ac:cxnSpMk id="250" creationId="{4905E054-6CE5-4BC2-AEFD-9C5C8BAA5AFA}"/>
           </ac:cxnSpMkLst>
         </pc:cxnChg>
-      </pc:sldChg>
-      <pc:sldChg chg="addSp delSp add del">
-        <pc:chgData name="Ian Wu Ling En" userId="28715549-2f5c-46f8-b7f8-f39c35f3312d" providerId="ADAL" clId="{25B0B48C-3155-344C-9C5D-EB0F11A61745}" dt="2019-03-29T11:37:26.011" v="240"/>
-        <pc:sldMkLst>
-          <pc:docMk/>
-          <pc:sldMk cId="2636235022" sldId="268"/>
-        </pc:sldMkLst>
-        <pc:spChg chg="add del">
-          <ac:chgData name="Ian Wu Ling En" userId="28715549-2f5c-46f8-b7f8-f39c35f3312d" providerId="ADAL" clId="{25B0B48C-3155-344C-9C5D-EB0F11A61745}" dt="2019-03-29T11:37:24.730" v="239"/>
-          <ac:spMkLst>
-            <pc:docMk/>
-            <pc:sldMk cId="2636235022" sldId="268"/>
-            <ac:spMk id="2" creationId="{129F05A2-FECA-A04A-875C-C7C58D8FAC8A}"/>
-          </ac:spMkLst>
-        </pc:spChg>
-      </pc:sldChg>
-      <pc:sldChg chg="addSp modSp add del">
-        <pc:chgData name="Ian Wu Ling En" userId="28715549-2f5c-46f8-b7f8-f39c35f3312d" providerId="ADAL" clId="{25B0B48C-3155-344C-9C5D-EB0F11A61745}" dt="2019-03-29T12:18:10.395" v="566" actId="2696"/>
-        <pc:sldMkLst>
-          <pc:docMk/>
-          <pc:sldMk cId="2769017902" sldId="268"/>
-        </pc:sldMkLst>
-        <pc:spChg chg="add mod">
-          <ac:chgData name="Ian Wu Ling En" userId="28715549-2f5c-46f8-b7f8-f39c35f3312d" providerId="ADAL" clId="{25B0B48C-3155-344C-9C5D-EB0F11A61745}" dt="2019-03-29T12:17:56.612" v="564"/>
-          <ac:spMkLst>
-            <pc:docMk/>
-            <pc:sldMk cId="2769017902" sldId="268"/>
-            <ac:spMk id="2" creationId="{EB11991A-9D9B-4D44-B55A-8F2986A2818F}"/>
-          </ac:spMkLst>
-        </pc:spChg>
-        <pc:spChg chg="add mod">
-          <ac:chgData name="Ian Wu Ling En" userId="28715549-2f5c-46f8-b7f8-f39c35f3312d" providerId="ADAL" clId="{25B0B48C-3155-344C-9C5D-EB0F11A61745}" dt="2019-03-29T12:17:56.612" v="564"/>
-          <ac:spMkLst>
-            <pc:docMk/>
-            <pc:sldMk cId="2769017902" sldId="268"/>
-            <ac:spMk id="3" creationId="{D4FA32F3-EE6C-9C40-A48A-ED8BB4BDE1FD}"/>
-          </ac:spMkLst>
-        </pc:spChg>
       </pc:sldChg>
       <pc:sldMasterChg chg="modSp modSldLayout">
         <pc:chgData name="Ian Wu Ling En" userId="28715549-2f5c-46f8-b7f8-f39c35f3312d" providerId="ADAL" clId="{25B0B48C-3155-344C-9C5D-EB0F11A61745}" dt="2019-03-29T12:17:56.612" v="564"/>
@@ -1015,6 +977,78 @@
       </pc:sldMasterChg>
     </pc:docChg>
   </pc:docChgLst>
+  <pc:docChgLst>
+    <pc:chgData name="Ian Wu Ling En" userId="28715549-2f5c-46f8-b7f8-f39c35f3312d" providerId="ADAL" clId="{E7B3513D-77CA-6A41-910B-0B9402F691A1}"/>
+    <pc:docChg chg="undo custSel modSld">
+      <pc:chgData name="Ian Wu Ling En" userId="28715549-2f5c-46f8-b7f8-f39c35f3312d" providerId="ADAL" clId="{E7B3513D-77CA-6A41-910B-0B9402F691A1}" dt="2019-04-05T01:25:44.900" v="38" actId="1076"/>
+      <pc:docMkLst>
+        <pc:docMk/>
+      </pc:docMkLst>
+      <pc:sldChg chg="addSp delSp modSp">
+        <pc:chgData name="Ian Wu Ling En" userId="28715549-2f5c-46f8-b7f8-f39c35f3312d" providerId="ADAL" clId="{E7B3513D-77CA-6A41-910B-0B9402F691A1}" dt="2019-04-05T01:25:44.900" v="38" actId="1076"/>
+        <pc:sldMkLst>
+          <pc:docMk/>
+          <pc:sldMk cId="3945898909" sldId="267"/>
+        </pc:sldMkLst>
+        <pc:cxnChg chg="mod">
+          <ac:chgData name="Ian Wu Ling En" userId="28715549-2f5c-46f8-b7f8-f39c35f3312d" providerId="ADAL" clId="{E7B3513D-77CA-6A41-910B-0B9402F691A1}" dt="2019-04-05T01:25:05.747" v="23" actId="14100"/>
+          <ac:cxnSpMkLst>
+            <pc:docMk/>
+            <pc:sldMk cId="3945898909" sldId="267"/>
+            <ac:cxnSpMk id="13" creationId="{00000000-0000-0000-0000-000000000000}"/>
+          </ac:cxnSpMkLst>
+        </pc:cxnChg>
+        <pc:cxnChg chg="mod">
+          <ac:chgData name="Ian Wu Ling En" userId="28715549-2f5c-46f8-b7f8-f39c35f3312d" providerId="ADAL" clId="{E7B3513D-77CA-6A41-910B-0B9402F691A1}" dt="2019-04-05T01:24:36.467" v="16" actId="14100"/>
+          <ac:cxnSpMkLst>
+            <pc:docMk/>
+            <pc:sldMk cId="3945898909" sldId="267"/>
+            <ac:cxnSpMk id="74" creationId="{8EE03F7A-2058-6749-A748-E895D05F30BE}"/>
+          </ac:cxnSpMkLst>
+        </pc:cxnChg>
+        <pc:cxnChg chg="del">
+          <ac:chgData name="Ian Wu Ling En" userId="28715549-2f5c-46f8-b7f8-f39c35f3312d" providerId="ADAL" clId="{E7B3513D-77CA-6A41-910B-0B9402F691A1}" dt="2019-04-05T01:25:36.431" v="35" actId="478"/>
+          <ac:cxnSpMkLst>
+            <pc:docMk/>
+            <pc:sldMk cId="3945898909" sldId="267"/>
+            <ac:cxnSpMk id="75" creationId="{1815E438-CD85-F845-BED3-9BA12D9BA5E4}"/>
+          </ac:cxnSpMkLst>
+        </pc:cxnChg>
+        <pc:cxnChg chg="add mod">
+          <ac:chgData name="Ian Wu Ling En" userId="28715549-2f5c-46f8-b7f8-f39c35f3312d" providerId="ADAL" clId="{E7B3513D-77CA-6A41-910B-0B9402F691A1}" dt="2019-04-05T01:25:40.994" v="37" actId="1076"/>
+          <ac:cxnSpMkLst>
+            <pc:docMk/>
+            <pc:sldMk cId="3945898909" sldId="267"/>
+            <ac:cxnSpMk id="88" creationId="{92348BEA-70E7-7E48-83EB-D9A4C68B91F9}"/>
+          </ac:cxnSpMkLst>
+        </pc:cxnChg>
+        <pc:cxnChg chg="mod">
+          <ac:chgData name="Ian Wu Ling En" userId="28715549-2f5c-46f8-b7f8-f39c35f3312d" providerId="ADAL" clId="{E7B3513D-77CA-6A41-910B-0B9402F691A1}" dt="2019-04-05T01:25:31.146" v="34" actId="14100"/>
+          <ac:cxnSpMkLst>
+            <pc:docMk/>
+            <pc:sldMk cId="3945898909" sldId="267"/>
+            <ac:cxnSpMk id="166" creationId="{20564365-3E4F-4EBD-914E-158225A41DAC}"/>
+          </ac:cxnSpMkLst>
+        </pc:cxnChg>
+        <pc:cxnChg chg="mod">
+          <ac:chgData name="Ian Wu Ling En" userId="28715549-2f5c-46f8-b7f8-f39c35f3312d" providerId="ADAL" clId="{E7B3513D-77CA-6A41-910B-0B9402F691A1}" dt="2019-04-05T01:25:44.900" v="38" actId="1076"/>
+          <ac:cxnSpMkLst>
+            <pc:docMk/>
+            <pc:sldMk cId="3945898909" sldId="267"/>
+            <ac:cxnSpMk id="201" creationId="{AE14F7A1-D82E-4019-B4DA-BA8F13C7DB36}"/>
+          </ac:cxnSpMkLst>
+        </pc:cxnChg>
+        <pc:cxnChg chg="mod">
+          <ac:chgData name="Ian Wu Ling En" userId="28715549-2f5c-46f8-b7f8-f39c35f3312d" providerId="ADAL" clId="{E7B3513D-77CA-6A41-910B-0B9402F691A1}" dt="2019-04-05T01:24:20.382" v="11" actId="14100"/>
+          <ac:cxnSpMkLst>
+            <pc:docMk/>
+            <pc:sldMk cId="3945898909" sldId="267"/>
+            <ac:cxnSpMk id="250" creationId="{4905E054-6CE5-4BC2-AEFD-9C5C8BAA5AFA}"/>
+          </ac:cxnSpMkLst>
+        </pc:cxnChg>
+      </pc:sldChg>
+    </pc:docChg>
+  </pc:docChgLst>
 </pc:chgInfo>
 </file>
 
@@ -1100,7 +1134,7 @@
           <a:p>
             <a:fld id="{F5CC4B3F-88C1-4FFA-B1B6-F41C21DC6924}" type="datetimeFigureOut">
               <a:rPr lang="en-US" smtClean="0"/>
-              <a:t>3/29/19</a:t>
+              <a:t>4/5/19</a:t>
             </a:fld>
             <a:endParaRPr lang="en-US" dirty="0"/>
           </a:p>
@@ -1546,7 +1580,7 @@
           <a:p>
             <a:fld id="{78C97017-6FC3-485B-9764-EAC9E56C1D49}" type="datetimeFigureOut">
               <a:rPr lang="en-US" smtClean="0"/>
-              <a:t>3/29/19</a:t>
+              <a:t>4/5/19</a:t>
             </a:fld>
             <a:endParaRPr lang="en-US" dirty="0"/>
           </a:p>
@@ -1714,7 +1748,7 @@
           <a:p>
             <a:fld id="{78C97017-6FC3-485B-9764-EAC9E56C1D49}" type="datetimeFigureOut">
               <a:rPr lang="en-US" smtClean="0"/>
-              <a:t>3/29/19</a:t>
+              <a:t>4/5/19</a:t>
             </a:fld>
             <a:endParaRPr lang="en-US" dirty="0"/>
           </a:p>
@@ -1892,7 +1926,7 @@
           <a:p>
             <a:fld id="{78C97017-6FC3-485B-9764-EAC9E56C1D49}" type="datetimeFigureOut">
               <a:rPr lang="en-US" smtClean="0"/>
-              <a:t>3/29/19</a:t>
+              <a:t>4/5/19</a:t>
             </a:fld>
             <a:endParaRPr lang="en-US" dirty="0"/>
           </a:p>
@@ -2060,7 +2094,7 @@
           <a:p>
             <a:fld id="{78C97017-6FC3-485B-9764-EAC9E56C1D49}" type="datetimeFigureOut">
               <a:rPr lang="en-US" smtClean="0"/>
-              <a:t>3/29/19</a:t>
+              <a:t>4/5/19</a:t>
             </a:fld>
             <a:endParaRPr lang="en-US" dirty="0"/>
           </a:p>
@@ -2305,7 +2339,7 @@
           <a:p>
             <a:fld id="{78C97017-6FC3-485B-9764-EAC9E56C1D49}" type="datetimeFigureOut">
               <a:rPr lang="en-US" smtClean="0"/>
-              <a:t>3/29/19</a:t>
+              <a:t>4/5/19</a:t>
             </a:fld>
             <a:endParaRPr lang="en-US" dirty="0"/>
           </a:p>
@@ -2590,7 +2624,7 @@
           <a:p>
             <a:fld id="{78C97017-6FC3-485B-9764-EAC9E56C1D49}" type="datetimeFigureOut">
               <a:rPr lang="en-US" smtClean="0"/>
-              <a:t>3/29/19</a:t>
+              <a:t>4/5/19</a:t>
             </a:fld>
             <a:endParaRPr lang="en-US" dirty="0"/>
           </a:p>
@@ -3009,7 +3043,7 @@
           <a:p>
             <a:fld id="{78C97017-6FC3-485B-9764-EAC9E56C1D49}" type="datetimeFigureOut">
               <a:rPr lang="en-US" smtClean="0"/>
-              <a:t>3/29/19</a:t>
+              <a:t>4/5/19</a:t>
             </a:fld>
             <a:endParaRPr lang="en-US" dirty="0"/>
           </a:p>
@@ -3126,7 +3160,7 @@
           <a:p>
             <a:fld id="{78C97017-6FC3-485B-9764-EAC9E56C1D49}" type="datetimeFigureOut">
               <a:rPr lang="en-US" smtClean="0"/>
-              <a:t>3/29/19</a:t>
+              <a:t>4/5/19</a:t>
             </a:fld>
             <a:endParaRPr lang="en-US" dirty="0"/>
           </a:p>
@@ -3221,7 +3255,7 @@
           <a:p>
             <a:fld id="{78C97017-6FC3-485B-9764-EAC9E56C1D49}" type="datetimeFigureOut">
               <a:rPr lang="en-US" smtClean="0"/>
-              <a:t>3/29/19</a:t>
+              <a:t>4/5/19</a:t>
             </a:fld>
             <a:endParaRPr lang="en-US" dirty="0"/>
           </a:p>
@@ -3496,7 +3530,7 @@
           <a:p>
             <a:fld id="{78C97017-6FC3-485B-9764-EAC9E56C1D49}" type="datetimeFigureOut">
               <a:rPr lang="en-US" smtClean="0"/>
-              <a:t>3/29/19</a:t>
+              <a:t>4/5/19</a:t>
             </a:fld>
             <a:endParaRPr lang="en-US" dirty="0"/>
           </a:p>
@@ -3748,7 +3782,7 @@
           <a:p>
             <a:fld id="{78C97017-6FC3-485B-9764-EAC9E56C1D49}" type="datetimeFigureOut">
               <a:rPr lang="en-US" smtClean="0"/>
-              <a:t>3/29/19</a:t>
+              <a:t>4/5/19</a:t>
             </a:fld>
             <a:endParaRPr lang="en-US" dirty="0"/>
           </a:p>
@@ -3959,7 +3993,7 @@
           <a:p>
             <a:fld id="{78C97017-6FC3-485B-9764-EAC9E56C1D49}" type="datetimeFigureOut">
               <a:rPr lang="en-US" smtClean="0"/>
-              <a:t>3/29/19</a:t>
+              <a:t>4/5/19</a:t>
             </a:fld>
             <a:endParaRPr lang="en-US" dirty="0"/>
           </a:p>
@@ -5725,12 +5759,12 @@
         </p:nvCxnSpPr>
         <p:spPr>
           <a:xfrm>
-            <a:off x="10750798" y="3606510"/>
-            <a:ext cx="72937" cy="109922"/>
+            <a:off x="10703891" y="3632144"/>
+            <a:ext cx="134988" cy="109955"/>
           </a:xfrm>
           <a:prstGeom prst="curvedConnector3">
             <a:avLst>
-              <a:gd name="adj1" fmla="val 395134"/>
+              <a:gd name="adj1" fmla="val 291588"/>
             </a:avLst>
           </a:prstGeom>
           <a:ln>
@@ -6388,17 +6422,18 @@
           </p:cNvPr>
           <p:cNvCxnSpPr>
             <a:cxnSpLocks/>
+            <a:endCxn id="49" idx="3"/>
           </p:cNvCxnSpPr>
           <p:nvPr/>
         </p:nvCxnSpPr>
         <p:spPr>
-          <a:xfrm flipH="1">
-            <a:off x="10751758" y="3941849"/>
-            <a:ext cx="72953" cy="132809"/>
+          <a:xfrm rot="10800000" flipV="1">
+            <a:off x="10704088" y="3942212"/>
+            <a:ext cx="127009" cy="108247"/>
           </a:xfrm>
           <a:prstGeom prst="curvedConnector3">
             <a:avLst>
-              <a:gd name="adj1" fmla="val -313352"/>
+              <a:gd name="adj1" fmla="val -216834"/>
             </a:avLst>
           </a:prstGeom>
           <a:ln>
@@ -6664,7 +6699,7 @@
         </p:nvCxnSpPr>
         <p:spPr>
           <a:xfrm>
-            <a:off x="8070677" y="5105952"/>
+            <a:off x="8070677" y="5155950"/>
             <a:ext cx="4158635" cy="0"/>
           </a:xfrm>
           <a:prstGeom prst="straightConnector1">
@@ -7042,7 +7077,7 @@
         </p:nvCxnSpPr>
         <p:spPr>
           <a:xfrm>
-            <a:off x="8045611" y="4741365"/>
+            <a:off x="8045611" y="4703878"/>
             <a:ext cx="4183694" cy="0"/>
           </a:xfrm>
           <a:prstGeom prst="straightConnector1">
@@ -7207,12 +7242,12 @@
         </p:nvCxnSpPr>
         <p:spPr>
           <a:xfrm>
-            <a:off x="12386082" y="4686404"/>
-            <a:ext cx="72937" cy="109922"/>
+            <a:off x="12305506" y="4733068"/>
+            <a:ext cx="167219" cy="83872"/>
           </a:xfrm>
           <a:prstGeom prst="curvedConnector3">
             <a:avLst>
-              <a:gd name="adj1" fmla="val 395134"/>
+              <a:gd name="adj1" fmla="val 293035"/>
             </a:avLst>
           </a:prstGeom>
           <a:ln>
@@ -7237,12 +7272,67 @@
           </a:fontRef>
         </p:style>
       </p:cxnSp>
+      <p:sp>
+        <p:nvSpPr>
+          <p:cNvPr id="61" name="TextBox 60">
+            <a:extLst>
+              <a:ext uri="{FF2B5EF4-FFF2-40B4-BE49-F238E27FC236}">
+                <a16:creationId xmlns:a16="http://schemas.microsoft.com/office/drawing/2014/main" id="{A6AA3A69-FF3B-4544-9DE5-D79C590BA53D}"/>
+              </a:ext>
+            </a:extLst>
+          </p:cNvPr>
+          <p:cNvSpPr txBox="1"/>
+          <p:nvPr/>
+        </p:nvSpPr>
+        <p:spPr>
+          <a:xfrm>
+            <a:off x="294013" y="6533668"/>
+            <a:ext cx="9254858" cy="220916"/>
+          </a:xfrm>
+          <a:prstGeom prst="rect">
+            <a:avLst/>
+          </a:prstGeom>
+          <a:noFill/>
+        </p:spPr>
+        <p:txBody>
+          <a:bodyPr wrap="square" lIns="0" tIns="0" rIns="0" bIns="0" rtlCol="0">
+            <a:spAutoFit/>
+          </a:bodyPr>
+          <a:lstStyle/>
+          <a:p>
+            <a:r>
+              <a:rPr lang="en-US" sz="1400" dirty="0">
+                <a:solidFill>
+                  <a:srgbClr val="0070C0"/>
+                </a:solidFill>
+              </a:rPr>
+              <a:t>&lt;</a:t>
+            </a:r>
+            <a:r>
+              <a:rPr lang="en-US" sz="1400" dirty="0" err="1">
+                <a:solidFill>
+                  <a:srgbClr val="0070C0"/>
+                </a:solidFill>
+              </a:rPr>
+              <a:t>args</a:t>
+            </a:r>
+            <a:r>
+              <a:rPr lang="en-US" sz="1400" dirty="0">
+                <a:solidFill>
+                  <a:srgbClr val="0070C0"/>
+                </a:solidFill>
+              </a:rPr>
+              <a:t>&gt; = n/destroyer c/a1 r/vertical t/tag</a:t>
+            </a:r>
+          </a:p>
+        </p:txBody>
+      </p:sp>
       <p:cxnSp>
         <p:nvCxnSpPr>
-          <p:cNvPr id="75" name="Curved Connector 12">
+          <p:cNvPr id="88" name="Curved Connector 12">
             <a:extLst>
               <a:ext uri="{FF2B5EF4-FFF2-40B4-BE49-F238E27FC236}">
-                <a16:creationId xmlns:a16="http://schemas.microsoft.com/office/drawing/2014/main" id="{1815E438-CD85-F845-BED3-9BA12D9BA5E4}"/>
+                <a16:creationId xmlns:a16="http://schemas.microsoft.com/office/drawing/2014/main" id="{92348BEA-70E7-7E48-83EB-D9A4C68B91F9}"/>
               </a:ext>
             </a:extLst>
           </p:cNvPr>
@@ -7252,13 +7342,13 @@
           <p:nvPr/>
         </p:nvCxnSpPr>
         <p:spPr>
-          <a:xfrm flipH="1">
-            <a:off x="12386082" y="4966782"/>
-            <a:ext cx="72953" cy="132809"/>
+          <a:xfrm rot="10800000" flipV="1">
+            <a:off x="12338777" y="5029451"/>
+            <a:ext cx="127009" cy="108247"/>
           </a:xfrm>
           <a:prstGeom prst="curvedConnector3">
             <a:avLst>
-              <a:gd name="adj1" fmla="val -313352"/>
+              <a:gd name="adj1" fmla="val -216834"/>
             </a:avLst>
           </a:prstGeom>
           <a:ln>
@@ -7284,61 +7374,6 @@
           </a:fontRef>
         </p:style>
       </p:cxnSp>
-      <p:sp>
-        <p:nvSpPr>
-          <p:cNvPr id="61" name="TextBox 60">
-            <a:extLst>
-              <a:ext uri="{FF2B5EF4-FFF2-40B4-BE49-F238E27FC236}">
-                <a16:creationId xmlns:a16="http://schemas.microsoft.com/office/drawing/2014/main" id="{A6AA3A69-FF3B-4544-9DE5-D79C590BA53D}"/>
-              </a:ext>
-            </a:extLst>
-          </p:cNvPr>
-          <p:cNvSpPr txBox="1"/>
-          <p:nvPr/>
-        </p:nvSpPr>
-        <p:spPr>
-          <a:xfrm>
-            <a:off x="294013" y="6533668"/>
-            <a:ext cx="9254858" cy="220916"/>
-          </a:xfrm>
-          <a:prstGeom prst="rect">
-            <a:avLst/>
-          </a:prstGeom>
-          <a:noFill/>
-        </p:spPr>
-        <p:txBody>
-          <a:bodyPr wrap="square" lIns="0" tIns="0" rIns="0" bIns="0" rtlCol="0">
-            <a:spAutoFit/>
-          </a:bodyPr>
-          <a:lstStyle/>
-          <a:p>
-            <a:r>
-              <a:rPr lang="en-US" sz="1400" dirty="0">
-                <a:solidFill>
-                  <a:srgbClr val="0070C0"/>
-                </a:solidFill>
-              </a:rPr>
-              <a:t>&lt;</a:t>
-            </a:r>
-            <a:r>
-              <a:rPr lang="en-US" sz="1400" dirty="0" err="1">
-                <a:solidFill>
-                  <a:srgbClr val="0070C0"/>
-                </a:solidFill>
-              </a:rPr>
-              <a:t>args</a:t>
-            </a:r>
-            <a:r>
-              <a:rPr lang="en-US" sz="1400" dirty="0">
-                <a:solidFill>
-                  <a:srgbClr val="0070C0"/>
-                </a:solidFill>
-              </a:rPr>
-              <a:t>&gt; = n/destroyer c/a1 r/vertical t/tag</a:t>
-            </a:r>
-          </a:p>
-        </p:txBody>
-      </p:sp>
     </p:spTree>
     <p:extLst>
       <p:ext uri="{BB962C8B-B14F-4D97-AF65-F5344CB8AC3E}">

--- a/docs/diagrams/PutShipSequenceDiagram.pptx
+++ b/docs/diagrams/PutShipSequenceDiagram.pptx
@@ -129,7 +129,7 @@
 <file path=ppt/revisionInfo.xml><?xml version="1.0" encoding="utf-8"?>
 <p1510:revInfo xmlns:a="http://schemas.openxmlformats.org/drawingml/2006/main" xmlns:r="http://schemas.openxmlformats.org/officeDocument/2006/relationships" xmlns:p1510="http://schemas.microsoft.com/office/powerpoint/2015/10/main">
   <p1510:revLst>
-    <p1510:client id="{E7B3513D-77CA-6A41-910B-0B9402F691A1}" v="1" dt="2019-04-05T01:25:36.917"/>
+    <p1510:client id="{E7B3513D-77CA-6A41-910B-0B9402F691A1}" v="2" dt="2019-04-05T01:26:08.823"/>
   </p1510:revLst>
 </p1510:revInfo>
 </file>
@@ -980,16 +980,24 @@
   <pc:docChgLst>
     <pc:chgData name="Ian Wu Ling En" userId="28715549-2f5c-46f8-b7f8-f39c35f3312d" providerId="ADAL" clId="{E7B3513D-77CA-6A41-910B-0B9402F691A1}"/>
     <pc:docChg chg="undo custSel modSld">
-      <pc:chgData name="Ian Wu Ling En" userId="28715549-2f5c-46f8-b7f8-f39c35f3312d" providerId="ADAL" clId="{E7B3513D-77CA-6A41-910B-0B9402F691A1}" dt="2019-04-05T01:25:44.900" v="38" actId="1076"/>
+      <pc:chgData name="Ian Wu Ling En" userId="28715549-2f5c-46f8-b7f8-f39c35f3312d" providerId="ADAL" clId="{E7B3513D-77CA-6A41-910B-0B9402F691A1}" dt="2019-04-05T01:26:24.754" v="40" actId="478"/>
       <pc:docMkLst>
         <pc:docMk/>
       </pc:docMkLst>
       <pc:sldChg chg="addSp delSp modSp">
-        <pc:chgData name="Ian Wu Ling En" userId="28715549-2f5c-46f8-b7f8-f39c35f3312d" providerId="ADAL" clId="{E7B3513D-77CA-6A41-910B-0B9402F691A1}" dt="2019-04-05T01:25:44.900" v="38" actId="1076"/>
+        <pc:chgData name="Ian Wu Ling En" userId="28715549-2f5c-46f8-b7f8-f39c35f3312d" providerId="ADAL" clId="{E7B3513D-77CA-6A41-910B-0B9402F691A1}" dt="2019-04-05T01:26:24.754" v="40" actId="478"/>
         <pc:sldMkLst>
           <pc:docMk/>
           <pc:sldMk cId="3945898909" sldId="267"/>
         </pc:sldMkLst>
+        <pc:spChg chg="add del mod">
+          <ac:chgData name="Ian Wu Ling En" userId="28715549-2f5c-46f8-b7f8-f39c35f3312d" providerId="ADAL" clId="{E7B3513D-77CA-6A41-910B-0B9402F691A1}" dt="2019-04-05T01:26:24.754" v="40" actId="478"/>
+          <ac:spMkLst>
+            <pc:docMk/>
+            <pc:sldMk cId="3945898909" sldId="267"/>
+            <ac:spMk id="48" creationId="{605601C2-3D38-4149-9622-6185CFC62D0B}"/>
+          </ac:spMkLst>
+        </pc:spChg>
         <pc:cxnChg chg="mod">
           <ac:chgData name="Ian Wu Ling En" userId="28715549-2f5c-46f8-b7f8-f39c35f3312d" providerId="ADAL" clId="{E7B3513D-77CA-6A41-910B-0B9402F691A1}" dt="2019-04-05T01:25:05.747" v="23" actId="14100"/>
           <ac:cxnSpMkLst>

--- a/docs/diagrams/PutShipSequenceDiagram.pptx
+++ b/docs/diagrams/PutShipSequenceDiagram.pptx
@@ -10,7 +10,7 @@
   <p:sldIdLst>
     <p:sldId id="267" r:id="rId2"/>
   </p:sldIdLst>
-  <p:sldSz cx="14400213" cy="6858000"/>
+  <p:sldSz cx="18000663" cy="12599988"/>
   <p:notesSz cx="6858000" cy="9144000"/>
   <p:defaultTextStyle>
     <a:defPPr>
@@ -110,12 +110,12 @@
   <p:extLst>
     <p:ext uri="{EFAFB233-063F-42B5-8137-9DF3F51BA10A}">
       <p15:sldGuideLst xmlns:p15="http://schemas.microsoft.com/office/powerpoint/2012/main">
-        <p15:guide id="1" orient="horz" pos="1488" userDrawn="1">
+        <p15:guide id="1" orient="horz" pos="2735" userDrawn="1">
           <p15:clr>
             <a:srgbClr val="A4A3A4"/>
           </p15:clr>
         </p15:guide>
-        <p15:guide id="2" pos="4536" userDrawn="1">
+        <p15:guide id="2" pos="5670" userDrawn="1">
           <p15:clr>
             <a:srgbClr val="A4A3A4"/>
           </p15:clr>
@@ -129,7 +129,7 @@
 <file path=ppt/revisionInfo.xml><?xml version="1.0" encoding="utf-8"?>
 <p1510:revInfo xmlns:a="http://schemas.openxmlformats.org/drawingml/2006/main" xmlns:r="http://schemas.openxmlformats.org/officeDocument/2006/relationships" xmlns:p1510="http://schemas.microsoft.com/office/powerpoint/2015/10/main">
   <p1510:revLst>
-    <p1510:client id="{E7B3513D-77CA-6A41-910B-0B9402F691A1}" v="2" dt="2019-04-05T01:26:08.823"/>
+    <p1510:client id="{E7B3513D-77CA-6A41-910B-0B9402F691A1}" v="63" dt="2019-04-10T12:22:01.953"/>
   </p1510:revLst>
 </p1510:revInfo>
 </file>
@@ -979,17 +979,97 @@
   </pc:docChgLst>
   <pc:docChgLst>
     <pc:chgData name="Ian Wu Ling En" userId="28715549-2f5c-46f8-b7f8-f39c35f3312d" providerId="ADAL" clId="{E7B3513D-77CA-6A41-910B-0B9402F691A1}"/>
-    <pc:docChg chg="undo custSel modSld">
-      <pc:chgData name="Ian Wu Ling En" userId="28715549-2f5c-46f8-b7f8-f39c35f3312d" providerId="ADAL" clId="{E7B3513D-77CA-6A41-910B-0B9402F691A1}" dt="2019-04-05T01:26:24.754" v="40" actId="478"/>
+    <pc:docChg chg="undo redo custSel modSld modMainMaster">
+      <pc:chgData name="Ian Wu Ling En" userId="28715549-2f5c-46f8-b7f8-f39c35f3312d" providerId="ADAL" clId="{E7B3513D-77CA-6A41-910B-0B9402F691A1}" dt="2019-04-10T12:22:38.415" v="732" actId="20577"/>
       <pc:docMkLst>
         <pc:docMk/>
       </pc:docMkLst>
       <pc:sldChg chg="addSp delSp modSp">
-        <pc:chgData name="Ian Wu Ling En" userId="28715549-2f5c-46f8-b7f8-f39c35f3312d" providerId="ADAL" clId="{E7B3513D-77CA-6A41-910B-0B9402F691A1}" dt="2019-04-05T01:26:24.754" v="40" actId="478"/>
+        <pc:chgData name="Ian Wu Ling En" userId="28715549-2f5c-46f8-b7f8-f39c35f3312d" providerId="ADAL" clId="{E7B3513D-77CA-6A41-910B-0B9402F691A1}" dt="2019-04-10T12:22:38.415" v="732" actId="20577"/>
         <pc:sldMkLst>
           <pc:docMk/>
           <pc:sldMk cId="3945898909" sldId="267"/>
         </pc:sldMkLst>
+        <pc:spChg chg="mod">
+          <ac:chgData name="Ian Wu Ling En" userId="28715549-2f5c-46f8-b7f8-f39c35f3312d" providerId="ADAL" clId="{E7B3513D-77CA-6A41-910B-0B9402F691A1}" dt="2019-04-10T11:48:40.160" v="344" actId="1076"/>
+          <ac:spMkLst>
+            <pc:docMk/>
+            <pc:sldMk cId="3945898909" sldId="267"/>
+            <ac:spMk id="2" creationId="{00000000-0000-0000-0000-000000000000}"/>
+          </ac:spMkLst>
+        </pc:spChg>
+        <pc:spChg chg="mod">
+          <ac:chgData name="Ian Wu Ling En" userId="28715549-2f5c-46f8-b7f8-f39c35f3312d" providerId="ADAL" clId="{E7B3513D-77CA-6A41-910B-0B9402F691A1}" dt="2019-04-10T12:14:57.207" v="704" actId="14100"/>
+          <ac:spMkLst>
+            <pc:docMk/>
+            <pc:sldMk cId="3945898909" sldId="267"/>
+            <ac:spMk id="6" creationId="{00000000-0000-0000-0000-000000000000}"/>
+          </ac:spMkLst>
+        </pc:spChg>
+        <pc:spChg chg="mod">
+          <ac:chgData name="Ian Wu Ling En" userId="28715549-2f5c-46f8-b7f8-f39c35f3312d" providerId="ADAL" clId="{E7B3513D-77CA-6A41-910B-0B9402F691A1}" dt="2019-04-10T12:16:56.100" v="706" actId="790"/>
+          <ac:spMkLst>
+            <pc:docMk/>
+            <pc:sldMk cId="3945898909" sldId="267"/>
+            <ac:spMk id="16" creationId="{00000000-0000-0000-0000-000000000000}"/>
+          </ac:spMkLst>
+        </pc:spChg>
+        <pc:spChg chg="mod">
+          <ac:chgData name="Ian Wu Ling En" userId="28715549-2f5c-46f8-b7f8-f39c35f3312d" providerId="ADAL" clId="{E7B3513D-77CA-6A41-910B-0B9402F691A1}" dt="2019-04-10T11:48:40.160" v="344" actId="1076"/>
+          <ac:spMkLst>
+            <pc:docMk/>
+            <pc:sldMk cId="3945898909" sldId="267"/>
+            <ac:spMk id="18" creationId="{00000000-0000-0000-0000-000000000000}"/>
+          </ac:spMkLst>
+        </pc:spChg>
+        <pc:spChg chg="mod">
+          <ac:chgData name="Ian Wu Ling En" userId="28715549-2f5c-46f8-b7f8-f39c35f3312d" providerId="ADAL" clId="{E7B3513D-77CA-6A41-910B-0B9402F691A1}" dt="2019-04-10T11:48:40.160" v="344" actId="1076"/>
+          <ac:spMkLst>
+            <pc:docMk/>
+            <pc:sldMk cId="3945898909" sldId="267"/>
+            <ac:spMk id="19" creationId="{00000000-0000-0000-0000-000000000000}"/>
+          </ac:spMkLst>
+        </pc:spChg>
+        <pc:spChg chg="mod">
+          <ac:chgData name="Ian Wu Ling En" userId="28715549-2f5c-46f8-b7f8-f39c35f3312d" providerId="ADAL" clId="{E7B3513D-77CA-6A41-910B-0B9402F691A1}" dt="2019-04-10T11:48:40.160" v="344" actId="1076"/>
+          <ac:spMkLst>
+            <pc:docMk/>
+            <pc:sldMk cId="3945898909" sldId="267"/>
+            <ac:spMk id="21" creationId="{00000000-0000-0000-0000-000000000000}"/>
+          </ac:spMkLst>
+        </pc:spChg>
+        <pc:spChg chg="mod">
+          <ac:chgData name="Ian Wu Ling En" userId="28715549-2f5c-46f8-b7f8-f39c35f3312d" providerId="ADAL" clId="{E7B3513D-77CA-6A41-910B-0B9402F691A1}" dt="2019-04-10T12:22:38.415" v="732" actId="20577"/>
+          <ac:spMkLst>
+            <pc:docMk/>
+            <pc:sldMk cId="3945898909" sldId="267"/>
+            <ac:spMk id="26" creationId="{00000000-0000-0000-0000-000000000000}"/>
+          </ac:spMkLst>
+        </pc:spChg>
+        <pc:spChg chg="mod">
+          <ac:chgData name="Ian Wu Ling En" userId="28715549-2f5c-46f8-b7f8-f39c35f3312d" providerId="ADAL" clId="{E7B3513D-77CA-6A41-910B-0B9402F691A1}" dt="2019-04-10T11:48:40.160" v="344" actId="1076"/>
+          <ac:spMkLst>
+            <pc:docMk/>
+            <pc:sldMk cId="3945898909" sldId="267"/>
+            <ac:spMk id="29" creationId="{00000000-0000-0000-0000-000000000000}"/>
+          </ac:spMkLst>
+        </pc:spChg>
+        <pc:spChg chg="mod">
+          <ac:chgData name="Ian Wu Ling En" userId="28715549-2f5c-46f8-b7f8-f39c35f3312d" providerId="ADAL" clId="{E7B3513D-77CA-6A41-910B-0B9402F691A1}" dt="2019-04-10T12:03:24.877" v="547" actId="1076"/>
+          <ac:spMkLst>
+            <pc:docMk/>
+            <pc:sldMk cId="3945898909" sldId="267"/>
+            <ac:spMk id="40" creationId="{00000000-0000-0000-0000-000000000000}"/>
+          </ac:spMkLst>
+        </pc:spChg>
+        <pc:spChg chg="del mod">
+          <ac:chgData name="Ian Wu Ling En" userId="28715549-2f5c-46f8-b7f8-f39c35f3312d" providerId="ADAL" clId="{E7B3513D-77CA-6A41-910B-0B9402F691A1}" dt="2019-04-10T11:48:03.896" v="339" actId="478"/>
+          <ac:spMkLst>
+            <pc:docMk/>
+            <pc:sldMk cId="3945898909" sldId="267"/>
+            <ac:spMk id="41" creationId="{00000000-0000-0000-0000-000000000000}"/>
+          </ac:spMkLst>
+        </pc:spChg>
         <pc:spChg chg="add del mod">
           <ac:chgData name="Ian Wu Ling En" userId="28715549-2f5c-46f8-b7f8-f39c35f3312d" providerId="ADAL" clId="{E7B3513D-77CA-6A41-910B-0B9402F691A1}" dt="2019-04-05T01:26:24.754" v="40" actId="478"/>
           <ac:spMkLst>
@@ -998,8 +1078,424 @@
             <ac:spMk id="48" creationId="{605601C2-3D38-4149-9622-6185CFC62D0B}"/>
           </ac:spMkLst>
         </pc:spChg>
+        <pc:spChg chg="mod">
+          <ac:chgData name="Ian Wu Ling En" userId="28715549-2f5c-46f8-b7f8-f39c35f3312d" providerId="ADAL" clId="{E7B3513D-77CA-6A41-910B-0B9402F691A1}" dt="2019-04-10T12:22:01.953" v="728" actId="166"/>
+          <ac:spMkLst>
+            <pc:docMk/>
+            <pc:sldMk cId="3945898909" sldId="267"/>
+            <ac:spMk id="49" creationId="{00000000-0000-0000-0000-000000000000}"/>
+          </ac:spMkLst>
+        </pc:spChg>
+        <pc:spChg chg="mod">
+          <ac:chgData name="Ian Wu Ling En" userId="28715549-2f5c-46f8-b7f8-f39c35f3312d" providerId="ADAL" clId="{E7B3513D-77CA-6A41-910B-0B9402F691A1}" dt="2019-04-10T12:15:25.325" v="705" actId="1076"/>
+          <ac:spMkLst>
+            <pc:docMk/>
+            <pc:sldMk cId="3945898909" sldId="267"/>
+            <ac:spMk id="61" creationId="{A6AA3A69-FF3B-4544-9DE5-D79C590BA53D}"/>
+          </ac:spMkLst>
+        </pc:spChg>
+        <pc:spChg chg="mod">
+          <ac:chgData name="Ian Wu Ling En" userId="28715549-2f5c-46f8-b7f8-f39c35f3312d" providerId="ADAL" clId="{E7B3513D-77CA-6A41-910B-0B9402F691A1}" dt="2019-04-10T12:11:00.961" v="647" actId="14100"/>
+          <ac:spMkLst>
+            <pc:docMk/>
+            <pc:sldMk cId="3945898909" sldId="267"/>
+            <ac:spMk id="64" creationId="{8FD74532-ECA6-FD4B-B1AA-7BDC9A36980E}"/>
+          </ac:spMkLst>
+        </pc:spChg>
+        <pc:spChg chg="mod">
+          <ac:chgData name="Ian Wu Ling En" userId="28715549-2f5c-46f8-b7f8-f39c35f3312d" providerId="ADAL" clId="{E7B3513D-77CA-6A41-910B-0B9402F691A1}" dt="2019-04-10T12:20:57.935" v="720" actId="166"/>
+          <ac:spMkLst>
+            <pc:docMk/>
+            <pc:sldMk cId="3945898909" sldId="267"/>
+            <ac:spMk id="65" creationId="{00000000-0000-0000-0000-000000000000}"/>
+          </ac:spMkLst>
+        </pc:spChg>
+        <pc:spChg chg="mod">
+          <ac:chgData name="Ian Wu Ling En" userId="28715549-2f5c-46f8-b7f8-f39c35f3312d" providerId="ADAL" clId="{E7B3513D-77CA-6A41-910B-0B9402F691A1}" dt="2019-04-10T12:07:05.665" v="612" actId="164"/>
+          <ac:spMkLst>
+            <pc:docMk/>
+            <pc:sldMk cId="3945898909" sldId="267"/>
+            <ac:spMk id="68" creationId="{30DD5FE9-12F7-3B4D-9DA7-5C75E842CE53}"/>
+          </ac:spMkLst>
+        </pc:spChg>
+        <pc:spChg chg="mod">
+          <ac:chgData name="Ian Wu Ling En" userId="28715549-2f5c-46f8-b7f8-f39c35f3312d" providerId="ADAL" clId="{E7B3513D-77CA-6A41-910B-0B9402F691A1}" dt="2019-04-10T11:48:40.160" v="344" actId="1076"/>
+          <ac:spMkLst>
+            <pc:docMk/>
+            <pc:sldMk cId="3945898909" sldId="267"/>
+            <ac:spMk id="71" creationId="{3A29E65C-0A9E-4AB5-8BF2-6F2BF1DB76DF}"/>
+          </ac:spMkLst>
+        </pc:spChg>
+        <pc:spChg chg="mod">
+          <ac:chgData name="Ian Wu Ling En" userId="28715549-2f5c-46f8-b7f8-f39c35f3312d" providerId="ADAL" clId="{E7B3513D-77CA-6A41-910B-0B9402F691A1}" dt="2019-04-10T12:18:11.681" v="711" actId="404"/>
+          <ac:spMkLst>
+            <pc:docMk/>
+            <pc:sldMk cId="3945898909" sldId="267"/>
+            <ac:spMk id="72" creationId="{DA9798D2-A662-4296-8252-843468198535}"/>
+          </ac:spMkLst>
+        </pc:spChg>
+        <pc:spChg chg="mod">
+          <ac:chgData name="Ian Wu Ling En" userId="28715549-2f5c-46f8-b7f8-f39c35f3312d" providerId="ADAL" clId="{E7B3513D-77CA-6A41-910B-0B9402F691A1}" dt="2019-04-10T11:48:40.160" v="344" actId="1076"/>
+          <ac:spMkLst>
+            <pc:docMk/>
+            <pc:sldMk cId="3945898909" sldId="267"/>
+            <ac:spMk id="73" creationId="{6BE0EE90-E7A8-43C8-A9B8-904835775906}"/>
+          </ac:spMkLst>
+        </pc:spChg>
+        <pc:spChg chg="del mod">
+          <ac:chgData name="Ian Wu Ling En" userId="28715549-2f5c-46f8-b7f8-f39c35f3312d" providerId="ADAL" clId="{E7B3513D-77CA-6A41-910B-0B9402F691A1}" dt="2019-04-10T11:54:22.060" v="441" actId="478"/>
+          <ac:spMkLst>
+            <pc:docMk/>
+            <pc:sldMk cId="3945898909" sldId="267"/>
+            <ac:spMk id="77" creationId="{4AB32D64-C5D6-1847-90A2-1199A9BAE14B}"/>
+          </ac:spMkLst>
+        </pc:spChg>
+        <pc:spChg chg="mod">
+          <ac:chgData name="Ian Wu Ling En" userId="28715549-2f5c-46f8-b7f8-f39c35f3312d" providerId="ADAL" clId="{E7B3513D-77CA-6A41-910B-0B9402F691A1}" dt="2019-04-10T11:48:40.160" v="344" actId="1076"/>
+          <ac:spMkLst>
+            <pc:docMk/>
+            <pc:sldMk cId="3945898909" sldId="267"/>
+            <ac:spMk id="78" creationId="{4819499D-51D3-4A4D-80BE-A6C45E053497}"/>
+          </ac:spMkLst>
+        </pc:spChg>
+        <pc:spChg chg="del">
+          <ac:chgData name="Ian Wu Ling En" userId="28715549-2f5c-46f8-b7f8-f39c35f3312d" providerId="ADAL" clId="{E7B3513D-77CA-6A41-910B-0B9402F691A1}" dt="2019-04-10T11:16:45.113" v="117"/>
+          <ac:spMkLst>
+            <pc:docMk/>
+            <pc:sldMk cId="3945898909" sldId="267"/>
+            <ac:spMk id="79" creationId="{D3F76BBD-2D01-6240-A02E-1EA9552A8274}"/>
+          </ac:spMkLst>
+        </pc:spChg>
+        <pc:spChg chg="mod">
+          <ac:chgData name="Ian Wu Ling En" userId="28715549-2f5c-46f8-b7f8-f39c35f3312d" providerId="ADAL" clId="{E7B3513D-77CA-6A41-910B-0B9402F691A1}" dt="2019-04-10T12:18:11.681" v="711" actId="404"/>
+          <ac:spMkLst>
+            <pc:docMk/>
+            <pc:sldMk cId="3945898909" sldId="267"/>
+            <ac:spMk id="80" creationId="{00000000-0000-0000-0000-000000000000}"/>
+          </ac:spMkLst>
+        </pc:spChg>
+        <pc:spChg chg="add mod">
+          <ac:chgData name="Ian Wu Ling En" userId="28715549-2f5c-46f8-b7f8-f39c35f3312d" providerId="ADAL" clId="{E7B3513D-77CA-6A41-910B-0B9402F691A1}" dt="2019-04-10T12:21:51.073" v="727" actId="14100"/>
+          <ac:spMkLst>
+            <pc:docMk/>
+            <pc:sldMk cId="3945898909" sldId="267"/>
+            <ac:spMk id="89" creationId="{E05EBC68-AC66-8647-8F33-8FC249B498C6}"/>
+          </ac:spMkLst>
+        </pc:spChg>
+        <pc:spChg chg="mod">
+          <ac:chgData name="Ian Wu Ling En" userId="28715549-2f5c-46f8-b7f8-f39c35f3312d" providerId="ADAL" clId="{E7B3513D-77CA-6A41-910B-0B9402F691A1}" dt="2019-04-10T12:12:55.272" v="680" actId="164"/>
+          <ac:spMkLst>
+            <pc:docMk/>
+            <pc:sldMk cId="3945898909" sldId="267"/>
+            <ac:spMk id="94" creationId="{BBF0726A-3E70-488A-9417-D9F80DCD7B1A}"/>
+          </ac:spMkLst>
+        </pc:spChg>
+        <pc:spChg chg="add mod">
+          <ac:chgData name="Ian Wu Ling En" userId="28715549-2f5c-46f8-b7f8-f39c35f3312d" providerId="ADAL" clId="{E7B3513D-77CA-6A41-910B-0B9402F691A1}" dt="2019-04-10T12:17:52.801" v="710" actId="20577"/>
+          <ac:spMkLst>
+            <pc:docMk/>
+            <pc:sldMk cId="3945898909" sldId="267"/>
+            <ac:spMk id="96" creationId="{7116BA0D-401B-BB48-AA36-2BEA0D2D75EE}"/>
+          </ac:spMkLst>
+        </pc:spChg>
+        <pc:spChg chg="add del mod">
+          <ac:chgData name="Ian Wu Ling En" userId="28715549-2f5c-46f8-b7f8-f39c35f3312d" providerId="ADAL" clId="{E7B3513D-77CA-6A41-910B-0B9402F691A1}" dt="2019-04-10T11:33:58.730" v="226"/>
+          <ac:spMkLst>
+            <pc:docMk/>
+            <pc:sldMk cId="3945898909" sldId="267"/>
+            <ac:spMk id="97" creationId="{E7B620C1-4946-7543-AECB-731C267324E3}"/>
+          </ac:spMkLst>
+        </pc:spChg>
+        <pc:spChg chg="add del mod">
+          <ac:chgData name="Ian Wu Ling En" userId="28715549-2f5c-46f8-b7f8-f39c35f3312d" providerId="ADAL" clId="{E7B3513D-77CA-6A41-910B-0B9402F691A1}" dt="2019-04-10T11:46:04.758" v="322" actId="478"/>
+          <ac:spMkLst>
+            <pc:docMk/>
+            <pc:sldMk cId="3945898909" sldId="267"/>
+            <ac:spMk id="100" creationId="{0C8A7725-C459-8B44-B024-79FD85B9EB4E}"/>
+          </ac:spMkLst>
+        </pc:spChg>
+        <pc:spChg chg="add mod">
+          <ac:chgData name="Ian Wu Ling En" userId="28715549-2f5c-46f8-b7f8-f39c35f3312d" providerId="ADAL" clId="{E7B3513D-77CA-6A41-910B-0B9402F691A1}" dt="2019-04-10T11:57:32.639" v="465" actId="164"/>
+          <ac:spMkLst>
+            <pc:docMk/>
+            <pc:sldMk cId="3945898909" sldId="267"/>
+            <ac:spMk id="102" creationId="{6A64BBFD-F360-4345-AC45-8FC9B6DB61D0}"/>
+          </ac:spMkLst>
+        </pc:spChg>
+        <pc:spChg chg="add mod">
+          <ac:chgData name="Ian Wu Ling En" userId="28715549-2f5c-46f8-b7f8-f39c35f3312d" providerId="ADAL" clId="{E7B3513D-77CA-6A41-910B-0B9402F691A1}" dt="2019-04-10T12:10:17.611" v="642" actId="1076"/>
+          <ac:spMkLst>
+            <pc:docMk/>
+            <pc:sldMk cId="3945898909" sldId="267"/>
+            <ac:spMk id="104" creationId="{5E40F979-1494-C947-A85A-217E0C38A9AD}"/>
+          </ac:spMkLst>
+        </pc:spChg>
+        <pc:spChg chg="add mod">
+          <ac:chgData name="Ian Wu Ling En" userId="28715549-2f5c-46f8-b7f8-f39c35f3312d" providerId="ADAL" clId="{E7B3513D-77CA-6A41-910B-0B9402F691A1}" dt="2019-04-10T12:03:35.733" v="551" actId="1076"/>
+          <ac:spMkLst>
+            <pc:docMk/>
+            <pc:sldMk cId="3945898909" sldId="267"/>
+            <ac:spMk id="109" creationId="{4FB2FC52-F11A-EC4F-8E5B-708069C7F882}"/>
+          </ac:spMkLst>
+        </pc:spChg>
+        <pc:spChg chg="mod">
+          <ac:chgData name="Ian Wu Ling En" userId="28715549-2f5c-46f8-b7f8-f39c35f3312d" providerId="ADAL" clId="{E7B3513D-77CA-6A41-910B-0B9402F691A1}" dt="2019-04-10T12:03:21.085" v="546" actId="1076"/>
+          <ac:spMkLst>
+            <pc:docMk/>
+            <pc:sldMk cId="3945898909" sldId="267"/>
+            <ac:spMk id="112" creationId="{DDE66C97-94DE-4F8A-8BB3-F9C3A351E7D5}"/>
+          </ac:spMkLst>
+        </pc:spChg>
+        <pc:spChg chg="add mod">
+          <ac:chgData name="Ian Wu Ling En" userId="28715549-2f5c-46f8-b7f8-f39c35f3312d" providerId="ADAL" clId="{E7B3513D-77CA-6A41-910B-0B9402F691A1}" dt="2019-04-10T12:03:21.085" v="546" actId="1076"/>
+          <ac:spMkLst>
+            <pc:docMk/>
+            <pc:sldMk cId="3945898909" sldId="267"/>
+            <ac:spMk id="113" creationId="{857BD26F-2867-814C-974D-59D45C1A1B66}"/>
+          </ac:spMkLst>
+        </pc:spChg>
+        <pc:spChg chg="add mod">
+          <ac:chgData name="Ian Wu Ling En" userId="28715549-2f5c-46f8-b7f8-f39c35f3312d" providerId="ADAL" clId="{E7B3513D-77CA-6A41-910B-0B9402F691A1}" dt="2019-04-10T12:03:21.085" v="546" actId="1076"/>
+          <ac:spMkLst>
+            <pc:docMk/>
+            <pc:sldMk cId="3945898909" sldId="267"/>
+            <ac:spMk id="114" creationId="{83D70EFD-DD1D-7840-A8AC-E757C8277B7A}"/>
+          </ac:spMkLst>
+        </pc:spChg>
+        <pc:spChg chg="add mod">
+          <ac:chgData name="Ian Wu Ling En" userId="28715549-2f5c-46f8-b7f8-f39c35f3312d" providerId="ADAL" clId="{E7B3513D-77CA-6A41-910B-0B9402F691A1}" dt="2019-04-10T11:47:09.482" v="329" actId="571"/>
+          <ac:spMkLst>
+            <pc:docMk/>
+            <pc:sldMk cId="3945898909" sldId="267"/>
+            <ac:spMk id="115" creationId="{B336FFA4-01F6-5D4E-85A0-325DA414841E}"/>
+          </ac:spMkLst>
+        </pc:spChg>
+        <pc:spChg chg="add mod">
+          <ac:chgData name="Ian Wu Ling En" userId="28715549-2f5c-46f8-b7f8-f39c35f3312d" providerId="ADAL" clId="{E7B3513D-77CA-6A41-910B-0B9402F691A1}" dt="2019-04-10T11:47:09.482" v="329" actId="571"/>
+          <ac:spMkLst>
+            <pc:docMk/>
+            <pc:sldMk cId="3945898909" sldId="267"/>
+            <ac:spMk id="117" creationId="{6D42CB08-365B-3B4E-AA02-520B411D505C}"/>
+          </ac:spMkLst>
+        </pc:spChg>
+        <pc:spChg chg="del mod">
+          <ac:chgData name="Ian Wu Ling En" userId="28715549-2f5c-46f8-b7f8-f39c35f3312d" providerId="ADAL" clId="{E7B3513D-77CA-6A41-910B-0B9402F691A1}" dt="2019-04-10T11:48:02.630" v="337" actId="478"/>
+          <ac:spMkLst>
+            <pc:docMk/>
+            <pc:sldMk cId="3945898909" sldId="267"/>
+            <ac:spMk id="118" creationId="{4ACA60A2-2A0C-47AA-BA1F-7C416670135D}"/>
+          </ac:spMkLst>
+        </pc:spChg>
+        <pc:spChg chg="add mod">
+          <ac:chgData name="Ian Wu Ling En" userId="28715549-2f5c-46f8-b7f8-f39c35f3312d" providerId="ADAL" clId="{E7B3513D-77CA-6A41-910B-0B9402F691A1}" dt="2019-04-10T11:47:44.747" v="333" actId="571"/>
+          <ac:spMkLst>
+            <pc:docMk/>
+            <pc:sldMk cId="3945898909" sldId="267"/>
+            <ac:spMk id="120" creationId="{6CEA902C-E09C-D147-A757-FA2313654878}"/>
+          </ac:spMkLst>
+        </pc:spChg>
+        <pc:spChg chg="add mod">
+          <ac:chgData name="Ian Wu Ling En" userId="28715549-2f5c-46f8-b7f8-f39c35f3312d" providerId="ADAL" clId="{E7B3513D-77CA-6A41-910B-0B9402F691A1}" dt="2019-04-10T11:47:44.747" v="333" actId="571"/>
+          <ac:spMkLst>
+            <pc:docMk/>
+            <pc:sldMk cId="3945898909" sldId="267"/>
+            <ac:spMk id="123" creationId="{AC0F57F5-C3E6-C24C-9A7F-5EC0DA1833FE}"/>
+          </ac:spMkLst>
+        </pc:spChg>
+        <pc:spChg chg="add mod">
+          <ac:chgData name="Ian Wu Ling En" userId="28715549-2f5c-46f8-b7f8-f39c35f3312d" providerId="ADAL" clId="{E7B3513D-77CA-6A41-910B-0B9402F691A1}" dt="2019-04-10T11:47:44.747" v="333" actId="571"/>
+          <ac:spMkLst>
+            <pc:docMk/>
+            <pc:sldMk cId="3945898909" sldId="267"/>
+            <ac:spMk id="124" creationId="{FC76C14D-CF18-1945-BAFB-77E4D4814791}"/>
+          </ac:spMkLst>
+        </pc:spChg>
+        <pc:spChg chg="add mod">
+          <ac:chgData name="Ian Wu Ling En" userId="28715549-2f5c-46f8-b7f8-f39c35f3312d" providerId="ADAL" clId="{E7B3513D-77CA-6A41-910B-0B9402F691A1}" dt="2019-04-10T12:03:39.015" v="552" actId="1076"/>
+          <ac:spMkLst>
+            <pc:docMk/>
+            <pc:sldMk cId="3945898909" sldId="267"/>
+            <ac:spMk id="125" creationId="{0052FA36-EB73-944D-BA3B-5307FECE2B92}"/>
+          </ac:spMkLst>
+        </pc:spChg>
+        <pc:spChg chg="add mod">
+          <ac:chgData name="Ian Wu Ling En" userId="28715549-2f5c-46f8-b7f8-f39c35f3312d" providerId="ADAL" clId="{E7B3513D-77CA-6A41-910B-0B9402F691A1}" dt="2019-04-10T12:03:21.085" v="546" actId="1076"/>
+          <ac:spMkLst>
+            <pc:docMk/>
+            <pc:sldMk cId="3945898909" sldId="267"/>
+            <ac:spMk id="127" creationId="{2243260F-8774-CA4F-8E4C-CECCED57EB89}"/>
+          </ac:spMkLst>
+        </pc:spChg>
+        <pc:spChg chg="add mod">
+          <ac:chgData name="Ian Wu Ling En" userId="28715549-2f5c-46f8-b7f8-f39c35f3312d" providerId="ADAL" clId="{E7B3513D-77CA-6A41-910B-0B9402F691A1}" dt="2019-04-10T12:06:48.666" v="609" actId="1076"/>
+          <ac:spMkLst>
+            <pc:docMk/>
+            <pc:sldMk cId="3945898909" sldId="267"/>
+            <ac:spMk id="129" creationId="{EB53C533-2CE1-7B44-B107-9E83FD5632F9}"/>
+          </ac:spMkLst>
+        </pc:spChg>
+        <pc:spChg chg="add mod">
+          <ac:chgData name="Ian Wu Ling En" userId="28715549-2f5c-46f8-b7f8-f39c35f3312d" providerId="ADAL" clId="{E7B3513D-77CA-6A41-910B-0B9402F691A1}" dt="2019-04-10T12:10:51.854" v="646" actId="14100"/>
+          <ac:spMkLst>
+            <pc:docMk/>
+            <pc:sldMk cId="3945898909" sldId="267"/>
+            <ac:spMk id="131" creationId="{E7488C15-06A6-0249-AE49-1C8B0973CEAB}"/>
+          </ac:spMkLst>
+        </pc:spChg>
+        <pc:spChg chg="add mod">
+          <ac:chgData name="Ian Wu Ling En" userId="28715549-2f5c-46f8-b7f8-f39c35f3312d" providerId="ADAL" clId="{E7B3513D-77CA-6A41-910B-0B9402F691A1}" dt="2019-04-10T12:05:37.126" v="582" actId="164"/>
+          <ac:spMkLst>
+            <pc:docMk/>
+            <pc:sldMk cId="3945898909" sldId="267"/>
+            <ac:spMk id="137" creationId="{1141CCBC-E8C2-F044-92E1-C8DBCACCA949}"/>
+          </ac:spMkLst>
+        </pc:spChg>
+        <pc:spChg chg="add mod">
+          <ac:chgData name="Ian Wu Ling En" userId="28715549-2f5c-46f8-b7f8-f39c35f3312d" providerId="ADAL" clId="{E7B3513D-77CA-6A41-910B-0B9402F691A1}" dt="2019-04-10T12:17:49.271" v="708" actId="1076"/>
+          <ac:spMkLst>
+            <pc:docMk/>
+            <pc:sldMk cId="3945898909" sldId="267"/>
+            <ac:spMk id="139" creationId="{7A58218F-A38C-3546-B5AD-6F257569221C}"/>
+          </ac:spMkLst>
+        </pc:spChg>
+        <pc:spChg chg="add mod">
+          <ac:chgData name="Ian Wu Ling En" userId="28715549-2f5c-46f8-b7f8-f39c35f3312d" providerId="ADAL" clId="{E7B3513D-77CA-6A41-910B-0B9402F691A1}" dt="2019-04-10T12:08:54.627" v="640" actId="1076"/>
+          <ac:spMkLst>
+            <pc:docMk/>
+            <pc:sldMk cId="3945898909" sldId="267"/>
+            <ac:spMk id="140" creationId="{A72C36BA-2675-E243-B18E-532FAF184C51}"/>
+          </ac:spMkLst>
+        </pc:spChg>
+        <pc:spChg chg="add mod">
+          <ac:chgData name="Ian Wu Ling En" userId="28715549-2f5c-46f8-b7f8-f39c35f3312d" providerId="ADAL" clId="{E7B3513D-77CA-6A41-910B-0B9402F691A1}" dt="2019-04-10T12:03:21.085" v="546" actId="1076"/>
+          <ac:spMkLst>
+            <pc:docMk/>
+            <pc:sldMk cId="3945898909" sldId="267"/>
+            <ac:spMk id="147" creationId="{7EF6BB41-CD95-364B-BE27-9B810B72FEA8}"/>
+          </ac:spMkLst>
+        </pc:spChg>
+        <pc:spChg chg="add mod">
+          <ac:chgData name="Ian Wu Ling En" userId="28715549-2f5c-46f8-b7f8-f39c35f3312d" providerId="ADAL" clId="{E7B3513D-77CA-6A41-910B-0B9402F691A1}" dt="2019-04-10T12:05:25.263" v="580" actId="571"/>
+          <ac:spMkLst>
+            <pc:docMk/>
+            <pc:sldMk cId="3945898909" sldId="267"/>
+            <ac:spMk id="151" creationId="{C8632732-82EF-774E-BB24-848032F335AC}"/>
+          </ac:spMkLst>
+        </pc:spChg>
+        <pc:spChg chg="add del mod">
+          <ac:chgData name="Ian Wu Ling En" userId="28715549-2f5c-46f8-b7f8-f39c35f3312d" providerId="ADAL" clId="{E7B3513D-77CA-6A41-910B-0B9402F691A1}" dt="2019-04-10T12:11:32.913" v="649" actId="478"/>
+          <ac:spMkLst>
+            <pc:docMk/>
+            <pc:sldMk cId="3945898909" sldId="267"/>
+            <ac:spMk id="168" creationId="{D896390F-9FDA-814A-90BC-00DB9F7563FC}"/>
+          </ac:spMkLst>
+        </pc:spChg>
+        <pc:spChg chg="add mod">
+          <ac:chgData name="Ian Wu Ling En" userId="28715549-2f5c-46f8-b7f8-f39c35f3312d" providerId="ADAL" clId="{E7B3513D-77CA-6A41-910B-0B9402F691A1}" dt="2019-04-10T12:14:41.409" v="703" actId="14100"/>
+          <ac:spMkLst>
+            <pc:docMk/>
+            <pc:sldMk cId="3945898909" sldId="267"/>
+            <ac:spMk id="170" creationId="{EE17B49E-D125-D04A-B460-4DC7FCC1A8A5}"/>
+          </ac:spMkLst>
+        </pc:spChg>
+        <pc:spChg chg="add mod">
+          <ac:chgData name="Ian Wu Ling En" userId="28715549-2f5c-46f8-b7f8-f39c35f3312d" providerId="ADAL" clId="{E7B3513D-77CA-6A41-910B-0B9402F691A1}" dt="2019-04-10T12:14:38.118" v="702" actId="14100"/>
+          <ac:spMkLst>
+            <pc:docMk/>
+            <pc:sldMk cId="3945898909" sldId="267"/>
+            <ac:spMk id="171" creationId="{9F7BABA6-7513-E641-89A8-229ADA2C50B1}"/>
+          </ac:spMkLst>
+        </pc:spChg>
+        <pc:spChg chg="mod">
+          <ac:chgData name="Ian Wu Ling En" userId="28715549-2f5c-46f8-b7f8-f39c35f3312d" providerId="ADAL" clId="{E7B3513D-77CA-6A41-910B-0B9402F691A1}" dt="2019-04-10T12:06:45.922" v="608" actId="1076"/>
+          <ac:spMkLst>
+            <pc:docMk/>
+            <pc:sldMk cId="3945898909" sldId="267"/>
+            <ac:spMk id="186" creationId="{ED894C81-4B95-4AAC-AEB1-37FB58E82CB3}"/>
+          </ac:spMkLst>
+        </pc:spChg>
+        <pc:spChg chg="mod">
+          <ac:chgData name="Ian Wu Ling En" userId="28715549-2f5c-46f8-b7f8-f39c35f3312d" providerId="ADAL" clId="{E7B3513D-77CA-6A41-910B-0B9402F691A1}" dt="2019-04-10T12:22:20.263" v="730" actId="14100"/>
+          <ac:spMkLst>
+            <pc:docMk/>
+            <pc:sldMk cId="3945898909" sldId="267"/>
+            <ac:spMk id="187" creationId="{09B0E711-DA47-4651-8AB4-F1BD8D990B22}"/>
+          </ac:spMkLst>
+        </pc:spChg>
+        <pc:spChg chg="del mod">
+          <ac:chgData name="Ian Wu Ling En" userId="28715549-2f5c-46f8-b7f8-f39c35f3312d" providerId="ADAL" clId="{E7B3513D-77CA-6A41-910B-0B9402F691A1}" dt="2019-04-10T12:17:44.924" v="707" actId="478"/>
+          <ac:spMkLst>
+            <pc:docMk/>
+            <pc:sldMk cId="3945898909" sldId="267"/>
+            <ac:spMk id="200" creationId="{50837DB6-4B6D-48F4-8D5B-B6A0A834466D}"/>
+          </ac:spMkLst>
+        </pc:spChg>
+        <pc:spChg chg="mod">
+          <ac:chgData name="Ian Wu Ling En" userId="28715549-2f5c-46f8-b7f8-f39c35f3312d" providerId="ADAL" clId="{E7B3513D-77CA-6A41-910B-0B9402F691A1}" dt="2019-04-10T11:54:18.612" v="440" actId="1076"/>
+          <ac:spMkLst>
+            <pc:docMk/>
+            <pc:sldMk cId="3945898909" sldId="267"/>
+            <ac:spMk id="213" creationId="{199F746E-405B-485A-994E-C0C45F8824D7}"/>
+          </ac:spMkLst>
+        </pc:spChg>
+        <pc:grpChg chg="add mod">
+          <ac:chgData name="Ian Wu Ling En" userId="28715549-2f5c-46f8-b7f8-f39c35f3312d" providerId="ADAL" clId="{E7B3513D-77CA-6A41-910B-0B9402F691A1}" dt="2019-04-10T12:03:21.085" v="546" actId="1076"/>
+          <ac:grpSpMkLst>
+            <pc:docMk/>
+            <pc:sldMk cId="3945898909" sldId="267"/>
+            <ac:grpSpMk id="92" creationId="{3AA08EFA-5D9D-094D-BDAB-554B6FF1EABB}"/>
+          </ac:grpSpMkLst>
+        </pc:grpChg>
+        <pc:grpChg chg="add mod">
+          <ac:chgData name="Ian Wu Ling En" userId="28715549-2f5c-46f8-b7f8-f39c35f3312d" providerId="ADAL" clId="{E7B3513D-77CA-6A41-910B-0B9402F691A1}" dt="2019-04-10T12:06:00.749" v="601" actId="1035"/>
+          <ac:grpSpMkLst>
+            <pc:docMk/>
+            <pc:sldMk cId="3945898909" sldId="267"/>
+            <ac:grpSpMk id="106" creationId="{912908E9-BED1-5246-B69F-ECC819CB3435}"/>
+          </ac:grpSpMkLst>
+        </pc:grpChg>
+        <pc:grpChg chg="add mod">
+          <ac:chgData name="Ian Wu Ling En" userId="28715549-2f5c-46f8-b7f8-f39c35f3312d" providerId="ADAL" clId="{E7B3513D-77CA-6A41-910B-0B9402F691A1}" dt="2019-04-10T12:07:34.180" v="620" actId="1076"/>
+          <ac:grpSpMkLst>
+            <pc:docMk/>
+            <pc:sldMk cId="3945898909" sldId="267"/>
+            <ac:grpSpMk id="135" creationId="{1AECB110-556A-A947-93C9-A44F191844AC}"/>
+          </ac:grpSpMkLst>
+        </pc:grpChg>
+        <pc:grpChg chg="add mod">
+          <ac:chgData name="Ian Wu Ling En" userId="28715549-2f5c-46f8-b7f8-f39c35f3312d" providerId="ADAL" clId="{E7B3513D-77CA-6A41-910B-0B9402F691A1}" dt="2019-04-10T12:12:56.773" v="681" actId="1076"/>
+          <ac:grpSpMkLst>
+            <pc:docMk/>
+            <pc:sldMk cId="3945898909" sldId="267"/>
+            <ac:grpSpMk id="152" creationId="{627CA49A-4DA1-C64A-989D-57F6EF15EC0F}"/>
+          </ac:grpSpMkLst>
+        </pc:grpChg>
+        <pc:grpChg chg="add mod">
+          <ac:chgData name="Ian Wu Ling En" userId="28715549-2f5c-46f8-b7f8-f39c35f3312d" providerId="ADAL" clId="{E7B3513D-77CA-6A41-910B-0B9402F691A1}" dt="2019-04-10T12:13:18.008" v="684" actId="1076"/>
+          <ac:grpSpMkLst>
+            <pc:docMk/>
+            <pc:sldMk cId="3945898909" sldId="267"/>
+            <ac:grpSpMk id="153" creationId="{B8528592-1FAC-EA45-98DF-33AB9CEDBCC0}"/>
+          </ac:grpSpMkLst>
+        </pc:grpChg>
+        <pc:grpChg chg="mod">
+          <ac:chgData name="Ian Wu Ling En" userId="28715549-2f5c-46f8-b7f8-f39c35f3312d" providerId="ADAL" clId="{E7B3513D-77CA-6A41-910B-0B9402F691A1}" dt="2019-04-10T12:13:14.893" v="683" actId="164"/>
+          <ac:grpSpMkLst>
+            <pc:docMk/>
+            <pc:sldMk cId="3945898909" sldId="267"/>
+            <ac:grpSpMk id="223" creationId="{C73986C8-5449-4072-9F0F-17A38AD97EF5}"/>
+          </ac:grpSpMkLst>
+        </pc:grpChg>
         <pc:cxnChg chg="mod">
-          <ac:chgData name="Ian Wu Ling En" userId="28715549-2f5c-46f8-b7f8-f39c35f3312d" providerId="ADAL" clId="{E7B3513D-77CA-6A41-910B-0B9402F691A1}" dt="2019-04-05T01:25:05.747" v="23" actId="14100"/>
+          <ac:chgData name="Ian Wu Ling En" userId="28715549-2f5c-46f8-b7f8-f39c35f3312d" providerId="ADAL" clId="{E7B3513D-77CA-6A41-910B-0B9402F691A1}" dt="2019-04-10T12:14:57.207" v="704" actId="14100"/>
+          <ac:cxnSpMkLst>
+            <pc:docMk/>
+            <pc:sldMk cId="3945898909" sldId="267"/>
+            <ac:cxnSpMk id="5" creationId="{00000000-0000-0000-0000-000000000000}"/>
+          </ac:cxnSpMkLst>
+        </pc:cxnChg>
+        <pc:cxnChg chg="del mod">
+          <ac:chgData name="Ian Wu Ling En" userId="28715549-2f5c-46f8-b7f8-f39c35f3312d" providerId="ADAL" clId="{E7B3513D-77CA-6A41-910B-0B9402F691A1}" dt="2019-04-10T11:48:03.477" v="338" actId="478"/>
           <ac:cxnSpMkLst>
             <pc:docMk/>
             <pc:sldMk cId="3945898909" sldId="267"/>
@@ -1007,7 +1503,111 @@
           </ac:cxnSpMkLst>
         </pc:cxnChg>
         <pc:cxnChg chg="mod">
-          <ac:chgData name="Ian Wu Ling En" userId="28715549-2f5c-46f8-b7f8-f39c35f3312d" providerId="ADAL" clId="{E7B3513D-77CA-6A41-910B-0B9402F691A1}" dt="2019-04-05T01:24:36.467" v="16" actId="14100"/>
+          <ac:chgData name="Ian Wu Ling En" userId="28715549-2f5c-46f8-b7f8-f39c35f3312d" providerId="ADAL" clId="{E7B3513D-77CA-6A41-910B-0B9402F691A1}" dt="2019-04-10T11:48:40.160" v="344" actId="1076"/>
+          <ac:cxnSpMkLst>
+            <pc:docMk/>
+            <pc:sldMk cId="3945898909" sldId="267"/>
+            <ac:cxnSpMk id="17" creationId="{00000000-0000-0000-0000-000000000000}"/>
+          </ac:cxnSpMkLst>
+        </pc:cxnChg>
+        <pc:cxnChg chg="mod">
+          <ac:chgData name="Ian Wu Ling En" userId="28715549-2f5c-46f8-b7f8-f39c35f3312d" providerId="ADAL" clId="{E7B3513D-77CA-6A41-910B-0B9402F691A1}" dt="2019-04-10T11:48:40.160" v="344" actId="1076"/>
+          <ac:cxnSpMkLst>
+            <pc:docMk/>
+            <pc:sldMk cId="3945898909" sldId="267"/>
+            <ac:cxnSpMk id="20" creationId="{00000000-0000-0000-0000-000000000000}"/>
+          </ac:cxnSpMkLst>
+        </pc:cxnChg>
+        <pc:cxnChg chg="mod">
+          <ac:chgData name="Ian Wu Ling En" userId="28715549-2f5c-46f8-b7f8-f39c35f3312d" providerId="ADAL" clId="{E7B3513D-77CA-6A41-910B-0B9402F691A1}" dt="2019-04-10T12:22:34.995" v="731" actId="14100"/>
+          <ac:cxnSpMkLst>
+            <pc:docMk/>
+            <pc:sldMk cId="3945898909" sldId="267"/>
+            <ac:cxnSpMk id="23" creationId="{00000000-0000-0000-0000-000000000000}"/>
+          </ac:cxnSpMkLst>
+        </pc:cxnChg>
+        <pc:cxnChg chg="mod">
+          <ac:chgData name="Ian Wu Ling En" userId="28715549-2f5c-46f8-b7f8-f39c35f3312d" providerId="ADAL" clId="{E7B3513D-77CA-6A41-910B-0B9402F691A1}" dt="2019-04-10T11:48:40.160" v="344" actId="1076"/>
+          <ac:cxnSpMkLst>
+            <pc:docMk/>
+            <pc:sldMk cId="3945898909" sldId="267"/>
+            <ac:cxnSpMk id="28" creationId="{00000000-0000-0000-0000-000000000000}"/>
+          </ac:cxnSpMkLst>
+        </pc:cxnChg>
+        <pc:cxnChg chg="mod">
+          <ac:chgData name="Ian Wu Ling En" userId="28715549-2f5c-46f8-b7f8-f39c35f3312d" providerId="ADAL" clId="{E7B3513D-77CA-6A41-910B-0B9402F691A1}" dt="2019-04-10T11:48:40.160" v="344" actId="1076"/>
+          <ac:cxnSpMkLst>
+            <pc:docMk/>
+            <pc:sldMk cId="3945898909" sldId="267"/>
+            <ac:cxnSpMk id="34" creationId="{00000000-0000-0000-0000-000000000000}"/>
+          </ac:cxnSpMkLst>
+        </pc:cxnChg>
+        <pc:cxnChg chg="mod">
+          <ac:chgData name="Ian Wu Ling En" userId="28715549-2f5c-46f8-b7f8-f39c35f3312d" providerId="ADAL" clId="{E7B3513D-77CA-6A41-910B-0B9402F691A1}" dt="2019-04-10T12:21:35.599" v="726" actId="1036"/>
+          <ac:cxnSpMkLst>
+            <pc:docMk/>
+            <pc:sldMk cId="3945898909" sldId="267"/>
+            <ac:cxnSpMk id="35" creationId="{00000000-0000-0000-0000-000000000000}"/>
+          </ac:cxnSpMkLst>
+        </pc:cxnChg>
+        <pc:cxnChg chg="mod">
+          <ac:chgData name="Ian Wu Ling En" userId="28715549-2f5c-46f8-b7f8-f39c35f3312d" providerId="ADAL" clId="{E7B3513D-77CA-6A41-910B-0B9402F691A1}" dt="2019-04-10T12:12:55.272" v="680" actId="164"/>
+          <ac:cxnSpMkLst>
+            <pc:docMk/>
+            <pc:sldMk cId="3945898909" sldId="267"/>
+            <ac:cxnSpMk id="37" creationId="{00000000-0000-0000-0000-000000000000}"/>
+          </ac:cxnSpMkLst>
+        </pc:cxnChg>
+        <pc:cxnChg chg="mod">
+          <ac:chgData name="Ian Wu Ling En" userId="28715549-2f5c-46f8-b7f8-f39c35f3312d" providerId="ADAL" clId="{E7B3513D-77CA-6A41-910B-0B9402F691A1}" dt="2019-04-10T12:13:45.435" v="689" actId="14100"/>
+          <ac:cxnSpMkLst>
+            <pc:docMk/>
+            <pc:sldMk cId="3945898909" sldId="267"/>
+            <ac:cxnSpMk id="46" creationId="{00000000-0000-0000-0000-000000000000}"/>
+          </ac:cxnSpMkLst>
+        </pc:cxnChg>
+        <pc:cxnChg chg="mod">
+          <ac:chgData name="Ian Wu Ling En" userId="28715549-2f5c-46f8-b7f8-f39c35f3312d" providerId="ADAL" clId="{E7B3513D-77CA-6A41-910B-0B9402F691A1}" dt="2019-04-10T12:20:26.745" v="714" actId="14100"/>
+          <ac:cxnSpMkLst>
+            <pc:docMk/>
+            <pc:sldMk cId="3945898909" sldId="267"/>
+            <ac:cxnSpMk id="50" creationId="{00000000-0000-0000-0000-000000000000}"/>
+          </ac:cxnSpMkLst>
+        </pc:cxnChg>
+        <pc:cxnChg chg="mod">
+          <ac:chgData name="Ian Wu Ling En" userId="28715549-2f5c-46f8-b7f8-f39c35f3312d" providerId="ADAL" clId="{E7B3513D-77CA-6A41-910B-0B9402F691A1}" dt="2019-04-10T11:48:40.160" v="344" actId="1076"/>
+          <ac:cxnSpMkLst>
+            <pc:docMk/>
+            <pc:sldMk cId="3945898909" sldId="267"/>
+            <ac:cxnSpMk id="66" creationId="{39916E2E-195A-4DC8-B025-B05FA87E6796}"/>
+          </ac:cxnSpMkLst>
+        </pc:cxnChg>
+        <pc:cxnChg chg="mod">
+          <ac:chgData name="Ian Wu Ling En" userId="28715549-2f5c-46f8-b7f8-f39c35f3312d" providerId="ADAL" clId="{E7B3513D-77CA-6A41-910B-0B9402F691A1}" dt="2019-04-10T11:48:40.160" v="344" actId="1076"/>
+          <ac:cxnSpMkLst>
+            <pc:docMk/>
+            <pc:sldMk cId="3945898909" sldId="267"/>
+            <ac:cxnSpMk id="67" creationId="{D881596E-177C-4FDC-8E60-CAB90B3D5FAB}"/>
+          </ac:cxnSpMkLst>
+        </pc:cxnChg>
+        <pc:cxnChg chg="mod">
+          <ac:chgData name="Ian Wu Ling En" userId="28715549-2f5c-46f8-b7f8-f39c35f3312d" providerId="ADAL" clId="{E7B3513D-77CA-6A41-910B-0B9402F691A1}" dt="2019-04-10T12:12:55.272" v="680" actId="164"/>
+          <ac:cxnSpMkLst>
+            <pc:docMk/>
+            <pc:sldMk cId="3945898909" sldId="267"/>
+            <ac:cxnSpMk id="69" creationId="{7C9F21BC-13A9-471F-825A-2621FD36355F}"/>
+          </ac:cxnSpMkLst>
+        </pc:cxnChg>
+        <pc:cxnChg chg="mod">
+          <ac:chgData name="Ian Wu Ling En" userId="28715549-2f5c-46f8-b7f8-f39c35f3312d" providerId="ADAL" clId="{E7B3513D-77CA-6A41-910B-0B9402F691A1}" dt="2019-04-10T11:48:40.160" v="344" actId="1076"/>
+          <ac:cxnSpMkLst>
+            <pc:docMk/>
+            <pc:sldMk cId="3945898909" sldId="267"/>
+            <ac:cxnSpMk id="70" creationId="{51A78A03-963D-41D5-A96D-D610AC186B7D}"/>
+          </ac:cxnSpMkLst>
+        </pc:cxnChg>
+        <pc:cxnChg chg="mod">
+          <ac:chgData name="Ian Wu Ling En" userId="28715549-2f5c-46f8-b7f8-f39c35f3312d" providerId="ADAL" clId="{E7B3513D-77CA-6A41-910B-0B9402F691A1}" dt="2019-04-10T12:07:05.665" v="612" actId="164"/>
           <ac:cxnSpMkLst>
             <pc:docMk/>
             <pc:sldMk cId="3945898909" sldId="267"/>
@@ -1022,8 +1622,40 @@
             <ac:cxnSpMk id="75" creationId="{1815E438-CD85-F845-BED3-9BA12D9BA5E4}"/>
           </ac:cxnSpMkLst>
         </pc:cxnChg>
+        <pc:cxnChg chg="mod">
+          <ac:chgData name="Ian Wu Ling En" userId="28715549-2f5c-46f8-b7f8-f39c35f3312d" providerId="ADAL" clId="{E7B3513D-77CA-6A41-910B-0B9402F691A1}" dt="2019-04-10T12:19:07.172" v="712" actId="14100"/>
+          <ac:cxnSpMkLst>
+            <pc:docMk/>
+            <pc:sldMk cId="3945898909" sldId="267"/>
+            <ac:cxnSpMk id="76" creationId="{9171ECEE-D4A7-464C-B327-CDF3489B27FC}"/>
+          </ac:cxnSpMkLst>
+        </pc:cxnChg>
+        <pc:cxnChg chg="mod">
+          <ac:chgData name="Ian Wu Ling En" userId="28715549-2f5c-46f8-b7f8-f39c35f3312d" providerId="ADAL" clId="{E7B3513D-77CA-6A41-910B-0B9402F691A1}" dt="2019-04-10T12:13:26.220" v="685" actId="14100"/>
+          <ac:cxnSpMkLst>
+            <pc:docMk/>
+            <pc:sldMk cId="3945898909" sldId="267"/>
+            <ac:cxnSpMk id="85" creationId="{F5D40B4E-6F99-47B3-8A21-87ADCD716B5B}"/>
+          </ac:cxnSpMkLst>
+        </pc:cxnChg>
         <pc:cxnChg chg="add mod">
-          <ac:chgData name="Ian Wu Ling En" userId="28715549-2f5c-46f8-b7f8-f39c35f3312d" providerId="ADAL" clId="{E7B3513D-77CA-6A41-910B-0B9402F691A1}" dt="2019-04-05T01:25:40.994" v="37" actId="1076"/>
+          <ac:chgData name="Ian Wu Ling En" userId="28715549-2f5c-46f8-b7f8-f39c35f3312d" providerId="ADAL" clId="{E7B3513D-77CA-6A41-910B-0B9402F691A1}" dt="2019-04-10T11:48:40.160" v="344" actId="1076"/>
+          <ac:cxnSpMkLst>
+            <pc:docMk/>
+            <pc:sldMk cId="3945898909" sldId="267"/>
+            <ac:cxnSpMk id="86" creationId="{D48B657F-3EAF-B446-9875-52E0C6B99E2E}"/>
+          </ac:cxnSpMkLst>
+        </pc:cxnChg>
+        <pc:cxnChg chg="mod">
+          <ac:chgData name="Ian Wu Ling En" userId="28715549-2f5c-46f8-b7f8-f39c35f3312d" providerId="ADAL" clId="{E7B3513D-77CA-6A41-910B-0B9402F691A1}" dt="2019-04-10T12:21:28.964" v="725" actId="1036"/>
+          <ac:cxnSpMkLst>
+            <pc:docMk/>
+            <pc:sldMk cId="3945898909" sldId="267"/>
+            <ac:cxnSpMk id="87" creationId="{25C585B1-9B63-40DC-A033-F1940D483812}"/>
+          </ac:cxnSpMkLst>
+        </pc:cxnChg>
+        <pc:cxnChg chg="add mod">
+          <ac:chgData name="Ian Wu Ling En" userId="28715549-2f5c-46f8-b7f8-f39c35f3312d" providerId="ADAL" clId="{E7B3513D-77CA-6A41-910B-0B9402F691A1}" dt="2019-04-10T12:07:05.665" v="612" actId="164"/>
           <ac:cxnSpMkLst>
             <pc:docMk/>
             <pc:sldMk cId="3945898909" sldId="267"/>
@@ -1031,15 +1663,191 @@
           </ac:cxnSpMkLst>
         </pc:cxnChg>
         <pc:cxnChg chg="mod">
-          <ac:chgData name="Ian Wu Ling En" userId="28715549-2f5c-46f8-b7f8-f39c35f3312d" providerId="ADAL" clId="{E7B3513D-77CA-6A41-910B-0B9402F691A1}" dt="2019-04-05T01:25:31.146" v="34" actId="14100"/>
+          <ac:chgData name="Ian Wu Ling En" userId="28715549-2f5c-46f8-b7f8-f39c35f3312d" providerId="ADAL" clId="{E7B3513D-77CA-6A41-910B-0B9402F691A1}" dt="2019-04-10T11:48:40.160" v="344" actId="1076"/>
+          <ac:cxnSpMkLst>
+            <pc:docMk/>
+            <pc:sldMk cId="3945898909" sldId="267"/>
+            <ac:cxnSpMk id="90" creationId="{0B2D6059-0E2F-4405-AA86-2158EDEA20DD}"/>
+          </ac:cxnSpMkLst>
+        </pc:cxnChg>
+        <pc:cxnChg chg="add mod">
+          <ac:chgData name="Ian Wu Ling En" userId="28715549-2f5c-46f8-b7f8-f39c35f3312d" providerId="ADAL" clId="{E7B3513D-77CA-6A41-910B-0B9402F691A1}" dt="2019-04-10T11:48:40.160" v="344" actId="1076"/>
+          <ac:cxnSpMkLst>
+            <pc:docMk/>
+            <pc:sldMk cId="3945898909" sldId="267"/>
+            <ac:cxnSpMk id="91" creationId="{5B157CEF-5BA7-CF4B-A3CE-FB2732095B6A}"/>
+          </ac:cxnSpMkLst>
+        </pc:cxnChg>
+        <pc:cxnChg chg="add mod">
+          <ac:chgData name="Ian Wu Ling En" userId="28715549-2f5c-46f8-b7f8-f39c35f3312d" providerId="ADAL" clId="{E7B3513D-77CA-6A41-910B-0B9402F691A1}" dt="2019-04-10T11:57:32.639" v="465" actId="164"/>
+          <ac:cxnSpMkLst>
+            <pc:docMk/>
+            <pc:sldMk cId="3945898909" sldId="267"/>
+            <ac:cxnSpMk id="101" creationId="{22418FEE-65E6-B344-B202-9F7771C0F208}"/>
+          </ac:cxnSpMkLst>
+        </pc:cxnChg>
+        <pc:cxnChg chg="add mod">
+          <ac:chgData name="Ian Wu Ling En" userId="28715549-2f5c-46f8-b7f8-f39c35f3312d" providerId="ADAL" clId="{E7B3513D-77CA-6A41-910B-0B9402F691A1}" dt="2019-04-10T11:57:32.639" v="465" actId="164"/>
+          <ac:cxnSpMkLst>
+            <pc:docMk/>
+            <pc:sldMk cId="3945898909" sldId="267"/>
+            <ac:cxnSpMk id="103" creationId="{220AF7B3-934B-E24A-9172-2C909103CF1D}"/>
+          </ac:cxnSpMkLst>
+        </pc:cxnChg>
+        <pc:cxnChg chg="add mod">
+          <ac:chgData name="Ian Wu Ling En" userId="28715549-2f5c-46f8-b7f8-f39c35f3312d" providerId="ADAL" clId="{E7B3513D-77CA-6A41-910B-0B9402F691A1}" dt="2019-04-10T12:03:21.085" v="546" actId="1076"/>
+          <ac:cxnSpMkLst>
+            <pc:docMk/>
+            <pc:sldMk cId="3945898909" sldId="267"/>
+            <ac:cxnSpMk id="108" creationId="{BE9F3097-2270-2F45-85EA-1B8E692C0F6A}"/>
+          </ac:cxnSpMkLst>
+        </pc:cxnChg>
+        <pc:cxnChg chg="add mod">
+          <ac:chgData name="Ian Wu Ling En" userId="28715549-2f5c-46f8-b7f8-f39c35f3312d" providerId="ADAL" clId="{E7B3513D-77CA-6A41-910B-0B9402F691A1}" dt="2019-04-10T12:13:48.585" v="690" actId="14100"/>
+          <ac:cxnSpMkLst>
+            <pc:docMk/>
+            <pc:sldMk cId="3945898909" sldId="267"/>
+            <ac:cxnSpMk id="110" creationId="{A293F128-D958-614C-A5F7-FC3E50E94D9A}"/>
+          </ac:cxnSpMkLst>
+        </pc:cxnChg>
+        <pc:cxnChg chg="add mod">
+          <ac:chgData name="Ian Wu Ling En" userId="28715549-2f5c-46f8-b7f8-f39c35f3312d" providerId="ADAL" clId="{E7B3513D-77CA-6A41-910B-0B9402F691A1}" dt="2019-04-10T12:08:39.095" v="639" actId="1076"/>
+          <ac:cxnSpMkLst>
+            <pc:docMk/>
+            <pc:sldMk cId="3945898909" sldId="267"/>
+            <ac:cxnSpMk id="111" creationId="{858CF821-8672-6E4E-8C7F-0DAB5864FD33}"/>
+          </ac:cxnSpMkLst>
+        </pc:cxnChg>
+        <pc:cxnChg chg="add mod">
+          <ac:chgData name="Ian Wu Ling En" userId="28715549-2f5c-46f8-b7f8-f39c35f3312d" providerId="ADAL" clId="{E7B3513D-77CA-6A41-910B-0B9402F691A1}" dt="2019-04-10T11:47:09.482" v="329" actId="571"/>
+          <ac:cxnSpMkLst>
+            <pc:docMk/>
+            <pc:sldMk cId="3945898909" sldId="267"/>
+            <ac:cxnSpMk id="116" creationId="{5264DAAA-D48A-9E4A-991A-AEA8674B7EDB}"/>
+          </ac:cxnSpMkLst>
+        </pc:cxnChg>
+        <pc:cxnChg chg="add mod">
+          <ac:chgData name="Ian Wu Ling En" userId="28715549-2f5c-46f8-b7f8-f39c35f3312d" providerId="ADAL" clId="{E7B3513D-77CA-6A41-910B-0B9402F691A1}" dt="2019-04-10T11:47:44.747" v="333" actId="571"/>
+          <ac:cxnSpMkLst>
+            <pc:docMk/>
+            <pc:sldMk cId="3945898909" sldId="267"/>
+            <ac:cxnSpMk id="119" creationId="{87E5203E-D487-2242-BA0C-D435764EFD60}"/>
+          </ac:cxnSpMkLst>
+        </pc:cxnChg>
+        <pc:cxnChg chg="add mod">
+          <ac:chgData name="Ian Wu Ling En" userId="28715549-2f5c-46f8-b7f8-f39c35f3312d" providerId="ADAL" clId="{E7B3513D-77CA-6A41-910B-0B9402F691A1}" dt="2019-04-10T11:47:44.747" v="333" actId="571"/>
+          <ac:cxnSpMkLst>
+            <pc:docMk/>
+            <pc:sldMk cId="3945898909" sldId="267"/>
+            <ac:cxnSpMk id="121" creationId="{21DB9C99-6583-FC4D-9D66-460ADE3CD896}"/>
+          </ac:cxnSpMkLst>
+        </pc:cxnChg>
+        <pc:cxnChg chg="add mod">
+          <ac:chgData name="Ian Wu Ling En" userId="28715549-2f5c-46f8-b7f8-f39c35f3312d" providerId="ADAL" clId="{E7B3513D-77CA-6A41-910B-0B9402F691A1}" dt="2019-04-10T11:47:44.747" v="333" actId="571"/>
+          <ac:cxnSpMkLst>
+            <pc:docMk/>
+            <pc:sldMk cId="3945898909" sldId="267"/>
+            <ac:cxnSpMk id="122" creationId="{13DD08D4-8871-0C43-A3A1-DE3A379B95EC}"/>
+          </ac:cxnSpMkLst>
+        </pc:cxnChg>
+        <pc:cxnChg chg="add mod">
+          <ac:chgData name="Ian Wu Ling En" userId="28715549-2f5c-46f8-b7f8-f39c35f3312d" providerId="ADAL" clId="{E7B3513D-77CA-6A41-910B-0B9402F691A1}" dt="2019-04-10T12:21:19.083" v="723" actId="14100"/>
+          <ac:cxnSpMkLst>
+            <pc:docMk/>
+            <pc:sldMk cId="3945898909" sldId="267"/>
+            <ac:cxnSpMk id="126" creationId="{2AEE2C3D-45B3-184E-BE18-04118DE90F96}"/>
+          </ac:cxnSpMkLst>
+        </pc:cxnChg>
+        <pc:cxnChg chg="add mod">
+          <ac:chgData name="Ian Wu Ling En" userId="28715549-2f5c-46f8-b7f8-f39c35f3312d" providerId="ADAL" clId="{E7B3513D-77CA-6A41-910B-0B9402F691A1}" dt="2019-04-10T12:20:16.148" v="713" actId="14100"/>
+          <ac:cxnSpMkLst>
+            <pc:docMk/>
+            <pc:sldMk cId="3945898909" sldId="267"/>
+            <ac:cxnSpMk id="128" creationId="{D1137AEB-64B8-754D-8A0B-75112F89BB07}"/>
+          </ac:cxnSpMkLst>
+        </pc:cxnChg>
+        <pc:cxnChg chg="add mod">
+          <ac:chgData name="Ian Wu Ling En" userId="28715549-2f5c-46f8-b7f8-f39c35f3312d" providerId="ADAL" clId="{E7B3513D-77CA-6A41-910B-0B9402F691A1}" dt="2019-04-10T12:10:35.003" v="645" actId="1076"/>
+          <ac:cxnSpMkLst>
+            <pc:docMk/>
+            <pc:sldMk cId="3945898909" sldId="267"/>
+            <ac:cxnSpMk id="130" creationId="{946C639C-F5BC-7E4B-A4ED-3FDA2D73A9D4}"/>
+          </ac:cxnSpMkLst>
+        </pc:cxnChg>
+        <pc:cxnChg chg="add mod">
+          <ac:chgData name="Ian Wu Ling En" userId="28715549-2f5c-46f8-b7f8-f39c35f3312d" providerId="ADAL" clId="{E7B3513D-77CA-6A41-910B-0B9402F691A1}" dt="2019-04-10T12:03:21.085" v="546" actId="1076"/>
+          <ac:cxnSpMkLst>
+            <pc:docMk/>
+            <pc:sldMk cId="3945898909" sldId="267"/>
+            <ac:cxnSpMk id="132" creationId="{2D68D060-E27A-A34B-AE84-C8DE578BC9EE}"/>
+          </ac:cxnSpMkLst>
+        </pc:cxnChg>
+        <pc:cxnChg chg="add mod">
+          <ac:chgData name="Ian Wu Ling En" userId="28715549-2f5c-46f8-b7f8-f39c35f3312d" providerId="ADAL" clId="{E7B3513D-77CA-6A41-910B-0B9402F691A1}" dt="2019-04-10T12:21:05.702" v="721" actId="1035"/>
+          <ac:cxnSpMkLst>
+            <pc:docMk/>
+            <pc:sldMk cId="3945898909" sldId="267"/>
+            <ac:cxnSpMk id="133" creationId="{3756951D-16F6-A741-B2B8-5ED367B10648}"/>
+          </ac:cxnSpMkLst>
+        </pc:cxnChg>
+        <pc:cxnChg chg="add mod">
+          <ac:chgData name="Ian Wu Ling En" userId="28715549-2f5c-46f8-b7f8-f39c35f3312d" providerId="ADAL" clId="{E7B3513D-77CA-6A41-910B-0B9402F691A1}" dt="2019-04-10T12:05:37.126" v="582" actId="164"/>
+          <ac:cxnSpMkLst>
+            <pc:docMk/>
+            <pc:sldMk cId="3945898909" sldId="267"/>
+            <ac:cxnSpMk id="136" creationId="{81427CCB-F929-F546-8126-E943C6324BE5}"/>
+          </ac:cxnSpMkLst>
+        </pc:cxnChg>
+        <pc:cxnChg chg="add mod">
+          <ac:chgData name="Ian Wu Ling En" userId="28715549-2f5c-46f8-b7f8-f39c35f3312d" providerId="ADAL" clId="{E7B3513D-77CA-6A41-910B-0B9402F691A1}" dt="2019-04-10T12:05:37.126" v="582" actId="164"/>
+          <ac:cxnSpMkLst>
+            <pc:docMk/>
+            <pc:sldMk cId="3945898909" sldId="267"/>
+            <ac:cxnSpMk id="138" creationId="{3F6C7E5D-AC1F-DE4E-90C9-C82EDBAC54D4}"/>
+          </ac:cxnSpMkLst>
+        </pc:cxnChg>
+        <pc:cxnChg chg="del mod">
+          <ac:chgData name="Ian Wu Ling En" userId="28715549-2f5c-46f8-b7f8-f39c35f3312d" providerId="ADAL" clId="{E7B3513D-77CA-6A41-910B-0B9402F691A1}" dt="2019-04-10T11:48:04.558" v="340" actId="478"/>
           <ac:cxnSpMkLst>
             <pc:docMk/>
             <pc:sldMk cId="3945898909" sldId="267"/>
             <ac:cxnSpMk id="166" creationId="{20564365-3E4F-4EBD-914E-158225A41DAC}"/>
           </ac:cxnSpMkLst>
         </pc:cxnChg>
+        <pc:cxnChg chg="add mod">
+          <ac:chgData name="Ian Wu Ling En" userId="28715549-2f5c-46f8-b7f8-f39c35f3312d" providerId="ADAL" clId="{E7B3513D-77CA-6A41-910B-0B9402F691A1}" dt="2019-04-10T12:20:42.037" v="717" actId="14100"/>
+          <ac:cxnSpMkLst>
+            <pc:docMk/>
+            <pc:sldMk cId="3945898909" sldId="267"/>
+            <ac:cxnSpMk id="167" creationId="{1A6F8B90-7EFD-C14A-B429-23B9763226FB}"/>
+          </ac:cxnSpMkLst>
+        </pc:cxnChg>
+        <pc:cxnChg chg="add mod">
+          <ac:chgData name="Ian Wu Ling En" userId="28715549-2f5c-46f8-b7f8-f39c35f3312d" providerId="ADAL" clId="{E7B3513D-77CA-6A41-910B-0B9402F691A1}" dt="2019-04-10T12:11:27.565" v="648" actId="571"/>
+          <ac:cxnSpMkLst>
+            <pc:docMk/>
+            <pc:sldMk cId="3945898909" sldId="267"/>
+            <ac:cxnSpMk id="169" creationId="{6D875A2D-6937-0D43-A0DA-2779A5CAB692}"/>
+          </ac:cxnSpMkLst>
+        </pc:cxnChg>
+        <pc:cxnChg chg="add del mod">
+          <ac:chgData name="Ian Wu Ling En" userId="28715549-2f5c-46f8-b7f8-f39c35f3312d" providerId="ADAL" clId="{E7B3513D-77CA-6A41-910B-0B9402F691A1}" dt="2019-04-10T12:14:05.276" v="696" actId="478"/>
+          <ac:cxnSpMkLst>
+            <pc:docMk/>
+            <pc:sldMk cId="3945898909" sldId="267"/>
+            <ac:cxnSpMk id="174" creationId="{D0B99CE0-B726-BE49-B9C6-84DDE04A888A}"/>
+          </ac:cxnSpMkLst>
+        </pc:cxnChg>
         <pc:cxnChg chg="mod">
-          <ac:chgData name="Ian Wu Ling En" userId="28715549-2f5c-46f8-b7f8-f39c35f3312d" providerId="ADAL" clId="{E7B3513D-77CA-6A41-910B-0B9402F691A1}" dt="2019-04-05T01:25:44.900" v="38" actId="1076"/>
+          <ac:chgData name="Ian Wu Ling En" userId="28715549-2f5c-46f8-b7f8-f39c35f3312d" providerId="ADAL" clId="{E7B3513D-77CA-6A41-910B-0B9402F691A1}" dt="2019-04-10T12:13:53.851" v="692" actId="14100"/>
+          <ac:cxnSpMkLst>
+            <pc:docMk/>
+            <pc:sldMk cId="3945898909" sldId="267"/>
+            <ac:cxnSpMk id="188" creationId="{44EF094F-1339-4CA4-88DB-FE36777A1A62}"/>
+          </ac:cxnSpMkLst>
+        </pc:cxnChg>
+        <pc:cxnChg chg="mod">
+          <ac:chgData name="Ian Wu Ling En" userId="28715549-2f5c-46f8-b7f8-f39c35f3312d" providerId="ADAL" clId="{E7B3513D-77CA-6A41-910B-0B9402F691A1}" dt="2019-04-10T12:08:19.031" v="638" actId="1076"/>
           <ac:cxnSpMkLst>
             <pc:docMk/>
             <pc:sldMk cId="3945898909" sldId="267"/>
@@ -1047,7 +1855,31 @@
           </ac:cxnSpMkLst>
         </pc:cxnChg>
         <pc:cxnChg chg="mod">
-          <ac:chgData name="Ian Wu Ling En" userId="28715549-2f5c-46f8-b7f8-f39c35f3312d" providerId="ADAL" clId="{E7B3513D-77CA-6A41-910B-0B9402F691A1}" dt="2019-04-05T01:24:20.382" v="11" actId="14100"/>
+          <ac:chgData name="Ian Wu Ling En" userId="28715549-2f5c-46f8-b7f8-f39c35f3312d" providerId="ADAL" clId="{E7B3513D-77CA-6A41-910B-0B9402F691A1}" dt="2019-04-10T12:03:21.085" v="546" actId="1076"/>
+          <ac:cxnSpMkLst>
+            <pc:docMk/>
+            <pc:sldMk cId="3945898909" sldId="267"/>
+            <ac:cxnSpMk id="203" creationId="{6CCD3E18-8278-426A-A24E-E2CCA6422BBC}"/>
+          </ac:cxnSpMkLst>
+        </pc:cxnChg>
+        <pc:cxnChg chg="mod">
+          <ac:chgData name="Ian Wu Ling En" userId="28715549-2f5c-46f8-b7f8-f39c35f3312d" providerId="ADAL" clId="{E7B3513D-77CA-6A41-910B-0B9402F691A1}" dt="2019-04-10T12:13:14.893" v="683" actId="164"/>
+          <ac:cxnSpMkLst>
+            <pc:docMk/>
+            <pc:sldMk cId="3945898909" sldId="267"/>
+            <ac:cxnSpMk id="229" creationId="{674D795D-BE64-4C23-AB6B-8581B1948790}"/>
+          </ac:cxnSpMkLst>
+        </pc:cxnChg>
+        <pc:cxnChg chg="mod">
+          <ac:chgData name="Ian Wu Ling En" userId="28715549-2f5c-46f8-b7f8-f39c35f3312d" providerId="ADAL" clId="{E7B3513D-77CA-6A41-910B-0B9402F691A1}" dt="2019-04-10T12:13:14.893" v="683" actId="164"/>
+          <ac:cxnSpMkLst>
+            <pc:docMk/>
+            <pc:sldMk cId="3945898909" sldId="267"/>
+            <ac:cxnSpMk id="232" creationId="{1A83AB1C-BE26-4F1A-8576-7ACE7FC365C2}"/>
+          </ac:cxnSpMkLst>
+        </pc:cxnChg>
+        <pc:cxnChg chg="mod">
+          <ac:chgData name="Ian Wu Ling En" userId="28715549-2f5c-46f8-b7f8-f39c35f3312d" providerId="ADAL" clId="{E7B3513D-77CA-6A41-910B-0B9402F691A1}" dt="2019-04-10T12:20:53.468" v="719" actId="171"/>
           <ac:cxnSpMkLst>
             <pc:docMk/>
             <pc:sldMk cId="3945898909" sldId="267"/>
@@ -1055,6 +1887,271 @@
           </ac:cxnSpMkLst>
         </pc:cxnChg>
       </pc:sldChg>
+      <pc:sldMasterChg chg="modSp modSldLayout">
+        <pc:chgData name="Ian Wu Ling En" userId="28715549-2f5c-46f8-b7f8-f39c35f3312d" providerId="ADAL" clId="{E7B3513D-77CA-6A41-910B-0B9402F691A1}" dt="2019-04-10T11:48:35.376" v="343"/>
+        <pc:sldMasterMkLst>
+          <pc:docMk/>
+          <pc:sldMasterMk cId="2341400630" sldId="2147483648"/>
+        </pc:sldMasterMkLst>
+        <pc:spChg chg="mod">
+          <ac:chgData name="Ian Wu Ling En" userId="28715549-2f5c-46f8-b7f8-f39c35f3312d" providerId="ADAL" clId="{E7B3513D-77CA-6A41-910B-0B9402F691A1}" dt="2019-04-10T11:48:35.376" v="343"/>
+          <ac:spMkLst>
+            <pc:docMk/>
+            <pc:sldMasterMk cId="2341400630" sldId="2147483648"/>
+            <ac:spMk id="2" creationId="{00000000-0000-0000-0000-000000000000}"/>
+          </ac:spMkLst>
+        </pc:spChg>
+        <pc:spChg chg="mod">
+          <ac:chgData name="Ian Wu Ling En" userId="28715549-2f5c-46f8-b7f8-f39c35f3312d" providerId="ADAL" clId="{E7B3513D-77CA-6A41-910B-0B9402F691A1}" dt="2019-04-10T11:48:35.376" v="343"/>
+          <ac:spMkLst>
+            <pc:docMk/>
+            <pc:sldMasterMk cId="2341400630" sldId="2147483648"/>
+            <ac:spMk id="3" creationId="{00000000-0000-0000-0000-000000000000}"/>
+          </ac:spMkLst>
+        </pc:spChg>
+        <pc:spChg chg="mod">
+          <ac:chgData name="Ian Wu Ling En" userId="28715549-2f5c-46f8-b7f8-f39c35f3312d" providerId="ADAL" clId="{E7B3513D-77CA-6A41-910B-0B9402F691A1}" dt="2019-04-10T11:48:35.376" v="343"/>
+          <ac:spMkLst>
+            <pc:docMk/>
+            <pc:sldMasterMk cId="2341400630" sldId="2147483648"/>
+            <ac:spMk id="4" creationId="{00000000-0000-0000-0000-000000000000}"/>
+          </ac:spMkLst>
+        </pc:spChg>
+        <pc:spChg chg="mod">
+          <ac:chgData name="Ian Wu Ling En" userId="28715549-2f5c-46f8-b7f8-f39c35f3312d" providerId="ADAL" clId="{E7B3513D-77CA-6A41-910B-0B9402F691A1}" dt="2019-04-10T11:48:35.376" v="343"/>
+          <ac:spMkLst>
+            <pc:docMk/>
+            <pc:sldMasterMk cId="2341400630" sldId="2147483648"/>
+            <ac:spMk id="5" creationId="{00000000-0000-0000-0000-000000000000}"/>
+          </ac:spMkLst>
+        </pc:spChg>
+        <pc:spChg chg="mod">
+          <ac:chgData name="Ian Wu Ling En" userId="28715549-2f5c-46f8-b7f8-f39c35f3312d" providerId="ADAL" clId="{E7B3513D-77CA-6A41-910B-0B9402F691A1}" dt="2019-04-10T11:48:35.376" v="343"/>
+          <ac:spMkLst>
+            <pc:docMk/>
+            <pc:sldMasterMk cId="2341400630" sldId="2147483648"/>
+            <ac:spMk id="6" creationId="{00000000-0000-0000-0000-000000000000}"/>
+          </ac:spMkLst>
+        </pc:spChg>
+        <pc:sldLayoutChg chg="modSp">
+          <pc:chgData name="Ian Wu Ling En" userId="28715549-2f5c-46f8-b7f8-f39c35f3312d" providerId="ADAL" clId="{E7B3513D-77CA-6A41-910B-0B9402F691A1}" dt="2019-04-10T11:48:35.376" v="343"/>
+          <pc:sldLayoutMkLst>
+            <pc:docMk/>
+            <pc:sldMasterMk cId="2341400630" sldId="2147483648"/>
+            <pc:sldLayoutMk cId="3246593157" sldId="2147483649"/>
+          </pc:sldLayoutMkLst>
+          <pc:spChg chg="mod">
+            <ac:chgData name="Ian Wu Ling En" userId="28715549-2f5c-46f8-b7f8-f39c35f3312d" providerId="ADAL" clId="{E7B3513D-77CA-6A41-910B-0B9402F691A1}" dt="2019-04-10T11:48:35.376" v="343"/>
+            <ac:spMkLst>
+              <pc:docMk/>
+              <pc:sldMasterMk cId="2341400630" sldId="2147483648"/>
+              <pc:sldLayoutMk cId="3246593157" sldId="2147483649"/>
+              <ac:spMk id="2" creationId="{00000000-0000-0000-0000-000000000000}"/>
+            </ac:spMkLst>
+          </pc:spChg>
+          <pc:spChg chg="mod">
+            <ac:chgData name="Ian Wu Ling En" userId="28715549-2f5c-46f8-b7f8-f39c35f3312d" providerId="ADAL" clId="{E7B3513D-77CA-6A41-910B-0B9402F691A1}" dt="2019-04-10T11:48:35.376" v="343"/>
+            <ac:spMkLst>
+              <pc:docMk/>
+              <pc:sldMasterMk cId="2341400630" sldId="2147483648"/>
+              <pc:sldLayoutMk cId="3246593157" sldId="2147483649"/>
+              <ac:spMk id="3" creationId="{00000000-0000-0000-0000-000000000000}"/>
+            </ac:spMkLst>
+          </pc:spChg>
+        </pc:sldLayoutChg>
+        <pc:sldLayoutChg chg="modSp">
+          <pc:chgData name="Ian Wu Ling En" userId="28715549-2f5c-46f8-b7f8-f39c35f3312d" providerId="ADAL" clId="{E7B3513D-77CA-6A41-910B-0B9402F691A1}" dt="2019-04-10T11:48:35.376" v="343"/>
+          <pc:sldLayoutMkLst>
+            <pc:docMk/>
+            <pc:sldMasterMk cId="2341400630" sldId="2147483648"/>
+            <pc:sldLayoutMk cId="474686344" sldId="2147483651"/>
+          </pc:sldLayoutMkLst>
+          <pc:spChg chg="mod">
+            <ac:chgData name="Ian Wu Ling En" userId="28715549-2f5c-46f8-b7f8-f39c35f3312d" providerId="ADAL" clId="{E7B3513D-77CA-6A41-910B-0B9402F691A1}" dt="2019-04-10T11:48:35.376" v="343"/>
+            <ac:spMkLst>
+              <pc:docMk/>
+              <pc:sldMasterMk cId="2341400630" sldId="2147483648"/>
+              <pc:sldLayoutMk cId="474686344" sldId="2147483651"/>
+              <ac:spMk id="2" creationId="{00000000-0000-0000-0000-000000000000}"/>
+            </ac:spMkLst>
+          </pc:spChg>
+          <pc:spChg chg="mod">
+            <ac:chgData name="Ian Wu Ling En" userId="28715549-2f5c-46f8-b7f8-f39c35f3312d" providerId="ADAL" clId="{E7B3513D-77CA-6A41-910B-0B9402F691A1}" dt="2019-04-10T11:48:35.376" v="343"/>
+            <ac:spMkLst>
+              <pc:docMk/>
+              <pc:sldMasterMk cId="2341400630" sldId="2147483648"/>
+              <pc:sldLayoutMk cId="474686344" sldId="2147483651"/>
+              <ac:spMk id="3" creationId="{00000000-0000-0000-0000-000000000000}"/>
+            </ac:spMkLst>
+          </pc:spChg>
+        </pc:sldLayoutChg>
+        <pc:sldLayoutChg chg="modSp">
+          <pc:chgData name="Ian Wu Ling En" userId="28715549-2f5c-46f8-b7f8-f39c35f3312d" providerId="ADAL" clId="{E7B3513D-77CA-6A41-910B-0B9402F691A1}" dt="2019-04-10T11:48:35.376" v="343"/>
+          <pc:sldLayoutMkLst>
+            <pc:docMk/>
+            <pc:sldMasterMk cId="2341400630" sldId="2147483648"/>
+            <pc:sldLayoutMk cId="562293251" sldId="2147483652"/>
+          </pc:sldLayoutMkLst>
+          <pc:spChg chg="mod">
+            <ac:chgData name="Ian Wu Ling En" userId="28715549-2f5c-46f8-b7f8-f39c35f3312d" providerId="ADAL" clId="{E7B3513D-77CA-6A41-910B-0B9402F691A1}" dt="2019-04-10T11:48:35.376" v="343"/>
+            <ac:spMkLst>
+              <pc:docMk/>
+              <pc:sldMasterMk cId="2341400630" sldId="2147483648"/>
+              <pc:sldLayoutMk cId="562293251" sldId="2147483652"/>
+              <ac:spMk id="3" creationId="{00000000-0000-0000-0000-000000000000}"/>
+            </ac:spMkLst>
+          </pc:spChg>
+          <pc:spChg chg="mod">
+            <ac:chgData name="Ian Wu Ling En" userId="28715549-2f5c-46f8-b7f8-f39c35f3312d" providerId="ADAL" clId="{E7B3513D-77CA-6A41-910B-0B9402F691A1}" dt="2019-04-10T11:48:35.376" v="343"/>
+            <ac:spMkLst>
+              <pc:docMk/>
+              <pc:sldMasterMk cId="2341400630" sldId="2147483648"/>
+              <pc:sldLayoutMk cId="562293251" sldId="2147483652"/>
+              <ac:spMk id="4" creationId="{00000000-0000-0000-0000-000000000000}"/>
+            </ac:spMkLst>
+          </pc:spChg>
+        </pc:sldLayoutChg>
+        <pc:sldLayoutChg chg="modSp">
+          <pc:chgData name="Ian Wu Ling En" userId="28715549-2f5c-46f8-b7f8-f39c35f3312d" providerId="ADAL" clId="{E7B3513D-77CA-6A41-910B-0B9402F691A1}" dt="2019-04-10T11:48:35.376" v="343"/>
+          <pc:sldLayoutMkLst>
+            <pc:docMk/>
+            <pc:sldMasterMk cId="2341400630" sldId="2147483648"/>
+            <pc:sldLayoutMk cId="1126424250" sldId="2147483653"/>
+          </pc:sldLayoutMkLst>
+          <pc:spChg chg="mod">
+            <ac:chgData name="Ian Wu Ling En" userId="28715549-2f5c-46f8-b7f8-f39c35f3312d" providerId="ADAL" clId="{E7B3513D-77CA-6A41-910B-0B9402F691A1}" dt="2019-04-10T11:48:35.376" v="343"/>
+            <ac:spMkLst>
+              <pc:docMk/>
+              <pc:sldMasterMk cId="2341400630" sldId="2147483648"/>
+              <pc:sldLayoutMk cId="1126424250" sldId="2147483653"/>
+              <ac:spMk id="3" creationId="{00000000-0000-0000-0000-000000000000}"/>
+            </ac:spMkLst>
+          </pc:spChg>
+          <pc:spChg chg="mod">
+            <ac:chgData name="Ian Wu Ling En" userId="28715549-2f5c-46f8-b7f8-f39c35f3312d" providerId="ADAL" clId="{E7B3513D-77CA-6A41-910B-0B9402F691A1}" dt="2019-04-10T11:48:35.376" v="343"/>
+            <ac:spMkLst>
+              <pc:docMk/>
+              <pc:sldMasterMk cId="2341400630" sldId="2147483648"/>
+              <pc:sldLayoutMk cId="1126424250" sldId="2147483653"/>
+              <ac:spMk id="4" creationId="{00000000-0000-0000-0000-000000000000}"/>
+            </ac:spMkLst>
+          </pc:spChg>
+          <pc:spChg chg="mod">
+            <ac:chgData name="Ian Wu Ling En" userId="28715549-2f5c-46f8-b7f8-f39c35f3312d" providerId="ADAL" clId="{E7B3513D-77CA-6A41-910B-0B9402F691A1}" dt="2019-04-10T11:48:35.376" v="343"/>
+            <ac:spMkLst>
+              <pc:docMk/>
+              <pc:sldMasterMk cId="2341400630" sldId="2147483648"/>
+              <pc:sldLayoutMk cId="1126424250" sldId="2147483653"/>
+              <ac:spMk id="5" creationId="{00000000-0000-0000-0000-000000000000}"/>
+            </ac:spMkLst>
+          </pc:spChg>
+          <pc:spChg chg="mod">
+            <ac:chgData name="Ian Wu Ling En" userId="28715549-2f5c-46f8-b7f8-f39c35f3312d" providerId="ADAL" clId="{E7B3513D-77CA-6A41-910B-0B9402F691A1}" dt="2019-04-10T11:48:35.376" v="343"/>
+            <ac:spMkLst>
+              <pc:docMk/>
+              <pc:sldMasterMk cId="2341400630" sldId="2147483648"/>
+              <pc:sldLayoutMk cId="1126424250" sldId="2147483653"/>
+              <ac:spMk id="6" creationId="{00000000-0000-0000-0000-000000000000}"/>
+            </ac:spMkLst>
+          </pc:spChg>
+        </pc:sldLayoutChg>
+        <pc:sldLayoutChg chg="modSp">
+          <pc:chgData name="Ian Wu Ling En" userId="28715549-2f5c-46f8-b7f8-f39c35f3312d" providerId="ADAL" clId="{E7B3513D-77CA-6A41-910B-0B9402F691A1}" dt="2019-04-10T11:48:35.376" v="343"/>
+          <pc:sldLayoutMkLst>
+            <pc:docMk/>
+            <pc:sldMasterMk cId="2341400630" sldId="2147483648"/>
+            <pc:sldLayoutMk cId="2076802089" sldId="2147483656"/>
+          </pc:sldLayoutMkLst>
+          <pc:spChg chg="mod">
+            <ac:chgData name="Ian Wu Ling En" userId="28715549-2f5c-46f8-b7f8-f39c35f3312d" providerId="ADAL" clId="{E7B3513D-77CA-6A41-910B-0B9402F691A1}" dt="2019-04-10T11:48:35.376" v="343"/>
+            <ac:spMkLst>
+              <pc:docMk/>
+              <pc:sldMasterMk cId="2341400630" sldId="2147483648"/>
+              <pc:sldLayoutMk cId="2076802089" sldId="2147483656"/>
+              <ac:spMk id="2" creationId="{00000000-0000-0000-0000-000000000000}"/>
+            </ac:spMkLst>
+          </pc:spChg>
+          <pc:spChg chg="mod">
+            <ac:chgData name="Ian Wu Ling En" userId="28715549-2f5c-46f8-b7f8-f39c35f3312d" providerId="ADAL" clId="{E7B3513D-77CA-6A41-910B-0B9402F691A1}" dt="2019-04-10T11:48:35.376" v="343"/>
+            <ac:spMkLst>
+              <pc:docMk/>
+              <pc:sldMasterMk cId="2341400630" sldId="2147483648"/>
+              <pc:sldLayoutMk cId="2076802089" sldId="2147483656"/>
+              <ac:spMk id="3" creationId="{00000000-0000-0000-0000-000000000000}"/>
+            </ac:spMkLst>
+          </pc:spChg>
+          <pc:spChg chg="mod">
+            <ac:chgData name="Ian Wu Ling En" userId="28715549-2f5c-46f8-b7f8-f39c35f3312d" providerId="ADAL" clId="{E7B3513D-77CA-6A41-910B-0B9402F691A1}" dt="2019-04-10T11:48:35.376" v="343"/>
+            <ac:spMkLst>
+              <pc:docMk/>
+              <pc:sldMasterMk cId="2341400630" sldId="2147483648"/>
+              <pc:sldLayoutMk cId="2076802089" sldId="2147483656"/>
+              <ac:spMk id="4" creationId="{00000000-0000-0000-0000-000000000000}"/>
+            </ac:spMkLst>
+          </pc:spChg>
+        </pc:sldLayoutChg>
+        <pc:sldLayoutChg chg="modSp">
+          <pc:chgData name="Ian Wu Ling En" userId="28715549-2f5c-46f8-b7f8-f39c35f3312d" providerId="ADAL" clId="{E7B3513D-77CA-6A41-910B-0B9402F691A1}" dt="2019-04-10T11:48:35.376" v="343"/>
+          <pc:sldLayoutMkLst>
+            <pc:docMk/>
+            <pc:sldMasterMk cId="2341400630" sldId="2147483648"/>
+            <pc:sldLayoutMk cId="201835938" sldId="2147483657"/>
+          </pc:sldLayoutMkLst>
+          <pc:spChg chg="mod">
+            <ac:chgData name="Ian Wu Ling En" userId="28715549-2f5c-46f8-b7f8-f39c35f3312d" providerId="ADAL" clId="{E7B3513D-77CA-6A41-910B-0B9402F691A1}" dt="2019-04-10T11:48:35.376" v="343"/>
+            <ac:spMkLst>
+              <pc:docMk/>
+              <pc:sldMasterMk cId="2341400630" sldId="2147483648"/>
+              <pc:sldLayoutMk cId="201835938" sldId="2147483657"/>
+              <ac:spMk id="2" creationId="{00000000-0000-0000-0000-000000000000}"/>
+            </ac:spMkLst>
+          </pc:spChg>
+          <pc:spChg chg="mod">
+            <ac:chgData name="Ian Wu Ling En" userId="28715549-2f5c-46f8-b7f8-f39c35f3312d" providerId="ADAL" clId="{E7B3513D-77CA-6A41-910B-0B9402F691A1}" dt="2019-04-10T11:48:35.376" v="343"/>
+            <ac:spMkLst>
+              <pc:docMk/>
+              <pc:sldMasterMk cId="2341400630" sldId="2147483648"/>
+              <pc:sldLayoutMk cId="201835938" sldId="2147483657"/>
+              <ac:spMk id="3" creationId="{00000000-0000-0000-0000-000000000000}"/>
+            </ac:spMkLst>
+          </pc:spChg>
+          <pc:spChg chg="mod">
+            <ac:chgData name="Ian Wu Ling En" userId="28715549-2f5c-46f8-b7f8-f39c35f3312d" providerId="ADAL" clId="{E7B3513D-77CA-6A41-910B-0B9402F691A1}" dt="2019-04-10T11:48:35.376" v="343"/>
+            <ac:spMkLst>
+              <pc:docMk/>
+              <pc:sldMasterMk cId="2341400630" sldId="2147483648"/>
+              <pc:sldLayoutMk cId="201835938" sldId="2147483657"/>
+              <ac:spMk id="4" creationId="{00000000-0000-0000-0000-000000000000}"/>
+            </ac:spMkLst>
+          </pc:spChg>
+        </pc:sldLayoutChg>
+        <pc:sldLayoutChg chg="modSp">
+          <pc:chgData name="Ian Wu Ling En" userId="28715549-2f5c-46f8-b7f8-f39c35f3312d" providerId="ADAL" clId="{E7B3513D-77CA-6A41-910B-0B9402F691A1}" dt="2019-04-10T11:48:35.376" v="343"/>
+          <pc:sldLayoutMkLst>
+            <pc:docMk/>
+            <pc:sldMasterMk cId="2341400630" sldId="2147483648"/>
+            <pc:sldLayoutMk cId="568378986" sldId="2147483659"/>
+          </pc:sldLayoutMkLst>
+          <pc:spChg chg="mod">
+            <ac:chgData name="Ian Wu Ling En" userId="28715549-2f5c-46f8-b7f8-f39c35f3312d" providerId="ADAL" clId="{E7B3513D-77CA-6A41-910B-0B9402F691A1}" dt="2019-04-10T11:48:35.376" v="343"/>
+            <ac:spMkLst>
+              <pc:docMk/>
+              <pc:sldMasterMk cId="2341400630" sldId="2147483648"/>
+              <pc:sldLayoutMk cId="568378986" sldId="2147483659"/>
+              <ac:spMk id="2" creationId="{00000000-0000-0000-0000-000000000000}"/>
+            </ac:spMkLst>
+          </pc:spChg>
+          <pc:spChg chg="mod">
+            <ac:chgData name="Ian Wu Ling En" userId="28715549-2f5c-46f8-b7f8-f39c35f3312d" providerId="ADAL" clId="{E7B3513D-77CA-6A41-910B-0B9402F691A1}" dt="2019-04-10T11:48:35.376" v="343"/>
+            <ac:spMkLst>
+              <pc:docMk/>
+              <pc:sldMasterMk cId="2341400630" sldId="2147483648"/>
+              <pc:sldLayoutMk cId="568378986" sldId="2147483659"/>
+              <ac:spMk id="3" creationId="{00000000-0000-0000-0000-000000000000}"/>
+            </ac:spMkLst>
+          </pc:spChg>
+        </pc:sldLayoutChg>
+      </pc:sldMasterChg>
     </pc:docChg>
   </pc:docChgLst>
 </pc:chgInfo>
@@ -1109,7 +2206,7 @@
             </a:lvl1pPr>
           </a:lstStyle>
           <a:p>
-            <a:endParaRPr lang="en-US" dirty="0"/>
+            <a:endParaRPr lang="en-US"/>
           </a:p>
         </p:txBody>
       </p:sp>
@@ -1142,9 +2239,9 @@
           <a:p>
             <a:fld id="{F5CC4B3F-88C1-4FFA-B1B6-F41C21DC6924}" type="datetimeFigureOut">
               <a:rPr lang="en-US" smtClean="0"/>
-              <a:t>4/5/19</a:t>
+              <a:t>4/10/19</a:t>
             </a:fld>
-            <a:endParaRPr lang="en-US" dirty="0"/>
+            <a:endParaRPr lang="en-US"/>
           </a:p>
         </p:txBody>
       </p:sp>
@@ -1160,8 +2257,8 @@
         </p:nvSpPr>
         <p:spPr>
           <a:xfrm>
-            <a:off x="-171450" y="685800"/>
-            <a:ext cx="7200900" cy="3429000"/>
+            <a:off x="979488" y="685800"/>
+            <a:ext cx="4899025" cy="3429000"/>
           </a:xfrm>
           <a:prstGeom prst="rect">
             <a:avLst/>
@@ -1177,7 +2274,7 @@
           <a:bodyPr vert="horz" lIns="91440" tIns="45720" rIns="91440" bIns="45720" rtlCol="0" anchor="ctr"/>
           <a:lstStyle/>
           <a:p>
-            <a:endParaRPr lang="en-US" dirty="0"/>
+            <a:endParaRPr lang="en-US"/>
           </a:p>
         </p:txBody>
       </p:sp>
@@ -1267,7 +2364,7 @@
             </a:lvl1pPr>
           </a:lstStyle>
           <a:p>
-            <a:endParaRPr lang="en-US" dirty="0"/>
+            <a:endParaRPr lang="en-US"/>
           </a:p>
         </p:txBody>
       </p:sp>
@@ -1302,7 +2399,7 @@
               <a:rPr lang="en-US" smtClean="0"/>
               <a:t>‹#›</a:t>
             </a:fld>
-            <a:endParaRPr lang="en-US" dirty="0"/>
+            <a:endParaRPr lang="en-US"/>
           </a:p>
         </p:txBody>
       </p:sp>
@@ -1409,6 +2506,95 @@
 </p:notesMaster>
 </file>
 
+<file path=ppt/notesSlides/notesSlide1.xml><?xml version="1.0" encoding="utf-8"?>
+<p:notes xmlns:a="http://schemas.openxmlformats.org/drawingml/2006/main" xmlns:r="http://schemas.openxmlformats.org/officeDocument/2006/relationships" xmlns:p="http://schemas.openxmlformats.org/presentationml/2006/main">
+  <p:cSld>
+    <p:spTree>
+      <p:nvGrpSpPr>
+        <p:cNvPr id="1" name=""/>
+        <p:cNvGrpSpPr/>
+        <p:nvPr/>
+      </p:nvGrpSpPr>
+      <p:grpSpPr>
+        <a:xfrm>
+          <a:off x="0" y="0"/>
+          <a:ext cx="0" cy="0"/>
+          <a:chOff x="0" y="0"/>
+          <a:chExt cx="0" cy="0"/>
+        </a:xfrm>
+      </p:grpSpPr>
+      <p:sp>
+        <p:nvSpPr>
+          <p:cNvPr id="2" name="Slide Image Placeholder 1"/>
+          <p:cNvSpPr>
+            <a:spLocks noGrp="1" noRot="1" noChangeAspect="1"/>
+          </p:cNvSpPr>
+          <p:nvPr>
+            <p:ph type="sldImg"/>
+          </p:nvPr>
+        </p:nvSpPr>
+        <p:spPr>
+          <a:xfrm>
+            <a:off x="979488" y="685800"/>
+            <a:ext cx="4899025" cy="3429000"/>
+          </a:xfrm>
+        </p:spPr>
+      </p:sp>
+      <p:sp>
+        <p:nvSpPr>
+          <p:cNvPr id="3" name="Notes Placeholder 2"/>
+          <p:cNvSpPr>
+            <a:spLocks noGrp="1"/>
+          </p:cNvSpPr>
+          <p:nvPr>
+            <p:ph type="body" idx="1"/>
+          </p:nvPr>
+        </p:nvSpPr>
+        <p:spPr/>
+        <p:txBody>
+          <a:bodyPr/>
+          <a:lstStyle/>
+          <a:p>
+            <a:endParaRPr/>
+          </a:p>
+        </p:txBody>
+      </p:sp>
+      <p:sp>
+        <p:nvSpPr>
+          <p:cNvPr id="4" name="Slide Number Placeholder 3"/>
+          <p:cNvSpPr>
+            <a:spLocks noGrp="1"/>
+          </p:cNvSpPr>
+          <p:nvPr>
+            <p:ph type="sldNum" sz="quarter" idx="5"/>
+          </p:nvPr>
+        </p:nvSpPr>
+        <p:spPr/>
+        <p:txBody>
+          <a:bodyPr/>
+          <a:lstStyle/>
+          <a:p>
+            <a:fld id="{5A7AB025-77E3-4BD1-A2FD-B3183DBA47A3}" type="slidenum">
+              <a:rPr lang="en-US" smtClean="0"/>
+              <a:t>1</a:t>
+            </a:fld>
+            <a:endParaRPr lang="en-US"/>
+          </a:p>
+        </p:txBody>
+      </p:sp>
+    </p:spTree>
+    <p:extLst>
+      <p:ext uri="{BB962C8B-B14F-4D97-AF65-F5344CB8AC3E}">
+        <p14:creationId xmlns:p14="http://schemas.microsoft.com/office/powerpoint/2010/main" val="3343265245"/>
+      </p:ext>
+    </p:extLst>
+  </p:cSld>
+  <p:clrMapOvr>
+    <a:masterClrMapping/>
+  </p:clrMapOvr>
+</p:notes>
+</file>
+
 <file path=ppt/slideLayouts/slideLayout1.xml><?xml version="1.0" encoding="utf-8"?>
 <p:sldLayout xmlns:a="http://schemas.openxmlformats.org/drawingml/2006/main" xmlns:r="http://schemas.openxmlformats.org/officeDocument/2006/relationships" xmlns:p="http://schemas.openxmlformats.org/presentationml/2006/main" type="title" preserve="1">
   <p:cSld name="Title Slide">
@@ -1438,8 +2624,8 @@
         </p:nvSpPr>
         <p:spPr>
           <a:xfrm>
-            <a:off x="1080022" y="2130455"/>
-            <a:ext cx="12240181" cy="1470025"/>
+            <a:off x="1350060" y="3914221"/>
+            <a:ext cx="15300563" cy="2700831"/>
           </a:xfrm>
         </p:spPr>
         <p:txBody>
@@ -1465,8 +2651,8 @@
         </p:nvSpPr>
         <p:spPr>
           <a:xfrm>
-            <a:off x="2160035" y="3886200"/>
-            <a:ext cx="10080150" cy="1752600"/>
+            <a:off x="2700104" y="7139995"/>
+            <a:ext cx="12600465" cy="3219998"/>
           </a:xfrm>
         </p:spPr>
         <p:txBody>
@@ -1588,9 +2774,9 @@
           <a:p>
             <a:fld id="{78C97017-6FC3-485B-9764-EAC9E56C1D49}" type="datetimeFigureOut">
               <a:rPr lang="en-US" smtClean="0"/>
-              <a:t>4/5/19</a:t>
+              <a:t>4/10/19</a:t>
             </a:fld>
-            <a:endParaRPr lang="en-US" dirty="0"/>
+            <a:endParaRPr lang="en-US"/>
           </a:p>
         </p:txBody>
       </p:sp>
@@ -1609,7 +2795,7 @@
           <a:bodyPr/>
           <a:lstStyle/>
           <a:p>
-            <a:endParaRPr lang="en-US" dirty="0"/>
+            <a:endParaRPr lang="en-US"/>
           </a:p>
         </p:txBody>
       </p:sp>
@@ -1632,7 +2818,7 @@
               <a:rPr lang="en-US" smtClean="0"/>
               <a:t>‹#›</a:t>
             </a:fld>
-            <a:endParaRPr lang="en-US" dirty="0"/>
+            <a:endParaRPr lang="en-US"/>
           </a:p>
         </p:txBody>
       </p:sp>
@@ -1756,9 +2942,9 @@
           <a:p>
             <a:fld id="{78C97017-6FC3-485B-9764-EAC9E56C1D49}" type="datetimeFigureOut">
               <a:rPr lang="en-US" smtClean="0"/>
-              <a:t>4/5/19</a:t>
+              <a:t>4/10/19</a:t>
             </a:fld>
-            <a:endParaRPr lang="en-US" dirty="0"/>
+            <a:endParaRPr lang="en-US"/>
           </a:p>
         </p:txBody>
       </p:sp>
@@ -1777,7 +2963,7 @@
           <a:bodyPr/>
           <a:lstStyle/>
           <a:p>
-            <a:endParaRPr lang="en-US" dirty="0"/>
+            <a:endParaRPr lang="en-US"/>
           </a:p>
         </p:txBody>
       </p:sp>
@@ -1800,7 +2986,7 @@
               <a:rPr lang="en-US" smtClean="0"/>
               <a:t>‹#›</a:t>
             </a:fld>
-            <a:endParaRPr lang="en-US" dirty="0"/>
+            <a:endParaRPr lang="en-US"/>
           </a:p>
         </p:txBody>
       </p:sp>
@@ -1846,8 +3032,8 @@
         </p:nvSpPr>
         <p:spPr>
           <a:xfrm>
-            <a:off x="10440155" y="274668"/>
-            <a:ext cx="3240047" cy="5851525"/>
+            <a:off x="13050486" y="504640"/>
+            <a:ext cx="4050148" cy="10750823"/>
           </a:xfrm>
         </p:spPr>
         <p:txBody>
@@ -1873,8 +3059,8 @@
         </p:nvSpPr>
         <p:spPr>
           <a:xfrm>
-            <a:off x="720018" y="274668"/>
-            <a:ext cx="9480140" cy="5851525"/>
+            <a:off x="900042" y="504640"/>
+            <a:ext cx="11850436" cy="10750823"/>
           </a:xfrm>
         </p:spPr>
         <p:txBody>
@@ -1934,9 +3120,9 @@
           <a:p>
             <a:fld id="{78C97017-6FC3-485B-9764-EAC9E56C1D49}" type="datetimeFigureOut">
               <a:rPr lang="en-US" smtClean="0"/>
-              <a:t>4/5/19</a:t>
+              <a:t>4/10/19</a:t>
             </a:fld>
-            <a:endParaRPr lang="en-US" dirty="0"/>
+            <a:endParaRPr lang="en-US"/>
           </a:p>
         </p:txBody>
       </p:sp>
@@ -1955,7 +3141,7 @@
           <a:bodyPr/>
           <a:lstStyle/>
           <a:p>
-            <a:endParaRPr lang="en-US" dirty="0"/>
+            <a:endParaRPr lang="en-US"/>
           </a:p>
         </p:txBody>
       </p:sp>
@@ -1978,7 +3164,7 @@
               <a:rPr lang="en-US" smtClean="0"/>
               <a:t>‹#›</a:t>
             </a:fld>
-            <a:endParaRPr lang="en-US" dirty="0"/>
+            <a:endParaRPr lang="en-US"/>
           </a:p>
         </p:txBody>
       </p:sp>
@@ -2102,9 +3288,9 @@
           <a:p>
             <a:fld id="{78C97017-6FC3-485B-9764-EAC9E56C1D49}" type="datetimeFigureOut">
               <a:rPr lang="en-US" smtClean="0"/>
-              <a:t>4/5/19</a:t>
+              <a:t>4/10/19</a:t>
             </a:fld>
-            <a:endParaRPr lang="en-US" dirty="0"/>
+            <a:endParaRPr lang="en-US"/>
           </a:p>
         </p:txBody>
       </p:sp>
@@ -2123,7 +3309,7 @@
           <a:bodyPr/>
           <a:lstStyle/>
           <a:p>
-            <a:endParaRPr lang="en-US" dirty="0"/>
+            <a:endParaRPr lang="en-US"/>
           </a:p>
         </p:txBody>
       </p:sp>
@@ -2146,7 +3332,7 @@
               <a:rPr lang="en-US" smtClean="0"/>
               <a:t>‹#›</a:t>
             </a:fld>
-            <a:endParaRPr lang="en-US" dirty="0"/>
+            <a:endParaRPr lang="en-US"/>
           </a:p>
         </p:txBody>
       </p:sp>
@@ -2192,8 +3378,8 @@
         </p:nvSpPr>
         <p:spPr>
           <a:xfrm>
-            <a:off x="1137523" y="4406930"/>
-            <a:ext cx="12240181" cy="1362075"/>
+            <a:off x="1421940" y="8096720"/>
+            <a:ext cx="15300563" cy="2502496"/>
           </a:xfrm>
         </p:spPr>
         <p:txBody>
@@ -2223,8 +3409,8 @@
         </p:nvSpPr>
         <p:spPr>
           <a:xfrm>
-            <a:off x="1137523" y="2906713"/>
-            <a:ext cx="12240181" cy="1500187"/>
+            <a:off x="1421940" y="5340417"/>
+            <a:ext cx="15300563" cy="2756246"/>
           </a:xfrm>
         </p:spPr>
         <p:txBody>
@@ -2347,9 +3533,9 @@
           <a:p>
             <a:fld id="{78C97017-6FC3-485B-9764-EAC9E56C1D49}" type="datetimeFigureOut">
               <a:rPr lang="en-US" smtClean="0"/>
-              <a:t>4/5/19</a:t>
+              <a:t>4/10/19</a:t>
             </a:fld>
-            <a:endParaRPr lang="en-US" dirty="0"/>
+            <a:endParaRPr lang="en-US"/>
           </a:p>
         </p:txBody>
       </p:sp>
@@ -2368,7 +3554,7 @@
           <a:bodyPr/>
           <a:lstStyle/>
           <a:p>
-            <a:endParaRPr lang="en-US" dirty="0"/>
+            <a:endParaRPr lang="en-US"/>
           </a:p>
         </p:txBody>
       </p:sp>
@@ -2391,7 +3577,7 @@
               <a:rPr lang="en-US" smtClean="0"/>
               <a:t>‹#›</a:t>
             </a:fld>
-            <a:endParaRPr lang="en-US" dirty="0"/>
+            <a:endParaRPr lang="en-US"/>
           </a:p>
         </p:txBody>
       </p:sp>
@@ -2459,8 +3645,8 @@
         </p:nvSpPr>
         <p:spPr>
           <a:xfrm>
-            <a:off x="720016" y="1600206"/>
-            <a:ext cx="6360095" cy="4525963"/>
+            <a:off x="900044" y="2940013"/>
+            <a:ext cx="7950294" cy="8315409"/>
           </a:xfrm>
         </p:spPr>
         <p:txBody>
@@ -2543,8 +3729,8 @@
         </p:nvSpPr>
         <p:spPr>
           <a:xfrm>
-            <a:off x="7320113" y="1600206"/>
-            <a:ext cx="6360095" cy="4525963"/>
+            <a:off x="9150347" y="2940013"/>
+            <a:ext cx="7950294" cy="8315409"/>
           </a:xfrm>
         </p:spPr>
         <p:txBody>
@@ -2632,9 +3818,9 @@
           <a:p>
             <a:fld id="{78C97017-6FC3-485B-9764-EAC9E56C1D49}" type="datetimeFigureOut">
               <a:rPr lang="en-US" smtClean="0"/>
-              <a:t>4/5/19</a:t>
+              <a:t>4/10/19</a:t>
             </a:fld>
-            <a:endParaRPr lang="en-US" dirty="0"/>
+            <a:endParaRPr lang="en-US"/>
           </a:p>
         </p:txBody>
       </p:sp>
@@ -2653,7 +3839,7 @@
           <a:bodyPr/>
           <a:lstStyle/>
           <a:p>
-            <a:endParaRPr lang="en-US" dirty="0"/>
+            <a:endParaRPr lang="en-US"/>
           </a:p>
         </p:txBody>
       </p:sp>
@@ -2676,7 +3862,7 @@
               <a:rPr lang="en-US" smtClean="0"/>
               <a:t>‹#›</a:t>
             </a:fld>
-            <a:endParaRPr lang="en-US" dirty="0"/>
+            <a:endParaRPr lang="en-US"/>
           </a:p>
         </p:txBody>
       </p:sp>
@@ -2748,8 +3934,8 @@
         </p:nvSpPr>
         <p:spPr>
           <a:xfrm>
-            <a:off x="720019" y="1535113"/>
-            <a:ext cx="6362597" cy="639762"/>
+            <a:off x="900044" y="2820417"/>
+            <a:ext cx="7953422" cy="1175415"/>
           </a:xfrm>
         </p:spPr>
         <p:txBody>
@@ -2813,8 +3999,8 @@
         </p:nvSpPr>
         <p:spPr>
           <a:xfrm>
-            <a:off x="720019" y="2174875"/>
-            <a:ext cx="6362597" cy="3951288"/>
+            <a:off x="900044" y="3995831"/>
+            <a:ext cx="7953422" cy="7259577"/>
           </a:xfrm>
         </p:spPr>
         <p:txBody>
@@ -2897,8 +4083,8 @@
         </p:nvSpPr>
         <p:spPr>
           <a:xfrm>
-            <a:off x="7315117" y="1535113"/>
-            <a:ext cx="6365096" cy="639762"/>
+            <a:off x="9144099" y="2820417"/>
+            <a:ext cx="7956545" cy="1175415"/>
           </a:xfrm>
         </p:spPr>
         <p:txBody>
@@ -2962,8 +4148,8 @@
         </p:nvSpPr>
         <p:spPr>
           <a:xfrm>
-            <a:off x="7315117" y="2174875"/>
-            <a:ext cx="6365096" cy="3951288"/>
+            <a:off x="9144099" y="3995831"/>
+            <a:ext cx="7956545" cy="7259577"/>
           </a:xfrm>
         </p:spPr>
         <p:txBody>
@@ -3051,9 +4237,9 @@
           <a:p>
             <a:fld id="{78C97017-6FC3-485B-9764-EAC9E56C1D49}" type="datetimeFigureOut">
               <a:rPr lang="en-US" smtClean="0"/>
-              <a:t>4/5/19</a:t>
+              <a:t>4/10/19</a:t>
             </a:fld>
-            <a:endParaRPr lang="en-US" dirty="0"/>
+            <a:endParaRPr lang="en-US"/>
           </a:p>
         </p:txBody>
       </p:sp>
@@ -3072,7 +4258,7 @@
           <a:bodyPr/>
           <a:lstStyle/>
           <a:p>
-            <a:endParaRPr lang="en-US" dirty="0"/>
+            <a:endParaRPr lang="en-US"/>
           </a:p>
         </p:txBody>
       </p:sp>
@@ -3095,7 +4281,7 @@
               <a:rPr lang="en-US" smtClean="0"/>
               <a:t>‹#›</a:t>
             </a:fld>
-            <a:endParaRPr lang="en-US" dirty="0"/>
+            <a:endParaRPr lang="en-US"/>
           </a:p>
         </p:txBody>
       </p:sp>
@@ -3168,9 +4354,9 @@
           <a:p>
             <a:fld id="{78C97017-6FC3-485B-9764-EAC9E56C1D49}" type="datetimeFigureOut">
               <a:rPr lang="en-US" smtClean="0"/>
-              <a:t>4/5/19</a:t>
+              <a:t>4/10/19</a:t>
             </a:fld>
-            <a:endParaRPr lang="en-US" dirty="0"/>
+            <a:endParaRPr lang="en-US"/>
           </a:p>
         </p:txBody>
       </p:sp>
@@ -3189,7 +4375,7 @@
           <a:bodyPr/>
           <a:lstStyle/>
           <a:p>
-            <a:endParaRPr lang="en-US" dirty="0"/>
+            <a:endParaRPr lang="en-US"/>
           </a:p>
         </p:txBody>
       </p:sp>
@@ -3212,7 +4398,7 @@
               <a:rPr lang="en-US" smtClean="0"/>
               <a:t>‹#›</a:t>
             </a:fld>
-            <a:endParaRPr lang="en-US" dirty="0"/>
+            <a:endParaRPr lang="en-US"/>
           </a:p>
         </p:txBody>
       </p:sp>
@@ -3263,9 +4449,9 @@
           <a:p>
             <a:fld id="{78C97017-6FC3-485B-9764-EAC9E56C1D49}" type="datetimeFigureOut">
               <a:rPr lang="en-US" smtClean="0"/>
-              <a:t>4/5/19</a:t>
+              <a:t>4/10/19</a:t>
             </a:fld>
-            <a:endParaRPr lang="en-US" dirty="0"/>
+            <a:endParaRPr lang="en-US"/>
           </a:p>
         </p:txBody>
       </p:sp>
@@ -3284,7 +4470,7 @@
           <a:bodyPr/>
           <a:lstStyle/>
           <a:p>
-            <a:endParaRPr lang="en-US" dirty="0"/>
+            <a:endParaRPr lang="en-US"/>
           </a:p>
         </p:txBody>
       </p:sp>
@@ -3307,7 +4493,7 @@
               <a:rPr lang="en-US" smtClean="0"/>
               <a:t>‹#›</a:t>
             </a:fld>
-            <a:endParaRPr lang="en-US" dirty="0"/>
+            <a:endParaRPr lang="en-US"/>
           </a:p>
         </p:txBody>
       </p:sp>
@@ -3353,8 +4539,8 @@
         </p:nvSpPr>
         <p:spPr>
           <a:xfrm>
-            <a:off x="720016" y="273050"/>
-            <a:ext cx="4737569" cy="1162050"/>
+            <a:off x="900044" y="501667"/>
+            <a:ext cx="5922092" cy="2134999"/>
           </a:xfrm>
         </p:spPr>
         <p:txBody>
@@ -3384,8 +4570,8 @@
         </p:nvSpPr>
         <p:spPr>
           <a:xfrm>
-            <a:off x="5630091" y="273080"/>
-            <a:ext cx="8050121" cy="5853113"/>
+            <a:off x="7037774" y="501725"/>
+            <a:ext cx="10062873" cy="10753740"/>
           </a:xfrm>
         </p:spPr>
         <p:txBody>
@@ -3468,8 +4654,8 @@
         </p:nvSpPr>
         <p:spPr>
           <a:xfrm>
-            <a:off x="720016" y="1435103"/>
-            <a:ext cx="4737569" cy="4691063"/>
+            <a:off x="900044" y="2636673"/>
+            <a:ext cx="5922092" cy="8618744"/>
           </a:xfrm>
         </p:spPr>
         <p:txBody>
@@ -3538,9 +4724,9 @@
           <a:p>
             <a:fld id="{78C97017-6FC3-485B-9764-EAC9E56C1D49}" type="datetimeFigureOut">
               <a:rPr lang="en-US" smtClean="0"/>
-              <a:t>4/5/19</a:t>
+              <a:t>4/10/19</a:t>
             </a:fld>
-            <a:endParaRPr lang="en-US" dirty="0"/>
+            <a:endParaRPr lang="en-US"/>
           </a:p>
         </p:txBody>
       </p:sp>
@@ -3559,7 +4745,7 @@
           <a:bodyPr/>
           <a:lstStyle/>
           <a:p>
-            <a:endParaRPr lang="en-US" dirty="0"/>
+            <a:endParaRPr lang="en-US"/>
           </a:p>
         </p:txBody>
       </p:sp>
@@ -3582,7 +4768,7 @@
               <a:rPr lang="en-US" smtClean="0"/>
               <a:t>‹#›</a:t>
             </a:fld>
-            <a:endParaRPr lang="en-US" dirty="0"/>
+            <a:endParaRPr lang="en-US"/>
           </a:p>
         </p:txBody>
       </p:sp>
@@ -3628,8 +4814,8 @@
         </p:nvSpPr>
         <p:spPr>
           <a:xfrm>
-            <a:off x="2822547" y="4800600"/>
-            <a:ext cx="8640128" cy="566738"/>
+            <a:off x="3528262" y="8819993"/>
+            <a:ext cx="10800398" cy="1041249"/>
           </a:xfrm>
         </p:spPr>
         <p:txBody>
@@ -3659,8 +4845,8 @@
         </p:nvSpPr>
         <p:spPr>
           <a:xfrm>
-            <a:off x="2822547" y="612775"/>
-            <a:ext cx="8640128" cy="4114800"/>
+            <a:off x="3528262" y="1125833"/>
+            <a:ext cx="10800398" cy="7559993"/>
           </a:xfrm>
         </p:spPr>
         <p:txBody>
@@ -3704,7 +4890,7 @@
             </a:lvl9pPr>
           </a:lstStyle>
           <a:p>
-            <a:endParaRPr lang="en-US" dirty="0"/>
+            <a:endParaRPr lang="en-US"/>
           </a:p>
         </p:txBody>
       </p:sp>
@@ -3720,8 +4906,8 @@
         </p:nvSpPr>
         <p:spPr>
           <a:xfrm>
-            <a:off x="2822547" y="5367338"/>
-            <a:ext cx="8640128" cy="804862"/>
+            <a:off x="3528262" y="9861242"/>
+            <a:ext cx="10800398" cy="1478748"/>
           </a:xfrm>
         </p:spPr>
         <p:txBody>
@@ -3790,9 +4976,9 @@
           <a:p>
             <a:fld id="{78C97017-6FC3-485B-9764-EAC9E56C1D49}" type="datetimeFigureOut">
               <a:rPr lang="en-US" smtClean="0"/>
-              <a:t>4/5/19</a:t>
+              <a:t>4/10/19</a:t>
             </a:fld>
-            <a:endParaRPr lang="en-US" dirty="0"/>
+            <a:endParaRPr lang="en-US"/>
           </a:p>
         </p:txBody>
       </p:sp>
@@ -3811,7 +4997,7 @@
           <a:bodyPr/>
           <a:lstStyle/>
           <a:p>
-            <a:endParaRPr lang="en-US" dirty="0"/>
+            <a:endParaRPr lang="en-US"/>
           </a:p>
         </p:txBody>
       </p:sp>
@@ -3834,7 +5020,7 @@
               <a:rPr lang="en-US" smtClean="0"/>
               <a:t>‹#›</a:t>
             </a:fld>
-            <a:endParaRPr lang="en-US" dirty="0"/>
+            <a:endParaRPr lang="en-US"/>
           </a:p>
         </p:txBody>
       </p:sp>
@@ -3885,8 +5071,8 @@
         </p:nvSpPr>
         <p:spPr>
           <a:xfrm>
-            <a:off x="720019" y="274638"/>
-            <a:ext cx="12960191" cy="1143000"/>
+            <a:off x="900048" y="504587"/>
+            <a:ext cx="16200596" cy="2099998"/>
           </a:xfrm>
           <a:prstGeom prst="rect">
             <a:avLst/>
@@ -3917,8 +5103,8 @@
         </p:nvSpPr>
         <p:spPr>
           <a:xfrm>
-            <a:off x="720019" y="1600206"/>
-            <a:ext cx="12960191" cy="4525963"/>
+            <a:off x="900048" y="2940013"/>
+            <a:ext cx="16200596" cy="8315409"/>
           </a:xfrm>
           <a:prstGeom prst="rect">
             <a:avLst/>
@@ -3978,8 +5164,8 @@
         </p:nvSpPr>
         <p:spPr>
           <a:xfrm>
-            <a:off x="720019" y="6356380"/>
-            <a:ext cx="3360050" cy="365125"/>
+            <a:off x="900045" y="11678379"/>
+            <a:ext cx="4200155" cy="670833"/>
           </a:xfrm>
           <a:prstGeom prst="rect">
             <a:avLst/>
@@ -4001,9 +5187,9 @@
           <a:p>
             <a:fld id="{78C97017-6FC3-485B-9764-EAC9E56C1D49}" type="datetimeFigureOut">
               <a:rPr lang="en-US" smtClean="0"/>
-              <a:t>4/5/19</a:t>
+              <a:t>4/10/19</a:t>
             </a:fld>
-            <a:endParaRPr lang="en-US" dirty="0"/>
+            <a:endParaRPr lang="en-US"/>
           </a:p>
         </p:txBody>
       </p:sp>
@@ -4019,8 +5205,8 @@
         </p:nvSpPr>
         <p:spPr>
           <a:xfrm>
-            <a:off x="4920077" y="6356380"/>
-            <a:ext cx="4560069" cy="365125"/>
+            <a:off x="6150235" y="11678379"/>
+            <a:ext cx="5700212" cy="670833"/>
           </a:xfrm>
           <a:prstGeom prst="rect">
             <a:avLst/>
@@ -4040,7 +5226,7 @@
             </a:lvl1pPr>
           </a:lstStyle>
           <a:p>
-            <a:endParaRPr lang="en-US" dirty="0"/>
+            <a:endParaRPr lang="en-US"/>
           </a:p>
         </p:txBody>
       </p:sp>
@@ -4056,8 +5242,8 @@
         </p:nvSpPr>
         <p:spPr>
           <a:xfrm>
-            <a:off x="10320160" y="6356380"/>
-            <a:ext cx="3360050" cy="365125"/>
+            <a:off x="12900484" y="11678379"/>
+            <a:ext cx="4200155" cy="670833"/>
           </a:xfrm>
           <a:prstGeom prst="rect">
             <a:avLst/>
@@ -4081,7 +5267,7 @@
               <a:rPr lang="en-US" smtClean="0"/>
               <a:t>‹#›</a:t>
             </a:fld>
-            <a:endParaRPr lang="en-US" dirty="0"/>
+            <a:endParaRPr lang="en-US"/>
           </a:p>
         </p:txBody>
       </p:sp>
@@ -4378,10 +5564,10 @@
       </p:grpSpPr>
       <p:sp>
         <p:nvSpPr>
-          <p:cNvPr id="79" name="Rectangle 65">
+          <p:cNvPr id="170" name="Rectangle 65">
             <a:extLst>
               <a:ext uri="{FF2B5EF4-FFF2-40B4-BE49-F238E27FC236}">
-                <a16:creationId xmlns:a16="http://schemas.microsoft.com/office/drawing/2014/main" id="{D3F76BBD-2D01-6240-A02E-1EA9552A8274}"/>
+                <a16:creationId xmlns:a16="http://schemas.microsoft.com/office/drawing/2014/main" id="{EE17B49E-D125-D04A-B460-4DC7FCC1A8A5}"/>
               </a:ext>
             </a:extLst>
           </p:cNvPr>
@@ -4390,8 +5576,8 @@
         </p:nvSpPr>
         <p:spPr>
           <a:xfrm>
-            <a:off x="9717756" y="344234"/>
-            <a:ext cx="4416550" cy="6105943"/>
+            <a:off x="9699812" y="283029"/>
+            <a:ext cx="7075272" cy="11473542"/>
           </a:xfrm>
           <a:prstGeom prst="roundRect">
             <a:avLst>
@@ -4445,10 +5631,10 @@
       </p:sp>
       <p:sp>
         <p:nvSpPr>
-          <p:cNvPr id="77" name="Rectangle 65">
+          <p:cNvPr id="171" name="Rectangle 65">
             <a:extLst>
               <a:ext uri="{FF2B5EF4-FFF2-40B4-BE49-F238E27FC236}">
-                <a16:creationId xmlns:a16="http://schemas.microsoft.com/office/drawing/2014/main" id="{4AB32D64-C5D6-1847-90A2-1199A9BAE14B}"/>
+                <a16:creationId xmlns:a16="http://schemas.microsoft.com/office/drawing/2014/main" id="{9F7BABA6-7513-E641-89A8-229ADA2C50B1}"/>
               </a:ext>
             </a:extLst>
           </p:cNvPr>
@@ -4457,8 +5643,8 @@
         </p:nvSpPr>
         <p:spPr>
           <a:xfrm>
-            <a:off x="265906" y="331229"/>
-            <a:ext cx="9324841" cy="6105946"/>
+            <a:off x="243124" y="261257"/>
+            <a:ext cx="9336305" cy="11473543"/>
           </a:xfrm>
           <a:prstGeom prst="roundRect">
             <a:avLst>
@@ -4521,13 +5707,14 @@
           </p:cNvPr>
           <p:cNvCxnSpPr>
             <a:cxnSpLocks/>
+            <a:endCxn id="94" idx="0"/>
           </p:cNvCxnSpPr>
           <p:nvPr/>
         </p:nvCxnSpPr>
         <p:spPr>
           <a:xfrm>
-            <a:off x="8010828" y="2801520"/>
-            <a:ext cx="0" cy="3446887"/>
+            <a:off x="8065841" y="2759825"/>
+            <a:ext cx="0" cy="8049415"/>
           </a:xfrm>
           <a:prstGeom prst="line">
             <a:avLst/>
@@ -4563,7 +5750,7 @@
         </p:nvSpPr>
         <p:spPr>
           <a:xfrm>
-            <a:off x="1498934" y="846325"/>
+            <a:off x="1555025" y="1176238"/>
             <a:ext cx="1455628" cy="346760"/>
           </a:xfrm>
           <a:prstGeom prst="rect">
@@ -4604,15 +5791,7 @@
                   <a:schemeClr val="bg1"/>
                 </a:solidFill>
               </a:rPr>
-              <a:t>:</a:t>
-            </a:r>
-            <a:r>
-              <a:rPr lang="en-US" sz="1600" dirty="0" err="1">
-                <a:solidFill>
-                  <a:schemeClr val="bg1"/>
-                </a:solidFill>
-              </a:rPr>
-              <a:t>LogicManager</a:t>
+              <a:t>:LogicManager</a:t>
             </a:r>
             <a:endParaRPr lang="en-SG" sz="1600" dirty="0">
               <a:solidFill>
@@ -4632,8 +5811,8 @@
         </p:nvCxnSpPr>
         <p:spPr>
           <a:xfrm>
-            <a:off x="2226748" y="1210001"/>
-            <a:ext cx="0" cy="5149910"/>
+            <a:off x="2282839" y="1539918"/>
+            <a:ext cx="0" cy="9527065"/>
           </a:xfrm>
           <a:prstGeom prst="line">
             <a:avLst/>
@@ -4669,8 +5848,8 @@
         </p:nvSpPr>
         <p:spPr>
           <a:xfrm>
-            <a:off x="2154740" y="1560696"/>
-            <a:ext cx="152400" cy="4418214"/>
+            <a:off x="2210832" y="1890608"/>
+            <a:ext cx="168205" cy="8977035"/>
           </a:xfrm>
           <a:prstGeom prst="rect">
             <a:avLst/>
@@ -4716,7 +5895,7 @@
         </p:nvSpPr>
         <p:spPr>
           <a:xfrm>
-            <a:off x="4042576" y="725400"/>
+            <a:off x="4098667" y="1055313"/>
             <a:ext cx="1219200" cy="467684"/>
           </a:xfrm>
           <a:prstGeom prst="rect">
@@ -4770,7 +5949,7 @@
               </a:rPr>
               <a:t>BookParser</a:t>
             </a:r>
-            <a:endParaRPr lang="en-SG" sz="1600" dirty="0">
+            <a:endParaRPr lang="en-US" sz="1600" dirty="0">
               <a:solidFill>
                 <a:schemeClr val="bg1"/>
               </a:solidFill>
@@ -4788,7 +5967,7 @@
         </p:nvCxnSpPr>
         <p:spPr>
           <a:xfrm>
-            <a:off x="4655972" y="1209999"/>
+            <a:off x="4712063" y="1539912"/>
             <a:ext cx="0" cy="2160660"/>
           </a:xfrm>
           <a:prstGeom prst="line">
@@ -4825,7 +6004,7 @@
         </p:nvSpPr>
         <p:spPr>
           <a:xfrm>
-            <a:off x="4583967" y="1668203"/>
+            <a:off x="4640058" y="1998121"/>
             <a:ext cx="154408" cy="1434579"/>
           </a:xfrm>
           <a:prstGeom prst="rect">
@@ -4860,7 +6039,7 @@
           <a:lstStyle/>
           <a:p>
             <a:pPr algn="ctr"/>
-            <a:endParaRPr lang="en-SG" sz="1400" dirty="0"/>
+            <a:endParaRPr lang="en-SG" sz="1400"/>
           </a:p>
         </p:txBody>
       </p:sp>
@@ -4875,8 +6054,8 @@
         </p:nvCxnSpPr>
         <p:spPr>
           <a:xfrm>
-            <a:off x="6219946" y="1916032"/>
-            <a:ext cx="0" cy="1389503"/>
+            <a:off x="6276037" y="2245952"/>
+            <a:ext cx="0" cy="1389501"/>
           </a:xfrm>
           <a:prstGeom prst="line">
             <a:avLst/>
@@ -4912,8 +6091,8 @@
         </p:nvSpPr>
         <p:spPr>
           <a:xfrm>
-            <a:off x="6143746" y="1916033"/>
-            <a:ext cx="152400" cy="276003"/>
+            <a:off x="6199837" y="2245949"/>
+            <a:ext cx="152400" cy="229898"/>
           </a:xfrm>
           <a:prstGeom prst="rect">
             <a:avLst/>
@@ -4947,7 +6126,7 @@
           <a:lstStyle/>
           <a:p>
             <a:pPr algn="ctr"/>
-            <a:endParaRPr lang="en-SG" sz="1400" dirty="0"/>
+            <a:endParaRPr lang="en-SG" sz="1400"/>
           </a:p>
         </p:txBody>
       </p:sp>
@@ -4961,8 +6140,8 @@
         </p:nvCxnSpPr>
         <p:spPr>
           <a:xfrm>
-            <a:off x="257211" y="1564377"/>
-            <a:ext cx="1897545" cy="0"/>
+            <a:off x="266700" y="1894290"/>
+            <a:ext cx="1944152" cy="0"/>
           </a:xfrm>
           <a:prstGeom prst="straightConnector1">
             <a:avLst/>
@@ -4997,8 +6176,8 @@
         </p:nvSpPr>
         <p:spPr>
           <a:xfrm>
-            <a:off x="135492" y="1306224"/>
-            <a:ext cx="1823939" cy="215444"/>
+            <a:off x="191588" y="1636137"/>
+            <a:ext cx="1823939" cy="184666"/>
           </a:xfrm>
           <a:prstGeom prst="rect">
             <a:avLst/>
@@ -5013,28 +6192,12 @@
           <a:p>
             <a:pPr algn="r"/>
             <a:r>
-              <a:rPr lang="en-US" sz="1400" dirty="0">
+              <a:rPr lang="en-US" sz="1200">
                 <a:solidFill>
                   <a:srgbClr val="0070C0"/>
                 </a:solidFill>
               </a:rPr>
-              <a:t>execute(“put &lt;</a:t>
-            </a:r>
-            <a:r>
-              <a:rPr lang="en-US" sz="1400" dirty="0" err="1">
-                <a:solidFill>
-                  <a:srgbClr val="0070C0"/>
-                </a:solidFill>
-              </a:rPr>
-              <a:t>args</a:t>
-            </a:r>
-            <a:r>
-              <a:rPr lang="en-US" sz="1400" dirty="0">
-                <a:solidFill>
-                  <a:srgbClr val="0070C0"/>
-                </a:solidFill>
-              </a:rPr>
-              <a:t>&gt;”)</a:t>
+              <a:t>execute(“put &lt;args1&gt;”)</a:t>
             </a:r>
           </a:p>
         </p:txBody>
@@ -5048,9 +6211,9 @@
           <p:nvPr/>
         </p:nvCxnSpPr>
         <p:spPr>
-          <a:xfrm flipV="1">
-            <a:off x="4753836" y="1789859"/>
-            <a:ext cx="668888" cy="1"/>
+          <a:xfrm>
+            <a:off x="4793191" y="2119777"/>
+            <a:ext cx="685624" cy="1"/>
           </a:xfrm>
           <a:prstGeom prst="straightConnector1">
             <a:avLst/>
@@ -5085,7 +6248,7 @@
         </p:nvSpPr>
         <p:spPr>
           <a:xfrm>
-            <a:off x="4841833" y="3277890"/>
+            <a:off x="4897924" y="3607803"/>
             <a:ext cx="855808" cy="215444"/>
           </a:xfrm>
           <a:prstGeom prst="rect">
@@ -5111,7 +6274,7 @@
           </a:lstStyle>
           <a:p>
             <a:r>
-              <a:rPr lang="en-US" dirty="0"/>
+              <a:rPr lang="en-US"/>
               <a:t>execute()</a:t>
             </a:r>
           </a:p>
@@ -5127,7 +6290,7 @@
         </p:nvCxnSpPr>
         <p:spPr>
           <a:xfrm>
-            <a:off x="4726973" y="2141886"/>
+            <a:off x="4783064" y="2471799"/>
             <a:ext cx="1414408" cy="0"/>
           </a:xfrm>
           <a:prstGeom prst="straightConnector1">
@@ -5167,7 +6330,7 @@
         </p:nvCxnSpPr>
         <p:spPr>
           <a:xfrm>
-            <a:off x="2313637" y="3089227"/>
+            <a:off x="2369728" y="3425403"/>
             <a:ext cx="2270334" cy="0"/>
           </a:xfrm>
           <a:prstGeom prst="straightConnector1">
@@ -5197,46 +6360,6 @@
           </a:fontRef>
         </p:style>
       </p:cxnSp>
-      <p:cxnSp>
-        <p:nvCxnSpPr>
-          <p:cNvPr id="37" name="Straight Arrow Connector 36"/>
-          <p:cNvCxnSpPr>
-            <a:cxnSpLocks/>
-          </p:cNvCxnSpPr>
-          <p:nvPr/>
-        </p:nvCxnSpPr>
-        <p:spPr>
-          <a:xfrm>
-            <a:off x="958697" y="5978908"/>
-            <a:ext cx="1196051" cy="0"/>
-          </a:xfrm>
-          <a:prstGeom prst="straightConnector1">
-            <a:avLst/>
-          </a:prstGeom>
-          <a:ln w="19050">
-            <a:solidFill>
-              <a:schemeClr val="accent1"/>
-            </a:solidFill>
-            <a:prstDash val="sysDash"/>
-            <a:headEnd type="arrow" w="med" len="med"/>
-            <a:tailEnd type="none" w="med" len="med"/>
-          </a:ln>
-        </p:spPr>
-        <p:style>
-          <a:lnRef idx="1">
-            <a:schemeClr val="accent1"/>
-          </a:lnRef>
-          <a:fillRef idx="0">
-            <a:schemeClr val="accent1"/>
-          </a:fillRef>
-          <a:effectRef idx="0">
-            <a:schemeClr val="accent1"/>
-          </a:effectRef>
-          <a:fontRef idx="minor">
-            <a:schemeClr val="tx1"/>
-          </a:fontRef>
-        </p:style>
-      </p:cxnSp>
       <p:sp>
         <p:nvSpPr>
           <p:cNvPr id="80" name="TextBox 79"/>
@@ -5245,8 +6368,8 @@
         </p:nvSpPr>
         <p:spPr>
           <a:xfrm>
-            <a:off x="2348467" y="1422774"/>
-            <a:ext cx="2200674" cy="215444"/>
+            <a:off x="2404558" y="1752687"/>
+            <a:ext cx="2200674" cy="184666"/>
           </a:xfrm>
           <a:prstGeom prst="rect">
             <a:avLst/>
@@ -5271,19 +6394,19 @@
           </a:lstStyle>
           <a:p>
             <a:r>
-              <a:rPr lang="en-US" dirty="0" err="1"/>
+              <a:rPr lang="en-US" sz="1200" err="1"/>
               <a:t>parseCommand</a:t>
             </a:r>
             <a:r>
-              <a:rPr lang="en-US" dirty="0"/>
+              <a:rPr lang="en-US" sz="1200"/>
               <a:t>(“put &lt;</a:t>
             </a:r>
             <a:r>
-              <a:rPr lang="en-US" dirty="0" err="1"/>
+              <a:rPr lang="en-US" sz="1200" err="1"/>
               <a:t>args</a:t>
             </a:r>
             <a:r>
-              <a:rPr lang="en-US" dirty="0"/>
+              <a:rPr lang="en-US" sz="1200"/>
               <a:t>&gt;”)</a:t>
             </a:r>
           </a:p>
@@ -5297,8 +6420,8 @@
         </p:nvSpPr>
         <p:spPr>
           <a:xfrm>
-            <a:off x="9900636" y="2367092"/>
-            <a:ext cx="1730985" cy="643958"/>
+            <a:off x="9940324" y="2852178"/>
+            <a:ext cx="1420821" cy="345776"/>
           </a:xfrm>
           <a:prstGeom prst="rect">
             <a:avLst/>
@@ -5333,25 +6456,14 @@
           <a:p>
             <a:pPr algn="ctr"/>
             <a:r>
-              <a:rPr lang="en-US" sz="1600" dirty="0">
+              <a:rPr lang="en-US" sz="1600">
                 <a:solidFill>
                   <a:schemeClr val="bg1"/>
                 </a:solidFill>
               </a:rPr>
-              <a:t>:Boundary</a:t>
-            </a:r>
-          </a:p>
-          <a:p>
-            <a:pPr algn="ctr"/>
-            <a:r>
-              <a:rPr lang="en-US" sz="1600" dirty="0" err="1">
-                <a:solidFill>
-                  <a:schemeClr val="bg1"/>
-                </a:solidFill>
-              </a:rPr>
-              <a:t>ValueChecker</a:t>
-            </a:r>
-            <a:endParaRPr lang="en-SG" sz="1600" dirty="0">
+              <a:t>:Model</a:t>
+            </a:r>
+            <a:endParaRPr lang="en-SG" sz="1600">
               <a:solidFill>
                 <a:schemeClr val="bg1"/>
               </a:solidFill>
@@ -5368,9 +6480,9 @@
           <p:nvPr/>
         </p:nvCxnSpPr>
         <p:spPr>
-          <a:xfrm flipH="1">
-            <a:off x="10633640" y="2988186"/>
-            <a:ext cx="1" cy="3371739"/>
+          <a:xfrm>
+            <a:off x="10689736" y="3177915"/>
+            <a:ext cx="0" cy="7512252"/>
           </a:xfrm>
           <a:prstGeom prst="line">
             <a:avLst/>
@@ -5398,53 +6510,6 @@
           </a:fontRef>
         </p:style>
       </p:cxnSp>
-      <p:sp>
-        <p:nvSpPr>
-          <p:cNvPr id="49" name="Rectangle 48"/>
-          <p:cNvSpPr/>
-          <p:nvPr/>
-        </p:nvSpPr>
-        <p:spPr>
-          <a:xfrm>
-            <a:off x="10535191" y="3569871"/>
-            <a:ext cx="168896" cy="934257"/>
-          </a:xfrm>
-          <a:prstGeom prst="rect">
-            <a:avLst/>
-          </a:prstGeom>
-          <a:solidFill>
-            <a:srgbClr val="7030A0"/>
-          </a:solidFill>
-          <a:ln>
-            <a:solidFill>
-              <a:srgbClr val="7030A0"/>
-            </a:solidFill>
-          </a:ln>
-          <a:effectLst/>
-        </p:spPr>
-        <p:style>
-          <a:lnRef idx="1">
-            <a:schemeClr val="accent3"/>
-          </a:lnRef>
-          <a:fillRef idx="2">
-            <a:schemeClr val="accent3"/>
-          </a:fillRef>
-          <a:effectRef idx="1">
-            <a:schemeClr val="accent3"/>
-          </a:effectRef>
-          <a:fontRef idx="minor">
-            <a:schemeClr val="dk1"/>
-          </a:fontRef>
-        </p:style>
-        <p:txBody>
-          <a:bodyPr rtlCol="0" anchor="ctr"/>
-          <a:lstStyle/>
-          <a:p>
-            <a:pPr algn="ctr"/>
-            <a:endParaRPr lang="en-SG" sz="1400"/>
-          </a:p>
-        </p:txBody>
-      </p:sp>
       <p:cxnSp>
         <p:nvCxnSpPr>
           <p:cNvPr id="50" name="Straight Arrow Connector 49"/>
@@ -5455,15 +6520,15 @@
         </p:nvCxnSpPr>
         <p:spPr>
           <a:xfrm>
-            <a:off x="8109453" y="3580642"/>
-            <a:ext cx="2425738" cy="1"/>
+            <a:off x="8136610" y="4395514"/>
+            <a:ext cx="2454673" cy="0"/>
           </a:xfrm>
           <a:prstGeom prst="straightConnector1">
             <a:avLst/>
           </a:prstGeom>
           <a:ln w="19050">
             <a:solidFill>
-              <a:srgbClr val="0070C0"/>
+              <a:srgbClr val="7030A0"/>
             </a:solidFill>
             <a:tailEnd type="arrow"/>
           </a:ln>
@@ -5491,7 +6556,7 @@
         </p:nvSpPr>
         <p:spPr>
           <a:xfrm>
-            <a:off x="5422728" y="1362626"/>
+            <a:off x="5478819" y="1692539"/>
             <a:ext cx="1609838" cy="578958"/>
           </a:xfrm>
           <a:prstGeom prst="rect">
@@ -5527,7 +6592,7 @@
           <a:p>
             <a:pPr algn="ctr"/>
             <a:r>
-              <a:rPr lang="en-US" sz="1600" dirty="0">
+              <a:rPr lang="en-US" sz="1600">
                 <a:solidFill>
                   <a:schemeClr val="bg1"/>
                 </a:solidFill>
@@ -5535,14 +6600,14 @@
               <a:t>:</a:t>
             </a:r>
             <a:r>
-              <a:rPr lang="en-US" sz="1600" dirty="0" err="1">
+              <a:rPr lang="en-US" sz="1600" err="1">
                 <a:solidFill>
                   <a:schemeClr val="bg1"/>
                 </a:solidFill>
               </a:rPr>
               <a:t>PutShipMap</a:t>
             </a:r>
-            <a:endParaRPr lang="en-US" sz="1600" dirty="0">
+            <a:endParaRPr lang="en-US" sz="1600">
               <a:solidFill>
                 <a:schemeClr val="bg1"/>
               </a:solidFill>
@@ -5551,14 +6616,14 @@
           <a:p>
             <a:pPr algn="ctr"/>
             <a:r>
-              <a:rPr lang="en-US" sz="1600" dirty="0" err="1">
+              <a:rPr lang="en-US" sz="1600" err="1">
                 <a:solidFill>
                   <a:schemeClr val="bg1"/>
                 </a:solidFill>
               </a:rPr>
               <a:t>CommandParser</a:t>
             </a:r>
-            <a:endParaRPr lang="en-SG" sz="1600" dirty="0">
+            <a:endParaRPr lang="en-SG" sz="1600">
               <a:solidFill>
                 <a:schemeClr val="bg1"/>
               </a:solidFill>
@@ -5582,8 +6647,8 @@
         </p:nvCxnSpPr>
         <p:spPr>
           <a:xfrm>
-            <a:off x="2313640" y="3506000"/>
-            <a:ext cx="5600765" cy="0"/>
+            <a:off x="2369736" y="3835913"/>
+            <a:ext cx="5611159" cy="0"/>
           </a:xfrm>
           <a:prstGeom prst="straightConnector1">
             <a:avLst/>
@@ -5626,8 +6691,8 @@
         </p:nvCxnSpPr>
         <p:spPr>
           <a:xfrm>
-            <a:off x="2313635" y="1666315"/>
-            <a:ext cx="2256706" cy="1"/>
+            <a:off x="2265896" y="1996229"/>
+            <a:ext cx="2360541" cy="0"/>
           </a:xfrm>
           <a:prstGeom prst="straightConnector1">
             <a:avLst/>
@@ -5637,149 +6702,6 @@
               <a:srgbClr val="0070C0"/>
             </a:solidFill>
             <a:tailEnd type="arrow"/>
-          </a:ln>
-        </p:spPr>
-        <p:style>
-          <a:lnRef idx="1">
-            <a:schemeClr val="accent1"/>
-          </a:lnRef>
-          <a:fillRef idx="0">
-            <a:schemeClr val="accent1"/>
-          </a:fillRef>
-          <a:effectRef idx="0">
-            <a:schemeClr val="accent1"/>
-          </a:effectRef>
-          <a:fontRef idx="minor">
-            <a:schemeClr val="tx1"/>
-          </a:fontRef>
-        </p:style>
-      </p:cxnSp>
-      <p:cxnSp>
-        <p:nvCxnSpPr>
-          <p:cNvPr id="69" name="Straight Arrow Connector 68">
-            <a:extLst>
-              <a:ext uri="{FF2B5EF4-FFF2-40B4-BE49-F238E27FC236}">
-                <a16:creationId xmlns:a16="http://schemas.microsoft.com/office/drawing/2014/main" id="{7C9F21BC-13A9-471F-825A-2621FD36355F}"/>
-              </a:ext>
-            </a:extLst>
-          </p:cNvPr>
-          <p:cNvCxnSpPr>
-            <a:cxnSpLocks/>
-          </p:cNvCxnSpPr>
-          <p:nvPr/>
-        </p:nvCxnSpPr>
-        <p:spPr>
-          <a:xfrm>
-            <a:off x="2309218" y="5837179"/>
-            <a:ext cx="5609190" cy="0"/>
-          </a:xfrm>
-          <a:prstGeom prst="straightConnector1">
-            <a:avLst/>
-          </a:prstGeom>
-          <a:ln w="19050">
-            <a:solidFill>
-              <a:srgbClr val="0070C0"/>
-            </a:solidFill>
-            <a:prstDash val="sysDash"/>
-            <a:headEnd type="arrow" w="med" len="med"/>
-            <a:tailEnd type="none" w="med" len="med"/>
-          </a:ln>
-        </p:spPr>
-        <p:style>
-          <a:lnRef idx="1">
-            <a:schemeClr val="accent1"/>
-          </a:lnRef>
-          <a:fillRef idx="0">
-            <a:schemeClr val="accent1"/>
-          </a:fillRef>
-          <a:effectRef idx="0">
-            <a:schemeClr val="accent1"/>
-          </a:effectRef>
-          <a:fontRef idx="minor">
-            <a:schemeClr val="tx1"/>
-          </a:fontRef>
-        </p:style>
-      </p:cxnSp>
-      <p:sp>
-        <p:nvSpPr>
-          <p:cNvPr id="41" name="TextBox 40"/>
-          <p:cNvSpPr txBox="1"/>
-          <p:nvPr/>
-        </p:nvSpPr>
-        <p:spPr>
-          <a:xfrm>
-            <a:off x="10909325" y="3440540"/>
-            <a:ext cx="1157705" cy="184666"/>
-          </a:xfrm>
-          <a:prstGeom prst="rect">
-            <a:avLst/>
-          </a:prstGeom>
-          <a:noFill/>
-          <a:ln>
-            <a:noFill/>
-          </a:ln>
-        </p:spPr>
-        <p:txBody>
-          <a:bodyPr wrap="square" lIns="0" tIns="0" rIns="0" bIns="0" rtlCol="0">
-            <a:spAutoFit/>
-          </a:bodyPr>
-          <a:lstStyle>
-            <a:defPPr>
-              <a:defRPr lang="en-US"/>
-            </a:defPPr>
-            <a:lvl1pPr algn="r">
-              <a:defRPr sz="1400">
-                <a:solidFill>
-                  <a:srgbClr val="0070C0"/>
-                </a:solidFill>
-              </a:defRPr>
-            </a:lvl1pPr>
-          </a:lstStyle>
-          <a:p>
-            <a:r>
-              <a:rPr lang="en-US" sz="1200" dirty="0" err="1">
-                <a:solidFill>
-                  <a:srgbClr val="7030A0"/>
-                </a:solidFill>
-              </a:rPr>
-              <a:t>performChecks</a:t>
-            </a:r>
-            <a:r>
-              <a:rPr lang="en-US" sz="1200" dirty="0">
-                <a:solidFill>
-                  <a:schemeClr val="accent4">
-                    <a:lumMod val="75000"/>
-                  </a:schemeClr>
-                </a:solidFill>
-              </a:rPr>
-              <a:t>()</a:t>
-            </a:r>
-          </a:p>
-        </p:txBody>
-      </p:sp>
-      <p:cxnSp>
-        <p:nvCxnSpPr>
-          <p:cNvPr id="13" name="Curved Connector 12"/>
-          <p:cNvCxnSpPr>
-            <a:cxnSpLocks/>
-          </p:cNvCxnSpPr>
-          <p:nvPr/>
-        </p:nvCxnSpPr>
-        <p:spPr>
-          <a:xfrm>
-            <a:off x="10703891" y="3632144"/>
-            <a:ext cx="134988" cy="109955"/>
-          </a:xfrm>
-          <a:prstGeom prst="curvedConnector3">
-            <a:avLst>
-              <a:gd name="adj1" fmla="val 291588"/>
-            </a:avLst>
-          </a:prstGeom>
-          <a:ln>
-            <a:solidFill>
-              <a:srgbClr val="7030A0"/>
-            </a:solidFill>
-            <a:tailEnd type="triangle"/>
           </a:ln>
         </p:spPr>
         <p:style>
@@ -5813,7 +6735,7 @@
         </p:nvCxnSpPr>
         <p:spPr>
           <a:xfrm flipV="1">
-            <a:off x="4738006" y="2467979"/>
+            <a:off x="4794102" y="2797897"/>
             <a:ext cx="1413193" cy="1"/>
           </a:xfrm>
           <a:prstGeom prst="straightConnector1">
@@ -5855,7 +6777,7 @@
         </p:nvSpPr>
         <p:spPr>
           <a:xfrm>
-            <a:off x="6139599" y="2459296"/>
+            <a:off x="6195690" y="2789209"/>
             <a:ext cx="156546" cy="578956"/>
           </a:xfrm>
           <a:prstGeom prst="rect">
@@ -5908,8 +6830,8 @@
         </p:nvSpPr>
         <p:spPr>
           <a:xfrm>
-            <a:off x="4859969" y="2243848"/>
-            <a:ext cx="1150445" cy="215444"/>
+            <a:off x="4916065" y="2573761"/>
+            <a:ext cx="1150445" cy="184666"/>
           </a:xfrm>
           <a:prstGeom prst="rect">
             <a:avLst/>
@@ -5934,15 +6856,15 @@
           </a:lstStyle>
           <a:p>
             <a:r>
-              <a:rPr lang="en-US" dirty="0"/>
+              <a:rPr lang="en-US" sz="1200"/>
               <a:t>parse(“&lt;</a:t>
             </a:r>
             <a:r>
-              <a:rPr lang="en-US" dirty="0" err="1"/>
+              <a:rPr lang="en-US" sz="1200" err="1"/>
               <a:t>args</a:t>
             </a:r>
             <a:r>
-              <a:rPr lang="en-US" dirty="0"/>
+              <a:rPr lang="en-US" sz="1200"/>
               <a:t>&gt;”)</a:t>
             </a:r>
           </a:p>
@@ -5963,9 +6885,9 @@
           <p:nvPr/>
         </p:nvCxnSpPr>
         <p:spPr>
-          <a:xfrm flipV="1">
-            <a:off x="6306034" y="2557449"/>
-            <a:ext cx="884448" cy="1"/>
+          <a:xfrm>
+            <a:off x="6342591" y="2887363"/>
+            <a:ext cx="924228" cy="0"/>
           </a:xfrm>
           <a:prstGeom prst="straightConnector1">
             <a:avLst/>
@@ -6008,8 +6930,8 @@
         </p:nvCxnSpPr>
         <p:spPr>
           <a:xfrm>
-            <a:off x="6296145" y="2974077"/>
-            <a:ext cx="1630730" cy="0"/>
+            <a:off x="6352236" y="3285027"/>
+            <a:ext cx="1650880" cy="0"/>
           </a:xfrm>
           <a:prstGeom prst="straightConnector1">
             <a:avLst/>
@@ -6054,8 +6976,8 @@
         </p:nvCxnSpPr>
         <p:spPr>
           <a:xfrm>
-            <a:off x="4750856" y="3020641"/>
-            <a:ext cx="1390528" cy="0"/>
+            <a:off x="4788963" y="3350554"/>
+            <a:ext cx="1408517" cy="0"/>
           </a:xfrm>
           <a:prstGeom prst="straightConnector1">
             <a:avLst/>
@@ -6086,14 +7008,20 @@
       </p:cxnSp>
       <p:sp>
         <p:nvSpPr>
-          <p:cNvPr id="65" name="Rectangle 64"/>
+          <p:cNvPr id="78" name="Rectangle 77">
+            <a:extLst>
+              <a:ext uri="{FF2B5EF4-FFF2-40B4-BE49-F238E27FC236}">
+                <a16:creationId xmlns:a16="http://schemas.microsoft.com/office/drawing/2014/main" id="{4819499D-51D3-4A4D-80BE-A6C45E053497}"/>
+              </a:ext>
+            </a:extLst>
+          </p:cNvPr>
           <p:cNvSpPr/>
           <p:nvPr/>
         </p:nvSpPr>
         <p:spPr>
           <a:xfrm>
-            <a:off x="7929097" y="3496864"/>
-            <a:ext cx="158604" cy="2568840"/>
+            <a:off x="7991391" y="3134369"/>
+            <a:ext cx="152400" cy="160628"/>
           </a:xfrm>
           <a:prstGeom prst="rect">
             <a:avLst/>
@@ -6133,59 +7061,6 @@
       </p:sp>
       <p:sp>
         <p:nvSpPr>
-          <p:cNvPr id="78" name="Rectangle 77">
-            <a:extLst>
-              <a:ext uri="{FF2B5EF4-FFF2-40B4-BE49-F238E27FC236}">
-                <a16:creationId xmlns:a16="http://schemas.microsoft.com/office/drawing/2014/main" id="{4819499D-51D3-4A4D-80BE-A6C45E053497}"/>
-              </a:ext>
-            </a:extLst>
-          </p:cNvPr>
-          <p:cNvSpPr/>
-          <p:nvPr/>
-        </p:nvSpPr>
-        <p:spPr>
-          <a:xfrm>
-            <a:off x="7935300" y="2804453"/>
-            <a:ext cx="152400" cy="169639"/>
-          </a:xfrm>
-          <a:prstGeom prst="rect">
-            <a:avLst/>
-          </a:prstGeom>
-          <a:solidFill>
-            <a:srgbClr val="0070C0"/>
-          </a:solidFill>
-          <a:ln>
-            <a:solidFill>
-              <a:srgbClr val="0070C0"/>
-            </a:solidFill>
-          </a:ln>
-          <a:effectLst/>
-        </p:spPr>
-        <p:style>
-          <a:lnRef idx="1">
-            <a:schemeClr val="accent3"/>
-          </a:lnRef>
-          <a:fillRef idx="2">
-            <a:schemeClr val="accent3"/>
-          </a:fillRef>
-          <a:effectRef idx="1">
-            <a:schemeClr val="accent3"/>
-          </a:effectRef>
-          <a:fontRef idx="minor">
-            <a:schemeClr val="dk1"/>
-          </a:fontRef>
-        </p:style>
-        <p:txBody>
-          <a:bodyPr rtlCol="0" anchor="ctr"/>
-          <a:lstStyle/>
-          <a:p>
-            <a:pPr algn="ctr"/>
-            <a:endParaRPr lang="en-SG" sz="1400"/>
-          </a:p>
-        </p:txBody>
-      </p:sp>
-      <p:sp>
-        <p:nvSpPr>
           <p:cNvPr id="73" name="Rectangle 62">
             <a:extLst>
               <a:ext uri="{FF2B5EF4-FFF2-40B4-BE49-F238E27FC236}">
@@ -6198,8 +7073,8 @@
         </p:nvSpPr>
         <p:spPr>
           <a:xfrm>
-            <a:off x="7204831" y="2340141"/>
-            <a:ext cx="1609838" cy="461372"/>
+            <a:off x="7260922" y="2466074"/>
+            <a:ext cx="1609838" cy="665352"/>
           </a:xfrm>
           <a:prstGeom prst="rect">
             <a:avLst/>
@@ -6234,7 +7109,7 @@
           <a:p>
             <a:pPr algn="ctr"/>
             <a:r>
-              <a:rPr lang="en-US" sz="1600" dirty="0">
+              <a:rPr lang="en-US" sz="1600">
                 <a:solidFill>
                   <a:schemeClr val="bg1"/>
                 </a:solidFill>
@@ -6242,14 +7117,14 @@
               <a:t>:</a:t>
             </a:r>
             <a:r>
-              <a:rPr lang="en-US" sz="1600" dirty="0" err="1">
+              <a:rPr lang="en-US" sz="1600" err="1">
                 <a:solidFill>
                   <a:schemeClr val="bg1"/>
                 </a:solidFill>
               </a:rPr>
               <a:t>PutShip</a:t>
             </a:r>
-            <a:endParaRPr lang="en-US" sz="1600" dirty="0">
+            <a:endParaRPr lang="en-US" sz="1600">
               <a:solidFill>
                 <a:schemeClr val="bg1"/>
               </a:solidFill>
@@ -6258,14 +7133,14 @@
           <a:p>
             <a:pPr algn="ctr"/>
             <a:r>
-              <a:rPr lang="en-US" sz="1600" dirty="0">
+              <a:rPr lang="en-US" sz="1600">
                 <a:solidFill>
                   <a:schemeClr val="bg1"/>
                 </a:solidFill>
               </a:rPr>
               <a:t>Command</a:t>
             </a:r>
-            <a:endParaRPr lang="en-SG" sz="1600" dirty="0">
+            <a:endParaRPr lang="en-SG" sz="1600">
               <a:solidFill>
                 <a:schemeClr val="bg1"/>
               </a:solidFill>
@@ -6273,45 +7148,152 @@
           </a:p>
         </p:txBody>
       </p:sp>
-      <p:sp>
-        <p:nvSpPr>
-          <p:cNvPr id="94" name="TextBox 93">
+      <p:grpSp>
+        <p:nvGrpSpPr>
+          <p:cNvPr id="152" name="Group 151">
             <a:extLst>
               <a:ext uri="{FF2B5EF4-FFF2-40B4-BE49-F238E27FC236}">
-                <a16:creationId xmlns:a16="http://schemas.microsoft.com/office/drawing/2014/main" id="{BBF0726A-3E70-488A-9417-D9F80DCD7B1A}"/>
+                <a16:creationId xmlns:a16="http://schemas.microsoft.com/office/drawing/2014/main" id="{627CA49A-4DA1-C64A-989D-57F6EF15EC0F}"/>
               </a:ext>
             </a:extLst>
           </p:cNvPr>
-          <p:cNvSpPr txBox="1"/>
+          <p:cNvGrpSpPr/>
           <p:nvPr/>
-        </p:nvSpPr>
-        <p:spPr>
+        </p:nvGrpSpPr>
+        <p:grpSpPr>
           <a:xfrm>
-            <a:off x="7880549" y="6265290"/>
-            <a:ext cx="258402" cy="261482"/>
+            <a:off x="1014788" y="10686125"/>
+            <a:ext cx="7180254" cy="384597"/>
+            <a:chOff x="1014788" y="9304585"/>
+            <a:chExt cx="7180254" cy="384597"/>
           </a:xfrm>
-          <a:prstGeom prst="rect">
-            <a:avLst/>
-          </a:prstGeom>
-          <a:noFill/>
-        </p:spPr>
-        <p:txBody>
-          <a:bodyPr wrap="square" rtlCol="0">
-            <a:spAutoFit/>
-          </a:bodyPr>
-          <a:lstStyle/>
-          <a:p>
-            <a:r>
-              <a:rPr lang="en-SG" sz="1099">
-                <a:solidFill>
-                  <a:srgbClr val="002060"/>
-                </a:solidFill>
-              </a:rPr>
-              <a:t>X</a:t>
-            </a:r>
-          </a:p>
-        </p:txBody>
-      </p:sp>
+        </p:grpSpPr>
+        <p:cxnSp>
+          <p:nvCxnSpPr>
+            <p:cNvPr id="37" name="Straight Arrow Connector 36"/>
+            <p:cNvCxnSpPr>
+              <a:cxnSpLocks/>
+            </p:cNvCxnSpPr>
+            <p:nvPr/>
+          </p:nvCxnSpPr>
+          <p:spPr>
+            <a:xfrm>
+              <a:off x="1014788" y="9479955"/>
+              <a:ext cx="1217236" cy="0"/>
+            </a:xfrm>
+            <a:prstGeom prst="straightConnector1">
+              <a:avLst/>
+            </a:prstGeom>
+            <a:ln w="19050">
+              <a:solidFill>
+                <a:schemeClr val="accent1"/>
+              </a:solidFill>
+              <a:prstDash val="sysDash"/>
+              <a:headEnd type="arrow" w="med" len="med"/>
+              <a:tailEnd type="none" w="med" len="med"/>
+            </a:ln>
+          </p:spPr>
+          <p:style>
+            <a:lnRef idx="1">
+              <a:schemeClr val="accent1"/>
+            </a:lnRef>
+            <a:fillRef idx="0">
+              <a:schemeClr val="accent1"/>
+            </a:fillRef>
+            <a:effectRef idx="0">
+              <a:schemeClr val="accent1"/>
+            </a:effectRef>
+            <a:fontRef idx="minor">
+              <a:schemeClr val="tx1"/>
+            </a:fontRef>
+          </p:style>
+        </p:cxnSp>
+        <p:cxnSp>
+          <p:nvCxnSpPr>
+            <p:cNvPr id="69" name="Straight Arrow Connector 68">
+              <a:extLst>
+                <a:ext uri="{FF2B5EF4-FFF2-40B4-BE49-F238E27FC236}">
+                  <a16:creationId xmlns:a16="http://schemas.microsoft.com/office/drawing/2014/main" id="{7C9F21BC-13A9-471F-825A-2621FD36355F}"/>
+                </a:ext>
+              </a:extLst>
+            </p:cNvPr>
+            <p:cNvCxnSpPr>
+              <a:cxnSpLocks/>
+            </p:cNvCxnSpPr>
+            <p:nvPr/>
+          </p:nvCxnSpPr>
+          <p:spPr>
+            <a:xfrm>
+              <a:off x="2365309" y="9304585"/>
+              <a:ext cx="5609190" cy="0"/>
+            </a:xfrm>
+            <a:prstGeom prst="straightConnector1">
+              <a:avLst/>
+            </a:prstGeom>
+            <a:ln w="19050">
+              <a:solidFill>
+                <a:srgbClr val="0070C0"/>
+              </a:solidFill>
+              <a:prstDash val="sysDash"/>
+              <a:headEnd type="arrow" w="med" len="med"/>
+              <a:tailEnd type="none" w="med" len="med"/>
+            </a:ln>
+          </p:spPr>
+          <p:style>
+            <a:lnRef idx="1">
+              <a:schemeClr val="accent1"/>
+            </a:lnRef>
+            <a:fillRef idx="0">
+              <a:schemeClr val="accent1"/>
+            </a:fillRef>
+            <a:effectRef idx="0">
+              <a:schemeClr val="accent1"/>
+            </a:effectRef>
+            <a:fontRef idx="minor">
+              <a:schemeClr val="tx1"/>
+            </a:fontRef>
+          </p:style>
+        </p:cxnSp>
+        <p:sp>
+          <p:nvSpPr>
+            <p:cNvPr id="94" name="TextBox 93">
+              <a:extLst>
+                <a:ext uri="{FF2B5EF4-FFF2-40B4-BE49-F238E27FC236}">
+                  <a16:creationId xmlns:a16="http://schemas.microsoft.com/office/drawing/2014/main" id="{BBF0726A-3E70-488A-9417-D9F80DCD7B1A}"/>
+                </a:ext>
+              </a:extLst>
+            </p:cNvPr>
+            <p:cNvSpPr txBox="1"/>
+            <p:nvPr/>
+          </p:nvSpPr>
+          <p:spPr>
+            <a:xfrm>
+              <a:off x="7936640" y="9427700"/>
+              <a:ext cx="258402" cy="261482"/>
+            </a:xfrm>
+            <a:prstGeom prst="rect">
+              <a:avLst/>
+            </a:prstGeom>
+            <a:noFill/>
+          </p:spPr>
+          <p:txBody>
+            <a:bodyPr wrap="square" rtlCol="0">
+              <a:spAutoFit/>
+            </a:bodyPr>
+            <a:lstStyle/>
+            <a:p>
+              <a:r>
+                <a:rPr lang="en-SG" sz="1099">
+                  <a:solidFill>
+                    <a:srgbClr val="002060"/>
+                  </a:solidFill>
+                </a:rPr>
+                <a:t>X</a:t>
+              </a:r>
+            </a:p>
+          </p:txBody>
+        </p:sp>
+      </p:grpSp>
       <p:sp>
         <p:nvSpPr>
           <p:cNvPr id="112" name="TextBox 111">
@@ -6326,334 +7308,8 @@
         </p:nvSpPr>
         <p:spPr>
           <a:xfrm>
-            <a:off x="8070670" y="3321278"/>
-            <a:ext cx="2332116" cy="215444"/>
-          </a:xfrm>
-          <a:prstGeom prst="rect">
-            <a:avLst/>
-          </a:prstGeom>
-          <a:noFill/>
-        </p:spPr>
-        <p:txBody>
-          <a:bodyPr wrap="square" lIns="0" tIns="0" rIns="0" bIns="0" rtlCol="0">
-            <a:spAutoFit/>
-          </a:bodyPr>
-          <a:lstStyle>
-            <a:defPPr>
-              <a:defRPr lang="en-US"/>
-            </a:defPPr>
-            <a:lvl1pPr algn="r">
-              <a:defRPr sz="1400">
-                <a:solidFill>
-                  <a:srgbClr val="0070C0"/>
-                </a:solidFill>
-              </a:defRPr>
-            </a:lvl1pPr>
-          </a:lstStyle>
-          <a:p>
-            <a:r>
-              <a:rPr lang="en-US" dirty="0"/>
-              <a:t>new </a:t>
-            </a:r>
-            <a:r>
-              <a:rPr lang="en-US" dirty="0" err="1"/>
-              <a:t>BoundaryValueChecker</a:t>
-            </a:r>
-            <a:r>
-              <a:rPr lang="en-US" dirty="0"/>
-              <a:t>()</a:t>
-            </a:r>
-          </a:p>
-        </p:txBody>
-      </p:sp>
-      <p:sp>
-        <p:nvSpPr>
-          <p:cNvPr id="118" name="Rectangle 117">
-            <a:extLst>
-              <a:ext uri="{FF2B5EF4-FFF2-40B4-BE49-F238E27FC236}">
-                <a16:creationId xmlns:a16="http://schemas.microsoft.com/office/drawing/2014/main" id="{4ACA60A2-2A0C-47AA-BA1F-7C416670135D}"/>
-              </a:ext>
-            </a:extLst>
-          </p:cNvPr>
-          <p:cNvSpPr/>
-          <p:nvPr/>
-        </p:nvSpPr>
-        <p:spPr>
-          <a:xfrm>
-            <a:off x="10701163" y="3711315"/>
-            <a:ext cx="129933" cy="233713"/>
-          </a:xfrm>
-          <a:prstGeom prst="rect">
-            <a:avLst/>
-          </a:prstGeom>
-          <a:solidFill>
-            <a:srgbClr val="7030A0"/>
-          </a:solidFill>
-          <a:ln>
-            <a:solidFill>
-              <a:srgbClr val="7030A0"/>
-            </a:solidFill>
-          </a:ln>
-          <a:effectLst/>
-        </p:spPr>
-        <p:style>
-          <a:lnRef idx="1">
-            <a:schemeClr val="accent3"/>
-          </a:lnRef>
-          <a:fillRef idx="2">
-            <a:schemeClr val="accent3"/>
-          </a:fillRef>
-          <a:effectRef idx="1">
-            <a:schemeClr val="accent3"/>
-          </a:effectRef>
-          <a:fontRef idx="minor">
-            <a:schemeClr val="dk1"/>
-          </a:fontRef>
-        </p:style>
-        <p:txBody>
-          <a:bodyPr rtlCol="0" anchor="ctr"/>
-          <a:lstStyle/>
-          <a:p>
-            <a:pPr algn="ctr"/>
-            <a:endParaRPr lang="en-SG" sz="1400"/>
-          </a:p>
-        </p:txBody>
-      </p:sp>
-      <p:cxnSp>
-        <p:nvCxnSpPr>
-          <p:cNvPr id="166" name="Curved Connector 12">
-            <a:extLst>
-              <a:ext uri="{FF2B5EF4-FFF2-40B4-BE49-F238E27FC236}">
-                <a16:creationId xmlns:a16="http://schemas.microsoft.com/office/drawing/2014/main" id="{20564365-3E4F-4EBD-914E-158225A41DAC}"/>
-              </a:ext>
-            </a:extLst>
-          </p:cNvPr>
-          <p:cNvCxnSpPr>
-            <a:cxnSpLocks/>
-            <a:endCxn id="49" idx="3"/>
-          </p:cNvCxnSpPr>
-          <p:nvPr/>
-        </p:nvCxnSpPr>
-        <p:spPr>
-          <a:xfrm rot="10800000" flipV="1">
-            <a:off x="10704088" y="3942212"/>
-            <a:ext cx="127009" cy="108247"/>
-          </a:xfrm>
-          <a:prstGeom prst="curvedConnector3">
-            <a:avLst>
-              <a:gd name="adj1" fmla="val -216834"/>
-            </a:avLst>
-          </a:prstGeom>
-          <a:ln>
-            <a:solidFill>
-              <a:srgbClr val="7030A0"/>
-            </a:solidFill>
-            <a:prstDash val="sysDash"/>
-            <a:tailEnd type="triangle"/>
-          </a:ln>
-        </p:spPr>
-        <p:style>
-          <a:lnRef idx="1">
-            <a:schemeClr val="accent1"/>
-          </a:lnRef>
-          <a:fillRef idx="0">
-            <a:schemeClr val="accent1"/>
-          </a:fillRef>
-          <a:effectRef idx="0">
-            <a:schemeClr val="accent1"/>
-          </a:effectRef>
-          <a:fontRef idx="minor">
-            <a:schemeClr val="tx1"/>
-          </a:fontRef>
-        </p:style>
-      </p:cxnSp>
-      <p:sp>
-        <p:nvSpPr>
-          <p:cNvPr id="186" name="Rectangle 62">
-            <a:extLst>
-              <a:ext uri="{FF2B5EF4-FFF2-40B4-BE49-F238E27FC236}">
-                <a16:creationId xmlns:a16="http://schemas.microsoft.com/office/drawing/2014/main" id="{ED894C81-4B95-4AAC-AEB1-37FB58E82CB3}"/>
-              </a:ext>
-            </a:extLst>
-          </p:cNvPr>
-          <p:cNvSpPr/>
-          <p:nvPr/>
-        </p:nvSpPr>
-        <p:spPr>
-          <a:xfrm>
-            <a:off x="11586981" y="3089234"/>
-            <a:ext cx="1475876" cy="271419"/>
-          </a:xfrm>
-          <a:prstGeom prst="rect">
-            <a:avLst/>
-          </a:prstGeom>
-          <a:solidFill>
-            <a:srgbClr val="7030A0"/>
-          </a:solidFill>
-          <a:ln w="19050">
-            <a:solidFill>
-              <a:srgbClr val="7030A0"/>
-            </a:solidFill>
-          </a:ln>
-          <a:effectLst/>
-        </p:spPr>
-        <p:style>
-          <a:lnRef idx="1">
-            <a:schemeClr val="accent2"/>
-          </a:lnRef>
-          <a:fillRef idx="2">
-            <a:schemeClr val="accent2"/>
-          </a:fillRef>
-          <a:effectRef idx="1">
-            <a:schemeClr val="accent2"/>
-          </a:effectRef>
-          <a:fontRef idx="minor">
-            <a:schemeClr val="dk1"/>
-          </a:fontRef>
-        </p:style>
-        <p:txBody>
-          <a:bodyPr rtlCol="0" anchor="ctr"/>
-          <a:lstStyle/>
-          <a:p>
-            <a:pPr algn="ctr"/>
-            <a:r>
-              <a:rPr lang="en-US" sz="1600">
-                <a:solidFill>
-                  <a:schemeClr val="bg1"/>
-                </a:solidFill>
-              </a:rPr>
-              <a:t>:</a:t>
-            </a:r>
-            <a:r>
-              <a:rPr lang="en-US" sz="1600" err="1">
-                <a:solidFill>
-                  <a:schemeClr val="bg1"/>
-                </a:solidFill>
-              </a:rPr>
-              <a:t>MapGrid</a:t>
-            </a:r>
-            <a:endParaRPr lang="en-SG" sz="1600">
-              <a:solidFill>
-                <a:schemeClr val="bg1"/>
-              </a:solidFill>
-            </a:endParaRPr>
-          </a:p>
-        </p:txBody>
-      </p:sp>
-      <p:sp>
-        <p:nvSpPr>
-          <p:cNvPr id="187" name="Rectangle 186">
-            <a:extLst>
-              <a:ext uri="{FF2B5EF4-FFF2-40B4-BE49-F238E27FC236}">
-                <a16:creationId xmlns:a16="http://schemas.microsoft.com/office/drawing/2014/main" id="{09B0E711-DA47-4651-8AB4-F1BD8D990B22}"/>
-              </a:ext>
-            </a:extLst>
-          </p:cNvPr>
-          <p:cNvSpPr/>
-          <p:nvPr/>
-        </p:nvSpPr>
-        <p:spPr>
-          <a:xfrm>
-            <a:off x="12219332" y="4686411"/>
-            <a:ext cx="126384" cy="469539"/>
-          </a:xfrm>
-          <a:prstGeom prst="rect">
-            <a:avLst/>
-          </a:prstGeom>
-          <a:solidFill>
-            <a:srgbClr val="7030A0"/>
-          </a:solidFill>
-          <a:ln>
-            <a:solidFill>
-              <a:srgbClr val="7030A0"/>
-            </a:solidFill>
-          </a:ln>
-          <a:effectLst/>
-        </p:spPr>
-        <p:style>
-          <a:lnRef idx="1">
-            <a:schemeClr val="accent3"/>
-          </a:lnRef>
-          <a:fillRef idx="2">
-            <a:schemeClr val="accent3"/>
-          </a:fillRef>
-          <a:effectRef idx="1">
-            <a:schemeClr val="accent3"/>
-          </a:effectRef>
-          <a:fontRef idx="minor">
-            <a:schemeClr val="dk1"/>
-          </a:fontRef>
-        </p:style>
-        <p:txBody>
-          <a:bodyPr rtlCol="0" anchor="ctr"/>
-          <a:lstStyle/>
-          <a:p>
-            <a:pPr algn="ctr"/>
-            <a:endParaRPr lang="en-SG" sz="1400"/>
-          </a:p>
-        </p:txBody>
-      </p:sp>
-      <p:cxnSp>
-        <p:nvCxnSpPr>
-          <p:cNvPr id="188" name="Straight Connector 187">
-            <a:extLst>
-              <a:ext uri="{FF2B5EF4-FFF2-40B4-BE49-F238E27FC236}">
-                <a16:creationId xmlns:a16="http://schemas.microsoft.com/office/drawing/2014/main" id="{44EF094F-1339-4CA4-88DB-FE36777A1A62}"/>
-              </a:ext>
-            </a:extLst>
-          </p:cNvPr>
-          <p:cNvCxnSpPr>
-            <a:cxnSpLocks/>
-          </p:cNvCxnSpPr>
-          <p:nvPr/>
-        </p:nvCxnSpPr>
-        <p:spPr>
-          <a:xfrm>
-            <a:off x="12285878" y="3362216"/>
-            <a:ext cx="0" cy="2997694"/>
-          </a:xfrm>
-          <a:prstGeom prst="line">
-            <a:avLst/>
-          </a:prstGeom>
-          <a:ln w="19050">
-            <a:solidFill>
-              <a:srgbClr val="7030A0"/>
-            </a:solidFill>
-            <a:prstDash val="sysDash"/>
-          </a:ln>
-          <a:effectLst/>
-        </p:spPr>
-        <p:style>
-          <a:lnRef idx="1">
-            <a:schemeClr val="accent1"/>
-          </a:lnRef>
-          <a:fillRef idx="2">
-            <a:schemeClr val="accent1"/>
-          </a:fillRef>
-          <a:effectRef idx="1">
-            <a:schemeClr val="accent1"/>
-          </a:effectRef>
-          <a:fontRef idx="minor">
-            <a:schemeClr val="dk1"/>
-          </a:fontRef>
-        </p:style>
-      </p:cxnSp>
-      <p:sp>
-        <p:nvSpPr>
-          <p:cNvPr id="200" name="TextBox 199">
-            <a:extLst>
-              <a:ext uri="{FF2B5EF4-FFF2-40B4-BE49-F238E27FC236}">
-                <a16:creationId xmlns:a16="http://schemas.microsoft.com/office/drawing/2014/main" id="{50837DB6-4B6D-48F4-8D5B-B6A0A834466D}"/>
-              </a:ext>
-            </a:extLst>
-          </p:cNvPr>
-          <p:cNvSpPr txBox="1"/>
-          <p:nvPr/>
-        </p:nvSpPr>
-        <p:spPr>
-          <a:xfrm>
-            <a:off x="8556634" y="4535244"/>
-            <a:ext cx="1608066" cy="184666"/>
+            <a:off x="8126761" y="4136149"/>
+            <a:ext cx="2332116" cy="184666"/>
           </a:xfrm>
           <a:prstGeom prst="rect">
             <a:avLst/>
@@ -6680,17 +7336,142 @@
             </a:lvl1pPr>
           </a:lstStyle>
           <a:p>
-            <a:r>
-              <a:rPr lang="en-US" sz="1200" dirty="0" err="1"/>
+            <a:pPr algn="ctr"/>
+            <a:r>
+              <a:rPr lang="en-US" sz="1200" err="1">
+                <a:solidFill>
+                  <a:srgbClr val="7030A0"/>
+                </a:solidFill>
+              </a:rPr>
               <a:t>getHumanMapGrid</a:t>
             </a:r>
             <a:r>
-              <a:rPr lang="en-US" sz="1200" dirty="0"/>
+              <a:rPr lang="en-US" sz="1200">
+                <a:solidFill>
+                  <a:srgbClr val="7030A0"/>
+                </a:solidFill>
+              </a:rPr>
               <a:t>()</a:t>
             </a:r>
           </a:p>
         </p:txBody>
       </p:sp>
+      <p:sp>
+        <p:nvSpPr>
+          <p:cNvPr id="186" name="Rectangle 62">
+            <a:extLst>
+              <a:ext uri="{FF2B5EF4-FFF2-40B4-BE49-F238E27FC236}">
+                <a16:creationId xmlns:a16="http://schemas.microsoft.com/office/drawing/2014/main" id="{ED894C81-4B95-4AAC-AEB1-37FB58E82CB3}"/>
+              </a:ext>
+            </a:extLst>
+          </p:cNvPr>
+          <p:cNvSpPr/>
+          <p:nvPr/>
+        </p:nvSpPr>
+        <p:spPr>
+          <a:xfrm>
+            <a:off x="14618703" y="4760436"/>
+            <a:ext cx="1088570" cy="371501"/>
+          </a:xfrm>
+          <a:prstGeom prst="rect">
+            <a:avLst/>
+          </a:prstGeom>
+          <a:solidFill>
+            <a:srgbClr val="FF669A"/>
+          </a:solidFill>
+          <a:ln w="19050">
+            <a:noFill/>
+          </a:ln>
+          <a:effectLst/>
+        </p:spPr>
+        <p:style>
+          <a:lnRef idx="1">
+            <a:schemeClr val="accent2"/>
+          </a:lnRef>
+          <a:fillRef idx="2">
+            <a:schemeClr val="accent2"/>
+          </a:fillRef>
+          <a:effectRef idx="1">
+            <a:schemeClr val="accent2"/>
+          </a:effectRef>
+          <a:fontRef idx="minor">
+            <a:schemeClr val="dk1"/>
+          </a:fontRef>
+        </p:style>
+        <p:txBody>
+          <a:bodyPr rtlCol="0" anchor="ctr"/>
+          <a:lstStyle/>
+          <a:p>
+            <a:pPr algn="ctr"/>
+            <a:r>
+              <a:rPr lang="en-US" sz="1600">
+                <a:solidFill>
+                  <a:schemeClr val="bg1"/>
+                </a:solidFill>
+              </a:rPr>
+              <a:t>:</a:t>
+            </a:r>
+            <a:r>
+              <a:rPr lang="en-US" sz="1600" err="1">
+                <a:solidFill>
+                  <a:schemeClr val="bg1"/>
+                </a:solidFill>
+              </a:rPr>
+              <a:t>MapGrid</a:t>
+            </a:r>
+            <a:endParaRPr lang="en-SG" sz="1600">
+              <a:solidFill>
+                <a:schemeClr val="bg1"/>
+              </a:solidFill>
+            </a:endParaRPr>
+          </a:p>
+        </p:txBody>
+      </p:sp>
+      <p:cxnSp>
+        <p:nvCxnSpPr>
+          <p:cNvPr id="188" name="Straight Connector 187">
+            <a:extLst>
+              <a:ext uri="{FF2B5EF4-FFF2-40B4-BE49-F238E27FC236}">
+                <a16:creationId xmlns:a16="http://schemas.microsoft.com/office/drawing/2014/main" id="{44EF094F-1339-4CA4-88DB-FE36777A1A62}"/>
+              </a:ext>
+            </a:extLst>
+          </p:cNvPr>
+          <p:cNvCxnSpPr>
+            <a:cxnSpLocks/>
+          </p:cNvCxnSpPr>
+          <p:nvPr/>
+        </p:nvCxnSpPr>
+        <p:spPr>
+          <a:xfrm>
+            <a:off x="15148010" y="5120410"/>
+            <a:ext cx="0" cy="5586383"/>
+          </a:xfrm>
+          <a:prstGeom prst="line">
+            <a:avLst/>
+          </a:prstGeom>
+          <a:ln w="19050">
+            <a:solidFill>
+              <a:srgbClr val="FF669A"/>
+            </a:solidFill>
+            <a:prstDash val="sysDash"/>
+          </a:ln>
+          <a:effectLst/>
+        </p:spPr>
+        <p:style>
+          <a:lnRef idx="1">
+            <a:schemeClr val="accent1"/>
+          </a:lnRef>
+          <a:fillRef idx="2">
+            <a:schemeClr val="accent1"/>
+          </a:fillRef>
+          <a:effectRef idx="1">
+            <a:schemeClr val="accent1"/>
+          </a:effectRef>
+          <a:fontRef idx="minor">
+            <a:schemeClr val="dk1"/>
+          </a:fontRef>
+        </p:style>
+      </p:cxnSp>
       <p:cxnSp>
         <p:nvCxnSpPr>
           <p:cNvPr id="201" name="Straight Arrow Connector 200">
@@ -6707,347 +7488,15 @@
         </p:nvCxnSpPr>
         <p:spPr>
           <a:xfrm>
-            <a:off x="8070677" y="5155950"/>
-            <a:ext cx="4158635" cy="0"/>
+            <a:off x="8139641" y="7534165"/>
+            <a:ext cx="6943840" cy="0"/>
           </a:xfrm>
           <a:prstGeom prst="straightConnector1">
             <a:avLst/>
           </a:prstGeom>
           <a:ln w="19050">
             <a:solidFill>
-              <a:srgbClr val="7030A0"/>
-            </a:solidFill>
-            <a:prstDash val="sysDash"/>
-            <a:headEnd type="arrow" w="med" len="med"/>
-            <a:tailEnd type="none" w="med" len="med"/>
-          </a:ln>
-        </p:spPr>
-        <p:style>
-          <a:lnRef idx="1">
-            <a:schemeClr val="accent1"/>
-          </a:lnRef>
-          <a:fillRef idx="0">
-            <a:schemeClr val="accent1"/>
-          </a:fillRef>
-          <a:effectRef idx="0">
-            <a:schemeClr val="accent1"/>
-          </a:effectRef>
-          <a:fontRef idx="minor">
-            <a:schemeClr val="tx1"/>
-          </a:fontRef>
-        </p:style>
-      </p:cxnSp>
-      <p:cxnSp>
-        <p:nvCxnSpPr>
-          <p:cNvPr id="203" name="Straight Arrow Connector 202">
-            <a:extLst>
-              <a:ext uri="{FF2B5EF4-FFF2-40B4-BE49-F238E27FC236}">
-                <a16:creationId xmlns:a16="http://schemas.microsoft.com/office/drawing/2014/main" id="{6CCD3E18-8278-426A-A24E-E2CCA6422BBC}"/>
-              </a:ext>
-            </a:extLst>
-          </p:cNvPr>
-          <p:cNvCxnSpPr>
-            <a:cxnSpLocks/>
-          </p:cNvCxnSpPr>
-          <p:nvPr/>
-        </p:nvCxnSpPr>
-        <p:spPr>
-          <a:xfrm>
-            <a:off x="8070670" y="4506890"/>
-            <a:ext cx="2433162" cy="0"/>
-          </a:xfrm>
-          <a:prstGeom prst="straightConnector1">
-            <a:avLst/>
-          </a:prstGeom>
-          <a:ln w="19050">
-            <a:solidFill>
-              <a:srgbClr val="7030A0"/>
-            </a:solidFill>
-            <a:prstDash val="sysDash"/>
-            <a:headEnd type="arrow" w="med" len="med"/>
-            <a:tailEnd type="none" w="med" len="med"/>
-          </a:ln>
-        </p:spPr>
-        <p:style>
-          <a:lnRef idx="1">
-            <a:schemeClr val="accent1"/>
-          </a:lnRef>
-          <a:fillRef idx="0">
-            <a:schemeClr val="accent1"/>
-          </a:fillRef>
-          <a:effectRef idx="0">
-            <a:schemeClr val="accent1"/>
-          </a:effectRef>
-          <a:fontRef idx="minor">
-            <a:schemeClr val="tx1"/>
-          </a:fontRef>
-        </p:style>
-      </p:cxnSp>
-      <p:grpSp>
-        <p:nvGrpSpPr>
-          <p:cNvPr id="223" name="Group 222">
-            <a:extLst>
-              <a:ext uri="{FF2B5EF4-FFF2-40B4-BE49-F238E27FC236}">
-                <a16:creationId xmlns:a16="http://schemas.microsoft.com/office/drawing/2014/main" id="{C73986C8-5449-4072-9F0F-17A38AD97EF5}"/>
-              </a:ext>
-            </a:extLst>
-          </p:cNvPr>
-          <p:cNvGrpSpPr/>
-          <p:nvPr/>
-        </p:nvGrpSpPr>
-        <p:grpSpPr>
-          <a:xfrm>
-            <a:off x="8561328" y="5280457"/>
-            <a:ext cx="987543" cy="826953"/>
-            <a:chOff x="14256889" y="4659447"/>
-            <a:chExt cx="1312860" cy="826953"/>
-          </a:xfrm>
-        </p:grpSpPr>
-        <p:sp>
-          <p:nvSpPr>
-            <p:cNvPr id="213" name="Rectangle 62">
-              <a:extLst>
-                <a:ext uri="{FF2B5EF4-FFF2-40B4-BE49-F238E27FC236}">
-                  <a16:creationId xmlns:a16="http://schemas.microsoft.com/office/drawing/2014/main" id="{199F746E-405B-485A-994E-C0C45F8824D7}"/>
-                </a:ext>
-              </a:extLst>
-            </p:cNvPr>
-            <p:cNvSpPr/>
-            <p:nvPr/>
-          </p:nvSpPr>
-          <p:spPr>
-            <a:xfrm>
-              <a:off x="14256889" y="4659447"/>
-              <a:ext cx="1312860" cy="516104"/>
-            </a:xfrm>
-            <a:prstGeom prst="rect">
-              <a:avLst/>
-            </a:prstGeom>
-            <a:solidFill>
-              <a:srgbClr val="0070C0"/>
-            </a:solidFill>
-            <a:ln w="19050">
-              <a:solidFill>
-                <a:srgbClr val="0070C0"/>
-              </a:solidFill>
-            </a:ln>
-            <a:effectLst/>
-          </p:spPr>
-          <p:style>
-            <a:lnRef idx="1">
-              <a:schemeClr val="accent2"/>
-            </a:lnRef>
-            <a:fillRef idx="2">
-              <a:schemeClr val="accent2"/>
-            </a:fillRef>
-            <a:effectRef idx="1">
-              <a:schemeClr val="accent2"/>
-            </a:effectRef>
-            <a:fontRef idx="minor">
-              <a:schemeClr val="dk1"/>
-            </a:fontRef>
-          </p:style>
-          <p:txBody>
-            <a:bodyPr rtlCol="0" anchor="ctr"/>
-            <a:lstStyle/>
-            <a:p>
-              <a:pPr algn="ctr"/>
-              <a:r>
-                <a:rPr lang="en-US" sz="1400" dirty="0">
-                  <a:solidFill>
-                    <a:schemeClr val="bg1"/>
-                  </a:solidFill>
-                </a:rPr>
-                <a:t>:Command</a:t>
-              </a:r>
-            </a:p>
-            <a:p>
-              <a:pPr algn="ctr"/>
-              <a:r>
-                <a:rPr lang="en-US" sz="1400" dirty="0">
-                  <a:solidFill>
-                    <a:schemeClr val="bg1"/>
-                  </a:solidFill>
-                </a:rPr>
-                <a:t>Result</a:t>
-              </a:r>
-              <a:endParaRPr lang="en-SG" sz="1400" dirty="0">
-                <a:solidFill>
-                  <a:schemeClr val="bg1"/>
-                </a:solidFill>
-              </a:endParaRPr>
-            </a:p>
-          </p:txBody>
-        </p:sp>
-        <p:sp>
-          <p:nvSpPr>
-            <p:cNvPr id="214" name="Rectangle 213">
-              <a:extLst>
-                <a:ext uri="{FF2B5EF4-FFF2-40B4-BE49-F238E27FC236}">
-                  <a16:creationId xmlns:a16="http://schemas.microsoft.com/office/drawing/2014/main" id="{22493782-DEC3-436C-AC2C-EE03A965A6F0}"/>
-                </a:ext>
-              </a:extLst>
-            </p:cNvPr>
-            <p:cNvSpPr/>
-            <p:nvPr/>
-          </p:nvSpPr>
-          <p:spPr>
-            <a:xfrm>
-              <a:off x="14878497" y="5179667"/>
-              <a:ext cx="138546" cy="186603"/>
-            </a:xfrm>
-            <a:prstGeom prst="rect">
-              <a:avLst/>
-            </a:prstGeom>
-            <a:solidFill>
-              <a:srgbClr val="0070C0"/>
-            </a:solidFill>
-            <a:ln>
-              <a:solidFill>
-                <a:srgbClr val="0070C0"/>
-              </a:solidFill>
-            </a:ln>
-            <a:effectLst/>
-          </p:spPr>
-          <p:style>
-            <a:lnRef idx="1">
-              <a:schemeClr val="accent3"/>
-            </a:lnRef>
-            <a:fillRef idx="2">
-              <a:schemeClr val="accent3"/>
-            </a:fillRef>
-            <a:effectRef idx="1">
-              <a:schemeClr val="accent3"/>
-            </a:effectRef>
-            <a:fontRef idx="minor">
-              <a:schemeClr val="dk1"/>
-            </a:fontRef>
-          </p:style>
-          <p:txBody>
-            <a:bodyPr rtlCol="0" anchor="ctr"/>
-            <a:lstStyle/>
-            <a:p>
-              <a:pPr algn="ctr"/>
-              <a:endParaRPr lang="en-SG" sz="1400" dirty="0"/>
-            </a:p>
-          </p:txBody>
-        </p:sp>
-        <p:cxnSp>
-          <p:nvCxnSpPr>
-            <p:cNvPr id="215" name="Straight Connector 214">
-              <a:extLst>
-                <a:ext uri="{FF2B5EF4-FFF2-40B4-BE49-F238E27FC236}">
-                  <a16:creationId xmlns:a16="http://schemas.microsoft.com/office/drawing/2014/main" id="{0963EC8C-EF55-4B35-820F-72F93A5056C6}"/>
-                </a:ext>
-              </a:extLst>
-            </p:cNvPr>
-            <p:cNvCxnSpPr>
-              <a:cxnSpLocks/>
-              <a:stCxn id="214" idx="0"/>
-            </p:cNvCxnSpPr>
-            <p:nvPr/>
-          </p:nvCxnSpPr>
-          <p:spPr>
-            <a:xfrm flipH="1">
-              <a:off x="14947769" y="5179667"/>
-              <a:ext cx="1" cy="306733"/>
-            </a:xfrm>
-            <a:prstGeom prst="line">
-              <a:avLst/>
-            </a:prstGeom>
-            <a:ln w="19050">
-              <a:solidFill>
-                <a:srgbClr val="0070C0"/>
-              </a:solidFill>
-              <a:prstDash val="sysDash"/>
-            </a:ln>
-            <a:effectLst/>
-          </p:spPr>
-          <p:style>
-            <a:lnRef idx="1">
-              <a:schemeClr val="accent1"/>
-            </a:lnRef>
-            <a:fillRef idx="2">
-              <a:schemeClr val="accent1"/>
-            </a:fillRef>
-            <a:effectRef idx="1">
-              <a:schemeClr val="accent1"/>
-            </a:effectRef>
-            <a:fontRef idx="minor">
-              <a:schemeClr val="dk1"/>
-            </a:fontRef>
-          </p:style>
-        </p:cxnSp>
-      </p:grpSp>
-      <p:cxnSp>
-        <p:nvCxnSpPr>
-          <p:cNvPr id="229" name="Straight Arrow Connector 228">
-            <a:extLst>
-              <a:ext uri="{FF2B5EF4-FFF2-40B4-BE49-F238E27FC236}">
-                <a16:creationId xmlns:a16="http://schemas.microsoft.com/office/drawing/2014/main" id="{674D795D-BE64-4C23-AB6B-8581B1948790}"/>
-              </a:ext>
-            </a:extLst>
-          </p:cNvPr>
-          <p:cNvCxnSpPr>
-            <a:cxnSpLocks/>
-          </p:cNvCxnSpPr>
-          <p:nvPr/>
-        </p:nvCxnSpPr>
-        <p:spPr>
-          <a:xfrm>
-            <a:off x="8045611" y="5551775"/>
-            <a:ext cx="504238" cy="0"/>
-          </a:xfrm>
-          <a:prstGeom prst="straightConnector1">
-            <a:avLst/>
-          </a:prstGeom>
-          <a:ln w="19050">
-            <a:solidFill>
-              <a:srgbClr val="0070C0"/>
-            </a:solidFill>
-            <a:tailEnd type="arrow"/>
-          </a:ln>
-        </p:spPr>
-        <p:style>
-          <a:lnRef idx="1">
-            <a:schemeClr val="accent1"/>
-          </a:lnRef>
-          <a:fillRef idx="0">
-            <a:schemeClr val="accent1"/>
-          </a:fillRef>
-          <a:effectRef idx="0">
-            <a:schemeClr val="accent1"/>
-          </a:effectRef>
-          <a:fontRef idx="minor">
-            <a:schemeClr val="tx1"/>
-          </a:fontRef>
-        </p:style>
-      </p:cxnSp>
-      <p:cxnSp>
-        <p:nvCxnSpPr>
-          <p:cNvPr id="232" name="Straight Arrow Connector 231">
-            <a:extLst>
-              <a:ext uri="{FF2B5EF4-FFF2-40B4-BE49-F238E27FC236}">
-                <a16:creationId xmlns:a16="http://schemas.microsoft.com/office/drawing/2014/main" id="{1A83AB1C-BE26-4F1A-8576-7ACE7FC365C2}"/>
-              </a:ext>
-            </a:extLst>
-          </p:cNvPr>
-          <p:cNvCxnSpPr>
-            <a:cxnSpLocks/>
-          </p:cNvCxnSpPr>
-          <p:nvPr/>
-        </p:nvCxnSpPr>
-        <p:spPr>
-          <a:xfrm>
-            <a:off x="8070670" y="5978798"/>
-            <a:ext cx="1048305" cy="0"/>
-          </a:xfrm>
-          <a:prstGeom prst="straightConnector1">
-            <a:avLst/>
-          </a:prstGeom>
-          <a:ln w="19050">
-            <a:solidFill>
-              <a:srgbClr val="0070C0"/>
+              <a:srgbClr val="FF669A"/>
             </a:solidFill>
             <a:prstDash val="sysDash"/>
             <a:headEnd type="arrow" w="med" len="med"/>
@@ -7084,16 +7533,1205 @@
           <p:nvPr/>
         </p:nvCxnSpPr>
         <p:spPr>
-          <a:xfrm>
-            <a:off x="8045611" y="4703878"/>
-            <a:ext cx="4183694" cy="0"/>
+          <a:xfrm flipV="1">
+            <a:off x="8132736" y="7075909"/>
+            <a:ext cx="6949451" cy="32427"/>
           </a:xfrm>
           <a:prstGeom prst="straightConnector1">
             <a:avLst/>
           </a:prstGeom>
           <a:ln w="19050">
             <a:solidFill>
+              <a:srgbClr val="FF669A"/>
+            </a:solidFill>
+            <a:tailEnd type="arrow"/>
+          </a:ln>
+        </p:spPr>
+        <p:style>
+          <a:lnRef idx="1">
+            <a:schemeClr val="accent1"/>
+          </a:lnRef>
+          <a:fillRef idx="0">
+            <a:schemeClr val="accent1"/>
+          </a:fillRef>
+          <a:effectRef idx="0">
+            <a:schemeClr val="accent1"/>
+          </a:effectRef>
+          <a:fontRef idx="minor">
+            <a:schemeClr val="tx1"/>
+          </a:fontRef>
+        </p:style>
+      </p:cxnSp>
+      <p:cxnSp>
+        <p:nvCxnSpPr>
+          <p:cNvPr id="203" name="Straight Arrow Connector 202">
+            <a:extLst>
+              <a:ext uri="{FF2B5EF4-FFF2-40B4-BE49-F238E27FC236}">
+                <a16:creationId xmlns:a16="http://schemas.microsoft.com/office/drawing/2014/main" id="{6CCD3E18-8278-426A-A24E-E2CCA6422BBC}"/>
+              </a:ext>
+            </a:extLst>
+          </p:cNvPr>
+          <p:cNvCxnSpPr>
+            <a:cxnSpLocks/>
+          </p:cNvCxnSpPr>
+          <p:nvPr/>
+        </p:nvCxnSpPr>
+        <p:spPr>
+          <a:xfrm>
+            <a:off x="8139641" y="5312796"/>
+            <a:ext cx="2457450" cy="0"/>
+          </a:xfrm>
+          <a:prstGeom prst="straightConnector1">
+            <a:avLst/>
+          </a:prstGeom>
+          <a:ln w="19050">
+            <a:solidFill>
+              <a:srgbClr val="7030A0"/>
+            </a:solidFill>
+            <a:prstDash val="sysDash"/>
+            <a:headEnd type="arrow" w="med" len="med"/>
+            <a:tailEnd type="none" w="med" len="med"/>
+          </a:ln>
+        </p:spPr>
+        <p:style>
+          <a:lnRef idx="1">
+            <a:schemeClr val="accent1"/>
+          </a:lnRef>
+          <a:fillRef idx="0">
+            <a:schemeClr val="accent1"/>
+          </a:fillRef>
+          <a:effectRef idx="0">
+            <a:schemeClr val="accent1"/>
+          </a:effectRef>
+          <a:fontRef idx="minor">
+            <a:schemeClr val="tx1"/>
+          </a:fontRef>
+        </p:style>
+      </p:cxnSp>
+      <p:grpSp>
+        <p:nvGrpSpPr>
+          <p:cNvPr id="153" name="Group 152">
+            <a:extLst>
+              <a:ext uri="{FF2B5EF4-FFF2-40B4-BE49-F238E27FC236}">
+                <a16:creationId xmlns:a16="http://schemas.microsoft.com/office/drawing/2014/main" id="{B8528592-1FAC-EA45-98DF-33AB9CEDBCC0}"/>
+              </a:ext>
+            </a:extLst>
+          </p:cNvPr>
+          <p:cNvGrpSpPr/>
+          <p:nvPr/>
+        </p:nvGrpSpPr>
+        <p:grpSpPr>
+          <a:xfrm>
+            <a:off x="8101702" y="9887058"/>
+            <a:ext cx="1503265" cy="826953"/>
+            <a:chOff x="8101702" y="11497197"/>
+            <a:chExt cx="1503265" cy="826953"/>
+          </a:xfrm>
+        </p:grpSpPr>
+        <p:grpSp>
+          <p:nvGrpSpPr>
+            <p:cNvPr id="223" name="Group 222">
+              <a:extLst>
+                <a:ext uri="{FF2B5EF4-FFF2-40B4-BE49-F238E27FC236}">
+                  <a16:creationId xmlns:a16="http://schemas.microsoft.com/office/drawing/2014/main" id="{C73986C8-5449-4072-9F0F-17A38AD97EF5}"/>
+                </a:ext>
+              </a:extLst>
+            </p:cNvPr>
+            <p:cNvGrpSpPr/>
+            <p:nvPr/>
+          </p:nvGrpSpPr>
+          <p:grpSpPr>
+            <a:xfrm>
+              <a:off x="8617424" y="11497197"/>
+              <a:ext cx="987543" cy="826953"/>
+              <a:chOff x="14256889" y="4659447"/>
+              <a:chExt cx="1312860" cy="826953"/>
+            </a:xfrm>
+          </p:grpSpPr>
+          <p:sp>
+            <p:nvSpPr>
+              <p:cNvPr id="213" name="Rectangle 62">
+                <a:extLst>
+                  <a:ext uri="{FF2B5EF4-FFF2-40B4-BE49-F238E27FC236}">
+                    <a16:creationId xmlns:a16="http://schemas.microsoft.com/office/drawing/2014/main" id="{199F746E-405B-485A-994E-C0C45F8824D7}"/>
+                  </a:ext>
+                </a:extLst>
+              </p:cNvPr>
+              <p:cNvSpPr/>
+              <p:nvPr/>
+            </p:nvSpPr>
+            <p:spPr>
+              <a:xfrm>
+                <a:off x="14256889" y="4659447"/>
+                <a:ext cx="1312860" cy="516104"/>
+              </a:xfrm>
+              <a:prstGeom prst="rect">
+                <a:avLst/>
+              </a:prstGeom>
+              <a:solidFill>
+                <a:srgbClr val="0070C0"/>
+              </a:solidFill>
+              <a:ln w="19050">
+                <a:solidFill>
+                  <a:srgbClr val="0070C0"/>
+                </a:solidFill>
+              </a:ln>
+              <a:effectLst/>
+            </p:spPr>
+            <p:style>
+              <a:lnRef idx="1">
+                <a:schemeClr val="accent2"/>
+              </a:lnRef>
+              <a:fillRef idx="2">
+                <a:schemeClr val="accent2"/>
+              </a:fillRef>
+              <a:effectRef idx="1">
+                <a:schemeClr val="accent2"/>
+              </a:effectRef>
+              <a:fontRef idx="minor">
+                <a:schemeClr val="dk1"/>
+              </a:fontRef>
+            </p:style>
+            <p:txBody>
+              <a:bodyPr rtlCol="0" anchor="ctr"/>
+              <a:lstStyle/>
+              <a:p>
+                <a:pPr algn="ctr"/>
+                <a:r>
+                  <a:rPr lang="en-US" sz="1400">
+                    <a:solidFill>
+                      <a:schemeClr val="bg1"/>
+                    </a:solidFill>
+                  </a:rPr>
+                  <a:t>:Command</a:t>
+                </a:r>
+              </a:p>
+              <a:p>
+                <a:pPr algn="ctr"/>
+                <a:r>
+                  <a:rPr lang="en-US" sz="1400">
+                    <a:solidFill>
+                      <a:schemeClr val="bg1"/>
+                    </a:solidFill>
+                  </a:rPr>
+                  <a:t>Result</a:t>
+                </a:r>
+                <a:endParaRPr lang="en-SG" sz="1400">
+                  <a:solidFill>
+                    <a:schemeClr val="bg1"/>
+                  </a:solidFill>
+                </a:endParaRPr>
+              </a:p>
+            </p:txBody>
+          </p:sp>
+          <p:sp>
+            <p:nvSpPr>
+              <p:cNvPr id="214" name="Rectangle 213">
+                <a:extLst>
+                  <a:ext uri="{FF2B5EF4-FFF2-40B4-BE49-F238E27FC236}">
+                    <a16:creationId xmlns:a16="http://schemas.microsoft.com/office/drawing/2014/main" id="{22493782-DEC3-436C-AC2C-EE03A965A6F0}"/>
+                  </a:ext>
+                </a:extLst>
+              </p:cNvPr>
+              <p:cNvSpPr/>
+              <p:nvPr/>
+            </p:nvSpPr>
+            <p:spPr>
+              <a:xfrm>
+                <a:off x="14878497" y="5179667"/>
+                <a:ext cx="138546" cy="186603"/>
+              </a:xfrm>
+              <a:prstGeom prst="rect">
+                <a:avLst/>
+              </a:prstGeom>
+              <a:solidFill>
+                <a:srgbClr val="0070C0"/>
+              </a:solidFill>
+              <a:ln>
+                <a:solidFill>
+                  <a:srgbClr val="0070C0"/>
+                </a:solidFill>
+              </a:ln>
+              <a:effectLst/>
+            </p:spPr>
+            <p:style>
+              <a:lnRef idx="1">
+                <a:schemeClr val="accent3"/>
+              </a:lnRef>
+              <a:fillRef idx="2">
+                <a:schemeClr val="accent3"/>
+              </a:fillRef>
+              <a:effectRef idx="1">
+                <a:schemeClr val="accent3"/>
+              </a:effectRef>
+              <a:fontRef idx="minor">
+                <a:schemeClr val="dk1"/>
+              </a:fontRef>
+            </p:style>
+            <p:txBody>
+              <a:bodyPr rtlCol="0" anchor="ctr"/>
+              <a:lstStyle/>
+              <a:p>
+                <a:pPr algn="ctr"/>
+                <a:endParaRPr lang="en-SG" sz="1400"/>
+              </a:p>
+            </p:txBody>
+          </p:sp>
+          <p:cxnSp>
+            <p:nvCxnSpPr>
+              <p:cNvPr id="215" name="Straight Connector 214">
+                <a:extLst>
+                  <a:ext uri="{FF2B5EF4-FFF2-40B4-BE49-F238E27FC236}">
+                    <a16:creationId xmlns:a16="http://schemas.microsoft.com/office/drawing/2014/main" id="{0963EC8C-EF55-4B35-820F-72F93A5056C6}"/>
+                  </a:ext>
+                </a:extLst>
+              </p:cNvPr>
+              <p:cNvCxnSpPr>
+                <a:cxnSpLocks/>
+                <a:stCxn id="214" idx="0"/>
+              </p:cNvCxnSpPr>
+              <p:nvPr/>
+            </p:nvCxnSpPr>
+            <p:spPr>
+              <a:xfrm flipH="1">
+                <a:off x="14947769" y="5179667"/>
+                <a:ext cx="1" cy="306733"/>
+              </a:xfrm>
+              <a:prstGeom prst="line">
+                <a:avLst/>
+              </a:prstGeom>
+              <a:ln w="19050">
+                <a:solidFill>
+                  <a:srgbClr val="0070C0"/>
+                </a:solidFill>
+                <a:prstDash val="sysDash"/>
+              </a:ln>
+              <a:effectLst/>
+            </p:spPr>
+            <p:style>
+              <a:lnRef idx="1">
+                <a:schemeClr val="accent1"/>
+              </a:lnRef>
+              <a:fillRef idx="2">
+                <a:schemeClr val="accent1"/>
+              </a:fillRef>
+              <a:effectRef idx="1">
+                <a:schemeClr val="accent1"/>
+              </a:effectRef>
+              <a:fontRef idx="minor">
+                <a:schemeClr val="dk1"/>
+              </a:fontRef>
+            </p:style>
+          </p:cxnSp>
+        </p:grpSp>
+        <p:cxnSp>
+          <p:nvCxnSpPr>
+            <p:cNvPr id="229" name="Straight Arrow Connector 228">
+              <a:extLst>
+                <a:ext uri="{FF2B5EF4-FFF2-40B4-BE49-F238E27FC236}">
+                  <a16:creationId xmlns:a16="http://schemas.microsoft.com/office/drawing/2014/main" id="{674D795D-BE64-4C23-AB6B-8581B1948790}"/>
+                </a:ext>
+              </a:extLst>
+            </p:cNvPr>
+            <p:cNvCxnSpPr>
+              <a:cxnSpLocks/>
+            </p:cNvCxnSpPr>
+            <p:nvPr/>
+          </p:nvCxnSpPr>
+          <p:spPr>
+            <a:xfrm>
+              <a:off x="8101702" y="11768510"/>
+              <a:ext cx="504238" cy="0"/>
+            </a:xfrm>
+            <a:prstGeom prst="straightConnector1">
+              <a:avLst/>
+            </a:prstGeom>
+            <a:ln w="19050">
+              <a:solidFill>
+                <a:srgbClr val="0070C0"/>
+              </a:solidFill>
+              <a:tailEnd type="arrow"/>
+            </a:ln>
+          </p:spPr>
+          <p:style>
+            <a:lnRef idx="1">
+              <a:schemeClr val="accent1"/>
+            </a:lnRef>
+            <a:fillRef idx="0">
+              <a:schemeClr val="accent1"/>
+            </a:fillRef>
+            <a:effectRef idx="0">
+              <a:schemeClr val="accent1"/>
+            </a:effectRef>
+            <a:fontRef idx="minor">
+              <a:schemeClr val="tx1"/>
+            </a:fontRef>
+          </p:style>
+        </p:cxnSp>
+        <p:cxnSp>
+          <p:nvCxnSpPr>
+            <p:cNvPr id="232" name="Straight Arrow Connector 231">
+              <a:extLst>
+                <a:ext uri="{FF2B5EF4-FFF2-40B4-BE49-F238E27FC236}">
+                  <a16:creationId xmlns:a16="http://schemas.microsoft.com/office/drawing/2014/main" id="{1A83AB1C-BE26-4F1A-8576-7ACE7FC365C2}"/>
+                </a:ext>
+              </a:extLst>
+            </p:cNvPr>
+            <p:cNvCxnSpPr>
+              <a:cxnSpLocks/>
+            </p:cNvCxnSpPr>
+            <p:nvPr/>
+          </p:nvCxnSpPr>
+          <p:spPr>
+            <a:xfrm>
+              <a:off x="8126766" y="12195533"/>
+              <a:ext cx="1048305" cy="0"/>
+            </a:xfrm>
+            <a:prstGeom prst="straightConnector1">
+              <a:avLst/>
+            </a:prstGeom>
+            <a:ln w="19050">
+              <a:solidFill>
+                <a:srgbClr val="0070C0"/>
+              </a:solidFill>
+              <a:prstDash val="sysDash"/>
+              <a:headEnd type="arrow" w="med" len="med"/>
+              <a:tailEnd type="none" w="med" len="med"/>
+            </a:ln>
+          </p:spPr>
+          <p:style>
+            <a:lnRef idx="1">
+              <a:schemeClr val="accent1"/>
+            </a:lnRef>
+            <a:fillRef idx="0">
+              <a:schemeClr val="accent1"/>
+            </a:fillRef>
+            <a:effectRef idx="0">
+              <a:schemeClr val="accent1"/>
+            </a:effectRef>
+            <a:fontRef idx="minor">
+              <a:schemeClr val="tx1"/>
+            </a:fontRef>
+          </p:style>
+        </p:cxnSp>
+      </p:grpSp>
+      <p:sp>
+        <p:nvSpPr>
+          <p:cNvPr id="61" name="TextBox 60">
+            <a:extLst>
+              <a:ext uri="{FF2B5EF4-FFF2-40B4-BE49-F238E27FC236}">
+                <a16:creationId xmlns:a16="http://schemas.microsoft.com/office/drawing/2014/main" id="{A6AA3A69-FF3B-4544-9DE5-D79C590BA53D}"/>
+              </a:ext>
+            </a:extLst>
+          </p:cNvPr>
+          <p:cNvSpPr txBox="1"/>
+          <p:nvPr/>
+        </p:nvSpPr>
+        <p:spPr>
+          <a:xfrm>
+            <a:off x="350104" y="11948725"/>
+            <a:ext cx="9254858" cy="430887"/>
+          </a:xfrm>
+          <a:prstGeom prst="rect">
+            <a:avLst/>
+          </a:prstGeom>
+          <a:noFill/>
+        </p:spPr>
+        <p:txBody>
+          <a:bodyPr wrap="square" lIns="0" tIns="0" rIns="0" bIns="0" rtlCol="0">
+            <a:spAutoFit/>
+          </a:bodyPr>
+          <a:lstStyle/>
+          <a:p>
+            <a:r>
+              <a:rPr lang="en-US" sz="1400">
+                <a:solidFill>
+                  <a:srgbClr val="0070C0"/>
+                </a:solidFill>
+              </a:rPr>
+              <a:t>args1 = n/destroyer c/a1 r/vertical t/tag</a:t>
+            </a:r>
+          </a:p>
+          <a:p>
+            <a:r>
+              <a:rPr lang="en-US" sz="1400">
+                <a:solidFill>
+                  <a:srgbClr val="0070C0"/>
+                </a:solidFill>
+              </a:rPr>
+              <a:t>args2 = </a:t>
+            </a:r>
+            <a:r>
+              <a:rPr lang="en-SG" sz="1400" err="1">
+                <a:solidFill>
+                  <a:srgbClr val="0070C0"/>
+                </a:solidFill>
+              </a:rPr>
+              <a:t>EnumSet.of</a:t>
+            </a:r>
+            <a:r>
+              <a:rPr lang="en-SG" sz="1400">
+                <a:solidFill>
+                  <a:srgbClr val="0070C0"/>
+                </a:solidFill>
+              </a:rPr>
+              <a:t>(</a:t>
+            </a:r>
+            <a:r>
+              <a:rPr lang="en-SG" sz="1400" err="1">
+                <a:solidFill>
+                  <a:srgbClr val="0070C0"/>
+                </a:solidFill>
+              </a:rPr>
+              <a:t>BattleState.PLAYER_PUT_SHIP</a:t>
+            </a:r>
+            <a:r>
+              <a:rPr lang="en-SG" sz="1400">
+                <a:solidFill>
+                  <a:srgbClr val="0070C0"/>
+                </a:solidFill>
+              </a:rPr>
+              <a:t>)</a:t>
+            </a:r>
+            <a:endParaRPr lang="en-US" sz="1400">
+              <a:solidFill>
+                <a:srgbClr val="0070C0"/>
+              </a:solidFill>
+            </a:endParaRPr>
+          </a:p>
+        </p:txBody>
+      </p:sp>
+      <p:grpSp>
+        <p:nvGrpSpPr>
+          <p:cNvPr id="135" name="Group 134">
+            <a:extLst>
+              <a:ext uri="{FF2B5EF4-FFF2-40B4-BE49-F238E27FC236}">
+                <a16:creationId xmlns:a16="http://schemas.microsoft.com/office/drawing/2014/main" id="{1AECB110-556A-A947-93C9-A44F191844AC}"/>
+              </a:ext>
+            </a:extLst>
+          </p:cNvPr>
+          <p:cNvGrpSpPr/>
+          <p:nvPr/>
+        </p:nvGrpSpPr>
+        <p:grpSpPr>
+          <a:xfrm>
+            <a:off x="15062479" y="6908592"/>
+            <a:ext cx="1942503" cy="636744"/>
+            <a:chOff x="15062479" y="6320116"/>
+            <a:chExt cx="1942503" cy="636744"/>
+          </a:xfrm>
+        </p:grpSpPr>
+        <p:sp>
+          <p:nvSpPr>
+            <p:cNvPr id="187" name="Rectangle 186">
+              <a:extLst>
+                <a:ext uri="{FF2B5EF4-FFF2-40B4-BE49-F238E27FC236}">
+                  <a16:creationId xmlns:a16="http://schemas.microsoft.com/office/drawing/2014/main" id="{09B0E711-DA47-4651-8AB4-F1BD8D990B22}"/>
+                </a:ext>
+              </a:extLst>
+            </p:cNvPr>
+            <p:cNvSpPr/>
+            <p:nvPr/>
+          </p:nvSpPr>
+          <p:spPr>
+            <a:xfrm>
+              <a:off x="15062479" y="6475516"/>
+              <a:ext cx="145369" cy="481344"/>
+            </a:xfrm>
+            <a:prstGeom prst="rect">
+              <a:avLst/>
+            </a:prstGeom>
+            <a:solidFill>
+              <a:srgbClr val="FF669A"/>
+            </a:solidFill>
+            <a:ln>
+              <a:noFill/>
+            </a:ln>
+            <a:effectLst/>
+          </p:spPr>
+          <p:style>
+            <a:lnRef idx="1">
+              <a:schemeClr val="accent3"/>
+            </a:lnRef>
+            <a:fillRef idx="2">
+              <a:schemeClr val="accent3"/>
+            </a:fillRef>
+            <a:effectRef idx="1">
+              <a:schemeClr val="accent3"/>
+            </a:effectRef>
+            <a:fontRef idx="minor">
+              <a:schemeClr val="dk1"/>
+            </a:fontRef>
+          </p:style>
+          <p:txBody>
+            <a:bodyPr rtlCol="0" anchor="ctr"/>
+            <a:lstStyle/>
+            <a:p>
+              <a:pPr algn="ctr"/>
+              <a:endParaRPr lang="en-SG" sz="1400"/>
+            </a:p>
+          </p:txBody>
+        </p:sp>
+        <p:sp>
+          <p:nvSpPr>
+            <p:cNvPr id="64" name="Rectangle 63">
+              <a:extLst>
+                <a:ext uri="{FF2B5EF4-FFF2-40B4-BE49-F238E27FC236}">
+                  <a16:creationId xmlns:a16="http://schemas.microsoft.com/office/drawing/2014/main" id="{8FD74532-ECA6-FD4B-B1AA-7BDC9A36980E}"/>
+                </a:ext>
+              </a:extLst>
+            </p:cNvPr>
+            <p:cNvSpPr/>
+            <p:nvPr/>
+          </p:nvSpPr>
+          <p:spPr>
+            <a:xfrm>
+              <a:off x="15207864" y="6616555"/>
+              <a:ext cx="138373" cy="223074"/>
+            </a:xfrm>
+            <a:prstGeom prst="rect">
+              <a:avLst/>
+            </a:prstGeom>
+            <a:solidFill>
+              <a:srgbClr val="FF669A"/>
+            </a:solidFill>
+            <a:ln>
+              <a:noFill/>
+            </a:ln>
+            <a:effectLst/>
+          </p:spPr>
+          <p:style>
+            <a:lnRef idx="1">
+              <a:schemeClr val="accent3"/>
+            </a:lnRef>
+            <a:fillRef idx="2">
+              <a:schemeClr val="accent3"/>
+            </a:fillRef>
+            <a:effectRef idx="1">
+              <a:schemeClr val="accent3"/>
+            </a:effectRef>
+            <a:fontRef idx="minor">
+              <a:schemeClr val="dk1"/>
+            </a:fontRef>
+          </p:style>
+          <p:txBody>
+            <a:bodyPr rtlCol="0" anchor="ctr"/>
+            <a:lstStyle/>
+            <a:p>
+              <a:pPr algn="ctr"/>
+              <a:endParaRPr lang="en-SG" sz="1400">
+                <a:solidFill>
+                  <a:srgbClr val="FF669A"/>
+                </a:solidFill>
+              </a:endParaRPr>
+            </a:p>
+          </p:txBody>
+        </p:sp>
+        <p:sp>
+          <p:nvSpPr>
+            <p:cNvPr id="68" name="TextBox 67">
+              <a:extLst>
+                <a:ext uri="{FF2B5EF4-FFF2-40B4-BE49-F238E27FC236}">
+                  <a16:creationId xmlns:a16="http://schemas.microsoft.com/office/drawing/2014/main" id="{30DD5FE9-12F7-3B4D-9DA7-5C75E842CE53}"/>
+                </a:ext>
+              </a:extLst>
+            </p:cNvPr>
+            <p:cNvSpPr txBox="1"/>
+            <p:nvPr/>
+          </p:nvSpPr>
+          <p:spPr>
+            <a:xfrm>
+              <a:off x="15529106" y="6320116"/>
+              <a:ext cx="1475876" cy="184666"/>
+            </a:xfrm>
+            <a:prstGeom prst="rect">
+              <a:avLst/>
+            </a:prstGeom>
+            <a:noFill/>
+            <a:ln>
+              <a:noFill/>
+            </a:ln>
+          </p:spPr>
+          <p:txBody>
+            <a:bodyPr wrap="square" lIns="0" tIns="0" rIns="0" bIns="0" rtlCol="0">
+              <a:spAutoFit/>
+            </a:bodyPr>
+            <a:lstStyle>
+              <a:defPPr>
+                <a:defRPr lang="en-US"/>
+              </a:defPPr>
+              <a:lvl1pPr algn="r">
+                <a:defRPr sz="1400">
+                  <a:solidFill>
+                    <a:srgbClr val="0070C0"/>
+                  </a:solidFill>
+                </a:defRPr>
+              </a:lvl1pPr>
+            </a:lstStyle>
+            <a:p>
+              <a:pPr algn="l"/>
+              <a:r>
+                <a:rPr lang="en-US" sz="1200" err="1">
+                  <a:solidFill>
+                    <a:srgbClr val="FF669A"/>
+                  </a:solidFill>
+                </a:rPr>
+                <a:t>putShip</a:t>
+              </a:r>
+              <a:r>
+                <a:rPr lang="en-US" sz="1200">
+                  <a:solidFill>
+                    <a:srgbClr val="FF669A"/>
+                  </a:solidFill>
+                </a:rPr>
+                <a:t>()</a:t>
+              </a:r>
+            </a:p>
+          </p:txBody>
+        </p:sp>
+        <p:cxnSp>
+          <p:nvCxnSpPr>
+            <p:cNvPr id="74" name="Curved Connector 73">
+              <a:extLst>
+                <a:ext uri="{FF2B5EF4-FFF2-40B4-BE49-F238E27FC236}">
+                  <a16:creationId xmlns:a16="http://schemas.microsoft.com/office/drawing/2014/main" id="{8EE03F7A-2058-6749-A748-E895D05F30BE}"/>
+                </a:ext>
+              </a:extLst>
+            </p:cNvPr>
+            <p:cNvCxnSpPr>
+              <a:cxnSpLocks/>
+            </p:cNvCxnSpPr>
+            <p:nvPr/>
+          </p:nvCxnSpPr>
+          <p:spPr>
+            <a:xfrm>
+              <a:off x="15167643" y="6533972"/>
+              <a:ext cx="167219" cy="83872"/>
+            </a:xfrm>
+            <a:prstGeom prst="curvedConnector3">
+              <a:avLst>
+                <a:gd name="adj1" fmla="val 293035"/>
+              </a:avLst>
+            </a:prstGeom>
+            <a:ln>
+              <a:solidFill>
+                <a:srgbClr val="FF669A"/>
+              </a:solidFill>
+              <a:tailEnd type="triangle"/>
+            </a:ln>
+          </p:spPr>
+          <p:style>
+            <a:lnRef idx="1">
+              <a:schemeClr val="accent1"/>
+            </a:lnRef>
+            <a:fillRef idx="0">
+              <a:schemeClr val="accent1"/>
+            </a:fillRef>
+            <a:effectRef idx="0">
+              <a:schemeClr val="accent1"/>
+            </a:effectRef>
+            <a:fontRef idx="minor">
+              <a:schemeClr val="tx1"/>
+            </a:fontRef>
+          </p:style>
+        </p:cxnSp>
+        <p:cxnSp>
+          <p:nvCxnSpPr>
+            <p:cNvPr id="88" name="Curved Connector 12">
+              <a:extLst>
+                <a:ext uri="{FF2B5EF4-FFF2-40B4-BE49-F238E27FC236}">
+                  <a16:creationId xmlns:a16="http://schemas.microsoft.com/office/drawing/2014/main" id="{92348BEA-70E7-7E48-83EB-D9A4C68B91F9}"/>
+                </a:ext>
+              </a:extLst>
+            </p:cNvPr>
+            <p:cNvCxnSpPr>
+              <a:cxnSpLocks/>
+            </p:cNvCxnSpPr>
+            <p:nvPr/>
+          </p:nvCxnSpPr>
+          <p:spPr>
+            <a:xfrm rot="10800000" flipV="1">
+              <a:off x="15200914" y="6830360"/>
+              <a:ext cx="127009" cy="108247"/>
+            </a:xfrm>
+            <a:prstGeom prst="curvedConnector3">
+              <a:avLst>
+                <a:gd name="adj1" fmla="val -216834"/>
+              </a:avLst>
+            </a:prstGeom>
+            <a:ln>
+              <a:solidFill>
+                <a:srgbClr val="FF669A"/>
+              </a:solidFill>
+              <a:prstDash val="sysDash"/>
+              <a:tailEnd type="triangle"/>
+            </a:ln>
+          </p:spPr>
+          <p:style>
+            <a:lnRef idx="1">
+              <a:schemeClr val="accent1"/>
+            </a:lnRef>
+            <a:fillRef idx="0">
+              <a:schemeClr val="accent1"/>
+            </a:fillRef>
+            <a:effectRef idx="0">
+              <a:schemeClr val="accent1"/>
+            </a:effectRef>
+            <a:fontRef idx="minor">
+              <a:schemeClr val="tx1"/>
+            </a:fontRef>
+          </p:style>
+        </p:cxnSp>
+      </p:grpSp>
+      <p:cxnSp>
+        <p:nvCxnSpPr>
+          <p:cNvPr id="86" name="Curved Connector 85">
+            <a:extLst>
+              <a:ext uri="{FF2B5EF4-FFF2-40B4-BE49-F238E27FC236}">
+                <a16:creationId xmlns:a16="http://schemas.microsoft.com/office/drawing/2014/main" id="{D48B657F-3EAF-B446-9875-52E0C6B99E2E}"/>
+              </a:ext>
+            </a:extLst>
+          </p:cNvPr>
+          <p:cNvCxnSpPr>
+            <a:cxnSpLocks/>
+          </p:cNvCxnSpPr>
+          <p:nvPr/>
+        </p:nvCxnSpPr>
+        <p:spPr>
+          <a:xfrm>
+            <a:off x="8129095" y="3886689"/>
+            <a:ext cx="134988" cy="109955"/>
+          </a:xfrm>
+          <a:prstGeom prst="curvedConnector3">
+            <a:avLst>
+              <a:gd name="adj1" fmla="val 291588"/>
+            </a:avLst>
+          </a:prstGeom>
+          <a:ln>
+            <a:solidFill>
               <a:srgbClr val="0070C0"/>
+            </a:solidFill>
+            <a:tailEnd type="triangle"/>
+          </a:ln>
+        </p:spPr>
+        <p:style>
+          <a:lnRef idx="1">
+            <a:schemeClr val="accent1"/>
+          </a:lnRef>
+          <a:fillRef idx="0">
+            <a:schemeClr val="accent1"/>
+          </a:fillRef>
+          <a:effectRef idx="0">
+            <a:schemeClr val="accent1"/>
+          </a:effectRef>
+          <a:fontRef idx="minor">
+            <a:schemeClr val="tx1"/>
+          </a:fontRef>
+        </p:style>
+      </p:cxnSp>
+      <p:sp>
+        <p:nvSpPr>
+          <p:cNvPr id="89" name="Rectangle 88">
+            <a:extLst>
+              <a:ext uri="{FF2B5EF4-FFF2-40B4-BE49-F238E27FC236}">
+                <a16:creationId xmlns:a16="http://schemas.microsoft.com/office/drawing/2014/main" id="{E05EBC68-AC66-8647-8F33-8FC249B498C6}"/>
+              </a:ext>
+            </a:extLst>
+          </p:cNvPr>
+          <p:cNvSpPr/>
+          <p:nvPr/>
+        </p:nvSpPr>
+        <p:spPr>
+          <a:xfrm>
+            <a:off x="8126367" y="3994695"/>
+            <a:ext cx="144508" cy="148227"/>
+          </a:xfrm>
+          <a:prstGeom prst="rect">
+            <a:avLst/>
+          </a:prstGeom>
+          <a:solidFill>
+            <a:srgbClr val="0070C0"/>
+          </a:solidFill>
+          <a:ln>
+            <a:solidFill>
+              <a:srgbClr val="0070C0"/>
+            </a:solidFill>
+          </a:ln>
+          <a:effectLst/>
+        </p:spPr>
+        <p:style>
+          <a:lnRef idx="1">
+            <a:schemeClr val="accent3"/>
+          </a:lnRef>
+          <a:fillRef idx="2">
+            <a:schemeClr val="accent3"/>
+          </a:fillRef>
+          <a:effectRef idx="1">
+            <a:schemeClr val="accent3"/>
+          </a:effectRef>
+          <a:fontRef idx="minor">
+            <a:schemeClr val="dk1"/>
+          </a:fontRef>
+        </p:style>
+        <p:txBody>
+          <a:bodyPr rtlCol="0" anchor="ctr"/>
+          <a:lstStyle/>
+          <a:p>
+            <a:pPr algn="ctr"/>
+            <a:endParaRPr lang="en-SG" sz="1400"/>
+          </a:p>
+        </p:txBody>
+      </p:sp>
+      <p:cxnSp>
+        <p:nvCxnSpPr>
+          <p:cNvPr id="91" name="Curved Connector 12">
+            <a:extLst>
+              <a:ext uri="{FF2B5EF4-FFF2-40B4-BE49-F238E27FC236}">
+                <a16:creationId xmlns:a16="http://schemas.microsoft.com/office/drawing/2014/main" id="{5B157CEF-5BA7-CF4B-A3CE-FB2732095B6A}"/>
+              </a:ext>
+            </a:extLst>
+          </p:cNvPr>
+          <p:cNvCxnSpPr>
+            <a:cxnSpLocks/>
+          </p:cNvCxnSpPr>
+          <p:nvPr/>
+        </p:nvCxnSpPr>
+        <p:spPr>
+          <a:xfrm rot="10800000" flipV="1">
+            <a:off x="8135714" y="4141833"/>
+            <a:ext cx="127009" cy="108247"/>
+          </a:xfrm>
+          <a:prstGeom prst="curvedConnector3">
+            <a:avLst>
+              <a:gd name="adj1" fmla="val -216834"/>
+            </a:avLst>
+          </a:prstGeom>
+          <a:ln>
+            <a:solidFill>
+              <a:srgbClr val="0070C0"/>
+            </a:solidFill>
+            <a:prstDash val="sysDash"/>
+            <a:tailEnd type="triangle"/>
+          </a:ln>
+        </p:spPr>
+        <p:style>
+          <a:lnRef idx="1">
+            <a:schemeClr val="accent1"/>
+          </a:lnRef>
+          <a:fillRef idx="0">
+            <a:schemeClr val="accent1"/>
+          </a:fillRef>
+          <a:effectRef idx="0">
+            <a:schemeClr val="accent1"/>
+          </a:effectRef>
+          <a:fontRef idx="minor">
+            <a:schemeClr val="tx1"/>
+          </a:fontRef>
+        </p:style>
+      </p:cxnSp>
+      <p:sp>
+        <p:nvSpPr>
+          <p:cNvPr id="96" name="TextBox 95">
+            <a:extLst>
+              <a:ext uri="{FF2B5EF4-FFF2-40B4-BE49-F238E27FC236}">
+                <a16:creationId xmlns:a16="http://schemas.microsoft.com/office/drawing/2014/main" id="{7116BA0D-401B-BB48-AA36-2BEA0D2D75EE}"/>
+              </a:ext>
+            </a:extLst>
+          </p:cNvPr>
+          <p:cNvSpPr txBox="1"/>
+          <p:nvPr/>
+        </p:nvSpPr>
+        <p:spPr>
+          <a:xfrm>
+            <a:off x="8245179" y="3625076"/>
+            <a:ext cx="3916341" cy="184666"/>
+          </a:xfrm>
+          <a:prstGeom prst="rect">
+            <a:avLst/>
+          </a:prstGeom>
+          <a:noFill/>
+          <a:ln>
+            <a:noFill/>
+          </a:ln>
+        </p:spPr>
+        <p:txBody>
+          <a:bodyPr wrap="square" lIns="0" tIns="0" rIns="0" bIns="0" rtlCol="0">
+            <a:spAutoFit/>
+          </a:bodyPr>
+          <a:lstStyle>
+            <a:defPPr>
+              <a:defRPr lang="en-US"/>
+            </a:defPPr>
+            <a:lvl1pPr algn="r">
+              <a:defRPr sz="1400">
+                <a:solidFill>
+                  <a:srgbClr val="0070C0"/>
+                </a:solidFill>
+              </a:defRPr>
+            </a:lvl1pPr>
+          </a:lstStyle>
+          <a:p>
+            <a:pPr algn="l"/>
+            <a:r>
+              <a:rPr lang="en-SG" sz="1200" err="1"/>
+              <a:t>setPermissibleStates</a:t>
+            </a:r>
+            <a:r>
+              <a:rPr lang="en-SG" sz="1200"/>
+              <a:t>(&lt;args2&gt;)</a:t>
+            </a:r>
+            <a:endParaRPr lang="en-US" sz="1200" dirty="0"/>
+          </a:p>
+        </p:txBody>
+      </p:sp>
+      <p:grpSp>
+        <p:nvGrpSpPr>
+          <p:cNvPr id="92" name="Group 91">
+            <a:extLst>
+              <a:ext uri="{FF2B5EF4-FFF2-40B4-BE49-F238E27FC236}">
+                <a16:creationId xmlns:a16="http://schemas.microsoft.com/office/drawing/2014/main" id="{3AA08EFA-5D9D-094D-BDAB-554B6FF1EABB}"/>
+              </a:ext>
+            </a:extLst>
+          </p:cNvPr>
+          <p:cNvGrpSpPr/>
+          <p:nvPr/>
+        </p:nvGrpSpPr>
+        <p:grpSpPr>
+          <a:xfrm>
+            <a:off x="8114549" y="5451774"/>
+            <a:ext cx="1549580" cy="604906"/>
+            <a:chOff x="8114549" y="4612325"/>
+            <a:chExt cx="1549580" cy="604906"/>
+          </a:xfrm>
+        </p:grpSpPr>
+        <p:cxnSp>
+          <p:nvCxnSpPr>
+            <p:cNvPr id="101" name="Curved Connector 100">
+              <a:extLst>
+                <a:ext uri="{FF2B5EF4-FFF2-40B4-BE49-F238E27FC236}">
+                  <a16:creationId xmlns:a16="http://schemas.microsoft.com/office/drawing/2014/main" id="{22418FEE-65E6-B344-B202-9F7771C0F208}"/>
+                </a:ext>
+              </a:extLst>
+            </p:cNvPr>
+            <p:cNvCxnSpPr>
+              <a:cxnSpLocks/>
+            </p:cNvCxnSpPr>
+            <p:nvPr/>
+          </p:nvCxnSpPr>
+          <p:spPr>
+            <a:xfrm>
+              <a:off x="8129095" y="4853840"/>
+              <a:ext cx="134988" cy="109955"/>
+            </a:xfrm>
+            <a:prstGeom prst="curvedConnector3">
+              <a:avLst>
+                <a:gd name="adj1" fmla="val 291588"/>
+              </a:avLst>
+            </a:prstGeom>
+            <a:ln>
+              <a:solidFill>
+                <a:srgbClr val="0070C0"/>
+              </a:solidFill>
+              <a:tailEnd type="triangle"/>
+            </a:ln>
+          </p:spPr>
+          <p:style>
+            <a:lnRef idx="1">
+              <a:schemeClr val="accent1"/>
+            </a:lnRef>
+            <a:fillRef idx="0">
+              <a:schemeClr val="accent1"/>
+            </a:fillRef>
+            <a:effectRef idx="0">
+              <a:schemeClr val="accent1"/>
+            </a:effectRef>
+            <a:fontRef idx="minor">
+              <a:schemeClr val="tx1"/>
+            </a:fontRef>
+          </p:style>
+        </p:cxnSp>
+        <p:sp>
+          <p:nvSpPr>
+            <p:cNvPr id="102" name="Rectangle 101">
+              <a:extLst>
+                <a:ext uri="{FF2B5EF4-FFF2-40B4-BE49-F238E27FC236}">
+                  <a16:creationId xmlns:a16="http://schemas.microsoft.com/office/drawing/2014/main" id="{6A64BBFD-F360-4345-AC45-8FC9B6DB61D0}"/>
+                </a:ext>
+              </a:extLst>
+            </p:cNvPr>
+            <p:cNvSpPr/>
+            <p:nvPr/>
+          </p:nvSpPr>
+          <p:spPr>
+            <a:xfrm>
+              <a:off x="8126367" y="4961846"/>
+              <a:ext cx="136654" cy="148227"/>
+            </a:xfrm>
+            <a:prstGeom prst="rect">
+              <a:avLst/>
+            </a:prstGeom>
+            <a:solidFill>
+              <a:srgbClr val="0070C0"/>
+            </a:solidFill>
+            <a:ln>
+              <a:solidFill>
+                <a:srgbClr val="0070C0"/>
+              </a:solidFill>
+            </a:ln>
+            <a:effectLst/>
+          </p:spPr>
+          <p:style>
+            <a:lnRef idx="1">
+              <a:schemeClr val="accent3"/>
+            </a:lnRef>
+            <a:fillRef idx="2">
+              <a:schemeClr val="accent3"/>
+            </a:fillRef>
+            <a:effectRef idx="1">
+              <a:schemeClr val="accent3"/>
+            </a:effectRef>
+            <a:fontRef idx="minor">
+              <a:schemeClr val="dk1"/>
+            </a:fontRef>
+          </p:style>
+          <p:txBody>
+            <a:bodyPr rtlCol="0" anchor="ctr"/>
+            <a:lstStyle/>
+            <a:p>
+              <a:pPr algn="ctr"/>
+              <a:endParaRPr lang="en-SG" sz="1400"/>
+            </a:p>
+          </p:txBody>
+        </p:sp>
+        <p:cxnSp>
+          <p:nvCxnSpPr>
+            <p:cNvPr id="103" name="Curved Connector 12">
+              <a:extLst>
+                <a:ext uri="{FF2B5EF4-FFF2-40B4-BE49-F238E27FC236}">
+                  <a16:creationId xmlns:a16="http://schemas.microsoft.com/office/drawing/2014/main" id="{220AF7B3-934B-E24A-9172-2C909103CF1D}"/>
+                </a:ext>
+              </a:extLst>
+            </p:cNvPr>
+            <p:cNvCxnSpPr>
+              <a:cxnSpLocks/>
+            </p:cNvCxnSpPr>
+            <p:nvPr/>
+          </p:nvCxnSpPr>
+          <p:spPr>
+            <a:xfrm rot="10800000" flipV="1">
+              <a:off x="8135714" y="5108984"/>
+              <a:ext cx="127009" cy="108247"/>
+            </a:xfrm>
+            <a:prstGeom prst="curvedConnector3">
+              <a:avLst>
+                <a:gd name="adj1" fmla="val -216834"/>
+              </a:avLst>
+            </a:prstGeom>
+            <a:ln>
+              <a:solidFill>
+                <a:srgbClr val="0070C0"/>
+              </a:solidFill>
+              <a:prstDash val="sysDash"/>
+              <a:tailEnd type="triangle"/>
+            </a:ln>
+          </p:spPr>
+          <p:style>
+            <a:lnRef idx="1">
+              <a:schemeClr val="accent1"/>
+            </a:lnRef>
+            <a:fillRef idx="0">
+              <a:schemeClr val="accent1"/>
+            </a:fillRef>
+            <a:effectRef idx="0">
+              <a:schemeClr val="accent1"/>
+            </a:effectRef>
+            <a:fontRef idx="minor">
+              <a:schemeClr val="tx1"/>
+            </a:fontRef>
+          </p:style>
+        </p:cxnSp>
+        <p:sp>
+          <p:nvSpPr>
+            <p:cNvPr id="104" name="TextBox 103">
+              <a:extLst>
+                <a:ext uri="{FF2B5EF4-FFF2-40B4-BE49-F238E27FC236}">
+                  <a16:creationId xmlns:a16="http://schemas.microsoft.com/office/drawing/2014/main" id="{5E40F979-1494-C947-A85A-217E0C38A9AD}"/>
+                </a:ext>
+              </a:extLst>
+            </p:cNvPr>
+            <p:cNvSpPr txBox="1"/>
+            <p:nvPr/>
+          </p:nvSpPr>
+          <p:spPr>
+            <a:xfrm>
+              <a:off x="8114549" y="4612325"/>
+              <a:ext cx="1549580" cy="169277"/>
+            </a:xfrm>
+            <a:prstGeom prst="rect">
+              <a:avLst/>
+            </a:prstGeom>
+            <a:noFill/>
+            <a:ln>
+              <a:noFill/>
+            </a:ln>
+          </p:spPr>
+          <p:txBody>
+            <a:bodyPr wrap="square" lIns="0" tIns="0" rIns="0" bIns="0" rtlCol="0">
+              <a:spAutoFit/>
+            </a:bodyPr>
+            <a:lstStyle>
+              <a:defPPr>
+                <a:defRPr lang="en-US"/>
+              </a:defPPr>
+              <a:lvl1pPr algn="r">
+                <a:defRPr sz="1400">
+                  <a:solidFill>
+                    <a:srgbClr val="0070C0"/>
+                  </a:solidFill>
+                </a:defRPr>
+              </a:lvl1pPr>
+            </a:lstStyle>
+            <a:p>
+              <a:r>
+                <a:rPr lang="en-US" sz="1100" err="1"/>
+                <a:t>checkEnoughBattleships</a:t>
+              </a:r>
+              <a:r>
+                <a:rPr lang="en-US" sz="1100"/>
+                <a:t>()</a:t>
+              </a:r>
+            </a:p>
+          </p:txBody>
+        </p:sp>
+      </p:grpSp>
+      <p:cxnSp>
+        <p:nvCxnSpPr>
+          <p:cNvPr id="108" name="Straight Arrow Connector 107">
+            <a:extLst>
+              <a:ext uri="{FF2B5EF4-FFF2-40B4-BE49-F238E27FC236}">
+                <a16:creationId xmlns:a16="http://schemas.microsoft.com/office/drawing/2014/main" id="{BE9F3097-2270-2F45-85EA-1B8E692C0F6A}"/>
+              </a:ext>
+            </a:extLst>
+          </p:cNvPr>
+          <p:cNvCxnSpPr>
+            <a:cxnSpLocks/>
+          </p:cNvCxnSpPr>
+          <p:nvPr/>
+        </p:nvCxnSpPr>
+        <p:spPr>
+          <a:xfrm>
+            <a:off x="10719664" y="4907584"/>
+            <a:ext cx="1488227" cy="1"/>
+          </a:xfrm>
+          <a:prstGeom prst="straightConnector1">
+            <a:avLst/>
+          </a:prstGeom>
+          <a:ln w="19050">
+            <a:solidFill>
+              <a:schemeClr val="tx1">
+                <a:lumMod val="65000"/>
+                <a:lumOff val="35000"/>
+              </a:schemeClr>
             </a:solidFill>
             <a:tailEnd type="arrow"/>
           </a:ln>
@@ -7115,10 +8753,10 @@
       </p:cxnSp>
       <p:sp>
         <p:nvSpPr>
-          <p:cNvPr id="64" name="Rectangle 63">
+          <p:cNvPr id="109" name="Rectangle 62">
             <a:extLst>
               <a:ext uri="{FF2B5EF4-FFF2-40B4-BE49-F238E27FC236}">
-                <a16:creationId xmlns:a16="http://schemas.microsoft.com/office/drawing/2014/main" id="{8FD74532-ECA6-FD4B-B1AA-7BDC9A36980E}"/>
+                <a16:creationId xmlns:a16="http://schemas.microsoft.com/office/drawing/2014/main" id="{4FB2FC52-F11A-EC4F-8E5B-708069C7F882}"/>
               </a:ext>
             </a:extLst>
           </p:cNvPr>
@@ -7127,8 +8765,436 @@
         </p:nvSpPr>
         <p:spPr>
           <a:xfrm>
-            <a:off x="12345727" y="4799473"/>
-            <a:ext cx="129933" cy="233713"/>
+            <a:off x="11507159" y="3061115"/>
+            <a:ext cx="1475876" cy="335427"/>
+          </a:xfrm>
+          <a:prstGeom prst="rect">
+            <a:avLst/>
+          </a:prstGeom>
+          <a:solidFill>
+            <a:schemeClr val="bg1">
+              <a:lumMod val="75000"/>
+            </a:schemeClr>
+          </a:solidFill>
+          <a:ln w="19050">
+            <a:noFill/>
+          </a:ln>
+          <a:effectLst/>
+        </p:spPr>
+        <p:style>
+          <a:lnRef idx="1">
+            <a:schemeClr val="accent2"/>
+          </a:lnRef>
+          <a:fillRef idx="2">
+            <a:schemeClr val="accent2"/>
+          </a:fillRef>
+          <a:effectRef idx="1">
+            <a:schemeClr val="accent2"/>
+          </a:effectRef>
+          <a:fontRef idx="minor">
+            <a:schemeClr val="dk1"/>
+          </a:fontRef>
+        </p:style>
+        <p:txBody>
+          <a:bodyPr rtlCol="0" anchor="ctr"/>
+          <a:lstStyle/>
+          <a:p>
+            <a:pPr algn="ctr"/>
+            <a:r>
+              <a:rPr lang="en-US" sz="1600">
+                <a:solidFill>
+                  <a:schemeClr val="tx1"/>
+                </a:solidFill>
+              </a:rPr>
+              <a:t>:Player</a:t>
+            </a:r>
+            <a:endParaRPr lang="en-SG" sz="1600">
+              <a:solidFill>
+                <a:schemeClr val="tx1"/>
+              </a:solidFill>
+            </a:endParaRPr>
+          </a:p>
+        </p:txBody>
+      </p:sp>
+      <p:cxnSp>
+        <p:nvCxnSpPr>
+          <p:cNvPr id="110" name="Straight Connector 109">
+            <a:extLst>
+              <a:ext uri="{FF2B5EF4-FFF2-40B4-BE49-F238E27FC236}">
+                <a16:creationId xmlns:a16="http://schemas.microsoft.com/office/drawing/2014/main" id="{A293F128-D958-614C-A5F7-FC3E50E94D9A}"/>
+              </a:ext>
+            </a:extLst>
+          </p:cNvPr>
+          <p:cNvCxnSpPr>
+            <a:cxnSpLocks/>
+            <a:stCxn id="109" idx="2"/>
+          </p:cNvCxnSpPr>
+          <p:nvPr/>
+        </p:nvCxnSpPr>
+        <p:spPr>
+          <a:xfrm>
+            <a:off x="12245097" y="3396542"/>
+            <a:ext cx="0" cy="7293625"/>
+          </a:xfrm>
+          <a:prstGeom prst="line">
+            <a:avLst/>
+          </a:prstGeom>
+          <a:ln w="19050">
+            <a:solidFill>
+              <a:schemeClr val="tx1">
+                <a:lumMod val="65000"/>
+                <a:lumOff val="35000"/>
+              </a:schemeClr>
+            </a:solidFill>
+            <a:prstDash val="sysDash"/>
+          </a:ln>
+          <a:effectLst/>
+        </p:spPr>
+        <p:style>
+          <a:lnRef idx="1">
+            <a:schemeClr val="accent1"/>
+          </a:lnRef>
+          <a:fillRef idx="2">
+            <a:schemeClr val="accent1"/>
+          </a:fillRef>
+          <a:effectRef idx="1">
+            <a:schemeClr val="accent1"/>
+          </a:effectRef>
+          <a:fontRef idx="minor">
+            <a:schemeClr val="dk1"/>
+          </a:fontRef>
+        </p:style>
+      </p:cxnSp>
+      <p:cxnSp>
+        <p:nvCxnSpPr>
+          <p:cNvPr id="111" name="Straight Arrow Connector 110">
+            <a:extLst>
+              <a:ext uri="{FF2B5EF4-FFF2-40B4-BE49-F238E27FC236}">
+                <a16:creationId xmlns:a16="http://schemas.microsoft.com/office/drawing/2014/main" id="{858CF821-8672-6E4E-8C7F-0DAB5864FD33}"/>
+              </a:ext>
+            </a:extLst>
+          </p:cNvPr>
+          <p:cNvCxnSpPr>
+            <a:cxnSpLocks/>
+          </p:cNvCxnSpPr>
+          <p:nvPr/>
+        </p:nvCxnSpPr>
+        <p:spPr>
+          <a:xfrm>
+            <a:off x="10756964" y="5187447"/>
+            <a:ext cx="1450927" cy="0"/>
+          </a:xfrm>
+          <a:prstGeom prst="straightConnector1">
+            <a:avLst/>
+          </a:prstGeom>
+          <a:ln w="19050">
+            <a:solidFill>
+              <a:schemeClr val="tx1">
+                <a:lumMod val="65000"/>
+                <a:lumOff val="35000"/>
+              </a:schemeClr>
+            </a:solidFill>
+            <a:prstDash val="sysDash"/>
+            <a:headEnd type="arrow" w="med" len="med"/>
+            <a:tailEnd type="none" w="med" len="med"/>
+          </a:ln>
+        </p:spPr>
+        <p:style>
+          <a:lnRef idx="1">
+            <a:schemeClr val="accent1"/>
+          </a:lnRef>
+          <a:fillRef idx="0">
+            <a:schemeClr val="accent1"/>
+          </a:fillRef>
+          <a:effectRef idx="0">
+            <a:schemeClr val="accent1"/>
+          </a:effectRef>
+          <a:fontRef idx="minor">
+            <a:schemeClr val="tx1"/>
+          </a:fontRef>
+        </p:style>
+      </p:cxnSp>
+      <p:sp>
+        <p:nvSpPr>
+          <p:cNvPr id="113" name="TextBox 112">
+            <a:extLst>
+              <a:ext uri="{FF2B5EF4-FFF2-40B4-BE49-F238E27FC236}">
+                <a16:creationId xmlns:a16="http://schemas.microsoft.com/office/drawing/2014/main" id="{857BD26F-2867-814C-974D-59D45C1A1B66}"/>
+              </a:ext>
+            </a:extLst>
+          </p:cNvPr>
+          <p:cNvSpPr txBox="1"/>
+          <p:nvPr/>
+        </p:nvSpPr>
+        <p:spPr>
+          <a:xfrm>
+            <a:off x="11042494" y="4671004"/>
+            <a:ext cx="1034931" cy="184666"/>
+          </a:xfrm>
+          <a:prstGeom prst="rect">
+            <a:avLst/>
+          </a:prstGeom>
+          <a:noFill/>
+          <a:ln>
+            <a:noFill/>
+          </a:ln>
+        </p:spPr>
+        <p:txBody>
+          <a:bodyPr wrap="square" lIns="0" tIns="0" rIns="0" bIns="0" rtlCol="0">
+            <a:spAutoFit/>
+          </a:bodyPr>
+          <a:lstStyle>
+            <a:defPPr>
+              <a:defRPr lang="en-US"/>
+            </a:defPPr>
+            <a:lvl1pPr algn="r">
+              <a:defRPr sz="1400">
+                <a:solidFill>
+                  <a:srgbClr val="0070C0"/>
+                </a:solidFill>
+              </a:defRPr>
+            </a:lvl1pPr>
+          </a:lstStyle>
+          <a:p>
+            <a:r>
+              <a:rPr lang="en-US" sz="1200" err="1">
+                <a:solidFill>
+                  <a:schemeClr val="tx1">
+                    <a:lumMod val="65000"/>
+                    <a:lumOff val="35000"/>
+                  </a:schemeClr>
+                </a:solidFill>
+              </a:rPr>
+              <a:t>getMapGrid</a:t>
+            </a:r>
+            <a:r>
+              <a:rPr lang="en-US" sz="1200">
+                <a:solidFill>
+                  <a:schemeClr val="tx1">
+                    <a:lumMod val="65000"/>
+                    <a:lumOff val="35000"/>
+                  </a:schemeClr>
+                </a:solidFill>
+              </a:rPr>
+              <a:t>()</a:t>
+            </a:r>
+          </a:p>
+        </p:txBody>
+      </p:sp>
+      <p:sp>
+        <p:nvSpPr>
+          <p:cNvPr id="114" name="TextBox 113">
+            <a:extLst>
+              <a:ext uri="{FF2B5EF4-FFF2-40B4-BE49-F238E27FC236}">
+                <a16:creationId xmlns:a16="http://schemas.microsoft.com/office/drawing/2014/main" id="{83D70EFD-DD1D-7840-A8AC-E757C8277B7A}"/>
+              </a:ext>
+            </a:extLst>
+          </p:cNvPr>
+          <p:cNvSpPr txBox="1"/>
+          <p:nvPr/>
+        </p:nvSpPr>
+        <p:spPr>
+          <a:xfrm>
+            <a:off x="10884554" y="4991905"/>
+            <a:ext cx="1175496" cy="184666"/>
+          </a:xfrm>
+          <a:prstGeom prst="rect">
+            <a:avLst/>
+          </a:prstGeom>
+          <a:noFill/>
+          <a:ln>
+            <a:noFill/>
+          </a:ln>
+        </p:spPr>
+        <p:txBody>
+          <a:bodyPr wrap="square" lIns="0" tIns="0" rIns="0" bIns="0" rtlCol="0">
+            <a:spAutoFit/>
+          </a:bodyPr>
+          <a:lstStyle>
+            <a:defPPr>
+              <a:defRPr lang="en-US"/>
+            </a:defPPr>
+            <a:lvl1pPr algn="r">
+              <a:defRPr sz="1400">
+                <a:solidFill>
+                  <a:srgbClr val="0070C0"/>
+                </a:solidFill>
+              </a:defRPr>
+            </a:lvl1pPr>
+          </a:lstStyle>
+          <a:p>
+            <a:r>
+              <a:rPr lang="en-US" sz="1200" err="1">
+                <a:solidFill>
+                  <a:schemeClr val="tx1">
+                    <a:lumMod val="65000"/>
+                    <a:lumOff val="35000"/>
+                  </a:schemeClr>
+                </a:solidFill>
+              </a:rPr>
+              <a:t>playerMapGrid</a:t>
+            </a:r>
+            <a:endParaRPr lang="en-US" sz="1100">
+              <a:solidFill>
+                <a:schemeClr val="tx1">
+                  <a:lumMod val="65000"/>
+                  <a:lumOff val="35000"/>
+                </a:schemeClr>
+              </a:solidFill>
+            </a:endParaRPr>
+          </a:p>
+        </p:txBody>
+      </p:sp>
+      <p:sp>
+        <p:nvSpPr>
+          <p:cNvPr id="125" name="Rectangle 62">
+            <a:extLst>
+              <a:ext uri="{FF2B5EF4-FFF2-40B4-BE49-F238E27FC236}">
+                <a16:creationId xmlns:a16="http://schemas.microsoft.com/office/drawing/2014/main" id="{0052FA36-EB73-944D-BA3B-5307FECE2B92}"/>
+              </a:ext>
+            </a:extLst>
+          </p:cNvPr>
+          <p:cNvSpPr/>
+          <p:nvPr/>
+        </p:nvSpPr>
+        <p:spPr>
+          <a:xfrm>
+            <a:off x="12791599" y="3839905"/>
+            <a:ext cx="1779662" cy="608671"/>
+          </a:xfrm>
+          <a:prstGeom prst="rect">
+            <a:avLst/>
+          </a:prstGeom>
+          <a:solidFill>
+            <a:srgbClr val="7030A0"/>
+          </a:solidFill>
+          <a:ln w="19050">
+            <a:solidFill>
+              <a:srgbClr val="7030A0"/>
+            </a:solidFill>
+          </a:ln>
+          <a:effectLst/>
+        </p:spPr>
+        <p:style>
+          <a:lnRef idx="1">
+            <a:schemeClr val="accent2"/>
+          </a:lnRef>
+          <a:fillRef idx="2">
+            <a:schemeClr val="accent2"/>
+          </a:fillRef>
+          <a:effectRef idx="1">
+            <a:schemeClr val="accent2"/>
+          </a:effectRef>
+          <a:fontRef idx="minor">
+            <a:schemeClr val="dk1"/>
+          </a:fontRef>
+        </p:style>
+        <p:txBody>
+          <a:bodyPr rtlCol="0" anchor="ctr"/>
+          <a:lstStyle/>
+          <a:p>
+            <a:pPr algn="ctr"/>
+            <a:r>
+              <a:rPr lang="en-US" sz="1600">
+                <a:solidFill>
+                  <a:schemeClr val="bg1"/>
+                </a:solidFill>
+              </a:rPr>
+              <a:t>:</a:t>
+            </a:r>
+            <a:r>
+              <a:rPr lang="en-US" sz="1600" err="1">
+                <a:solidFill>
+                  <a:schemeClr val="bg1"/>
+                </a:solidFill>
+              </a:rPr>
+              <a:t>BoundaryValue</a:t>
+            </a:r>
+            <a:endParaRPr lang="en-US" sz="1600">
+              <a:solidFill>
+                <a:schemeClr val="bg1"/>
+              </a:solidFill>
+            </a:endParaRPr>
+          </a:p>
+          <a:p>
+            <a:pPr algn="ctr"/>
+            <a:r>
+              <a:rPr lang="en-US" sz="1600">
+                <a:solidFill>
+                  <a:schemeClr val="bg1"/>
+                </a:solidFill>
+              </a:rPr>
+              <a:t>Checker</a:t>
+            </a:r>
+            <a:endParaRPr lang="en-SG" sz="1600">
+              <a:solidFill>
+                <a:schemeClr val="bg1"/>
+              </a:solidFill>
+            </a:endParaRPr>
+          </a:p>
+        </p:txBody>
+      </p:sp>
+      <p:cxnSp>
+        <p:nvCxnSpPr>
+          <p:cNvPr id="126" name="Straight Connector 125">
+            <a:extLst>
+              <a:ext uri="{FF2B5EF4-FFF2-40B4-BE49-F238E27FC236}">
+                <a16:creationId xmlns:a16="http://schemas.microsoft.com/office/drawing/2014/main" id="{2AEE2C3D-45B3-184E-BE18-04118DE90F96}"/>
+              </a:ext>
+            </a:extLst>
+          </p:cNvPr>
+          <p:cNvCxnSpPr>
+            <a:cxnSpLocks/>
+          </p:cNvCxnSpPr>
+          <p:nvPr/>
+        </p:nvCxnSpPr>
+        <p:spPr>
+          <a:xfrm>
+            <a:off x="13677429" y="4315216"/>
+            <a:ext cx="0" cy="6374951"/>
+          </a:xfrm>
+          <a:prstGeom prst="line">
+            <a:avLst/>
+          </a:prstGeom>
+          <a:ln w="19050">
+            <a:solidFill>
+              <a:srgbClr val="7030A0"/>
+            </a:solidFill>
+            <a:prstDash val="sysDash"/>
+          </a:ln>
+          <a:effectLst/>
+        </p:spPr>
+        <p:style>
+          <a:lnRef idx="1">
+            <a:schemeClr val="accent1"/>
+          </a:lnRef>
+          <a:fillRef idx="2">
+            <a:schemeClr val="accent1"/>
+          </a:fillRef>
+          <a:effectRef idx="1">
+            <a:schemeClr val="accent1"/>
+          </a:effectRef>
+          <a:fontRef idx="minor">
+            <a:schemeClr val="dk1"/>
+          </a:fontRef>
+        </p:style>
+      </p:cxnSp>
+      <p:sp>
+        <p:nvSpPr>
+          <p:cNvPr id="127" name="Rectangle 126">
+            <a:extLst>
+              <a:ext uri="{FF2B5EF4-FFF2-40B4-BE49-F238E27FC236}">
+                <a16:creationId xmlns:a16="http://schemas.microsoft.com/office/drawing/2014/main" id="{2243260F-8774-CA4F-8E4C-CECCED57EB89}"/>
+              </a:ext>
+            </a:extLst>
+          </p:cNvPr>
+          <p:cNvSpPr/>
+          <p:nvPr/>
+        </p:nvSpPr>
+        <p:spPr>
+          <a:xfrm>
+            <a:off x="13578975" y="6175015"/>
+            <a:ext cx="168896" cy="529439"/>
           </a:xfrm>
           <a:prstGeom prst="rect">
             <a:avLst/>
@@ -7166,12 +9232,56 @@
           </a:p>
         </p:txBody>
       </p:sp>
+      <p:cxnSp>
+        <p:nvCxnSpPr>
+          <p:cNvPr id="128" name="Straight Arrow Connector 127">
+            <a:extLst>
+              <a:ext uri="{FF2B5EF4-FFF2-40B4-BE49-F238E27FC236}">
+                <a16:creationId xmlns:a16="http://schemas.microsoft.com/office/drawing/2014/main" id="{D1137AEB-64B8-754D-8A0B-75112F89BB07}"/>
+              </a:ext>
+            </a:extLst>
+          </p:cNvPr>
+          <p:cNvCxnSpPr>
+            <a:cxnSpLocks/>
+          </p:cNvCxnSpPr>
+          <p:nvPr/>
+        </p:nvCxnSpPr>
+        <p:spPr>
+          <a:xfrm>
+            <a:off x="8137204" y="6185782"/>
+            <a:ext cx="5441772" cy="0"/>
+          </a:xfrm>
+          <a:prstGeom prst="straightConnector1">
+            <a:avLst/>
+          </a:prstGeom>
+          <a:ln w="19050">
+            <a:solidFill>
+              <a:srgbClr val="7030A0"/>
+            </a:solidFill>
+            <a:tailEnd type="arrow"/>
+          </a:ln>
+        </p:spPr>
+        <p:style>
+          <a:lnRef idx="1">
+            <a:schemeClr val="accent1"/>
+          </a:lnRef>
+          <a:fillRef idx="0">
+            <a:schemeClr val="accent1"/>
+          </a:fillRef>
+          <a:effectRef idx="0">
+            <a:schemeClr val="accent1"/>
+          </a:effectRef>
+          <a:fontRef idx="minor">
+            <a:schemeClr val="tx1"/>
+          </a:fontRef>
+        </p:style>
+      </p:cxnSp>
       <p:sp>
         <p:nvSpPr>
-          <p:cNvPr id="68" name="TextBox 67">
+          <p:cNvPr id="129" name="TextBox 128">
             <a:extLst>
               <a:ext uri="{FF2B5EF4-FFF2-40B4-BE49-F238E27FC236}">
-                <a16:creationId xmlns:a16="http://schemas.microsoft.com/office/drawing/2014/main" id="{30DD5FE9-12F7-3B4D-9DA7-5C75E842CE53}"/>
+                <a16:creationId xmlns:a16="http://schemas.microsoft.com/office/drawing/2014/main" id="{EB53C533-2CE1-7B44-B107-9E83FD5632F9}"/>
               </a:ext>
             </a:extLst>
           </p:cNvPr>
@@ -7180,8 +9290,8 @@
         </p:nvSpPr>
         <p:spPr>
           <a:xfrm>
-            <a:off x="12410686" y="4519212"/>
-            <a:ext cx="1475876" cy="184666"/>
+            <a:off x="13657919" y="5960842"/>
+            <a:ext cx="1157705" cy="184666"/>
           </a:xfrm>
           <a:prstGeom prst="rect">
             <a:avLst/>
@@ -7209,37 +9319,32 @@
           </a:lstStyle>
           <a:p>
             <a:r>
-              <a:rPr lang="en-US" sz="1200" dirty="0" err="1">
+              <a:rPr lang="en-US" sz="1200" err="1">
                 <a:solidFill>
                   <a:srgbClr val="7030A0"/>
                 </a:solidFill>
               </a:rPr>
-              <a:t>getCell</a:t>
-            </a:r>
-            <a:r>
-              <a:rPr lang="en-US" sz="1200" dirty="0">
+              <a:t>performChecks</a:t>
+            </a:r>
+            <a:r>
+              <a:rPr lang="en-US" sz="1200">
                 <a:solidFill>
-                  <a:srgbClr val="7030A0"/>
+                  <a:schemeClr val="accent4">
+                    <a:lumMod val="75000"/>
+                  </a:schemeClr>
                 </a:solidFill>
               </a:rPr>
-              <a:t>(coordinates)</a:t>
-            </a:r>
-            <a:endParaRPr lang="en-US" sz="1200" dirty="0">
-              <a:solidFill>
-                <a:schemeClr val="accent4">
-                  <a:lumMod val="75000"/>
-                </a:schemeClr>
-              </a:solidFill>
-            </a:endParaRPr>
+              <a:t>()</a:t>
+            </a:r>
           </a:p>
         </p:txBody>
       </p:sp>
       <p:cxnSp>
         <p:nvCxnSpPr>
-          <p:cNvPr id="74" name="Curved Connector 73">
+          <p:cNvPr id="130" name="Curved Connector 129">
             <a:extLst>
               <a:ext uri="{FF2B5EF4-FFF2-40B4-BE49-F238E27FC236}">
-                <a16:creationId xmlns:a16="http://schemas.microsoft.com/office/drawing/2014/main" id="{8EE03F7A-2058-6749-A748-E895D05F30BE}"/>
+                <a16:creationId xmlns:a16="http://schemas.microsoft.com/office/drawing/2014/main" id="{946C639C-F5BC-7E4B-A4ED-3FDA2D73A9D4}"/>
               </a:ext>
             </a:extLst>
           </p:cNvPr>
@@ -7250,12 +9355,12 @@
         </p:nvCxnSpPr>
         <p:spPr>
           <a:xfrm>
-            <a:off x="12305506" y="4733068"/>
-            <a:ext cx="167219" cy="83872"/>
+            <a:off x="13747675" y="6207010"/>
+            <a:ext cx="134988" cy="109955"/>
           </a:xfrm>
           <a:prstGeom prst="curvedConnector3">
             <a:avLst>
-              <a:gd name="adj1" fmla="val 293035"/>
+              <a:gd name="adj1" fmla="val 291588"/>
             </a:avLst>
           </a:prstGeom>
           <a:ln>
@@ -7282,65 +9387,63 @@
       </p:cxnSp>
       <p:sp>
         <p:nvSpPr>
-          <p:cNvPr id="61" name="TextBox 60">
+          <p:cNvPr id="131" name="Rectangle 130">
             <a:extLst>
               <a:ext uri="{FF2B5EF4-FFF2-40B4-BE49-F238E27FC236}">
-                <a16:creationId xmlns:a16="http://schemas.microsoft.com/office/drawing/2014/main" id="{A6AA3A69-FF3B-4544-9DE5-D79C590BA53D}"/>
+                <a16:creationId xmlns:a16="http://schemas.microsoft.com/office/drawing/2014/main" id="{E7488C15-06A6-0249-AE49-1C8B0973CEAB}"/>
               </a:ext>
             </a:extLst>
           </p:cNvPr>
-          <p:cNvSpPr txBox="1"/>
+          <p:cNvSpPr/>
           <p:nvPr/>
         </p:nvSpPr>
         <p:spPr>
           <a:xfrm>
-            <a:off x="294013" y="6533668"/>
-            <a:ext cx="9254858" cy="220916"/>
+            <a:off x="13744947" y="6318691"/>
+            <a:ext cx="141008" cy="222295"/>
           </a:xfrm>
           <a:prstGeom prst="rect">
             <a:avLst/>
           </a:prstGeom>
-          <a:noFill/>
+          <a:solidFill>
+            <a:srgbClr val="7030A0"/>
+          </a:solidFill>
+          <a:ln>
+            <a:solidFill>
+              <a:srgbClr val="7030A0"/>
+            </a:solidFill>
+          </a:ln>
+          <a:effectLst/>
         </p:spPr>
+        <p:style>
+          <a:lnRef idx="1">
+            <a:schemeClr val="accent3"/>
+          </a:lnRef>
+          <a:fillRef idx="2">
+            <a:schemeClr val="accent3"/>
+          </a:fillRef>
+          <a:effectRef idx="1">
+            <a:schemeClr val="accent3"/>
+          </a:effectRef>
+          <a:fontRef idx="minor">
+            <a:schemeClr val="dk1"/>
+          </a:fontRef>
+        </p:style>
         <p:txBody>
-          <a:bodyPr wrap="square" lIns="0" tIns="0" rIns="0" bIns="0" rtlCol="0">
-            <a:spAutoFit/>
-          </a:bodyPr>
+          <a:bodyPr rtlCol="0" anchor="ctr"/>
           <a:lstStyle/>
           <a:p>
-            <a:r>
-              <a:rPr lang="en-US" sz="1400" dirty="0">
-                <a:solidFill>
-                  <a:srgbClr val="0070C0"/>
-                </a:solidFill>
-              </a:rPr>
-              <a:t>&lt;</a:t>
-            </a:r>
-            <a:r>
-              <a:rPr lang="en-US" sz="1400" dirty="0" err="1">
-                <a:solidFill>
-                  <a:srgbClr val="0070C0"/>
-                </a:solidFill>
-              </a:rPr>
-              <a:t>args</a:t>
-            </a:r>
-            <a:r>
-              <a:rPr lang="en-US" sz="1400" dirty="0">
-                <a:solidFill>
-                  <a:srgbClr val="0070C0"/>
-                </a:solidFill>
-              </a:rPr>
-              <a:t>&gt; = n/destroyer c/a1 r/vertical t/tag</a:t>
-            </a:r>
+            <a:pPr algn="ctr"/>
+            <a:endParaRPr lang="en-SG" sz="1400"/>
           </a:p>
         </p:txBody>
       </p:sp>
       <p:cxnSp>
         <p:nvCxnSpPr>
-          <p:cNvPr id="88" name="Curved Connector 12">
+          <p:cNvPr id="132" name="Curved Connector 12">
             <a:extLst>
               <a:ext uri="{FF2B5EF4-FFF2-40B4-BE49-F238E27FC236}">
-                <a16:creationId xmlns:a16="http://schemas.microsoft.com/office/drawing/2014/main" id="{92348BEA-70E7-7E48-83EB-D9A4C68B91F9}"/>
+                <a16:creationId xmlns:a16="http://schemas.microsoft.com/office/drawing/2014/main" id="{2D68D060-E27A-A34B-AE84-C8DE578BC9EE}"/>
               </a:ext>
             </a:extLst>
           </p:cNvPr>
@@ -7351,7 +9454,7 @@
         </p:nvCxnSpPr>
         <p:spPr>
           <a:xfrm rot="10800000" flipV="1">
-            <a:off x="12338777" y="5029451"/>
+            <a:off x="13747877" y="6538639"/>
             <a:ext cx="127009" cy="108247"/>
           </a:xfrm>
           <a:prstGeom prst="curvedConnector3">
@@ -7382,6 +9485,653 @@
           </a:fontRef>
         </p:style>
       </p:cxnSp>
+      <p:cxnSp>
+        <p:nvCxnSpPr>
+          <p:cNvPr id="133" name="Straight Arrow Connector 132">
+            <a:extLst>
+              <a:ext uri="{FF2B5EF4-FFF2-40B4-BE49-F238E27FC236}">
+                <a16:creationId xmlns:a16="http://schemas.microsoft.com/office/drawing/2014/main" id="{3756951D-16F6-A741-B2B8-5ED367B10648}"/>
+              </a:ext>
+            </a:extLst>
+          </p:cNvPr>
+          <p:cNvCxnSpPr>
+            <a:cxnSpLocks/>
+          </p:cNvCxnSpPr>
+          <p:nvPr/>
+        </p:nvCxnSpPr>
+        <p:spPr>
+          <a:xfrm>
+            <a:off x="8142514" y="6693239"/>
+            <a:ext cx="5442270" cy="0"/>
+          </a:xfrm>
+          <a:prstGeom prst="straightConnector1">
+            <a:avLst/>
+          </a:prstGeom>
+          <a:ln w="19050">
+            <a:solidFill>
+              <a:srgbClr val="7030A0"/>
+            </a:solidFill>
+            <a:prstDash val="sysDash"/>
+            <a:headEnd type="arrow" w="med" len="med"/>
+            <a:tailEnd type="none" w="med" len="med"/>
+          </a:ln>
+        </p:spPr>
+        <p:style>
+          <a:lnRef idx="1">
+            <a:schemeClr val="accent1"/>
+          </a:lnRef>
+          <a:fillRef idx="0">
+            <a:schemeClr val="accent1"/>
+          </a:fillRef>
+          <a:effectRef idx="0">
+            <a:schemeClr val="accent1"/>
+          </a:effectRef>
+          <a:fontRef idx="minor">
+            <a:schemeClr val="tx1"/>
+          </a:fontRef>
+        </p:style>
+      </p:cxnSp>
+      <p:grpSp>
+        <p:nvGrpSpPr>
+          <p:cNvPr id="106" name="Group 105">
+            <a:extLst>
+              <a:ext uri="{FF2B5EF4-FFF2-40B4-BE49-F238E27FC236}">
+                <a16:creationId xmlns:a16="http://schemas.microsoft.com/office/drawing/2014/main" id="{912908E9-BED1-5246-B69F-ECC819CB3435}"/>
+              </a:ext>
+            </a:extLst>
+          </p:cNvPr>
+          <p:cNvGrpSpPr/>
+          <p:nvPr/>
+        </p:nvGrpSpPr>
+        <p:grpSpPr>
+          <a:xfrm>
+            <a:off x="10747748" y="7771076"/>
+            <a:ext cx="1220038" cy="600170"/>
+            <a:chOff x="10747748" y="4186692"/>
+            <a:chExt cx="1220038" cy="600170"/>
+          </a:xfrm>
+        </p:grpSpPr>
+        <p:cxnSp>
+          <p:nvCxnSpPr>
+            <p:cNvPr id="136" name="Curved Connector 135">
+              <a:extLst>
+                <a:ext uri="{FF2B5EF4-FFF2-40B4-BE49-F238E27FC236}">
+                  <a16:creationId xmlns:a16="http://schemas.microsoft.com/office/drawing/2014/main" id="{81427CCB-F929-F546-8126-E943C6324BE5}"/>
+                </a:ext>
+              </a:extLst>
+            </p:cNvPr>
+            <p:cNvCxnSpPr>
+              <a:cxnSpLocks/>
+            </p:cNvCxnSpPr>
+            <p:nvPr/>
+          </p:nvCxnSpPr>
+          <p:spPr>
+            <a:xfrm>
+              <a:off x="10750476" y="4392992"/>
+              <a:ext cx="134988" cy="109955"/>
+            </a:xfrm>
+            <a:prstGeom prst="curvedConnector3">
+              <a:avLst>
+                <a:gd name="adj1" fmla="val 291588"/>
+              </a:avLst>
+            </a:prstGeom>
+            <a:ln>
+              <a:solidFill>
+                <a:srgbClr val="7030A0"/>
+              </a:solidFill>
+              <a:tailEnd type="triangle"/>
+            </a:ln>
+          </p:spPr>
+          <p:style>
+            <a:lnRef idx="1">
+              <a:schemeClr val="accent1"/>
+            </a:lnRef>
+            <a:fillRef idx="0">
+              <a:schemeClr val="accent1"/>
+            </a:fillRef>
+            <a:effectRef idx="0">
+              <a:schemeClr val="accent1"/>
+            </a:effectRef>
+            <a:fontRef idx="minor">
+              <a:schemeClr val="tx1"/>
+            </a:fontRef>
+          </p:style>
+        </p:cxnSp>
+        <p:sp>
+          <p:nvSpPr>
+            <p:cNvPr id="137" name="Rectangle 136">
+              <a:extLst>
+                <a:ext uri="{FF2B5EF4-FFF2-40B4-BE49-F238E27FC236}">
+                  <a16:creationId xmlns:a16="http://schemas.microsoft.com/office/drawing/2014/main" id="{1141CCBC-E8C2-F044-92E1-C8DBCACCA949}"/>
+                </a:ext>
+              </a:extLst>
+            </p:cNvPr>
+            <p:cNvSpPr/>
+            <p:nvPr/>
+          </p:nvSpPr>
+          <p:spPr>
+            <a:xfrm>
+              <a:off x="10747748" y="4500994"/>
+              <a:ext cx="148050" cy="176924"/>
+            </a:xfrm>
+            <a:prstGeom prst="rect">
+              <a:avLst/>
+            </a:prstGeom>
+            <a:solidFill>
+              <a:srgbClr val="7030A0"/>
+            </a:solidFill>
+            <a:ln>
+              <a:solidFill>
+                <a:srgbClr val="7030A0"/>
+              </a:solidFill>
+            </a:ln>
+            <a:effectLst/>
+          </p:spPr>
+          <p:style>
+            <a:lnRef idx="1">
+              <a:schemeClr val="accent3"/>
+            </a:lnRef>
+            <a:fillRef idx="2">
+              <a:schemeClr val="accent3"/>
+            </a:fillRef>
+            <a:effectRef idx="1">
+              <a:schemeClr val="accent3"/>
+            </a:effectRef>
+            <a:fontRef idx="minor">
+              <a:schemeClr val="dk1"/>
+            </a:fontRef>
+          </p:style>
+          <p:txBody>
+            <a:bodyPr rtlCol="0" anchor="ctr"/>
+            <a:lstStyle/>
+            <a:p>
+              <a:pPr algn="ctr"/>
+              <a:endParaRPr lang="en-SG" sz="1400"/>
+            </a:p>
+          </p:txBody>
+        </p:sp>
+        <p:cxnSp>
+          <p:nvCxnSpPr>
+            <p:cNvPr id="138" name="Curved Connector 12">
+              <a:extLst>
+                <a:ext uri="{FF2B5EF4-FFF2-40B4-BE49-F238E27FC236}">
+                  <a16:creationId xmlns:a16="http://schemas.microsoft.com/office/drawing/2014/main" id="{3F6C7E5D-AC1F-DE4E-90C9-C82EDBAC54D4}"/>
+                </a:ext>
+              </a:extLst>
+            </p:cNvPr>
+            <p:cNvCxnSpPr>
+              <a:cxnSpLocks/>
+            </p:cNvCxnSpPr>
+            <p:nvPr/>
+          </p:nvCxnSpPr>
+          <p:spPr>
+            <a:xfrm rot="10800000" flipV="1">
+              <a:off x="10755491" y="4678615"/>
+              <a:ext cx="127009" cy="108247"/>
+            </a:xfrm>
+            <a:prstGeom prst="curvedConnector3">
+              <a:avLst>
+                <a:gd name="adj1" fmla="val -216834"/>
+              </a:avLst>
+            </a:prstGeom>
+            <a:ln>
+              <a:solidFill>
+                <a:srgbClr val="7030A0"/>
+              </a:solidFill>
+              <a:prstDash val="sysDash"/>
+              <a:tailEnd type="triangle"/>
+            </a:ln>
+          </p:spPr>
+          <p:style>
+            <a:lnRef idx="1">
+              <a:schemeClr val="accent1"/>
+            </a:lnRef>
+            <a:fillRef idx="0">
+              <a:schemeClr val="accent1"/>
+            </a:fillRef>
+            <a:effectRef idx="0">
+              <a:schemeClr val="accent1"/>
+            </a:effectRef>
+            <a:fontRef idx="minor">
+              <a:schemeClr val="tx1"/>
+            </a:fontRef>
+          </p:style>
+        </p:cxnSp>
+        <p:sp>
+          <p:nvSpPr>
+            <p:cNvPr id="139" name="TextBox 138">
+              <a:extLst>
+                <a:ext uri="{FF2B5EF4-FFF2-40B4-BE49-F238E27FC236}">
+                  <a16:creationId xmlns:a16="http://schemas.microsoft.com/office/drawing/2014/main" id="{7A58218F-A38C-3546-B5AD-6F257569221C}"/>
+                </a:ext>
+              </a:extLst>
+            </p:cNvPr>
+            <p:cNvSpPr txBox="1"/>
+            <p:nvPr/>
+          </p:nvSpPr>
+          <p:spPr>
+            <a:xfrm>
+              <a:off x="10810081" y="4186692"/>
+              <a:ext cx="1157705" cy="184666"/>
+            </a:xfrm>
+            <a:prstGeom prst="rect">
+              <a:avLst/>
+            </a:prstGeom>
+            <a:noFill/>
+            <a:ln>
+              <a:noFill/>
+            </a:ln>
+          </p:spPr>
+          <p:txBody>
+            <a:bodyPr wrap="square" lIns="0" tIns="0" rIns="0" bIns="0" rtlCol="0">
+              <a:spAutoFit/>
+            </a:bodyPr>
+            <a:lstStyle>
+              <a:defPPr>
+                <a:defRPr lang="en-US"/>
+              </a:defPPr>
+              <a:lvl1pPr algn="r">
+                <a:defRPr sz="1400">
+                  <a:solidFill>
+                    <a:srgbClr val="0070C0"/>
+                  </a:solidFill>
+                </a:defRPr>
+              </a:lvl1pPr>
+            </a:lstStyle>
+            <a:p>
+              <a:r>
+                <a:rPr lang="en-US" sz="1200" err="1">
+                  <a:solidFill>
+                    <a:srgbClr val="7030A0"/>
+                  </a:solidFill>
+                </a:rPr>
+                <a:t>deployBattleship</a:t>
+              </a:r>
+              <a:r>
+                <a:rPr lang="en-US" sz="1200">
+                  <a:solidFill>
+                    <a:srgbClr val="7030A0"/>
+                  </a:solidFill>
+                </a:rPr>
+                <a:t>()</a:t>
+              </a:r>
+              <a:endParaRPr lang="en-US" sz="1200">
+                <a:solidFill>
+                  <a:schemeClr val="accent4">
+                    <a:lumMod val="75000"/>
+                  </a:schemeClr>
+                </a:solidFill>
+              </a:endParaRPr>
+            </a:p>
+          </p:txBody>
+        </p:sp>
+      </p:grpSp>
+      <p:sp>
+        <p:nvSpPr>
+          <p:cNvPr id="140" name="Rectangle 139">
+            <a:extLst>
+              <a:ext uri="{FF2B5EF4-FFF2-40B4-BE49-F238E27FC236}">
+                <a16:creationId xmlns:a16="http://schemas.microsoft.com/office/drawing/2014/main" id="{A72C36BA-2675-E243-B18E-532FAF184C51}"/>
+              </a:ext>
+            </a:extLst>
+          </p:cNvPr>
+          <p:cNvSpPr/>
+          <p:nvPr/>
+        </p:nvSpPr>
+        <p:spPr>
+          <a:xfrm>
+            <a:off x="12188829" y="4893851"/>
+            <a:ext cx="129933" cy="299071"/>
+          </a:xfrm>
+          <a:prstGeom prst="rect">
+            <a:avLst/>
+          </a:prstGeom>
+          <a:solidFill>
+            <a:schemeClr val="tx1">
+              <a:lumMod val="65000"/>
+              <a:lumOff val="35000"/>
+            </a:schemeClr>
+          </a:solidFill>
+          <a:ln>
+            <a:solidFill>
+              <a:schemeClr val="tx1">
+                <a:lumMod val="65000"/>
+                <a:lumOff val="35000"/>
+              </a:schemeClr>
+            </a:solidFill>
+          </a:ln>
+          <a:effectLst/>
+        </p:spPr>
+        <p:style>
+          <a:lnRef idx="1">
+            <a:schemeClr val="accent3"/>
+          </a:lnRef>
+          <a:fillRef idx="2">
+            <a:schemeClr val="accent3"/>
+          </a:fillRef>
+          <a:effectRef idx="1">
+            <a:schemeClr val="accent3"/>
+          </a:effectRef>
+          <a:fontRef idx="minor">
+            <a:schemeClr val="dk1"/>
+          </a:fontRef>
+        </p:style>
+        <p:txBody>
+          <a:bodyPr rtlCol="0" anchor="ctr"/>
+          <a:lstStyle/>
+          <a:p>
+            <a:pPr algn="ctr"/>
+            <a:endParaRPr lang="en-SG" sz="1400"/>
+          </a:p>
+        </p:txBody>
+      </p:sp>
+      <p:sp>
+        <p:nvSpPr>
+          <p:cNvPr id="147" name="TextBox 146">
+            <a:extLst>
+              <a:ext uri="{FF2B5EF4-FFF2-40B4-BE49-F238E27FC236}">
+                <a16:creationId xmlns:a16="http://schemas.microsoft.com/office/drawing/2014/main" id="{7EF6BB41-CD95-364B-BE27-9B810B72FEA8}"/>
+              </a:ext>
+            </a:extLst>
+          </p:cNvPr>
+          <p:cNvSpPr txBox="1"/>
+          <p:nvPr/>
+        </p:nvSpPr>
+        <p:spPr>
+          <a:xfrm>
+            <a:off x="8847931" y="5970209"/>
+            <a:ext cx="2332116" cy="184666"/>
+          </a:xfrm>
+          <a:prstGeom prst="rect">
+            <a:avLst/>
+          </a:prstGeom>
+          <a:noFill/>
+          <a:ln>
+            <a:noFill/>
+          </a:ln>
+        </p:spPr>
+        <p:txBody>
+          <a:bodyPr wrap="square" lIns="0" tIns="0" rIns="0" bIns="0" rtlCol="0">
+            <a:spAutoFit/>
+          </a:bodyPr>
+          <a:lstStyle>
+            <a:defPPr>
+              <a:defRPr lang="en-US"/>
+            </a:defPPr>
+            <a:lvl1pPr algn="r">
+              <a:defRPr sz="1400">
+                <a:solidFill>
+                  <a:srgbClr val="0070C0"/>
+                </a:solidFill>
+              </a:defRPr>
+            </a:lvl1pPr>
+          </a:lstStyle>
+          <a:p>
+            <a:pPr algn="ctr"/>
+            <a:r>
+              <a:rPr lang="en-US" sz="1200">
+                <a:solidFill>
+                  <a:srgbClr val="7030A0"/>
+                </a:solidFill>
+              </a:rPr>
+              <a:t>new </a:t>
+            </a:r>
+            <a:r>
+              <a:rPr lang="en-US" sz="1200" err="1">
+                <a:solidFill>
+                  <a:srgbClr val="7030A0"/>
+                </a:solidFill>
+              </a:rPr>
+              <a:t>BoundaryValueChecker</a:t>
+            </a:r>
+            <a:r>
+              <a:rPr lang="en-US" sz="1200">
+                <a:solidFill>
+                  <a:srgbClr val="7030A0"/>
+                </a:solidFill>
+              </a:rPr>
+              <a:t>()</a:t>
+            </a:r>
+          </a:p>
+        </p:txBody>
+      </p:sp>
+      <p:sp>
+        <p:nvSpPr>
+          <p:cNvPr id="151" name="Rectangle 150">
+            <a:extLst>
+              <a:ext uri="{FF2B5EF4-FFF2-40B4-BE49-F238E27FC236}">
+                <a16:creationId xmlns:a16="http://schemas.microsoft.com/office/drawing/2014/main" id="{C8632732-82EF-774E-BB24-848032F335AC}"/>
+              </a:ext>
+            </a:extLst>
+          </p:cNvPr>
+          <p:cNvSpPr/>
+          <p:nvPr/>
+        </p:nvSpPr>
+        <p:spPr>
+          <a:xfrm>
+            <a:off x="10591282" y="7976394"/>
+            <a:ext cx="168896" cy="937324"/>
+          </a:xfrm>
+          <a:prstGeom prst="rect">
+            <a:avLst/>
+          </a:prstGeom>
+          <a:solidFill>
+            <a:srgbClr val="7030A0"/>
+          </a:solidFill>
+          <a:ln>
+            <a:solidFill>
+              <a:srgbClr val="7030A0"/>
+            </a:solidFill>
+          </a:ln>
+          <a:effectLst/>
+        </p:spPr>
+        <p:style>
+          <a:lnRef idx="1">
+            <a:schemeClr val="accent3"/>
+          </a:lnRef>
+          <a:fillRef idx="2">
+            <a:schemeClr val="accent3"/>
+          </a:fillRef>
+          <a:effectRef idx="1">
+            <a:schemeClr val="accent3"/>
+          </a:effectRef>
+          <a:fontRef idx="minor">
+            <a:schemeClr val="dk1"/>
+          </a:fontRef>
+        </p:style>
+        <p:txBody>
+          <a:bodyPr rtlCol="0" anchor="ctr"/>
+          <a:lstStyle/>
+          <a:p>
+            <a:pPr algn="ctr"/>
+            <a:endParaRPr lang="en-SG" sz="1400"/>
+          </a:p>
+        </p:txBody>
+      </p:sp>
+      <p:cxnSp>
+        <p:nvCxnSpPr>
+          <p:cNvPr id="167" name="Straight Arrow Connector 166">
+            <a:extLst>
+              <a:ext uri="{FF2B5EF4-FFF2-40B4-BE49-F238E27FC236}">
+                <a16:creationId xmlns:a16="http://schemas.microsoft.com/office/drawing/2014/main" id="{1A6F8B90-7EFD-C14A-B429-23B9763226FB}"/>
+              </a:ext>
+            </a:extLst>
+          </p:cNvPr>
+          <p:cNvCxnSpPr>
+            <a:cxnSpLocks/>
+          </p:cNvCxnSpPr>
+          <p:nvPr/>
+        </p:nvCxnSpPr>
+        <p:spPr>
+          <a:xfrm>
+            <a:off x="8136610" y="7973512"/>
+            <a:ext cx="2454673" cy="0"/>
+          </a:xfrm>
+          <a:prstGeom prst="straightConnector1">
+            <a:avLst/>
+          </a:prstGeom>
+          <a:ln w="19050">
+            <a:solidFill>
+              <a:srgbClr val="7030A0"/>
+            </a:solidFill>
+            <a:tailEnd type="arrow"/>
+          </a:ln>
+        </p:spPr>
+        <p:style>
+          <a:lnRef idx="1">
+            <a:schemeClr val="accent1"/>
+          </a:lnRef>
+          <a:fillRef idx="0">
+            <a:schemeClr val="accent1"/>
+          </a:fillRef>
+          <a:effectRef idx="0">
+            <a:schemeClr val="accent1"/>
+          </a:effectRef>
+          <a:fontRef idx="minor">
+            <a:schemeClr val="tx1"/>
+          </a:fontRef>
+        </p:style>
+      </p:cxnSp>
+      <p:cxnSp>
+        <p:nvCxnSpPr>
+          <p:cNvPr id="169" name="Straight Arrow Connector 168">
+            <a:extLst>
+              <a:ext uri="{FF2B5EF4-FFF2-40B4-BE49-F238E27FC236}">
+                <a16:creationId xmlns:a16="http://schemas.microsoft.com/office/drawing/2014/main" id="{6D875A2D-6937-0D43-A0DA-2779A5CAB692}"/>
+              </a:ext>
+            </a:extLst>
+          </p:cNvPr>
+          <p:cNvCxnSpPr>
+            <a:cxnSpLocks/>
+          </p:cNvCxnSpPr>
+          <p:nvPr/>
+        </p:nvCxnSpPr>
+        <p:spPr>
+          <a:xfrm>
+            <a:off x="8139641" y="8890794"/>
+            <a:ext cx="2457450" cy="0"/>
+          </a:xfrm>
+          <a:prstGeom prst="straightConnector1">
+            <a:avLst/>
+          </a:prstGeom>
+          <a:ln w="19050">
+            <a:solidFill>
+              <a:srgbClr val="7030A0"/>
+            </a:solidFill>
+            <a:prstDash val="sysDash"/>
+            <a:headEnd type="arrow" w="med" len="med"/>
+            <a:tailEnd type="none" w="med" len="med"/>
+          </a:ln>
+        </p:spPr>
+        <p:style>
+          <a:lnRef idx="1">
+            <a:schemeClr val="accent1"/>
+          </a:lnRef>
+          <a:fillRef idx="0">
+            <a:schemeClr val="accent1"/>
+          </a:fillRef>
+          <a:effectRef idx="0">
+            <a:schemeClr val="accent1"/>
+          </a:effectRef>
+          <a:fontRef idx="minor">
+            <a:schemeClr val="tx1"/>
+          </a:fontRef>
+        </p:style>
+      </p:cxnSp>
+      <p:sp>
+        <p:nvSpPr>
+          <p:cNvPr id="65" name="Rectangle 64"/>
+          <p:cNvSpPr/>
+          <p:nvPr/>
+        </p:nvSpPr>
+        <p:spPr>
+          <a:xfrm>
+            <a:off x="7965180" y="3824796"/>
+            <a:ext cx="169682" cy="6866295"/>
+          </a:xfrm>
+          <a:prstGeom prst="rect">
+            <a:avLst/>
+          </a:prstGeom>
+          <a:solidFill>
+            <a:srgbClr val="0070C0"/>
+          </a:solidFill>
+          <a:ln>
+            <a:solidFill>
+              <a:srgbClr val="0070C0"/>
+            </a:solidFill>
+          </a:ln>
+          <a:effectLst/>
+        </p:spPr>
+        <p:style>
+          <a:lnRef idx="1">
+            <a:schemeClr val="accent3"/>
+          </a:lnRef>
+          <a:fillRef idx="2">
+            <a:schemeClr val="accent3"/>
+          </a:fillRef>
+          <a:effectRef idx="1">
+            <a:schemeClr val="accent3"/>
+          </a:effectRef>
+          <a:fontRef idx="minor">
+            <a:schemeClr val="dk1"/>
+          </a:fontRef>
+        </p:style>
+        <p:txBody>
+          <a:bodyPr rtlCol="0" anchor="ctr"/>
+          <a:lstStyle/>
+          <a:p>
+            <a:pPr algn="ctr"/>
+            <a:endParaRPr lang="en-SG" sz="1400"/>
+          </a:p>
+        </p:txBody>
+      </p:sp>
+      <p:sp>
+        <p:nvSpPr>
+          <p:cNvPr id="49" name="Rectangle 48"/>
+          <p:cNvSpPr/>
+          <p:nvPr/>
+        </p:nvSpPr>
+        <p:spPr>
+          <a:xfrm>
+            <a:off x="10591282" y="4384747"/>
+            <a:ext cx="168896" cy="937324"/>
+          </a:xfrm>
+          <a:prstGeom prst="rect">
+            <a:avLst/>
+          </a:prstGeom>
+          <a:solidFill>
+            <a:srgbClr val="7030A0"/>
+          </a:solidFill>
+          <a:ln>
+            <a:solidFill>
+              <a:srgbClr val="7030A0"/>
+            </a:solidFill>
+          </a:ln>
+          <a:effectLst/>
+        </p:spPr>
+        <p:style>
+          <a:lnRef idx="1">
+            <a:schemeClr val="accent3"/>
+          </a:lnRef>
+          <a:fillRef idx="2">
+            <a:schemeClr val="accent3"/>
+          </a:fillRef>
+          <a:effectRef idx="1">
+            <a:schemeClr val="accent3"/>
+          </a:effectRef>
+          <a:fontRef idx="minor">
+            <a:schemeClr val="dk1"/>
+          </a:fontRef>
+        </p:style>
+        <p:txBody>
+          <a:bodyPr rtlCol="0" anchor="ctr"/>
+          <a:lstStyle/>
+          <a:p>
+            <a:pPr algn="ctr"/>
+            <a:endParaRPr lang="en-SG" sz="1400"/>
+          </a:p>
+        </p:txBody>
+      </p:sp>
     </p:spTree>
     <p:extLst>
       <p:ext uri="{BB962C8B-B14F-4D97-AF65-F5344CB8AC3E}">

--- a/docs/diagrams/PutShipSequenceDiagram.pptx
+++ b/docs/diagrams/PutShipSequenceDiagram.pptx
@@ -129,7 +129,7 @@
 <file path=ppt/revisionInfo.xml><?xml version="1.0" encoding="utf-8"?>
 <p1510:revInfo xmlns:a="http://schemas.openxmlformats.org/drawingml/2006/main" xmlns:r="http://schemas.openxmlformats.org/officeDocument/2006/relationships" xmlns:p1510="http://schemas.microsoft.com/office/powerpoint/2015/10/main">
   <p1510:revLst>
-    <p1510:client id="{E7B3513D-77CA-6A41-910B-0B9402F691A1}" v="63" dt="2019-04-10T12:22:01.953"/>
+    <p1510:client id="{E7B3513D-77CA-6A41-910B-0B9402F691A1}" v="66" dt="2019-04-12T13:47:04.176"/>
   </p1510:revLst>
 </p1510:revInfo>
 </file>
@@ -980,12 +980,12 @@
   <pc:docChgLst>
     <pc:chgData name="Ian Wu Ling En" userId="28715549-2f5c-46f8-b7f8-f39c35f3312d" providerId="ADAL" clId="{E7B3513D-77CA-6A41-910B-0B9402F691A1}"/>
     <pc:docChg chg="undo redo custSel modSld modMainMaster">
-      <pc:chgData name="Ian Wu Ling En" userId="28715549-2f5c-46f8-b7f8-f39c35f3312d" providerId="ADAL" clId="{E7B3513D-77CA-6A41-910B-0B9402F691A1}" dt="2019-04-10T12:22:38.415" v="732" actId="20577"/>
+      <pc:chgData name="Ian Wu Ling En" userId="28715549-2f5c-46f8-b7f8-f39c35f3312d" providerId="ADAL" clId="{E7B3513D-77CA-6A41-910B-0B9402F691A1}" dt="2019-04-12T13:47:53.764" v="746" actId="1076"/>
       <pc:docMkLst>
         <pc:docMk/>
       </pc:docMkLst>
       <pc:sldChg chg="addSp delSp modSp">
-        <pc:chgData name="Ian Wu Ling En" userId="28715549-2f5c-46f8-b7f8-f39c35f3312d" providerId="ADAL" clId="{E7B3513D-77CA-6A41-910B-0B9402F691A1}" dt="2019-04-10T12:22:38.415" v="732" actId="20577"/>
+        <pc:chgData name="Ian Wu Ling En" userId="28715549-2f5c-46f8-b7f8-f39c35f3312d" providerId="ADAL" clId="{E7B3513D-77CA-6A41-910B-0B9402F691A1}" dt="2019-04-12T13:47:53.764" v="746" actId="1076"/>
         <pc:sldMkLst>
           <pc:docMk/>
           <pc:sldMk cId="3945898909" sldId="267"/>
@@ -1087,15 +1087,15 @@
           </ac:spMkLst>
         </pc:spChg>
         <pc:spChg chg="mod">
-          <ac:chgData name="Ian Wu Ling En" userId="28715549-2f5c-46f8-b7f8-f39c35f3312d" providerId="ADAL" clId="{E7B3513D-77CA-6A41-910B-0B9402F691A1}" dt="2019-04-10T12:15:25.325" v="705" actId="1076"/>
+          <ac:chgData name="Ian Wu Ling En" userId="28715549-2f5c-46f8-b7f8-f39c35f3312d" providerId="ADAL" clId="{E7B3513D-77CA-6A41-910B-0B9402F691A1}" dt="2019-04-12T13:47:53.764" v="746" actId="1076"/>
           <ac:spMkLst>
             <pc:docMk/>
             <pc:sldMk cId="3945898909" sldId="267"/>
             <ac:spMk id="61" creationId="{A6AA3A69-FF3B-4544-9DE5-D79C590BA53D}"/>
           </ac:spMkLst>
         </pc:spChg>
-        <pc:spChg chg="mod">
-          <ac:chgData name="Ian Wu Ling En" userId="28715549-2f5c-46f8-b7f8-f39c35f3312d" providerId="ADAL" clId="{E7B3513D-77CA-6A41-910B-0B9402F691A1}" dt="2019-04-10T12:11:00.961" v="647" actId="14100"/>
+        <pc:spChg chg="del mod topLvl">
+          <ac:chgData name="Ian Wu Ling En" userId="28715549-2f5c-46f8-b7f8-f39c35f3312d" providerId="ADAL" clId="{E7B3513D-77CA-6A41-910B-0B9402F691A1}" dt="2019-04-12T13:47:10.680" v="738" actId="478"/>
           <ac:spMkLst>
             <pc:docMk/>
             <pc:sldMk cId="3945898909" sldId="267"/>
@@ -1110,8 +1110,8 @@
             <ac:spMk id="65" creationId="{00000000-0000-0000-0000-000000000000}"/>
           </ac:spMkLst>
         </pc:spChg>
-        <pc:spChg chg="mod">
-          <ac:chgData name="Ian Wu Ling En" userId="28715549-2f5c-46f8-b7f8-f39c35f3312d" providerId="ADAL" clId="{E7B3513D-77CA-6A41-910B-0B9402F691A1}" dt="2019-04-10T12:07:05.665" v="612" actId="164"/>
+        <pc:spChg chg="mod topLvl">
+          <ac:chgData name="Ian Wu Ling En" userId="28715549-2f5c-46f8-b7f8-f39c35f3312d" providerId="ADAL" clId="{E7B3513D-77CA-6A41-910B-0B9402F691A1}" dt="2019-04-12T13:47:08.608" v="736" actId="1076"/>
           <ac:spMkLst>
             <pc:docMk/>
             <pc:sldMk cId="3945898909" sldId="267"/>
@@ -1191,6 +1191,14 @@
           </ac:spMkLst>
         </pc:spChg>
         <pc:spChg chg="add mod">
+          <ac:chgData name="Ian Wu Ling En" userId="28715549-2f5c-46f8-b7f8-f39c35f3312d" providerId="ADAL" clId="{E7B3513D-77CA-6A41-910B-0B9402F691A1}" dt="2019-04-12T13:46:58.872" v="734" actId="571"/>
+          <ac:spMkLst>
+            <pc:docMk/>
+            <pc:sldMk cId="3945898909" sldId="267"/>
+            <ac:spMk id="95" creationId="{01BDAA4D-0C2E-BE47-B795-5DF296B37B00}"/>
+          </ac:spMkLst>
+        </pc:spChg>
+        <pc:spChg chg="add mod">
           <ac:chgData name="Ian Wu Ling En" userId="28715549-2f5c-46f8-b7f8-f39c35f3312d" providerId="ADAL" clId="{E7B3513D-77CA-6A41-910B-0B9402F691A1}" dt="2019-04-10T12:17:52.801" v="710" actId="20577"/>
           <ac:spMkLst>
             <pc:docMk/>
@@ -1391,7 +1399,7 @@
           </ac:spMkLst>
         </pc:spChg>
         <pc:spChg chg="add mod">
-          <ac:chgData name="Ian Wu Ling En" userId="28715549-2f5c-46f8-b7f8-f39c35f3312d" providerId="ADAL" clId="{E7B3513D-77CA-6A41-910B-0B9402F691A1}" dt="2019-04-10T12:14:41.409" v="703" actId="14100"/>
+          <ac:chgData name="Ian Wu Ling En" userId="28715549-2f5c-46f8-b7f8-f39c35f3312d" providerId="ADAL" clId="{E7B3513D-77CA-6A41-910B-0B9402F691A1}" dt="2019-04-12T13:47:34.480" v="741" actId="14100"/>
           <ac:spMkLst>
             <pc:docMk/>
             <pc:sldMk cId="3945898909" sldId="267"/>
@@ -1399,7 +1407,7 @@
           </ac:spMkLst>
         </pc:spChg>
         <pc:spChg chg="add mod">
-          <ac:chgData name="Ian Wu Ling En" userId="28715549-2f5c-46f8-b7f8-f39c35f3312d" providerId="ADAL" clId="{E7B3513D-77CA-6A41-910B-0B9402F691A1}" dt="2019-04-10T12:14:38.118" v="702" actId="14100"/>
+          <ac:chgData name="Ian Wu Ling En" userId="28715549-2f5c-46f8-b7f8-f39c35f3312d" providerId="ADAL" clId="{E7B3513D-77CA-6A41-910B-0B9402F691A1}" dt="2019-04-12T13:47:34.480" v="741" actId="14100"/>
           <ac:spMkLst>
             <pc:docMk/>
             <pc:sldMk cId="3945898909" sldId="267"/>
@@ -1414,8 +1422,8 @@
             <ac:spMk id="186" creationId="{ED894C81-4B95-4AAC-AEB1-37FB58E82CB3}"/>
           </ac:spMkLst>
         </pc:spChg>
-        <pc:spChg chg="mod">
-          <ac:chgData name="Ian Wu Ling En" userId="28715549-2f5c-46f8-b7f8-f39c35f3312d" providerId="ADAL" clId="{E7B3513D-77CA-6A41-910B-0B9402F691A1}" dt="2019-04-10T12:22:20.263" v="730" actId="14100"/>
+        <pc:spChg chg="mod topLvl">
+          <ac:chgData name="Ian Wu Ling En" userId="28715549-2f5c-46f8-b7f8-f39c35f3312d" providerId="ADAL" clId="{E7B3513D-77CA-6A41-910B-0B9402F691A1}" dt="2019-04-12T13:47:04.176" v="735" actId="165"/>
           <ac:spMkLst>
             <pc:docMk/>
             <pc:sldMk cId="3945898909" sldId="267"/>
@@ -1454,8 +1462,8 @@
             <ac:grpSpMk id="106" creationId="{912908E9-BED1-5246-B69F-ECC819CB3435}"/>
           </ac:grpSpMkLst>
         </pc:grpChg>
-        <pc:grpChg chg="add mod">
-          <ac:chgData name="Ian Wu Ling En" userId="28715549-2f5c-46f8-b7f8-f39c35f3312d" providerId="ADAL" clId="{E7B3513D-77CA-6A41-910B-0B9402F691A1}" dt="2019-04-10T12:07:34.180" v="620" actId="1076"/>
+        <pc:grpChg chg="add del mod">
+          <ac:chgData name="Ian Wu Ling En" userId="28715549-2f5c-46f8-b7f8-f39c35f3312d" providerId="ADAL" clId="{E7B3513D-77CA-6A41-910B-0B9402F691A1}" dt="2019-04-12T13:47:04.176" v="735" actId="165"/>
           <ac:grpSpMkLst>
             <pc:docMk/>
             <pc:sldMk cId="3945898909" sldId="267"/>
@@ -1559,7 +1567,7 @@
           </ac:cxnSpMkLst>
         </pc:cxnChg>
         <pc:cxnChg chg="mod">
-          <ac:chgData name="Ian Wu Ling En" userId="28715549-2f5c-46f8-b7f8-f39c35f3312d" providerId="ADAL" clId="{E7B3513D-77CA-6A41-910B-0B9402F691A1}" dt="2019-04-10T12:13:45.435" v="689" actId="14100"/>
+          <ac:chgData name="Ian Wu Ling En" userId="28715549-2f5c-46f8-b7f8-f39c35f3312d" providerId="ADAL" clId="{E7B3513D-77CA-6A41-910B-0B9402F691A1}" dt="2019-04-12T13:47:38.032" v="742" actId="14100"/>
           <ac:cxnSpMkLst>
             <pc:docMk/>
             <pc:sldMk cId="3945898909" sldId="267"/>
@@ -1606,8 +1614,8 @@
             <ac:cxnSpMk id="70" creationId="{51A78A03-963D-41D5-A96D-D610AC186B7D}"/>
           </ac:cxnSpMkLst>
         </pc:cxnChg>
-        <pc:cxnChg chg="mod">
-          <ac:chgData name="Ian Wu Ling En" userId="28715549-2f5c-46f8-b7f8-f39c35f3312d" providerId="ADAL" clId="{E7B3513D-77CA-6A41-910B-0B9402F691A1}" dt="2019-04-10T12:07:05.665" v="612" actId="164"/>
+        <pc:cxnChg chg="del mod topLvl">
+          <ac:chgData name="Ian Wu Ling En" userId="28715549-2f5c-46f8-b7f8-f39c35f3312d" providerId="ADAL" clId="{E7B3513D-77CA-6A41-910B-0B9402F691A1}" dt="2019-04-12T13:47:10.026" v="737" actId="478"/>
           <ac:cxnSpMkLst>
             <pc:docMk/>
             <pc:sldMk cId="3945898909" sldId="267"/>
@@ -1654,8 +1662,8 @@
             <ac:cxnSpMk id="87" creationId="{25C585B1-9B63-40DC-A033-F1940D483812}"/>
           </ac:cxnSpMkLst>
         </pc:cxnChg>
-        <pc:cxnChg chg="add mod">
-          <ac:chgData name="Ian Wu Ling En" userId="28715549-2f5c-46f8-b7f8-f39c35f3312d" providerId="ADAL" clId="{E7B3513D-77CA-6A41-910B-0B9402F691A1}" dt="2019-04-10T12:07:05.665" v="612" actId="164"/>
+        <pc:cxnChg chg="add del mod topLvl">
+          <ac:chgData name="Ian Wu Ling En" userId="28715549-2f5c-46f8-b7f8-f39c35f3312d" providerId="ADAL" clId="{E7B3513D-77CA-6A41-910B-0B9402F691A1}" dt="2019-04-12T13:47:11.447" v="739" actId="478"/>
           <ac:cxnSpMkLst>
             <pc:docMk/>
             <pc:sldMk cId="3945898909" sldId="267"/>
@@ -1703,7 +1711,7 @@
           </ac:cxnSpMkLst>
         </pc:cxnChg>
         <pc:cxnChg chg="add mod">
-          <ac:chgData name="Ian Wu Ling En" userId="28715549-2f5c-46f8-b7f8-f39c35f3312d" providerId="ADAL" clId="{E7B3513D-77CA-6A41-910B-0B9402F691A1}" dt="2019-04-10T12:13:48.585" v="690" actId="14100"/>
+          <ac:chgData name="Ian Wu Ling En" userId="28715549-2f5c-46f8-b7f8-f39c35f3312d" providerId="ADAL" clId="{E7B3513D-77CA-6A41-910B-0B9402F691A1}" dt="2019-04-12T13:47:41.270" v="743" actId="14100"/>
           <ac:cxnSpMkLst>
             <pc:docMk/>
             <pc:sldMk cId="3945898909" sldId="267"/>
@@ -1751,7 +1759,7 @@
           </ac:cxnSpMkLst>
         </pc:cxnChg>
         <pc:cxnChg chg="add mod">
-          <ac:chgData name="Ian Wu Ling En" userId="28715549-2f5c-46f8-b7f8-f39c35f3312d" providerId="ADAL" clId="{E7B3513D-77CA-6A41-910B-0B9402F691A1}" dt="2019-04-10T12:21:19.083" v="723" actId="14100"/>
+          <ac:chgData name="Ian Wu Ling En" userId="28715549-2f5c-46f8-b7f8-f39c35f3312d" providerId="ADAL" clId="{E7B3513D-77CA-6A41-910B-0B9402F691A1}" dt="2019-04-12T13:47:44.527" v="744" actId="14100"/>
           <ac:cxnSpMkLst>
             <pc:docMk/>
             <pc:sldMk cId="3945898909" sldId="267"/>
@@ -1839,7 +1847,7 @@
           </ac:cxnSpMkLst>
         </pc:cxnChg>
         <pc:cxnChg chg="mod">
-          <ac:chgData name="Ian Wu Ling En" userId="28715549-2f5c-46f8-b7f8-f39c35f3312d" providerId="ADAL" clId="{E7B3513D-77CA-6A41-910B-0B9402F691A1}" dt="2019-04-10T12:13:53.851" v="692" actId="14100"/>
+          <ac:chgData name="Ian Wu Ling En" userId="28715549-2f5c-46f8-b7f8-f39c35f3312d" providerId="ADAL" clId="{E7B3513D-77CA-6A41-910B-0B9402F691A1}" dt="2019-04-12T13:47:48.472" v="745" actId="14100"/>
           <ac:cxnSpMkLst>
             <pc:docMk/>
             <pc:sldMk cId="3945898909" sldId="267"/>
@@ -2239,7 +2247,7 @@
           <a:p>
             <a:fld id="{F5CC4B3F-88C1-4FFA-B1B6-F41C21DC6924}" type="datetimeFigureOut">
               <a:rPr lang="en-US" smtClean="0"/>
-              <a:t>4/10/19</a:t>
+              <a:t>4/12/19</a:t>
             </a:fld>
             <a:endParaRPr lang="en-US"/>
           </a:p>
@@ -2774,7 +2782,7 @@
           <a:p>
             <a:fld id="{78C97017-6FC3-485B-9764-EAC9E56C1D49}" type="datetimeFigureOut">
               <a:rPr lang="en-US" smtClean="0"/>
-              <a:t>4/10/19</a:t>
+              <a:t>4/12/19</a:t>
             </a:fld>
             <a:endParaRPr lang="en-US"/>
           </a:p>
@@ -2942,7 +2950,7 @@
           <a:p>
             <a:fld id="{78C97017-6FC3-485B-9764-EAC9E56C1D49}" type="datetimeFigureOut">
               <a:rPr lang="en-US" smtClean="0"/>
-              <a:t>4/10/19</a:t>
+              <a:t>4/12/19</a:t>
             </a:fld>
             <a:endParaRPr lang="en-US"/>
           </a:p>
@@ -3120,7 +3128,7 @@
           <a:p>
             <a:fld id="{78C97017-6FC3-485B-9764-EAC9E56C1D49}" type="datetimeFigureOut">
               <a:rPr lang="en-US" smtClean="0"/>
-              <a:t>4/10/19</a:t>
+              <a:t>4/12/19</a:t>
             </a:fld>
             <a:endParaRPr lang="en-US"/>
           </a:p>
@@ -3288,7 +3296,7 @@
           <a:p>
             <a:fld id="{78C97017-6FC3-485B-9764-EAC9E56C1D49}" type="datetimeFigureOut">
               <a:rPr lang="en-US" smtClean="0"/>
-              <a:t>4/10/19</a:t>
+              <a:t>4/12/19</a:t>
             </a:fld>
             <a:endParaRPr lang="en-US"/>
           </a:p>
@@ -3533,7 +3541,7 @@
           <a:p>
             <a:fld id="{78C97017-6FC3-485B-9764-EAC9E56C1D49}" type="datetimeFigureOut">
               <a:rPr lang="en-US" smtClean="0"/>
-              <a:t>4/10/19</a:t>
+              <a:t>4/12/19</a:t>
             </a:fld>
             <a:endParaRPr lang="en-US"/>
           </a:p>
@@ -3818,7 +3826,7 @@
           <a:p>
             <a:fld id="{78C97017-6FC3-485B-9764-EAC9E56C1D49}" type="datetimeFigureOut">
               <a:rPr lang="en-US" smtClean="0"/>
-              <a:t>4/10/19</a:t>
+              <a:t>4/12/19</a:t>
             </a:fld>
             <a:endParaRPr lang="en-US"/>
           </a:p>
@@ -4237,7 +4245,7 @@
           <a:p>
             <a:fld id="{78C97017-6FC3-485B-9764-EAC9E56C1D49}" type="datetimeFigureOut">
               <a:rPr lang="en-US" smtClean="0"/>
-              <a:t>4/10/19</a:t>
+              <a:t>4/12/19</a:t>
             </a:fld>
             <a:endParaRPr lang="en-US"/>
           </a:p>
@@ -4354,7 +4362,7 @@
           <a:p>
             <a:fld id="{78C97017-6FC3-485B-9764-EAC9E56C1D49}" type="datetimeFigureOut">
               <a:rPr lang="en-US" smtClean="0"/>
-              <a:t>4/10/19</a:t>
+              <a:t>4/12/19</a:t>
             </a:fld>
             <a:endParaRPr lang="en-US"/>
           </a:p>
@@ -4449,7 +4457,7 @@
           <a:p>
             <a:fld id="{78C97017-6FC3-485B-9764-EAC9E56C1D49}" type="datetimeFigureOut">
               <a:rPr lang="en-US" smtClean="0"/>
-              <a:t>4/10/19</a:t>
+              <a:t>4/12/19</a:t>
             </a:fld>
             <a:endParaRPr lang="en-US"/>
           </a:p>
@@ -4724,7 +4732,7 @@
           <a:p>
             <a:fld id="{78C97017-6FC3-485B-9764-EAC9E56C1D49}" type="datetimeFigureOut">
               <a:rPr lang="en-US" smtClean="0"/>
-              <a:t>4/10/19</a:t>
+              <a:t>4/12/19</a:t>
             </a:fld>
             <a:endParaRPr lang="en-US"/>
           </a:p>
@@ -4976,7 +4984,7 @@
           <a:p>
             <a:fld id="{78C97017-6FC3-485B-9764-EAC9E56C1D49}" type="datetimeFigureOut">
               <a:rPr lang="en-US" smtClean="0"/>
-              <a:t>4/10/19</a:t>
+              <a:t>4/12/19</a:t>
             </a:fld>
             <a:endParaRPr lang="en-US"/>
           </a:p>
@@ -5187,7 +5195,7 @@
           <a:p>
             <a:fld id="{78C97017-6FC3-485B-9764-EAC9E56C1D49}" type="datetimeFigureOut">
               <a:rPr lang="en-US" smtClean="0"/>
-              <a:t>4/10/19</a:t>
+              <a:t>4/12/19</a:t>
             </a:fld>
             <a:endParaRPr lang="en-US"/>
           </a:p>
@@ -5576,8 +5584,8 @@
         </p:nvSpPr>
         <p:spPr>
           <a:xfrm>
-            <a:off x="9699812" y="283029"/>
-            <a:ext cx="7075272" cy="11473542"/>
+            <a:off x="9699812" y="296676"/>
+            <a:ext cx="7075272" cy="10908136"/>
           </a:xfrm>
           <a:prstGeom prst="roundRect">
             <a:avLst>
@@ -5644,7 +5652,7 @@
         <p:spPr>
           <a:xfrm>
             <a:off x="243124" y="261257"/>
-            <a:ext cx="9336305" cy="11473543"/>
+            <a:ext cx="9336305" cy="10908137"/>
           </a:xfrm>
           <a:prstGeom prst="roundRect">
             <a:avLst>
@@ -6482,7 +6490,7 @@
         <p:spPr>
           <a:xfrm>
             <a:off x="10689736" y="3177915"/>
-            <a:ext cx="0" cy="7512252"/>
+            <a:ext cx="0" cy="7985954"/>
           </a:xfrm>
           <a:prstGeom prst="line">
             <a:avLst/>
@@ -7444,7 +7452,7 @@
         <p:spPr>
           <a:xfrm>
             <a:off x="15148010" y="5120410"/>
-            <a:ext cx="0" cy="5586383"/>
+            <a:ext cx="0" cy="6043459"/>
           </a:xfrm>
           <a:prstGeom prst="line">
             <a:avLst/>
@@ -7929,7 +7937,7 @@
         </p:nvSpPr>
         <p:spPr>
           <a:xfrm>
-            <a:off x="350104" y="11948725"/>
+            <a:off x="350104" y="11361872"/>
             <a:ext cx="9254858" cy="430887"/>
           </a:xfrm>
           <a:prstGeom prst="rect">
@@ -8001,288 +8009,119 @@
           </a:p>
         </p:txBody>
       </p:sp>
-      <p:grpSp>
-        <p:nvGrpSpPr>
-          <p:cNvPr id="135" name="Group 134">
+      <p:sp>
+        <p:nvSpPr>
+          <p:cNvPr id="187" name="Rectangle 186">
             <a:extLst>
               <a:ext uri="{FF2B5EF4-FFF2-40B4-BE49-F238E27FC236}">
-                <a16:creationId xmlns:a16="http://schemas.microsoft.com/office/drawing/2014/main" id="{1AECB110-556A-A947-93C9-A44F191844AC}"/>
+                <a16:creationId xmlns:a16="http://schemas.microsoft.com/office/drawing/2014/main" id="{09B0E711-DA47-4651-8AB4-F1BD8D990B22}"/>
               </a:ext>
             </a:extLst>
           </p:cNvPr>
-          <p:cNvGrpSpPr/>
+          <p:cNvSpPr/>
           <p:nvPr/>
-        </p:nvGrpSpPr>
-        <p:grpSpPr>
+        </p:nvSpPr>
+        <p:spPr>
           <a:xfrm>
-            <a:off x="15062479" y="6908592"/>
-            <a:ext cx="1942503" cy="636744"/>
-            <a:chOff x="15062479" y="6320116"/>
-            <a:chExt cx="1942503" cy="636744"/>
+            <a:off x="15062479" y="7063992"/>
+            <a:ext cx="145369" cy="481344"/>
           </a:xfrm>
-        </p:grpSpPr>
-        <p:sp>
-          <p:nvSpPr>
-            <p:cNvPr id="187" name="Rectangle 186">
-              <a:extLst>
-                <a:ext uri="{FF2B5EF4-FFF2-40B4-BE49-F238E27FC236}">
-                  <a16:creationId xmlns:a16="http://schemas.microsoft.com/office/drawing/2014/main" id="{09B0E711-DA47-4651-8AB4-F1BD8D990B22}"/>
-                </a:ext>
-              </a:extLst>
-            </p:cNvPr>
-            <p:cNvSpPr/>
-            <p:nvPr/>
-          </p:nvSpPr>
-          <p:spPr>
-            <a:xfrm>
-              <a:off x="15062479" y="6475516"/>
-              <a:ext cx="145369" cy="481344"/>
-            </a:xfrm>
-            <a:prstGeom prst="rect">
-              <a:avLst/>
-            </a:prstGeom>
-            <a:solidFill>
-              <a:srgbClr val="FF669A"/>
-            </a:solidFill>
-            <a:ln>
-              <a:noFill/>
-            </a:ln>
-            <a:effectLst/>
-          </p:spPr>
-          <p:style>
-            <a:lnRef idx="1">
-              <a:schemeClr val="accent3"/>
-            </a:lnRef>
-            <a:fillRef idx="2">
-              <a:schemeClr val="accent3"/>
-            </a:fillRef>
-            <a:effectRef idx="1">
-              <a:schemeClr val="accent3"/>
-            </a:effectRef>
-            <a:fontRef idx="minor">
-              <a:schemeClr val="dk1"/>
-            </a:fontRef>
-          </p:style>
-          <p:txBody>
-            <a:bodyPr rtlCol="0" anchor="ctr"/>
-            <a:lstStyle/>
-            <a:p>
-              <a:pPr algn="ctr"/>
-              <a:endParaRPr lang="en-SG" sz="1400"/>
-            </a:p>
-          </p:txBody>
-        </p:sp>
-        <p:sp>
-          <p:nvSpPr>
-            <p:cNvPr id="64" name="Rectangle 63">
-              <a:extLst>
-                <a:ext uri="{FF2B5EF4-FFF2-40B4-BE49-F238E27FC236}">
-                  <a16:creationId xmlns:a16="http://schemas.microsoft.com/office/drawing/2014/main" id="{8FD74532-ECA6-FD4B-B1AA-7BDC9A36980E}"/>
-                </a:ext>
-              </a:extLst>
-            </p:cNvPr>
-            <p:cNvSpPr/>
-            <p:nvPr/>
-          </p:nvSpPr>
-          <p:spPr>
-            <a:xfrm>
-              <a:off x="15207864" y="6616555"/>
-              <a:ext cx="138373" cy="223074"/>
-            </a:xfrm>
-            <a:prstGeom prst="rect">
-              <a:avLst/>
-            </a:prstGeom>
-            <a:solidFill>
-              <a:srgbClr val="FF669A"/>
-            </a:solidFill>
-            <a:ln>
-              <a:noFill/>
-            </a:ln>
-            <a:effectLst/>
-          </p:spPr>
-          <p:style>
-            <a:lnRef idx="1">
-              <a:schemeClr val="accent3"/>
-            </a:lnRef>
-            <a:fillRef idx="2">
-              <a:schemeClr val="accent3"/>
-            </a:fillRef>
-            <a:effectRef idx="1">
-              <a:schemeClr val="accent3"/>
-            </a:effectRef>
-            <a:fontRef idx="minor">
-              <a:schemeClr val="dk1"/>
-            </a:fontRef>
-          </p:style>
-          <p:txBody>
-            <a:bodyPr rtlCol="0" anchor="ctr"/>
-            <a:lstStyle/>
-            <a:p>
-              <a:pPr algn="ctr"/>
-              <a:endParaRPr lang="en-SG" sz="1400">
+          <a:prstGeom prst="rect">
+            <a:avLst/>
+          </a:prstGeom>
+          <a:solidFill>
+            <a:srgbClr val="FF669A"/>
+          </a:solidFill>
+          <a:ln>
+            <a:noFill/>
+          </a:ln>
+          <a:effectLst/>
+        </p:spPr>
+        <p:style>
+          <a:lnRef idx="1">
+            <a:schemeClr val="accent3"/>
+          </a:lnRef>
+          <a:fillRef idx="2">
+            <a:schemeClr val="accent3"/>
+          </a:fillRef>
+          <a:effectRef idx="1">
+            <a:schemeClr val="accent3"/>
+          </a:effectRef>
+          <a:fontRef idx="minor">
+            <a:schemeClr val="dk1"/>
+          </a:fontRef>
+        </p:style>
+        <p:txBody>
+          <a:bodyPr rtlCol="0" anchor="ctr"/>
+          <a:lstStyle/>
+          <a:p>
+            <a:pPr algn="ctr"/>
+            <a:endParaRPr lang="en-SG" sz="1400"/>
+          </a:p>
+        </p:txBody>
+      </p:sp>
+      <p:sp>
+        <p:nvSpPr>
+          <p:cNvPr id="68" name="TextBox 67">
+            <a:extLst>
+              <a:ext uri="{FF2B5EF4-FFF2-40B4-BE49-F238E27FC236}">
+                <a16:creationId xmlns:a16="http://schemas.microsoft.com/office/drawing/2014/main" id="{30DD5FE9-12F7-3B4D-9DA7-5C75E842CE53}"/>
+              </a:ext>
+            </a:extLst>
+          </p:cNvPr>
+          <p:cNvSpPr txBox="1"/>
+          <p:nvPr/>
+        </p:nvSpPr>
+        <p:spPr>
+          <a:xfrm>
+            <a:off x="9185906" y="6872592"/>
+            <a:ext cx="1475876" cy="184666"/>
+          </a:xfrm>
+          <a:prstGeom prst="rect">
+            <a:avLst/>
+          </a:prstGeom>
+          <a:noFill/>
+          <a:ln>
+            <a:noFill/>
+          </a:ln>
+        </p:spPr>
+        <p:txBody>
+          <a:bodyPr wrap="square" lIns="0" tIns="0" rIns="0" bIns="0" rtlCol="0">
+            <a:spAutoFit/>
+          </a:bodyPr>
+          <a:lstStyle>
+            <a:defPPr>
+              <a:defRPr lang="en-US"/>
+            </a:defPPr>
+            <a:lvl1pPr algn="r">
+              <a:defRPr sz="1400">
+                <a:solidFill>
+                  <a:srgbClr val="0070C0"/>
+                </a:solidFill>
+              </a:defRPr>
+            </a:lvl1pPr>
+          </a:lstStyle>
+          <a:p>
+            <a:pPr algn="l"/>
+            <a:r>
+              <a:rPr lang="en-US" sz="1200" err="1">
                 <a:solidFill>
                   <a:srgbClr val="FF669A"/>
                 </a:solidFill>
-              </a:endParaRPr>
-            </a:p>
-          </p:txBody>
-        </p:sp>
-        <p:sp>
-          <p:nvSpPr>
-            <p:cNvPr id="68" name="TextBox 67">
-              <a:extLst>
-                <a:ext uri="{FF2B5EF4-FFF2-40B4-BE49-F238E27FC236}">
-                  <a16:creationId xmlns:a16="http://schemas.microsoft.com/office/drawing/2014/main" id="{30DD5FE9-12F7-3B4D-9DA7-5C75E842CE53}"/>
-                </a:ext>
-              </a:extLst>
-            </p:cNvPr>
-            <p:cNvSpPr txBox="1"/>
-            <p:nvPr/>
-          </p:nvSpPr>
-          <p:spPr>
-            <a:xfrm>
-              <a:off x="15529106" y="6320116"/>
-              <a:ext cx="1475876" cy="184666"/>
-            </a:xfrm>
-            <a:prstGeom prst="rect">
-              <a:avLst/>
-            </a:prstGeom>
-            <a:noFill/>
-            <a:ln>
-              <a:noFill/>
-            </a:ln>
-          </p:spPr>
-          <p:txBody>
-            <a:bodyPr wrap="square" lIns="0" tIns="0" rIns="0" bIns="0" rtlCol="0">
-              <a:spAutoFit/>
-            </a:bodyPr>
-            <a:lstStyle>
-              <a:defPPr>
-                <a:defRPr lang="en-US"/>
-              </a:defPPr>
-              <a:lvl1pPr algn="r">
-                <a:defRPr sz="1400">
-                  <a:solidFill>
-                    <a:srgbClr val="0070C0"/>
-                  </a:solidFill>
-                </a:defRPr>
-              </a:lvl1pPr>
-            </a:lstStyle>
-            <a:p>
-              <a:pPr algn="l"/>
-              <a:r>
-                <a:rPr lang="en-US" sz="1200" err="1">
-                  <a:solidFill>
-                    <a:srgbClr val="FF669A"/>
-                  </a:solidFill>
-                </a:rPr>
-                <a:t>putShip</a:t>
-              </a:r>
-              <a:r>
-                <a:rPr lang="en-US" sz="1200">
-                  <a:solidFill>
-                    <a:srgbClr val="FF669A"/>
-                  </a:solidFill>
-                </a:rPr>
-                <a:t>()</a:t>
-              </a:r>
-            </a:p>
-          </p:txBody>
-        </p:sp>
-        <p:cxnSp>
-          <p:nvCxnSpPr>
-            <p:cNvPr id="74" name="Curved Connector 73">
-              <a:extLst>
-                <a:ext uri="{FF2B5EF4-FFF2-40B4-BE49-F238E27FC236}">
-                  <a16:creationId xmlns:a16="http://schemas.microsoft.com/office/drawing/2014/main" id="{8EE03F7A-2058-6749-A748-E895D05F30BE}"/>
-                </a:ext>
-              </a:extLst>
-            </p:cNvPr>
-            <p:cNvCxnSpPr>
-              <a:cxnSpLocks/>
-            </p:cNvCxnSpPr>
-            <p:nvPr/>
-          </p:nvCxnSpPr>
-          <p:spPr>
-            <a:xfrm>
-              <a:off x="15167643" y="6533972"/>
-              <a:ext cx="167219" cy="83872"/>
-            </a:xfrm>
-            <a:prstGeom prst="curvedConnector3">
-              <a:avLst>
-                <a:gd name="adj1" fmla="val 293035"/>
-              </a:avLst>
-            </a:prstGeom>
-            <a:ln>
-              <a:solidFill>
-                <a:srgbClr val="FF669A"/>
-              </a:solidFill>
-              <a:tailEnd type="triangle"/>
-            </a:ln>
-          </p:spPr>
-          <p:style>
-            <a:lnRef idx="1">
-              <a:schemeClr val="accent1"/>
-            </a:lnRef>
-            <a:fillRef idx="0">
-              <a:schemeClr val="accent1"/>
-            </a:fillRef>
-            <a:effectRef idx="0">
-              <a:schemeClr val="accent1"/>
-            </a:effectRef>
-            <a:fontRef idx="minor">
-              <a:schemeClr val="tx1"/>
-            </a:fontRef>
-          </p:style>
-        </p:cxnSp>
-        <p:cxnSp>
-          <p:nvCxnSpPr>
-            <p:cNvPr id="88" name="Curved Connector 12">
-              <a:extLst>
-                <a:ext uri="{FF2B5EF4-FFF2-40B4-BE49-F238E27FC236}">
-                  <a16:creationId xmlns:a16="http://schemas.microsoft.com/office/drawing/2014/main" id="{92348BEA-70E7-7E48-83EB-D9A4C68B91F9}"/>
-                </a:ext>
-              </a:extLst>
-            </p:cNvPr>
-            <p:cNvCxnSpPr>
-              <a:cxnSpLocks/>
-            </p:cNvCxnSpPr>
-            <p:nvPr/>
-          </p:nvCxnSpPr>
-          <p:spPr>
-            <a:xfrm rot="10800000" flipV="1">
-              <a:off x="15200914" y="6830360"/>
-              <a:ext cx="127009" cy="108247"/>
-            </a:xfrm>
-            <a:prstGeom prst="curvedConnector3">
-              <a:avLst>
-                <a:gd name="adj1" fmla="val -216834"/>
-              </a:avLst>
-            </a:prstGeom>
-            <a:ln>
-              <a:solidFill>
-                <a:srgbClr val="FF669A"/>
-              </a:solidFill>
-              <a:prstDash val="sysDash"/>
-              <a:tailEnd type="triangle"/>
-            </a:ln>
-          </p:spPr>
-          <p:style>
-            <a:lnRef idx="1">
-              <a:schemeClr val="accent1"/>
-            </a:lnRef>
-            <a:fillRef idx="0">
-              <a:schemeClr val="accent1"/>
-            </a:fillRef>
-            <a:effectRef idx="0">
-              <a:schemeClr val="accent1"/>
-            </a:effectRef>
-            <a:fontRef idx="minor">
-              <a:schemeClr val="tx1"/>
-            </a:fontRef>
-          </p:style>
-        </p:cxnSp>
-      </p:grpSp>
+              </a:rPr>
+              <a:t>putShip</a:t>
+            </a:r>
+            <a:r>
+              <a:rPr lang="en-US" sz="1200">
+                <a:solidFill>
+                  <a:srgbClr val="FF669A"/>
+                </a:solidFill>
+              </a:rPr>
+              <a:t>()</a:t>
+            </a:r>
+          </a:p>
+        </p:txBody>
+      </p:sp>
       <p:cxnSp>
         <p:nvCxnSpPr>
           <p:cNvPr id="86" name="Curved Connector 85">
@@ -8834,7 +8673,7 @@
         <p:spPr>
           <a:xfrm>
             <a:off x="12245097" y="3396542"/>
-            <a:ext cx="0" cy="7293625"/>
+            <a:ext cx="0" cy="7780974"/>
           </a:xfrm>
           <a:prstGeom prst="line">
             <a:avLst/>
@@ -9151,7 +8990,7 @@
         <p:spPr>
           <a:xfrm>
             <a:off x="13677429" y="4315216"/>
-            <a:ext cx="0" cy="6374951"/>
+            <a:ext cx="0" cy="6848653"/>
           </a:xfrm>
           <a:prstGeom prst="line">
             <a:avLst/>

--- a/docs/diagrams/PutShipSequenceDiagram.pptx
+++ b/docs/diagrams/PutShipSequenceDiagram.pptx
@@ -129,7 +129,7 @@
 <file path=ppt/revisionInfo.xml><?xml version="1.0" encoding="utf-8"?>
 <p1510:revInfo xmlns:a="http://schemas.openxmlformats.org/drawingml/2006/main" xmlns:r="http://schemas.openxmlformats.org/officeDocument/2006/relationships" xmlns:p1510="http://schemas.microsoft.com/office/powerpoint/2015/10/main">
   <p1510:revLst>
-    <p1510:client id="{E7B3513D-77CA-6A41-910B-0B9402F691A1}" v="66" dt="2019-04-12T13:47:04.176"/>
+    <p1510:client id="{E7B3513D-77CA-6A41-910B-0B9402F691A1}" v="81" dt="2019-04-13T04:21:19.383"/>
   </p1510:revLst>
 </p1510:revInfo>
 </file>
@@ -980,12 +980,12 @@
   <pc:docChgLst>
     <pc:chgData name="Ian Wu Ling En" userId="28715549-2f5c-46f8-b7f8-f39c35f3312d" providerId="ADAL" clId="{E7B3513D-77CA-6A41-910B-0B9402F691A1}"/>
     <pc:docChg chg="undo redo custSel modSld modMainMaster">
-      <pc:chgData name="Ian Wu Ling En" userId="28715549-2f5c-46f8-b7f8-f39c35f3312d" providerId="ADAL" clId="{E7B3513D-77CA-6A41-910B-0B9402F691A1}" dt="2019-04-12T13:47:53.764" v="746" actId="1076"/>
+      <pc:chgData name="Ian Wu Ling En" userId="28715549-2f5c-46f8-b7f8-f39c35f3312d" providerId="ADAL" clId="{E7B3513D-77CA-6A41-910B-0B9402F691A1}" dt="2019-04-13T04:22:01.932" v="954" actId="20577"/>
       <pc:docMkLst>
         <pc:docMk/>
       </pc:docMkLst>
       <pc:sldChg chg="addSp delSp modSp">
-        <pc:chgData name="Ian Wu Ling En" userId="28715549-2f5c-46f8-b7f8-f39c35f3312d" providerId="ADAL" clId="{E7B3513D-77CA-6A41-910B-0B9402F691A1}" dt="2019-04-12T13:47:53.764" v="746" actId="1076"/>
+        <pc:chgData name="Ian Wu Ling En" userId="28715549-2f5c-46f8-b7f8-f39c35f3312d" providerId="ADAL" clId="{E7B3513D-77CA-6A41-910B-0B9402F691A1}" dt="2019-04-13T04:22:01.932" v="954" actId="20577"/>
         <pc:sldMkLst>
           <pc:docMk/>
           <pc:sldMk cId="3945898909" sldId="267"/>
@@ -998,16 +998,24 @@
             <ac:spMk id="2" creationId="{00000000-0000-0000-0000-000000000000}"/>
           </ac:spMkLst>
         </pc:spChg>
+        <pc:spChg chg="add del mod">
+          <ac:chgData name="Ian Wu Ling En" userId="28715549-2f5c-46f8-b7f8-f39c35f3312d" providerId="ADAL" clId="{E7B3513D-77CA-6A41-910B-0B9402F691A1}" dt="2019-04-13T03:48:02.982" v="845"/>
+          <ac:spMkLst>
+            <pc:docMk/>
+            <pc:sldMk cId="3945898909" sldId="267"/>
+            <ac:spMk id="3" creationId="{692D4AB6-A911-E548-9D18-63C086D90121}"/>
+          </ac:spMkLst>
+        </pc:spChg>
         <pc:spChg chg="mod">
-          <ac:chgData name="Ian Wu Ling En" userId="28715549-2f5c-46f8-b7f8-f39c35f3312d" providerId="ADAL" clId="{E7B3513D-77CA-6A41-910B-0B9402F691A1}" dt="2019-04-10T12:14:57.207" v="704" actId="14100"/>
+          <ac:chgData name="Ian Wu Ling En" userId="28715549-2f5c-46f8-b7f8-f39c35f3312d" providerId="ADAL" clId="{E7B3513D-77CA-6A41-910B-0B9402F691A1}" dt="2019-04-13T04:20:48.552" v="919" actId="14100"/>
           <ac:spMkLst>
             <pc:docMk/>
             <pc:sldMk cId="3945898909" sldId="267"/>
             <ac:spMk id="6" creationId="{00000000-0000-0000-0000-000000000000}"/>
           </ac:spMkLst>
         </pc:spChg>
-        <pc:spChg chg="mod">
-          <ac:chgData name="Ian Wu Ling En" userId="28715549-2f5c-46f8-b7f8-f39c35f3312d" providerId="ADAL" clId="{E7B3513D-77CA-6A41-910B-0B9402F691A1}" dt="2019-04-10T12:16:56.100" v="706" actId="790"/>
+        <pc:spChg chg="del mod">
+          <ac:chgData name="Ian Wu Ling En" userId="28715549-2f5c-46f8-b7f8-f39c35f3312d" providerId="ADAL" clId="{E7B3513D-77CA-6A41-910B-0B9402F691A1}" dt="2019-04-13T04:21:15.061" v="924" actId="478"/>
           <ac:spMkLst>
             <pc:docMk/>
             <pc:sldMk cId="3945898909" sldId="267"/>
@@ -1047,7 +1055,7 @@
           </ac:spMkLst>
         </pc:spChg>
         <pc:spChg chg="mod">
-          <ac:chgData name="Ian Wu Ling En" userId="28715549-2f5c-46f8-b7f8-f39c35f3312d" providerId="ADAL" clId="{E7B3513D-77CA-6A41-910B-0B9402F691A1}" dt="2019-04-10T11:48:40.160" v="344" actId="1076"/>
+          <ac:chgData name="Ian Wu Ling En" userId="28715549-2f5c-46f8-b7f8-f39c35f3312d" providerId="ADAL" clId="{E7B3513D-77CA-6A41-910B-0B9402F691A1}" dt="2019-04-13T04:22:01.932" v="954" actId="20577"/>
           <ac:spMkLst>
             <pc:docMk/>
             <pc:sldMk cId="3945898909" sldId="267"/>
@@ -1079,7 +1087,7 @@
           </ac:spMkLst>
         </pc:spChg>
         <pc:spChg chg="mod">
-          <ac:chgData name="Ian Wu Ling En" userId="28715549-2f5c-46f8-b7f8-f39c35f3312d" providerId="ADAL" clId="{E7B3513D-77CA-6A41-910B-0B9402F691A1}" dt="2019-04-10T12:22:01.953" v="728" actId="166"/>
+          <ac:chgData name="Ian Wu Ling En" userId="28715549-2f5c-46f8-b7f8-f39c35f3312d" providerId="ADAL" clId="{E7B3513D-77CA-6A41-910B-0B9402F691A1}" dt="2019-04-13T03:48:28.147" v="848" actId="14100"/>
           <ac:spMkLst>
             <pc:docMk/>
             <pc:sldMk cId="3945898909" sldId="267"/>
@@ -1087,7 +1095,7 @@
           </ac:spMkLst>
         </pc:spChg>
         <pc:spChg chg="mod">
-          <ac:chgData name="Ian Wu Ling En" userId="28715549-2f5c-46f8-b7f8-f39c35f3312d" providerId="ADAL" clId="{E7B3513D-77CA-6A41-910B-0B9402F691A1}" dt="2019-04-12T13:47:53.764" v="746" actId="1076"/>
+          <ac:chgData name="Ian Wu Ling En" userId="28715549-2f5c-46f8-b7f8-f39c35f3312d" providerId="ADAL" clId="{E7B3513D-77CA-6A41-910B-0B9402F691A1}" dt="2019-04-13T04:21:41.994" v="948" actId="1076"/>
           <ac:spMkLst>
             <pc:docMk/>
             <pc:sldMk cId="3945898909" sldId="267"/>
@@ -1103,7 +1111,7 @@
           </ac:spMkLst>
         </pc:spChg>
         <pc:spChg chg="mod">
-          <ac:chgData name="Ian Wu Ling En" userId="28715549-2f5c-46f8-b7f8-f39c35f3312d" providerId="ADAL" clId="{E7B3513D-77CA-6A41-910B-0B9402F691A1}" dt="2019-04-10T12:20:57.935" v="720" actId="166"/>
+          <ac:chgData name="Ian Wu Ling En" userId="28715549-2f5c-46f8-b7f8-f39c35f3312d" providerId="ADAL" clId="{E7B3513D-77CA-6A41-910B-0B9402F691A1}" dt="2019-04-13T04:19:42.550" v="905" actId="14100"/>
           <ac:spMkLst>
             <pc:docMk/>
             <pc:sldMk cId="3945898909" sldId="267"/>
@@ -1135,7 +1143,7 @@
           </ac:spMkLst>
         </pc:spChg>
         <pc:spChg chg="mod">
-          <ac:chgData name="Ian Wu Ling En" userId="28715549-2f5c-46f8-b7f8-f39c35f3312d" providerId="ADAL" clId="{E7B3513D-77CA-6A41-910B-0B9402F691A1}" dt="2019-04-10T11:48:40.160" v="344" actId="1076"/>
+          <ac:chgData name="Ian Wu Ling En" userId="28715549-2f5c-46f8-b7f8-f39c35f3312d" providerId="ADAL" clId="{E7B3513D-77CA-6A41-910B-0B9402F691A1}" dt="2019-04-13T04:21:59.792" v="952" actId="20577"/>
           <ac:spMkLst>
             <pc:docMk/>
             <pc:sldMk cId="3945898909" sldId="267"/>
@@ -1182,6 +1190,14 @@
             <ac:spMk id="89" creationId="{E05EBC68-AC66-8647-8F33-8FC249B498C6}"/>
           </ac:spMkLst>
         </pc:spChg>
+        <pc:spChg chg="add del mod">
+          <ac:chgData name="Ian Wu Ling En" userId="28715549-2f5c-46f8-b7f8-f39c35f3312d" providerId="ADAL" clId="{E7B3513D-77CA-6A41-910B-0B9402F691A1}" dt="2019-04-13T01:38:55.567" v="749" actId="478"/>
+          <ac:spMkLst>
+            <pc:docMk/>
+            <pc:sldMk cId="3945898909" sldId="267"/>
+            <ac:spMk id="93" creationId="{8614603B-88B2-0948-9350-77B2B51DFB23}"/>
+          </ac:spMkLst>
+        </pc:spChg>
         <pc:spChg chg="mod">
           <ac:chgData name="Ian Wu Ling En" userId="28715549-2f5c-46f8-b7f8-f39c35f3312d" providerId="ADAL" clId="{E7B3513D-77CA-6A41-910B-0B9402F691A1}" dt="2019-04-10T12:12:55.272" v="680" actId="164"/>
           <ac:spMkLst>
@@ -1199,11 +1215,27 @@
           </ac:spMkLst>
         </pc:spChg>
         <pc:spChg chg="add mod">
+          <ac:chgData name="Ian Wu Ling En" userId="28715549-2f5c-46f8-b7f8-f39c35f3312d" providerId="ADAL" clId="{E7B3513D-77CA-6A41-910B-0B9402F691A1}" dt="2019-04-13T04:18:23.195" v="890" actId="14100"/>
+          <ac:spMkLst>
+            <pc:docMk/>
+            <pc:sldMk cId="3945898909" sldId="267"/>
+            <ac:spMk id="95" creationId="{9499F6F2-4A04-9047-8D5A-2FD1F6DD311F}"/>
+          </ac:spMkLst>
+        </pc:spChg>
+        <pc:spChg chg="add mod">
           <ac:chgData name="Ian Wu Ling En" userId="28715549-2f5c-46f8-b7f8-f39c35f3312d" providerId="ADAL" clId="{E7B3513D-77CA-6A41-910B-0B9402F691A1}" dt="2019-04-10T12:17:52.801" v="710" actId="20577"/>
           <ac:spMkLst>
             <pc:docMk/>
             <pc:sldMk cId="3945898909" sldId="267"/>
             <ac:spMk id="96" creationId="{7116BA0D-401B-BB48-AA36-2BEA0D2D75EE}"/>
+          </ac:spMkLst>
+        </pc:spChg>
+        <pc:spChg chg="add mod">
+          <ac:chgData name="Ian Wu Ling En" userId="28715549-2f5c-46f8-b7f8-f39c35f3312d" providerId="ADAL" clId="{E7B3513D-77CA-6A41-910B-0B9402F691A1}" dt="2019-04-13T03:48:37.544" v="849" actId="1076"/>
+          <ac:spMkLst>
+            <pc:docMk/>
+            <pc:sldMk cId="3945898909" sldId="267"/>
+            <ac:spMk id="97" creationId="{4873ED37-62EB-1242-BD75-3C7E57E41172}"/>
           </ac:spMkLst>
         </pc:spChg>
         <pc:spChg chg="add del mod">
@@ -1230,12 +1262,20 @@
             <ac:spMk id="102" creationId="{6A64BBFD-F360-4345-AC45-8FC9B6DB61D0}"/>
           </ac:spMkLst>
         </pc:spChg>
+        <pc:spChg chg="add del mod">
+          <ac:chgData name="Ian Wu Ling En" userId="28715549-2f5c-46f8-b7f8-f39c35f3312d" providerId="ADAL" clId="{E7B3513D-77CA-6A41-910B-0B9402F691A1}" dt="2019-04-13T01:39:32.750" v="752" actId="478"/>
+          <ac:spMkLst>
+            <pc:docMk/>
+            <pc:sldMk cId="3945898909" sldId="267"/>
+            <ac:spMk id="104" creationId="{5E40F979-1494-C947-A85A-217E0C38A9AD}"/>
+          </ac:spMkLst>
+        </pc:spChg>
         <pc:spChg chg="add mod">
-          <ac:chgData name="Ian Wu Ling En" userId="28715549-2f5c-46f8-b7f8-f39c35f3312d" providerId="ADAL" clId="{E7B3513D-77CA-6A41-910B-0B9402F691A1}" dt="2019-04-10T12:10:17.611" v="642" actId="1076"/>
-          <ac:spMkLst>
-            <pc:docMk/>
-            <pc:sldMk cId="3945898909" sldId="267"/>
-            <ac:spMk id="104" creationId="{5E40F979-1494-C947-A85A-217E0C38A9AD}"/>
+          <ac:chgData name="Ian Wu Ling En" userId="28715549-2f5c-46f8-b7f8-f39c35f3312d" providerId="ADAL" clId="{E7B3513D-77CA-6A41-910B-0B9402F691A1}" dt="2019-04-13T03:48:37.544" v="849" actId="1076"/>
+          <ac:spMkLst>
+            <pc:docMk/>
+            <pc:sldMk cId="3945898909" sldId="267"/>
+            <ac:spMk id="105" creationId="{5202EE9D-B570-F048-97B0-1128F3AFF2E9}"/>
           </ac:spMkLst>
         </pc:spChg>
         <pc:spChg chg="add mod">
@@ -1255,7 +1295,7 @@
           </ac:spMkLst>
         </pc:spChg>
         <pc:spChg chg="add mod">
-          <ac:chgData name="Ian Wu Ling En" userId="28715549-2f5c-46f8-b7f8-f39c35f3312d" providerId="ADAL" clId="{E7B3513D-77CA-6A41-910B-0B9402F691A1}" dt="2019-04-10T12:03:21.085" v="546" actId="1076"/>
+          <ac:chgData name="Ian Wu Ling En" userId="28715549-2f5c-46f8-b7f8-f39c35f3312d" providerId="ADAL" clId="{E7B3513D-77CA-6A41-910B-0B9402F691A1}" dt="2019-04-13T03:48:20.462" v="846" actId="1076"/>
           <ac:spMkLst>
             <pc:docMk/>
             <pc:sldMk cId="3945898909" sldId="267"/>
@@ -1263,7 +1303,7 @@
           </ac:spMkLst>
         </pc:spChg>
         <pc:spChg chg="add mod">
-          <ac:chgData name="Ian Wu Ling En" userId="28715549-2f5c-46f8-b7f8-f39c35f3312d" providerId="ADAL" clId="{E7B3513D-77CA-6A41-910B-0B9402F691A1}" dt="2019-04-10T12:03:21.085" v="546" actId="1076"/>
+          <ac:chgData name="Ian Wu Ling En" userId="28715549-2f5c-46f8-b7f8-f39c35f3312d" providerId="ADAL" clId="{E7B3513D-77CA-6A41-910B-0B9402F691A1}" dt="2019-04-13T03:48:20.462" v="846" actId="1076"/>
           <ac:spMkLst>
             <pc:docMk/>
             <pc:sldMk cId="3945898909" sldId="267"/>
@@ -1303,11 +1343,11 @@
           </ac:spMkLst>
         </pc:spChg>
         <pc:spChg chg="add mod">
-          <ac:chgData name="Ian Wu Ling En" userId="28715549-2f5c-46f8-b7f8-f39c35f3312d" providerId="ADAL" clId="{E7B3513D-77CA-6A41-910B-0B9402F691A1}" dt="2019-04-10T11:47:44.747" v="333" actId="571"/>
-          <ac:spMkLst>
-            <pc:docMk/>
-            <pc:sldMk cId="3945898909" sldId="267"/>
-            <ac:spMk id="123" creationId="{AC0F57F5-C3E6-C24C-9A7F-5EC0DA1833FE}"/>
+          <ac:chgData name="Ian Wu Ling En" userId="28715549-2f5c-46f8-b7f8-f39c35f3312d" providerId="ADAL" clId="{E7B3513D-77CA-6A41-910B-0B9402F691A1}" dt="2019-04-13T04:21:32.003" v="946" actId="1076"/>
+          <ac:spMkLst>
+            <pc:docMk/>
+            <pc:sldMk cId="3945898909" sldId="267"/>
+            <ac:spMk id="122" creationId="{CFEC3571-1124-E34D-85CF-1856E29D0A87}"/>
           </ac:spMkLst>
         </pc:spChg>
         <pc:spChg chg="add mod">
@@ -1315,11 +1355,19 @@
           <ac:spMkLst>
             <pc:docMk/>
             <pc:sldMk cId="3945898909" sldId="267"/>
+            <ac:spMk id="123" creationId="{AC0F57F5-C3E6-C24C-9A7F-5EC0DA1833FE}"/>
+          </ac:spMkLst>
+        </pc:spChg>
+        <pc:spChg chg="add mod">
+          <ac:chgData name="Ian Wu Ling En" userId="28715549-2f5c-46f8-b7f8-f39c35f3312d" providerId="ADAL" clId="{E7B3513D-77CA-6A41-910B-0B9402F691A1}" dt="2019-04-10T11:47:44.747" v="333" actId="571"/>
+          <ac:spMkLst>
+            <pc:docMk/>
+            <pc:sldMk cId="3945898909" sldId="267"/>
             <ac:spMk id="124" creationId="{FC76C14D-CF18-1945-BAFB-77E4D4814791}"/>
           </ac:spMkLst>
         </pc:spChg>
         <pc:spChg chg="add mod">
-          <ac:chgData name="Ian Wu Ling En" userId="28715549-2f5c-46f8-b7f8-f39c35f3312d" providerId="ADAL" clId="{E7B3513D-77CA-6A41-910B-0B9402F691A1}" dt="2019-04-10T12:03:39.015" v="552" actId="1076"/>
+          <ac:chgData name="Ian Wu Ling En" userId="28715549-2f5c-46f8-b7f8-f39c35f3312d" providerId="ADAL" clId="{E7B3513D-77CA-6A41-910B-0B9402F691A1}" dt="2019-04-13T01:41:06.023" v="815" actId="1076"/>
           <ac:spMkLst>
             <pc:docMk/>
             <pc:sldMk cId="3945898909" sldId="267"/>
@@ -1327,7 +1375,7 @@
           </ac:spMkLst>
         </pc:spChg>
         <pc:spChg chg="add mod">
-          <ac:chgData name="Ian Wu Ling En" userId="28715549-2f5c-46f8-b7f8-f39c35f3312d" providerId="ADAL" clId="{E7B3513D-77CA-6A41-910B-0B9402F691A1}" dt="2019-04-10T12:03:21.085" v="546" actId="1076"/>
+          <ac:chgData name="Ian Wu Ling En" userId="28715549-2f5c-46f8-b7f8-f39c35f3312d" providerId="ADAL" clId="{E7B3513D-77CA-6A41-910B-0B9402F691A1}" dt="2019-04-13T04:18:17.379" v="887" actId="14100"/>
           <ac:spMkLst>
             <pc:docMk/>
             <pc:sldMk cId="3945898909" sldId="267"/>
@@ -1367,23 +1415,23 @@
           </ac:spMkLst>
         </pc:spChg>
         <pc:spChg chg="add mod">
-          <ac:chgData name="Ian Wu Ling En" userId="28715549-2f5c-46f8-b7f8-f39c35f3312d" providerId="ADAL" clId="{E7B3513D-77CA-6A41-910B-0B9402F691A1}" dt="2019-04-10T12:08:54.627" v="640" actId="1076"/>
+          <ac:chgData name="Ian Wu Ling En" userId="28715549-2f5c-46f8-b7f8-f39c35f3312d" providerId="ADAL" clId="{E7B3513D-77CA-6A41-910B-0B9402F691A1}" dt="2019-04-13T03:48:20.462" v="846" actId="1076"/>
           <ac:spMkLst>
             <pc:docMk/>
             <pc:sldMk cId="3945898909" sldId="267"/>
             <ac:spMk id="140" creationId="{A72C36BA-2675-E243-B18E-532FAF184C51}"/>
           </ac:spMkLst>
         </pc:spChg>
+        <pc:spChg chg="add del mod">
+          <ac:chgData name="Ian Wu Ling En" userId="28715549-2f5c-46f8-b7f8-f39c35f3312d" providerId="ADAL" clId="{E7B3513D-77CA-6A41-910B-0B9402F691A1}" dt="2019-04-13T01:39:39.454" v="754" actId="478"/>
+          <ac:spMkLst>
+            <pc:docMk/>
+            <pc:sldMk cId="3945898909" sldId="267"/>
+            <ac:spMk id="147" creationId="{7EF6BB41-CD95-364B-BE27-9B810B72FEA8}"/>
+          </ac:spMkLst>
+        </pc:spChg>
         <pc:spChg chg="add mod">
-          <ac:chgData name="Ian Wu Ling En" userId="28715549-2f5c-46f8-b7f8-f39c35f3312d" providerId="ADAL" clId="{E7B3513D-77CA-6A41-910B-0B9402F691A1}" dt="2019-04-10T12:03:21.085" v="546" actId="1076"/>
-          <ac:spMkLst>
-            <pc:docMk/>
-            <pc:sldMk cId="3945898909" sldId="267"/>
-            <ac:spMk id="147" creationId="{7EF6BB41-CD95-364B-BE27-9B810B72FEA8}"/>
-          </ac:spMkLst>
-        </pc:spChg>
-        <pc:spChg chg="add mod">
-          <ac:chgData name="Ian Wu Ling En" userId="28715549-2f5c-46f8-b7f8-f39c35f3312d" providerId="ADAL" clId="{E7B3513D-77CA-6A41-910B-0B9402F691A1}" dt="2019-04-10T12:05:25.263" v="580" actId="571"/>
+          <ac:chgData name="Ian Wu Ling En" userId="28715549-2f5c-46f8-b7f8-f39c35f3312d" providerId="ADAL" clId="{E7B3513D-77CA-6A41-910B-0B9402F691A1}" dt="2019-04-13T04:19:18.132" v="901" actId="1076"/>
           <ac:spMkLst>
             <pc:docMk/>
             <pc:sldMk cId="3945898909" sldId="267"/>
@@ -1399,7 +1447,7 @@
           </ac:spMkLst>
         </pc:spChg>
         <pc:spChg chg="add mod">
-          <ac:chgData name="Ian Wu Ling En" userId="28715549-2f5c-46f8-b7f8-f39c35f3312d" providerId="ADAL" clId="{E7B3513D-77CA-6A41-910B-0B9402F691A1}" dt="2019-04-12T13:47:34.480" v="741" actId="14100"/>
+          <ac:chgData name="Ian Wu Ling En" userId="28715549-2f5c-46f8-b7f8-f39c35f3312d" providerId="ADAL" clId="{E7B3513D-77CA-6A41-910B-0B9402F691A1}" dt="2019-04-13T04:21:05.706" v="921" actId="14100"/>
           <ac:spMkLst>
             <pc:docMk/>
             <pc:sldMk cId="3945898909" sldId="267"/>
@@ -1407,7 +1455,7 @@
           </ac:spMkLst>
         </pc:spChg>
         <pc:spChg chg="add mod">
-          <ac:chgData name="Ian Wu Ling En" userId="28715549-2f5c-46f8-b7f8-f39c35f3312d" providerId="ADAL" clId="{E7B3513D-77CA-6A41-910B-0B9402F691A1}" dt="2019-04-12T13:47:34.480" v="741" actId="14100"/>
+          <ac:chgData name="Ian Wu Ling En" userId="28715549-2f5c-46f8-b7f8-f39c35f3312d" providerId="ADAL" clId="{E7B3513D-77CA-6A41-910B-0B9402F691A1}" dt="2019-04-13T04:21:05.706" v="921" actId="14100"/>
           <ac:spMkLst>
             <pc:docMk/>
             <pc:sldMk cId="3945898909" sldId="267"/>
@@ -1423,7 +1471,7 @@
           </ac:spMkLst>
         </pc:spChg>
         <pc:spChg chg="mod topLvl">
-          <ac:chgData name="Ian Wu Ling En" userId="28715549-2f5c-46f8-b7f8-f39c35f3312d" providerId="ADAL" clId="{E7B3513D-77CA-6A41-910B-0B9402F691A1}" dt="2019-04-12T13:47:04.176" v="735" actId="165"/>
+          <ac:chgData name="Ian Wu Ling En" userId="28715549-2f5c-46f8-b7f8-f39c35f3312d" providerId="ADAL" clId="{E7B3513D-77CA-6A41-910B-0B9402F691A1}" dt="2019-04-13T04:18:38.203" v="893" actId="14100"/>
           <ac:spMkLst>
             <pc:docMk/>
             <pc:sldMk cId="3945898909" sldId="267"/>
@@ -1439,15 +1487,23 @@
           </ac:spMkLst>
         </pc:spChg>
         <pc:spChg chg="mod">
-          <ac:chgData name="Ian Wu Ling En" userId="28715549-2f5c-46f8-b7f8-f39c35f3312d" providerId="ADAL" clId="{E7B3513D-77CA-6A41-910B-0B9402F691A1}" dt="2019-04-10T11:54:18.612" v="440" actId="1076"/>
+          <ac:chgData name="Ian Wu Ling En" userId="28715549-2f5c-46f8-b7f8-f39c35f3312d" providerId="ADAL" clId="{E7B3513D-77CA-6A41-910B-0B9402F691A1}" dt="2019-04-13T03:50:10.098" v="864" actId="1076"/>
           <ac:spMkLst>
             <pc:docMk/>
             <pc:sldMk cId="3945898909" sldId="267"/>
             <ac:spMk id="213" creationId="{199F746E-405B-485A-994E-C0C45F8824D7}"/>
           </ac:spMkLst>
         </pc:spChg>
-        <pc:grpChg chg="add mod">
-          <ac:chgData name="Ian Wu Ling En" userId="28715549-2f5c-46f8-b7f8-f39c35f3312d" providerId="ADAL" clId="{E7B3513D-77CA-6A41-910B-0B9402F691A1}" dt="2019-04-10T12:03:21.085" v="546" actId="1076"/>
+        <pc:spChg chg="mod">
+          <ac:chgData name="Ian Wu Ling En" userId="28715549-2f5c-46f8-b7f8-f39c35f3312d" providerId="ADAL" clId="{E7B3513D-77CA-6A41-910B-0B9402F691A1}" dt="2019-04-13T03:50:19.318" v="867" actId="1076"/>
+          <ac:spMkLst>
+            <pc:docMk/>
+            <pc:sldMk cId="3945898909" sldId="267"/>
+            <ac:spMk id="214" creationId="{22493782-DEC3-436C-AC2C-EE03A965A6F0}"/>
+          </ac:spMkLst>
+        </pc:spChg>
+        <pc:grpChg chg="add del mod">
+          <ac:chgData name="Ian Wu Ling En" userId="28715549-2f5c-46f8-b7f8-f39c35f3312d" providerId="ADAL" clId="{E7B3513D-77CA-6A41-910B-0B9402F691A1}" dt="2019-04-13T01:39:34.032" v="753" actId="478"/>
           <ac:grpSpMkLst>
             <pc:docMk/>
             <pc:sldMk cId="3945898909" sldId="267"/>
@@ -1455,7 +1511,7 @@
           </ac:grpSpMkLst>
         </pc:grpChg>
         <pc:grpChg chg="add mod">
-          <ac:chgData name="Ian Wu Ling En" userId="28715549-2f5c-46f8-b7f8-f39c35f3312d" providerId="ADAL" clId="{E7B3513D-77CA-6A41-910B-0B9402F691A1}" dt="2019-04-10T12:06:00.749" v="601" actId="1035"/>
+          <ac:chgData name="Ian Wu Ling En" userId="28715549-2f5c-46f8-b7f8-f39c35f3312d" providerId="ADAL" clId="{E7B3513D-77CA-6A41-910B-0B9402F691A1}" dt="2019-04-13T04:19:18.132" v="901" actId="1076"/>
           <ac:grpSpMkLst>
             <pc:docMk/>
             <pc:sldMk cId="3945898909" sldId="267"/>
@@ -1471,7 +1527,7 @@
           </ac:grpSpMkLst>
         </pc:grpChg>
         <pc:grpChg chg="add mod">
-          <ac:chgData name="Ian Wu Ling En" userId="28715549-2f5c-46f8-b7f8-f39c35f3312d" providerId="ADAL" clId="{E7B3513D-77CA-6A41-910B-0B9402F691A1}" dt="2019-04-10T12:12:56.773" v="681" actId="1076"/>
+          <ac:chgData name="Ian Wu Ling En" userId="28715549-2f5c-46f8-b7f8-f39c35f3312d" providerId="ADAL" clId="{E7B3513D-77CA-6A41-910B-0B9402F691A1}" dt="2019-04-13T04:19:47.295" v="907" actId="1036"/>
           <ac:grpSpMkLst>
             <pc:docMk/>
             <pc:sldMk cId="3945898909" sldId="267"/>
@@ -1479,7 +1535,7 @@
           </ac:grpSpMkLst>
         </pc:grpChg>
         <pc:grpChg chg="add mod">
-          <ac:chgData name="Ian Wu Ling En" userId="28715549-2f5c-46f8-b7f8-f39c35f3312d" providerId="ADAL" clId="{E7B3513D-77CA-6A41-910B-0B9402F691A1}" dt="2019-04-10T12:13:18.008" v="684" actId="1076"/>
+          <ac:chgData name="Ian Wu Ling En" userId="28715549-2f5c-46f8-b7f8-f39c35f3312d" providerId="ADAL" clId="{E7B3513D-77CA-6A41-910B-0B9402F691A1}" dt="2019-04-13T04:19:24.675" v="904" actId="1076"/>
           <ac:grpSpMkLst>
             <pc:docMk/>
             <pc:sldMk cId="3945898909" sldId="267"/>
@@ -1495,7 +1551,7 @@
           </ac:grpSpMkLst>
         </pc:grpChg>
         <pc:cxnChg chg="mod">
-          <ac:chgData name="Ian Wu Ling En" userId="28715549-2f5c-46f8-b7f8-f39c35f3312d" providerId="ADAL" clId="{E7B3513D-77CA-6A41-910B-0B9402F691A1}" dt="2019-04-10T12:14:57.207" v="704" actId="14100"/>
+          <ac:chgData name="Ian Wu Ling En" userId="28715549-2f5c-46f8-b7f8-f39c35f3312d" providerId="ADAL" clId="{E7B3513D-77CA-6A41-910B-0B9402F691A1}" dt="2019-04-13T04:21:39.501" v="947" actId="14100"/>
           <ac:cxnSpMkLst>
             <pc:docMk/>
             <pc:sldMk cId="3945898909" sldId="267"/>
@@ -1511,7 +1567,7 @@
           </ac:cxnSpMkLst>
         </pc:cxnChg>
         <pc:cxnChg chg="mod">
-          <ac:chgData name="Ian Wu Ling En" userId="28715549-2f5c-46f8-b7f8-f39c35f3312d" providerId="ADAL" clId="{E7B3513D-77CA-6A41-910B-0B9402F691A1}" dt="2019-04-10T11:48:40.160" v="344" actId="1076"/>
+          <ac:chgData name="Ian Wu Ling En" userId="28715549-2f5c-46f8-b7f8-f39c35f3312d" providerId="ADAL" clId="{E7B3513D-77CA-6A41-910B-0B9402F691A1}" dt="2019-04-13T04:19:58.564" v="909" actId="14100"/>
           <ac:cxnSpMkLst>
             <pc:docMk/>
             <pc:sldMk cId="3945898909" sldId="267"/>
@@ -1519,7 +1575,7 @@
           </ac:cxnSpMkLst>
         </pc:cxnChg>
         <pc:cxnChg chg="mod">
-          <ac:chgData name="Ian Wu Ling En" userId="28715549-2f5c-46f8-b7f8-f39c35f3312d" providerId="ADAL" clId="{E7B3513D-77CA-6A41-910B-0B9402F691A1}" dt="2019-04-10T11:48:40.160" v="344" actId="1076"/>
+          <ac:chgData name="Ian Wu Ling En" userId="28715549-2f5c-46f8-b7f8-f39c35f3312d" providerId="ADAL" clId="{E7B3513D-77CA-6A41-910B-0B9402F691A1}" dt="2019-04-13T04:19:53.983" v="908" actId="14100"/>
           <ac:cxnSpMkLst>
             <pc:docMk/>
             <pc:sldMk cId="3945898909" sldId="267"/>
@@ -1567,7 +1623,7 @@
           </ac:cxnSpMkLst>
         </pc:cxnChg>
         <pc:cxnChg chg="mod">
-          <ac:chgData name="Ian Wu Ling En" userId="28715549-2f5c-46f8-b7f8-f39c35f3312d" providerId="ADAL" clId="{E7B3513D-77CA-6A41-910B-0B9402F691A1}" dt="2019-04-12T13:47:38.032" v="742" actId="14100"/>
+          <ac:chgData name="Ian Wu Ling En" userId="28715549-2f5c-46f8-b7f8-f39c35f3312d" providerId="ADAL" clId="{E7B3513D-77CA-6A41-910B-0B9402F691A1}" dt="2019-04-13T04:20:24.300" v="914" actId="14100"/>
           <ac:cxnSpMkLst>
             <pc:docMk/>
             <pc:sldMk cId="3945898909" sldId="267"/>
@@ -1575,7 +1631,7 @@
           </ac:cxnSpMkLst>
         </pc:cxnChg>
         <pc:cxnChg chg="mod">
-          <ac:chgData name="Ian Wu Ling En" userId="28715549-2f5c-46f8-b7f8-f39c35f3312d" providerId="ADAL" clId="{E7B3513D-77CA-6A41-910B-0B9402F691A1}" dt="2019-04-10T12:20:26.745" v="714" actId="14100"/>
+          <ac:chgData name="Ian Wu Ling En" userId="28715549-2f5c-46f8-b7f8-f39c35f3312d" providerId="ADAL" clId="{E7B3513D-77CA-6A41-910B-0B9402F691A1}" dt="2019-04-13T03:48:44.073" v="851" actId="14100"/>
           <ac:cxnSpMkLst>
             <pc:docMk/>
             <pc:sldMk cId="3945898909" sldId="267"/>
@@ -1639,7 +1695,7 @@
           </ac:cxnSpMkLst>
         </pc:cxnChg>
         <pc:cxnChg chg="mod">
-          <ac:chgData name="Ian Wu Ling En" userId="28715549-2f5c-46f8-b7f8-f39c35f3312d" providerId="ADAL" clId="{E7B3513D-77CA-6A41-910B-0B9402F691A1}" dt="2019-04-10T12:13:26.220" v="685" actId="14100"/>
+          <ac:chgData name="Ian Wu Ling En" userId="28715549-2f5c-46f8-b7f8-f39c35f3312d" providerId="ADAL" clId="{E7B3513D-77CA-6A41-910B-0B9402F691A1}" dt="2019-04-13T04:21:51.129" v="949" actId="14100"/>
           <ac:cxnSpMkLst>
             <pc:docMk/>
             <pc:sldMk cId="3945898909" sldId="267"/>
@@ -1687,6 +1743,46 @@
           </ac:cxnSpMkLst>
         </pc:cxnChg>
         <pc:cxnChg chg="add mod">
+          <ac:chgData name="Ian Wu Ling En" userId="28715549-2f5c-46f8-b7f8-f39c35f3312d" providerId="ADAL" clId="{E7B3513D-77CA-6A41-910B-0B9402F691A1}" dt="2019-04-13T03:47:54.750" v="842" actId="1035"/>
+          <ac:cxnSpMkLst>
+            <pc:docMk/>
+            <pc:sldMk cId="3945898909" sldId="267"/>
+            <ac:cxnSpMk id="92" creationId="{BB3190FB-CC68-A046-AA74-31A0A577EAE8}"/>
+          </ac:cxnSpMkLst>
+        </pc:cxnChg>
+        <pc:cxnChg chg="add del">
+          <ac:chgData name="Ian Wu Ling En" userId="28715549-2f5c-46f8-b7f8-f39c35f3312d" providerId="ADAL" clId="{E7B3513D-77CA-6A41-910B-0B9402F691A1}" dt="2019-04-13T01:40:20.225" v="766"/>
+          <ac:cxnSpMkLst>
+            <pc:docMk/>
+            <pc:sldMk cId="3945898909" sldId="267"/>
+            <ac:cxnSpMk id="98" creationId="{D3B60830-9BA1-364C-9004-EEBFD7473995}"/>
+          </ac:cxnSpMkLst>
+        </pc:cxnChg>
+        <pc:cxnChg chg="add mod">
+          <ac:chgData name="Ian Wu Ling En" userId="28715549-2f5c-46f8-b7f8-f39c35f3312d" providerId="ADAL" clId="{E7B3513D-77CA-6A41-910B-0B9402F691A1}" dt="2019-04-13T03:48:37.544" v="849" actId="1076"/>
+          <ac:cxnSpMkLst>
+            <pc:docMk/>
+            <pc:sldMk cId="3945898909" sldId="267"/>
+            <ac:cxnSpMk id="99" creationId="{FEFC6A07-EAC7-D04C-BA68-56DCED02C5D2}"/>
+          </ac:cxnSpMkLst>
+        </pc:cxnChg>
+        <pc:cxnChg chg="add mod">
+          <ac:chgData name="Ian Wu Ling En" userId="28715549-2f5c-46f8-b7f8-f39c35f3312d" providerId="ADAL" clId="{E7B3513D-77CA-6A41-910B-0B9402F691A1}" dt="2019-04-13T03:48:37.544" v="849" actId="1076"/>
+          <ac:cxnSpMkLst>
+            <pc:docMk/>
+            <pc:sldMk cId="3945898909" sldId="267"/>
+            <ac:cxnSpMk id="100" creationId="{4C797AB4-53E0-DC4C-9150-011C43CE8065}"/>
+          </ac:cxnSpMkLst>
+        </pc:cxnChg>
+        <pc:cxnChg chg="add del mod">
+          <ac:chgData name="Ian Wu Ling En" userId="28715549-2f5c-46f8-b7f8-f39c35f3312d" providerId="ADAL" clId="{E7B3513D-77CA-6A41-910B-0B9402F691A1}" dt="2019-04-13T03:51:34.310" v="880" actId="478"/>
+          <ac:cxnSpMkLst>
+            <pc:docMk/>
+            <pc:sldMk cId="3945898909" sldId="267"/>
+            <ac:cxnSpMk id="101" creationId="{0291C360-81EE-574E-8133-5197CA0AAE40}"/>
+          </ac:cxnSpMkLst>
+        </pc:cxnChg>
+        <pc:cxnChg chg="add mod">
           <ac:chgData name="Ian Wu Ling En" userId="28715549-2f5c-46f8-b7f8-f39c35f3312d" providerId="ADAL" clId="{E7B3513D-77CA-6A41-910B-0B9402F691A1}" dt="2019-04-10T11:57:32.639" v="465" actId="164"/>
           <ac:cxnSpMkLst>
             <pc:docMk/>
@@ -1703,7 +1799,15 @@
           </ac:cxnSpMkLst>
         </pc:cxnChg>
         <pc:cxnChg chg="add mod">
-          <ac:chgData name="Ian Wu Ling En" userId="28715549-2f5c-46f8-b7f8-f39c35f3312d" providerId="ADAL" clId="{E7B3513D-77CA-6A41-910B-0B9402F691A1}" dt="2019-04-10T12:03:21.085" v="546" actId="1076"/>
+          <ac:chgData name="Ian Wu Ling En" userId="28715549-2f5c-46f8-b7f8-f39c35f3312d" providerId="ADAL" clId="{E7B3513D-77CA-6A41-910B-0B9402F691A1}" dt="2019-04-13T04:18:35.029" v="892" actId="14100"/>
+          <ac:cxnSpMkLst>
+            <pc:docMk/>
+            <pc:sldMk cId="3945898909" sldId="267"/>
+            <ac:cxnSpMk id="107" creationId="{A901C160-EAAB-B84F-A3CB-29327EB10D48}"/>
+          </ac:cxnSpMkLst>
+        </pc:cxnChg>
+        <pc:cxnChg chg="add mod">
+          <ac:chgData name="Ian Wu Ling En" userId="28715549-2f5c-46f8-b7f8-f39c35f3312d" providerId="ADAL" clId="{E7B3513D-77CA-6A41-910B-0B9402F691A1}" dt="2019-04-13T03:48:20.462" v="846" actId="1076"/>
           <ac:cxnSpMkLst>
             <pc:docMk/>
             <pc:sldMk cId="3945898909" sldId="267"/>
@@ -1711,7 +1815,7 @@
           </ac:cxnSpMkLst>
         </pc:cxnChg>
         <pc:cxnChg chg="add mod">
-          <ac:chgData name="Ian Wu Ling En" userId="28715549-2f5c-46f8-b7f8-f39c35f3312d" providerId="ADAL" clId="{E7B3513D-77CA-6A41-910B-0B9402F691A1}" dt="2019-04-12T13:47:41.270" v="743" actId="14100"/>
+          <ac:chgData name="Ian Wu Ling En" userId="28715549-2f5c-46f8-b7f8-f39c35f3312d" providerId="ADAL" clId="{E7B3513D-77CA-6A41-910B-0B9402F691A1}" dt="2019-04-13T04:20:27.918" v="915" actId="14100"/>
           <ac:cxnSpMkLst>
             <pc:docMk/>
             <pc:sldMk cId="3945898909" sldId="267"/>
@@ -1719,7 +1823,7 @@
           </ac:cxnSpMkLst>
         </pc:cxnChg>
         <pc:cxnChg chg="add mod">
-          <ac:chgData name="Ian Wu Ling En" userId="28715549-2f5c-46f8-b7f8-f39c35f3312d" providerId="ADAL" clId="{E7B3513D-77CA-6A41-910B-0B9402F691A1}" dt="2019-04-10T12:08:39.095" v="639" actId="1076"/>
+          <ac:chgData name="Ian Wu Ling En" userId="28715549-2f5c-46f8-b7f8-f39c35f3312d" providerId="ADAL" clId="{E7B3513D-77CA-6A41-910B-0B9402F691A1}" dt="2019-04-13T03:48:20.462" v="846" actId="1076"/>
           <ac:cxnSpMkLst>
             <pc:docMk/>
             <pc:sldMk cId="3945898909" sldId="267"/>
@@ -1734,6 +1838,14 @@
             <ac:cxnSpMk id="116" creationId="{5264DAAA-D48A-9E4A-991A-AEA8674B7EDB}"/>
           </ac:cxnSpMkLst>
         </pc:cxnChg>
+        <pc:cxnChg chg="add del mod">
+          <ac:chgData name="Ian Wu Ling En" userId="28715549-2f5c-46f8-b7f8-f39c35f3312d" providerId="ADAL" clId="{E7B3513D-77CA-6A41-910B-0B9402F691A1}" dt="2019-04-13T04:20:37.043" v="918" actId="478"/>
+          <ac:cxnSpMkLst>
+            <pc:docMk/>
+            <pc:sldMk cId="3945898909" sldId="267"/>
+            <ac:cxnSpMk id="116" creationId="{76B1E441-19D1-6444-A7FA-0B9D5A23E18C}"/>
+          </ac:cxnSpMkLst>
+        </pc:cxnChg>
         <pc:cxnChg chg="add mod">
           <ac:chgData name="Ian Wu Ling En" userId="28715549-2f5c-46f8-b7f8-f39c35f3312d" providerId="ADAL" clId="{E7B3513D-77CA-6A41-910B-0B9402F691A1}" dt="2019-04-10T11:47:44.747" v="333" actId="571"/>
           <ac:cxnSpMkLst>
@@ -1759,7 +1871,7 @@
           </ac:cxnSpMkLst>
         </pc:cxnChg>
         <pc:cxnChg chg="add mod">
-          <ac:chgData name="Ian Wu Ling En" userId="28715549-2f5c-46f8-b7f8-f39c35f3312d" providerId="ADAL" clId="{E7B3513D-77CA-6A41-910B-0B9402F691A1}" dt="2019-04-12T13:47:44.527" v="744" actId="14100"/>
+          <ac:chgData name="Ian Wu Ling En" userId="28715549-2f5c-46f8-b7f8-f39c35f3312d" providerId="ADAL" clId="{E7B3513D-77CA-6A41-910B-0B9402F691A1}" dt="2019-04-13T04:20:31.410" v="916" actId="14100"/>
           <ac:cxnSpMkLst>
             <pc:docMk/>
             <pc:sldMk cId="3945898909" sldId="267"/>
@@ -1823,7 +1935,7 @@
           </ac:cxnSpMkLst>
         </pc:cxnChg>
         <pc:cxnChg chg="add mod">
-          <ac:chgData name="Ian Wu Ling En" userId="28715549-2f5c-46f8-b7f8-f39c35f3312d" providerId="ADAL" clId="{E7B3513D-77CA-6A41-910B-0B9402F691A1}" dt="2019-04-10T12:20:42.037" v="717" actId="14100"/>
+          <ac:chgData name="Ian Wu Ling En" userId="28715549-2f5c-46f8-b7f8-f39c35f3312d" providerId="ADAL" clId="{E7B3513D-77CA-6A41-910B-0B9402F691A1}" dt="2019-04-13T04:19:18.132" v="901" actId="1076"/>
           <ac:cxnSpMkLst>
             <pc:docMk/>
             <pc:sldMk cId="3945898909" sldId="267"/>
@@ -1831,7 +1943,7 @@
           </ac:cxnSpMkLst>
         </pc:cxnChg>
         <pc:cxnChg chg="add mod">
-          <ac:chgData name="Ian Wu Ling En" userId="28715549-2f5c-46f8-b7f8-f39c35f3312d" providerId="ADAL" clId="{E7B3513D-77CA-6A41-910B-0B9402F691A1}" dt="2019-04-10T12:11:27.565" v="648" actId="571"/>
+          <ac:chgData name="Ian Wu Ling En" userId="28715549-2f5c-46f8-b7f8-f39c35f3312d" providerId="ADAL" clId="{E7B3513D-77CA-6A41-910B-0B9402F691A1}" dt="2019-04-13T04:19:18.132" v="901" actId="1076"/>
           <ac:cxnSpMkLst>
             <pc:docMk/>
             <pc:sldMk cId="3945898909" sldId="267"/>
@@ -1847,7 +1959,7 @@
           </ac:cxnSpMkLst>
         </pc:cxnChg>
         <pc:cxnChg chg="mod">
-          <ac:chgData name="Ian Wu Ling En" userId="28715549-2f5c-46f8-b7f8-f39c35f3312d" providerId="ADAL" clId="{E7B3513D-77CA-6A41-910B-0B9402F691A1}" dt="2019-04-12T13:47:48.472" v="745" actId="14100"/>
+          <ac:chgData name="Ian Wu Ling En" userId="28715549-2f5c-46f8-b7f8-f39c35f3312d" providerId="ADAL" clId="{E7B3513D-77CA-6A41-910B-0B9402F691A1}" dt="2019-04-13T04:20:34.905" v="917" actId="14100"/>
           <ac:cxnSpMkLst>
             <pc:docMk/>
             <pc:sldMk cId="3945898909" sldId="267"/>
@@ -1855,7 +1967,7 @@
           </ac:cxnSpMkLst>
         </pc:cxnChg>
         <pc:cxnChg chg="mod">
-          <ac:chgData name="Ian Wu Ling En" userId="28715549-2f5c-46f8-b7f8-f39c35f3312d" providerId="ADAL" clId="{E7B3513D-77CA-6A41-910B-0B9402F691A1}" dt="2019-04-10T12:08:19.031" v="638" actId="1076"/>
+          <ac:chgData name="Ian Wu Ling En" userId="28715549-2f5c-46f8-b7f8-f39c35f3312d" providerId="ADAL" clId="{E7B3513D-77CA-6A41-910B-0B9402F691A1}" dt="2019-04-13T04:18:42.829" v="894" actId="1076"/>
           <ac:cxnSpMkLst>
             <pc:docMk/>
             <pc:sldMk cId="3945898909" sldId="267"/>
@@ -1863,7 +1975,7 @@
           </ac:cxnSpMkLst>
         </pc:cxnChg>
         <pc:cxnChg chg="mod">
-          <ac:chgData name="Ian Wu Ling En" userId="28715549-2f5c-46f8-b7f8-f39c35f3312d" providerId="ADAL" clId="{E7B3513D-77CA-6A41-910B-0B9402F691A1}" dt="2019-04-10T12:03:21.085" v="546" actId="1076"/>
+          <ac:chgData name="Ian Wu Ling En" userId="28715549-2f5c-46f8-b7f8-f39c35f3312d" providerId="ADAL" clId="{E7B3513D-77CA-6A41-910B-0B9402F691A1}" dt="2019-04-13T03:48:23.998" v="847" actId="1076"/>
           <ac:cxnSpMkLst>
             <pc:docMk/>
             <pc:sldMk cId="3945898909" sldId="267"/>
@@ -1871,7 +1983,15 @@
           </ac:cxnSpMkLst>
         </pc:cxnChg>
         <pc:cxnChg chg="mod">
-          <ac:chgData name="Ian Wu Ling En" userId="28715549-2f5c-46f8-b7f8-f39c35f3312d" providerId="ADAL" clId="{E7B3513D-77CA-6A41-910B-0B9402F691A1}" dt="2019-04-10T12:13:14.893" v="683" actId="164"/>
+          <ac:chgData name="Ian Wu Ling En" userId="28715549-2f5c-46f8-b7f8-f39c35f3312d" providerId="ADAL" clId="{E7B3513D-77CA-6A41-910B-0B9402F691A1}" dt="2019-04-13T03:50:19.318" v="867" actId="1076"/>
+          <ac:cxnSpMkLst>
+            <pc:docMk/>
+            <pc:sldMk cId="3945898909" sldId="267"/>
+            <ac:cxnSpMk id="215" creationId="{0963EC8C-EF55-4B35-820F-72F93A5056C6}"/>
+          </ac:cxnSpMkLst>
+        </pc:cxnChg>
+        <pc:cxnChg chg="mod">
+          <ac:chgData name="Ian Wu Ling En" userId="28715549-2f5c-46f8-b7f8-f39c35f3312d" providerId="ADAL" clId="{E7B3513D-77CA-6A41-910B-0B9402F691A1}" dt="2019-04-13T03:50:08.248" v="863" actId="14100"/>
           <ac:cxnSpMkLst>
             <pc:docMk/>
             <pc:sldMk cId="3945898909" sldId="267"/>
@@ -1879,7 +1999,7 @@
           </ac:cxnSpMkLst>
         </pc:cxnChg>
         <pc:cxnChg chg="mod">
-          <ac:chgData name="Ian Wu Ling En" userId="28715549-2f5c-46f8-b7f8-f39c35f3312d" providerId="ADAL" clId="{E7B3513D-77CA-6A41-910B-0B9402F691A1}" dt="2019-04-10T12:13:14.893" v="683" actId="164"/>
+          <ac:chgData name="Ian Wu Ling En" userId="28715549-2f5c-46f8-b7f8-f39c35f3312d" providerId="ADAL" clId="{E7B3513D-77CA-6A41-910B-0B9402F691A1}" dt="2019-04-13T03:50:35.517" v="870" actId="14100"/>
           <ac:cxnSpMkLst>
             <pc:docMk/>
             <pc:sldMk cId="3945898909" sldId="267"/>
@@ -2247,7 +2367,7 @@
           <a:p>
             <a:fld id="{F5CC4B3F-88C1-4FFA-B1B6-F41C21DC6924}" type="datetimeFigureOut">
               <a:rPr lang="en-US" smtClean="0"/>
-              <a:t>4/12/19</a:t>
+              <a:t>4/13/19</a:t>
             </a:fld>
             <a:endParaRPr lang="en-US"/>
           </a:p>
@@ -2782,7 +2902,7 @@
           <a:p>
             <a:fld id="{78C97017-6FC3-485B-9764-EAC9E56C1D49}" type="datetimeFigureOut">
               <a:rPr lang="en-US" smtClean="0"/>
-              <a:t>4/12/19</a:t>
+              <a:t>4/13/19</a:t>
             </a:fld>
             <a:endParaRPr lang="en-US"/>
           </a:p>
@@ -2950,7 +3070,7 @@
           <a:p>
             <a:fld id="{78C97017-6FC3-485B-9764-EAC9E56C1D49}" type="datetimeFigureOut">
               <a:rPr lang="en-US" smtClean="0"/>
-              <a:t>4/12/19</a:t>
+              <a:t>4/13/19</a:t>
             </a:fld>
             <a:endParaRPr lang="en-US"/>
           </a:p>
@@ -3128,7 +3248,7 @@
           <a:p>
             <a:fld id="{78C97017-6FC3-485B-9764-EAC9E56C1D49}" type="datetimeFigureOut">
               <a:rPr lang="en-US" smtClean="0"/>
-              <a:t>4/12/19</a:t>
+              <a:t>4/13/19</a:t>
             </a:fld>
             <a:endParaRPr lang="en-US"/>
           </a:p>
@@ -3296,7 +3416,7 @@
           <a:p>
             <a:fld id="{78C97017-6FC3-485B-9764-EAC9E56C1D49}" type="datetimeFigureOut">
               <a:rPr lang="en-US" smtClean="0"/>
-              <a:t>4/12/19</a:t>
+              <a:t>4/13/19</a:t>
             </a:fld>
             <a:endParaRPr lang="en-US"/>
           </a:p>
@@ -3541,7 +3661,7 @@
           <a:p>
             <a:fld id="{78C97017-6FC3-485B-9764-EAC9E56C1D49}" type="datetimeFigureOut">
               <a:rPr lang="en-US" smtClean="0"/>
-              <a:t>4/12/19</a:t>
+              <a:t>4/13/19</a:t>
             </a:fld>
             <a:endParaRPr lang="en-US"/>
           </a:p>
@@ -3826,7 +3946,7 @@
           <a:p>
             <a:fld id="{78C97017-6FC3-485B-9764-EAC9E56C1D49}" type="datetimeFigureOut">
               <a:rPr lang="en-US" smtClean="0"/>
-              <a:t>4/12/19</a:t>
+              <a:t>4/13/19</a:t>
             </a:fld>
             <a:endParaRPr lang="en-US"/>
           </a:p>
@@ -4245,7 +4365,7 @@
           <a:p>
             <a:fld id="{78C97017-6FC3-485B-9764-EAC9E56C1D49}" type="datetimeFigureOut">
               <a:rPr lang="en-US" smtClean="0"/>
-              <a:t>4/12/19</a:t>
+              <a:t>4/13/19</a:t>
             </a:fld>
             <a:endParaRPr lang="en-US"/>
           </a:p>
@@ -4362,7 +4482,7 @@
           <a:p>
             <a:fld id="{78C97017-6FC3-485B-9764-EAC9E56C1D49}" type="datetimeFigureOut">
               <a:rPr lang="en-US" smtClean="0"/>
-              <a:t>4/12/19</a:t>
+              <a:t>4/13/19</a:t>
             </a:fld>
             <a:endParaRPr lang="en-US"/>
           </a:p>
@@ -4457,7 +4577,7 @@
           <a:p>
             <a:fld id="{78C97017-6FC3-485B-9764-EAC9E56C1D49}" type="datetimeFigureOut">
               <a:rPr lang="en-US" smtClean="0"/>
-              <a:t>4/12/19</a:t>
+              <a:t>4/13/19</a:t>
             </a:fld>
             <a:endParaRPr lang="en-US"/>
           </a:p>
@@ -4732,7 +4852,7 @@
           <a:p>
             <a:fld id="{78C97017-6FC3-485B-9764-EAC9E56C1D49}" type="datetimeFigureOut">
               <a:rPr lang="en-US" smtClean="0"/>
-              <a:t>4/12/19</a:t>
+              <a:t>4/13/19</a:t>
             </a:fld>
             <a:endParaRPr lang="en-US"/>
           </a:p>
@@ -4984,7 +5104,7 @@
           <a:p>
             <a:fld id="{78C97017-6FC3-485B-9764-EAC9E56C1D49}" type="datetimeFigureOut">
               <a:rPr lang="en-US" smtClean="0"/>
-              <a:t>4/12/19</a:t>
+              <a:t>4/13/19</a:t>
             </a:fld>
             <a:endParaRPr lang="en-US"/>
           </a:p>
@@ -5195,7 +5315,7 @@
           <a:p>
             <a:fld id="{78C97017-6FC3-485B-9764-EAC9E56C1D49}" type="datetimeFigureOut">
               <a:rPr lang="en-US" smtClean="0"/>
-              <a:t>4/12/19</a:t>
+              <a:t>4/13/19</a:t>
             </a:fld>
             <a:endParaRPr lang="en-US"/>
           </a:p>
@@ -5584,8 +5704,8 @@
         </p:nvSpPr>
         <p:spPr>
           <a:xfrm>
-            <a:off x="9699812" y="296676"/>
-            <a:ext cx="7075272" cy="10908136"/>
+            <a:off x="9699812" y="943897"/>
+            <a:ext cx="6277250" cy="8436078"/>
           </a:xfrm>
           <a:prstGeom prst="roundRect">
             <a:avLst>
@@ -5651,8 +5771,8 @@
         </p:nvSpPr>
         <p:spPr>
           <a:xfrm>
-            <a:off x="243124" y="261257"/>
-            <a:ext cx="9336305" cy="10908137"/>
+            <a:off x="243124" y="908478"/>
+            <a:ext cx="9336305" cy="8436079"/>
           </a:xfrm>
           <a:prstGeom prst="roundRect">
             <a:avLst>
@@ -5721,8 +5841,8 @@
         </p:nvCxnSpPr>
         <p:spPr>
           <a:xfrm>
-            <a:off x="8065841" y="2759825"/>
-            <a:ext cx="0" cy="8049415"/>
+            <a:off x="8065841" y="3169085"/>
+            <a:ext cx="0" cy="5953270"/>
           </a:xfrm>
           <a:prstGeom prst="line">
             <a:avLst/>
@@ -5820,7 +5940,7 @@
         <p:spPr>
           <a:xfrm>
             <a:off x="2282839" y="1539918"/>
-            <a:ext cx="0" cy="9527065"/>
+            <a:ext cx="0" cy="7741868"/>
           </a:xfrm>
           <a:prstGeom prst="line">
             <a:avLst/>
@@ -5857,7 +5977,7 @@
         <p:spPr>
           <a:xfrm>
             <a:off x="2210832" y="1890608"/>
-            <a:ext cx="168205" cy="8977035"/>
+            <a:ext cx="168205" cy="7293497"/>
           </a:xfrm>
           <a:prstGeom prst="rect">
             <a:avLst/>
@@ -5895,76 +6015,6 @@
           </a:p>
         </p:txBody>
       </p:sp>
-      <p:sp>
-        <p:nvSpPr>
-          <p:cNvPr id="16" name="Rectangle 62"/>
-          <p:cNvSpPr/>
-          <p:nvPr/>
-        </p:nvSpPr>
-        <p:spPr>
-          <a:xfrm>
-            <a:off x="4098667" y="1055313"/>
-            <a:ext cx="1219200" cy="467684"/>
-          </a:xfrm>
-          <a:prstGeom prst="rect">
-            <a:avLst/>
-          </a:prstGeom>
-          <a:solidFill>
-            <a:srgbClr val="0070C0"/>
-          </a:solidFill>
-          <a:ln w="19050">
-            <a:solidFill>
-              <a:srgbClr val="0070C0"/>
-            </a:solidFill>
-          </a:ln>
-          <a:effectLst/>
-        </p:spPr>
-        <p:style>
-          <a:lnRef idx="1">
-            <a:schemeClr val="accent2"/>
-          </a:lnRef>
-          <a:fillRef idx="2">
-            <a:schemeClr val="accent2"/>
-          </a:fillRef>
-          <a:effectRef idx="1">
-            <a:schemeClr val="accent2"/>
-          </a:effectRef>
-          <a:fontRef idx="minor">
-            <a:schemeClr val="dk1"/>
-          </a:fontRef>
-        </p:style>
-        <p:txBody>
-          <a:bodyPr rtlCol="0" anchor="ctr"/>
-          <a:lstStyle/>
-          <a:p>
-            <a:pPr algn="ctr"/>
-            <a:r>
-              <a:rPr lang="en-US" sz="1600" dirty="0">
-                <a:solidFill>
-                  <a:schemeClr val="bg1"/>
-                </a:solidFill>
-              </a:rPr>
-              <a:t>:Address</a:t>
-            </a:r>
-          </a:p>
-          <a:p>
-            <a:pPr algn="ctr"/>
-            <a:r>
-              <a:rPr lang="en-US" sz="1600" dirty="0" err="1">
-                <a:solidFill>
-                  <a:schemeClr val="bg1"/>
-                </a:solidFill>
-              </a:rPr>
-              <a:t>BookParser</a:t>
-            </a:r>
-            <a:endParaRPr lang="en-US" sz="1600" dirty="0">
-              <a:solidFill>
-                <a:schemeClr val="bg1"/>
-              </a:solidFill>
-            </a:endParaRPr>
-          </a:p>
-        </p:txBody>
-      </p:sp>
       <p:cxnSp>
         <p:nvCxnSpPr>
           <p:cNvPr id="17" name="Straight Connector 16"/>
@@ -5976,7 +6026,7 @@
         <p:spPr>
           <a:xfrm>
             <a:off x="4712063" y="1539912"/>
-            <a:ext cx="0" cy="2160660"/>
+            <a:ext cx="0" cy="7546215"/>
           </a:xfrm>
           <a:prstGeom prst="line">
             <a:avLst/>
@@ -6062,8 +6112,8 @@
         </p:nvCxnSpPr>
         <p:spPr>
           <a:xfrm>
-            <a:off x="6276037" y="2245952"/>
-            <a:ext cx="0" cy="1389501"/>
+            <a:off x="6276037" y="2245949"/>
+            <a:ext cx="0" cy="6851752"/>
           </a:xfrm>
           <a:prstGeom prst="line">
             <a:avLst/>
@@ -6283,7 +6333,7 @@
           <a:p>
             <a:r>
               <a:rPr lang="en-US"/>
-              <a:t>execute()</a:t>
+              <a:t>c.execute()</a:t>
             </a:r>
           </a:p>
         </p:txBody>
@@ -6490,7 +6540,7 @@
         <p:spPr>
           <a:xfrm>
             <a:off x="10689736" y="3177915"/>
-            <a:ext cx="0" cy="7985954"/>
+            <a:ext cx="0" cy="5990308"/>
           </a:xfrm>
           <a:prstGeom prst="line">
             <a:avLst/>
@@ -6528,8 +6578,8 @@
         </p:nvCxnSpPr>
         <p:spPr>
           <a:xfrm>
-            <a:off x="8136610" y="4395514"/>
-            <a:ext cx="2454673" cy="0"/>
+            <a:off x="8037095" y="5643334"/>
+            <a:ext cx="4757578" cy="0"/>
           </a:xfrm>
           <a:prstGeom prst="straightConnector1">
             <a:avLst/>
@@ -7122,7 +7172,7 @@
                   <a:schemeClr val="bg1"/>
                 </a:solidFill>
               </a:rPr>
-              <a:t>:</a:t>
+              <a:t>c:</a:t>
             </a:r>
             <a:r>
               <a:rPr lang="en-US" sz="1600" err="1">
@@ -7132,11 +7182,6 @@
               </a:rPr>
               <a:t>PutShip</a:t>
             </a:r>
-            <a:endParaRPr lang="en-US" sz="1600">
-              <a:solidFill>
-                <a:schemeClr val="bg1"/>
-              </a:solidFill>
-            </a:endParaRPr>
           </a:p>
           <a:p>
             <a:pPr algn="ctr"/>
@@ -7170,7 +7215,7 @@
         </p:nvGrpSpPr>
         <p:grpSpPr>
           <a:xfrm>
-            <a:off x="1014788" y="10686125"/>
+            <a:off x="1014788" y="8999240"/>
             <a:ext cx="7180254" cy="384597"/>
             <a:chOff x="1014788" y="9304585"/>
             <a:chExt cx="7180254" cy="384597"/>
@@ -7452,7 +7497,7 @@
         <p:spPr>
           <a:xfrm>
             <a:off x="15148010" y="5120410"/>
-            <a:ext cx="0" cy="6043459"/>
+            <a:ext cx="0" cy="4041757"/>
           </a:xfrm>
           <a:prstGeom prst="line">
             <a:avLst/>
@@ -7496,7 +7541,7 @@
         </p:nvCxnSpPr>
         <p:spPr>
           <a:xfrm>
-            <a:off x="8139641" y="7534165"/>
+            <a:off x="8139641" y="7252455"/>
             <a:ext cx="6943840" cy="0"/>
           </a:xfrm>
           <a:prstGeom prst="straightConnector1">
@@ -7586,7 +7631,7 @@
         </p:nvCxnSpPr>
         <p:spPr>
           <a:xfrm>
-            <a:off x="8139641" y="5312796"/>
+            <a:off x="8139641" y="4912774"/>
             <a:ext cx="2457450" cy="0"/>
           </a:xfrm>
           <a:prstGeom prst="straightConnector1">
@@ -7630,10 +7675,10 @@
         </p:nvGrpSpPr>
         <p:grpSpPr>
           <a:xfrm>
-            <a:off x="8101702" y="9887058"/>
-            <a:ext cx="1503265" cy="826953"/>
+            <a:off x="8101702" y="8214766"/>
+            <a:ext cx="1416985" cy="826953"/>
             <a:chOff x="8101702" y="11497197"/>
-            <a:chExt cx="1503265" cy="826953"/>
+            <a:chExt cx="1416985" cy="826953"/>
           </a:xfrm>
         </p:grpSpPr>
         <p:grpSp>
@@ -7650,10 +7695,10 @@
           </p:nvGrpSpPr>
           <p:grpSpPr>
             <a:xfrm>
-              <a:off x="8617424" y="11497197"/>
-              <a:ext cx="987543" cy="826953"/>
-              <a:chOff x="14256889" y="4659447"/>
-              <a:chExt cx="1312860" cy="826953"/>
+              <a:off x="8503127" y="11497197"/>
+              <a:ext cx="1015560" cy="826953"/>
+              <a:chOff x="14104936" y="4659447"/>
+              <a:chExt cx="1350106" cy="826953"/>
             </a:xfrm>
           </p:grpSpPr>
           <p:sp>
@@ -7670,8 +7715,8 @@
             </p:nvSpPr>
             <p:spPr>
               <a:xfrm>
-                <a:off x="14256889" y="4659447"/>
-                <a:ext cx="1312860" cy="516104"/>
+                <a:off x="14104936" y="4659447"/>
+                <a:ext cx="1350106" cy="516104"/>
               </a:xfrm>
               <a:prstGeom prst="rect">
                 <a:avLst/>
@@ -7746,7 +7791,7 @@
             </p:nvSpPr>
             <p:spPr>
               <a:xfrm>
-                <a:off x="14878497" y="5179667"/>
+                <a:off x="14726544" y="5179667"/>
                 <a:ext cx="138546" cy="186603"/>
               </a:xfrm>
               <a:prstGeom prst="rect">
@@ -7802,7 +7847,7 @@
             </p:nvCxnSpPr>
             <p:spPr>
               <a:xfrm flipH="1">
-                <a:off x="14947769" y="5179667"/>
+                <a:off x="14795816" y="5179667"/>
                 <a:ext cx="1" cy="306733"/>
               </a:xfrm>
               <a:prstGeom prst="line">
@@ -7849,7 +7894,7 @@
           <p:spPr>
             <a:xfrm>
               <a:off x="8101702" y="11768510"/>
-              <a:ext cx="504238" cy="0"/>
+              <a:ext cx="408453" cy="0"/>
             </a:xfrm>
             <a:prstGeom prst="straightConnector1">
               <a:avLst/>
@@ -7893,7 +7938,7 @@
           <p:spPr>
             <a:xfrm>
               <a:off x="8126766" y="12195533"/>
-              <a:ext cx="1048305" cy="0"/>
+              <a:ext cx="850180" cy="0"/>
             </a:xfrm>
             <a:prstGeom prst="straightConnector1">
               <a:avLst/>
@@ -7937,7 +7982,7 @@
         </p:nvSpPr>
         <p:spPr>
           <a:xfrm>
-            <a:off x="350104" y="11361872"/>
+            <a:off x="350104" y="9466799"/>
             <a:ext cx="9254858" cy="430887"/>
           </a:xfrm>
           <a:prstGeom prst="rect">
@@ -8024,7 +8069,7 @@
         <p:spPr>
           <a:xfrm>
             <a:off x="15062479" y="7063992"/>
-            <a:ext cx="145369" cy="481344"/>
+            <a:ext cx="145369" cy="195790"/>
           </a:xfrm>
           <a:prstGeom prst="rect">
             <a:avLst/>
@@ -8323,226 +8368,6 @@
           </a:p>
         </p:txBody>
       </p:sp>
-      <p:grpSp>
-        <p:nvGrpSpPr>
-          <p:cNvPr id="92" name="Group 91">
-            <a:extLst>
-              <a:ext uri="{FF2B5EF4-FFF2-40B4-BE49-F238E27FC236}">
-                <a16:creationId xmlns:a16="http://schemas.microsoft.com/office/drawing/2014/main" id="{3AA08EFA-5D9D-094D-BDAB-554B6FF1EABB}"/>
-              </a:ext>
-            </a:extLst>
-          </p:cNvPr>
-          <p:cNvGrpSpPr/>
-          <p:nvPr/>
-        </p:nvGrpSpPr>
-        <p:grpSpPr>
-          <a:xfrm>
-            <a:off x="8114549" y="5451774"/>
-            <a:ext cx="1549580" cy="604906"/>
-            <a:chOff x="8114549" y="4612325"/>
-            <a:chExt cx="1549580" cy="604906"/>
-          </a:xfrm>
-        </p:grpSpPr>
-        <p:cxnSp>
-          <p:nvCxnSpPr>
-            <p:cNvPr id="101" name="Curved Connector 100">
-              <a:extLst>
-                <a:ext uri="{FF2B5EF4-FFF2-40B4-BE49-F238E27FC236}">
-                  <a16:creationId xmlns:a16="http://schemas.microsoft.com/office/drawing/2014/main" id="{22418FEE-65E6-B344-B202-9F7771C0F208}"/>
-                </a:ext>
-              </a:extLst>
-            </p:cNvPr>
-            <p:cNvCxnSpPr>
-              <a:cxnSpLocks/>
-            </p:cNvCxnSpPr>
-            <p:nvPr/>
-          </p:nvCxnSpPr>
-          <p:spPr>
-            <a:xfrm>
-              <a:off x="8129095" y="4853840"/>
-              <a:ext cx="134988" cy="109955"/>
-            </a:xfrm>
-            <a:prstGeom prst="curvedConnector3">
-              <a:avLst>
-                <a:gd name="adj1" fmla="val 291588"/>
-              </a:avLst>
-            </a:prstGeom>
-            <a:ln>
-              <a:solidFill>
-                <a:srgbClr val="0070C0"/>
-              </a:solidFill>
-              <a:tailEnd type="triangle"/>
-            </a:ln>
-          </p:spPr>
-          <p:style>
-            <a:lnRef idx="1">
-              <a:schemeClr val="accent1"/>
-            </a:lnRef>
-            <a:fillRef idx="0">
-              <a:schemeClr val="accent1"/>
-            </a:fillRef>
-            <a:effectRef idx="0">
-              <a:schemeClr val="accent1"/>
-            </a:effectRef>
-            <a:fontRef idx="minor">
-              <a:schemeClr val="tx1"/>
-            </a:fontRef>
-          </p:style>
-        </p:cxnSp>
-        <p:sp>
-          <p:nvSpPr>
-            <p:cNvPr id="102" name="Rectangle 101">
-              <a:extLst>
-                <a:ext uri="{FF2B5EF4-FFF2-40B4-BE49-F238E27FC236}">
-                  <a16:creationId xmlns:a16="http://schemas.microsoft.com/office/drawing/2014/main" id="{6A64BBFD-F360-4345-AC45-8FC9B6DB61D0}"/>
-                </a:ext>
-              </a:extLst>
-            </p:cNvPr>
-            <p:cNvSpPr/>
-            <p:nvPr/>
-          </p:nvSpPr>
-          <p:spPr>
-            <a:xfrm>
-              <a:off x="8126367" y="4961846"/>
-              <a:ext cx="136654" cy="148227"/>
-            </a:xfrm>
-            <a:prstGeom prst="rect">
-              <a:avLst/>
-            </a:prstGeom>
-            <a:solidFill>
-              <a:srgbClr val="0070C0"/>
-            </a:solidFill>
-            <a:ln>
-              <a:solidFill>
-                <a:srgbClr val="0070C0"/>
-              </a:solidFill>
-            </a:ln>
-            <a:effectLst/>
-          </p:spPr>
-          <p:style>
-            <a:lnRef idx="1">
-              <a:schemeClr val="accent3"/>
-            </a:lnRef>
-            <a:fillRef idx="2">
-              <a:schemeClr val="accent3"/>
-            </a:fillRef>
-            <a:effectRef idx="1">
-              <a:schemeClr val="accent3"/>
-            </a:effectRef>
-            <a:fontRef idx="minor">
-              <a:schemeClr val="dk1"/>
-            </a:fontRef>
-          </p:style>
-          <p:txBody>
-            <a:bodyPr rtlCol="0" anchor="ctr"/>
-            <a:lstStyle/>
-            <a:p>
-              <a:pPr algn="ctr"/>
-              <a:endParaRPr lang="en-SG" sz="1400"/>
-            </a:p>
-          </p:txBody>
-        </p:sp>
-        <p:cxnSp>
-          <p:nvCxnSpPr>
-            <p:cNvPr id="103" name="Curved Connector 12">
-              <a:extLst>
-                <a:ext uri="{FF2B5EF4-FFF2-40B4-BE49-F238E27FC236}">
-                  <a16:creationId xmlns:a16="http://schemas.microsoft.com/office/drawing/2014/main" id="{220AF7B3-934B-E24A-9172-2C909103CF1D}"/>
-                </a:ext>
-              </a:extLst>
-            </p:cNvPr>
-            <p:cNvCxnSpPr>
-              <a:cxnSpLocks/>
-            </p:cNvCxnSpPr>
-            <p:nvPr/>
-          </p:nvCxnSpPr>
-          <p:spPr>
-            <a:xfrm rot="10800000" flipV="1">
-              <a:off x="8135714" y="5108984"/>
-              <a:ext cx="127009" cy="108247"/>
-            </a:xfrm>
-            <a:prstGeom prst="curvedConnector3">
-              <a:avLst>
-                <a:gd name="adj1" fmla="val -216834"/>
-              </a:avLst>
-            </a:prstGeom>
-            <a:ln>
-              <a:solidFill>
-                <a:srgbClr val="0070C0"/>
-              </a:solidFill>
-              <a:prstDash val="sysDash"/>
-              <a:tailEnd type="triangle"/>
-            </a:ln>
-          </p:spPr>
-          <p:style>
-            <a:lnRef idx="1">
-              <a:schemeClr val="accent1"/>
-            </a:lnRef>
-            <a:fillRef idx="0">
-              <a:schemeClr val="accent1"/>
-            </a:fillRef>
-            <a:effectRef idx="0">
-              <a:schemeClr val="accent1"/>
-            </a:effectRef>
-            <a:fontRef idx="minor">
-              <a:schemeClr val="tx1"/>
-            </a:fontRef>
-          </p:style>
-        </p:cxnSp>
-        <p:sp>
-          <p:nvSpPr>
-            <p:cNvPr id="104" name="TextBox 103">
-              <a:extLst>
-                <a:ext uri="{FF2B5EF4-FFF2-40B4-BE49-F238E27FC236}">
-                  <a16:creationId xmlns:a16="http://schemas.microsoft.com/office/drawing/2014/main" id="{5E40F979-1494-C947-A85A-217E0C38A9AD}"/>
-                </a:ext>
-              </a:extLst>
-            </p:cNvPr>
-            <p:cNvSpPr txBox="1"/>
-            <p:nvPr/>
-          </p:nvSpPr>
-          <p:spPr>
-            <a:xfrm>
-              <a:off x="8114549" y="4612325"/>
-              <a:ext cx="1549580" cy="169277"/>
-            </a:xfrm>
-            <a:prstGeom prst="rect">
-              <a:avLst/>
-            </a:prstGeom>
-            <a:noFill/>
-            <a:ln>
-              <a:noFill/>
-            </a:ln>
-          </p:spPr>
-          <p:txBody>
-            <a:bodyPr wrap="square" lIns="0" tIns="0" rIns="0" bIns="0" rtlCol="0">
-              <a:spAutoFit/>
-            </a:bodyPr>
-            <a:lstStyle>
-              <a:defPPr>
-                <a:defRPr lang="en-US"/>
-              </a:defPPr>
-              <a:lvl1pPr algn="r">
-                <a:defRPr sz="1400">
-                  <a:solidFill>
-                    <a:srgbClr val="0070C0"/>
-                  </a:solidFill>
-                </a:defRPr>
-              </a:lvl1pPr>
-            </a:lstStyle>
-            <a:p>
-              <a:r>
-                <a:rPr lang="en-US" sz="1100" err="1"/>
-                <a:t>checkEnoughBattleships</a:t>
-              </a:r>
-              <a:r>
-                <a:rPr lang="en-US" sz="1100"/>
-                <a:t>()</a:t>
-              </a:r>
-            </a:p>
-          </p:txBody>
-        </p:sp>
-      </p:grpSp>
       <p:cxnSp>
         <p:nvCxnSpPr>
           <p:cNvPr id="108" name="Straight Arrow Connector 107">
@@ -8559,7 +8384,7 @@
         </p:nvCxnSpPr>
         <p:spPr>
           <a:xfrm>
-            <a:off x="10719664" y="4907584"/>
+            <a:off x="10719664" y="4510542"/>
             <a:ext cx="1488227" cy="1"/>
           </a:xfrm>
           <a:prstGeom prst="straightConnector1">
@@ -8673,7 +8498,7 @@
         <p:spPr>
           <a:xfrm>
             <a:off x="12245097" y="3396542"/>
-            <a:ext cx="0" cy="7780974"/>
+            <a:ext cx="0" cy="5759569"/>
           </a:xfrm>
           <a:prstGeom prst="line">
             <a:avLst/>
@@ -8720,7 +8545,7 @@
         </p:nvCxnSpPr>
         <p:spPr>
           <a:xfrm>
-            <a:off x="10756964" y="5187447"/>
+            <a:off x="10756964" y="4790405"/>
             <a:ext cx="1450927" cy="0"/>
           </a:xfrm>
           <a:prstGeom prst="straightConnector1">
@@ -8767,7 +8592,7 @@
         </p:nvSpPr>
         <p:spPr>
           <a:xfrm>
-            <a:off x="11042494" y="4671004"/>
+            <a:off x="11042494" y="4273962"/>
             <a:ext cx="1034931" cy="184666"/>
           </a:xfrm>
           <a:prstGeom prst="rect">
@@ -8834,7 +8659,7 @@
         </p:nvSpPr>
         <p:spPr>
           <a:xfrm>
-            <a:off x="10884554" y="4991905"/>
+            <a:off x="10884554" y="4594863"/>
             <a:ext cx="1175496" cy="184666"/>
           </a:xfrm>
           <a:prstGeom prst="rect">
@@ -8898,7 +8723,7 @@
         </p:nvSpPr>
         <p:spPr>
           <a:xfrm>
-            <a:off x="12791599" y="3839905"/>
+            <a:off x="12791599" y="5312547"/>
             <a:ext cx="1779662" cy="608671"/>
           </a:xfrm>
           <a:prstGeom prst="rect">
@@ -8984,13 +8809,14 @@
           </p:cNvPr>
           <p:cNvCxnSpPr>
             <a:cxnSpLocks/>
+            <a:stCxn id="95" idx="2"/>
           </p:cNvCxnSpPr>
           <p:nvPr/>
         </p:nvCxnSpPr>
         <p:spPr>
           <a:xfrm>
-            <a:off x="13677429" y="4315216"/>
-            <a:ext cx="0" cy="6848653"/>
+            <a:off x="13663423" y="6082145"/>
+            <a:ext cx="8265" cy="3073966"/>
           </a:xfrm>
           <a:prstGeom prst="line">
             <a:avLst/>
@@ -9033,7 +8859,7 @@
         <p:spPr>
           <a:xfrm>
             <a:off x="13578975" y="6175015"/>
-            <a:ext cx="168896" cy="529439"/>
+            <a:ext cx="168896" cy="521349"/>
           </a:xfrm>
           <a:prstGeom prst="rect">
             <a:avLst/>
@@ -9384,7 +9210,7 @@
         </p:nvGrpSpPr>
         <p:grpSpPr>
           <a:xfrm>
-            <a:off x="10747748" y="7771076"/>
+            <a:off x="10747748" y="7286444"/>
             <a:ext cx="1220038" cy="600170"/>
             <a:chOff x="10747748" y="4186692"/>
             <a:chExt cx="1220038" cy="600170"/>
@@ -9619,7 +9445,7 @@
         </p:nvSpPr>
         <p:spPr>
           <a:xfrm>
-            <a:off x="12188829" y="4893851"/>
+            <a:off x="12188829" y="4496809"/>
             <a:ext cx="129933" cy="299071"/>
           </a:xfrm>
           <a:prstGeom prst="rect">
@@ -9666,76 +9492,6 @@
       </p:sp>
       <p:sp>
         <p:nvSpPr>
-          <p:cNvPr id="147" name="TextBox 146">
-            <a:extLst>
-              <a:ext uri="{FF2B5EF4-FFF2-40B4-BE49-F238E27FC236}">
-                <a16:creationId xmlns:a16="http://schemas.microsoft.com/office/drawing/2014/main" id="{7EF6BB41-CD95-364B-BE27-9B810B72FEA8}"/>
-              </a:ext>
-            </a:extLst>
-          </p:cNvPr>
-          <p:cNvSpPr txBox="1"/>
-          <p:nvPr/>
-        </p:nvSpPr>
-        <p:spPr>
-          <a:xfrm>
-            <a:off x="8847931" y="5970209"/>
-            <a:ext cx="2332116" cy="184666"/>
-          </a:xfrm>
-          <a:prstGeom prst="rect">
-            <a:avLst/>
-          </a:prstGeom>
-          <a:noFill/>
-          <a:ln>
-            <a:noFill/>
-          </a:ln>
-        </p:spPr>
-        <p:txBody>
-          <a:bodyPr wrap="square" lIns="0" tIns="0" rIns="0" bIns="0" rtlCol="0">
-            <a:spAutoFit/>
-          </a:bodyPr>
-          <a:lstStyle>
-            <a:defPPr>
-              <a:defRPr lang="en-US"/>
-            </a:defPPr>
-            <a:lvl1pPr algn="r">
-              <a:defRPr sz="1400">
-                <a:solidFill>
-                  <a:srgbClr val="0070C0"/>
-                </a:solidFill>
-              </a:defRPr>
-            </a:lvl1pPr>
-          </a:lstStyle>
-          <a:p>
-            <a:pPr algn="ctr"/>
-            <a:r>
-              <a:rPr lang="en-US" sz="1200">
-                <a:solidFill>
-                  <a:srgbClr val="7030A0"/>
-                </a:solidFill>
-              </a:rPr>
-              <a:t>new </a:t>
-            </a:r>
-            <a:r>
-              <a:rPr lang="en-US" sz="1200" err="1">
-                <a:solidFill>
-                  <a:srgbClr val="7030A0"/>
-                </a:solidFill>
-              </a:rPr>
-              <a:t>BoundaryValueChecker</a:t>
-            </a:r>
-            <a:r>
-              <a:rPr lang="en-US" sz="1200">
-                <a:solidFill>
-                  <a:srgbClr val="7030A0"/>
-                </a:solidFill>
-              </a:rPr>
-              <a:t>()</a:t>
-            </a:r>
-          </a:p>
-        </p:txBody>
-      </p:sp>
-      <p:sp>
-        <p:nvSpPr>
           <p:cNvPr id="151" name="Rectangle 150">
             <a:extLst>
               <a:ext uri="{FF2B5EF4-FFF2-40B4-BE49-F238E27FC236}">
@@ -9748,8 +9504,8 @@
         </p:nvSpPr>
         <p:spPr>
           <a:xfrm>
-            <a:off x="10591282" y="7976394"/>
-            <a:ext cx="168896" cy="937324"/>
+            <a:off x="10591282" y="7491762"/>
+            <a:ext cx="168896" cy="539645"/>
           </a:xfrm>
           <a:prstGeom prst="rect">
             <a:avLst/>
@@ -9803,7 +9559,7 @@
         </p:nvCxnSpPr>
         <p:spPr>
           <a:xfrm>
-            <a:off x="8136610" y="7973512"/>
+            <a:off x="8136610" y="7488880"/>
             <a:ext cx="2454673" cy="0"/>
           </a:xfrm>
           <a:prstGeom prst="straightConnector1">
@@ -9847,7 +9603,250 @@
         </p:nvCxnSpPr>
         <p:spPr>
           <a:xfrm>
-            <a:off x="8139641" y="8890794"/>
+            <a:off x="8139641" y="8026080"/>
+            <a:ext cx="2546720" cy="0"/>
+          </a:xfrm>
+          <a:prstGeom prst="straightConnector1">
+            <a:avLst/>
+          </a:prstGeom>
+          <a:ln w="19050">
+            <a:solidFill>
+              <a:srgbClr val="7030A0"/>
+            </a:solidFill>
+            <a:prstDash val="sysDash"/>
+            <a:headEnd type="arrow" w="med" len="med"/>
+            <a:tailEnd type="none" w="med" len="med"/>
+          </a:ln>
+        </p:spPr>
+        <p:style>
+          <a:lnRef idx="1">
+            <a:schemeClr val="accent1"/>
+          </a:lnRef>
+          <a:fillRef idx="0">
+            <a:schemeClr val="accent1"/>
+          </a:fillRef>
+          <a:effectRef idx="0">
+            <a:schemeClr val="accent1"/>
+          </a:effectRef>
+          <a:fontRef idx="minor">
+            <a:schemeClr val="tx1"/>
+          </a:fontRef>
+        </p:style>
+      </p:cxnSp>
+      <p:sp>
+        <p:nvSpPr>
+          <p:cNvPr id="49" name="Rectangle 48"/>
+          <p:cNvSpPr/>
+          <p:nvPr/>
+        </p:nvSpPr>
+        <p:spPr>
+          <a:xfrm>
+            <a:off x="10591282" y="4384747"/>
+            <a:ext cx="168896" cy="536169"/>
+          </a:xfrm>
+          <a:prstGeom prst="rect">
+            <a:avLst/>
+          </a:prstGeom>
+          <a:solidFill>
+            <a:srgbClr val="7030A0"/>
+          </a:solidFill>
+          <a:ln>
+            <a:solidFill>
+              <a:srgbClr val="7030A0"/>
+            </a:solidFill>
+          </a:ln>
+          <a:effectLst/>
+        </p:spPr>
+        <p:style>
+          <a:lnRef idx="1">
+            <a:schemeClr val="accent3"/>
+          </a:lnRef>
+          <a:fillRef idx="2">
+            <a:schemeClr val="accent3"/>
+          </a:fillRef>
+          <a:effectRef idx="1">
+            <a:schemeClr val="accent3"/>
+          </a:effectRef>
+          <a:fontRef idx="minor">
+            <a:schemeClr val="dk1"/>
+          </a:fontRef>
+        </p:style>
+        <p:txBody>
+          <a:bodyPr rtlCol="0" anchor="ctr"/>
+          <a:lstStyle/>
+          <a:p>
+            <a:pPr algn="ctr"/>
+            <a:endParaRPr lang="en-SG" sz="1400"/>
+          </a:p>
+        </p:txBody>
+      </p:sp>
+      <p:sp>
+        <p:nvSpPr>
+          <p:cNvPr id="95" name="Rectangle 94">
+            <a:extLst>
+              <a:ext uri="{FF2B5EF4-FFF2-40B4-BE49-F238E27FC236}">
+                <a16:creationId xmlns:a16="http://schemas.microsoft.com/office/drawing/2014/main" id="{9499F6F2-4A04-9047-8D5A-2FD1F6DD311F}"/>
+              </a:ext>
+            </a:extLst>
+          </p:cNvPr>
+          <p:cNvSpPr/>
+          <p:nvPr/>
+        </p:nvSpPr>
+        <p:spPr>
+          <a:xfrm>
+            <a:off x="13578975" y="5908103"/>
+            <a:ext cx="168896" cy="174042"/>
+          </a:xfrm>
+          <a:prstGeom prst="rect">
+            <a:avLst/>
+          </a:prstGeom>
+          <a:solidFill>
+            <a:srgbClr val="7030A0"/>
+          </a:solidFill>
+          <a:ln>
+            <a:solidFill>
+              <a:srgbClr val="7030A0"/>
+            </a:solidFill>
+          </a:ln>
+          <a:effectLst/>
+        </p:spPr>
+        <p:style>
+          <a:lnRef idx="1">
+            <a:schemeClr val="accent3"/>
+          </a:lnRef>
+          <a:fillRef idx="2">
+            <a:schemeClr val="accent3"/>
+          </a:fillRef>
+          <a:effectRef idx="1">
+            <a:schemeClr val="accent3"/>
+          </a:effectRef>
+          <a:fontRef idx="minor">
+            <a:schemeClr val="dk1"/>
+          </a:fontRef>
+        </p:style>
+        <p:txBody>
+          <a:bodyPr rtlCol="0" anchor="ctr"/>
+          <a:lstStyle/>
+          <a:p>
+            <a:pPr algn="ctr"/>
+            <a:endParaRPr lang="en-SG" sz="1400"/>
+          </a:p>
+        </p:txBody>
+      </p:sp>
+      <p:sp>
+        <p:nvSpPr>
+          <p:cNvPr id="97" name="Rectangle 96">
+            <a:extLst>
+              <a:ext uri="{FF2B5EF4-FFF2-40B4-BE49-F238E27FC236}">
+                <a16:creationId xmlns:a16="http://schemas.microsoft.com/office/drawing/2014/main" id="{4873ED37-62EB-1242-BD75-3C7E57E41172}"/>
+              </a:ext>
+            </a:extLst>
+          </p:cNvPr>
+          <p:cNvSpPr/>
+          <p:nvPr/>
+        </p:nvSpPr>
+        <p:spPr>
+          <a:xfrm>
+            <a:off x="10591282" y="5154989"/>
+            <a:ext cx="168896" cy="297222"/>
+          </a:xfrm>
+          <a:prstGeom prst="rect">
+            <a:avLst/>
+          </a:prstGeom>
+          <a:solidFill>
+            <a:srgbClr val="7030A0"/>
+          </a:solidFill>
+          <a:ln>
+            <a:solidFill>
+              <a:srgbClr val="7030A0"/>
+            </a:solidFill>
+          </a:ln>
+          <a:effectLst/>
+        </p:spPr>
+        <p:style>
+          <a:lnRef idx="1">
+            <a:schemeClr val="accent3"/>
+          </a:lnRef>
+          <a:fillRef idx="2">
+            <a:schemeClr val="accent3"/>
+          </a:fillRef>
+          <a:effectRef idx="1">
+            <a:schemeClr val="accent3"/>
+          </a:effectRef>
+          <a:fontRef idx="minor">
+            <a:schemeClr val="dk1"/>
+          </a:fontRef>
+        </p:style>
+        <p:txBody>
+          <a:bodyPr rtlCol="0" anchor="ctr"/>
+          <a:lstStyle/>
+          <a:p>
+            <a:pPr algn="ctr"/>
+            <a:endParaRPr lang="en-SG" sz="1400"/>
+          </a:p>
+        </p:txBody>
+      </p:sp>
+      <p:cxnSp>
+        <p:nvCxnSpPr>
+          <p:cNvPr id="99" name="Straight Arrow Connector 98">
+            <a:extLst>
+              <a:ext uri="{FF2B5EF4-FFF2-40B4-BE49-F238E27FC236}">
+                <a16:creationId xmlns:a16="http://schemas.microsoft.com/office/drawing/2014/main" id="{FEFC6A07-EAC7-D04C-BA68-56DCED02C5D2}"/>
+              </a:ext>
+            </a:extLst>
+          </p:cNvPr>
+          <p:cNvCxnSpPr>
+            <a:cxnSpLocks/>
+          </p:cNvCxnSpPr>
+          <p:nvPr/>
+        </p:nvCxnSpPr>
+        <p:spPr>
+          <a:xfrm>
+            <a:off x="8136610" y="5154989"/>
+            <a:ext cx="2454673" cy="0"/>
+          </a:xfrm>
+          <a:prstGeom prst="straightConnector1">
+            <a:avLst/>
+          </a:prstGeom>
+          <a:ln w="19050">
+            <a:solidFill>
+              <a:srgbClr val="7030A0"/>
+            </a:solidFill>
+            <a:tailEnd type="arrow"/>
+          </a:ln>
+        </p:spPr>
+        <p:style>
+          <a:lnRef idx="1">
+            <a:schemeClr val="accent1"/>
+          </a:lnRef>
+          <a:fillRef idx="0">
+            <a:schemeClr val="accent1"/>
+          </a:fillRef>
+          <a:effectRef idx="0">
+            <a:schemeClr val="accent1"/>
+          </a:effectRef>
+          <a:fontRef idx="minor">
+            <a:schemeClr val="tx1"/>
+          </a:fontRef>
+        </p:style>
+      </p:cxnSp>
+      <p:cxnSp>
+        <p:nvCxnSpPr>
+          <p:cNvPr id="100" name="Straight Arrow Connector 99">
+            <a:extLst>
+              <a:ext uri="{FF2B5EF4-FFF2-40B4-BE49-F238E27FC236}">
+                <a16:creationId xmlns:a16="http://schemas.microsoft.com/office/drawing/2014/main" id="{4C797AB4-53E0-DC4C-9150-011C43CE8065}"/>
+              </a:ext>
+            </a:extLst>
+          </p:cNvPr>
+          <p:cNvCxnSpPr>
+            <a:cxnSpLocks/>
+          </p:cNvCxnSpPr>
+          <p:nvPr/>
+        </p:nvCxnSpPr>
+        <p:spPr>
+          <a:xfrm>
+            <a:off x="8139641" y="5446067"/>
             <a:ext cx="2457450" cy="0"/>
           </a:xfrm>
           <a:prstGeom prst="straightConnector1">
@@ -9879,14 +9878,163 @@
       </p:cxnSp>
       <p:sp>
         <p:nvSpPr>
+          <p:cNvPr id="105" name="TextBox 104">
+            <a:extLst>
+              <a:ext uri="{FF2B5EF4-FFF2-40B4-BE49-F238E27FC236}">
+                <a16:creationId xmlns:a16="http://schemas.microsoft.com/office/drawing/2014/main" id="{5202EE9D-B570-F048-97B0-1128F3AFF2E9}"/>
+              </a:ext>
+            </a:extLst>
+          </p:cNvPr>
+          <p:cNvSpPr txBox="1"/>
+          <p:nvPr/>
+        </p:nvSpPr>
+        <p:spPr>
+          <a:xfrm>
+            <a:off x="8272675" y="4978270"/>
+            <a:ext cx="2332116" cy="184666"/>
+          </a:xfrm>
+          <a:prstGeom prst="rect">
+            <a:avLst/>
+          </a:prstGeom>
+          <a:noFill/>
+          <a:ln>
+            <a:noFill/>
+          </a:ln>
+        </p:spPr>
+        <p:txBody>
+          <a:bodyPr wrap="square" lIns="0" tIns="0" rIns="0" bIns="0" rtlCol="0">
+            <a:spAutoFit/>
+          </a:bodyPr>
+          <a:lstStyle>
+            <a:defPPr>
+              <a:defRPr lang="en-US"/>
+            </a:defPPr>
+            <a:lvl1pPr algn="r">
+              <a:defRPr sz="1400">
+                <a:solidFill>
+                  <a:srgbClr val="0070C0"/>
+                </a:solidFill>
+              </a:defRPr>
+            </a:lvl1pPr>
+          </a:lstStyle>
+          <a:p>
+            <a:pPr algn="ctr"/>
+            <a:r>
+              <a:rPr lang="en-US" sz="1200" err="1">
+                <a:solidFill>
+                  <a:srgbClr val="7030A0"/>
+                </a:solidFill>
+              </a:rPr>
+              <a:t>isEnoughBattleships(battleship, 1)</a:t>
+            </a:r>
+            <a:endParaRPr lang="en-US" sz="1200">
+              <a:solidFill>
+                <a:srgbClr val="7030A0"/>
+              </a:solidFill>
+            </a:endParaRPr>
+          </a:p>
+        </p:txBody>
+      </p:sp>
+      <p:cxnSp>
+        <p:nvCxnSpPr>
+          <p:cNvPr id="107" name="Straight Arrow Connector 106">
+            <a:extLst>
+              <a:ext uri="{FF2B5EF4-FFF2-40B4-BE49-F238E27FC236}">
+                <a16:creationId xmlns:a16="http://schemas.microsoft.com/office/drawing/2014/main" id="{A901C160-EAAB-B84F-A3CB-29327EB10D48}"/>
+              </a:ext>
+            </a:extLst>
+          </p:cNvPr>
+          <p:cNvCxnSpPr>
+            <a:cxnSpLocks/>
+          </p:cNvCxnSpPr>
+          <p:nvPr/>
+        </p:nvCxnSpPr>
+        <p:spPr>
+          <a:xfrm>
+            <a:off x="8139641" y="6078321"/>
+            <a:ext cx="5520941" cy="0"/>
+          </a:xfrm>
+          <a:prstGeom prst="straightConnector1">
+            <a:avLst/>
+          </a:prstGeom>
+          <a:ln w="19050">
+            <a:solidFill>
+              <a:srgbClr val="7030A0"/>
+            </a:solidFill>
+            <a:prstDash val="sysDash"/>
+            <a:headEnd type="arrow" w="med" len="med"/>
+            <a:tailEnd type="none" w="med" len="med"/>
+          </a:ln>
+        </p:spPr>
+        <p:style>
+          <a:lnRef idx="1">
+            <a:schemeClr val="accent1"/>
+          </a:lnRef>
+          <a:fillRef idx="0">
+            <a:schemeClr val="accent1"/>
+          </a:fillRef>
+          <a:effectRef idx="0">
+            <a:schemeClr val="accent1"/>
+          </a:effectRef>
+          <a:fontRef idx="minor">
+            <a:schemeClr val="tx1"/>
+          </a:fontRef>
+        </p:style>
+      </p:cxnSp>
+      <p:cxnSp>
+        <p:nvCxnSpPr>
+          <p:cNvPr id="92" name="Straight Arrow Connector 91">
+            <a:extLst>
+              <a:ext uri="{FF2B5EF4-FFF2-40B4-BE49-F238E27FC236}">
+                <a16:creationId xmlns:a16="http://schemas.microsoft.com/office/drawing/2014/main" id="{BB3190FB-CC68-A046-AA74-31A0A577EAE8}"/>
+              </a:ext>
+            </a:extLst>
+          </p:cNvPr>
+          <p:cNvCxnSpPr>
+            <a:cxnSpLocks/>
+          </p:cNvCxnSpPr>
+          <p:nvPr/>
+        </p:nvCxnSpPr>
+        <p:spPr>
+          <a:xfrm>
+            <a:off x="7994590" y="4387872"/>
+            <a:ext cx="2606906" cy="0"/>
+          </a:xfrm>
+          <a:prstGeom prst="straightConnector1">
+            <a:avLst/>
+          </a:prstGeom>
+          <a:ln w="19050">
+            <a:solidFill>
+              <a:srgbClr val="7030A0"/>
+            </a:solidFill>
+            <a:tailEnd type="arrow"/>
+          </a:ln>
+        </p:spPr>
+        <p:style>
+          <a:lnRef idx="1">
+            <a:schemeClr val="accent1"/>
+          </a:lnRef>
+          <a:fillRef idx="0">
+            <a:schemeClr val="accent1"/>
+          </a:fillRef>
+          <a:effectRef idx="0">
+            <a:schemeClr val="accent1"/>
+          </a:effectRef>
+          <a:fontRef idx="minor">
+            <a:schemeClr val="tx1"/>
+          </a:fontRef>
+        </p:style>
+      </p:cxnSp>
+      <p:sp>
+        <p:nvSpPr>
           <p:cNvPr id="65" name="Rectangle 64"/>
           <p:cNvSpPr/>
           <p:nvPr/>
         </p:nvSpPr>
         <p:spPr>
           <a:xfrm>
-            <a:off x="7965180" y="3824796"/>
-            <a:ext cx="169682" cy="6866295"/>
+            <a:off x="7965180" y="3824797"/>
+            <a:ext cx="169682" cy="5180307"/>
           </a:xfrm>
           <a:prstGeom prst="rect">
             <a:avLst/>
@@ -9926,37 +10074,43 @@
       </p:sp>
       <p:sp>
         <p:nvSpPr>
-          <p:cNvPr id="49" name="Rectangle 48"/>
+          <p:cNvPr id="122" name="Rectangle 62">
+            <a:extLst>
+              <a:ext uri="{FF2B5EF4-FFF2-40B4-BE49-F238E27FC236}">
+                <a16:creationId xmlns:a16="http://schemas.microsoft.com/office/drawing/2014/main" id="{CFEC3571-1124-E34D-85CF-1856E29D0A87}"/>
+              </a:ext>
+            </a:extLst>
+          </p:cNvPr>
           <p:cNvSpPr/>
           <p:nvPr/>
         </p:nvSpPr>
         <p:spPr>
           <a:xfrm>
-            <a:off x="10591282" y="4384747"/>
-            <a:ext cx="168896" cy="937324"/>
+            <a:off x="3782115" y="1176238"/>
+            <a:ext cx="1941791" cy="346760"/>
           </a:xfrm>
           <a:prstGeom prst="rect">
             <a:avLst/>
           </a:prstGeom>
           <a:solidFill>
-            <a:srgbClr val="7030A0"/>
+            <a:srgbClr val="0070C0"/>
           </a:solidFill>
-          <a:ln>
+          <a:ln w="19050">
             <a:solidFill>
-              <a:srgbClr val="7030A0"/>
+              <a:srgbClr val="0070C0"/>
             </a:solidFill>
           </a:ln>
           <a:effectLst/>
         </p:spPr>
         <p:style>
           <a:lnRef idx="1">
-            <a:schemeClr val="accent3"/>
+            <a:schemeClr val="accent2"/>
           </a:lnRef>
           <a:fillRef idx="2">
-            <a:schemeClr val="accent3"/>
+            <a:schemeClr val="accent2"/>
           </a:fillRef>
           <a:effectRef idx="1">
-            <a:schemeClr val="accent3"/>
+            <a:schemeClr val="accent2"/>
           </a:effectRef>
           <a:fontRef idx="minor">
             <a:schemeClr val="dk1"/>
@@ -9967,7 +10121,19 @@
           <a:lstStyle/>
           <a:p>
             <a:pPr algn="ctr"/>
-            <a:endParaRPr lang="en-SG" sz="1400"/>
+            <a:r>
+              <a:rPr lang="en-US" sz="1600" dirty="0">
+                <a:solidFill>
+                  <a:schemeClr val="bg1"/>
+                </a:solidFill>
+              </a:rPr>
+              <a:t>:AddressBookParser</a:t>
+            </a:r>
+            <a:endParaRPr lang="en-SG" sz="1600" dirty="0">
+              <a:solidFill>
+                <a:schemeClr val="bg1"/>
+              </a:solidFill>
+            </a:endParaRPr>
           </a:p>
         </p:txBody>
       </p:sp>

--- a/docs/diagrams/PutShipSequenceDiagram.pptx
+++ b/docs/diagrams/PutShipSequenceDiagram.pptx
@@ -2367,7 +2367,7 @@
           <a:p>
             <a:fld id="{F5CC4B3F-88C1-4FFA-B1B6-F41C21DC6924}" type="datetimeFigureOut">
               <a:rPr lang="en-US" smtClean="0"/>
-              <a:t>4/13/19</a:t>
+              <a:t>4/14/19</a:t>
             </a:fld>
             <a:endParaRPr lang="en-US"/>
           </a:p>
@@ -2902,7 +2902,7 @@
           <a:p>
             <a:fld id="{78C97017-6FC3-485B-9764-EAC9E56C1D49}" type="datetimeFigureOut">
               <a:rPr lang="en-US" smtClean="0"/>
-              <a:t>4/13/19</a:t>
+              <a:t>4/14/19</a:t>
             </a:fld>
             <a:endParaRPr lang="en-US"/>
           </a:p>
@@ -3070,7 +3070,7 @@
           <a:p>
             <a:fld id="{78C97017-6FC3-485B-9764-EAC9E56C1D49}" type="datetimeFigureOut">
               <a:rPr lang="en-US" smtClean="0"/>
-              <a:t>4/13/19</a:t>
+              <a:t>4/14/19</a:t>
             </a:fld>
             <a:endParaRPr lang="en-US"/>
           </a:p>
@@ -3248,7 +3248,7 @@
           <a:p>
             <a:fld id="{78C97017-6FC3-485B-9764-EAC9E56C1D49}" type="datetimeFigureOut">
               <a:rPr lang="en-US" smtClean="0"/>
-              <a:t>4/13/19</a:t>
+              <a:t>4/14/19</a:t>
             </a:fld>
             <a:endParaRPr lang="en-US"/>
           </a:p>
@@ -3416,7 +3416,7 @@
           <a:p>
             <a:fld id="{78C97017-6FC3-485B-9764-EAC9E56C1D49}" type="datetimeFigureOut">
               <a:rPr lang="en-US" smtClean="0"/>
-              <a:t>4/13/19</a:t>
+              <a:t>4/14/19</a:t>
             </a:fld>
             <a:endParaRPr lang="en-US"/>
           </a:p>
@@ -3661,7 +3661,7 @@
           <a:p>
             <a:fld id="{78C97017-6FC3-485B-9764-EAC9E56C1D49}" type="datetimeFigureOut">
               <a:rPr lang="en-US" smtClean="0"/>
-              <a:t>4/13/19</a:t>
+              <a:t>4/14/19</a:t>
             </a:fld>
             <a:endParaRPr lang="en-US"/>
           </a:p>
@@ -3946,7 +3946,7 @@
           <a:p>
             <a:fld id="{78C97017-6FC3-485B-9764-EAC9E56C1D49}" type="datetimeFigureOut">
               <a:rPr lang="en-US" smtClean="0"/>
-              <a:t>4/13/19</a:t>
+              <a:t>4/14/19</a:t>
             </a:fld>
             <a:endParaRPr lang="en-US"/>
           </a:p>
@@ -4365,7 +4365,7 @@
           <a:p>
             <a:fld id="{78C97017-6FC3-485B-9764-EAC9E56C1D49}" type="datetimeFigureOut">
               <a:rPr lang="en-US" smtClean="0"/>
-              <a:t>4/13/19</a:t>
+              <a:t>4/14/19</a:t>
             </a:fld>
             <a:endParaRPr lang="en-US"/>
           </a:p>
@@ -4482,7 +4482,7 @@
           <a:p>
             <a:fld id="{78C97017-6FC3-485B-9764-EAC9E56C1D49}" type="datetimeFigureOut">
               <a:rPr lang="en-US" smtClean="0"/>
-              <a:t>4/13/19</a:t>
+              <a:t>4/14/19</a:t>
             </a:fld>
             <a:endParaRPr lang="en-US"/>
           </a:p>
@@ -4577,7 +4577,7 @@
           <a:p>
             <a:fld id="{78C97017-6FC3-485B-9764-EAC9E56C1D49}" type="datetimeFigureOut">
               <a:rPr lang="en-US" smtClean="0"/>
-              <a:t>4/13/19</a:t>
+              <a:t>4/14/19</a:t>
             </a:fld>
             <a:endParaRPr lang="en-US"/>
           </a:p>
@@ -4852,7 +4852,7 @@
           <a:p>
             <a:fld id="{78C97017-6FC3-485B-9764-EAC9E56C1D49}" type="datetimeFigureOut">
               <a:rPr lang="en-US" smtClean="0"/>
-              <a:t>4/13/19</a:t>
+              <a:t>4/14/19</a:t>
             </a:fld>
             <a:endParaRPr lang="en-US"/>
           </a:p>
@@ -5104,7 +5104,7 @@
           <a:p>
             <a:fld id="{78C97017-6FC3-485B-9764-EAC9E56C1D49}" type="datetimeFigureOut">
               <a:rPr lang="en-US" smtClean="0"/>
-              <a:t>4/13/19</a:t>
+              <a:t>4/14/19</a:t>
             </a:fld>
             <a:endParaRPr lang="en-US"/>
           </a:p>
@@ -5315,7 +5315,7 @@
           <a:p>
             <a:fld id="{78C97017-6FC3-485B-9764-EAC9E56C1D49}" type="datetimeFigureOut">
               <a:rPr lang="en-US" smtClean="0"/>
-              <a:t>4/13/19</a:t>
+              <a:t>4/14/19</a:t>
             </a:fld>
             <a:endParaRPr lang="en-US"/>
           </a:p>
@@ -5704,8 +5704,8 @@
         </p:nvSpPr>
         <p:spPr>
           <a:xfrm>
-            <a:off x="9699812" y="943897"/>
-            <a:ext cx="6277250" cy="8436078"/>
+            <a:off x="9699812" y="1199200"/>
+            <a:ext cx="6277250" cy="7851810"/>
           </a:xfrm>
           <a:prstGeom prst="roundRect">
             <a:avLst>
@@ -5771,8 +5771,8 @@
         </p:nvSpPr>
         <p:spPr>
           <a:xfrm>
-            <a:off x="243124" y="908478"/>
-            <a:ext cx="9336305" cy="8436079"/>
+            <a:off x="243124" y="1163781"/>
+            <a:ext cx="9336305" cy="7851811"/>
           </a:xfrm>
           <a:prstGeom prst="roundRect">
             <a:avLst>
@@ -5841,7 +5841,7 @@
         </p:nvCxnSpPr>
         <p:spPr>
           <a:xfrm>
-            <a:off x="8065841" y="3169085"/>
+            <a:off x="8065841" y="2868639"/>
             <a:ext cx="0" cy="5953270"/>
           </a:xfrm>
           <a:prstGeom prst="line">
@@ -5878,8 +5878,8 @@
         </p:nvSpPr>
         <p:spPr>
           <a:xfrm>
-            <a:off x="1555025" y="1176238"/>
-            <a:ext cx="1455628" cy="346760"/>
+            <a:off x="1555025" y="1314783"/>
+            <a:ext cx="1455628" cy="234000"/>
           </a:xfrm>
           <a:prstGeom prst="rect">
             <a:avLst/>
@@ -5940,7 +5940,7 @@
         <p:spPr>
           <a:xfrm>
             <a:off x="2282839" y="1539918"/>
-            <a:ext cx="0" cy="7741868"/>
+            <a:ext cx="0" cy="7464597"/>
           </a:xfrm>
           <a:prstGeom prst="line">
             <a:avLst/>
@@ -5968,53 +5968,6 @@
           </a:fontRef>
         </p:style>
       </p:cxnSp>
-      <p:sp>
-        <p:nvSpPr>
-          <p:cNvPr id="6" name="Rectangle 5"/>
-          <p:cNvSpPr/>
-          <p:nvPr/>
-        </p:nvSpPr>
-        <p:spPr>
-          <a:xfrm>
-            <a:off x="2210832" y="1890608"/>
-            <a:ext cx="168205" cy="7293497"/>
-          </a:xfrm>
-          <a:prstGeom prst="rect">
-            <a:avLst/>
-          </a:prstGeom>
-          <a:solidFill>
-            <a:srgbClr val="0070C0"/>
-          </a:solidFill>
-          <a:ln>
-            <a:solidFill>
-              <a:srgbClr val="0070C0"/>
-            </a:solidFill>
-          </a:ln>
-          <a:effectLst/>
-        </p:spPr>
-        <p:style>
-          <a:lnRef idx="1">
-            <a:schemeClr val="accent3"/>
-          </a:lnRef>
-          <a:fillRef idx="2">
-            <a:schemeClr val="accent3"/>
-          </a:fillRef>
-          <a:effectRef idx="1">
-            <a:schemeClr val="accent3"/>
-          </a:effectRef>
-          <a:fontRef idx="minor">
-            <a:schemeClr val="dk1"/>
-          </a:fontRef>
-        </p:style>
-        <p:txBody>
-          <a:bodyPr rtlCol="0" anchor="ctr"/>
-          <a:lstStyle/>
-          <a:p>
-            <a:pPr algn="ctr"/>
-            <a:endParaRPr lang="en-SG" sz="1400" dirty="0"/>
-          </a:p>
-        </p:txBody>
-      </p:sp>
       <p:cxnSp>
         <p:nvCxnSpPr>
           <p:cNvPr id="17" name="Straight Connector 16"/>
@@ -6026,7 +5979,7 @@
         <p:spPr>
           <a:xfrm>
             <a:off x="4712063" y="1539912"/>
-            <a:ext cx="0" cy="7546215"/>
+            <a:ext cx="0" cy="7340852"/>
           </a:xfrm>
           <a:prstGeom prst="line">
             <a:avLst/>
@@ -6113,7 +6066,7 @@
         <p:spPr>
           <a:xfrm>
             <a:off x="6276037" y="2245949"/>
-            <a:ext cx="0" cy="6851752"/>
+            <a:ext cx="0" cy="6648669"/>
           </a:xfrm>
           <a:prstGeom prst="line">
             <a:avLst/>
@@ -6478,8 +6431,8 @@
         </p:nvSpPr>
         <p:spPr>
           <a:xfrm>
-            <a:off x="9940324" y="2852178"/>
-            <a:ext cx="1420821" cy="345776"/>
+            <a:off x="9940324" y="2921451"/>
+            <a:ext cx="1420821" cy="234000"/>
           </a:xfrm>
           <a:prstGeom prst="rect">
             <a:avLst/>
@@ -6540,7 +6493,7 @@
         <p:spPr>
           <a:xfrm>
             <a:off x="10689736" y="3177915"/>
-            <a:ext cx="0" cy="5990308"/>
+            <a:ext cx="0" cy="5687116"/>
           </a:xfrm>
           <a:prstGeom prst="line">
             <a:avLst/>
@@ -6614,8 +6567,8 @@
         </p:nvSpPr>
         <p:spPr>
           <a:xfrm>
-            <a:off x="5478819" y="1692539"/>
-            <a:ext cx="1609838" cy="578958"/>
+            <a:off x="5506527" y="1803375"/>
+            <a:ext cx="1697835" cy="468000"/>
           </a:xfrm>
           <a:prstGeom prst="rect">
             <a:avLst/>
@@ -6665,11 +6618,6 @@
               </a:rPr>
               <a:t>PutShipMap</a:t>
             </a:r>
-            <a:endParaRPr lang="en-US" sz="1600">
-              <a:solidFill>
-                <a:schemeClr val="bg1"/>
-              </a:solidFill>
-            </a:endParaRPr>
           </a:p>
           <a:p>
             <a:pPr algn="ctr"/>
@@ -7215,7 +7163,7 @@
         </p:nvGrpSpPr>
         <p:grpSpPr>
           <a:xfrm>
-            <a:off x="1014788" y="8999240"/>
+            <a:off x="1014788" y="8698794"/>
             <a:ext cx="7180254" cy="384597"/>
             <a:chOff x="1014788" y="9304585"/>
             <a:chExt cx="7180254" cy="384597"/>
@@ -7423,8 +7371,8 @@
         </p:nvSpPr>
         <p:spPr>
           <a:xfrm>
-            <a:off x="14618703" y="4760436"/>
-            <a:ext cx="1088570" cy="371501"/>
+            <a:off x="14618703" y="6284436"/>
+            <a:ext cx="1088570" cy="234000"/>
           </a:xfrm>
           <a:prstGeom prst="rect">
             <a:avLst/>
@@ -7491,13 +7439,14 @@
           </p:cNvPr>
           <p:cNvCxnSpPr>
             <a:cxnSpLocks/>
+            <a:stCxn id="186" idx="2"/>
           </p:cNvCxnSpPr>
           <p:nvPr/>
         </p:nvCxnSpPr>
         <p:spPr>
-          <a:xfrm>
-            <a:off x="15148010" y="5120410"/>
-            <a:ext cx="0" cy="4041757"/>
+          <a:xfrm flipH="1">
+            <a:off x="15148010" y="6518436"/>
+            <a:ext cx="14978" cy="2408588"/>
           </a:xfrm>
           <a:prstGeom prst="line">
             <a:avLst/>
@@ -7541,7 +7490,7 @@
         </p:nvCxnSpPr>
         <p:spPr>
           <a:xfrm>
-            <a:off x="8139641" y="7252455"/>
+            <a:off x="8139641" y="7017324"/>
             <a:ext cx="6943840" cy="0"/>
           </a:xfrm>
           <a:prstGeom prst="straightConnector1">
@@ -7587,7 +7536,7 @@
         </p:nvCxnSpPr>
         <p:spPr>
           <a:xfrm flipV="1">
-            <a:off x="8132736" y="7075909"/>
+            <a:off x="8132736" y="6840778"/>
             <a:ext cx="6949451" cy="32427"/>
           </a:xfrm>
           <a:prstGeom prst="straightConnector1">
@@ -7675,7 +7624,7 @@
         </p:nvGrpSpPr>
         <p:grpSpPr>
           <a:xfrm>
-            <a:off x="8101702" y="8214766"/>
+            <a:off x="8101702" y="7914320"/>
             <a:ext cx="1416985" cy="826953"/>
             <a:chOff x="8101702" y="11497197"/>
             <a:chExt cx="1416985" cy="826953"/>
@@ -7792,7 +7741,7 @@
             <p:spPr>
               <a:xfrm>
                 <a:off x="14726544" y="5179667"/>
-                <a:ext cx="138546" cy="186603"/>
+                <a:ext cx="138546" cy="185585"/>
               </a:xfrm>
               <a:prstGeom prst="rect">
                 <a:avLst/>
@@ -7846,9 +7795,9 @@
               <p:nvPr/>
             </p:nvCxnSpPr>
             <p:spPr>
-              <a:xfrm flipH="1">
-                <a:off x="14795816" y="5179667"/>
-                <a:ext cx="1" cy="306733"/>
+              <a:xfrm>
+                <a:off x="14795817" y="5179667"/>
+                <a:ext cx="0" cy="306733"/>
               </a:xfrm>
               <a:prstGeom prst="line">
                 <a:avLst/>
@@ -7937,7 +7886,7 @@
           </p:nvCxnSpPr>
           <p:spPr>
             <a:xfrm>
-              <a:off x="8126766" y="12195533"/>
+              <a:off x="8126766" y="12198708"/>
               <a:ext cx="850180" cy="0"/>
             </a:xfrm>
             <a:prstGeom prst="straightConnector1">
@@ -7982,7 +7931,7 @@
         </p:nvSpPr>
         <p:spPr>
           <a:xfrm>
-            <a:off x="350104" y="9466799"/>
+            <a:off x="350104" y="9125837"/>
             <a:ext cx="9254858" cy="430887"/>
           </a:xfrm>
           <a:prstGeom prst="rect">
@@ -8068,7 +8017,7 @@
         </p:nvSpPr>
         <p:spPr>
           <a:xfrm>
-            <a:off x="15062479" y="7063992"/>
+            <a:off x="15062479" y="6828861"/>
             <a:ext cx="145369" cy="195790"/>
           </a:xfrm>
           <a:prstGeom prst="rect">
@@ -8119,7 +8068,7 @@
         </p:nvSpPr>
         <p:spPr>
           <a:xfrm>
-            <a:off x="9185906" y="6872592"/>
+            <a:off x="8434344" y="6689713"/>
             <a:ext cx="1475876" cy="184666"/>
           </a:xfrm>
           <a:prstGeom prst="rect">
@@ -8429,8 +8378,8 @@
         </p:nvSpPr>
         <p:spPr>
           <a:xfrm>
-            <a:off x="11507159" y="3061115"/>
-            <a:ext cx="1475876" cy="335427"/>
+            <a:off x="11507159" y="3681047"/>
+            <a:ext cx="1475876" cy="234000"/>
           </a:xfrm>
           <a:prstGeom prst="rect">
             <a:avLst/>
@@ -8497,8 +8446,8 @@
         </p:nvCxnSpPr>
         <p:spPr>
           <a:xfrm>
-            <a:off x="12245097" y="3396542"/>
-            <a:ext cx="0" cy="5759569"/>
+            <a:off x="12245097" y="3915047"/>
+            <a:ext cx="0" cy="4934485"/>
           </a:xfrm>
           <a:prstGeom prst="line">
             <a:avLst/>
@@ -8816,7 +8765,7 @@
         <p:spPr>
           <a:xfrm>
             <a:off x="13663423" y="6082145"/>
-            <a:ext cx="8265" cy="3073966"/>
+            <a:ext cx="0" cy="2813882"/>
           </a:xfrm>
           <a:prstGeom prst="line">
             <a:avLst/>
@@ -9210,7 +9159,7 @@
         </p:nvGrpSpPr>
         <p:grpSpPr>
           <a:xfrm>
-            <a:off x="10747748" y="7286444"/>
+            <a:off x="10747748" y="7077438"/>
             <a:ext cx="1220038" cy="600170"/>
             <a:chOff x="10747748" y="4186692"/>
             <a:chExt cx="1220038" cy="600170"/>
@@ -9504,7 +9453,7 @@
         </p:nvSpPr>
         <p:spPr>
           <a:xfrm>
-            <a:off x="10591282" y="7491762"/>
+            <a:off x="10591282" y="7282756"/>
             <a:ext cx="168896" cy="539645"/>
           </a:xfrm>
           <a:prstGeom prst="rect">
@@ -9559,7 +9508,7 @@
         </p:nvCxnSpPr>
         <p:spPr>
           <a:xfrm>
-            <a:off x="8136610" y="7488880"/>
+            <a:off x="8136610" y="7279874"/>
             <a:ext cx="2454673" cy="0"/>
           </a:xfrm>
           <a:prstGeom prst="straightConnector1">
@@ -9603,7 +9552,7 @@
         </p:nvCxnSpPr>
         <p:spPr>
           <a:xfrm>
-            <a:off x="8139641" y="8026080"/>
+            <a:off x="8139641" y="7817074"/>
             <a:ext cx="2546720" cy="0"/>
           </a:xfrm>
           <a:prstGeom prst="straightConnector1">
@@ -10033,8 +9982,8 @@
         </p:nvSpPr>
         <p:spPr>
           <a:xfrm>
-            <a:off x="7965180" y="3824797"/>
-            <a:ext cx="169682" cy="5180307"/>
+            <a:off x="7965180" y="3824798"/>
+            <a:ext cx="169682" cy="4877878"/>
           </a:xfrm>
           <a:prstGeom prst="rect">
             <a:avLst/>
@@ -10086,8 +10035,8 @@
         </p:nvSpPr>
         <p:spPr>
           <a:xfrm>
-            <a:off x="3782115" y="1176238"/>
-            <a:ext cx="1941791" cy="346760"/>
+            <a:off x="3782115" y="1314783"/>
+            <a:ext cx="1941791" cy="234000"/>
           </a:xfrm>
           <a:prstGeom prst="rect">
             <a:avLst/>
@@ -10134,6 +10083,53 @@
                 <a:schemeClr val="bg1"/>
               </a:solidFill>
             </a:endParaRPr>
+          </a:p>
+        </p:txBody>
+      </p:sp>
+      <p:sp>
+        <p:nvSpPr>
+          <p:cNvPr id="6" name="Rectangle 5"/>
+          <p:cNvSpPr/>
+          <p:nvPr/>
+        </p:nvSpPr>
+        <p:spPr>
+          <a:xfrm>
+            <a:off x="2210832" y="1890609"/>
+            <a:ext cx="168205" cy="6986691"/>
+          </a:xfrm>
+          <a:prstGeom prst="rect">
+            <a:avLst/>
+          </a:prstGeom>
+          <a:solidFill>
+            <a:srgbClr val="0070C0"/>
+          </a:solidFill>
+          <a:ln>
+            <a:solidFill>
+              <a:srgbClr val="0070C0"/>
+            </a:solidFill>
+          </a:ln>
+          <a:effectLst/>
+        </p:spPr>
+        <p:style>
+          <a:lnRef idx="1">
+            <a:schemeClr val="accent3"/>
+          </a:lnRef>
+          <a:fillRef idx="2">
+            <a:schemeClr val="accent3"/>
+          </a:fillRef>
+          <a:effectRef idx="1">
+            <a:schemeClr val="accent3"/>
+          </a:effectRef>
+          <a:fontRef idx="minor">
+            <a:schemeClr val="dk1"/>
+          </a:fontRef>
+        </p:style>
+        <p:txBody>
+          <a:bodyPr rtlCol="0" anchor="ctr"/>
+          <a:lstStyle/>
+          <a:p>
+            <a:pPr algn="ctr"/>
+            <a:endParaRPr lang="en-SG" sz="1400" dirty="0"/>
           </a:p>
         </p:txBody>
       </p:sp>

--- a/docs/diagrams/PutShipSequenceDiagram.pptx
+++ b/docs/diagrams/PutShipSequenceDiagram.pptx
@@ -2367,7 +2367,7 @@
           <a:p>
             <a:fld id="{F5CC4B3F-88C1-4FFA-B1B6-F41C21DC6924}" type="datetimeFigureOut">
               <a:rPr lang="en-US" smtClean="0"/>
-              <a:t>4/14/19</a:t>
+              <a:t>4/15/19</a:t>
             </a:fld>
             <a:endParaRPr lang="en-US"/>
           </a:p>
@@ -2902,7 +2902,7 @@
           <a:p>
             <a:fld id="{78C97017-6FC3-485B-9764-EAC9E56C1D49}" type="datetimeFigureOut">
               <a:rPr lang="en-US" smtClean="0"/>
-              <a:t>4/14/19</a:t>
+              <a:t>4/15/19</a:t>
             </a:fld>
             <a:endParaRPr lang="en-US"/>
           </a:p>
@@ -3070,7 +3070,7 @@
           <a:p>
             <a:fld id="{78C97017-6FC3-485B-9764-EAC9E56C1D49}" type="datetimeFigureOut">
               <a:rPr lang="en-US" smtClean="0"/>
-              <a:t>4/14/19</a:t>
+              <a:t>4/15/19</a:t>
             </a:fld>
             <a:endParaRPr lang="en-US"/>
           </a:p>
@@ -3248,7 +3248,7 @@
           <a:p>
             <a:fld id="{78C97017-6FC3-485B-9764-EAC9E56C1D49}" type="datetimeFigureOut">
               <a:rPr lang="en-US" smtClean="0"/>
-              <a:t>4/14/19</a:t>
+              <a:t>4/15/19</a:t>
             </a:fld>
             <a:endParaRPr lang="en-US"/>
           </a:p>
@@ -3416,7 +3416,7 @@
           <a:p>
             <a:fld id="{78C97017-6FC3-485B-9764-EAC9E56C1D49}" type="datetimeFigureOut">
               <a:rPr lang="en-US" smtClean="0"/>
-              <a:t>4/14/19</a:t>
+              <a:t>4/15/19</a:t>
             </a:fld>
             <a:endParaRPr lang="en-US"/>
           </a:p>
@@ -3661,7 +3661,7 @@
           <a:p>
             <a:fld id="{78C97017-6FC3-485B-9764-EAC9E56C1D49}" type="datetimeFigureOut">
               <a:rPr lang="en-US" smtClean="0"/>
-              <a:t>4/14/19</a:t>
+              <a:t>4/15/19</a:t>
             </a:fld>
             <a:endParaRPr lang="en-US"/>
           </a:p>
@@ -3946,7 +3946,7 @@
           <a:p>
             <a:fld id="{78C97017-6FC3-485B-9764-EAC9E56C1D49}" type="datetimeFigureOut">
               <a:rPr lang="en-US" smtClean="0"/>
-              <a:t>4/14/19</a:t>
+              <a:t>4/15/19</a:t>
             </a:fld>
             <a:endParaRPr lang="en-US"/>
           </a:p>
@@ -4365,7 +4365,7 @@
           <a:p>
             <a:fld id="{78C97017-6FC3-485B-9764-EAC9E56C1D49}" type="datetimeFigureOut">
               <a:rPr lang="en-US" smtClean="0"/>
-              <a:t>4/14/19</a:t>
+              <a:t>4/15/19</a:t>
             </a:fld>
             <a:endParaRPr lang="en-US"/>
           </a:p>
@@ -4482,7 +4482,7 @@
           <a:p>
             <a:fld id="{78C97017-6FC3-485B-9764-EAC9E56C1D49}" type="datetimeFigureOut">
               <a:rPr lang="en-US" smtClean="0"/>
-              <a:t>4/14/19</a:t>
+              <a:t>4/15/19</a:t>
             </a:fld>
             <a:endParaRPr lang="en-US"/>
           </a:p>
@@ -4577,7 +4577,7 @@
           <a:p>
             <a:fld id="{78C97017-6FC3-485B-9764-EAC9E56C1D49}" type="datetimeFigureOut">
               <a:rPr lang="en-US" smtClean="0"/>
-              <a:t>4/14/19</a:t>
+              <a:t>4/15/19</a:t>
             </a:fld>
             <a:endParaRPr lang="en-US"/>
           </a:p>
@@ -4852,7 +4852,7 @@
           <a:p>
             <a:fld id="{78C97017-6FC3-485B-9764-EAC9E56C1D49}" type="datetimeFigureOut">
               <a:rPr lang="en-US" smtClean="0"/>
-              <a:t>4/14/19</a:t>
+              <a:t>4/15/19</a:t>
             </a:fld>
             <a:endParaRPr lang="en-US"/>
           </a:p>
@@ -5104,7 +5104,7 @@
           <a:p>
             <a:fld id="{78C97017-6FC3-485B-9764-EAC9E56C1D49}" type="datetimeFigureOut">
               <a:rPr lang="en-US" smtClean="0"/>
-              <a:t>4/14/19</a:t>
+              <a:t>4/15/19</a:t>
             </a:fld>
             <a:endParaRPr lang="en-US"/>
           </a:p>
@@ -5315,7 +5315,7 @@
           <a:p>
             <a:fld id="{78C97017-6FC3-485B-9764-EAC9E56C1D49}" type="datetimeFigureOut">
               <a:rPr lang="en-US" smtClean="0"/>
-              <a:t>4/14/19</a:t>
+              <a:t>4/15/19</a:t>
             </a:fld>
             <a:endParaRPr lang="en-US"/>
           </a:p>
@@ -10076,7 +10076,7 @@
                   <a:schemeClr val="bg1"/>
                 </a:solidFill>
               </a:rPr>
-              <a:t>:AddressBookParser</a:t>
+              <a:t>:BattleshipParser</a:t>
             </a:r>
             <a:endParaRPr lang="en-SG" sz="1600" dirty="0">
               <a:solidFill>

--- a/docs/diagrams/PutShipSequenceDiagram.pptx
+++ b/docs/diagrams/PutShipSequenceDiagram.pptx
@@ -124,14 +124,6 @@
     </p:ext>
   </p:extLst>
 </p:presentation>
-</file>
-
-<file path=ppt/revisionInfo.xml><?xml version="1.0" encoding="utf-8"?>
-<p1510:revInfo xmlns:a="http://schemas.openxmlformats.org/drawingml/2006/main" xmlns:r="http://schemas.openxmlformats.org/officeDocument/2006/relationships" xmlns:p1510="http://schemas.microsoft.com/office/powerpoint/2015/10/main">
-  <p1510:revLst>
-    <p1510:client id="{E7B3513D-77CA-6A41-910B-0B9402F691A1}" v="81" dt="2019-04-13T04:21:19.383"/>
-  </p1510:revLst>
-</p1510:revInfo>
 </file>
 
 <file path=ppt/changesInfos/changesInfo1.xml><?xml version="1.0" encoding="utf-8"?>
@@ -6414,7 +6406,7 @@
             </a:r>
             <a:r>
               <a:rPr lang="en-US" sz="1200" err="1"/>
-              <a:t>args</a:t>
+              <a:t>args1</a:t>
             </a:r>
             <a:r>
               <a:rPr lang="en-US" sz="1200"/>
@@ -6867,7 +6859,7 @@
             </a:r>
             <a:r>
               <a:rPr lang="en-US" sz="1200" err="1"/>
-              <a:t>args</a:t>
+              <a:t>args1</a:t>
             </a:r>
             <a:r>
               <a:rPr lang="en-US" sz="1200"/>
@@ -8645,7 +8637,7 @@
                   </a:schemeClr>
                 </a:solidFill>
               </a:rPr>
-              <a:t>playerMapGrid</a:t>
+              <a:t>mapGrid</a:t>
             </a:r>
             <a:endParaRPr lang="en-US" sz="1100">
               <a:solidFill>
@@ -8904,7 +8896,7 @@
         </p:nvSpPr>
         <p:spPr>
           <a:xfrm>
-            <a:off x="13657919" y="5960842"/>
+            <a:off x="14053335" y="6010269"/>
             <a:ext cx="1157705" cy="184666"/>
           </a:xfrm>
           <a:prstGeom prst="rect">
@@ -9145,241 +9137,220 @@
           </a:fontRef>
         </p:style>
       </p:cxnSp>
-      <p:grpSp>
-        <p:nvGrpSpPr>
-          <p:cNvPr id="106" name="Group 105">
+      <p:cxnSp>
+        <p:nvCxnSpPr>
+          <p:cNvPr id="136" name="Curved Connector 135">
             <a:extLst>
               <a:ext uri="{FF2B5EF4-FFF2-40B4-BE49-F238E27FC236}">
-                <a16:creationId xmlns:a16="http://schemas.microsoft.com/office/drawing/2014/main" id="{912908E9-BED1-5246-B69F-ECC819CB3435}"/>
+                <a16:creationId xmlns:a16="http://schemas.microsoft.com/office/drawing/2014/main" id="{81427CCB-F929-F546-8126-E943C6324BE5}"/>
               </a:ext>
             </a:extLst>
           </p:cNvPr>
-          <p:cNvGrpSpPr/>
+          <p:cNvCxnSpPr>
+            <a:cxnSpLocks/>
+          </p:cNvCxnSpPr>
           <p:nvPr/>
-        </p:nvGrpSpPr>
-        <p:grpSpPr>
+        </p:nvCxnSpPr>
+        <p:spPr>
           <a:xfrm>
-            <a:off x="10747748" y="7077438"/>
-            <a:ext cx="1220038" cy="600170"/>
-            <a:chOff x="10747748" y="4186692"/>
-            <a:chExt cx="1220038" cy="600170"/>
-          </a:xfrm>
-        </p:grpSpPr>
-        <p:cxnSp>
-          <p:nvCxnSpPr>
-            <p:cNvPr id="136" name="Curved Connector 135">
-              <a:extLst>
-                <a:ext uri="{FF2B5EF4-FFF2-40B4-BE49-F238E27FC236}">
-                  <a16:creationId xmlns:a16="http://schemas.microsoft.com/office/drawing/2014/main" id="{81427CCB-F929-F546-8126-E943C6324BE5}"/>
-                </a:ext>
-              </a:extLst>
-            </p:cNvPr>
-            <p:cNvCxnSpPr>
-              <a:cxnSpLocks/>
-            </p:cNvCxnSpPr>
-            <p:nvPr/>
-          </p:nvCxnSpPr>
-          <p:spPr>
-            <a:xfrm>
-              <a:off x="10750476" y="4392992"/>
-              <a:ext cx="134988" cy="109955"/>
-            </a:xfrm>
-            <a:prstGeom prst="curvedConnector3">
-              <a:avLst>
-                <a:gd name="adj1" fmla="val 291588"/>
-              </a:avLst>
-            </a:prstGeom>
-            <a:ln>
-              <a:solidFill>
-                <a:srgbClr val="7030A0"/>
-              </a:solidFill>
-              <a:tailEnd type="triangle"/>
-            </a:ln>
-          </p:spPr>
-          <p:style>
-            <a:lnRef idx="1">
-              <a:schemeClr val="accent1"/>
-            </a:lnRef>
-            <a:fillRef idx="0">
-              <a:schemeClr val="accent1"/>
-            </a:fillRef>
-            <a:effectRef idx="0">
-              <a:schemeClr val="accent1"/>
-            </a:effectRef>
-            <a:fontRef idx="minor">
-              <a:schemeClr val="tx1"/>
-            </a:fontRef>
-          </p:style>
-        </p:cxnSp>
-        <p:sp>
-          <p:nvSpPr>
-            <p:cNvPr id="137" name="Rectangle 136">
-              <a:extLst>
-                <a:ext uri="{FF2B5EF4-FFF2-40B4-BE49-F238E27FC236}">
-                  <a16:creationId xmlns:a16="http://schemas.microsoft.com/office/drawing/2014/main" id="{1141CCBC-E8C2-F044-92E1-C8DBCACCA949}"/>
-                </a:ext>
-              </a:extLst>
-            </p:cNvPr>
-            <p:cNvSpPr/>
-            <p:nvPr/>
-          </p:nvSpPr>
-          <p:spPr>
-            <a:xfrm>
-              <a:off x="10747748" y="4500994"/>
-              <a:ext cx="148050" cy="176924"/>
-            </a:xfrm>
-            <a:prstGeom prst="rect">
-              <a:avLst/>
-            </a:prstGeom>
+            <a:off x="10750476" y="7283738"/>
+            <a:ext cx="134988" cy="109955"/>
+          </a:xfrm>
+          <a:prstGeom prst="curvedConnector3">
+            <a:avLst>
+              <a:gd name="adj1" fmla="val 291588"/>
+            </a:avLst>
+          </a:prstGeom>
+          <a:ln>
             <a:solidFill>
               <a:srgbClr val="7030A0"/>
             </a:solidFill>
-            <a:ln>
+            <a:tailEnd type="triangle"/>
+          </a:ln>
+        </p:spPr>
+        <p:style>
+          <a:lnRef idx="1">
+            <a:schemeClr val="accent1"/>
+          </a:lnRef>
+          <a:fillRef idx="0">
+            <a:schemeClr val="accent1"/>
+          </a:fillRef>
+          <a:effectRef idx="0">
+            <a:schemeClr val="accent1"/>
+          </a:effectRef>
+          <a:fontRef idx="minor">
+            <a:schemeClr val="tx1"/>
+          </a:fontRef>
+        </p:style>
+      </p:cxnSp>
+      <p:sp>
+        <p:nvSpPr>
+          <p:cNvPr id="137" name="Rectangle 136">
+            <a:extLst>
+              <a:ext uri="{FF2B5EF4-FFF2-40B4-BE49-F238E27FC236}">
+                <a16:creationId xmlns:a16="http://schemas.microsoft.com/office/drawing/2014/main" id="{1141CCBC-E8C2-F044-92E1-C8DBCACCA949}"/>
+              </a:ext>
+            </a:extLst>
+          </p:cNvPr>
+          <p:cNvSpPr/>
+          <p:nvPr/>
+        </p:nvSpPr>
+        <p:spPr>
+          <a:xfrm>
+            <a:off x="10747748" y="7391740"/>
+            <a:ext cx="148050" cy="176924"/>
+          </a:xfrm>
+          <a:prstGeom prst="rect">
+            <a:avLst/>
+          </a:prstGeom>
+          <a:solidFill>
+            <a:srgbClr val="7030A0"/>
+          </a:solidFill>
+          <a:ln>
+            <a:solidFill>
+              <a:srgbClr val="7030A0"/>
+            </a:solidFill>
+          </a:ln>
+          <a:effectLst/>
+        </p:spPr>
+        <p:style>
+          <a:lnRef idx="1">
+            <a:schemeClr val="accent3"/>
+          </a:lnRef>
+          <a:fillRef idx="2">
+            <a:schemeClr val="accent3"/>
+          </a:fillRef>
+          <a:effectRef idx="1">
+            <a:schemeClr val="accent3"/>
+          </a:effectRef>
+          <a:fontRef idx="minor">
+            <a:schemeClr val="dk1"/>
+          </a:fontRef>
+        </p:style>
+        <p:txBody>
+          <a:bodyPr rtlCol="0" anchor="ctr"/>
+          <a:lstStyle/>
+          <a:p>
+            <a:pPr algn="ctr"/>
+            <a:endParaRPr lang="en-SG" sz="1400"/>
+          </a:p>
+        </p:txBody>
+      </p:sp>
+      <p:cxnSp>
+        <p:nvCxnSpPr>
+          <p:cNvPr id="138" name="Curved Connector 12">
+            <a:extLst>
+              <a:ext uri="{FF2B5EF4-FFF2-40B4-BE49-F238E27FC236}">
+                <a16:creationId xmlns:a16="http://schemas.microsoft.com/office/drawing/2014/main" id="{3F6C7E5D-AC1F-DE4E-90C9-C82EDBAC54D4}"/>
+              </a:ext>
+            </a:extLst>
+          </p:cNvPr>
+          <p:cNvCxnSpPr>
+            <a:cxnSpLocks/>
+          </p:cNvCxnSpPr>
+          <p:nvPr/>
+        </p:nvCxnSpPr>
+        <p:spPr>
+          <a:xfrm rot="10800000" flipV="1">
+            <a:off x="10755491" y="7569361"/>
+            <a:ext cx="127009" cy="108247"/>
+          </a:xfrm>
+          <a:prstGeom prst="curvedConnector3">
+            <a:avLst>
+              <a:gd name="adj1" fmla="val -216834"/>
+            </a:avLst>
+          </a:prstGeom>
+          <a:ln>
+            <a:solidFill>
+              <a:srgbClr val="7030A0"/>
+            </a:solidFill>
+            <a:prstDash val="sysDash"/>
+            <a:tailEnd type="triangle"/>
+          </a:ln>
+        </p:spPr>
+        <p:style>
+          <a:lnRef idx="1">
+            <a:schemeClr val="accent1"/>
+          </a:lnRef>
+          <a:fillRef idx="0">
+            <a:schemeClr val="accent1"/>
+          </a:fillRef>
+          <a:effectRef idx="0">
+            <a:schemeClr val="accent1"/>
+          </a:effectRef>
+          <a:fontRef idx="minor">
+            <a:schemeClr val="tx1"/>
+          </a:fontRef>
+        </p:style>
+      </p:cxnSp>
+      <p:sp>
+        <p:nvSpPr>
+          <p:cNvPr id="139" name="TextBox 138">
+            <a:extLst>
+              <a:ext uri="{FF2B5EF4-FFF2-40B4-BE49-F238E27FC236}">
+                <a16:creationId xmlns:a16="http://schemas.microsoft.com/office/drawing/2014/main" id="{7A58218F-A38C-3546-B5AD-6F257569221C}"/>
+              </a:ext>
+            </a:extLst>
+          </p:cNvPr>
+          <p:cNvSpPr txBox="1"/>
+          <p:nvPr/>
+        </p:nvSpPr>
+        <p:spPr>
+          <a:xfrm>
+            <a:off x="6473645" y="7077438"/>
+            <a:ext cx="3602605" cy="184666"/>
+          </a:xfrm>
+          <a:prstGeom prst="rect">
+            <a:avLst/>
+          </a:prstGeom>
+          <a:noFill/>
+          <a:ln>
+            <a:noFill/>
+          </a:ln>
+        </p:spPr>
+        <p:txBody>
+          <a:bodyPr wrap="square" lIns="0" tIns="0" rIns="0" bIns="0" rtlCol="0">
+            <a:spAutoFit/>
+          </a:bodyPr>
+          <a:lstStyle>
+            <a:defPPr>
+              <a:defRPr lang="en-US"/>
+            </a:defPPr>
+            <a:lvl1pPr algn="r">
+              <a:defRPr sz="1400">
+                <a:solidFill>
+                  <a:srgbClr val="0070C0"/>
+                </a:solidFill>
+              </a:defRPr>
+            </a:lvl1pPr>
+          </a:lstStyle>
+          <a:p>
+            <a:r>
+              <a:rPr lang="en-US" sz="1200" err="1">
+                <a:solidFill>
+                  <a:srgbClr val="7030A0"/>
+                </a:solidFill>
+              </a:rPr>
+              <a:t>deployBattleship</a:t>
+            </a:r>
+            <a:r>
+              <a:rPr lang="en-US" sz="1200">
+                <a:solidFill>
+                  <a:srgbClr val="7030A0"/>
+                </a:solidFill>
+              </a:rPr>
+              <a:t>(bs, cs, ot)</a:t>
+            </a:r>
+            <a:endParaRPr lang="en-US" sz="1200">
               <a:solidFill>
-                <a:srgbClr val="7030A0"/>
+                <a:schemeClr val="accent4">
+                  <a:lumMod val="75000"/>
+                </a:schemeClr>
               </a:solidFill>
-            </a:ln>
-            <a:effectLst/>
-          </p:spPr>
-          <p:style>
-            <a:lnRef idx="1">
-              <a:schemeClr val="accent3"/>
-            </a:lnRef>
-            <a:fillRef idx="2">
-              <a:schemeClr val="accent3"/>
-            </a:fillRef>
-            <a:effectRef idx="1">
-              <a:schemeClr val="accent3"/>
-            </a:effectRef>
-            <a:fontRef idx="minor">
-              <a:schemeClr val="dk1"/>
-            </a:fontRef>
-          </p:style>
-          <p:txBody>
-            <a:bodyPr rtlCol="0" anchor="ctr"/>
-            <a:lstStyle/>
-            <a:p>
-              <a:pPr algn="ctr"/>
-              <a:endParaRPr lang="en-SG" sz="1400"/>
-            </a:p>
-          </p:txBody>
-        </p:sp>
-        <p:cxnSp>
-          <p:nvCxnSpPr>
-            <p:cNvPr id="138" name="Curved Connector 12">
-              <a:extLst>
-                <a:ext uri="{FF2B5EF4-FFF2-40B4-BE49-F238E27FC236}">
-                  <a16:creationId xmlns:a16="http://schemas.microsoft.com/office/drawing/2014/main" id="{3F6C7E5D-AC1F-DE4E-90C9-C82EDBAC54D4}"/>
-                </a:ext>
-              </a:extLst>
-            </p:cNvPr>
-            <p:cNvCxnSpPr>
-              <a:cxnSpLocks/>
-            </p:cNvCxnSpPr>
-            <p:nvPr/>
-          </p:nvCxnSpPr>
-          <p:spPr>
-            <a:xfrm rot="10800000" flipV="1">
-              <a:off x="10755491" y="4678615"/>
-              <a:ext cx="127009" cy="108247"/>
-            </a:xfrm>
-            <a:prstGeom prst="curvedConnector3">
-              <a:avLst>
-                <a:gd name="adj1" fmla="val -216834"/>
-              </a:avLst>
-            </a:prstGeom>
-            <a:ln>
-              <a:solidFill>
-                <a:srgbClr val="7030A0"/>
-              </a:solidFill>
-              <a:prstDash val="sysDash"/>
-              <a:tailEnd type="triangle"/>
-            </a:ln>
-          </p:spPr>
-          <p:style>
-            <a:lnRef idx="1">
-              <a:schemeClr val="accent1"/>
-            </a:lnRef>
-            <a:fillRef idx="0">
-              <a:schemeClr val="accent1"/>
-            </a:fillRef>
-            <a:effectRef idx="0">
-              <a:schemeClr val="accent1"/>
-            </a:effectRef>
-            <a:fontRef idx="minor">
-              <a:schemeClr val="tx1"/>
-            </a:fontRef>
-          </p:style>
-        </p:cxnSp>
-        <p:sp>
-          <p:nvSpPr>
-            <p:cNvPr id="139" name="TextBox 138">
-              <a:extLst>
-                <a:ext uri="{FF2B5EF4-FFF2-40B4-BE49-F238E27FC236}">
-                  <a16:creationId xmlns:a16="http://schemas.microsoft.com/office/drawing/2014/main" id="{7A58218F-A38C-3546-B5AD-6F257569221C}"/>
-                </a:ext>
-              </a:extLst>
-            </p:cNvPr>
-            <p:cNvSpPr txBox="1"/>
-            <p:nvPr/>
-          </p:nvSpPr>
-          <p:spPr>
-            <a:xfrm>
-              <a:off x="10810081" y="4186692"/>
-              <a:ext cx="1157705" cy="184666"/>
-            </a:xfrm>
-            <a:prstGeom prst="rect">
-              <a:avLst/>
-            </a:prstGeom>
-            <a:noFill/>
-            <a:ln>
-              <a:noFill/>
-            </a:ln>
-          </p:spPr>
-          <p:txBody>
-            <a:bodyPr wrap="square" lIns="0" tIns="0" rIns="0" bIns="0" rtlCol="0">
-              <a:spAutoFit/>
-            </a:bodyPr>
-            <a:lstStyle>
-              <a:defPPr>
-                <a:defRPr lang="en-US"/>
-              </a:defPPr>
-              <a:lvl1pPr algn="r">
-                <a:defRPr sz="1400">
-                  <a:solidFill>
-                    <a:srgbClr val="0070C0"/>
-                  </a:solidFill>
-                </a:defRPr>
-              </a:lvl1pPr>
-            </a:lstStyle>
-            <a:p>
-              <a:r>
-                <a:rPr lang="en-US" sz="1200" err="1">
-                  <a:solidFill>
-                    <a:srgbClr val="7030A0"/>
-                  </a:solidFill>
-                </a:rPr>
-                <a:t>deployBattleship</a:t>
-              </a:r>
-              <a:r>
-                <a:rPr lang="en-US" sz="1200">
-                  <a:solidFill>
-                    <a:srgbClr val="7030A0"/>
-                  </a:solidFill>
-                </a:rPr>
-                <a:t>()</a:t>
-              </a:r>
-              <a:endParaRPr lang="en-US" sz="1200">
-                <a:solidFill>
-                  <a:schemeClr val="accent4">
-                    <a:lumMod val="75000"/>
-                  </a:schemeClr>
-                </a:solidFill>
-              </a:endParaRPr>
-            </a:p>
-          </p:txBody>
-        </p:sp>
-      </p:grpSp>
+            </a:endParaRPr>
+          </a:p>
+        </p:txBody>
+      </p:sp>
       <p:sp>
         <p:nvSpPr>
           <p:cNvPr id="140" name="Rectangle 139">
@@ -9839,7 +9810,7 @@
         </p:nvSpPr>
         <p:spPr>
           <a:xfrm>
-            <a:off x="8272675" y="4978270"/>
+            <a:off x="8309745" y="4953556"/>
             <a:ext cx="2332116" cy="184666"/>
           </a:xfrm>
           <a:prstGeom prst="rect">
@@ -9874,7 +9845,7 @@
                   <a:srgbClr val="7030A0"/>
                 </a:solidFill>
               </a:rPr>
-              <a:t>isEnoughBattleships(battleship, 1)</a:t>
+              <a:t>isEnoughBattleships(bs, 1)</a:t>
             </a:r>
             <a:endParaRPr lang="en-US" sz="1200">
               <a:solidFill>
@@ -10130,6 +10101,164 @@
           <a:p>
             <a:pPr algn="ctr"/>
             <a:endParaRPr lang="en-SG" sz="1400" dirty="0"/>
+          </a:p>
+        </p:txBody>
+      </p:sp>
+      <p:sp>
+        <p:nvSpPr>
+          <p:cNvPr id="93" name="TextBox 92">
+            <a:extLst>
+              <a:ext uri="{FF2B5EF4-FFF2-40B4-BE49-F238E27FC236}">
+                <a16:creationId xmlns:a16="http://schemas.microsoft.com/office/drawing/2014/main" id="{CEA2C275-9535-314B-899A-51AFCB7A8370}"/>
+              </a:ext>
+            </a:extLst>
+          </p:cNvPr>
+          <p:cNvSpPr txBox="1"/>
+          <p:nvPr/>
+        </p:nvSpPr>
+        <p:spPr>
+          <a:xfrm>
+            <a:off x="10231396" y="7082490"/>
+            <a:ext cx="3281404" cy="184666"/>
+          </a:xfrm>
+          <a:prstGeom prst="rect">
+            <a:avLst/>
+          </a:prstGeom>
+          <a:noFill/>
+          <a:ln>
+            <a:noFill/>
+          </a:ln>
+        </p:spPr>
+        <p:txBody>
+          <a:bodyPr wrap="square" lIns="0" tIns="0" rIns="0" bIns="0" rtlCol="0">
+            <a:spAutoFit/>
+          </a:bodyPr>
+          <a:lstStyle>
+            <a:defPPr>
+              <a:defRPr lang="en-US"/>
+            </a:defPPr>
+            <a:lvl1pPr algn="r">
+              <a:defRPr sz="1400">
+                <a:solidFill>
+                  <a:srgbClr val="0070C0"/>
+                </a:solidFill>
+              </a:defRPr>
+            </a:lvl1pPr>
+          </a:lstStyle>
+          <a:p>
+            <a:r>
+              <a:rPr lang="en-SG" sz="1200" err="1">
+                <a:solidFill>
+                  <a:srgbClr val="7030A0"/>
+                </a:solidFill>
+              </a:rPr>
+              <a:t> getFleet().deployOneBattleship(bs, cs, ot); </a:t>
+            </a:r>
+            <a:endParaRPr lang="en-US" sz="1200">
+              <a:solidFill>
+                <a:schemeClr val="accent4">
+                  <a:lumMod val="75000"/>
+                </a:schemeClr>
+              </a:solidFill>
+            </a:endParaRPr>
+          </a:p>
+        </p:txBody>
+      </p:sp>
+      <p:sp>
+        <p:nvSpPr>
+          <p:cNvPr id="98" name="TextBox 97">
+            <a:extLst>
+              <a:ext uri="{FF2B5EF4-FFF2-40B4-BE49-F238E27FC236}">
+                <a16:creationId xmlns:a16="http://schemas.microsoft.com/office/drawing/2014/main" id="{D9EC8E8B-5853-B942-A878-02830A6F5038}"/>
+              </a:ext>
+            </a:extLst>
+          </p:cNvPr>
+          <p:cNvSpPr txBox="1"/>
+          <p:nvPr/>
+        </p:nvSpPr>
+        <p:spPr>
+          <a:xfrm>
+            <a:off x="9864807" y="9172940"/>
+            <a:ext cx="9254858" cy="215444"/>
+          </a:xfrm>
+          <a:prstGeom prst="rect">
+            <a:avLst/>
+          </a:prstGeom>
+          <a:noFill/>
+        </p:spPr>
+        <p:txBody>
+          <a:bodyPr wrap="square" lIns="0" tIns="0" rIns="0" bIns="0" rtlCol="0">
+            <a:spAutoFit/>
+          </a:bodyPr>
+          <a:lstStyle/>
+          <a:p>
+            <a:r>
+              <a:rPr lang="en-US" sz="1400">
+                <a:solidFill>
+                  <a:srgbClr val="7030A0"/>
+                </a:solidFill>
+              </a:rPr>
+              <a:t>bs = battleship, cs = coordinates, ot = orientation</a:t>
+            </a:r>
+          </a:p>
+        </p:txBody>
+      </p:sp>
+      <p:sp>
+        <p:nvSpPr>
+          <p:cNvPr id="101" name="TextBox 100">
+            <a:extLst>
+              <a:ext uri="{FF2B5EF4-FFF2-40B4-BE49-F238E27FC236}">
+                <a16:creationId xmlns:a16="http://schemas.microsoft.com/office/drawing/2014/main" id="{D97A1F6F-959F-8442-AF14-D612661177B6}"/>
+              </a:ext>
+            </a:extLst>
+          </p:cNvPr>
+          <p:cNvSpPr txBox="1"/>
+          <p:nvPr/>
+        </p:nvSpPr>
+        <p:spPr>
+          <a:xfrm>
+            <a:off x="8287397" y="5461793"/>
+            <a:ext cx="4440061" cy="184666"/>
+          </a:xfrm>
+          <a:prstGeom prst="rect">
+            <a:avLst/>
+          </a:prstGeom>
+          <a:noFill/>
+          <a:ln>
+            <a:noFill/>
+          </a:ln>
+        </p:spPr>
+        <p:txBody>
+          <a:bodyPr wrap="square" lIns="0" tIns="0" rIns="0" bIns="0" rtlCol="0">
+            <a:spAutoFit/>
+          </a:bodyPr>
+          <a:lstStyle>
+            <a:defPPr>
+              <a:defRPr lang="en-US"/>
+            </a:defPPr>
+            <a:lvl1pPr algn="r">
+              <a:defRPr sz="1400">
+                <a:solidFill>
+                  <a:srgbClr val="0070C0"/>
+                </a:solidFill>
+              </a:defRPr>
+            </a:lvl1pPr>
+          </a:lstStyle>
+          <a:p>
+            <a:pPr algn="l"/>
+            <a:r>
+              <a:rPr lang="en-US" sz="1200" err="1">
+                <a:solidFill>
+                  <a:srgbClr val="7030A0"/>
+                </a:solidFill>
+              </a:rPr>
+              <a:t>new BoundaryValueChecker(mapGrid, bs, cs, ot)</a:t>
+            </a:r>
+            <a:endParaRPr lang="en-US" sz="1200">
+              <a:solidFill>
+                <a:srgbClr val="7030A0"/>
+              </a:solidFill>
+            </a:endParaRPr>
           </a:p>
         </p:txBody>
       </p:sp>

--- a/docs/diagrams/PutShipSequenceDiagram.pptx
+++ b/docs/diagrams/PutShipSequenceDiagram.pptx
@@ -5682,1471 +5682,12 @@
           <a:chExt cx="0" cy="0"/>
         </a:xfrm>
       </p:grpSpPr>
-      <p:sp>
-        <p:nvSpPr>
-          <p:cNvPr id="170" name="Rectangle 65">
+      <p:grpSp>
+        <p:nvGrpSpPr>
+          <p:cNvPr id="3" name="Group 2">
             <a:extLst>
               <a:ext uri="{FF2B5EF4-FFF2-40B4-BE49-F238E27FC236}">
-                <a16:creationId xmlns:a16="http://schemas.microsoft.com/office/drawing/2014/main" id="{EE17B49E-D125-D04A-B460-4DC7FCC1A8A5}"/>
-              </a:ext>
-            </a:extLst>
-          </p:cNvPr>
-          <p:cNvSpPr/>
-          <p:nvPr/>
-        </p:nvSpPr>
-        <p:spPr>
-          <a:xfrm>
-            <a:off x="9699812" y="1199200"/>
-            <a:ext cx="6277250" cy="7851810"/>
-          </a:xfrm>
-          <a:prstGeom prst="roundRect">
-            <a:avLst>
-              <a:gd name="adj" fmla="val 3484"/>
-            </a:avLst>
-          </a:prstGeom>
-          <a:solidFill>
-            <a:schemeClr val="accent4">
-              <a:lumMod val="20000"/>
-              <a:lumOff val="80000"/>
-            </a:schemeClr>
-          </a:solidFill>
-          <a:ln w="19050">
-            <a:noFill/>
-          </a:ln>
-          <a:effectLst/>
-        </p:spPr>
-        <p:style>
-          <a:lnRef idx="1">
-            <a:schemeClr val="accent2"/>
-          </a:lnRef>
-          <a:fillRef idx="2">
-            <a:schemeClr val="accent2"/>
-          </a:fillRef>
-          <a:effectRef idx="1">
-            <a:schemeClr val="accent2"/>
-          </a:effectRef>
-          <a:fontRef idx="minor">
-            <a:schemeClr val="dk1"/>
-          </a:fontRef>
-        </p:style>
-        <p:txBody>
-          <a:bodyPr rtlCol="0" anchor="t"/>
-          <a:lstStyle/>
-          <a:p>
-            <a:r>
-              <a:rPr lang="en-US" sz="1200" b="1" dirty="0">
-                <a:solidFill>
-                  <a:srgbClr val="7030A0"/>
-                </a:solidFill>
-              </a:rPr>
-              <a:t>Model</a:t>
-            </a:r>
-            <a:endParaRPr lang="en-SG" sz="1200" b="1" dirty="0">
-              <a:solidFill>
-                <a:srgbClr val="7030A0"/>
-              </a:solidFill>
-            </a:endParaRPr>
-          </a:p>
-        </p:txBody>
-      </p:sp>
-      <p:sp>
-        <p:nvSpPr>
-          <p:cNvPr id="171" name="Rectangle 65">
-            <a:extLst>
-              <a:ext uri="{FF2B5EF4-FFF2-40B4-BE49-F238E27FC236}">
-                <a16:creationId xmlns:a16="http://schemas.microsoft.com/office/drawing/2014/main" id="{9F7BABA6-7513-E641-89A8-229ADA2C50B1}"/>
-              </a:ext>
-            </a:extLst>
-          </p:cNvPr>
-          <p:cNvSpPr/>
-          <p:nvPr/>
-        </p:nvSpPr>
-        <p:spPr>
-          <a:xfrm>
-            <a:off x="243124" y="1163781"/>
-            <a:ext cx="9336305" cy="7851811"/>
-          </a:xfrm>
-          <a:prstGeom prst="roundRect">
-            <a:avLst>
-              <a:gd name="adj" fmla="val 3484"/>
-            </a:avLst>
-          </a:prstGeom>
-          <a:solidFill>
-            <a:schemeClr val="accent1">
-              <a:lumMod val="20000"/>
-              <a:lumOff val="80000"/>
-            </a:schemeClr>
-          </a:solidFill>
-          <a:ln w="19050">
-            <a:noFill/>
-          </a:ln>
-          <a:effectLst/>
-        </p:spPr>
-        <p:style>
-          <a:lnRef idx="1">
-            <a:schemeClr val="accent2"/>
-          </a:lnRef>
-          <a:fillRef idx="2">
-            <a:schemeClr val="accent2"/>
-          </a:fillRef>
-          <a:effectRef idx="1">
-            <a:schemeClr val="accent2"/>
-          </a:effectRef>
-          <a:fontRef idx="minor">
-            <a:schemeClr val="dk1"/>
-          </a:fontRef>
-        </p:style>
-        <p:txBody>
-          <a:bodyPr rtlCol="0" anchor="t"/>
-          <a:lstStyle/>
-          <a:p>
-            <a:r>
-              <a:rPr lang="en-US" sz="1200" b="1" dirty="0">
-                <a:solidFill>
-                  <a:srgbClr val="0070C0"/>
-                </a:solidFill>
-              </a:rPr>
-              <a:t>Logic</a:t>
-            </a:r>
-            <a:endParaRPr lang="en-SG" sz="1200" b="1" dirty="0">
-              <a:solidFill>
-                <a:srgbClr val="0070C0"/>
-              </a:solidFill>
-            </a:endParaRPr>
-          </a:p>
-        </p:txBody>
-      </p:sp>
-      <p:cxnSp>
-        <p:nvCxnSpPr>
-          <p:cNvPr id="85" name="Straight Connector 84">
-            <a:extLst>
-              <a:ext uri="{FF2B5EF4-FFF2-40B4-BE49-F238E27FC236}">
-                <a16:creationId xmlns:a16="http://schemas.microsoft.com/office/drawing/2014/main" id="{F5D40B4E-6F99-47B3-8A21-87ADCD716B5B}"/>
-              </a:ext>
-            </a:extLst>
-          </p:cNvPr>
-          <p:cNvCxnSpPr>
-            <a:cxnSpLocks/>
-            <a:endCxn id="94" idx="0"/>
-          </p:cNvCxnSpPr>
-          <p:nvPr/>
-        </p:nvCxnSpPr>
-        <p:spPr>
-          <a:xfrm>
-            <a:off x="8065841" y="2868639"/>
-            <a:ext cx="0" cy="5953270"/>
-          </a:xfrm>
-          <a:prstGeom prst="line">
-            <a:avLst/>
-          </a:prstGeom>
-          <a:ln w="19050">
-            <a:solidFill>
-              <a:srgbClr val="0070C0"/>
-            </a:solidFill>
-            <a:prstDash val="sysDash"/>
-          </a:ln>
-          <a:effectLst/>
-        </p:spPr>
-        <p:style>
-          <a:lnRef idx="1">
-            <a:schemeClr val="accent1"/>
-          </a:lnRef>
-          <a:fillRef idx="2">
-            <a:schemeClr val="accent1"/>
-          </a:fillRef>
-          <a:effectRef idx="1">
-            <a:schemeClr val="accent1"/>
-          </a:effectRef>
-          <a:fontRef idx="minor">
-            <a:schemeClr val="dk1"/>
-          </a:fontRef>
-        </p:style>
-      </p:cxnSp>
-      <p:sp>
-        <p:nvSpPr>
-          <p:cNvPr id="2" name="Rectangle 62"/>
-          <p:cNvSpPr/>
-          <p:nvPr/>
-        </p:nvSpPr>
-        <p:spPr>
-          <a:xfrm>
-            <a:off x="1555025" y="1314783"/>
-            <a:ext cx="1455628" cy="234000"/>
-          </a:xfrm>
-          <a:prstGeom prst="rect">
-            <a:avLst/>
-          </a:prstGeom>
-          <a:solidFill>
-            <a:srgbClr val="0070C0"/>
-          </a:solidFill>
-          <a:ln w="19050">
-            <a:solidFill>
-              <a:srgbClr val="0070C0"/>
-            </a:solidFill>
-          </a:ln>
-          <a:effectLst/>
-        </p:spPr>
-        <p:style>
-          <a:lnRef idx="1">
-            <a:schemeClr val="accent2"/>
-          </a:lnRef>
-          <a:fillRef idx="2">
-            <a:schemeClr val="accent2"/>
-          </a:fillRef>
-          <a:effectRef idx="1">
-            <a:schemeClr val="accent2"/>
-          </a:effectRef>
-          <a:fontRef idx="minor">
-            <a:schemeClr val="dk1"/>
-          </a:fontRef>
-        </p:style>
-        <p:txBody>
-          <a:bodyPr rtlCol="0" anchor="ctr"/>
-          <a:lstStyle/>
-          <a:p>
-            <a:pPr algn="ctr"/>
-            <a:r>
-              <a:rPr lang="en-US" sz="1600" dirty="0">
-                <a:solidFill>
-                  <a:schemeClr val="bg1"/>
-                </a:solidFill>
-              </a:rPr>
-              <a:t>:LogicManager</a:t>
-            </a:r>
-            <a:endParaRPr lang="en-SG" sz="1600" dirty="0">
-              <a:solidFill>
-                <a:schemeClr val="bg1"/>
-              </a:solidFill>
-            </a:endParaRPr>
-          </a:p>
-        </p:txBody>
-      </p:sp>
-      <p:cxnSp>
-        <p:nvCxnSpPr>
-          <p:cNvPr id="5" name="Straight Connector 4"/>
-          <p:cNvCxnSpPr>
-            <a:cxnSpLocks/>
-          </p:cNvCxnSpPr>
-          <p:nvPr/>
-        </p:nvCxnSpPr>
-        <p:spPr>
-          <a:xfrm>
-            <a:off x="2282839" y="1539918"/>
-            <a:ext cx="0" cy="7464597"/>
-          </a:xfrm>
-          <a:prstGeom prst="line">
-            <a:avLst/>
-          </a:prstGeom>
-          <a:ln w="19050">
-            <a:solidFill>
-              <a:srgbClr val="0070C0"/>
-            </a:solidFill>
-            <a:prstDash val="sysDash"/>
-          </a:ln>
-          <a:effectLst/>
-        </p:spPr>
-        <p:style>
-          <a:lnRef idx="1">
-            <a:schemeClr val="accent1"/>
-          </a:lnRef>
-          <a:fillRef idx="2">
-            <a:schemeClr val="accent1"/>
-          </a:fillRef>
-          <a:effectRef idx="1">
-            <a:schemeClr val="accent1"/>
-          </a:effectRef>
-          <a:fontRef idx="minor">
-            <a:schemeClr val="dk1"/>
-          </a:fontRef>
-        </p:style>
-      </p:cxnSp>
-      <p:cxnSp>
-        <p:nvCxnSpPr>
-          <p:cNvPr id="17" name="Straight Connector 16"/>
-          <p:cNvCxnSpPr>
-            <a:cxnSpLocks/>
-          </p:cNvCxnSpPr>
-          <p:nvPr/>
-        </p:nvCxnSpPr>
-        <p:spPr>
-          <a:xfrm>
-            <a:off x="4712063" y="1539912"/>
-            <a:ext cx="0" cy="7340852"/>
-          </a:xfrm>
-          <a:prstGeom prst="line">
-            <a:avLst/>
-          </a:prstGeom>
-          <a:ln w="19050">
-            <a:solidFill>
-              <a:srgbClr val="0070C0"/>
-            </a:solidFill>
-            <a:prstDash val="sysDash"/>
-          </a:ln>
-          <a:effectLst/>
-        </p:spPr>
-        <p:style>
-          <a:lnRef idx="1">
-            <a:schemeClr val="accent1"/>
-          </a:lnRef>
-          <a:fillRef idx="2">
-            <a:schemeClr val="accent1"/>
-          </a:fillRef>
-          <a:effectRef idx="1">
-            <a:schemeClr val="accent1"/>
-          </a:effectRef>
-          <a:fontRef idx="minor">
-            <a:schemeClr val="dk1"/>
-          </a:fontRef>
-        </p:style>
-      </p:cxnSp>
-      <p:sp>
-        <p:nvSpPr>
-          <p:cNvPr id="18" name="Rectangle 17"/>
-          <p:cNvSpPr/>
-          <p:nvPr/>
-        </p:nvSpPr>
-        <p:spPr>
-          <a:xfrm>
-            <a:off x="4640058" y="1998121"/>
-            <a:ext cx="154408" cy="1434579"/>
-          </a:xfrm>
-          <a:prstGeom prst="rect">
-            <a:avLst/>
-          </a:prstGeom>
-          <a:solidFill>
-            <a:srgbClr val="0070C0"/>
-          </a:solidFill>
-          <a:ln>
-            <a:solidFill>
-              <a:srgbClr val="0070C0"/>
-            </a:solidFill>
-          </a:ln>
-          <a:effectLst/>
-        </p:spPr>
-        <p:style>
-          <a:lnRef idx="1">
-            <a:schemeClr val="accent3"/>
-          </a:lnRef>
-          <a:fillRef idx="2">
-            <a:schemeClr val="accent3"/>
-          </a:fillRef>
-          <a:effectRef idx="1">
-            <a:schemeClr val="accent3"/>
-          </a:effectRef>
-          <a:fontRef idx="minor">
-            <a:schemeClr val="dk1"/>
-          </a:fontRef>
-        </p:style>
-        <p:txBody>
-          <a:bodyPr rtlCol="0" anchor="ctr"/>
-          <a:lstStyle/>
-          <a:p>
-            <a:pPr algn="ctr"/>
-            <a:endParaRPr lang="en-SG" sz="1400"/>
-          </a:p>
-        </p:txBody>
-      </p:sp>
-      <p:cxnSp>
-        <p:nvCxnSpPr>
-          <p:cNvPr id="20" name="Straight Connector 19"/>
-          <p:cNvCxnSpPr>
-            <a:cxnSpLocks/>
-            <a:stCxn id="21" idx="0"/>
-          </p:cNvCxnSpPr>
-          <p:nvPr/>
-        </p:nvCxnSpPr>
-        <p:spPr>
-          <a:xfrm>
-            <a:off x="6276037" y="2245949"/>
-            <a:ext cx="0" cy="6648669"/>
-          </a:xfrm>
-          <a:prstGeom prst="line">
-            <a:avLst/>
-          </a:prstGeom>
-          <a:ln w="19050">
-            <a:solidFill>
-              <a:srgbClr val="0070C0"/>
-            </a:solidFill>
-            <a:prstDash val="sysDash"/>
-          </a:ln>
-          <a:effectLst/>
-        </p:spPr>
-        <p:style>
-          <a:lnRef idx="1">
-            <a:schemeClr val="accent1"/>
-          </a:lnRef>
-          <a:fillRef idx="2">
-            <a:schemeClr val="accent1"/>
-          </a:fillRef>
-          <a:effectRef idx="1">
-            <a:schemeClr val="accent1"/>
-          </a:effectRef>
-          <a:fontRef idx="minor">
-            <a:schemeClr val="dk1"/>
-          </a:fontRef>
-        </p:style>
-      </p:cxnSp>
-      <p:sp>
-        <p:nvSpPr>
-          <p:cNvPr id="21" name="Rectangle 20"/>
-          <p:cNvSpPr/>
-          <p:nvPr/>
-        </p:nvSpPr>
-        <p:spPr>
-          <a:xfrm>
-            <a:off x="6199837" y="2245949"/>
-            <a:ext cx="152400" cy="229898"/>
-          </a:xfrm>
-          <a:prstGeom prst="rect">
-            <a:avLst/>
-          </a:prstGeom>
-          <a:solidFill>
-            <a:srgbClr val="0070C0"/>
-          </a:solidFill>
-          <a:ln>
-            <a:solidFill>
-              <a:srgbClr val="0070C0"/>
-            </a:solidFill>
-          </a:ln>
-          <a:effectLst/>
-        </p:spPr>
-        <p:style>
-          <a:lnRef idx="1">
-            <a:schemeClr val="accent3"/>
-          </a:lnRef>
-          <a:fillRef idx="2">
-            <a:schemeClr val="accent3"/>
-          </a:fillRef>
-          <a:effectRef idx="1">
-            <a:schemeClr val="accent3"/>
-          </a:effectRef>
-          <a:fontRef idx="minor">
-            <a:schemeClr val="dk1"/>
-          </a:fontRef>
-        </p:style>
-        <p:txBody>
-          <a:bodyPr rtlCol="0" anchor="ctr"/>
-          <a:lstStyle/>
-          <a:p>
-            <a:pPr algn="ctr"/>
-            <a:endParaRPr lang="en-SG" sz="1400"/>
-          </a:p>
-        </p:txBody>
-      </p:sp>
-      <p:cxnSp>
-        <p:nvCxnSpPr>
-          <p:cNvPr id="23" name="Straight Arrow Connector 22"/>
-          <p:cNvCxnSpPr>
-            <a:cxnSpLocks/>
-          </p:cNvCxnSpPr>
-          <p:nvPr/>
-        </p:nvCxnSpPr>
-        <p:spPr>
-          <a:xfrm>
-            <a:off x="266700" y="1894290"/>
-            <a:ext cx="1944152" cy="0"/>
-          </a:xfrm>
-          <a:prstGeom prst="straightConnector1">
-            <a:avLst/>
-          </a:prstGeom>
-          <a:ln w="19050">
-            <a:solidFill>
-              <a:srgbClr val="00B050"/>
-            </a:solidFill>
-            <a:tailEnd type="arrow"/>
-          </a:ln>
-        </p:spPr>
-        <p:style>
-          <a:lnRef idx="1">
-            <a:schemeClr val="accent1"/>
-          </a:lnRef>
-          <a:fillRef idx="0">
-            <a:schemeClr val="accent1"/>
-          </a:fillRef>
-          <a:effectRef idx="0">
-            <a:schemeClr val="accent1"/>
-          </a:effectRef>
-          <a:fontRef idx="minor">
-            <a:schemeClr val="tx1"/>
-          </a:fontRef>
-        </p:style>
-      </p:cxnSp>
-      <p:sp>
-        <p:nvSpPr>
-          <p:cNvPr id="26" name="TextBox 25"/>
-          <p:cNvSpPr txBox="1"/>
-          <p:nvPr/>
-        </p:nvSpPr>
-        <p:spPr>
-          <a:xfrm>
-            <a:off x="191588" y="1636137"/>
-            <a:ext cx="1823939" cy="184666"/>
-          </a:xfrm>
-          <a:prstGeom prst="rect">
-            <a:avLst/>
-          </a:prstGeom>
-          <a:noFill/>
-        </p:spPr>
-        <p:txBody>
-          <a:bodyPr wrap="square" lIns="0" tIns="0" rIns="0" bIns="0" rtlCol="0">
-            <a:spAutoFit/>
-          </a:bodyPr>
-          <a:lstStyle/>
-          <a:p>
-            <a:pPr algn="r"/>
-            <a:r>
-              <a:rPr lang="en-US" sz="1200">
-                <a:solidFill>
-                  <a:srgbClr val="0070C0"/>
-                </a:solidFill>
-              </a:rPr>
-              <a:t>execute(“put &lt;args1&gt;”)</a:t>
-            </a:r>
-          </a:p>
-        </p:txBody>
-      </p:sp>
-      <p:cxnSp>
-        <p:nvCxnSpPr>
-          <p:cNvPr id="28" name="Straight Arrow Connector 27"/>
-          <p:cNvCxnSpPr>
-            <a:cxnSpLocks/>
-          </p:cNvCxnSpPr>
-          <p:nvPr/>
-        </p:nvCxnSpPr>
-        <p:spPr>
-          <a:xfrm>
-            <a:off x="4793191" y="2119777"/>
-            <a:ext cx="685624" cy="1"/>
-          </a:xfrm>
-          <a:prstGeom prst="straightConnector1">
-            <a:avLst/>
-          </a:prstGeom>
-          <a:ln w="19050">
-            <a:solidFill>
-              <a:srgbClr val="0070C0"/>
-            </a:solidFill>
-            <a:tailEnd type="arrow"/>
-          </a:ln>
-        </p:spPr>
-        <p:style>
-          <a:lnRef idx="1">
-            <a:schemeClr val="accent1"/>
-          </a:lnRef>
-          <a:fillRef idx="0">
-            <a:schemeClr val="accent1"/>
-          </a:fillRef>
-          <a:effectRef idx="0">
-            <a:schemeClr val="accent1"/>
-          </a:effectRef>
-          <a:fontRef idx="minor">
-            <a:schemeClr val="tx1"/>
-          </a:fontRef>
-        </p:style>
-      </p:cxnSp>
-      <p:sp>
-        <p:nvSpPr>
-          <p:cNvPr id="29" name="TextBox 28"/>
-          <p:cNvSpPr txBox="1"/>
-          <p:nvPr/>
-        </p:nvSpPr>
-        <p:spPr>
-          <a:xfrm>
-            <a:off x="4897924" y="3607803"/>
-            <a:ext cx="855808" cy="215444"/>
-          </a:xfrm>
-          <a:prstGeom prst="rect">
-            <a:avLst/>
-          </a:prstGeom>
-          <a:noFill/>
-        </p:spPr>
-        <p:txBody>
-          <a:bodyPr wrap="square" lIns="0" tIns="0" rIns="0" bIns="0" rtlCol="0">
-            <a:spAutoFit/>
-          </a:bodyPr>
-          <a:lstStyle>
-            <a:defPPr>
-              <a:defRPr lang="en-US"/>
-            </a:defPPr>
-            <a:lvl1pPr algn="r">
-              <a:defRPr sz="1400">
-                <a:solidFill>
-                  <a:srgbClr val="0070C0"/>
-                </a:solidFill>
-              </a:defRPr>
-            </a:lvl1pPr>
-          </a:lstStyle>
-          <a:p>
-            <a:r>
-              <a:rPr lang="en-US"/>
-              <a:t>c.execute()</a:t>
-            </a:r>
-          </a:p>
-        </p:txBody>
-      </p:sp>
-      <p:cxnSp>
-        <p:nvCxnSpPr>
-          <p:cNvPr id="34" name="Straight Arrow Connector 33"/>
-          <p:cNvCxnSpPr>
-            <a:cxnSpLocks/>
-          </p:cNvCxnSpPr>
-          <p:nvPr/>
-        </p:nvCxnSpPr>
-        <p:spPr>
-          <a:xfrm>
-            <a:off x="4783064" y="2471799"/>
-            <a:ext cx="1414408" cy="0"/>
-          </a:xfrm>
-          <a:prstGeom prst="straightConnector1">
-            <a:avLst/>
-          </a:prstGeom>
-          <a:ln w="19050">
-            <a:solidFill>
-              <a:srgbClr val="0070C0"/>
-            </a:solidFill>
-            <a:prstDash val="sysDash"/>
-            <a:headEnd type="arrow" w="med" len="med"/>
-            <a:tailEnd type="none" w="med" len="med"/>
-          </a:ln>
-        </p:spPr>
-        <p:style>
-          <a:lnRef idx="1">
-            <a:schemeClr val="accent1"/>
-          </a:lnRef>
-          <a:fillRef idx="0">
-            <a:schemeClr val="accent1"/>
-          </a:fillRef>
-          <a:effectRef idx="0">
-            <a:schemeClr val="accent1"/>
-          </a:effectRef>
-          <a:fontRef idx="minor">
-            <a:schemeClr val="tx1"/>
-          </a:fontRef>
-        </p:style>
-      </p:cxnSp>
-      <p:cxnSp>
-        <p:nvCxnSpPr>
-          <p:cNvPr id="35" name="Straight Arrow Connector 34"/>
-          <p:cNvCxnSpPr>
-            <a:cxnSpLocks/>
-          </p:cNvCxnSpPr>
-          <p:nvPr/>
-        </p:nvCxnSpPr>
-        <p:spPr>
-          <a:xfrm>
-            <a:off x="2369728" y="3425403"/>
-            <a:ext cx="2270334" cy="0"/>
-          </a:xfrm>
-          <a:prstGeom prst="straightConnector1">
-            <a:avLst/>
-          </a:prstGeom>
-          <a:ln w="19050">
-            <a:solidFill>
-              <a:srgbClr val="0070C0"/>
-            </a:solidFill>
-            <a:prstDash val="sysDash"/>
-            <a:headEnd type="arrow" w="med" len="med"/>
-            <a:tailEnd type="none" w="med" len="med"/>
-          </a:ln>
-        </p:spPr>
-        <p:style>
-          <a:lnRef idx="1">
-            <a:schemeClr val="accent1"/>
-          </a:lnRef>
-          <a:fillRef idx="0">
-            <a:schemeClr val="accent1"/>
-          </a:fillRef>
-          <a:effectRef idx="0">
-            <a:schemeClr val="accent1"/>
-          </a:effectRef>
-          <a:fontRef idx="minor">
-            <a:schemeClr val="tx1"/>
-          </a:fontRef>
-        </p:style>
-      </p:cxnSp>
-      <p:sp>
-        <p:nvSpPr>
-          <p:cNvPr id="80" name="TextBox 79"/>
-          <p:cNvSpPr txBox="1"/>
-          <p:nvPr/>
-        </p:nvSpPr>
-        <p:spPr>
-          <a:xfrm>
-            <a:off x="2404558" y="1752687"/>
-            <a:ext cx="2200674" cy="184666"/>
-          </a:xfrm>
-          <a:prstGeom prst="rect">
-            <a:avLst/>
-          </a:prstGeom>
-          <a:noFill/>
-        </p:spPr>
-        <p:txBody>
-          <a:bodyPr wrap="square" lIns="0" tIns="0" rIns="0" bIns="0" rtlCol="0">
-            <a:spAutoFit/>
-          </a:bodyPr>
-          <a:lstStyle>
-            <a:defPPr>
-              <a:defRPr lang="en-US"/>
-            </a:defPPr>
-            <a:lvl1pPr algn="r">
-              <a:defRPr sz="1400">
-                <a:solidFill>
-                  <a:srgbClr val="0070C0"/>
-                </a:solidFill>
-              </a:defRPr>
-            </a:lvl1pPr>
-          </a:lstStyle>
-          <a:p>
-            <a:r>
-              <a:rPr lang="en-US" sz="1200" err="1"/>
-              <a:t>parseCommand</a:t>
-            </a:r>
-            <a:r>
-              <a:rPr lang="en-US" sz="1200"/>
-              <a:t>(“put &lt;</a:t>
-            </a:r>
-            <a:r>
-              <a:rPr lang="en-US" sz="1200" err="1"/>
-              <a:t>args1</a:t>
-            </a:r>
-            <a:r>
-              <a:rPr lang="en-US" sz="1200"/>
-              <a:t>&gt;”)</a:t>
-            </a:r>
-          </a:p>
-        </p:txBody>
-      </p:sp>
-      <p:sp>
-        <p:nvSpPr>
-          <p:cNvPr id="40" name="Rectangle 62"/>
-          <p:cNvSpPr/>
-          <p:nvPr/>
-        </p:nvSpPr>
-        <p:spPr>
-          <a:xfrm>
-            <a:off x="9940324" y="2921451"/>
-            <a:ext cx="1420821" cy="234000"/>
-          </a:xfrm>
-          <a:prstGeom prst="rect">
-            <a:avLst/>
-          </a:prstGeom>
-          <a:solidFill>
-            <a:srgbClr val="7030A0"/>
-          </a:solidFill>
-          <a:ln w="19050">
-            <a:solidFill>
-              <a:srgbClr val="7030A0"/>
-            </a:solidFill>
-          </a:ln>
-          <a:effectLst/>
-        </p:spPr>
-        <p:style>
-          <a:lnRef idx="1">
-            <a:schemeClr val="accent2"/>
-          </a:lnRef>
-          <a:fillRef idx="2">
-            <a:schemeClr val="accent2"/>
-          </a:fillRef>
-          <a:effectRef idx="1">
-            <a:schemeClr val="accent2"/>
-          </a:effectRef>
-          <a:fontRef idx="minor">
-            <a:schemeClr val="dk1"/>
-          </a:fontRef>
-        </p:style>
-        <p:txBody>
-          <a:bodyPr rtlCol="0" anchor="ctr"/>
-          <a:lstStyle/>
-          <a:p>
-            <a:pPr algn="ctr"/>
-            <a:r>
-              <a:rPr lang="en-US" sz="1600">
-                <a:solidFill>
-                  <a:schemeClr val="bg1"/>
-                </a:solidFill>
-              </a:rPr>
-              <a:t>:Model</a:t>
-            </a:r>
-            <a:endParaRPr lang="en-SG" sz="1600">
-              <a:solidFill>
-                <a:schemeClr val="bg1"/>
-              </a:solidFill>
-            </a:endParaRPr>
-          </a:p>
-        </p:txBody>
-      </p:sp>
-      <p:cxnSp>
-        <p:nvCxnSpPr>
-          <p:cNvPr id="46" name="Straight Connector 45"/>
-          <p:cNvCxnSpPr>
-            <a:cxnSpLocks/>
-          </p:cNvCxnSpPr>
-          <p:nvPr/>
-        </p:nvCxnSpPr>
-        <p:spPr>
-          <a:xfrm>
-            <a:off x="10689736" y="3177915"/>
-            <a:ext cx="0" cy="5687116"/>
-          </a:xfrm>
-          <a:prstGeom prst="line">
-            <a:avLst/>
-          </a:prstGeom>
-          <a:ln w="19050">
-            <a:solidFill>
-              <a:srgbClr val="7030A0"/>
-            </a:solidFill>
-            <a:prstDash val="sysDash"/>
-          </a:ln>
-          <a:effectLst/>
-        </p:spPr>
-        <p:style>
-          <a:lnRef idx="1">
-            <a:schemeClr val="accent1"/>
-          </a:lnRef>
-          <a:fillRef idx="2">
-            <a:schemeClr val="accent1"/>
-          </a:fillRef>
-          <a:effectRef idx="1">
-            <a:schemeClr val="accent1"/>
-          </a:effectRef>
-          <a:fontRef idx="minor">
-            <a:schemeClr val="dk1"/>
-          </a:fontRef>
-        </p:style>
-      </p:cxnSp>
-      <p:cxnSp>
-        <p:nvCxnSpPr>
-          <p:cNvPr id="50" name="Straight Arrow Connector 49"/>
-          <p:cNvCxnSpPr>
-            <a:cxnSpLocks/>
-          </p:cNvCxnSpPr>
-          <p:nvPr/>
-        </p:nvCxnSpPr>
-        <p:spPr>
-          <a:xfrm>
-            <a:off x="8037095" y="5643334"/>
-            <a:ext cx="4757578" cy="0"/>
-          </a:xfrm>
-          <a:prstGeom prst="straightConnector1">
-            <a:avLst/>
-          </a:prstGeom>
-          <a:ln w="19050">
-            <a:solidFill>
-              <a:srgbClr val="7030A0"/>
-            </a:solidFill>
-            <a:tailEnd type="arrow"/>
-          </a:ln>
-        </p:spPr>
-        <p:style>
-          <a:lnRef idx="1">
-            <a:schemeClr val="accent1"/>
-          </a:lnRef>
-          <a:fillRef idx="0">
-            <a:schemeClr val="accent1"/>
-          </a:fillRef>
-          <a:effectRef idx="0">
-            <a:schemeClr val="accent1"/>
-          </a:effectRef>
-          <a:fontRef idx="minor">
-            <a:schemeClr val="tx1"/>
-          </a:fontRef>
-        </p:style>
-      </p:cxnSp>
-      <p:sp>
-        <p:nvSpPr>
-          <p:cNvPr id="19" name="Rectangle 62"/>
-          <p:cNvSpPr/>
-          <p:nvPr/>
-        </p:nvSpPr>
-        <p:spPr>
-          <a:xfrm>
-            <a:off x="5506527" y="1803375"/>
-            <a:ext cx="1697835" cy="468000"/>
-          </a:xfrm>
-          <a:prstGeom prst="rect">
-            <a:avLst/>
-          </a:prstGeom>
-          <a:solidFill>
-            <a:srgbClr val="0070C0"/>
-          </a:solidFill>
-          <a:ln w="19050">
-            <a:solidFill>
-              <a:srgbClr val="0070C0"/>
-            </a:solidFill>
-          </a:ln>
-          <a:effectLst/>
-        </p:spPr>
-        <p:style>
-          <a:lnRef idx="1">
-            <a:schemeClr val="accent2"/>
-          </a:lnRef>
-          <a:fillRef idx="2">
-            <a:schemeClr val="accent2"/>
-          </a:fillRef>
-          <a:effectRef idx="1">
-            <a:schemeClr val="accent2"/>
-          </a:effectRef>
-          <a:fontRef idx="minor">
-            <a:schemeClr val="dk1"/>
-          </a:fontRef>
-        </p:style>
-        <p:txBody>
-          <a:bodyPr rtlCol="0" anchor="ctr"/>
-          <a:lstStyle/>
-          <a:p>
-            <a:pPr algn="ctr"/>
-            <a:r>
-              <a:rPr lang="en-US" sz="1600">
-                <a:solidFill>
-                  <a:schemeClr val="bg1"/>
-                </a:solidFill>
-              </a:rPr>
-              <a:t>:</a:t>
-            </a:r>
-            <a:r>
-              <a:rPr lang="en-US" sz="1600" err="1">
-                <a:solidFill>
-                  <a:schemeClr val="bg1"/>
-                </a:solidFill>
-              </a:rPr>
-              <a:t>PutShipMap</a:t>
-            </a:r>
-          </a:p>
-          <a:p>
-            <a:pPr algn="ctr"/>
-            <a:r>
-              <a:rPr lang="en-US" sz="1600" err="1">
-                <a:solidFill>
-                  <a:schemeClr val="bg1"/>
-                </a:solidFill>
-              </a:rPr>
-              <a:t>CommandParser</a:t>
-            </a:r>
-            <a:endParaRPr lang="en-SG" sz="1600">
-              <a:solidFill>
-                <a:schemeClr val="bg1"/>
-              </a:solidFill>
-            </a:endParaRPr>
-          </a:p>
-        </p:txBody>
-      </p:sp>
-      <p:cxnSp>
-        <p:nvCxnSpPr>
-          <p:cNvPr id="66" name="Straight Arrow Connector 65">
-            <a:extLst>
-              <a:ext uri="{FF2B5EF4-FFF2-40B4-BE49-F238E27FC236}">
-                <a16:creationId xmlns:a16="http://schemas.microsoft.com/office/drawing/2014/main" id="{39916E2E-195A-4DC8-B025-B05FA87E6796}"/>
-              </a:ext>
-            </a:extLst>
-          </p:cNvPr>
-          <p:cNvCxnSpPr>
-            <a:cxnSpLocks/>
-          </p:cNvCxnSpPr>
-          <p:nvPr/>
-        </p:nvCxnSpPr>
-        <p:spPr>
-          <a:xfrm>
-            <a:off x="2369736" y="3835913"/>
-            <a:ext cx="5611159" cy="0"/>
-          </a:xfrm>
-          <a:prstGeom prst="straightConnector1">
-            <a:avLst/>
-          </a:prstGeom>
-          <a:ln w="19050">
-            <a:solidFill>
-              <a:srgbClr val="0070C0"/>
-            </a:solidFill>
-            <a:tailEnd type="arrow"/>
-          </a:ln>
-        </p:spPr>
-        <p:style>
-          <a:lnRef idx="1">
-            <a:schemeClr val="accent1"/>
-          </a:lnRef>
-          <a:fillRef idx="0">
-            <a:schemeClr val="accent1"/>
-          </a:fillRef>
-          <a:effectRef idx="0">
-            <a:schemeClr val="accent1"/>
-          </a:effectRef>
-          <a:fontRef idx="minor">
-            <a:schemeClr val="tx1"/>
-          </a:fontRef>
-        </p:style>
-      </p:cxnSp>
-      <p:cxnSp>
-        <p:nvCxnSpPr>
-          <p:cNvPr id="67" name="Straight Arrow Connector 66">
-            <a:extLst>
-              <a:ext uri="{FF2B5EF4-FFF2-40B4-BE49-F238E27FC236}">
-                <a16:creationId xmlns:a16="http://schemas.microsoft.com/office/drawing/2014/main" id="{D881596E-177C-4FDC-8E60-CAB90B3D5FAB}"/>
-              </a:ext>
-            </a:extLst>
-          </p:cNvPr>
-          <p:cNvCxnSpPr>
-            <a:cxnSpLocks/>
-          </p:cNvCxnSpPr>
-          <p:nvPr/>
-        </p:nvCxnSpPr>
-        <p:spPr>
-          <a:xfrm>
-            <a:off x="2265896" y="1996229"/>
-            <a:ext cx="2360541" cy="0"/>
-          </a:xfrm>
-          <a:prstGeom prst="straightConnector1">
-            <a:avLst/>
-          </a:prstGeom>
-          <a:ln w="19050">
-            <a:solidFill>
-              <a:srgbClr val="0070C0"/>
-            </a:solidFill>
-            <a:tailEnd type="arrow"/>
-          </a:ln>
-        </p:spPr>
-        <p:style>
-          <a:lnRef idx="1">
-            <a:schemeClr val="accent1"/>
-          </a:lnRef>
-          <a:fillRef idx="0">
-            <a:schemeClr val="accent1"/>
-          </a:fillRef>
-          <a:effectRef idx="0">
-            <a:schemeClr val="accent1"/>
-          </a:effectRef>
-          <a:fontRef idx="minor">
-            <a:schemeClr val="tx1"/>
-          </a:fontRef>
-        </p:style>
-      </p:cxnSp>
-      <p:cxnSp>
-        <p:nvCxnSpPr>
-          <p:cNvPr id="70" name="Straight Arrow Connector 69">
-            <a:extLst>
-              <a:ext uri="{FF2B5EF4-FFF2-40B4-BE49-F238E27FC236}">
-                <a16:creationId xmlns:a16="http://schemas.microsoft.com/office/drawing/2014/main" id="{51A78A03-963D-41D5-A96D-D610AC186B7D}"/>
-              </a:ext>
-            </a:extLst>
-          </p:cNvPr>
-          <p:cNvCxnSpPr>
-            <a:cxnSpLocks/>
-          </p:cNvCxnSpPr>
-          <p:nvPr/>
-        </p:nvCxnSpPr>
-        <p:spPr>
-          <a:xfrm flipV="1">
-            <a:off x="4794102" y="2797897"/>
-            <a:ext cx="1413193" cy="1"/>
-          </a:xfrm>
-          <a:prstGeom prst="straightConnector1">
-            <a:avLst/>
-          </a:prstGeom>
-          <a:ln w="19050">
-            <a:solidFill>
-              <a:srgbClr val="0070C0"/>
-            </a:solidFill>
-            <a:tailEnd type="arrow"/>
-          </a:ln>
-        </p:spPr>
-        <p:style>
-          <a:lnRef idx="1">
-            <a:schemeClr val="accent1"/>
-          </a:lnRef>
-          <a:fillRef idx="0">
-            <a:schemeClr val="accent1"/>
-          </a:fillRef>
-          <a:effectRef idx="0">
-            <a:schemeClr val="accent1"/>
-          </a:effectRef>
-          <a:fontRef idx="minor">
-            <a:schemeClr val="tx1"/>
-          </a:fontRef>
-        </p:style>
-      </p:cxnSp>
-      <p:sp>
-        <p:nvSpPr>
-          <p:cNvPr id="71" name="Rectangle 70">
-            <a:extLst>
-              <a:ext uri="{FF2B5EF4-FFF2-40B4-BE49-F238E27FC236}">
-                <a16:creationId xmlns:a16="http://schemas.microsoft.com/office/drawing/2014/main" id="{3A29E65C-0A9E-4AB5-8BF2-6F2BF1DB76DF}"/>
-              </a:ext>
-            </a:extLst>
-          </p:cNvPr>
-          <p:cNvSpPr/>
-          <p:nvPr/>
-        </p:nvSpPr>
-        <p:spPr>
-          <a:xfrm>
-            <a:off x="6195690" y="2789209"/>
-            <a:ext cx="156546" cy="578956"/>
-          </a:xfrm>
-          <a:prstGeom prst="rect">
-            <a:avLst/>
-          </a:prstGeom>
-          <a:solidFill>
-            <a:srgbClr val="0070C0"/>
-          </a:solidFill>
-          <a:ln>
-            <a:solidFill>
-              <a:srgbClr val="0070C0"/>
-            </a:solidFill>
-          </a:ln>
-          <a:effectLst/>
-        </p:spPr>
-        <p:style>
-          <a:lnRef idx="1">
-            <a:schemeClr val="accent3"/>
-          </a:lnRef>
-          <a:fillRef idx="2">
-            <a:schemeClr val="accent3"/>
-          </a:fillRef>
-          <a:effectRef idx="1">
-            <a:schemeClr val="accent3"/>
-          </a:effectRef>
-          <a:fontRef idx="minor">
-            <a:schemeClr val="dk1"/>
-          </a:fontRef>
-        </p:style>
-        <p:txBody>
-          <a:bodyPr rtlCol="0" anchor="ctr"/>
-          <a:lstStyle/>
-          <a:p>
-            <a:pPr algn="ctr"/>
-            <a:endParaRPr lang="en-SG" sz="1400"/>
-          </a:p>
-        </p:txBody>
-      </p:sp>
-      <p:sp>
-        <p:nvSpPr>
-          <p:cNvPr id="72" name="TextBox 71">
-            <a:extLst>
-              <a:ext uri="{FF2B5EF4-FFF2-40B4-BE49-F238E27FC236}">
-                <a16:creationId xmlns:a16="http://schemas.microsoft.com/office/drawing/2014/main" id="{DA9798D2-A662-4296-8252-843468198535}"/>
-              </a:ext>
-            </a:extLst>
-          </p:cNvPr>
-          <p:cNvSpPr txBox="1"/>
-          <p:nvPr/>
-        </p:nvSpPr>
-        <p:spPr>
-          <a:xfrm>
-            <a:off x="4916065" y="2573761"/>
-            <a:ext cx="1150445" cy="184666"/>
-          </a:xfrm>
-          <a:prstGeom prst="rect">
-            <a:avLst/>
-          </a:prstGeom>
-          <a:noFill/>
-        </p:spPr>
-        <p:txBody>
-          <a:bodyPr wrap="square" lIns="0" tIns="0" rIns="0" bIns="0" rtlCol="0">
-            <a:spAutoFit/>
-          </a:bodyPr>
-          <a:lstStyle>
-            <a:defPPr>
-              <a:defRPr lang="en-US"/>
-            </a:defPPr>
-            <a:lvl1pPr algn="r">
-              <a:defRPr sz="1400">
-                <a:solidFill>
-                  <a:srgbClr val="0070C0"/>
-                </a:solidFill>
-              </a:defRPr>
-            </a:lvl1pPr>
-          </a:lstStyle>
-          <a:p>
-            <a:r>
-              <a:rPr lang="en-US" sz="1200"/>
-              <a:t>parse(“&lt;</a:t>
-            </a:r>
-            <a:r>
-              <a:rPr lang="en-US" sz="1200" err="1"/>
-              <a:t>args1</a:t>
-            </a:r>
-            <a:r>
-              <a:rPr lang="en-US" sz="1200"/>
-              <a:t>&gt;”)</a:t>
-            </a:r>
-          </a:p>
-        </p:txBody>
-      </p:sp>
-      <p:cxnSp>
-        <p:nvCxnSpPr>
-          <p:cNvPr id="76" name="Straight Arrow Connector 75">
-            <a:extLst>
-              <a:ext uri="{FF2B5EF4-FFF2-40B4-BE49-F238E27FC236}">
-                <a16:creationId xmlns:a16="http://schemas.microsoft.com/office/drawing/2014/main" id="{9171ECEE-D4A7-464C-B327-CDF3489B27FC}"/>
-              </a:ext>
-            </a:extLst>
-          </p:cNvPr>
-          <p:cNvCxnSpPr>
-            <a:cxnSpLocks/>
-          </p:cNvCxnSpPr>
-          <p:nvPr/>
-        </p:nvCxnSpPr>
-        <p:spPr>
-          <a:xfrm>
-            <a:off x="6342591" y="2887363"/>
-            <a:ext cx="924228" cy="0"/>
-          </a:xfrm>
-          <a:prstGeom prst="straightConnector1">
-            <a:avLst/>
-          </a:prstGeom>
-          <a:ln w="19050">
-            <a:solidFill>
-              <a:srgbClr val="0070C0"/>
-            </a:solidFill>
-            <a:tailEnd type="arrow"/>
-          </a:ln>
-        </p:spPr>
-        <p:style>
-          <a:lnRef idx="1">
-            <a:schemeClr val="accent1"/>
-          </a:lnRef>
-          <a:fillRef idx="0">
-            <a:schemeClr val="accent1"/>
-          </a:fillRef>
-          <a:effectRef idx="0">
-            <a:schemeClr val="accent1"/>
-          </a:effectRef>
-          <a:fontRef idx="minor">
-            <a:schemeClr val="tx1"/>
-          </a:fontRef>
-        </p:style>
-      </p:cxnSp>
-      <p:cxnSp>
-        <p:nvCxnSpPr>
-          <p:cNvPr id="87" name="Straight Arrow Connector 86">
-            <a:extLst>
-              <a:ext uri="{FF2B5EF4-FFF2-40B4-BE49-F238E27FC236}">
-                <a16:creationId xmlns:a16="http://schemas.microsoft.com/office/drawing/2014/main" id="{25C585B1-9B63-40DC-A033-F1940D483812}"/>
-              </a:ext>
-            </a:extLst>
-          </p:cNvPr>
-          <p:cNvCxnSpPr>
-            <a:cxnSpLocks/>
-          </p:cNvCxnSpPr>
-          <p:nvPr/>
-        </p:nvCxnSpPr>
-        <p:spPr>
-          <a:xfrm>
-            <a:off x="6352236" y="3285027"/>
-            <a:ext cx="1650880" cy="0"/>
-          </a:xfrm>
-          <a:prstGeom prst="straightConnector1">
-            <a:avLst/>
-          </a:prstGeom>
-          <a:ln w="19050">
-            <a:solidFill>
-              <a:srgbClr val="0070C0"/>
-            </a:solidFill>
-            <a:prstDash val="sysDash"/>
-            <a:headEnd type="arrow" w="med" len="med"/>
-            <a:tailEnd type="none" w="med" len="med"/>
-          </a:ln>
-        </p:spPr>
-        <p:style>
-          <a:lnRef idx="1">
-            <a:schemeClr val="accent1"/>
-          </a:lnRef>
-          <a:fillRef idx="0">
-            <a:schemeClr val="accent1"/>
-          </a:fillRef>
-          <a:effectRef idx="0">
-            <a:schemeClr val="accent1"/>
-          </a:effectRef>
-          <a:fontRef idx="minor">
-            <a:schemeClr val="tx1"/>
-          </a:fontRef>
-        </p:style>
-      </p:cxnSp>
-      <p:cxnSp>
-        <p:nvCxnSpPr>
-          <p:cNvPr id="90" name="Straight Arrow Connector 89">
-            <a:extLst>
-              <a:ext uri="{FF2B5EF4-FFF2-40B4-BE49-F238E27FC236}">
-                <a16:creationId xmlns:a16="http://schemas.microsoft.com/office/drawing/2014/main" id="{0B2D6059-0E2F-4405-AA86-2158EDEA20DD}"/>
-              </a:ext>
-            </a:extLst>
-          </p:cNvPr>
-          <p:cNvCxnSpPr>
-            <a:cxnSpLocks/>
-          </p:cNvCxnSpPr>
-          <p:nvPr/>
-        </p:nvCxnSpPr>
-        <p:spPr>
-          <a:xfrm>
-            <a:off x="4788963" y="3350554"/>
-            <a:ext cx="1408517" cy="0"/>
-          </a:xfrm>
-          <a:prstGeom prst="straightConnector1">
-            <a:avLst/>
-          </a:prstGeom>
-          <a:ln w="19050">
-            <a:solidFill>
-              <a:srgbClr val="0070C0"/>
-            </a:solidFill>
-            <a:prstDash val="sysDash"/>
-            <a:headEnd type="arrow" w="med" len="med"/>
-            <a:tailEnd type="none" w="med" len="med"/>
-          </a:ln>
-        </p:spPr>
-        <p:style>
-          <a:lnRef idx="1">
-            <a:schemeClr val="accent1"/>
-          </a:lnRef>
-          <a:fillRef idx="0">
-            <a:schemeClr val="accent1"/>
-          </a:fillRef>
-          <a:effectRef idx="0">
-            <a:schemeClr val="accent1"/>
-          </a:effectRef>
-          <a:fontRef idx="minor">
-            <a:schemeClr val="tx1"/>
-          </a:fontRef>
-        </p:style>
-      </p:cxnSp>
-      <p:sp>
-        <p:nvSpPr>
-          <p:cNvPr id="78" name="Rectangle 77">
-            <a:extLst>
-              <a:ext uri="{FF2B5EF4-FFF2-40B4-BE49-F238E27FC236}">
-                <a16:creationId xmlns:a16="http://schemas.microsoft.com/office/drawing/2014/main" id="{4819499D-51D3-4A4D-80BE-A6C45E053497}"/>
-              </a:ext>
-            </a:extLst>
-          </p:cNvPr>
-          <p:cNvSpPr/>
-          <p:nvPr/>
-        </p:nvSpPr>
-        <p:spPr>
-          <a:xfrm>
-            <a:off x="7991391" y="3134369"/>
-            <a:ext cx="152400" cy="160628"/>
-          </a:xfrm>
-          <a:prstGeom prst="rect">
-            <a:avLst/>
-          </a:prstGeom>
-          <a:solidFill>
-            <a:srgbClr val="0070C0"/>
-          </a:solidFill>
-          <a:ln>
-            <a:solidFill>
-              <a:srgbClr val="0070C0"/>
-            </a:solidFill>
-          </a:ln>
-          <a:effectLst/>
-        </p:spPr>
-        <p:style>
-          <a:lnRef idx="1">
-            <a:schemeClr val="accent3"/>
-          </a:lnRef>
-          <a:fillRef idx="2">
-            <a:schemeClr val="accent3"/>
-          </a:fillRef>
-          <a:effectRef idx="1">
-            <a:schemeClr val="accent3"/>
-          </a:effectRef>
-          <a:fontRef idx="minor">
-            <a:schemeClr val="dk1"/>
-          </a:fontRef>
-        </p:style>
-        <p:txBody>
-          <a:bodyPr rtlCol="0" anchor="ctr"/>
-          <a:lstStyle/>
-          <a:p>
-            <a:pPr algn="ctr"/>
-            <a:endParaRPr lang="en-SG" sz="1400"/>
-          </a:p>
-        </p:txBody>
-      </p:sp>
-      <p:sp>
-        <p:nvSpPr>
-          <p:cNvPr id="73" name="Rectangle 62">
-            <a:extLst>
-              <a:ext uri="{FF2B5EF4-FFF2-40B4-BE49-F238E27FC236}">
-                <a16:creationId xmlns:a16="http://schemas.microsoft.com/office/drawing/2014/main" id="{6BE0EE90-E7A8-43C8-A9B8-904835775906}"/>
-              </a:ext>
-            </a:extLst>
-          </p:cNvPr>
-          <p:cNvSpPr/>
-          <p:nvPr/>
-        </p:nvSpPr>
-        <p:spPr>
-          <a:xfrm>
-            <a:off x="7260922" y="2466074"/>
-            <a:ext cx="1609838" cy="665352"/>
-          </a:xfrm>
-          <a:prstGeom prst="rect">
-            <a:avLst/>
-          </a:prstGeom>
-          <a:solidFill>
-            <a:srgbClr val="0070C0"/>
-          </a:solidFill>
-          <a:ln w="19050">
-            <a:solidFill>
-              <a:srgbClr val="0070C0"/>
-            </a:solidFill>
-          </a:ln>
-          <a:effectLst/>
-        </p:spPr>
-        <p:style>
-          <a:lnRef idx="1">
-            <a:schemeClr val="accent2"/>
-          </a:lnRef>
-          <a:fillRef idx="2">
-            <a:schemeClr val="accent2"/>
-          </a:fillRef>
-          <a:effectRef idx="1">
-            <a:schemeClr val="accent2"/>
-          </a:effectRef>
-          <a:fontRef idx="minor">
-            <a:schemeClr val="dk1"/>
-          </a:fontRef>
-        </p:style>
-        <p:txBody>
-          <a:bodyPr rtlCol="0" anchor="ctr"/>
-          <a:lstStyle/>
-          <a:p>
-            <a:pPr algn="ctr"/>
-            <a:r>
-              <a:rPr lang="en-US" sz="1600">
-                <a:solidFill>
-                  <a:schemeClr val="bg1"/>
-                </a:solidFill>
-              </a:rPr>
-              <a:t>c:</a:t>
-            </a:r>
-            <a:r>
-              <a:rPr lang="en-US" sz="1600" err="1">
-                <a:solidFill>
-                  <a:schemeClr val="bg1"/>
-                </a:solidFill>
-              </a:rPr>
-              <a:t>PutShip</a:t>
-            </a:r>
-          </a:p>
-          <a:p>
-            <a:pPr algn="ctr"/>
-            <a:r>
-              <a:rPr lang="en-US" sz="1600">
-                <a:solidFill>
-                  <a:schemeClr val="bg1"/>
-                </a:solidFill>
-              </a:rPr>
-              <a:t>Command</a:t>
-            </a:r>
-            <a:endParaRPr lang="en-SG" sz="1600">
-              <a:solidFill>
-                <a:schemeClr val="bg1"/>
-              </a:solidFill>
-            </a:endParaRPr>
-          </a:p>
-        </p:txBody>
-      </p:sp>
-      <p:grpSp>
-        <p:nvGrpSpPr>
-          <p:cNvPr id="152" name="Group 151">
-            <a:extLst>
-              <a:ext uri="{FF2B5EF4-FFF2-40B4-BE49-F238E27FC236}">
-                <a16:creationId xmlns:a16="http://schemas.microsoft.com/office/drawing/2014/main" id="{627CA49A-4DA1-C64A-989D-57F6EF15EC0F}"/>
+                <a16:creationId xmlns:a16="http://schemas.microsoft.com/office/drawing/2014/main" id="{0CCBD0B1-5136-9349-A6D9-1C7E33BE6522}"/>
               </a:ext>
             </a:extLst>
           </p:cNvPr>
@@ -7155,15 +5696,254 @@
         </p:nvGrpSpPr>
         <p:grpSpPr>
           <a:xfrm>
-            <a:off x="1014788" y="8698794"/>
-            <a:ext cx="7180254" cy="384597"/>
-            <a:chOff x="1014788" y="9304585"/>
-            <a:chExt cx="7180254" cy="384597"/>
+            <a:off x="191588" y="1163781"/>
+            <a:ext cx="18928077" cy="8392943"/>
+            <a:chOff x="191588" y="1163781"/>
+            <a:chExt cx="18928077" cy="8392943"/>
           </a:xfrm>
         </p:grpSpPr>
+        <p:sp>
+          <p:nvSpPr>
+            <p:cNvPr id="170" name="Rectangle 65">
+              <a:extLst>
+                <a:ext uri="{FF2B5EF4-FFF2-40B4-BE49-F238E27FC236}">
+                  <a16:creationId xmlns:a16="http://schemas.microsoft.com/office/drawing/2014/main" id="{EE17B49E-D125-D04A-B460-4DC7FCC1A8A5}"/>
+                </a:ext>
+              </a:extLst>
+            </p:cNvPr>
+            <p:cNvSpPr/>
+            <p:nvPr/>
+          </p:nvSpPr>
+          <p:spPr>
+            <a:xfrm>
+              <a:off x="9699812" y="1199200"/>
+              <a:ext cx="6277250" cy="7851810"/>
+            </a:xfrm>
+            <a:prstGeom prst="roundRect">
+              <a:avLst>
+                <a:gd name="adj" fmla="val 3484"/>
+              </a:avLst>
+            </a:prstGeom>
+            <a:solidFill>
+              <a:schemeClr val="accent4">
+                <a:lumMod val="20000"/>
+                <a:lumOff val="80000"/>
+              </a:schemeClr>
+            </a:solidFill>
+            <a:ln w="19050">
+              <a:noFill/>
+            </a:ln>
+            <a:effectLst/>
+          </p:spPr>
+          <p:style>
+            <a:lnRef idx="1">
+              <a:schemeClr val="accent2"/>
+            </a:lnRef>
+            <a:fillRef idx="2">
+              <a:schemeClr val="accent2"/>
+            </a:fillRef>
+            <a:effectRef idx="1">
+              <a:schemeClr val="accent2"/>
+            </a:effectRef>
+            <a:fontRef idx="minor">
+              <a:schemeClr val="dk1"/>
+            </a:fontRef>
+          </p:style>
+          <p:txBody>
+            <a:bodyPr rtlCol="0" anchor="t"/>
+            <a:lstStyle/>
+            <a:p>
+              <a:r>
+                <a:rPr lang="en-US" sz="1200" b="1" dirty="0">
+                  <a:solidFill>
+                    <a:srgbClr val="7030A0"/>
+                  </a:solidFill>
+                </a:rPr>
+                <a:t>Model</a:t>
+              </a:r>
+              <a:endParaRPr lang="en-SG" sz="1200" b="1" dirty="0">
+                <a:solidFill>
+                  <a:srgbClr val="7030A0"/>
+                </a:solidFill>
+              </a:endParaRPr>
+            </a:p>
+          </p:txBody>
+        </p:sp>
+        <p:sp>
+          <p:nvSpPr>
+            <p:cNvPr id="171" name="Rectangle 65">
+              <a:extLst>
+                <a:ext uri="{FF2B5EF4-FFF2-40B4-BE49-F238E27FC236}">
+                  <a16:creationId xmlns:a16="http://schemas.microsoft.com/office/drawing/2014/main" id="{9F7BABA6-7513-E641-89A8-229ADA2C50B1}"/>
+                </a:ext>
+              </a:extLst>
+            </p:cNvPr>
+            <p:cNvSpPr/>
+            <p:nvPr/>
+          </p:nvSpPr>
+          <p:spPr>
+            <a:xfrm>
+              <a:off x="243124" y="1163781"/>
+              <a:ext cx="9336305" cy="7851811"/>
+            </a:xfrm>
+            <a:prstGeom prst="roundRect">
+              <a:avLst>
+                <a:gd name="adj" fmla="val 3484"/>
+              </a:avLst>
+            </a:prstGeom>
+            <a:solidFill>
+              <a:schemeClr val="accent1">
+                <a:lumMod val="20000"/>
+                <a:lumOff val="80000"/>
+              </a:schemeClr>
+            </a:solidFill>
+            <a:ln w="19050">
+              <a:noFill/>
+            </a:ln>
+            <a:effectLst/>
+          </p:spPr>
+          <p:style>
+            <a:lnRef idx="1">
+              <a:schemeClr val="accent2"/>
+            </a:lnRef>
+            <a:fillRef idx="2">
+              <a:schemeClr val="accent2"/>
+            </a:fillRef>
+            <a:effectRef idx="1">
+              <a:schemeClr val="accent2"/>
+            </a:effectRef>
+            <a:fontRef idx="minor">
+              <a:schemeClr val="dk1"/>
+            </a:fontRef>
+          </p:style>
+          <p:txBody>
+            <a:bodyPr rtlCol="0" anchor="t"/>
+            <a:lstStyle/>
+            <a:p>
+              <a:r>
+                <a:rPr lang="en-US" sz="1200" b="1" dirty="0">
+                  <a:solidFill>
+                    <a:srgbClr val="0070C0"/>
+                  </a:solidFill>
+                </a:rPr>
+                <a:t>Logic</a:t>
+              </a:r>
+              <a:endParaRPr lang="en-SG" sz="1200" b="1" dirty="0">
+                <a:solidFill>
+                  <a:srgbClr val="0070C0"/>
+                </a:solidFill>
+              </a:endParaRPr>
+            </a:p>
+          </p:txBody>
+        </p:sp>
         <p:cxnSp>
           <p:nvCxnSpPr>
-            <p:cNvPr id="37" name="Straight Arrow Connector 36"/>
+            <p:cNvPr id="85" name="Straight Connector 84">
+              <a:extLst>
+                <a:ext uri="{FF2B5EF4-FFF2-40B4-BE49-F238E27FC236}">
+                  <a16:creationId xmlns:a16="http://schemas.microsoft.com/office/drawing/2014/main" id="{F5D40B4E-6F99-47B3-8A21-87ADCD716B5B}"/>
+                </a:ext>
+              </a:extLst>
+            </p:cNvPr>
+            <p:cNvCxnSpPr>
+              <a:cxnSpLocks/>
+              <a:endCxn id="94" idx="0"/>
+            </p:cNvCxnSpPr>
+            <p:nvPr/>
+          </p:nvCxnSpPr>
+          <p:spPr>
+            <a:xfrm>
+              <a:off x="8065841" y="2868639"/>
+              <a:ext cx="0" cy="5953270"/>
+            </a:xfrm>
+            <a:prstGeom prst="line">
+              <a:avLst/>
+            </a:prstGeom>
+            <a:ln w="19050">
+              <a:solidFill>
+                <a:srgbClr val="0070C0"/>
+              </a:solidFill>
+              <a:prstDash val="sysDash"/>
+            </a:ln>
+            <a:effectLst/>
+          </p:spPr>
+          <p:style>
+            <a:lnRef idx="1">
+              <a:schemeClr val="accent1"/>
+            </a:lnRef>
+            <a:fillRef idx="2">
+              <a:schemeClr val="accent1"/>
+            </a:fillRef>
+            <a:effectRef idx="1">
+              <a:schemeClr val="accent1"/>
+            </a:effectRef>
+            <a:fontRef idx="minor">
+              <a:schemeClr val="dk1"/>
+            </a:fontRef>
+          </p:style>
+        </p:cxnSp>
+        <p:sp>
+          <p:nvSpPr>
+            <p:cNvPr id="2" name="Rectangle 62"/>
+            <p:cNvSpPr/>
+            <p:nvPr/>
+          </p:nvSpPr>
+          <p:spPr>
+            <a:xfrm>
+              <a:off x="1555025" y="1314783"/>
+              <a:ext cx="1455628" cy="234000"/>
+            </a:xfrm>
+            <a:prstGeom prst="rect">
+              <a:avLst/>
+            </a:prstGeom>
+            <a:solidFill>
+              <a:srgbClr val="0070C0"/>
+            </a:solidFill>
+            <a:ln w="19050">
+              <a:solidFill>
+                <a:srgbClr val="0070C0"/>
+              </a:solidFill>
+            </a:ln>
+            <a:effectLst/>
+          </p:spPr>
+          <p:style>
+            <a:lnRef idx="1">
+              <a:schemeClr val="accent2"/>
+            </a:lnRef>
+            <a:fillRef idx="2">
+              <a:schemeClr val="accent2"/>
+            </a:fillRef>
+            <a:effectRef idx="1">
+              <a:schemeClr val="accent2"/>
+            </a:effectRef>
+            <a:fontRef idx="minor">
+              <a:schemeClr val="dk1"/>
+            </a:fontRef>
+          </p:style>
+          <p:txBody>
+            <a:bodyPr rtlCol="0" anchor="ctr"/>
+            <a:lstStyle/>
+            <a:p>
+              <a:pPr algn="ctr"/>
+              <a:r>
+                <a:rPr lang="en-US" sz="1600" dirty="0">
+                  <a:solidFill>
+                    <a:schemeClr val="bg1"/>
+                  </a:solidFill>
+                </a:rPr>
+                <a:t>:LogicManager</a:t>
+              </a:r>
+              <a:endParaRPr lang="en-SG" sz="1600" dirty="0">
+                <a:solidFill>
+                  <a:schemeClr val="bg1"/>
+                </a:solidFill>
+              </a:endParaRPr>
+            </a:p>
+          </p:txBody>
+        </p:sp>
+        <p:cxnSp>
+          <p:nvCxnSpPr>
+            <p:cNvPr id="5" name="Straight Connector 4"/>
             <p:cNvCxnSpPr>
               <a:cxnSpLocks/>
             </p:cNvCxnSpPr>
@@ -7171,45 +5951,38 @@
           </p:nvCxnSpPr>
           <p:spPr>
             <a:xfrm>
-              <a:off x="1014788" y="9479955"/>
-              <a:ext cx="1217236" cy="0"/>
+              <a:off x="2282839" y="1539918"/>
+              <a:ext cx="0" cy="7464597"/>
             </a:xfrm>
-            <a:prstGeom prst="straightConnector1">
+            <a:prstGeom prst="line">
               <a:avLst/>
             </a:prstGeom>
             <a:ln w="19050">
               <a:solidFill>
-                <a:schemeClr val="accent1"/>
+                <a:srgbClr val="0070C0"/>
               </a:solidFill>
               <a:prstDash val="sysDash"/>
-              <a:headEnd type="arrow" w="med" len="med"/>
-              <a:tailEnd type="none" w="med" len="med"/>
             </a:ln>
+            <a:effectLst/>
           </p:spPr>
           <p:style>
             <a:lnRef idx="1">
               <a:schemeClr val="accent1"/>
             </a:lnRef>
-            <a:fillRef idx="0">
+            <a:fillRef idx="2">
               <a:schemeClr val="accent1"/>
             </a:fillRef>
-            <a:effectRef idx="0">
+            <a:effectRef idx="1">
               <a:schemeClr val="accent1"/>
             </a:effectRef>
             <a:fontRef idx="minor">
-              <a:schemeClr val="tx1"/>
+              <a:schemeClr val="dk1"/>
             </a:fontRef>
           </p:style>
         </p:cxnSp>
         <p:cxnSp>
           <p:nvCxnSpPr>
-            <p:cNvPr id="69" name="Straight Arrow Connector 68">
-              <a:extLst>
-                <a:ext uri="{FF2B5EF4-FFF2-40B4-BE49-F238E27FC236}">
-                  <a16:creationId xmlns:a16="http://schemas.microsoft.com/office/drawing/2014/main" id="{7C9F21BC-13A9-471F-825A-2621FD36355F}"/>
-                </a:ext>
-              </a:extLst>
-            </p:cNvPr>
+            <p:cNvPr id="17" name="Straight Connector 16"/>
             <p:cNvCxnSpPr>
               <a:cxnSpLocks/>
             </p:cNvCxnSpPr>
@@ -7217,8 +5990,331 @@
           </p:nvCxnSpPr>
           <p:spPr>
             <a:xfrm>
-              <a:off x="2365309" y="9304585"/>
-              <a:ext cx="5609190" cy="0"/>
+              <a:off x="4712063" y="1539912"/>
+              <a:ext cx="0" cy="7340852"/>
+            </a:xfrm>
+            <a:prstGeom prst="line">
+              <a:avLst/>
+            </a:prstGeom>
+            <a:ln w="19050">
+              <a:solidFill>
+                <a:srgbClr val="0070C0"/>
+              </a:solidFill>
+              <a:prstDash val="sysDash"/>
+            </a:ln>
+            <a:effectLst/>
+          </p:spPr>
+          <p:style>
+            <a:lnRef idx="1">
+              <a:schemeClr val="accent1"/>
+            </a:lnRef>
+            <a:fillRef idx="2">
+              <a:schemeClr val="accent1"/>
+            </a:fillRef>
+            <a:effectRef idx="1">
+              <a:schemeClr val="accent1"/>
+            </a:effectRef>
+            <a:fontRef idx="minor">
+              <a:schemeClr val="dk1"/>
+            </a:fontRef>
+          </p:style>
+        </p:cxnSp>
+        <p:sp>
+          <p:nvSpPr>
+            <p:cNvPr id="18" name="Rectangle 17"/>
+            <p:cNvSpPr/>
+            <p:nvPr/>
+          </p:nvSpPr>
+          <p:spPr>
+            <a:xfrm>
+              <a:off x="4640058" y="1998121"/>
+              <a:ext cx="154408" cy="1434579"/>
+            </a:xfrm>
+            <a:prstGeom prst="rect">
+              <a:avLst/>
+            </a:prstGeom>
+            <a:solidFill>
+              <a:srgbClr val="0070C0"/>
+            </a:solidFill>
+            <a:ln>
+              <a:solidFill>
+                <a:srgbClr val="0070C0"/>
+              </a:solidFill>
+            </a:ln>
+            <a:effectLst/>
+          </p:spPr>
+          <p:style>
+            <a:lnRef idx="1">
+              <a:schemeClr val="accent3"/>
+            </a:lnRef>
+            <a:fillRef idx="2">
+              <a:schemeClr val="accent3"/>
+            </a:fillRef>
+            <a:effectRef idx="1">
+              <a:schemeClr val="accent3"/>
+            </a:effectRef>
+            <a:fontRef idx="minor">
+              <a:schemeClr val="dk1"/>
+            </a:fontRef>
+          </p:style>
+          <p:txBody>
+            <a:bodyPr rtlCol="0" anchor="ctr"/>
+            <a:lstStyle/>
+            <a:p>
+              <a:pPr algn="ctr"/>
+              <a:endParaRPr lang="en-SG" sz="1400"/>
+            </a:p>
+          </p:txBody>
+        </p:sp>
+        <p:cxnSp>
+          <p:nvCxnSpPr>
+            <p:cNvPr id="20" name="Straight Connector 19"/>
+            <p:cNvCxnSpPr>
+              <a:cxnSpLocks/>
+              <a:stCxn id="21" idx="0"/>
+            </p:cNvCxnSpPr>
+            <p:nvPr/>
+          </p:nvCxnSpPr>
+          <p:spPr>
+            <a:xfrm>
+              <a:off x="6276037" y="2245949"/>
+              <a:ext cx="0" cy="6648669"/>
+            </a:xfrm>
+            <a:prstGeom prst="line">
+              <a:avLst/>
+            </a:prstGeom>
+            <a:ln w="19050">
+              <a:solidFill>
+                <a:srgbClr val="0070C0"/>
+              </a:solidFill>
+              <a:prstDash val="sysDash"/>
+            </a:ln>
+            <a:effectLst/>
+          </p:spPr>
+          <p:style>
+            <a:lnRef idx="1">
+              <a:schemeClr val="accent1"/>
+            </a:lnRef>
+            <a:fillRef idx="2">
+              <a:schemeClr val="accent1"/>
+            </a:fillRef>
+            <a:effectRef idx="1">
+              <a:schemeClr val="accent1"/>
+            </a:effectRef>
+            <a:fontRef idx="minor">
+              <a:schemeClr val="dk1"/>
+            </a:fontRef>
+          </p:style>
+        </p:cxnSp>
+        <p:sp>
+          <p:nvSpPr>
+            <p:cNvPr id="21" name="Rectangle 20"/>
+            <p:cNvSpPr/>
+            <p:nvPr/>
+          </p:nvSpPr>
+          <p:spPr>
+            <a:xfrm>
+              <a:off x="6199837" y="2245949"/>
+              <a:ext cx="152400" cy="229898"/>
+            </a:xfrm>
+            <a:prstGeom prst="rect">
+              <a:avLst/>
+            </a:prstGeom>
+            <a:solidFill>
+              <a:srgbClr val="0070C0"/>
+            </a:solidFill>
+            <a:ln>
+              <a:solidFill>
+                <a:srgbClr val="0070C0"/>
+              </a:solidFill>
+            </a:ln>
+            <a:effectLst/>
+          </p:spPr>
+          <p:style>
+            <a:lnRef idx="1">
+              <a:schemeClr val="accent3"/>
+            </a:lnRef>
+            <a:fillRef idx="2">
+              <a:schemeClr val="accent3"/>
+            </a:fillRef>
+            <a:effectRef idx="1">
+              <a:schemeClr val="accent3"/>
+            </a:effectRef>
+            <a:fontRef idx="minor">
+              <a:schemeClr val="dk1"/>
+            </a:fontRef>
+          </p:style>
+          <p:txBody>
+            <a:bodyPr rtlCol="0" anchor="ctr"/>
+            <a:lstStyle/>
+            <a:p>
+              <a:pPr algn="ctr"/>
+              <a:endParaRPr lang="en-SG" sz="1400"/>
+            </a:p>
+          </p:txBody>
+        </p:sp>
+        <p:cxnSp>
+          <p:nvCxnSpPr>
+            <p:cNvPr id="23" name="Straight Arrow Connector 22"/>
+            <p:cNvCxnSpPr>
+              <a:cxnSpLocks/>
+            </p:cNvCxnSpPr>
+            <p:nvPr/>
+          </p:nvCxnSpPr>
+          <p:spPr>
+            <a:xfrm>
+              <a:off x="266700" y="1894290"/>
+              <a:ext cx="1944152" cy="0"/>
+            </a:xfrm>
+            <a:prstGeom prst="straightConnector1">
+              <a:avLst/>
+            </a:prstGeom>
+            <a:ln w="19050">
+              <a:solidFill>
+                <a:srgbClr val="00B050"/>
+              </a:solidFill>
+              <a:tailEnd type="arrow"/>
+            </a:ln>
+          </p:spPr>
+          <p:style>
+            <a:lnRef idx="1">
+              <a:schemeClr val="accent1"/>
+            </a:lnRef>
+            <a:fillRef idx="0">
+              <a:schemeClr val="accent1"/>
+            </a:fillRef>
+            <a:effectRef idx="0">
+              <a:schemeClr val="accent1"/>
+            </a:effectRef>
+            <a:fontRef idx="minor">
+              <a:schemeClr val="tx1"/>
+            </a:fontRef>
+          </p:style>
+        </p:cxnSp>
+        <p:sp>
+          <p:nvSpPr>
+            <p:cNvPr id="26" name="TextBox 25"/>
+            <p:cNvSpPr txBox="1"/>
+            <p:nvPr/>
+          </p:nvSpPr>
+          <p:spPr>
+            <a:xfrm>
+              <a:off x="191588" y="1636137"/>
+              <a:ext cx="1823939" cy="184666"/>
+            </a:xfrm>
+            <a:prstGeom prst="rect">
+              <a:avLst/>
+            </a:prstGeom>
+            <a:noFill/>
+          </p:spPr>
+          <p:txBody>
+            <a:bodyPr wrap="square" lIns="0" tIns="0" rIns="0" bIns="0" rtlCol="0">
+              <a:spAutoFit/>
+            </a:bodyPr>
+            <a:lstStyle/>
+            <a:p>
+              <a:pPr algn="r"/>
+              <a:r>
+                <a:rPr lang="en-US" sz="1200">
+                  <a:solidFill>
+                    <a:srgbClr val="0070C0"/>
+                  </a:solidFill>
+                </a:rPr>
+                <a:t>execute(“put &lt;args1&gt;”)</a:t>
+              </a:r>
+            </a:p>
+          </p:txBody>
+        </p:sp>
+        <p:cxnSp>
+          <p:nvCxnSpPr>
+            <p:cNvPr id="28" name="Straight Arrow Connector 27"/>
+            <p:cNvCxnSpPr>
+              <a:cxnSpLocks/>
+            </p:cNvCxnSpPr>
+            <p:nvPr/>
+          </p:nvCxnSpPr>
+          <p:spPr>
+            <a:xfrm>
+              <a:off x="4793191" y="2119777"/>
+              <a:ext cx="685624" cy="1"/>
+            </a:xfrm>
+            <a:prstGeom prst="straightConnector1">
+              <a:avLst/>
+            </a:prstGeom>
+            <a:ln w="19050">
+              <a:solidFill>
+                <a:srgbClr val="0070C0"/>
+              </a:solidFill>
+              <a:tailEnd type="arrow"/>
+            </a:ln>
+          </p:spPr>
+          <p:style>
+            <a:lnRef idx="1">
+              <a:schemeClr val="accent1"/>
+            </a:lnRef>
+            <a:fillRef idx="0">
+              <a:schemeClr val="accent1"/>
+            </a:fillRef>
+            <a:effectRef idx="0">
+              <a:schemeClr val="accent1"/>
+            </a:effectRef>
+            <a:fontRef idx="minor">
+              <a:schemeClr val="tx1"/>
+            </a:fontRef>
+          </p:style>
+        </p:cxnSp>
+        <p:sp>
+          <p:nvSpPr>
+            <p:cNvPr id="29" name="TextBox 28"/>
+            <p:cNvSpPr txBox="1"/>
+            <p:nvPr/>
+          </p:nvSpPr>
+          <p:spPr>
+            <a:xfrm>
+              <a:off x="4897924" y="3607803"/>
+              <a:ext cx="855808" cy="215444"/>
+            </a:xfrm>
+            <a:prstGeom prst="rect">
+              <a:avLst/>
+            </a:prstGeom>
+            <a:noFill/>
+          </p:spPr>
+          <p:txBody>
+            <a:bodyPr wrap="square" lIns="0" tIns="0" rIns="0" bIns="0" rtlCol="0">
+              <a:spAutoFit/>
+            </a:bodyPr>
+            <a:lstStyle>
+              <a:defPPr>
+                <a:defRPr lang="en-US"/>
+              </a:defPPr>
+              <a:lvl1pPr algn="r">
+                <a:defRPr sz="1400">
+                  <a:solidFill>
+                    <a:srgbClr val="0070C0"/>
+                  </a:solidFill>
+                </a:defRPr>
+              </a:lvl1pPr>
+            </a:lstStyle>
+            <a:p>
+              <a:r>
+                <a:rPr lang="en-US"/>
+                <a:t>c.execute()</a:t>
+              </a:r>
+            </a:p>
+          </p:txBody>
+        </p:sp>
+        <p:cxnSp>
+          <p:nvCxnSpPr>
+            <p:cNvPr id="34" name="Straight Arrow Connector 33"/>
+            <p:cNvCxnSpPr>
+              <a:cxnSpLocks/>
+            </p:cNvCxnSpPr>
+            <p:nvPr/>
+          </p:nvCxnSpPr>
+          <p:spPr>
+            <a:xfrm>
+              <a:off x="4783064" y="2471799"/>
+              <a:ext cx="1414408" cy="0"/>
             </a:xfrm>
             <a:prstGeom prst="straightConnector1">
               <a:avLst/>
@@ -7247,586 +6343,9 @@
             </a:fontRef>
           </p:style>
         </p:cxnSp>
-        <p:sp>
-          <p:nvSpPr>
-            <p:cNvPr id="94" name="TextBox 93">
-              <a:extLst>
-                <a:ext uri="{FF2B5EF4-FFF2-40B4-BE49-F238E27FC236}">
-                  <a16:creationId xmlns:a16="http://schemas.microsoft.com/office/drawing/2014/main" id="{BBF0726A-3E70-488A-9417-D9F80DCD7B1A}"/>
-                </a:ext>
-              </a:extLst>
-            </p:cNvPr>
-            <p:cNvSpPr txBox="1"/>
-            <p:nvPr/>
-          </p:nvSpPr>
-          <p:spPr>
-            <a:xfrm>
-              <a:off x="7936640" y="9427700"/>
-              <a:ext cx="258402" cy="261482"/>
-            </a:xfrm>
-            <a:prstGeom prst="rect">
-              <a:avLst/>
-            </a:prstGeom>
-            <a:noFill/>
-          </p:spPr>
-          <p:txBody>
-            <a:bodyPr wrap="square" rtlCol="0">
-              <a:spAutoFit/>
-            </a:bodyPr>
-            <a:lstStyle/>
-            <a:p>
-              <a:r>
-                <a:rPr lang="en-SG" sz="1099">
-                  <a:solidFill>
-                    <a:srgbClr val="002060"/>
-                  </a:solidFill>
-                </a:rPr>
-                <a:t>X</a:t>
-              </a:r>
-            </a:p>
-          </p:txBody>
-        </p:sp>
-      </p:grpSp>
-      <p:sp>
-        <p:nvSpPr>
-          <p:cNvPr id="112" name="TextBox 111">
-            <a:extLst>
-              <a:ext uri="{FF2B5EF4-FFF2-40B4-BE49-F238E27FC236}">
-                <a16:creationId xmlns:a16="http://schemas.microsoft.com/office/drawing/2014/main" id="{DDE66C97-94DE-4F8A-8BB3-F9C3A351E7D5}"/>
-              </a:ext>
-            </a:extLst>
-          </p:cNvPr>
-          <p:cNvSpPr txBox="1"/>
-          <p:nvPr/>
-        </p:nvSpPr>
-        <p:spPr>
-          <a:xfrm>
-            <a:off x="8126761" y="4136149"/>
-            <a:ext cx="2332116" cy="184666"/>
-          </a:xfrm>
-          <a:prstGeom prst="rect">
-            <a:avLst/>
-          </a:prstGeom>
-          <a:noFill/>
-          <a:ln>
-            <a:noFill/>
-          </a:ln>
-        </p:spPr>
-        <p:txBody>
-          <a:bodyPr wrap="square" lIns="0" tIns="0" rIns="0" bIns="0" rtlCol="0">
-            <a:spAutoFit/>
-          </a:bodyPr>
-          <a:lstStyle>
-            <a:defPPr>
-              <a:defRPr lang="en-US"/>
-            </a:defPPr>
-            <a:lvl1pPr algn="r">
-              <a:defRPr sz="1400">
-                <a:solidFill>
-                  <a:srgbClr val="0070C0"/>
-                </a:solidFill>
-              </a:defRPr>
-            </a:lvl1pPr>
-          </a:lstStyle>
-          <a:p>
-            <a:pPr algn="ctr"/>
-            <a:r>
-              <a:rPr lang="en-US" sz="1200" err="1">
-                <a:solidFill>
-                  <a:srgbClr val="7030A0"/>
-                </a:solidFill>
-              </a:rPr>
-              <a:t>getHumanMapGrid</a:t>
-            </a:r>
-            <a:r>
-              <a:rPr lang="en-US" sz="1200">
-                <a:solidFill>
-                  <a:srgbClr val="7030A0"/>
-                </a:solidFill>
-              </a:rPr>
-              <a:t>()</a:t>
-            </a:r>
-          </a:p>
-        </p:txBody>
-      </p:sp>
-      <p:sp>
-        <p:nvSpPr>
-          <p:cNvPr id="186" name="Rectangle 62">
-            <a:extLst>
-              <a:ext uri="{FF2B5EF4-FFF2-40B4-BE49-F238E27FC236}">
-                <a16:creationId xmlns:a16="http://schemas.microsoft.com/office/drawing/2014/main" id="{ED894C81-4B95-4AAC-AEB1-37FB58E82CB3}"/>
-              </a:ext>
-            </a:extLst>
-          </p:cNvPr>
-          <p:cNvSpPr/>
-          <p:nvPr/>
-        </p:nvSpPr>
-        <p:spPr>
-          <a:xfrm>
-            <a:off x="14618703" y="6284436"/>
-            <a:ext cx="1088570" cy="234000"/>
-          </a:xfrm>
-          <a:prstGeom prst="rect">
-            <a:avLst/>
-          </a:prstGeom>
-          <a:solidFill>
-            <a:srgbClr val="FF669A"/>
-          </a:solidFill>
-          <a:ln w="19050">
-            <a:noFill/>
-          </a:ln>
-          <a:effectLst/>
-        </p:spPr>
-        <p:style>
-          <a:lnRef idx="1">
-            <a:schemeClr val="accent2"/>
-          </a:lnRef>
-          <a:fillRef idx="2">
-            <a:schemeClr val="accent2"/>
-          </a:fillRef>
-          <a:effectRef idx="1">
-            <a:schemeClr val="accent2"/>
-          </a:effectRef>
-          <a:fontRef idx="minor">
-            <a:schemeClr val="dk1"/>
-          </a:fontRef>
-        </p:style>
-        <p:txBody>
-          <a:bodyPr rtlCol="0" anchor="ctr"/>
-          <a:lstStyle/>
-          <a:p>
-            <a:pPr algn="ctr"/>
-            <a:r>
-              <a:rPr lang="en-US" sz="1600">
-                <a:solidFill>
-                  <a:schemeClr val="bg1"/>
-                </a:solidFill>
-              </a:rPr>
-              <a:t>:</a:t>
-            </a:r>
-            <a:r>
-              <a:rPr lang="en-US" sz="1600" err="1">
-                <a:solidFill>
-                  <a:schemeClr val="bg1"/>
-                </a:solidFill>
-              </a:rPr>
-              <a:t>MapGrid</a:t>
-            </a:r>
-            <a:endParaRPr lang="en-SG" sz="1600">
-              <a:solidFill>
-                <a:schemeClr val="bg1"/>
-              </a:solidFill>
-            </a:endParaRPr>
-          </a:p>
-        </p:txBody>
-      </p:sp>
-      <p:cxnSp>
-        <p:nvCxnSpPr>
-          <p:cNvPr id="188" name="Straight Connector 187">
-            <a:extLst>
-              <a:ext uri="{FF2B5EF4-FFF2-40B4-BE49-F238E27FC236}">
-                <a16:creationId xmlns:a16="http://schemas.microsoft.com/office/drawing/2014/main" id="{44EF094F-1339-4CA4-88DB-FE36777A1A62}"/>
-              </a:ext>
-            </a:extLst>
-          </p:cNvPr>
-          <p:cNvCxnSpPr>
-            <a:cxnSpLocks/>
-            <a:stCxn id="186" idx="2"/>
-          </p:cNvCxnSpPr>
-          <p:nvPr/>
-        </p:nvCxnSpPr>
-        <p:spPr>
-          <a:xfrm flipH="1">
-            <a:off x="15148010" y="6518436"/>
-            <a:ext cx="14978" cy="2408588"/>
-          </a:xfrm>
-          <a:prstGeom prst="line">
-            <a:avLst/>
-          </a:prstGeom>
-          <a:ln w="19050">
-            <a:solidFill>
-              <a:srgbClr val="FF669A"/>
-            </a:solidFill>
-            <a:prstDash val="sysDash"/>
-          </a:ln>
-          <a:effectLst/>
-        </p:spPr>
-        <p:style>
-          <a:lnRef idx="1">
-            <a:schemeClr val="accent1"/>
-          </a:lnRef>
-          <a:fillRef idx="2">
-            <a:schemeClr val="accent1"/>
-          </a:fillRef>
-          <a:effectRef idx="1">
-            <a:schemeClr val="accent1"/>
-          </a:effectRef>
-          <a:fontRef idx="minor">
-            <a:schemeClr val="dk1"/>
-          </a:fontRef>
-        </p:style>
-      </p:cxnSp>
-      <p:cxnSp>
-        <p:nvCxnSpPr>
-          <p:cNvPr id="201" name="Straight Arrow Connector 200">
-            <a:extLst>
-              <a:ext uri="{FF2B5EF4-FFF2-40B4-BE49-F238E27FC236}">
-                <a16:creationId xmlns:a16="http://schemas.microsoft.com/office/drawing/2014/main" id="{AE14F7A1-D82E-4019-B4DA-BA8F13C7DB36}"/>
-              </a:ext>
-            </a:extLst>
-          </p:cNvPr>
-          <p:cNvCxnSpPr>
-            <a:cxnSpLocks/>
-          </p:cNvCxnSpPr>
-          <p:nvPr/>
-        </p:nvCxnSpPr>
-        <p:spPr>
-          <a:xfrm>
-            <a:off x="8139641" y="7017324"/>
-            <a:ext cx="6943840" cy="0"/>
-          </a:xfrm>
-          <a:prstGeom prst="straightConnector1">
-            <a:avLst/>
-          </a:prstGeom>
-          <a:ln w="19050">
-            <a:solidFill>
-              <a:srgbClr val="FF669A"/>
-            </a:solidFill>
-            <a:prstDash val="sysDash"/>
-            <a:headEnd type="arrow" w="med" len="med"/>
-            <a:tailEnd type="none" w="med" len="med"/>
-          </a:ln>
-        </p:spPr>
-        <p:style>
-          <a:lnRef idx="1">
-            <a:schemeClr val="accent1"/>
-          </a:lnRef>
-          <a:fillRef idx="0">
-            <a:schemeClr val="accent1"/>
-          </a:fillRef>
-          <a:effectRef idx="0">
-            <a:schemeClr val="accent1"/>
-          </a:effectRef>
-          <a:fontRef idx="minor">
-            <a:schemeClr val="tx1"/>
-          </a:fontRef>
-        </p:style>
-      </p:cxnSp>
-      <p:cxnSp>
-        <p:nvCxnSpPr>
-          <p:cNvPr id="250" name="Straight Arrow Connector 249">
-            <a:extLst>
-              <a:ext uri="{FF2B5EF4-FFF2-40B4-BE49-F238E27FC236}">
-                <a16:creationId xmlns:a16="http://schemas.microsoft.com/office/drawing/2014/main" id="{4905E054-6CE5-4BC2-AEFD-9C5C8BAA5AFA}"/>
-              </a:ext>
-            </a:extLst>
-          </p:cNvPr>
-          <p:cNvCxnSpPr>
-            <a:cxnSpLocks/>
-          </p:cNvCxnSpPr>
-          <p:nvPr/>
-        </p:nvCxnSpPr>
-        <p:spPr>
-          <a:xfrm flipV="1">
-            <a:off x="8132736" y="6840778"/>
-            <a:ext cx="6949451" cy="32427"/>
-          </a:xfrm>
-          <a:prstGeom prst="straightConnector1">
-            <a:avLst/>
-          </a:prstGeom>
-          <a:ln w="19050">
-            <a:solidFill>
-              <a:srgbClr val="FF669A"/>
-            </a:solidFill>
-            <a:tailEnd type="arrow"/>
-          </a:ln>
-        </p:spPr>
-        <p:style>
-          <a:lnRef idx="1">
-            <a:schemeClr val="accent1"/>
-          </a:lnRef>
-          <a:fillRef idx="0">
-            <a:schemeClr val="accent1"/>
-          </a:fillRef>
-          <a:effectRef idx="0">
-            <a:schemeClr val="accent1"/>
-          </a:effectRef>
-          <a:fontRef idx="minor">
-            <a:schemeClr val="tx1"/>
-          </a:fontRef>
-        </p:style>
-      </p:cxnSp>
-      <p:cxnSp>
-        <p:nvCxnSpPr>
-          <p:cNvPr id="203" name="Straight Arrow Connector 202">
-            <a:extLst>
-              <a:ext uri="{FF2B5EF4-FFF2-40B4-BE49-F238E27FC236}">
-                <a16:creationId xmlns:a16="http://schemas.microsoft.com/office/drawing/2014/main" id="{6CCD3E18-8278-426A-A24E-E2CCA6422BBC}"/>
-              </a:ext>
-            </a:extLst>
-          </p:cNvPr>
-          <p:cNvCxnSpPr>
-            <a:cxnSpLocks/>
-          </p:cNvCxnSpPr>
-          <p:nvPr/>
-        </p:nvCxnSpPr>
-        <p:spPr>
-          <a:xfrm>
-            <a:off x="8139641" y="4912774"/>
-            <a:ext cx="2457450" cy="0"/>
-          </a:xfrm>
-          <a:prstGeom prst="straightConnector1">
-            <a:avLst/>
-          </a:prstGeom>
-          <a:ln w="19050">
-            <a:solidFill>
-              <a:srgbClr val="7030A0"/>
-            </a:solidFill>
-            <a:prstDash val="sysDash"/>
-            <a:headEnd type="arrow" w="med" len="med"/>
-            <a:tailEnd type="none" w="med" len="med"/>
-          </a:ln>
-        </p:spPr>
-        <p:style>
-          <a:lnRef idx="1">
-            <a:schemeClr val="accent1"/>
-          </a:lnRef>
-          <a:fillRef idx="0">
-            <a:schemeClr val="accent1"/>
-          </a:fillRef>
-          <a:effectRef idx="0">
-            <a:schemeClr val="accent1"/>
-          </a:effectRef>
-          <a:fontRef idx="minor">
-            <a:schemeClr val="tx1"/>
-          </a:fontRef>
-        </p:style>
-      </p:cxnSp>
-      <p:grpSp>
-        <p:nvGrpSpPr>
-          <p:cNvPr id="153" name="Group 152">
-            <a:extLst>
-              <a:ext uri="{FF2B5EF4-FFF2-40B4-BE49-F238E27FC236}">
-                <a16:creationId xmlns:a16="http://schemas.microsoft.com/office/drawing/2014/main" id="{B8528592-1FAC-EA45-98DF-33AB9CEDBCC0}"/>
-              </a:ext>
-            </a:extLst>
-          </p:cNvPr>
-          <p:cNvGrpSpPr/>
-          <p:nvPr/>
-        </p:nvGrpSpPr>
-        <p:grpSpPr>
-          <a:xfrm>
-            <a:off x="8101702" y="7914320"/>
-            <a:ext cx="1416985" cy="826953"/>
-            <a:chOff x="8101702" y="11497197"/>
-            <a:chExt cx="1416985" cy="826953"/>
-          </a:xfrm>
-        </p:grpSpPr>
-        <p:grpSp>
-          <p:nvGrpSpPr>
-            <p:cNvPr id="223" name="Group 222">
-              <a:extLst>
-                <a:ext uri="{FF2B5EF4-FFF2-40B4-BE49-F238E27FC236}">
-                  <a16:creationId xmlns:a16="http://schemas.microsoft.com/office/drawing/2014/main" id="{C73986C8-5449-4072-9F0F-17A38AD97EF5}"/>
-                </a:ext>
-              </a:extLst>
-            </p:cNvPr>
-            <p:cNvGrpSpPr/>
-            <p:nvPr/>
-          </p:nvGrpSpPr>
-          <p:grpSpPr>
-            <a:xfrm>
-              <a:off x="8503127" y="11497197"/>
-              <a:ext cx="1015560" cy="826953"/>
-              <a:chOff x="14104936" y="4659447"/>
-              <a:chExt cx="1350106" cy="826953"/>
-            </a:xfrm>
-          </p:grpSpPr>
-          <p:sp>
-            <p:nvSpPr>
-              <p:cNvPr id="213" name="Rectangle 62">
-                <a:extLst>
-                  <a:ext uri="{FF2B5EF4-FFF2-40B4-BE49-F238E27FC236}">
-                    <a16:creationId xmlns:a16="http://schemas.microsoft.com/office/drawing/2014/main" id="{199F746E-405B-485A-994E-C0C45F8824D7}"/>
-                  </a:ext>
-                </a:extLst>
-              </p:cNvPr>
-              <p:cNvSpPr/>
-              <p:nvPr/>
-            </p:nvSpPr>
-            <p:spPr>
-              <a:xfrm>
-                <a:off x="14104936" y="4659447"/>
-                <a:ext cx="1350106" cy="516104"/>
-              </a:xfrm>
-              <a:prstGeom prst="rect">
-                <a:avLst/>
-              </a:prstGeom>
-              <a:solidFill>
-                <a:srgbClr val="0070C0"/>
-              </a:solidFill>
-              <a:ln w="19050">
-                <a:solidFill>
-                  <a:srgbClr val="0070C0"/>
-                </a:solidFill>
-              </a:ln>
-              <a:effectLst/>
-            </p:spPr>
-            <p:style>
-              <a:lnRef idx="1">
-                <a:schemeClr val="accent2"/>
-              </a:lnRef>
-              <a:fillRef idx="2">
-                <a:schemeClr val="accent2"/>
-              </a:fillRef>
-              <a:effectRef idx="1">
-                <a:schemeClr val="accent2"/>
-              </a:effectRef>
-              <a:fontRef idx="minor">
-                <a:schemeClr val="dk1"/>
-              </a:fontRef>
-            </p:style>
-            <p:txBody>
-              <a:bodyPr rtlCol="0" anchor="ctr"/>
-              <a:lstStyle/>
-              <a:p>
-                <a:pPr algn="ctr"/>
-                <a:r>
-                  <a:rPr lang="en-US" sz="1400">
-                    <a:solidFill>
-                      <a:schemeClr val="bg1"/>
-                    </a:solidFill>
-                  </a:rPr>
-                  <a:t>:Command</a:t>
-                </a:r>
-              </a:p>
-              <a:p>
-                <a:pPr algn="ctr"/>
-                <a:r>
-                  <a:rPr lang="en-US" sz="1400">
-                    <a:solidFill>
-                      <a:schemeClr val="bg1"/>
-                    </a:solidFill>
-                  </a:rPr>
-                  <a:t>Result</a:t>
-                </a:r>
-                <a:endParaRPr lang="en-SG" sz="1400">
-                  <a:solidFill>
-                    <a:schemeClr val="bg1"/>
-                  </a:solidFill>
-                </a:endParaRPr>
-              </a:p>
-            </p:txBody>
-          </p:sp>
-          <p:sp>
-            <p:nvSpPr>
-              <p:cNvPr id="214" name="Rectangle 213">
-                <a:extLst>
-                  <a:ext uri="{FF2B5EF4-FFF2-40B4-BE49-F238E27FC236}">
-                    <a16:creationId xmlns:a16="http://schemas.microsoft.com/office/drawing/2014/main" id="{22493782-DEC3-436C-AC2C-EE03A965A6F0}"/>
-                  </a:ext>
-                </a:extLst>
-              </p:cNvPr>
-              <p:cNvSpPr/>
-              <p:nvPr/>
-            </p:nvSpPr>
-            <p:spPr>
-              <a:xfrm>
-                <a:off x="14726544" y="5179667"/>
-                <a:ext cx="138546" cy="185585"/>
-              </a:xfrm>
-              <a:prstGeom prst="rect">
-                <a:avLst/>
-              </a:prstGeom>
-              <a:solidFill>
-                <a:srgbClr val="0070C0"/>
-              </a:solidFill>
-              <a:ln>
-                <a:solidFill>
-                  <a:srgbClr val="0070C0"/>
-                </a:solidFill>
-              </a:ln>
-              <a:effectLst/>
-            </p:spPr>
-            <p:style>
-              <a:lnRef idx="1">
-                <a:schemeClr val="accent3"/>
-              </a:lnRef>
-              <a:fillRef idx="2">
-                <a:schemeClr val="accent3"/>
-              </a:fillRef>
-              <a:effectRef idx="1">
-                <a:schemeClr val="accent3"/>
-              </a:effectRef>
-              <a:fontRef idx="minor">
-                <a:schemeClr val="dk1"/>
-              </a:fontRef>
-            </p:style>
-            <p:txBody>
-              <a:bodyPr rtlCol="0" anchor="ctr"/>
-              <a:lstStyle/>
-              <a:p>
-                <a:pPr algn="ctr"/>
-                <a:endParaRPr lang="en-SG" sz="1400"/>
-              </a:p>
-            </p:txBody>
-          </p:sp>
-          <p:cxnSp>
-            <p:nvCxnSpPr>
-              <p:cNvPr id="215" name="Straight Connector 214">
-                <a:extLst>
-                  <a:ext uri="{FF2B5EF4-FFF2-40B4-BE49-F238E27FC236}">
-                    <a16:creationId xmlns:a16="http://schemas.microsoft.com/office/drawing/2014/main" id="{0963EC8C-EF55-4B35-820F-72F93A5056C6}"/>
-                  </a:ext>
-                </a:extLst>
-              </p:cNvPr>
-              <p:cNvCxnSpPr>
-                <a:cxnSpLocks/>
-                <a:stCxn id="214" idx="0"/>
-              </p:cNvCxnSpPr>
-              <p:nvPr/>
-            </p:nvCxnSpPr>
-            <p:spPr>
-              <a:xfrm>
-                <a:off x="14795817" y="5179667"/>
-                <a:ext cx="0" cy="306733"/>
-              </a:xfrm>
-              <a:prstGeom prst="line">
-                <a:avLst/>
-              </a:prstGeom>
-              <a:ln w="19050">
-                <a:solidFill>
-                  <a:srgbClr val="0070C0"/>
-                </a:solidFill>
-                <a:prstDash val="sysDash"/>
-              </a:ln>
-              <a:effectLst/>
-            </p:spPr>
-            <p:style>
-              <a:lnRef idx="1">
-                <a:schemeClr val="accent1"/>
-              </a:lnRef>
-              <a:fillRef idx="2">
-                <a:schemeClr val="accent1"/>
-              </a:fillRef>
-              <a:effectRef idx="1">
-                <a:schemeClr val="accent1"/>
-              </a:effectRef>
-              <a:fontRef idx="minor">
-                <a:schemeClr val="dk1"/>
-              </a:fontRef>
-            </p:style>
-          </p:cxnSp>
-        </p:grpSp>
         <p:cxnSp>
           <p:nvCxnSpPr>
-            <p:cNvPr id="229" name="Straight Arrow Connector 228">
-              <a:extLst>
-                <a:ext uri="{FF2B5EF4-FFF2-40B4-BE49-F238E27FC236}">
-                  <a16:creationId xmlns:a16="http://schemas.microsoft.com/office/drawing/2014/main" id="{674D795D-BE64-4C23-AB6B-8581B1948790}"/>
-                </a:ext>
-              </a:extLst>
-            </p:cNvPr>
+            <p:cNvPr id="35" name="Straight Arrow Connector 34"/>
             <p:cNvCxnSpPr>
               <a:cxnSpLocks/>
             </p:cNvCxnSpPr>
@@ -7834,52 +6353,8 @@
           </p:nvCxnSpPr>
           <p:spPr>
             <a:xfrm>
-              <a:off x="8101702" y="11768510"/>
-              <a:ext cx="408453" cy="0"/>
-            </a:xfrm>
-            <a:prstGeom prst="straightConnector1">
-              <a:avLst/>
-            </a:prstGeom>
-            <a:ln w="19050">
-              <a:solidFill>
-                <a:srgbClr val="0070C0"/>
-              </a:solidFill>
-              <a:tailEnd type="arrow"/>
-            </a:ln>
-          </p:spPr>
-          <p:style>
-            <a:lnRef idx="1">
-              <a:schemeClr val="accent1"/>
-            </a:lnRef>
-            <a:fillRef idx="0">
-              <a:schemeClr val="accent1"/>
-            </a:fillRef>
-            <a:effectRef idx="0">
-              <a:schemeClr val="accent1"/>
-            </a:effectRef>
-            <a:fontRef idx="minor">
-              <a:schemeClr val="tx1"/>
-            </a:fontRef>
-          </p:style>
-        </p:cxnSp>
-        <p:cxnSp>
-          <p:nvCxnSpPr>
-            <p:cNvPr id="232" name="Straight Arrow Connector 231">
-              <a:extLst>
-                <a:ext uri="{FF2B5EF4-FFF2-40B4-BE49-F238E27FC236}">
-                  <a16:creationId xmlns:a16="http://schemas.microsoft.com/office/drawing/2014/main" id="{1A83AB1C-BE26-4F1A-8576-7ACE7FC365C2}"/>
-                </a:ext>
-              </a:extLst>
-            </p:cNvPr>
-            <p:cNvCxnSpPr>
-              <a:cxnSpLocks/>
-            </p:cNvCxnSpPr>
-            <p:nvPr/>
-          </p:nvCxnSpPr>
-          <p:spPr>
-            <a:xfrm>
-              <a:off x="8126766" y="12198708"/>
-              <a:ext cx="850180" cy="0"/>
+              <a:off x="2369728" y="3428578"/>
+              <a:ext cx="2270334" cy="0"/>
             </a:xfrm>
             <a:prstGeom prst="straightConnector1">
               <a:avLst/>
@@ -7908,2360 +6383,3906 @@
             </a:fontRef>
           </p:style>
         </p:cxnSp>
-      </p:grpSp>
-      <p:sp>
-        <p:nvSpPr>
-          <p:cNvPr id="61" name="TextBox 60">
-            <a:extLst>
-              <a:ext uri="{FF2B5EF4-FFF2-40B4-BE49-F238E27FC236}">
-                <a16:creationId xmlns:a16="http://schemas.microsoft.com/office/drawing/2014/main" id="{A6AA3A69-FF3B-4544-9DE5-D79C590BA53D}"/>
-              </a:ext>
-            </a:extLst>
-          </p:cNvPr>
-          <p:cNvSpPr txBox="1"/>
-          <p:nvPr/>
-        </p:nvSpPr>
-        <p:spPr>
-          <a:xfrm>
-            <a:off x="350104" y="9125837"/>
-            <a:ext cx="9254858" cy="430887"/>
-          </a:xfrm>
-          <a:prstGeom prst="rect">
-            <a:avLst/>
-          </a:prstGeom>
-          <a:noFill/>
-        </p:spPr>
-        <p:txBody>
-          <a:bodyPr wrap="square" lIns="0" tIns="0" rIns="0" bIns="0" rtlCol="0">
-            <a:spAutoFit/>
-          </a:bodyPr>
-          <a:lstStyle/>
-          <a:p>
-            <a:r>
-              <a:rPr lang="en-US" sz="1400">
+        <p:sp>
+          <p:nvSpPr>
+            <p:cNvPr id="80" name="TextBox 79"/>
+            <p:cNvSpPr txBox="1"/>
+            <p:nvPr/>
+          </p:nvSpPr>
+          <p:spPr>
+            <a:xfrm>
+              <a:off x="2404558" y="1752687"/>
+              <a:ext cx="2200674" cy="184666"/>
+            </a:xfrm>
+            <a:prstGeom prst="rect">
+              <a:avLst/>
+            </a:prstGeom>
+            <a:noFill/>
+          </p:spPr>
+          <p:txBody>
+            <a:bodyPr wrap="square" lIns="0" tIns="0" rIns="0" bIns="0" rtlCol="0">
+              <a:spAutoFit/>
+            </a:bodyPr>
+            <a:lstStyle>
+              <a:defPPr>
+                <a:defRPr lang="en-US"/>
+              </a:defPPr>
+              <a:lvl1pPr algn="r">
+                <a:defRPr sz="1400">
+                  <a:solidFill>
+                    <a:srgbClr val="0070C0"/>
+                  </a:solidFill>
+                </a:defRPr>
+              </a:lvl1pPr>
+            </a:lstStyle>
+            <a:p>
+              <a:r>
+                <a:rPr lang="en-US" sz="1200" err="1"/>
+                <a:t>parseCommand</a:t>
+              </a:r>
+              <a:r>
+                <a:rPr lang="en-US" sz="1200"/>
+                <a:t>(“put &lt;</a:t>
+              </a:r>
+              <a:r>
+                <a:rPr lang="en-US" sz="1200" err="1"/>
+                <a:t>args1</a:t>
+              </a:r>
+              <a:r>
+                <a:rPr lang="en-US" sz="1200"/>
+                <a:t>&gt;”)</a:t>
+              </a:r>
+            </a:p>
+          </p:txBody>
+        </p:sp>
+        <p:sp>
+          <p:nvSpPr>
+            <p:cNvPr id="40" name="Rectangle 62"/>
+            <p:cNvSpPr/>
+            <p:nvPr/>
+          </p:nvSpPr>
+          <p:spPr>
+            <a:xfrm>
+              <a:off x="9940324" y="2921451"/>
+              <a:ext cx="1420821" cy="234000"/>
+            </a:xfrm>
+            <a:prstGeom prst="rect">
+              <a:avLst/>
+            </a:prstGeom>
+            <a:solidFill>
+              <a:srgbClr val="7030A0"/>
+            </a:solidFill>
+            <a:ln w="19050">
+              <a:solidFill>
+                <a:srgbClr val="7030A0"/>
+              </a:solidFill>
+            </a:ln>
+            <a:effectLst/>
+          </p:spPr>
+          <p:style>
+            <a:lnRef idx="1">
+              <a:schemeClr val="accent2"/>
+            </a:lnRef>
+            <a:fillRef idx="2">
+              <a:schemeClr val="accent2"/>
+            </a:fillRef>
+            <a:effectRef idx="1">
+              <a:schemeClr val="accent2"/>
+            </a:effectRef>
+            <a:fontRef idx="minor">
+              <a:schemeClr val="dk1"/>
+            </a:fontRef>
+          </p:style>
+          <p:txBody>
+            <a:bodyPr rtlCol="0" anchor="ctr"/>
+            <a:lstStyle/>
+            <a:p>
+              <a:pPr algn="ctr"/>
+              <a:r>
+                <a:rPr lang="en-US" sz="1600">
+                  <a:solidFill>
+                    <a:schemeClr val="bg1"/>
+                  </a:solidFill>
+                </a:rPr>
+                <a:t>:Model</a:t>
+              </a:r>
+              <a:endParaRPr lang="en-SG" sz="1600">
+                <a:solidFill>
+                  <a:schemeClr val="bg1"/>
+                </a:solidFill>
+              </a:endParaRPr>
+            </a:p>
+          </p:txBody>
+        </p:sp>
+        <p:cxnSp>
+          <p:nvCxnSpPr>
+            <p:cNvPr id="46" name="Straight Connector 45"/>
+            <p:cNvCxnSpPr>
+              <a:cxnSpLocks/>
+            </p:cNvCxnSpPr>
+            <p:nvPr/>
+          </p:nvCxnSpPr>
+          <p:spPr>
+            <a:xfrm>
+              <a:off x="10689736" y="3177915"/>
+              <a:ext cx="0" cy="5687116"/>
+            </a:xfrm>
+            <a:prstGeom prst="line">
+              <a:avLst/>
+            </a:prstGeom>
+            <a:ln w="19050">
+              <a:solidFill>
+                <a:srgbClr val="7030A0"/>
+              </a:solidFill>
+              <a:prstDash val="sysDash"/>
+            </a:ln>
+            <a:effectLst/>
+          </p:spPr>
+          <p:style>
+            <a:lnRef idx="1">
+              <a:schemeClr val="accent1"/>
+            </a:lnRef>
+            <a:fillRef idx="2">
+              <a:schemeClr val="accent1"/>
+            </a:fillRef>
+            <a:effectRef idx="1">
+              <a:schemeClr val="accent1"/>
+            </a:effectRef>
+            <a:fontRef idx="minor">
+              <a:schemeClr val="dk1"/>
+            </a:fontRef>
+          </p:style>
+        </p:cxnSp>
+        <p:cxnSp>
+          <p:nvCxnSpPr>
+            <p:cNvPr id="50" name="Straight Arrow Connector 49"/>
+            <p:cNvCxnSpPr>
+              <a:cxnSpLocks/>
+            </p:cNvCxnSpPr>
+            <p:nvPr/>
+          </p:nvCxnSpPr>
+          <p:spPr>
+            <a:xfrm>
+              <a:off x="8037095" y="5643334"/>
+              <a:ext cx="4757578" cy="0"/>
+            </a:xfrm>
+            <a:prstGeom prst="straightConnector1">
+              <a:avLst/>
+            </a:prstGeom>
+            <a:ln w="19050">
+              <a:solidFill>
+                <a:srgbClr val="7030A0"/>
+              </a:solidFill>
+              <a:tailEnd type="arrow"/>
+            </a:ln>
+          </p:spPr>
+          <p:style>
+            <a:lnRef idx="1">
+              <a:schemeClr val="accent1"/>
+            </a:lnRef>
+            <a:fillRef idx="0">
+              <a:schemeClr val="accent1"/>
+            </a:fillRef>
+            <a:effectRef idx="0">
+              <a:schemeClr val="accent1"/>
+            </a:effectRef>
+            <a:fontRef idx="minor">
+              <a:schemeClr val="tx1"/>
+            </a:fontRef>
+          </p:style>
+        </p:cxnSp>
+        <p:sp>
+          <p:nvSpPr>
+            <p:cNvPr id="19" name="Rectangle 62"/>
+            <p:cNvSpPr/>
+            <p:nvPr/>
+          </p:nvSpPr>
+          <p:spPr>
+            <a:xfrm>
+              <a:off x="5506527" y="1803375"/>
+              <a:ext cx="1697835" cy="468000"/>
+            </a:xfrm>
+            <a:prstGeom prst="rect">
+              <a:avLst/>
+            </a:prstGeom>
+            <a:solidFill>
+              <a:srgbClr val="0070C0"/>
+            </a:solidFill>
+            <a:ln w="19050">
+              <a:solidFill>
+                <a:srgbClr val="0070C0"/>
+              </a:solidFill>
+            </a:ln>
+            <a:effectLst/>
+          </p:spPr>
+          <p:style>
+            <a:lnRef idx="1">
+              <a:schemeClr val="accent2"/>
+            </a:lnRef>
+            <a:fillRef idx="2">
+              <a:schemeClr val="accent2"/>
+            </a:fillRef>
+            <a:effectRef idx="1">
+              <a:schemeClr val="accent2"/>
+            </a:effectRef>
+            <a:fontRef idx="minor">
+              <a:schemeClr val="dk1"/>
+            </a:fontRef>
+          </p:style>
+          <p:txBody>
+            <a:bodyPr rtlCol="0" anchor="ctr"/>
+            <a:lstStyle/>
+            <a:p>
+              <a:pPr algn="ctr"/>
+              <a:r>
+                <a:rPr lang="en-US" sz="1600">
+                  <a:solidFill>
+                    <a:schemeClr val="bg1"/>
+                  </a:solidFill>
+                </a:rPr>
+                <a:t>:</a:t>
+              </a:r>
+              <a:r>
+                <a:rPr lang="en-US" sz="1600" err="1">
+                  <a:solidFill>
+                    <a:schemeClr val="bg1"/>
+                  </a:solidFill>
+                </a:rPr>
+                <a:t>PutShipMap</a:t>
+              </a:r>
+            </a:p>
+            <a:p>
+              <a:pPr algn="ctr"/>
+              <a:r>
+                <a:rPr lang="en-US" sz="1600" err="1">
+                  <a:solidFill>
+                    <a:schemeClr val="bg1"/>
+                  </a:solidFill>
+                </a:rPr>
+                <a:t>CommandParser</a:t>
+              </a:r>
+              <a:endParaRPr lang="en-SG" sz="1600">
+                <a:solidFill>
+                  <a:schemeClr val="bg1"/>
+                </a:solidFill>
+              </a:endParaRPr>
+            </a:p>
+          </p:txBody>
+        </p:sp>
+        <p:cxnSp>
+          <p:nvCxnSpPr>
+            <p:cNvPr id="66" name="Straight Arrow Connector 65">
+              <a:extLst>
+                <a:ext uri="{FF2B5EF4-FFF2-40B4-BE49-F238E27FC236}">
+                  <a16:creationId xmlns:a16="http://schemas.microsoft.com/office/drawing/2014/main" id="{39916E2E-195A-4DC8-B025-B05FA87E6796}"/>
+                </a:ext>
+              </a:extLst>
+            </p:cNvPr>
+            <p:cNvCxnSpPr>
+              <a:cxnSpLocks/>
+            </p:cNvCxnSpPr>
+            <p:nvPr/>
+          </p:nvCxnSpPr>
+          <p:spPr>
+            <a:xfrm>
+              <a:off x="2369736" y="3835913"/>
+              <a:ext cx="5611159" cy="0"/>
+            </a:xfrm>
+            <a:prstGeom prst="straightConnector1">
+              <a:avLst/>
+            </a:prstGeom>
+            <a:ln w="19050">
+              <a:solidFill>
+                <a:srgbClr val="0070C0"/>
+              </a:solidFill>
+              <a:tailEnd type="arrow"/>
+            </a:ln>
+          </p:spPr>
+          <p:style>
+            <a:lnRef idx="1">
+              <a:schemeClr val="accent1"/>
+            </a:lnRef>
+            <a:fillRef idx="0">
+              <a:schemeClr val="accent1"/>
+            </a:fillRef>
+            <a:effectRef idx="0">
+              <a:schemeClr val="accent1"/>
+            </a:effectRef>
+            <a:fontRef idx="minor">
+              <a:schemeClr val="tx1"/>
+            </a:fontRef>
+          </p:style>
+        </p:cxnSp>
+        <p:cxnSp>
+          <p:nvCxnSpPr>
+            <p:cNvPr id="67" name="Straight Arrow Connector 66">
+              <a:extLst>
+                <a:ext uri="{FF2B5EF4-FFF2-40B4-BE49-F238E27FC236}">
+                  <a16:creationId xmlns:a16="http://schemas.microsoft.com/office/drawing/2014/main" id="{D881596E-177C-4FDC-8E60-CAB90B3D5FAB}"/>
+                </a:ext>
+              </a:extLst>
+            </p:cNvPr>
+            <p:cNvCxnSpPr>
+              <a:cxnSpLocks/>
+            </p:cNvCxnSpPr>
+            <p:nvPr/>
+          </p:nvCxnSpPr>
+          <p:spPr>
+            <a:xfrm>
+              <a:off x="2265896" y="1996229"/>
+              <a:ext cx="2388654" cy="0"/>
+            </a:xfrm>
+            <a:prstGeom prst="straightConnector1">
+              <a:avLst/>
+            </a:prstGeom>
+            <a:ln w="19050">
+              <a:solidFill>
+                <a:srgbClr val="0070C0"/>
+              </a:solidFill>
+              <a:tailEnd type="arrow"/>
+            </a:ln>
+          </p:spPr>
+          <p:style>
+            <a:lnRef idx="1">
+              <a:schemeClr val="accent1"/>
+            </a:lnRef>
+            <a:fillRef idx="0">
+              <a:schemeClr val="accent1"/>
+            </a:fillRef>
+            <a:effectRef idx="0">
+              <a:schemeClr val="accent1"/>
+            </a:effectRef>
+            <a:fontRef idx="minor">
+              <a:schemeClr val="tx1"/>
+            </a:fontRef>
+          </p:style>
+        </p:cxnSp>
+        <p:cxnSp>
+          <p:nvCxnSpPr>
+            <p:cNvPr id="70" name="Straight Arrow Connector 69">
+              <a:extLst>
+                <a:ext uri="{FF2B5EF4-FFF2-40B4-BE49-F238E27FC236}">
+                  <a16:creationId xmlns:a16="http://schemas.microsoft.com/office/drawing/2014/main" id="{51A78A03-963D-41D5-A96D-D610AC186B7D}"/>
+                </a:ext>
+              </a:extLst>
+            </p:cNvPr>
+            <p:cNvCxnSpPr>
+              <a:cxnSpLocks/>
+            </p:cNvCxnSpPr>
+            <p:nvPr/>
+          </p:nvCxnSpPr>
+          <p:spPr>
+            <a:xfrm flipV="1">
+              <a:off x="4794102" y="2797897"/>
+              <a:ext cx="1413193" cy="1"/>
+            </a:xfrm>
+            <a:prstGeom prst="straightConnector1">
+              <a:avLst/>
+            </a:prstGeom>
+            <a:ln w="19050">
+              <a:solidFill>
+                <a:srgbClr val="0070C0"/>
+              </a:solidFill>
+              <a:tailEnd type="arrow"/>
+            </a:ln>
+          </p:spPr>
+          <p:style>
+            <a:lnRef idx="1">
+              <a:schemeClr val="accent1"/>
+            </a:lnRef>
+            <a:fillRef idx="0">
+              <a:schemeClr val="accent1"/>
+            </a:fillRef>
+            <a:effectRef idx="0">
+              <a:schemeClr val="accent1"/>
+            </a:effectRef>
+            <a:fontRef idx="minor">
+              <a:schemeClr val="tx1"/>
+            </a:fontRef>
+          </p:style>
+        </p:cxnSp>
+        <p:sp>
+          <p:nvSpPr>
+            <p:cNvPr id="71" name="Rectangle 70">
+              <a:extLst>
+                <a:ext uri="{FF2B5EF4-FFF2-40B4-BE49-F238E27FC236}">
+                  <a16:creationId xmlns:a16="http://schemas.microsoft.com/office/drawing/2014/main" id="{3A29E65C-0A9E-4AB5-8BF2-6F2BF1DB76DF}"/>
+                </a:ext>
+              </a:extLst>
+            </p:cNvPr>
+            <p:cNvSpPr/>
+            <p:nvPr/>
+          </p:nvSpPr>
+          <p:spPr>
+            <a:xfrm>
+              <a:off x="6195690" y="2789209"/>
+              <a:ext cx="156546" cy="578956"/>
+            </a:xfrm>
+            <a:prstGeom prst="rect">
+              <a:avLst/>
+            </a:prstGeom>
+            <a:solidFill>
+              <a:srgbClr val="0070C0"/>
+            </a:solidFill>
+            <a:ln>
+              <a:solidFill>
+                <a:srgbClr val="0070C0"/>
+              </a:solidFill>
+            </a:ln>
+            <a:effectLst/>
+          </p:spPr>
+          <p:style>
+            <a:lnRef idx="1">
+              <a:schemeClr val="accent3"/>
+            </a:lnRef>
+            <a:fillRef idx="2">
+              <a:schemeClr val="accent3"/>
+            </a:fillRef>
+            <a:effectRef idx="1">
+              <a:schemeClr val="accent3"/>
+            </a:effectRef>
+            <a:fontRef idx="minor">
+              <a:schemeClr val="dk1"/>
+            </a:fontRef>
+          </p:style>
+          <p:txBody>
+            <a:bodyPr rtlCol="0" anchor="ctr"/>
+            <a:lstStyle/>
+            <a:p>
+              <a:pPr algn="ctr"/>
+              <a:endParaRPr lang="en-SG" sz="1400"/>
+            </a:p>
+          </p:txBody>
+        </p:sp>
+        <p:sp>
+          <p:nvSpPr>
+            <p:cNvPr id="72" name="TextBox 71">
+              <a:extLst>
+                <a:ext uri="{FF2B5EF4-FFF2-40B4-BE49-F238E27FC236}">
+                  <a16:creationId xmlns:a16="http://schemas.microsoft.com/office/drawing/2014/main" id="{DA9798D2-A662-4296-8252-843468198535}"/>
+                </a:ext>
+              </a:extLst>
+            </p:cNvPr>
+            <p:cNvSpPr txBox="1"/>
+            <p:nvPr/>
+          </p:nvSpPr>
+          <p:spPr>
+            <a:xfrm>
+              <a:off x="4916065" y="2573761"/>
+              <a:ext cx="1150445" cy="184666"/>
+            </a:xfrm>
+            <a:prstGeom prst="rect">
+              <a:avLst/>
+            </a:prstGeom>
+            <a:noFill/>
+          </p:spPr>
+          <p:txBody>
+            <a:bodyPr wrap="square" lIns="0" tIns="0" rIns="0" bIns="0" rtlCol="0">
+              <a:spAutoFit/>
+            </a:bodyPr>
+            <a:lstStyle>
+              <a:defPPr>
+                <a:defRPr lang="en-US"/>
+              </a:defPPr>
+              <a:lvl1pPr algn="r">
+                <a:defRPr sz="1400">
+                  <a:solidFill>
+                    <a:srgbClr val="0070C0"/>
+                  </a:solidFill>
+                </a:defRPr>
+              </a:lvl1pPr>
+            </a:lstStyle>
+            <a:p>
+              <a:r>
+                <a:rPr lang="en-US" sz="1200"/>
+                <a:t>parse(“&lt;</a:t>
+              </a:r>
+              <a:r>
+                <a:rPr lang="en-US" sz="1200" err="1"/>
+                <a:t>args1</a:t>
+              </a:r>
+              <a:r>
+                <a:rPr lang="en-US" sz="1200"/>
+                <a:t>&gt;”)</a:t>
+              </a:r>
+            </a:p>
+          </p:txBody>
+        </p:sp>
+        <p:cxnSp>
+          <p:nvCxnSpPr>
+            <p:cNvPr id="76" name="Straight Arrow Connector 75">
+              <a:extLst>
+                <a:ext uri="{FF2B5EF4-FFF2-40B4-BE49-F238E27FC236}">
+                  <a16:creationId xmlns:a16="http://schemas.microsoft.com/office/drawing/2014/main" id="{9171ECEE-D4A7-464C-B327-CDF3489B27FC}"/>
+                </a:ext>
+              </a:extLst>
+            </p:cNvPr>
+            <p:cNvCxnSpPr>
+              <a:cxnSpLocks/>
+            </p:cNvCxnSpPr>
+            <p:nvPr/>
+          </p:nvCxnSpPr>
+          <p:spPr>
+            <a:xfrm>
+              <a:off x="6342591" y="2887363"/>
+              <a:ext cx="924228" cy="0"/>
+            </a:xfrm>
+            <a:prstGeom prst="straightConnector1">
+              <a:avLst/>
+            </a:prstGeom>
+            <a:ln w="19050">
+              <a:solidFill>
+                <a:srgbClr val="0070C0"/>
+              </a:solidFill>
+              <a:tailEnd type="arrow"/>
+            </a:ln>
+          </p:spPr>
+          <p:style>
+            <a:lnRef idx="1">
+              <a:schemeClr val="accent1"/>
+            </a:lnRef>
+            <a:fillRef idx="0">
+              <a:schemeClr val="accent1"/>
+            </a:fillRef>
+            <a:effectRef idx="0">
+              <a:schemeClr val="accent1"/>
+            </a:effectRef>
+            <a:fontRef idx="minor">
+              <a:schemeClr val="tx1"/>
+            </a:fontRef>
+          </p:style>
+        </p:cxnSp>
+        <p:cxnSp>
+          <p:nvCxnSpPr>
+            <p:cNvPr id="87" name="Straight Arrow Connector 86">
+              <a:extLst>
+                <a:ext uri="{FF2B5EF4-FFF2-40B4-BE49-F238E27FC236}">
+                  <a16:creationId xmlns:a16="http://schemas.microsoft.com/office/drawing/2014/main" id="{25C585B1-9B63-40DC-A033-F1940D483812}"/>
+                </a:ext>
+              </a:extLst>
+            </p:cNvPr>
+            <p:cNvCxnSpPr>
+              <a:cxnSpLocks/>
+            </p:cNvCxnSpPr>
+            <p:nvPr/>
+          </p:nvCxnSpPr>
+          <p:spPr>
+            <a:xfrm>
+              <a:off x="6352236" y="3291377"/>
+              <a:ext cx="1650880" cy="0"/>
+            </a:xfrm>
+            <a:prstGeom prst="straightConnector1">
+              <a:avLst/>
+            </a:prstGeom>
+            <a:ln w="19050">
+              <a:solidFill>
+                <a:srgbClr val="0070C0"/>
+              </a:solidFill>
+              <a:prstDash val="sysDash"/>
+              <a:headEnd type="arrow" w="med" len="med"/>
+              <a:tailEnd type="none" w="med" len="med"/>
+            </a:ln>
+          </p:spPr>
+          <p:style>
+            <a:lnRef idx="1">
+              <a:schemeClr val="accent1"/>
+            </a:lnRef>
+            <a:fillRef idx="0">
+              <a:schemeClr val="accent1"/>
+            </a:fillRef>
+            <a:effectRef idx="0">
+              <a:schemeClr val="accent1"/>
+            </a:effectRef>
+            <a:fontRef idx="minor">
+              <a:schemeClr val="tx1"/>
+            </a:fontRef>
+          </p:style>
+        </p:cxnSp>
+        <p:cxnSp>
+          <p:nvCxnSpPr>
+            <p:cNvPr id="90" name="Straight Arrow Connector 89">
+              <a:extLst>
+                <a:ext uri="{FF2B5EF4-FFF2-40B4-BE49-F238E27FC236}">
+                  <a16:creationId xmlns:a16="http://schemas.microsoft.com/office/drawing/2014/main" id="{0B2D6059-0E2F-4405-AA86-2158EDEA20DD}"/>
+                </a:ext>
+              </a:extLst>
+            </p:cNvPr>
+            <p:cNvCxnSpPr>
+              <a:cxnSpLocks/>
+            </p:cNvCxnSpPr>
+            <p:nvPr/>
+          </p:nvCxnSpPr>
+          <p:spPr>
+            <a:xfrm>
+              <a:off x="4788963" y="3366429"/>
+              <a:ext cx="1408517" cy="0"/>
+            </a:xfrm>
+            <a:prstGeom prst="straightConnector1">
+              <a:avLst/>
+            </a:prstGeom>
+            <a:ln w="19050">
+              <a:solidFill>
+                <a:srgbClr val="0070C0"/>
+              </a:solidFill>
+              <a:prstDash val="sysDash"/>
+              <a:headEnd type="arrow" w="med" len="med"/>
+              <a:tailEnd type="none" w="med" len="med"/>
+            </a:ln>
+          </p:spPr>
+          <p:style>
+            <a:lnRef idx="1">
+              <a:schemeClr val="accent1"/>
+            </a:lnRef>
+            <a:fillRef idx="0">
+              <a:schemeClr val="accent1"/>
+            </a:fillRef>
+            <a:effectRef idx="0">
+              <a:schemeClr val="accent1"/>
+            </a:effectRef>
+            <a:fontRef idx="minor">
+              <a:schemeClr val="tx1"/>
+            </a:fontRef>
+          </p:style>
+        </p:cxnSp>
+        <p:sp>
+          <p:nvSpPr>
+            <p:cNvPr id="78" name="Rectangle 77">
+              <a:extLst>
+                <a:ext uri="{FF2B5EF4-FFF2-40B4-BE49-F238E27FC236}">
+                  <a16:creationId xmlns:a16="http://schemas.microsoft.com/office/drawing/2014/main" id="{4819499D-51D3-4A4D-80BE-A6C45E053497}"/>
+                </a:ext>
+              </a:extLst>
+            </p:cNvPr>
+            <p:cNvSpPr/>
+            <p:nvPr/>
+          </p:nvSpPr>
+          <p:spPr>
+            <a:xfrm>
+              <a:off x="7991391" y="3134369"/>
+              <a:ext cx="152400" cy="160628"/>
+            </a:xfrm>
+            <a:prstGeom prst="rect">
+              <a:avLst/>
+            </a:prstGeom>
+            <a:solidFill>
+              <a:srgbClr val="0070C0"/>
+            </a:solidFill>
+            <a:ln>
+              <a:solidFill>
+                <a:srgbClr val="0070C0"/>
+              </a:solidFill>
+            </a:ln>
+            <a:effectLst/>
+          </p:spPr>
+          <p:style>
+            <a:lnRef idx="1">
+              <a:schemeClr val="accent3"/>
+            </a:lnRef>
+            <a:fillRef idx="2">
+              <a:schemeClr val="accent3"/>
+            </a:fillRef>
+            <a:effectRef idx="1">
+              <a:schemeClr val="accent3"/>
+            </a:effectRef>
+            <a:fontRef idx="minor">
+              <a:schemeClr val="dk1"/>
+            </a:fontRef>
+          </p:style>
+          <p:txBody>
+            <a:bodyPr rtlCol="0" anchor="ctr"/>
+            <a:lstStyle/>
+            <a:p>
+              <a:pPr algn="ctr"/>
+              <a:endParaRPr lang="en-SG" sz="1400"/>
+            </a:p>
+          </p:txBody>
+        </p:sp>
+        <p:sp>
+          <p:nvSpPr>
+            <p:cNvPr id="73" name="Rectangle 62">
+              <a:extLst>
+                <a:ext uri="{FF2B5EF4-FFF2-40B4-BE49-F238E27FC236}">
+                  <a16:creationId xmlns:a16="http://schemas.microsoft.com/office/drawing/2014/main" id="{6BE0EE90-E7A8-43C8-A9B8-904835775906}"/>
+                </a:ext>
+              </a:extLst>
+            </p:cNvPr>
+            <p:cNvSpPr/>
+            <p:nvPr/>
+          </p:nvSpPr>
+          <p:spPr>
+            <a:xfrm>
+              <a:off x="7260922" y="2466074"/>
+              <a:ext cx="1609838" cy="665352"/>
+            </a:xfrm>
+            <a:prstGeom prst="rect">
+              <a:avLst/>
+            </a:prstGeom>
+            <a:solidFill>
+              <a:srgbClr val="0070C0"/>
+            </a:solidFill>
+            <a:ln w="19050">
+              <a:solidFill>
+                <a:srgbClr val="0070C0"/>
+              </a:solidFill>
+            </a:ln>
+            <a:effectLst/>
+          </p:spPr>
+          <p:style>
+            <a:lnRef idx="1">
+              <a:schemeClr val="accent2"/>
+            </a:lnRef>
+            <a:fillRef idx="2">
+              <a:schemeClr val="accent2"/>
+            </a:fillRef>
+            <a:effectRef idx="1">
+              <a:schemeClr val="accent2"/>
+            </a:effectRef>
+            <a:fontRef idx="minor">
+              <a:schemeClr val="dk1"/>
+            </a:fontRef>
+          </p:style>
+          <p:txBody>
+            <a:bodyPr rtlCol="0" anchor="ctr"/>
+            <a:lstStyle/>
+            <a:p>
+              <a:pPr algn="ctr"/>
+              <a:r>
+                <a:rPr lang="en-US" sz="1600">
+                  <a:solidFill>
+                    <a:schemeClr val="bg1"/>
+                  </a:solidFill>
+                </a:rPr>
+                <a:t>c:</a:t>
+              </a:r>
+              <a:r>
+                <a:rPr lang="en-US" sz="1600" err="1">
+                  <a:solidFill>
+                    <a:schemeClr val="bg1"/>
+                  </a:solidFill>
+                </a:rPr>
+                <a:t>PutShip</a:t>
+              </a:r>
+            </a:p>
+            <a:p>
+              <a:pPr algn="ctr"/>
+              <a:r>
+                <a:rPr lang="en-US" sz="1600">
+                  <a:solidFill>
+                    <a:schemeClr val="bg1"/>
+                  </a:solidFill>
+                </a:rPr>
+                <a:t>Command</a:t>
+              </a:r>
+              <a:endParaRPr lang="en-SG" sz="1600">
+                <a:solidFill>
+                  <a:schemeClr val="bg1"/>
+                </a:solidFill>
+              </a:endParaRPr>
+            </a:p>
+          </p:txBody>
+        </p:sp>
+        <p:grpSp>
+          <p:nvGrpSpPr>
+            <p:cNvPr id="152" name="Group 151">
+              <a:extLst>
+                <a:ext uri="{FF2B5EF4-FFF2-40B4-BE49-F238E27FC236}">
+                  <a16:creationId xmlns:a16="http://schemas.microsoft.com/office/drawing/2014/main" id="{627CA49A-4DA1-C64A-989D-57F6EF15EC0F}"/>
+                </a:ext>
+              </a:extLst>
+            </p:cNvPr>
+            <p:cNvGrpSpPr/>
+            <p:nvPr/>
+          </p:nvGrpSpPr>
+          <p:grpSpPr>
+            <a:xfrm>
+              <a:off x="1014788" y="8698794"/>
+              <a:ext cx="7180254" cy="384597"/>
+              <a:chOff x="1014788" y="9304585"/>
+              <a:chExt cx="7180254" cy="384597"/>
+            </a:xfrm>
+          </p:grpSpPr>
+          <p:cxnSp>
+            <p:nvCxnSpPr>
+              <p:cNvPr id="37" name="Straight Arrow Connector 36"/>
+              <p:cNvCxnSpPr>
+                <a:cxnSpLocks/>
+              </p:cNvCxnSpPr>
+              <p:nvPr/>
+            </p:nvCxnSpPr>
+            <p:spPr>
+              <a:xfrm>
+                <a:off x="1014788" y="9479955"/>
+                <a:ext cx="1217236" cy="0"/>
+              </a:xfrm>
+              <a:prstGeom prst="straightConnector1">
+                <a:avLst/>
+              </a:prstGeom>
+              <a:ln w="19050">
+                <a:solidFill>
+                  <a:schemeClr val="accent1"/>
+                </a:solidFill>
+                <a:prstDash val="sysDash"/>
+                <a:headEnd type="arrow" w="med" len="med"/>
+                <a:tailEnd type="none" w="med" len="med"/>
+              </a:ln>
+            </p:spPr>
+            <p:style>
+              <a:lnRef idx="1">
+                <a:schemeClr val="accent1"/>
+              </a:lnRef>
+              <a:fillRef idx="0">
+                <a:schemeClr val="accent1"/>
+              </a:fillRef>
+              <a:effectRef idx="0">
+                <a:schemeClr val="accent1"/>
+              </a:effectRef>
+              <a:fontRef idx="minor">
+                <a:schemeClr val="tx1"/>
+              </a:fontRef>
+            </p:style>
+          </p:cxnSp>
+          <p:cxnSp>
+            <p:nvCxnSpPr>
+              <p:cNvPr id="69" name="Straight Arrow Connector 68">
+                <a:extLst>
+                  <a:ext uri="{FF2B5EF4-FFF2-40B4-BE49-F238E27FC236}">
+                    <a16:creationId xmlns:a16="http://schemas.microsoft.com/office/drawing/2014/main" id="{7C9F21BC-13A9-471F-825A-2621FD36355F}"/>
+                  </a:ext>
+                </a:extLst>
+              </p:cNvPr>
+              <p:cNvCxnSpPr>
+                <a:cxnSpLocks/>
+              </p:cNvCxnSpPr>
+              <p:nvPr/>
+            </p:nvCxnSpPr>
+            <p:spPr>
+              <a:xfrm>
+                <a:off x="2365309" y="9304585"/>
+                <a:ext cx="5609190" cy="0"/>
+              </a:xfrm>
+              <a:prstGeom prst="straightConnector1">
+                <a:avLst/>
+              </a:prstGeom>
+              <a:ln w="19050">
                 <a:solidFill>
                   <a:srgbClr val="0070C0"/>
                 </a:solidFill>
-              </a:rPr>
-              <a:t>args1 = n/destroyer c/a1 r/vertical t/tag</a:t>
-            </a:r>
-          </a:p>
-          <a:p>
-            <a:r>
-              <a:rPr lang="en-US" sz="1400">
+                <a:prstDash val="sysDash"/>
+                <a:headEnd type="arrow" w="med" len="med"/>
+                <a:tailEnd type="none" w="med" len="med"/>
+              </a:ln>
+            </p:spPr>
+            <p:style>
+              <a:lnRef idx="1">
+                <a:schemeClr val="accent1"/>
+              </a:lnRef>
+              <a:fillRef idx="0">
+                <a:schemeClr val="accent1"/>
+              </a:fillRef>
+              <a:effectRef idx="0">
+                <a:schemeClr val="accent1"/>
+              </a:effectRef>
+              <a:fontRef idx="minor">
+                <a:schemeClr val="tx1"/>
+              </a:fontRef>
+            </p:style>
+          </p:cxnSp>
+          <p:sp>
+            <p:nvSpPr>
+              <p:cNvPr id="94" name="TextBox 93">
+                <a:extLst>
+                  <a:ext uri="{FF2B5EF4-FFF2-40B4-BE49-F238E27FC236}">
+                    <a16:creationId xmlns:a16="http://schemas.microsoft.com/office/drawing/2014/main" id="{BBF0726A-3E70-488A-9417-D9F80DCD7B1A}"/>
+                  </a:ext>
+                </a:extLst>
+              </p:cNvPr>
+              <p:cNvSpPr txBox="1"/>
+              <p:nvPr/>
+            </p:nvSpPr>
+            <p:spPr>
+              <a:xfrm>
+                <a:off x="7936640" y="9427700"/>
+                <a:ext cx="258402" cy="261482"/>
+              </a:xfrm>
+              <a:prstGeom prst="rect">
+                <a:avLst/>
+              </a:prstGeom>
+              <a:noFill/>
+            </p:spPr>
+            <p:txBody>
+              <a:bodyPr wrap="square" rtlCol="0">
+                <a:spAutoFit/>
+              </a:bodyPr>
+              <a:lstStyle/>
+              <a:p>
+                <a:r>
+                  <a:rPr lang="en-SG" sz="1099">
+                    <a:solidFill>
+                      <a:srgbClr val="002060"/>
+                    </a:solidFill>
+                  </a:rPr>
+                  <a:t>X</a:t>
+                </a:r>
+              </a:p>
+            </p:txBody>
+          </p:sp>
+        </p:grpSp>
+        <p:sp>
+          <p:nvSpPr>
+            <p:cNvPr id="112" name="TextBox 111">
+              <a:extLst>
+                <a:ext uri="{FF2B5EF4-FFF2-40B4-BE49-F238E27FC236}">
+                  <a16:creationId xmlns:a16="http://schemas.microsoft.com/office/drawing/2014/main" id="{DDE66C97-94DE-4F8A-8BB3-F9C3A351E7D5}"/>
+                </a:ext>
+              </a:extLst>
+            </p:cNvPr>
+            <p:cNvSpPr txBox="1"/>
+            <p:nvPr/>
+          </p:nvSpPr>
+          <p:spPr>
+            <a:xfrm>
+              <a:off x="8126761" y="4136149"/>
+              <a:ext cx="2332116" cy="184666"/>
+            </a:xfrm>
+            <a:prstGeom prst="rect">
+              <a:avLst/>
+            </a:prstGeom>
+            <a:noFill/>
+            <a:ln>
+              <a:noFill/>
+            </a:ln>
+          </p:spPr>
+          <p:txBody>
+            <a:bodyPr wrap="square" lIns="0" tIns="0" rIns="0" bIns="0" rtlCol="0">
+              <a:spAutoFit/>
+            </a:bodyPr>
+            <a:lstStyle>
+              <a:defPPr>
+                <a:defRPr lang="en-US"/>
+              </a:defPPr>
+              <a:lvl1pPr algn="r">
+                <a:defRPr sz="1400">
+                  <a:solidFill>
+                    <a:srgbClr val="0070C0"/>
+                  </a:solidFill>
+                </a:defRPr>
+              </a:lvl1pPr>
+            </a:lstStyle>
+            <a:p>
+              <a:pPr algn="ctr"/>
+              <a:r>
+                <a:rPr lang="en-US" sz="1200" err="1">
+                  <a:solidFill>
+                    <a:srgbClr val="7030A0"/>
+                  </a:solidFill>
+                </a:rPr>
+                <a:t>getHumanMapGrid</a:t>
+              </a:r>
+              <a:r>
+                <a:rPr lang="en-US" sz="1200">
+                  <a:solidFill>
+                    <a:srgbClr val="7030A0"/>
+                  </a:solidFill>
+                </a:rPr>
+                <a:t>()</a:t>
+              </a:r>
+            </a:p>
+          </p:txBody>
+        </p:sp>
+        <p:sp>
+          <p:nvSpPr>
+            <p:cNvPr id="186" name="Rectangle 62">
+              <a:extLst>
+                <a:ext uri="{FF2B5EF4-FFF2-40B4-BE49-F238E27FC236}">
+                  <a16:creationId xmlns:a16="http://schemas.microsoft.com/office/drawing/2014/main" id="{ED894C81-4B95-4AAC-AEB1-37FB58E82CB3}"/>
+                </a:ext>
+              </a:extLst>
+            </p:cNvPr>
+            <p:cNvSpPr/>
+            <p:nvPr/>
+          </p:nvSpPr>
+          <p:spPr>
+            <a:xfrm>
+              <a:off x="14618703" y="6284436"/>
+              <a:ext cx="1088570" cy="234000"/>
+            </a:xfrm>
+            <a:prstGeom prst="rect">
+              <a:avLst/>
+            </a:prstGeom>
+            <a:solidFill>
+              <a:srgbClr val="FF669A"/>
+            </a:solidFill>
+            <a:ln w="19050">
+              <a:noFill/>
+            </a:ln>
+            <a:effectLst/>
+          </p:spPr>
+          <p:style>
+            <a:lnRef idx="1">
+              <a:schemeClr val="accent2"/>
+            </a:lnRef>
+            <a:fillRef idx="2">
+              <a:schemeClr val="accent2"/>
+            </a:fillRef>
+            <a:effectRef idx="1">
+              <a:schemeClr val="accent2"/>
+            </a:effectRef>
+            <a:fontRef idx="minor">
+              <a:schemeClr val="dk1"/>
+            </a:fontRef>
+          </p:style>
+          <p:txBody>
+            <a:bodyPr rtlCol="0" anchor="ctr"/>
+            <a:lstStyle/>
+            <a:p>
+              <a:pPr algn="ctr"/>
+              <a:r>
+                <a:rPr lang="en-US" sz="1600">
+                  <a:solidFill>
+                    <a:schemeClr val="bg1"/>
+                  </a:solidFill>
+                </a:rPr>
+                <a:t>:</a:t>
+              </a:r>
+              <a:r>
+                <a:rPr lang="en-US" sz="1600" err="1">
+                  <a:solidFill>
+                    <a:schemeClr val="bg1"/>
+                  </a:solidFill>
+                </a:rPr>
+                <a:t>MapGrid</a:t>
+              </a:r>
+              <a:endParaRPr lang="en-SG" sz="1600">
+                <a:solidFill>
+                  <a:schemeClr val="bg1"/>
+                </a:solidFill>
+              </a:endParaRPr>
+            </a:p>
+          </p:txBody>
+        </p:sp>
+        <p:cxnSp>
+          <p:nvCxnSpPr>
+            <p:cNvPr id="188" name="Straight Connector 187">
+              <a:extLst>
+                <a:ext uri="{FF2B5EF4-FFF2-40B4-BE49-F238E27FC236}">
+                  <a16:creationId xmlns:a16="http://schemas.microsoft.com/office/drawing/2014/main" id="{44EF094F-1339-4CA4-88DB-FE36777A1A62}"/>
+                </a:ext>
+              </a:extLst>
+            </p:cNvPr>
+            <p:cNvCxnSpPr>
+              <a:cxnSpLocks/>
+              <a:stCxn id="186" idx="2"/>
+            </p:cNvCxnSpPr>
+            <p:nvPr/>
+          </p:nvCxnSpPr>
+          <p:spPr>
+            <a:xfrm flipH="1">
+              <a:off x="15148010" y="6518436"/>
+              <a:ext cx="14978" cy="2408588"/>
+            </a:xfrm>
+            <a:prstGeom prst="line">
+              <a:avLst/>
+            </a:prstGeom>
+            <a:ln w="19050">
+              <a:solidFill>
+                <a:srgbClr val="FF669A"/>
+              </a:solidFill>
+              <a:prstDash val="sysDash"/>
+            </a:ln>
+            <a:effectLst/>
+          </p:spPr>
+          <p:style>
+            <a:lnRef idx="1">
+              <a:schemeClr val="accent1"/>
+            </a:lnRef>
+            <a:fillRef idx="2">
+              <a:schemeClr val="accent1"/>
+            </a:fillRef>
+            <a:effectRef idx="1">
+              <a:schemeClr val="accent1"/>
+            </a:effectRef>
+            <a:fontRef idx="minor">
+              <a:schemeClr val="dk1"/>
+            </a:fontRef>
+          </p:style>
+        </p:cxnSp>
+        <p:cxnSp>
+          <p:nvCxnSpPr>
+            <p:cNvPr id="201" name="Straight Arrow Connector 200">
+              <a:extLst>
+                <a:ext uri="{FF2B5EF4-FFF2-40B4-BE49-F238E27FC236}">
+                  <a16:creationId xmlns:a16="http://schemas.microsoft.com/office/drawing/2014/main" id="{AE14F7A1-D82E-4019-B4DA-BA8F13C7DB36}"/>
+                </a:ext>
+              </a:extLst>
+            </p:cNvPr>
+            <p:cNvCxnSpPr>
+              <a:cxnSpLocks/>
+            </p:cNvCxnSpPr>
+            <p:nvPr/>
+          </p:nvCxnSpPr>
+          <p:spPr>
+            <a:xfrm>
+              <a:off x="8139641" y="7014149"/>
+              <a:ext cx="6943840" cy="0"/>
+            </a:xfrm>
+            <a:prstGeom prst="straightConnector1">
+              <a:avLst/>
+            </a:prstGeom>
+            <a:ln w="19050">
+              <a:solidFill>
+                <a:srgbClr val="FF669A"/>
+              </a:solidFill>
+              <a:prstDash val="sysDash"/>
+              <a:headEnd type="arrow" w="med" len="med"/>
+              <a:tailEnd type="none" w="med" len="med"/>
+            </a:ln>
+          </p:spPr>
+          <p:style>
+            <a:lnRef idx="1">
+              <a:schemeClr val="accent1"/>
+            </a:lnRef>
+            <a:fillRef idx="0">
+              <a:schemeClr val="accent1"/>
+            </a:fillRef>
+            <a:effectRef idx="0">
+              <a:schemeClr val="accent1"/>
+            </a:effectRef>
+            <a:fontRef idx="minor">
+              <a:schemeClr val="tx1"/>
+            </a:fontRef>
+          </p:style>
+        </p:cxnSp>
+        <p:cxnSp>
+          <p:nvCxnSpPr>
+            <p:cNvPr id="250" name="Straight Arrow Connector 249">
+              <a:extLst>
+                <a:ext uri="{FF2B5EF4-FFF2-40B4-BE49-F238E27FC236}">
+                  <a16:creationId xmlns:a16="http://schemas.microsoft.com/office/drawing/2014/main" id="{4905E054-6CE5-4BC2-AEFD-9C5C8BAA5AFA}"/>
+                </a:ext>
+              </a:extLst>
+            </p:cNvPr>
+            <p:cNvCxnSpPr>
+              <a:cxnSpLocks/>
+            </p:cNvCxnSpPr>
+            <p:nvPr/>
+          </p:nvCxnSpPr>
+          <p:spPr>
+            <a:xfrm flipV="1">
+              <a:off x="8132736" y="6840778"/>
+              <a:ext cx="6949451" cy="32427"/>
+            </a:xfrm>
+            <a:prstGeom prst="straightConnector1">
+              <a:avLst/>
+            </a:prstGeom>
+            <a:ln w="19050">
+              <a:solidFill>
+                <a:srgbClr val="FF669A"/>
+              </a:solidFill>
+              <a:tailEnd type="arrow"/>
+            </a:ln>
+          </p:spPr>
+          <p:style>
+            <a:lnRef idx="1">
+              <a:schemeClr val="accent1"/>
+            </a:lnRef>
+            <a:fillRef idx="0">
+              <a:schemeClr val="accent1"/>
+            </a:fillRef>
+            <a:effectRef idx="0">
+              <a:schemeClr val="accent1"/>
+            </a:effectRef>
+            <a:fontRef idx="minor">
+              <a:schemeClr val="tx1"/>
+            </a:fontRef>
+          </p:style>
+        </p:cxnSp>
+        <p:cxnSp>
+          <p:nvCxnSpPr>
+            <p:cNvPr id="203" name="Straight Arrow Connector 202">
+              <a:extLst>
+                <a:ext uri="{FF2B5EF4-FFF2-40B4-BE49-F238E27FC236}">
+                  <a16:creationId xmlns:a16="http://schemas.microsoft.com/office/drawing/2014/main" id="{6CCD3E18-8278-426A-A24E-E2CCA6422BBC}"/>
+                </a:ext>
+              </a:extLst>
+            </p:cNvPr>
+            <p:cNvCxnSpPr>
+              <a:cxnSpLocks/>
+            </p:cNvCxnSpPr>
+            <p:nvPr/>
+          </p:nvCxnSpPr>
+          <p:spPr>
+            <a:xfrm>
+              <a:off x="8139641" y="4912774"/>
+              <a:ext cx="2457450" cy="0"/>
+            </a:xfrm>
+            <a:prstGeom prst="straightConnector1">
+              <a:avLst/>
+            </a:prstGeom>
+            <a:ln w="19050">
+              <a:solidFill>
+                <a:srgbClr val="7030A0"/>
+              </a:solidFill>
+              <a:prstDash val="sysDash"/>
+              <a:headEnd type="arrow" w="med" len="med"/>
+              <a:tailEnd type="none" w="med" len="med"/>
+            </a:ln>
+          </p:spPr>
+          <p:style>
+            <a:lnRef idx="1">
+              <a:schemeClr val="accent1"/>
+            </a:lnRef>
+            <a:fillRef idx="0">
+              <a:schemeClr val="accent1"/>
+            </a:fillRef>
+            <a:effectRef idx="0">
+              <a:schemeClr val="accent1"/>
+            </a:effectRef>
+            <a:fontRef idx="minor">
+              <a:schemeClr val="tx1"/>
+            </a:fontRef>
+          </p:style>
+        </p:cxnSp>
+        <p:grpSp>
+          <p:nvGrpSpPr>
+            <p:cNvPr id="153" name="Group 152">
+              <a:extLst>
+                <a:ext uri="{FF2B5EF4-FFF2-40B4-BE49-F238E27FC236}">
+                  <a16:creationId xmlns:a16="http://schemas.microsoft.com/office/drawing/2014/main" id="{B8528592-1FAC-EA45-98DF-33AB9CEDBCC0}"/>
+                </a:ext>
+              </a:extLst>
+            </p:cNvPr>
+            <p:cNvGrpSpPr/>
+            <p:nvPr/>
+          </p:nvGrpSpPr>
+          <p:grpSpPr>
+            <a:xfrm>
+              <a:off x="8101702" y="7914320"/>
+              <a:ext cx="1416985" cy="826953"/>
+              <a:chOff x="8101702" y="11497197"/>
+              <a:chExt cx="1416985" cy="826953"/>
+            </a:xfrm>
+          </p:grpSpPr>
+          <p:grpSp>
+            <p:nvGrpSpPr>
+              <p:cNvPr id="223" name="Group 222">
+                <a:extLst>
+                  <a:ext uri="{FF2B5EF4-FFF2-40B4-BE49-F238E27FC236}">
+                    <a16:creationId xmlns:a16="http://schemas.microsoft.com/office/drawing/2014/main" id="{C73986C8-5449-4072-9F0F-17A38AD97EF5}"/>
+                  </a:ext>
+                </a:extLst>
+              </p:cNvPr>
+              <p:cNvGrpSpPr/>
+              <p:nvPr/>
+            </p:nvGrpSpPr>
+            <p:grpSpPr>
+              <a:xfrm>
+                <a:off x="8503127" y="11497197"/>
+                <a:ext cx="1015560" cy="826953"/>
+                <a:chOff x="14104936" y="4659447"/>
+                <a:chExt cx="1350106" cy="826953"/>
+              </a:xfrm>
+            </p:grpSpPr>
+            <p:sp>
+              <p:nvSpPr>
+                <p:cNvPr id="213" name="Rectangle 62">
+                  <a:extLst>
+                    <a:ext uri="{FF2B5EF4-FFF2-40B4-BE49-F238E27FC236}">
+                      <a16:creationId xmlns:a16="http://schemas.microsoft.com/office/drawing/2014/main" id="{199F746E-405B-485A-994E-C0C45F8824D7}"/>
+                    </a:ext>
+                  </a:extLst>
+                </p:cNvPr>
+                <p:cNvSpPr/>
+                <p:nvPr/>
+              </p:nvSpPr>
+              <p:spPr>
+                <a:xfrm>
+                  <a:off x="14104936" y="4659447"/>
+                  <a:ext cx="1350106" cy="516104"/>
+                </a:xfrm>
+                <a:prstGeom prst="rect">
+                  <a:avLst/>
+                </a:prstGeom>
                 <a:solidFill>
                   <a:srgbClr val="0070C0"/>
                 </a:solidFill>
-              </a:rPr>
-              <a:t>args2 = </a:t>
-            </a:r>
-            <a:r>
-              <a:rPr lang="en-SG" sz="1400" err="1">
+                <a:ln w="19050">
+                  <a:solidFill>
+                    <a:srgbClr val="0070C0"/>
+                  </a:solidFill>
+                </a:ln>
+                <a:effectLst/>
+              </p:spPr>
+              <p:style>
+                <a:lnRef idx="1">
+                  <a:schemeClr val="accent2"/>
+                </a:lnRef>
+                <a:fillRef idx="2">
+                  <a:schemeClr val="accent2"/>
+                </a:fillRef>
+                <a:effectRef idx="1">
+                  <a:schemeClr val="accent2"/>
+                </a:effectRef>
+                <a:fontRef idx="minor">
+                  <a:schemeClr val="dk1"/>
+                </a:fontRef>
+              </p:style>
+              <p:txBody>
+                <a:bodyPr rtlCol="0" anchor="ctr"/>
+                <a:lstStyle/>
+                <a:p>
+                  <a:pPr algn="ctr"/>
+                  <a:r>
+                    <a:rPr lang="en-US" sz="1400">
+                      <a:solidFill>
+                        <a:schemeClr val="bg1"/>
+                      </a:solidFill>
+                    </a:rPr>
+                    <a:t>:Command</a:t>
+                  </a:r>
+                </a:p>
+                <a:p>
+                  <a:pPr algn="ctr"/>
+                  <a:r>
+                    <a:rPr lang="en-US" sz="1400">
+                      <a:solidFill>
+                        <a:schemeClr val="bg1"/>
+                      </a:solidFill>
+                    </a:rPr>
+                    <a:t>Result</a:t>
+                  </a:r>
+                  <a:endParaRPr lang="en-SG" sz="1400">
+                    <a:solidFill>
+                      <a:schemeClr val="bg1"/>
+                    </a:solidFill>
+                  </a:endParaRPr>
+                </a:p>
+              </p:txBody>
+            </p:sp>
+            <p:sp>
+              <p:nvSpPr>
+                <p:cNvPr id="214" name="Rectangle 213">
+                  <a:extLst>
+                    <a:ext uri="{FF2B5EF4-FFF2-40B4-BE49-F238E27FC236}">
+                      <a16:creationId xmlns:a16="http://schemas.microsoft.com/office/drawing/2014/main" id="{22493782-DEC3-436C-AC2C-EE03A965A6F0}"/>
+                    </a:ext>
+                  </a:extLst>
+                </p:cNvPr>
+                <p:cNvSpPr/>
+                <p:nvPr/>
+              </p:nvSpPr>
+              <p:spPr>
+                <a:xfrm>
+                  <a:off x="14726544" y="5179667"/>
+                  <a:ext cx="138546" cy="185585"/>
+                </a:xfrm>
+                <a:prstGeom prst="rect">
+                  <a:avLst/>
+                </a:prstGeom>
                 <a:solidFill>
                   <a:srgbClr val="0070C0"/>
                 </a:solidFill>
-              </a:rPr>
-              <a:t>EnumSet.of</a:t>
-            </a:r>
-            <a:r>
-              <a:rPr lang="en-SG" sz="1400">
+                <a:ln>
+                  <a:solidFill>
+                    <a:srgbClr val="0070C0"/>
+                  </a:solidFill>
+                </a:ln>
+                <a:effectLst/>
+              </p:spPr>
+              <p:style>
+                <a:lnRef idx="1">
+                  <a:schemeClr val="accent3"/>
+                </a:lnRef>
+                <a:fillRef idx="2">
+                  <a:schemeClr val="accent3"/>
+                </a:fillRef>
+                <a:effectRef idx="1">
+                  <a:schemeClr val="accent3"/>
+                </a:effectRef>
+                <a:fontRef idx="minor">
+                  <a:schemeClr val="dk1"/>
+                </a:fontRef>
+              </p:style>
+              <p:txBody>
+                <a:bodyPr rtlCol="0" anchor="ctr"/>
+                <a:lstStyle/>
+                <a:p>
+                  <a:pPr algn="ctr"/>
+                  <a:endParaRPr lang="en-SG" sz="1400"/>
+                </a:p>
+              </p:txBody>
+            </p:sp>
+            <p:cxnSp>
+              <p:nvCxnSpPr>
+                <p:cNvPr id="215" name="Straight Connector 214">
+                  <a:extLst>
+                    <a:ext uri="{FF2B5EF4-FFF2-40B4-BE49-F238E27FC236}">
+                      <a16:creationId xmlns:a16="http://schemas.microsoft.com/office/drawing/2014/main" id="{0963EC8C-EF55-4B35-820F-72F93A5056C6}"/>
+                    </a:ext>
+                  </a:extLst>
+                </p:cNvPr>
+                <p:cNvCxnSpPr>
+                  <a:cxnSpLocks/>
+                  <a:stCxn id="214" idx="0"/>
+                </p:cNvCxnSpPr>
+                <p:nvPr/>
+              </p:nvCxnSpPr>
+              <p:spPr>
+                <a:xfrm>
+                  <a:off x="14795817" y="5179667"/>
+                  <a:ext cx="0" cy="306733"/>
+                </a:xfrm>
+                <a:prstGeom prst="line">
+                  <a:avLst/>
+                </a:prstGeom>
+                <a:ln w="19050">
+                  <a:solidFill>
+                    <a:srgbClr val="0070C0"/>
+                  </a:solidFill>
+                  <a:prstDash val="sysDash"/>
+                </a:ln>
+                <a:effectLst/>
+              </p:spPr>
+              <p:style>
+                <a:lnRef idx="1">
+                  <a:schemeClr val="accent1"/>
+                </a:lnRef>
+                <a:fillRef idx="2">
+                  <a:schemeClr val="accent1"/>
+                </a:fillRef>
+                <a:effectRef idx="1">
+                  <a:schemeClr val="accent1"/>
+                </a:effectRef>
+                <a:fontRef idx="minor">
+                  <a:schemeClr val="dk1"/>
+                </a:fontRef>
+              </p:style>
+            </p:cxnSp>
+          </p:grpSp>
+          <p:cxnSp>
+            <p:nvCxnSpPr>
+              <p:cNvPr id="229" name="Straight Arrow Connector 228">
+                <a:extLst>
+                  <a:ext uri="{FF2B5EF4-FFF2-40B4-BE49-F238E27FC236}">
+                    <a16:creationId xmlns:a16="http://schemas.microsoft.com/office/drawing/2014/main" id="{674D795D-BE64-4C23-AB6B-8581B1948790}"/>
+                  </a:ext>
+                </a:extLst>
+              </p:cNvPr>
+              <p:cNvCxnSpPr>
+                <a:cxnSpLocks/>
+              </p:cNvCxnSpPr>
+              <p:nvPr/>
+            </p:nvCxnSpPr>
+            <p:spPr>
+              <a:xfrm>
+                <a:off x="8101702" y="11768510"/>
+                <a:ext cx="408453" cy="0"/>
+              </a:xfrm>
+              <a:prstGeom prst="straightConnector1">
+                <a:avLst/>
+              </a:prstGeom>
+              <a:ln w="19050">
                 <a:solidFill>
                   <a:srgbClr val="0070C0"/>
                 </a:solidFill>
-              </a:rPr>
-              <a:t>(</a:t>
-            </a:r>
-            <a:r>
-              <a:rPr lang="en-SG" sz="1400" err="1">
+                <a:tailEnd type="arrow"/>
+              </a:ln>
+            </p:spPr>
+            <p:style>
+              <a:lnRef idx="1">
+                <a:schemeClr val="accent1"/>
+              </a:lnRef>
+              <a:fillRef idx="0">
+                <a:schemeClr val="accent1"/>
+              </a:fillRef>
+              <a:effectRef idx="0">
+                <a:schemeClr val="accent1"/>
+              </a:effectRef>
+              <a:fontRef idx="minor">
+                <a:schemeClr val="tx1"/>
+              </a:fontRef>
+            </p:style>
+          </p:cxnSp>
+          <p:cxnSp>
+            <p:nvCxnSpPr>
+              <p:cNvPr id="232" name="Straight Arrow Connector 231">
+                <a:extLst>
+                  <a:ext uri="{FF2B5EF4-FFF2-40B4-BE49-F238E27FC236}">
+                    <a16:creationId xmlns:a16="http://schemas.microsoft.com/office/drawing/2014/main" id="{1A83AB1C-BE26-4F1A-8576-7ACE7FC365C2}"/>
+                  </a:ext>
+                </a:extLst>
+              </p:cNvPr>
+              <p:cNvCxnSpPr>
+                <a:cxnSpLocks/>
+              </p:cNvCxnSpPr>
+              <p:nvPr/>
+            </p:nvCxnSpPr>
+            <p:spPr>
+              <a:xfrm>
+                <a:off x="8126766" y="12198708"/>
+                <a:ext cx="850180" cy="0"/>
+              </a:xfrm>
+              <a:prstGeom prst="straightConnector1">
+                <a:avLst/>
+              </a:prstGeom>
+              <a:ln w="19050">
                 <a:solidFill>
                   <a:srgbClr val="0070C0"/>
                 </a:solidFill>
-              </a:rPr>
-              <a:t>BattleState.PLAYER_PUT_SHIP</a:t>
-            </a:r>
-            <a:r>
-              <a:rPr lang="en-SG" sz="1400">
+                <a:prstDash val="sysDash"/>
+                <a:headEnd type="arrow" w="med" len="med"/>
+                <a:tailEnd type="none" w="med" len="med"/>
+              </a:ln>
+            </p:spPr>
+            <p:style>
+              <a:lnRef idx="1">
+                <a:schemeClr val="accent1"/>
+              </a:lnRef>
+              <a:fillRef idx="0">
+                <a:schemeClr val="accent1"/>
+              </a:fillRef>
+              <a:effectRef idx="0">
+                <a:schemeClr val="accent1"/>
+              </a:effectRef>
+              <a:fontRef idx="minor">
+                <a:schemeClr val="tx1"/>
+              </a:fontRef>
+            </p:style>
+          </p:cxnSp>
+        </p:grpSp>
+        <p:sp>
+          <p:nvSpPr>
+            <p:cNvPr id="61" name="TextBox 60">
+              <a:extLst>
+                <a:ext uri="{FF2B5EF4-FFF2-40B4-BE49-F238E27FC236}">
+                  <a16:creationId xmlns:a16="http://schemas.microsoft.com/office/drawing/2014/main" id="{A6AA3A69-FF3B-4544-9DE5-D79C590BA53D}"/>
+                </a:ext>
+              </a:extLst>
+            </p:cNvPr>
+            <p:cNvSpPr txBox="1"/>
+            <p:nvPr/>
+          </p:nvSpPr>
+          <p:spPr>
+            <a:xfrm>
+              <a:off x="350104" y="9125837"/>
+              <a:ext cx="9254858" cy="430887"/>
+            </a:xfrm>
+            <a:prstGeom prst="rect">
+              <a:avLst/>
+            </a:prstGeom>
+            <a:noFill/>
+          </p:spPr>
+          <p:txBody>
+            <a:bodyPr wrap="square" lIns="0" tIns="0" rIns="0" bIns="0" rtlCol="0">
+              <a:spAutoFit/>
+            </a:bodyPr>
+            <a:lstStyle/>
+            <a:p>
+              <a:r>
+                <a:rPr lang="en-US" sz="1400">
+                  <a:solidFill>
+                    <a:srgbClr val="0070C0"/>
+                  </a:solidFill>
+                </a:rPr>
+                <a:t>args1 = n/destroyer c/a1 r/vertical t/tag</a:t>
+              </a:r>
+            </a:p>
+            <a:p>
+              <a:r>
+                <a:rPr lang="en-US" sz="1400">
+                  <a:solidFill>
+                    <a:srgbClr val="0070C0"/>
+                  </a:solidFill>
+                </a:rPr>
+                <a:t>args2 = </a:t>
+              </a:r>
+              <a:r>
+                <a:rPr lang="en-SG" sz="1400" err="1">
+                  <a:solidFill>
+                    <a:srgbClr val="0070C0"/>
+                  </a:solidFill>
+                </a:rPr>
+                <a:t>EnumSet.of</a:t>
+              </a:r>
+              <a:r>
+                <a:rPr lang="en-SG" sz="1400">
+                  <a:solidFill>
+                    <a:srgbClr val="0070C0"/>
+                  </a:solidFill>
+                </a:rPr>
+                <a:t>(</a:t>
+              </a:r>
+              <a:r>
+                <a:rPr lang="en-SG" sz="1400" err="1">
+                  <a:solidFill>
+                    <a:srgbClr val="0070C0"/>
+                  </a:solidFill>
+                </a:rPr>
+                <a:t>BattleState.PLAYER_PUT_SHIP</a:t>
+              </a:r>
+              <a:r>
+                <a:rPr lang="en-SG" sz="1400">
+                  <a:solidFill>
+                    <a:srgbClr val="0070C0"/>
+                  </a:solidFill>
+                </a:rPr>
+                <a:t>)</a:t>
+              </a:r>
+              <a:endParaRPr lang="en-US" sz="1400">
                 <a:solidFill>
                   <a:srgbClr val="0070C0"/>
                 </a:solidFill>
-              </a:rPr>
-              <a:t>)</a:t>
-            </a:r>
-            <a:endParaRPr lang="en-US" sz="1400">
+              </a:endParaRPr>
+            </a:p>
+          </p:txBody>
+        </p:sp>
+        <p:sp>
+          <p:nvSpPr>
+            <p:cNvPr id="187" name="Rectangle 186">
+              <a:extLst>
+                <a:ext uri="{FF2B5EF4-FFF2-40B4-BE49-F238E27FC236}">
+                  <a16:creationId xmlns:a16="http://schemas.microsoft.com/office/drawing/2014/main" id="{09B0E711-DA47-4651-8AB4-F1BD8D990B22}"/>
+                </a:ext>
+              </a:extLst>
+            </p:cNvPr>
+            <p:cNvSpPr/>
+            <p:nvPr/>
+          </p:nvSpPr>
+          <p:spPr>
+            <a:xfrm>
+              <a:off x="15062479" y="6828861"/>
+              <a:ext cx="145369" cy="195790"/>
+            </a:xfrm>
+            <a:prstGeom prst="rect">
+              <a:avLst/>
+            </a:prstGeom>
+            <a:solidFill>
+              <a:srgbClr val="FF669A"/>
+            </a:solidFill>
+            <a:ln>
+              <a:noFill/>
+            </a:ln>
+            <a:effectLst/>
+          </p:spPr>
+          <p:style>
+            <a:lnRef idx="1">
+              <a:schemeClr val="accent3"/>
+            </a:lnRef>
+            <a:fillRef idx="2">
+              <a:schemeClr val="accent3"/>
+            </a:fillRef>
+            <a:effectRef idx="1">
+              <a:schemeClr val="accent3"/>
+            </a:effectRef>
+            <a:fontRef idx="minor">
+              <a:schemeClr val="dk1"/>
+            </a:fontRef>
+          </p:style>
+          <p:txBody>
+            <a:bodyPr rtlCol="0" anchor="ctr"/>
+            <a:lstStyle/>
+            <a:p>
+              <a:pPr algn="ctr"/>
+              <a:endParaRPr lang="en-SG" sz="1400"/>
+            </a:p>
+          </p:txBody>
+        </p:sp>
+        <p:sp>
+          <p:nvSpPr>
+            <p:cNvPr id="68" name="TextBox 67">
+              <a:extLst>
+                <a:ext uri="{FF2B5EF4-FFF2-40B4-BE49-F238E27FC236}">
+                  <a16:creationId xmlns:a16="http://schemas.microsoft.com/office/drawing/2014/main" id="{30DD5FE9-12F7-3B4D-9DA7-5C75E842CE53}"/>
+                </a:ext>
+              </a:extLst>
+            </p:cNvPr>
+            <p:cNvSpPr txBox="1"/>
+            <p:nvPr/>
+          </p:nvSpPr>
+          <p:spPr>
+            <a:xfrm>
+              <a:off x="8434344" y="6689713"/>
+              <a:ext cx="1475876" cy="184666"/>
+            </a:xfrm>
+            <a:prstGeom prst="rect">
+              <a:avLst/>
+            </a:prstGeom>
+            <a:noFill/>
+            <a:ln>
+              <a:noFill/>
+            </a:ln>
+          </p:spPr>
+          <p:txBody>
+            <a:bodyPr wrap="square" lIns="0" tIns="0" rIns="0" bIns="0" rtlCol="0">
+              <a:spAutoFit/>
+            </a:bodyPr>
+            <a:lstStyle>
+              <a:defPPr>
+                <a:defRPr lang="en-US"/>
+              </a:defPPr>
+              <a:lvl1pPr algn="r">
+                <a:defRPr sz="1400">
+                  <a:solidFill>
+                    <a:srgbClr val="0070C0"/>
+                  </a:solidFill>
+                </a:defRPr>
+              </a:lvl1pPr>
+            </a:lstStyle>
+            <a:p>
+              <a:pPr algn="l"/>
+              <a:r>
+                <a:rPr lang="en-US" sz="1200" err="1">
+                  <a:solidFill>
+                    <a:srgbClr val="FF669A"/>
+                  </a:solidFill>
+                </a:rPr>
+                <a:t>putShip</a:t>
+              </a:r>
+              <a:r>
+                <a:rPr lang="en-US" sz="1200">
+                  <a:solidFill>
+                    <a:srgbClr val="FF669A"/>
+                  </a:solidFill>
+                </a:rPr>
+                <a:t>()</a:t>
+              </a:r>
+            </a:p>
+          </p:txBody>
+        </p:sp>
+        <p:cxnSp>
+          <p:nvCxnSpPr>
+            <p:cNvPr id="86" name="Curved Connector 85">
+              <a:extLst>
+                <a:ext uri="{FF2B5EF4-FFF2-40B4-BE49-F238E27FC236}">
+                  <a16:creationId xmlns:a16="http://schemas.microsoft.com/office/drawing/2014/main" id="{D48B657F-3EAF-B446-9875-52E0C6B99E2E}"/>
+                </a:ext>
+              </a:extLst>
+            </p:cNvPr>
+            <p:cNvCxnSpPr>
+              <a:cxnSpLocks/>
+            </p:cNvCxnSpPr>
+            <p:nvPr/>
+          </p:nvCxnSpPr>
+          <p:spPr>
+            <a:xfrm>
+              <a:off x="8129095" y="3886689"/>
+              <a:ext cx="134988" cy="109955"/>
+            </a:xfrm>
+            <a:prstGeom prst="curvedConnector3">
+              <a:avLst>
+                <a:gd name="adj1" fmla="val 291588"/>
+              </a:avLst>
+            </a:prstGeom>
+            <a:ln>
               <a:solidFill>
                 <a:srgbClr val="0070C0"/>
               </a:solidFill>
-            </a:endParaRPr>
-          </a:p>
-        </p:txBody>
-      </p:sp>
-      <p:sp>
-        <p:nvSpPr>
-          <p:cNvPr id="187" name="Rectangle 186">
-            <a:extLst>
-              <a:ext uri="{FF2B5EF4-FFF2-40B4-BE49-F238E27FC236}">
-                <a16:creationId xmlns:a16="http://schemas.microsoft.com/office/drawing/2014/main" id="{09B0E711-DA47-4651-8AB4-F1BD8D990B22}"/>
-              </a:ext>
-            </a:extLst>
-          </p:cNvPr>
-          <p:cNvSpPr/>
-          <p:nvPr/>
-        </p:nvSpPr>
-        <p:spPr>
-          <a:xfrm>
-            <a:off x="15062479" y="6828861"/>
-            <a:ext cx="145369" cy="195790"/>
-          </a:xfrm>
-          <a:prstGeom prst="rect">
-            <a:avLst/>
-          </a:prstGeom>
-          <a:solidFill>
-            <a:srgbClr val="FF669A"/>
-          </a:solidFill>
-          <a:ln>
-            <a:noFill/>
-          </a:ln>
-          <a:effectLst/>
-        </p:spPr>
-        <p:style>
-          <a:lnRef idx="1">
-            <a:schemeClr val="accent3"/>
-          </a:lnRef>
-          <a:fillRef idx="2">
-            <a:schemeClr val="accent3"/>
-          </a:fillRef>
-          <a:effectRef idx="1">
-            <a:schemeClr val="accent3"/>
-          </a:effectRef>
-          <a:fontRef idx="minor">
-            <a:schemeClr val="dk1"/>
-          </a:fontRef>
-        </p:style>
-        <p:txBody>
-          <a:bodyPr rtlCol="0" anchor="ctr"/>
-          <a:lstStyle/>
-          <a:p>
-            <a:pPr algn="ctr"/>
-            <a:endParaRPr lang="en-SG" sz="1400"/>
-          </a:p>
-        </p:txBody>
-      </p:sp>
-      <p:sp>
-        <p:nvSpPr>
-          <p:cNvPr id="68" name="TextBox 67">
-            <a:extLst>
-              <a:ext uri="{FF2B5EF4-FFF2-40B4-BE49-F238E27FC236}">
-                <a16:creationId xmlns:a16="http://schemas.microsoft.com/office/drawing/2014/main" id="{30DD5FE9-12F7-3B4D-9DA7-5C75E842CE53}"/>
-              </a:ext>
-            </a:extLst>
-          </p:cNvPr>
-          <p:cNvSpPr txBox="1"/>
-          <p:nvPr/>
-        </p:nvSpPr>
-        <p:spPr>
-          <a:xfrm>
-            <a:off x="8434344" y="6689713"/>
-            <a:ext cx="1475876" cy="184666"/>
-          </a:xfrm>
-          <a:prstGeom prst="rect">
-            <a:avLst/>
-          </a:prstGeom>
-          <a:noFill/>
-          <a:ln>
-            <a:noFill/>
-          </a:ln>
-        </p:spPr>
-        <p:txBody>
-          <a:bodyPr wrap="square" lIns="0" tIns="0" rIns="0" bIns="0" rtlCol="0">
-            <a:spAutoFit/>
-          </a:bodyPr>
-          <a:lstStyle>
-            <a:defPPr>
-              <a:defRPr lang="en-US"/>
-            </a:defPPr>
-            <a:lvl1pPr algn="r">
-              <a:defRPr sz="1400">
-                <a:solidFill>
-                  <a:srgbClr val="0070C0"/>
-                </a:solidFill>
-              </a:defRPr>
-            </a:lvl1pPr>
-          </a:lstStyle>
-          <a:p>
-            <a:pPr algn="l"/>
-            <a:r>
-              <a:rPr lang="en-US" sz="1200" err="1">
-                <a:solidFill>
-                  <a:srgbClr val="FF669A"/>
-                </a:solidFill>
-              </a:rPr>
-              <a:t>putShip</a:t>
-            </a:r>
-            <a:r>
-              <a:rPr lang="en-US" sz="1200">
-                <a:solidFill>
-                  <a:srgbClr val="FF669A"/>
-                </a:solidFill>
-              </a:rPr>
-              <a:t>()</a:t>
-            </a:r>
-          </a:p>
-        </p:txBody>
-      </p:sp>
-      <p:cxnSp>
-        <p:nvCxnSpPr>
-          <p:cNvPr id="86" name="Curved Connector 85">
-            <a:extLst>
-              <a:ext uri="{FF2B5EF4-FFF2-40B4-BE49-F238E27FC236}">
-                <a16:creationId xmlns:a16="http://schemas.microsoft.com/office/drawing/2014/main" id="{D48B657F-3EAF-B446-9875-52E0C6B99E2E}"/>
-              </a:ext>
-            </a:extLst>
-          </p:cNvPr>
-          <p:cNvCxnSpPr>
-            <a:cxnSpLocks/>
-          </p:cNvCxnSpPr>
-          <p:nvPr/>
-        </p:nvCxnSpPr>
-        <p:spPr>
-          <a:xfrm>
-            <a:off x="8129095" y="3886689"/>
-            <a:ext cx="134988" cy="109955"/>
-          </a:xfrm>
-          <a:prstGeom prst="curvedConnector3">
-            <a:avLst>
-              <a:gd name="adj1" fmla="val 291588"/>
-            </a:avLst>
-          </a:prstGeom>
-          <a:ln>
+              <a:tailEnd type="triangle"/>
+            </a:ln>
+          </p:spPr>
+          <p:style>
+            <a:lnRef idx="1">
+              <a:schemeClr val="accent1"/>
+            </a:lnRef>
+            <a:fillRef idx="0">
+              <a:schemeClr val="accent1"/>
+            </a:fillRef>
+            <a:effectRef idx="0">
+              <a:schemeClr val="accent1"/>
+            </a:effectRef>
+            <a:fontRef idx="minor">
+              <a:schemeClr val="tx1"/>
+            </a:fontRef>
+          </p:style>
+        </p:cxnSp>
+        <p:sp>
+          <p:nvSpPr>
+            <p:cNvPr id="89" name="Rectangle 88">
+              <a:extLst>
+                <a:ext uri="{FF2B5EF4-FFF2-40B4-BE49-F238E27FC236}">
+                  <a16:creationId xmlns:a16="http://schemas.microsoft.com/office/drawing/2014/main" id="{E05EBC68-AC66-8647-8F33-8FC249B498C6}"/>
+                </a:ext>
+              </a:extLst>
+            </p:cNvPr>
+            <p:cNvSpPr/>
+            <p:nvPr/>
+          </p:nvSpPr>
+          <p:spPr>
+            <a:xfrm>
+              <a:off x="8126367" y="3994695"/>
+              <a:ext cx="144508" cy="148227"/>
+            </a:xfrm>
+            <a:prstGeom prst="rect">
+              <a:avLst/>
+            </a:prstGeom>
             <a:solidFill>
               <a:srgbClr val="0070C0"/>
             </a:solidFill>
-            <a:tailEnd type="triangle"/>
-          </a:ln>
-        </p:spPr>
-        <p:style>
-          <a:lnRef idx="1">
-            <a:schemeClr val="accent1"/>
-          </a:lnRef>
-          <a:fillRef idx="0">
-            <a:schemeClr val="accent1"/>
-          </a:fillRef>
-          <a:effectRef idx="0">
-            <a:schemeClr val="accent1"/>
-          </a:effectRef>
-          <a:fontRef idx="minor">
-            <a:schemeClr val="tx1"/>
-          </a:fontRef>
-        </p:style>
-      </p:cxnSp>
-      <p:sp>
-        <p:nvSpPr>
-          <p:cNvPr id="89" name="Rectangle 88">
-            <a:extLst>
-              <a:ext uri="{FF2B5EF4-FFF2-40B4-BE49-F238E27FC236}">
-                <a16:creationId xmlns:a16="http://schemas.microsoft.com/office/drawing/2014/main" id="{E05EBC68-AC66-8647-8F33-8FC249B498C6}"/>
-              </a:ext>
-            </a:extLst>
-          </p:cNvPr>
-          <p:cNvSpPr/>
-          <p:nvPr/>
-        </p:nvSpPr>
-        <p:spPr>
-          <a:xfrm>
-            <a:off x="8126367" y="3994695"/>
-            <a:ext cx="144508" cy="148227"/>
-          </a:xfrm>
-          <a:prstGeom prst="rect">
-            <a:avLst/>
-          </a:prstGeom>
-          <a:solidFill>
-            <a:srgbClr val="0070C0"/>
-          </a:solidFill>
-          <a:ln>
+            <a:ln>
+              <a:solidFill>
+                <a:srgbClr val="0070C0"/>
+              </a:solidFill>
+            </a:ln>
+            <a:effectLst/>
+          </p:spPr>
+          <p:style>
+            <a:lnRef idx="1">
+              <a:schemeClr val="accent3"/>
+            </a:lnRef>
+            <a:fillRef idx="2">
+              <a:schemeClr val="accent3"/>
+            </a:fillRef>
+            <a:effectRef idx="1">
+              <a:schemeClr val="accent3"/>
+            </a:effectRef>
+            <a:fontRef idx="minor">
+              <a:schemeClr val="dk1"/>
+            </a:fontRef>
+          </p:style>
+          <p:txBody>
+            <a:bodyPr rtlCol="0" anchor="ctr"/>
+            <a:lstStyle/>
+            <a:p>
+              <a:pPr algn="ctr"/>
+              <a:endParaRPr lang="en-SG" sz="1400"/>
+            </a:p>
+          </p:txBody>
+        </p:sp>
+        <p:cxnSp>
+          <p:nvCxnSpPr>
+            <p:cNvPr id="91" name="Curved Connector 12">
+              <a:extLst>
+                <a:ext uri="{FF2B5EF4-FFF2-40B4-BE49-F238E27FC236}">
+                  <a16:creationId xmlns:a16="http://schemas.microsoft.com/office/drawing/2014/main" id="{5B157CEF-5BA7-CF4B-A3CE-FB2732095B6A}"/>
+                </a:ext>
+              </a:extLst>
+            </p:cNvPr>
+            <p:cNvCxnSpPr>
+              <a:cxnSpLocks/>
+            </p:cNvCxnSpPr>
+            <p:nvPr/>
+          </p:nvCxnSpPr>
+          <p:spPr>
+            <a:xfrm rot="10800000" flipV="1">
+              <a:off x="8135714" y="4141833"/>
+              <a:ext cx="127009" cy="108247"/>
+            </a:xfrm>
+            <a:prstGeom prst="curvedConnector3">
+              <a:avLst>
+                <a:gd name="adj1" fmla="val -216834"/>
+              </a:avLst>
+            </a:prstGeom>
+            <a:ln>
+              <a:solidFill>
+                <a:srgbClr val="0070C0"/>
+              </a:solidFill>
+              <a:prstDash val="sysDash"/>
+              <a:tailEnd type="triangle"/>
+            </a:ln>
+          </p:spPr>
+          <p:style>
+            <a:lnRef idx="1">
+              <a:schemeClr val="accent1"/>
+            </a:lnRef>
+            <a:fillRef idx="0">
+              <a:schemeClr val="accent1"/>
+            </a:fillRef>
+            <a:effectRef idx="0">
+              <a:schemeClr val="accent1"/>
+            </a:effectRef>
+            <a:fontRef idx="minor">
+              <a:schemeClr val="tx1"/>
+            </a:fontRef>
+          </p:style>
+        </p:cxnSp>
+        <p:sp>
+          <p:nvSpPr>
+            <p:cNvPr id="96" name="TextBox 95">
+              <a:extLst>
+                <a:ext uri="{FF2B5EF4-FFF2-40B4-BE49-F238E27FC236}">
+                  <a16:creationId xmlns:a16="http://schemas.microsoft.com/office/drawing/2014/main" id="{7116BA0D-401B-BB48-AA36-2BEA0D2D75EE}"/>
+                </a:ext>
+              </a:extLst>
+            </p:cNvPr>
+            <p:cNvSpPr txBox="1"/>
+            <p:nvPr/>
+          </p:nvSpPr>
+          <p:spPr>
+            <a:xfrm>
+              <a:off x="8245179" y="3625076"/>
+              <a:ext cx="3916341" cy="184666"/>
+            </a:xfrm>
+            <a:prstGeom prst="rect">
+              <a:avLst/>
+            </a:prstGeom>
+            <a:noFill/>
+            <a:ln>
+              <a:noFill/>
+            </a:ln>
+          </p:spPr>
+          <p:txBody>
+            <a:bodyPr wrap="square" lIns="0" tIns="0" rIns="0" bIns="0" rtlCol="0">
+              <a:spAutoFit/>
+            </a:bodyPr>
+            <a:lstStyle>
+              <a:defPPr>
+                <a:defRPr lang="en-US"/>
+              </a:defPPr>
+              <a:lvl1pPr algn="r">
+                <a:defRPr sz="1400">
+                  <a:solidFill>
+                    <a:srgbClr val="0070C0"/>
+                  </a:solidFill>
+                </a:defRPr>
+              </a:lvl1pPr>
+            </a:lstStyle>
+            <a:p>
+              <a:pPr algn="l"/>
+              <a:r>
+                <a:rPr lang="en-SG" sz="1200" err="1"/>
+                <a:t>setPermissibleStates</a:t>
+              </a:r>
+              <a:r>
+                <a:rPr lang="en-SG" sz="1200"/>
+                <a:t>(&lt;args2&gt;)</a:t>
+              </a:r>
+              <a:endParaRPr lang="en-US" sz="1200" dirty="0"/>
+            </a:p>
+          </p:txBody>
+        </p:sp>
+        <p:cxnSp>
+          <p:nvCxnSpPr>
+            <p:cNvPr id="108" name="Straight Arrow Connector 107">
+              <a:extLst>
+                <a:ext uri="{FF2B5EF4-FFF2-40B4-BE49-F238E27FC236}">
+                  <a16:creationId xmlns:a16="http://schemas.microsoft.com/office/drawing/2014/main" id="{BE9F3097-2270-2F45-85EA-1B8E692C0F6A}"/>
+                </a:ext>
+              </a:extLst>
+            </p:cNvPr>
+            <p:cNvCxnSpPr>
+              <a:cxnSpLocks/>
+            </p:cNvCxnSpPr>
+            <p:nvPr/>
+          </p:nvCxnSpPr>
+          <p:spPr>
+            <a:xfrm>
+              <a:off x="10719664" y="4510542"/>
+              <a:ext cx="1488227" cy="1"/>
+            </a:xfrm>
+            <a:prstGeom prst="straightConnector1">
+              <a:avLst/>
+            </a:prstGeom>
+            <a:ln w="19050">
+              <a:solidFill>
+                <a:schemeClr val="tx1">
+                  <a:lumMod val="65000"/>
+                  <a:lumOff val="35000"/>
+                </a:schemeClr>
+              </a:solidFill>
+              <a:tailEnd type="arrow"/>
+            </a:ln>
+          </p:spPr>
+          <p:style>
+            <a:lnRef idx="1">
+              <a:schemeClr val="accent1"/>
+            </a:lnRef>
+            <a:fillRef idx="0">
+              <a:schemeClr val="accent1"/>
+            </a:fillRef>
+            <a:effectRef idx="0">
+              <a:schemeClr val="accent1"/>
+            </a:effectRef>
+            <a:fontRef idx="minor">
+              <a:schemeClr val="tx1"/>
+            </a:fontRef>
+          </p:style>
+        </p:cxnSp>
+        <p:sp>
+          <p:nvSpPr>
+            <p:cNvPr id="109" name="Rectangle 62">
+              <a:extLst>
+                <a:ext uri="{FF2B5EF4-FFF2-40B4-BE49-F238E27FC236}">
+                  <a16:creationId xmlns:a16="http://schemas.microsoft.com/office/drawing/2014/main" id="{4FB2FC52-F11A-EC4F-8E5B-708069C7F882}"/>
+                </a:ext>
+              </a:extLst>
+            </p:cNvPr>
+            <p:cNvSpPr/>
+            <p:nvPr/>
+          </p:nvSpPr>
+          <p:spPr>
+            <a:xfrm>
+              <a:off x="11507159" y="3681047"/>
+              <a:ext cx="1475876" cy="234000"/>
+            </a:xfrm>
+            <a:prstGeom prst="rect">
+              <a:avLst/>
+            </a:prstGeom>
             <a:solidFill>
-              <a:srgbClr val="0070C0"/>
+              <a:schemeClr val="bg1">
+                <a:lumMod val="75000"/>
+              </a:schemeClr>
             </a:solidFill>
-          </a:ln>
-          <a:effectLst/>
-        </p:spPr>
-        <p:style>
-          <a:lnRef idx="1">
-            <a:schemeClr val="accent3"/>
-          </a:lnRef>
-          <a:fillRef idx="2">
-            <a:schemeClr val="accent3"/>
-          </a:fillRef>
-          <a:effectRef idx="1">
-            <a:schemeClr val="accent3"/>
-          </a:effectRef>
-          <a:fontRef idx="minor">
-            <a:schemeClr val="dk1"/>
-          </a:fontRef>
-        </p:style>
-        <p:txBody>
-          <a:bodyPr rtlCol="0" anchor="ctr"/>
-          <a:lstStyle/>
-          <a:p>
-            <a:pPr algn="ctr"/>
-            <a:endParaRPr lang="en-SG" sz="1400"/>
-          </a:p>
-        </p:txBody>
-      </p:sp>
-      <p:cxnSp>
-        <p:nvCxnSpPr>
-          <p:cNvPr id="91" name="Curved Connector 12">
-            <a:extLst>
-              <a:ext uri="{FF2B5EF4-FFF2-40B4-BE49-F238E27FC236}">
-                <a16:creationId xmlns:a16="http://schemas.microsoft.com/office/drawing/2014/main" id="{5B157CEF-5BA7-CF4B-A3CE-FB2732095B6A}"/>
-              </a:ext>
-            </a:extLst>
-          </p:cNvPr>
-          <p:cNvCxnSpPr>
-            <a:cxnSpLocks/>
-          </p:cNvCxnSpPr>
-          <p:nvPr/>
-        </p:nvCxnSpPr>
-        <p:spPr>
-          <a:xfrm rot="10800000" flipV="1">
-            <a:off x="8135714" y="4141833"/>
-            <a:ext cx="127009" cy="108247"/>
-          </a:xfrm>
-          <a:prstGeom prst="curvedConnector3">
-            <a:avLst>
-              <a:gd name="adj1" fmla="val -216834"/>
-            </a:avLst>
-          </a:prstGeom>
-          <a:ln>
+            <a:ln w="19050">
+              <a:noFill/>
+            </a:ln>
+            <a:effectLst/>
+          </p:spPr>
+          <p:style>
+            <a:lnRef idx="1">
+              <a:schemeClr val="accent2"/>
+            </a:lnRef>
+            <a:fillRef idx="2">
+              <a:schemeClr val="accent2"/>
+            </a:fillRef>
+            <a:effectRef idx="1">
+              <a:schemeClr val="accent2"/>
+            </a:effectRef>
+            <a:fontRef idx="minor">
+              <a:schemeClr val="dk1"/>
+            </a:fontRef>
+          </p:style>
+          <p:txBody>
+            <a:bodyPr rtlCol="0" anchor="ctr"/>
+            <a:lstStyle/>
+            <a:p>
+              <a:pPr algn="ctr"/>
+              <a:r>
+                <a:rPr lang="en-US" sz="1600">
+                  <a:solidFill>
+                    <a:schemeClr val="tx1"/>
+                  </a:solidFill>
+                </a:rPr>
+                <a:t>:Player</a:t>
+              </a:r>
+              <a:endParaRPr lang="en-SG" sz="1600">
+                <a:solidFill>
+                  <a:schemeClr val="tx1"/>
+                </a:solidFill>
+              </a:endParaRPr>
+            </a:p>
+          </p:txBody>
+        </p:sp>
+        <p:cxnSp>
+          <p:nvCxnSpPr>
+            <p:cNvPr id="110" name="Straight Connector 109">
+              <a:extLst>
+                <a:ext uri="{FF2B5EF4-FFF2-40B4-BE49-F238E27FC236}">
+                  <a16:creationId xmlns:a16="http://schemas.microsoft.com/office/drawing/2014/main" id="{A293F128-D958-614C-A5F7-FC3E50E94D9A}"/>
+                </a:ext>
+              </a:extLst>
+            </p:cNvPr>
+            <p:cNvCxnSpPr>
+              <a:cxnSpLocks/>
+              <a:stCxn id="109" idx="2"/>
+            </p:cNvCxnSpPr>
+            <p:nvPr/>
+          </p:nvCxnSpPr>
+          <p:spPr>
+            <a:xfrm>
+              <a:off x="12245097" y="3915047"/>
+              <a:ext cx="0" cy="4934485"/>
+            </a:xfrm>
+            <a:prstGeom prst="line">
+              <a:avLst/>
+            </a:prstGeom>
+            <a:ln w="19050">
+              <a:solidFill>
+                <a:schemeClr val="tx1">
+                  <a:lumMod val="65000"/>
+                  <a:lumOff val="35000"/>
+                </a:schemeClr>
+              </a:solidFill>
+              <a:prstDash val="sysDash"/>
+            </a:ln>
+            <a:effectLst/>
+          </p:spPr>
+          <p:style>
+            <a:lnRef idx="1">
+              <a:schemeClr val="accent1"/>
+            </a:lnRef>
+            <a:fillRef idx="2">
+              <a:schemeClr val="accent1"/>
+            </a:fillRef>
+            <a:effectRef idx="1">
+              <a:schemeClr val="accent1"/>
+            </a:effectRef>
+            <a:fontRef idx="minor">
+              <a:schemeClr val="dk1"/>
+            </a:fontRef>
+          </p:style>
+        </p:cxnSp>
+        <p:cxnSp>
+          <p:nvCxnSpPr>
+            <p:cNvPr id="111" name="Straight Arrow Connector 110">
+              <a:extLst>
+                <a:ext uri="{FF2B5EF4-FFF2-40B4-BE49-F238E27FC236}">
+                  <a16:creationId xmlns:a16="http://schemas.microsoft.com/office/drawing/2014/main" id="{858CF821-8672-6E4E-8C7F-0DAB5864FD33}"/>
+                </a:ext>
+              </a:extLst>
+            </p:cNvPr>
+            <p:cNvCxnSpPr>
+              <a:cxnSpLocks/>
+            </p:cNvCxnSpPr>
+            <p:nvPr/>
+          </p:nvCxnSpPr>
+          <p:spPr>
+            <a:xfrm>
+              <a:off x="10756964" y="4793580"/>
+              <a:ext cx="1450927" cy="0"/>
+            </a:xfrm>
+            <a:prstGeom prst="straightConnector1">
+              <a:avLst/>
+            </a:prstGeom>
+            <a:ln w="19050">
+              <a:solidFill>
+                <a:schemeClr val="tx1">
+                  <a:lumMod val="65000"/>
+                  <a:lumOff val="35000"/>
+                </a:schemeClr>
+              </a:solidFill>
+              <a:prstDash val="sysDash"/>
+              <a:headEnd type="arrow" w="med" len="med"/>
+              <a:tailEnd type="none" w="med" len="med"/>
+            </a:ln>
+          </p:spPr>
+          <p:style>
+            <a:lnRef idx="1">
+              <a:schemeClr val="accent1"/>
+            </a:lnRef>
+            <a:fillRef idx="0">
+              <a:schemeClr val="accent1"/>
+            </a:fillRef>
+            <a:effectRef idx="0">
+              <a:schemeClr val="accent1"/>
+            </a:effectRef>
+            <a:fontRef idx="minor">
+              <a:schemeClr val="tx1"/>
+            </a:fontRef>
+          </p:style>
+        </p:cxnSp>
+        <p:sp>
+          <p:nvSpPr>
+            <p:cNvPr id="113" name="TextBox 112">
+              <a:extLst>
+                <a:ext uri="{FF2B5EF4-FFF2-40B4-BE49-F238E27FC236}">
+                  <a16:creationId xmlns:a16="http://schemas.microsoft.com/office/drawing/2014/main" id="{857BD26F-2867-814C-974D-59D45C1A1B66}"/>
+                </a:ext>
+              </a:extLst>
+            </p:cNvPr>
+            <p:cNvSpPr txBox="1"/>
+            <p:nvPr/>
+          </p:nvSpPr>
+          <p:spPr>
+            <a:xfrm>
+              <a:off x="11042494" y="4273962"/>
+              <a:ext cx="1034931" cy="184666"/>
+            </a:xfrm>
+            <a:prstGeom prst="rect">
+              <a:avLst/>
+            </a:prstGeom>
+            <a:noFill/>
+            <a:ln>
+              <a:noFill/>
+            </a:ln>
+          </p:spPr>
+          <p:txBody>
+            <a:bodyPr wrap="square" lIns="0" tIns="0" rIns="0" bIns="0" rtlCol="0">
+              <a:spAutoFit/>
+            </a:bodyPr>
+            <a:lstStyle>
+              <a:defPPr>
+                <a:defRPr lang="en-US"/>
+              </a:defPPr>
+              <a:lvl1pPr algn="r">
+                <a:defRPr sz="1400">
+                  <a:solidFill>
+                    <a:srgbClr val="0070C0"/>
+                  </a:solidFill>
+                </a:defRPr>
+              </a:lvl1pPr>
+            </a:lstStyle>
+            <a:p>
+              <a:r>
+                <a:rPr lang="en-US" sz="1200" err="1">
+                  <a:solidFill>
+                    <a:schemeClr val="tx1">
+                      <a:lumMod val="65000"/>
+                      <a:lumOff val="35000"/>
+                    </a:schemeClr>
+                  </a:solidFill>
+                </a:rPr>
+                <a:t>getMapGrid</a:t>
+              </a:r>
+              <a:r>
+                <a:rPr lang="en-US" sz="1200">
+                  <a:solidFill>
+                    <a:schemeClr val="tx1">
+                      <a:lumMod val="65000"/>
+                      <a:lumOff val="35000"/>
+                    </a:schemeClr>
+                  </a:solidFill>
+                </a:rPr>
+                <a:t>()</a:t>
+              </a:r>
+            </a:p>
+          </p:txBody>
+        </p:sp>
+        <p:sp>
+          <p:nvSpPr>
+            <p:cNvPr id="114" name="TextBox 113">
+              <a:extLst>
+                <a:ext uri="{FF2B5EF4-FFF2-40B4-BE49-F238E27FC236}">
+                  <a16:creationId xmlns:a16="http://schemas.microsoft.com/office/drawing/2014/main" id="{83D70EFD-DD1D-7840-A8AC-E757C8277B7A}"/>
+                </a:ext>
+              </a:extLst>
+            </p:cNvPr>
+            <p:cNvSpPr txBox="1"/>
+            <p:nvPr/>
+          </p:nvSpPr>
+          <p:spPr>
+            <a:xfrm>
+              <a:off x="10884554" y="4594863"/>
+              <a:ext cx="1175496" cy="184666"/>
+            </a:xfrm>
+            <a:prstGeom prst="rect">
+              <a:avLst/>
+            </a:prstGeom>
+            <a:noFill/>
+            <a:ln>
+              <a:noFill/>
+            </a:ln>
+          </p:spPr>
+          <p:txBody>
+            <a:bodyPr wrap="square" lIns="0" tIns="0" rIns="0" bIns="0" rtlCol="0">
+              <a:spAutoFit/>
+            </a:bodyPr>
+            <a:lstStyle>
+              <a:defPPr>
+                <a:defRPr lang="en-US"/>
+              </a:defPPr>
+              <a:lvl1pPr algn="r">
+                <a:defRPr sz="1400">
+                  <a:solidFill>
+                    <a:srgbClr val="0070C0"/>
+                  </a:solidFill>
+                </a:defRPr>
+              </a:lvl1pPr>
+            </a:lstStyle>
+            <a:p>
+              <a:r>
+                <a:rPr lang="en-US" sz="1200" err="1">
+                  <a:solidFill>
+                    <a:schemeClr val="tx1">
+                      <a:lumMod val="65000"/>
+                      <a:lumOff val="35000"/>
+                    </a:schemeClr>
+                  </a:solidFill>
+                </a:rPr>
+                <a:t>mapGrid</a:t>
+              </a:r>
+              <a:endParaRPr lang="en-US" sz="1100">
+                <a:solidFill>
+                  <a:schemeClr val="tx1">
+                    <a:lumMod val="65000"/>
+                    <a:lumOff val="35000"/>
+                  </a:schemeClr>
+                </a:solidFill>
+              </a:endParaRPr>
+            </a:p>
+          </p:txBody>
+        </p:sp>
+        <p:sp>
+          <p:nvSpPr>
+            <p:cNvPr id="125" name="Rectangle 62">
+              <a:extLst>
+                <a:ext uri="{FF2B5EF4-FFF2-40B4-BE49-F238E27FC236}">
+                  <a16:creationId xmlns:a16="http://schemas.microsoft.com/office/drawing/2014/main" id="{0052FA36-EB73-944D-BA3B-5307FECE2B92}"/>
+                </a:ext>
+              </a:extLst>
+            </p:cNvPr>
+            <p:cNvSpPr/>
+            <p:nvPr/>
+          </p:nvSpPr>
+          <p:spPr>
+            <a:xfrm>
+              <a:off x="12791599" y="5312547"/>
+              <a:ext cx="1779662" cy="608671"/>
+            </a:xfrm>
+            <a:prstGeom prst="rect">
+              <a:avLst/>
+            </a:prstGeom>
             <a:solidFill>
-              <a:srgbClr val="0070C0"/>
+              <a:srgbClr val="7030A0"/>
             </a:solidFill>
-            <a:prstDash val="sysDash"/>
-            <a:tailEnd type="triangle"/>
-          </a:ln>
-        </p:spPr>
-        <p:style>
-          <a:lnRef idx="1">
-            <a:schemeClr val="accent1"/>
-          </a:lnRef>
-          <a:fillRef idx="0">
-            <a:schemeClr val="accent1"/>
-          </a:fillRef>
-          <a:effectRef idx="0">
-            <a:schemeClr val="accent1"/>
-          </a:effectRef>
-          <a:fontRef idx="minor">
-            <a:schemeClr val="tx1"/>
-          </a:fontRef>
-        </p:style>
-      </p:cxnSp>
-      <p:sp>
-        <p:nvSpPr>
-          <p:cNvPr id="96" name="TextBox 95">
-            <a:extLst>
-              <a:ext uri="{FF2B5EF4-FFF2-40B4-BE49-F238E27FC236}">
-                <a16:creationId xmlns:a16="http://schemas.microsoft.com/office/drawing/2014/main" id="{7116BA0D-401B-BB48-AA36-2BEA0D2D75EE}"/>
-              </a:ext>
-            </a:extLst>
-          </p:cNvPr>
-          <p:cNvSpPr txBox="1"/>
-          <p:nvPr/>
-        </p:nvSpPr>
-        <p:spPr>
-          <a:xfrm>
-            <a:off x="8245179" y="3625076"/>
-            <a:ext cx="3916341" cy="184666"/>
-          </a:xfrm>
-          <a:prstGeom prst="rect">
-            <a:avLst/>
-          </a:prstGeom>
-          <a:noFill/>
-          <a:ln>
+            <a:ln w="19050">
+              <a:solidFill>
+                <a:srgbClr val="7030A0"/>
+              </a:solidFill>
+            </a:ln>
+            <a:effectLst/>
+          </p:spPr>
+          <p:style>
+            <a:lnRef idx="1">
+              <a:schemeClr val="accent2"/>
+            </a:lnRef>
+            <a:fillRef idx="2">
+              <a:schemeClr val="accent2"/>
+            </a:fillRef>
+            <a:effectRef idx="1">
+              <a:schemeClr val="accent2"/>
+            </a:effectRef>
+            <a:fontRef idx="minor">
+              <a:schemeClr val="dk1"/>
+            </a:fontRef>
+          </p:style>
+          <p:txBody>
+            <a:bodyPr rtlCol="0" anchor="ctr"/>
+            <a:lstStyle/>
+            <a:p>
+              <a:pPr algn="ctr"/>
+              <a:r>
+                <a:rPr lang="en-US" sz="1600">
+                  <a:solidFill>
+                    <a:schemeClr val="bg1"/>
+                  </a:solidFill>
+                </a:rPr>
+                <a:t>:</a:t>
+              </a:r>
+              <a:r>
+                <a:rPr lang="en-US" sz="1600" err="1">
+                  <a:solidFill>
+                    <a:schemeClr val="bg1"/>
+                  </a:solidFill>
+                </a:rPr>
+                <a:t>BoundaryValue</a:t>
+              </a:r>
+              <a:endParaRPr lang="en-US" sz="1600">
+                <a:solidFill>
+                  <a:schemeClr val="bg1"/>
+                </a:solidFill>
+              </a:endParaRPr>
+            </a:p>
+            <a:p>
+              <a:pPr algn="ctr"/>
+              <a:r>
+                <a:rPr lang="en-US" sz="1600">
+                  <a:solidFill>
+                    <a:schemeClr val="bg1"/>
+                  </a:solidFill>
+                </a:rPr>
+                <a:t>Checker</a:t>
+              </a:r>
+              <a:endParaRPr lang="en-SG" sz="1600">
+                <a:solidFill>
+                  <a:schemeClr val="bg1"/>
+                </a:solidFill>
+              </a:endParaRPr>
+            </a:p>
+          </p:txBody>
+        </p:sp>
+        <p:cxnSp>
+          <p:nvCxnSpPr>
+            <p:cNvPr id="126" name="Straight Connector 125">
+              <a:extLst>
+                <a:ext uri="{FF2B5EF4-FFF2-40B4-BE49-F238E27FC236}">
+                  <a16:creationId xmlns:a16="http://schemas.microsoft.com/office/drawing/2014/main" id="{2AEE2C3D-45B3-184E-BE18-04118DE90F96}"/>
+                </a:ext>
+              </a:extLst>
+            </p:cNvPr>
+            <p:cNvCxnSpPr>
+              <a:cxnSpLocks/>
+              <a:stCxn id="95" idx="2"/>
+            </p:cNvCxnSpPr>
+            <p:nvPr/>
+          </p:nvCxnSpPr>
+          <p:spPr>
+            <a:xfrm>
+              <a:off x="13663423" y="6082145"/>
+              <a:ext cx="0" cy="2813882"/>
+            </a:xfrm>
+            <a:prstGeom prst="line">
+              <a:avLst/>
+            </a:prstGeom>
+            <a:ln w="19050">
+              <a:solidFill>
+                <a:srgbClr val="7030A0"/>
+              </a:solidFill>
+              <a:prstDash val="sysDash"/>
+            </a:ln>
+            <a:effectLst/>
+          </p:spPr>
+          <p:style>
+            <a:lnRef idx="1">
+              <a:schemeClr val="accent1"/>
+            </a:lnRef>
+            <a:fillRef idx="2">
+              <a:schemeClr val="accent1"/>
+            </a:fillRef>
+            <a:effectRef idx="1">
+              <a:schemeClr val="accent1"/>
+            </a:effectRef>
+            <a:fontRef idx="minor">
+              <a:schemeClr val="dk1"/>
+            </a:fontRef>
+          </p:style>
+        </p:cxnSp>
+        <p:sp>
+          <p:nvSpPr>
+            <p:cNvPr id="127" name="Rectangle 126">
+              <a:extLst>
+                <a:ext uri="{FF2B5EF4-FFF2-40B4-BE49-F238E27FC236}">
+                  <a16:creationId xmlns:a16="http://schemas.microsoft.com/office/drawing/2014/main" id="{2243260F-8774-CA4F-8E4C-CECCED57EB89}"/>
+                </a:ext>
+              </a:extLst>
+            </p:cNvPr>
+            <p:cNvSpPr/>
+            <p:nvPr/>
+          </p:nvSpPr>
+          <p:spPr>
+            <a:xfrm>
+              <a:off x="13578975" y="6175015"/>
+              <a:ext cx="168896" cy="521349"/>
+            </a:xfrm>
+            <a:prstGeom prst="rect">
+              <a:avLst/>
+            </a:prstGeom>
+            <a:solidFill>
+              <a:srgbClr val="7030A0"/>
+            </a:solidFill>
+            <a:ln>
+              <a:solidFill>
+                <a:srgbClr val="7030A0"/>
+              </a:solidFill>
+            </a:ln>
+            <a:effectLst/>
+          </p:spPr>
+          <p:style>
+            <a:lnRef idx="1">
+              <a:schemeClr val="accent3"/>
+            </a:lnRef>
+            <a:fillRef idx="2">
+              <a:schemeClr val="accent3"/>
+            </a:fillRef>
+            <a:effectRef idx="1">
+              <a:schemeClr val="accent3"/>
+            </a:effectRef>
+            <a:fontRef idx="minor">
+              <a:schemeClr val="dk1"/>
+            </a:fontRef>
+          </p:style>
+          <p:txBody>
+            <a:bodyPr rtlCol="0" anchor="ctr"/>
+            <a:lstStyle/>
+            <a:p>
+              <a:pPr algn="ctr"/>
+              <a:endParaRPr lang="en-SG" sz="1400"/>
+            </a:p>
+          </p:txBody>
+        </p:sp>
+        <p:cxnSp>
+          <p:nvCxnSpPr>
+            <p:cNvPr id="128" name="Straight Arrow Connector 127">
+              <a:extLst>
+                <a:ext uri="{FF2B5EF4-FFF2-40B4-BE49-F238E27FC236}">
+                  <a16:creationId xmlns:a16="http://schemas.microsoft.com/office/drawing/2014/main" id="{D1137AEB-64B8-754D-8A0B-75112F89BB07}"/>
+                </a:ext>
+              </a:extLst>
+            </p:cNvPr>
+            <p:cNvCxnSpPr>
+              <a:cxnSpLocks/>
+            </p:cNvCxnSpPr>
+            <p:nvPr/>
+          </p:nvCxnSpPr>
+          <p:spPr>
+            <a:xfrm>
+              <a:off x="8137204" y="6185782"/>
+              <a:ext cx="5441772" cy="0"/>
+            </a:xfrm>
+            <a:prstGeom prst="straightConnector1">
+              <a:avLst/>
+            </a:prstGeom>
+            <a:ln w="19050">
+              <a:solidFill>
+                <a:srgbClr val="7030A0"/>
+              </a:solidFill>
+              <a:tailEnd type="arrow"/>
+            </a:ln>
+          </p:spPr>
+          <p:style>
+            <a:lnRef idx="1">
+              <a:schemeClr val="accent1"/>
+            </a:lnRef>
+            <a:fillRef idx="0">
+              <a:schemeClr val="accent1"/>
+            </a:fillRef>
+            <a:effectRef idx="0">
+              <a:schemeClr val="accent1"/>
+            </a:effectRef>
+            <a:fontRef idx="minor">
+              <a:schemeClr val="tx1"/>
+            </a:fontRef>
+          </p:style>
+        </p:cxnSp>
+        <p:sp>
+          <p:nvSpPr>
+            <p:cNvPr id="129" name="TextBox 128">
+              <a:extLst>
+                <a:ext uri="{FF2B5EF4-FFF2-40B4-BE49-F238E27FC236}">
+                  <a16:creationId xmlns:a16="http://schemas.microsoft.com/office/drawing/2014/main" id="{EB53C533-2CE1-7B44-B107-9E83FD5632F9}"/>
+                </a:ext>
+              </a:extLst>
+            </p:cNvPr>
+            <p:cNvSpPr txBox="1"/>
+            <p:nvPr/>
+          </p:nvSpPr>
+          <p:spPr>
+            <a:xfrm>
+              <a:off x="14053335" y="6010269"/>
+              <a:ext cx="1157705" cy="184666"/>
+            </a:xfrm>
+            <a:prstGeom prst="rect">
+              <a:avLst/>
+            </a:prstGeom>
             <a:noFill/>
-          </a:ln>
-        </p:spPr>
-        <p:txBody>
-          <a:bodyPr wrap="square" lIns="0" tIns="0" rIns="0" bIns="0" rtlCol="0">
-            <a:spAutoFit/>
-          </a:bodyPr>
-          <a:lstStyle>
-            <a:defPPr>
-              <a:defRPr lang="en-US"/>
-            </a:defPPr>
-            <a:lvl1pPr algn="r">
-              <a:defRPr sz="1400">
+            <a:ln>
+              <a:noFill/>
+            </a:ln>
+          </p:spPr>
+          <p:txBody>
+            <a:bodyPr wrap="square" lIns="0" tIns="0" rIns="0" bIns="0" rtlCol="0">
+              <a:spAutoFit/>
+            </a:bodyPr>
+            <a:lstStyle>
+              <a:defPPr>
+                <a:defRPr lang="en-US"/>
+              </a:defPPr>
+              <a:lvl1pPr algn="r">
+                <a:defRPr sz="1400">
+                  <a:solidFill>
+                    <a:srgbClr val="0070C0"/>
+                  </a:solidFill>
+                </a:defRPr>
+              </a:lvl1pPr>
+            </a:lstStyle>
+            <a:p>
+              <a:r>
+                <a:rPr lang="en-US" sz="1200" err="1">
+                  <a:solidFill>
+                    <a:srgbClr val="7030A0"/>
+                  </a:solidFill>
+                </a:rPr>
+                <a:t>performChecks</a:t>
+              </a:r>
+              <a:r>
+                <a:rPr lang="en-US" sz="1200">
+                  <a:solidFill>
+                    <a:schemeClr val="accent4">
+                      <a:lumMod val="75000"/>
+                    </a:schemeClr>
+                  </a:solidFill>
+                </a:rPr>
+                <a:t>()</a:t>
+              </a:r>
+            </a:p>
+          </p:txBody>
+        </p:sp>
+        <p:cxnSp>
+          <p:nvCxnSpPr>
+            <p:cNvPr id="130" name="Curved Connector 129">
+              <a:extLst>
+                <a:ext uri="{FF2B5EF4-FFF2-40B4-BE49-F238E27FC236}">
+                  <a16:creationId xmlns:a16="http://schemas.microsoft.com/office/drawing/2014/main" id="{946C639C-F5BC-7E4B-A4ED-3FDA2D73A9D4}"/>
+                </a:ext>
+              </a:extLst>
+            </p:cNvPr>
+            <p:cNvCxnSpPr>
+              <a:cxnSpLocks/>
+            </p:cNvCxnSpPr>
+            <p:nvPr/>
+          </p:nvCxnSpPr>
+          <p:spPr>
+            <a:xfrm>
+              <a:off x="13747675" y="6207010"/>
+              <a:ext cx="134988" cy="109955"/>
+            </a:xfrm>
+            <a:prstGeom prst="curvedConnector3">
+              <a:avLst>
+                <a:gd name="adj1" fmla="val 291588"/>
+              </a:avLst>
+            </a:prstGeom>
+            <a:ln>
+              <a:solidFill>
+                <a:srgbClr val="7030A0"/>
+              </a:solidFill>
+              <a:tailEnd type="triangle"/>
+            </a:ln>
+          </p:spPr>
+          <p:style>
+            <a:lnRef idx="1">
+              <a:schemeClr val="accent1"/>
+            </a:lnRef>
+            <a:fillRef idx="0">
+              <a:schemeClr val="accent1"/>
+            </a:fillRef>
+            <a:effectRef idx="0">
+              <a:schemeClr val="accent1"/>
+            </a:effectRef>
+            <a:fontRef idx="minor">
+              <a:schemeClr val="tx1"/>
+            </a:fontRef>
+          </p:style>
+        </p:cxnSp>
+        <p:sp>
+          <p:nvSpPr>
+            <p:cNvPr id="131" name="Rectangle 130">
+              <a:extLst>
+                <a:ext uri="{FF2B5EF4-FFF2-40B4-BE49-F238E27FC236}">
+                  <a16:creationId xmlns:a16="http://schemas.microsoft.com/office/drawing/2014/main" id="{E7488C15-06A6-0249-AE49-1C8B0973CEAB}"/>
+                </a:ext>
+              </a:extLst>
+            </p:cNvPr>
+            <p:cNvSpPr/>
+            <p:nvPr/>
+          </p:nvSpPr>
+          <p:spPr>
+            <a:xfrm>
+              <a:off x="13744947" y="6318691"/>
+              <a:ext cx="141008" cy="222295"/>
+            </a:xfrm>
+            <a:prstGeom prst="rect">
+              <a:avLst/>
+            </a:prstGeom>
+            <a:solidFill>
+              <a:srgbClr val="7030A0"/>
+            </a:solidFill>
+            <a:ln>
+              <a:solidFill>
+                <a:srgbClr val="7030A0"/>
+              </a:solidFill>
+            </a:ln>
+            <a:effectLst/>
+          </p:spPr>
+          <p:style>
+            <a:lnRef idx="1">
+              <a:schemeClr val="accent3"/>
+            </a:lnRef>
+            <a:fillRef idx="2">
+              <a:schemeClr val="accent3"/>
+            </a:fillRef>
+            <a:effectRef idx="1">
+              <a:schemeClr val="accent3"/>
+            </a:effectRef>
+            <a:fontRef idx="minor">
+              <a:schemeClr val="dk1"/>
+            </a:fontRef>
+          </p:style>
+          <p:txBody>
+            <a:bodyPr rtlCol="0" anchor="ctr"/>
+            <a:lstStyle/>
+            <a:p>
+              <a:pPr algn="ctr"/>
+              <a:endParaRPr lang="en-SG" sz="1400"/>
+            </a:p>
+          </p:txBody>
+        </p:sp>
+        <p:cxnSp>
+          <p:nvCxnSpPr>
+            <p:cNvPr id="132" name="Curved Connector 12">
+              <a:extLst>
+                <a:ext uri="{FF2B5EF4-FFF2-40B4-BE49-F238E27FC236}">
+                  <a16:creationId xmlns:a16="http://schemas.microsoft.com/office/drawing/2014/main" id="{2D68D060-E27A-A34B-AE84-C8DE578BC9EE}"/>
+                </a:ext>
+              </a:extLst>
+            </p:cNvPr>
+            <p:cNvCxnSpPr>
+              <a:cxnSpLocks/>
+            </p:cNvCxnSpPr>
+            <p:nvPr/>
+          </p:nvCxnSpPr>
+          <p:spPr>
+            <a:xfrm rot="10800000" flipV="1">
+              <a:off x="13747877" y="6538639"/>
+              <a:ext cx="127009" cy="108247"/>
+            </a:xfrm>
+            <a:prstGeom prst="curvedConnector3">
+              <a:avLst>
+                <a:gd name="adj1" fmla="val -216834"/>
+              </a:avLst>
+            </a:prstGeom>
+            <a:ln>
+              <a:solidFill>
+                <a:srgbClr val="7030A0"/>
+              </a:solidFill>
+              <a:prstDash val="sysDash"/>
+              <a:tailEnd type="triangle"/>
+            </a:ln>
+          </p:spPr>
+          <p:style>
+            <a:lnRef idx="1">
+              <a:schemeClr val="accent1"/>
+            </a:lnRef>
+            <a:fillRef idx="0">
+              <a:schemeClr val="accent1"/>
+            </a:fillRef>
+            <a:effectRef idx="0">
+              <a:schemeClr val="accent1"/>
+            </a:effectRef>
+            <a:fontRef idx="minor">
+              <a:schemeClr val="tx1"/>
+            </a:fontRef>
+          </p:style>
+        </p:cxnSp>
+        <p:cxnSp>
+          <p:nvCxnSpPr>
+            <p:cNvPr id="133" name="Straight Arrow Connector 132">
+              <a:extLst>
+                <a:ext uri="{FF2B5EF4-FFF2-40B4-BE49-F238E27FC236}">
+                  <a16:creationId xmlns:a16="http://schemas.microsoft.com/office/drawing/2014/main" id="{3756951D-16F6-A741-B2B8-5ED367B10648}"/>
+                </a:ext>
+              </a:extLst>
+            </p:cNvPr>
+            <p:cNvCxnSpPr>
+              <a:cxnSpLocks/>
+            </p:cNvCxnSpPr>
+            <p:nvPr/>
+          </p:nvCxnSpPr>
+          <p:spPr>
+            <a:xfrm>
+              <a:off x="8142514" y="6693239"/>
+              <a:ext cx="5442270" cy="0"/>
+            </a:xfrm>
+            <a:prstGeom prst="straightConnector1">
+              <a:avLst/>
+            </a:prstGeom>
+            <a:ln w="19050">
+              <a:solidFill>
+                <a:srgbClr val="7030A0"/>
+              </a:solidFill>
+              <a:prstDash val="sysDash"/>
+              <a:headEnd type="arrow" w="med" len="med"/>
+              <a:tailEnd type="none" w="med" len="med"/>
+            </a:ln>
+          </p:spPr>
+          <p:style>
+            <a:lnRef idx="1">
+              <a:schemeClr val="accent1"/>
+            </a:lnRef>
+            <a:fillRef idx="0">
+              <a:schemeClr val="accent1"/>
+            </a:fillRef>
+            <a:effectRef idx="0">
+              <a:schemeClr val="accent1"/>
+            </a:effectRef>
+            <a:fontRef idx="minor">
+              <a:schemeClr val="tx1"/>
+            </a:fontRef>
+          </p:style>
+        </p:cxnSp>
+        <p:cxnSp>
+          <p:nvCxnSpPr>
+            <p:cNvPr id="136" name="Curved Connector 135">
+              <a:extLst>
+                <a:ext uri="{FF2B5EF4-FFF2-40B4-BE49-F238E27FC236}">
+                  <a16:creationId xmlns:a16="http://schemas.microsoft.com/office/drawing/2014/main" id="{81427CCB-F929-F546-8126-E943C6324BE5}"/>
+                </a:ext>
+              </a:extLst>
+            </p:cNvPr>
+            <p:cNvCxnSpPr>
+              <a:cxnSpLocks/>
+            </p:cNvCxnSpPr>
+            <p:nvPr/>
+          </p:nvCxnSpPr>
+          <p:spPr>
+            <a:xfrm>
+              <a:off x="10750476" y="7283738"/>
+              <a:ext cx="134988" cy="109955"/>
+            </a:xfrm>
+            <a:prstGeom prst="curvedConnector3">
+              <a:avLst>
+                <a:gd name="adj1" fmla="val 291588"/>
+              </a:avLst>
+            </a:prstGeom>
+            <a:ln>
+              <a:solidFill>
+                <a:srgbClr val="7030A0"/>
+              </a:solidFill>
+              <a:tailEnd type="triangle"/>
+            </a:ln>
+          </p:spPr>
+          <p:style>
+            <a:lnRef idx="1">
+              <a:schemeClr val="accent1"/>
+            </a:lnRef>
+            <a:fillRef idx="0">
+              <a:schemeClr val="accent1"/>
+            </a:fillRef>
+            <a:effectRef idx="0">
+              <a:schemeClr val="accent1"/>
+            </a:effectRef>
+            <a:fontRef idx="minor">
+              <a:schemeClr val="tx1"/>
+            </a:fontRef>
+          </p:style>
+        </p:cxnSp>
+        <p:sp>
+          <p:nvSpPr>
+            <p:cNvPr id="137" name="Rectangle 136">
+              <a:extLst>
+                <a:ext uri="{FF2B5EF4-FFF2-40B4-BE49-F238E27FC236}">
+                  <a16:creationId xmlns:a16="http://schemas.microsoft.com/office/drawing/2014/main" id="{1141CCBC-E8C2-F044-92E1-C8DBCACCA949}"/>
+                </a:ext>
+              </a:extLst>
+            </p:cNvPr>
+            <p:cNvSpPr/>
+            <p:nvPr/>
+          </p:nvSpPr>
+          <p:spPr>
+            <a:xfrm>
+              <a:off x="10747748" y="7391740"/>
+              <a:ext cx="148050" cy="176924"/>
+            </a:xfrm>
+            <a:prstGeom prst="rect">
+              <a:avLst/>
+            </a:prstGeom>
+            <a:solidFill>
+              <a:srgbClr val="7030A0"/>
+            </a:solidFill>
+            <a:ln>
+              <a:solidFill>
+                <a:srgbClr val="7030A0"/>
+              </a:solidFill>
+            </a:ln>
+            <a:effectLst/>
+          </p:spPr>
+          <p:style>
+            <a:lnRef idx="1">
+              <a:schemeClr val="accent3"/>
+            </a:lnRef>
+            <a:fillRef idx="2">
+              <a:schemeClr val="accent3"/>
+            </a:fillRef>
+            <a:effectRef idx="1">
+              <a:schemeClr val="accent3"/>
+            </a:effectRef>
+            <a:fontRef idx="minor">
+              <a:schemeClr val="dk1"/>
+            </a:fontRef>
+          </p:style>
+          <p:txBody>
+            <a:bodyPr rtlCol="0" anchor="ctr"/>
+            <a:lstStyle/>
+            <a:p>
+              <a:pPr algn="ctr"/>
+              <a:endParaRPr lang="en-SG" sz="1400"/>
+            </a:p>
+          </p:txBody>
+        </p:sp>
+        <p:cxnSp>
+          <p:nvCxnSpPr>
+            <p:cNvPr id="138" name="Curved Connector 12">
+              <a:extLst>
+                <a:ext uri="{FF2B5EF4-FFF2-40B4-BE49-F238E27FC236}">
+                  <a16:creationId xmlns:a16="http://schemas.microsoft.com/office/drawing/2014/main" id="{3F6C7E5D-AC1F-DE4E-90C9-C82EDBAC54D4}"/>
+                </a:ext>
+              </a:extLst>
+            </p:cNvPr>
+            <p:cNvCxnSpPr>
+              <a:cxnSpLocks/>
+            </p:cNvCxnSpPr>
+            <p:nvPr/>
+          </p:nvCxnSpPr>
+          <p:spPr>
+            <a:xfrm rot="10800000" flipV="1">
+              <a:off x="10755491" y="7569361"/>
+              <a:ext cx="127009" cy="108247"/>
+            </a:xfrm>
+            <a:prstGeom prst="curvedConnector3">
+              <a:avLst>
+                <a:gd name="adj1" fmla="val -216834"/>
+              </a:avLst>
+            </a:prstGeom>
+            <a:ln>
+              <a:solidFill>
+                <a:srgbClr val="7030A0"/>
+              </a:solidFill>
+              <a:prstDash val="sysDash"/>
+              <a:tailEnd type="triangle"/>
+            </a:ln>
+          </p:spPr>
+          <p:style>
+            <a:lnRef idx="1">
+              <a:schemeClr val="accent1"/>
+            </a:lnRef>
+            <a:fillRef idx="0">
+              <a:schemeClr val="accent1"/>
+            </a:fillRef>
+            <a:effectRef idx="0">
+              <a:schemeClr val="accent1"/>
+            </a:effectRef>
+            <a:fontRef idx="minor">
+              <a:schemeClr val="tx1"/>
+            </a:fontRef>
+          </p:style>
+        </p:cxnSp>
+        <p:sp>
+          <p:nvSpPr>
+            <p:cNvPr id="139" name="TextBox 138">
+              <a:extLst>
+                <a:ext uri="{FF2B5EF4-FFF2-40B4-BE49-F238E27FC236}">
+                  <a16:creationId xmlns:a16="http://schemas.microsoft.com/office/drawing/2014/main" id="{7A58218F-A38C-3546-B5AD-6F257569221C}"/>
+                </a:ext>
+              </a:extLst>
+            </p:cNvPr>
+            <p:cNvSpPr txBox="1"/>
+            <p:nvPr/>
+          </p:nvSpPr>
+          <p:spPr>
+            <a:xfrm>
+              <a:off x="6473645" y="7077438"/>
+              <a:ext cx="3602605" cy="184666"/>
+            </a:xfrm>
+            <a:prstGeom prst="rect">
+              <a:avLst/>
+            </a:prstGeom>
+            <a:noFill/>
+            <a:ln>
+              <a:noFill/>
+            </a:ln>
+          </p:spPr>
+          <p:txBody>
+            <a:bodyPr wrap="square" lIns="0" tIns="0" rIns="0" bIns="0" rtlCol="0">
+              <a:spAutoFit/>
+            </a:bodyPr>
+            <a:lstStyle>
+              <a:defPPr>
+                <a:defRPr lang="en-US"/>
+              </a:defPPr>
+              <a:lvl1pPr algn="r">
+                <a:defRPr sz="1400">
+                  <a:solidFill>
+                    <a:srgbClr val="0070C0"/>
+                  </a:solidFill>
+                </a:defRPr>
+              </a:lvl1pPr>
+            </a:lstStyle>
+            <a:p>
+              <a:r>
+                <a:rPr lang="en-US" sz="1200" err="1">
+                  <a:solidFill>
+                    <a:srgbClr val="7030A0"/>
+                  </a:solidFill>
+                </a:rPr>
+                <a:t>deployBattleship</a:t>
+              </a:r>
+              <a:r>
+                <a:rPr lang="en-US" sz="1200">
+                  <a:solidFill>
+                    <a:srgbClr val="7030A0"/>
+                  </a:solidFill>
+                </a:rPr>
+                <a:t>(bs, cs, ot)</a:t>
+              </a:r>
+              <a:endParaRPr lang="en-US" sz="1200">
                 <a:solidFill>
-                  <a:srgbClr val="0070C0"/>
+                  <a:schemeClr val="accent4">
+                    <a:lumMod val="75000"/>
+                  </a:schemeClr>
                 </a:solidFill>
-              </a:defRPr>
-            </a:lvl1pPr>
-          </a:lstStyle>
-          <a:p>
-            <a:pPr algn="l"/>
-            <a:r>
-              <a:rPr lang="en-SG" sz="1200" err="1"/>
-              <a:t>setPermissibleStates</a:t>
-            </a:r>
-            <a:r>
-              <a:rPr lang="en-SG" sz="1200"/>
-              <a:t>(&lt;args2&gt;)</a:t>
-            </a:r>
-            <a:endParaRPr lang="en-US" sz="1200" dirty="0"/>
-          </a:p>
-        </p:txBody>
-      </p:sp>
-      <p:cxnSp>
-        <p:nvCxnSpPr>
-          <p:cNvPr id="108" name="Straight Arrow Connector 107">
-            <a:extLst>
-              <a:ext uri="{FF2B5EF4-FFF2-40B4-BE49-F238E27FC236}">
-                <a16:creationId xmlns:a16="http://schemas.microsoft.com/office/drawing/2014/main" id="{BE9F3097-2270-2F45-85EA-1B8E692C0F6A}"/>
-              </a:ext>
-            </a:extLst>
-          </p:cNvPr>
-          <p:cNvCxnSpPr>
-            <a:cxnSpLocks/>
-          </p:cNvCxnSpPr>
-          <p:nvPr/>
-        </p:nvCxnSpPr>
-        <p:spPr>
-          <a:xfrm>
-            <a:off x="10719664" y="4510542"/>
-            <a:ext cx="1488227" cy="1"/>
-          </a:xfrm>
-          <a:prstGeom prst="straightConnector1">
-            <a:avLst/>
-          </a:prstGeom>
-          <a:ln w="19050">
+              </a:endParaRPr>
+            </a:p>
+          </p:txBody>
+        </p:sp>
+        <p:sp>
+          <p:nvSpPr>
+            <p:cNvPr id="140" name="Rectangle 139">
+              <a:extLst>
+                <a:ext uri="{FF2B5EF4-FFF2-40B4-BE49-F238E27FC236}">
+                  <a16:creationId xmlns:a16="http://schemas.microsoft.com/office/drawing/2014/main" id="{A72C36BA-2675-E243-B18E-532FAF184C51}"/>
+                </a:ext>
+              </a:extLst>
+            </p:cNvPr>
+            <p:cNvSpPr/>
+            <p:nvPr/>
+          </p:nvSpPr>
+          <p:spPr>
+            <a:xfrm>
+              <a:off x="12188829" y="4496809"/>
+              <a:ext cx="129933" cy="299071"/>
+            </a:xfrm>
+            <a:prstGeom prst="rect">
+              <a:avLst/>
+            </a:prstGeom>
             <a:solidFill>
               <a:schemeClr val="tx1">
                 <a:lumMod val="65000"/>
                 <a:lumOff val="35000"/>
               </a:schemeClr>
             </a:solidFill>
-            <a:tailEnd type="arrow"/>
-          </a:ln>
-        </p:spPr>
-        <p:style>
-          <a:lnRef idx="1">
-            <a:schemeClr val="accent1"/>
-          </a:lnRef>
-          <a:fillRef idx="0">
-            <a:schemeClr val="accent1"/>
-          </a:fillRef>
-          <a:effectRef idx="0">
-            <a:schemeClr val="accent1"/>
-          </a:effectRef>
-          <a:fontRef idx="minor">
-            <a:schemeClr val="tx1"/>
-          </a:fontRef>
-        </p:style>
-      </p:cxnSp>
-      <p:sp>
-        <p:nvSpPr>
-          <p:cNvPr id="109" name="Rectangle 62">
-            <a:extLst>
-              <a:ext uri="{FF2B5EF4-FFF2-40B4-BE49-F238E27FC236}">
-                <a16:creationId xmlns:a16="http://schemas.microsoft.com/office/drawing/2014/main" id="{4FB2FC52-F11A-EC4F-8E5B-708069C7F882}"/>
-              </a:ext>
-            </a:extLst>
-          </p:cNvPr>
-          <p:cNvSpPr/>
-          <p:nvPr/>
-        </p:nvSpPr>
-        <p:spPr>
-          <a:xfrm>
-            <a:off x="11507159" y="3681047"/>
-            <a:ext cx="1475876" cy="234000"/>
-          </a:xfrm>
-          <a:prstGeom prst="rect">
-            <a:avLst/>
-          </a:prstGeom>
-          <a:solidFill>
-            <a:schemeClr val="bg1">
-              <a:lumMod val="75000"/>
-            </a:schemeClr>
-          </a:solidFill>
-          <a:ln w="19050">
-            <a:noFill/>
-          </a:ln>
-          <a:effectLst/>
-        </p:spPr>
-        <p:style>
-          <a:lnRef idx="1">
-            <a:schemeClr val="accent2"/>
-          </a:lnRef>
-          <a:fillRef idx="2">
-            <a:schemeClr val="accent2"/>
-          </a:fillRef>
-          <a:effectRef idx="1">
-            <a:schemeClr val="accent2"/>
-          </a:effectRef>
-          <a:fontRef idx="minor">
-            <a:schemeClr val="dk1"/>
-          </a:fontRef>
-        </p:style>
-        <p:txBody>
-          <a:bodyPr rtlCol="0" anchor="ctr"/>
-          <a:lstStyle/>
-          <a:p>
-            <a:pPr algn="ctr"/>
-            <a:r>
-              <a:rPr lang="en-US" sz="1600">
-                <a:solidFill>
-                  <a:schemeClr val="tx1"/>
-                </a:solidFill>
-              </a:rPr>
-              <a:t>:Player</a:t>
-            </a:r>
-            <a:endParaRPr lang="en-SG" sz="1600">
-              <a:solidFill>
-                <a:schemeClr val="tx1"/>
-              </a:solidFill>
-            </a:endParaRPr>
-          </a:p>
-        </p:txBody>
-      </p:sp>
-      <p:cxnSp>
-        <p:nvCxnSpPr>
-          <p:cNvPr id="110" name="Straight Connector 109">
-            <a:extLst>
-              <a:ext uri="{FF2B5EF4-FFF2-40B4-BE49-F238E27FC236}">
-                <a16:creationId xmlns:a16="http://schemas.microsoft.com/office/drawing/2014/main" id="{A293F128-D958-614C-A5F7-FC3E50E94D9A}"/>
-              </a:ext>
-            </a:extLst>
-          </p:cNvPr>
-          <p:cNvCxnSpPr>
-            <a:cxnSpLocks/>
-            <a:stCxn id="109" idx="2"/>
-          </p:cNvCxnSpPr>
-          <p:nvPr/>
-        </p:nvCxnSpPr>
-        <p:spPr>
-          <a:xfrm>
-            <a:off x="12245097" y="3915047"/>
-            <a:ext cx="0" cy="4934485"/>
-          </a:xfrm>
-          <a:prstGeom prst="line">
-            <a:avLst/>
-          </a:prstGeom>
-          <a:ln w="19050">
-            <a:solidFill>
-              <a:schemeClr val="tx1">
-                <a:lumMod val="65000"/>
-                <a:lumOff val="35000"/>
-              </a:schemeClr>
-            </a:solidFill>
-            <a:prstDash val="sysDash"/>
-          </a:ln>
-          <a:effectLst/>
-        </p:spPr>
-        <p:style>
-          <a:lnRef idx="1">
-            <a:schemeClr val="accent1"/>
-          </a:lnRef>
-          <a:fillRef idx="2">
-            <a:schemeClr val="accent1"/>
-          </a:fillRef>
-          <a:effectRef idx="1">
-            <a:schemeClr val="accent1"/>
-          </a:effectRef>
-          <a:fontRef idx="minor">
-            <a:schemeClr val="dk1"/>
-          </a:fontRef>
-        </p:style>
-      </p:cxnSp>
-      <p:cxnSp>
-        <p:nvCxnSpPr>
-          <p:cNvPr id="111" name="Straight Arrow Connector 110">
-            <a:extLst>
-              <a:ext uri="{FF2B5EF4-FFF2-40B4-BE49-F238E27FC236}">
-                <a16:creationId xmlns:a16="http://schemas.microsoft.com/office/drawing/2014/main" id="{858CF821-8672-6E4E-8C7F-0DAB5864FD33}"/>
-              </a:ext>
-            </a:extLst>
-          </p:cNvPr>
-          <p:cNvCxnSpPr>
-            <a:cxnSpLocks/>
-          </p:cNvCxnSpPr>
-          <p:nvPr/>
-        </p:nvCxnSpPr>
-        <p:spPr>
-          <a:xfrm>
-            <a:off x="10756964" y="4790405"/>
-            <a:ext cx="1450927" cy="0"/>
-          </a:xfrm>
-          <a:prstGeom prst="straightConnector1">
-            <a:avLst/>
-          </a:prstGeom>
-          <a:ln w="19050">
-            <a:solidFill>
-              <a:schemeClr val="tx1">
-                <a:lumMod val="65000"/>
-                <a:lumOff val="35000"/>
-              </a:schemeClr>
-            </a:solidFill>
-            <a:prstDash val="sysDash"/>
-            <a:headEnd type="arrow" w="med" len="med"/>
-            <a:tailEnd type="none" w="med" len="med"/>
-          </a:ln>
-        </p:spPr>
-        <p:style>
-          <a:lnRef idx="1">
-            <a:schemeClr val="accent1"/>
-          </a:lnRef>
-          <a:fillRef idx="0">
-            <a:schemeClr val="accent1"/>
-          </a:fillRef>
-          <a:effectRef idx="0">
-            <a:schemeClr val="accent1"/>
-          </a:effectRef>
-          <a:fontRef idx="minor">
-            <a:schemeClr val="tx1"/>
-          </a:fontRef>
-        </p:style>
-      </p:cxnSp>
-      <p:sp>
-        <p:nvSpPr>
-          <p:cNvPr id="113" name="TextBox 112">
-            <a:extLst>
-              <a:ext uri="{FF2B5EF4-FFF2-40B4-BE49-F238E27FC236}">
-                <a16:creationId xmlns:a16="http://schemas.microsoft.com/office/drawing/2014/main" id="{857BD26F-2867-814C-974D-59D45C1A1B66}"/>
-              </a:ext>
-            </a:extLst>
-          </p:cNvPr>
-          <p:cNvSpPr txBox="1"/>
-          <p:nvPr/>
-        </p:nvSpPr>
-        <p:spPr>
-          <a:xfrm>
-            <a:off x="11042494" y="4273962"/>
-            <a:ext cx="1034931" cy="184666"/>
-          </a:xfrm>
-          <a:prstGeom prst="rect">
-            <a:avLst/>
-          </a:prstGeom>
-          <a:noFill/>
-          <a:ln>
-            <a:noFill/>
-          </a:ln>
-        </p:spPr>
-        <p:txBody>
-          <a:bodyPr wrap="square" lIns="0" tIns="0" rIns="0" bIns="0" rtlCol="0">
-            <a:spAutoFit/>
-          </a:bodyPr>
-          <a:lstStyle>
-            <a:defPPr>
-              <a:defRPr lang="en-US"/>
-            </a:defPPr>
-            <a:lvl1pPr algn="r">
-              <a:defRPr sz="1400">
-                <a:solidFill>
-                  <a:srgbClr val="0070C0"/>
-                </a:solidFill>
-              </a:defRPr>
-            </a:lvl1pPr>
-          </a:lstStyle>
-          <a:p>
-            <a:r>
-              <a:rPr lang="en-US" sz="1200" err="1">
-                <a:solidFill>
-                  <a:schemeClr val="tx1">
-                    <a:lumMod val="65000"/>
-                    <a:lumOff val="35000"/>
-                  </a:schemeClr>
-                </a:solidFill>
-              </a:rPr>
-              <a:t>getMapGrid</a:t>
-            </a:r>
-            <a:r>
-              <a:rPr lang="en-US" sz="1200">
-                <a:solidFill>
-                  <a:schemeClr val="tx1">
-                    <a:lumMod val="65000"/>
-                    <a:lumOff val="35000"/>
-                  </a:schemeClr>
-                </a:solidFill>
-              </a:rPr>
-              <a:t>()</a:t>
-            </a:r>
-          </a:p>
-        </p:txBody>
-      </p:sp>
-      <p:sp>
-        <p:nvSpPr>
-          <p:cNvPr id="114" name="TextBox 113">
-            <a:extLst>
-              <a:ext uri="{FF2B5EF4-FFF2-40B4-BE49-F238E27FC236}">
-                <a16:creationId xmlns:a16="http://schemas.microsoft.com/office/drawing/2014/main" id="{83D70EFD-DD1D-7840-A8AC-E757C8277B7A}"/>
-              </a:ext>
-            </a:extLst>
-          </p:cNvPr>
-          <p:cNvSpPr txBox="1"/>
-          <p:nvPr/>
-        </p:nvSpPr>
-        <p:spPr>
-          <a:xfrm>
-            <a:off x="10884554" y="4594863"/>
-            <a:ext cx="1175496" cy="184666"/>
-          </a:xfrm>
-          <a:prstGeom prst="rect">
-            <a:avLst/>
-          </a:prstGeom>
-          <a:noFill/>
-          <a:ln>
-            <a:noFill/>
-          </a:ln>
-        </p:spPr>
-        <p:txBody>
-          <a:bodyPr wrap="square" lIns="0" tIns="0" rIns="0" bIns="0" rtlCol="0">
-            <a:spAutoFit/>
-          </a:bodyPr>
-          <a:lstStyle>
-            <a:defPPr>
-              <a:defRPr lang="en-US"/>
-            </a:defPPr>
-            <a:lvl1pPr algn="r">
-              <a:defRPr sz="1400">
-                <a:solidFill>
-                  <a:srgbClr val="0070C0"/>
-                </a:solidFill>
-              </a:defRPr>
-            </a:lvl1pPr>
-          </a:lstStyle>
-          <a:p>
-            <a:r>
-              <a:rPr lang="en-US" sz="1200" err="1">
-                <a:solidFill>
-                  <a:schemeClr val="tx1">
-                    <a:lumMod val="65000"/>
-                    <a:lumOff val="35000"/>
-                  </a:schemeClr>
-                </a:solidFill>
-              </a:rPr>
-              <a:t>mapGrid</a:t>
-            </a:r>
-            <a:endParaRPr lang="en-US" sz="1100">
+            <a:ln>
               <a:solidFill>
                 <a:schemeClr val="tx1">
                   <a:lumMod val="65000"/>
                   <a:lumOff val="35000"/>
                 </a:schemeClr>
               </a:solidFill>
-            </a:endParaRPr>
-          </a:p>
-        </p:txBody>
-      </p:sp>
-      <p:sp>
-        <p:nvSpPr>
-          <p:cNvPr id="125" name="Rectangle 62">
-            <a:extLst>
-              <a:ext uri="{FF2B5EF4-FFF2-40B4-BE49-F238E27FC236}">
-                <a16:creationId xmlns:a16="http://schemas.microsoft.com/office/drawing/2014/main" id="{0052FA36-EB73-944D-BA3B-5307FECE2B92}"/>
-              </a:ext>
-            </a:extLst>
-          </p:cNvPr>
-          <p:cNvSpPr/>
-          <p:nvPr/>
-        </p:nvSpPr>
-        <p:spPr>
-          <a:xfrm>
-            <a:off x="12791599" y="5312547"/>
-            <a:ext cx="1779662" cy="608671"/>
-          </a:xfrm>
-          <a:prstGeom prst="rect">
-            <a:avLst/>
-          </a:prstGeom>
-          <a:solidFill>
-            <a:srgbClr val="7030A0"/>
-          </a:solidFill>
-          <a:ln w="19050">
+            </a:ln>
+            <a:effectLst/>
+          </p:spPr>
+          <p:style>
+            <a:lnRef idx="1">
+              <a:schemeClr val="accent3"/>
+            </a:lnRef>
+            <a:fillRef idx="2">
+              <a:schemeClr val="accent3"/>
+            </a:fillRef>
+            <a:effectRef idx="1">
+              <a:schemeClr val="accent3"/>
+            </a:effectRef>
+            <a:fontRef idx="minor">
+              <a:schemeClr val="dk1"/>
+            </a:fontRef>
+          </p:style>
+          <p:txBody>
+            <a:bodyPr rtlCol="0" anchor="ctr"/>
+            <a:lstStyle/>
+            <a:p>
+              <a:pPr algn="ctr"/>
+              <a:endParaRPr lang="en-SG" sz="1400"/>
+            </a:p>
+          </p:txBody>
+        </p:sp>
+        <p:sp>
+          <p:nvSpPr>
+            <p:cNvPr id="151" name="Rectangle 150">
+              <a:extLst>
+                <a:ext uri="{FF2B5EF4-FFF2-40B4-BE49-F238E27FC236}">
+                  <a16:creationId xmlns:a16="http://schemas.microsoft.com/office/drawing/2014/main" id="{C8632732-82EF-774E-BB24-848032F335AC}"/>
+                </a:ext>
+              </a:extLst>
+            </p:cNvPr>
+            <p:cNvSpPr/>
+            <p:nvPr/>
+          </p:nvSpPr>
+          <p:spPr>
+            <a:xfrm>
+              <a:off x="10591282" y="7282756"/>
+              <a:ext cx="168896" cy="539645"/>
+            </a:xfrm>
+            <a:prstGeom prst="rect">
+              <a:avLst/>
+            </a:prstGeom>
             <a:solidFill>
               <a:srgbClr val="7030A0"/>
             </a:solidFill>
-          </a:ln>
-          <a:effectLst/>
-        </p:spPr>
-        <p:style>
-          <a:lnRef idx="1">
-            <a:schemeClr val="accent2"/>
-          </a:lnRef>
-          <a:fillRef idx="2">
-            <a:schemeClr val="accent2"/>
-          </a:fillRef>
-          <a:effectRef idx="1">
-            <a:schemeClr val="accent2"/>
-          </a:effectRef>
-          <a:fontRef idx="minor">
-            <a:schemeClr val="dk1"/>
-          </a:fontRef>
-        </p:style>
-        <p:txBody>
-          <a:bodyPr rtlCol="0" anchor="ctr"/>
-          <a:lstStyle/>
-          <a:p>
-            <a:pPr algn="ctr"/>
-            <a:r>
-              <a:rPr lang="en-US" sz="1600">
+            <a:ln>
+              <a:solidFill>
+                <a:srgbClr val="7030A0"/>
+              </a:solidFill>
+            </a:ln>
+            <a:effectLst/>
+          </p:spPr>
+          <p:style>
+            <a:lnRef idx="1">
+              <a:schemeClr val="accent3"/>
+            </a:lnRef>
+            <a:fillRef idx="2">
+              <a:schemeClr val="accent3"/>
+            </a:fillRef>
+            <a:effectRef idx="1">
+              <a:schemeClr val="accent3"/>
+            </a:effectRef>
+            <a:fontRef idx="minor">
+              <a:schemeClr val="dk1"/>
+            </a:fontRef>
+          </p:style>
+          <p:txBody>
+            <a:bodyPr rtlCol="0" anchor="ctr"/>
+            <a:lstStyle/>
+            <a:p>
+              <a:pPr algn="ctr"/>
+              <a:endParaRPr lang="en-SG" sz="1400"/>
+            </a:p>
+          </p:txBody>
+        </p:sp>
+        <p:cxnSp>
+          <p:nvCxnSpPr>
+            <p:cNvPr id="167" name="Straight Arrow Connector 166">
+              <a:extLst>
+                <a:ext uri="{FF2B5EF4-FFF2-40B4-BE49-F238E27FC236}">
+                  <a16:creationId xmlns:a16="http://schemas.microsoft.com/office/drawing/2014/main" id="{1A6F8B90-7EFD-C14A-B429-23B9763226FB}"/>
+                </a:ext>
+              </a:extLst>
+            </p:cNvPr>
+            <p:cNvCxnSpPr>
+              <a:cxnSpLocks/>
+            </p:cNvCxnSpPr>
+            <p:nvPr/>
+          </p:nvCxnSpPr>
+          <p:spPr>
+            <a:xfrm>
+              <a:off x="8136610" y="7279874"/>
+              <a:ext cx="2454673" cy="0"/>
+            </a:xfrm>
+            <a:prstGeom prst="straightConnector1">
+              <a:avLst/>
+            </a:prstGeom>
+            <a:ln w="19050">
+              <a:solidFill>
+                <a:srgbClr val="7030A0"/>
+              </a:solidFill>
+              <a:tailEnd type="arrow"/>
+            </a:ln>
+          </p:spPr>
+          <p:style>
+            <a:lnRef idx="1">
+              <a:schemeClr val="accent1"/>
+            </a:lnRef>
+            <a:fillRef idx="0">
+              <a:schemeClr val="accent1"/>
+            </a:fillRef>
+            <a:effectRef idx="0">
+              <a:schemeClr val="accent1"/>
+            </a:effectRef>
+            <a:fontRef idx="minor">
+              <a:schemeClr val="tx1"/>
+            </a:fontRef>
+          </p:style>
+        </p:cxnSp>
+        <p:cxnSp>
+          <p:nvCxnSpPr>
+            <p:cNvPr id="169" name="Straight Arrow Connector 168">
+              <a:extLst>
+                <a:ext uri="{FF2B5EF4-FFF2-40B4-BE49-F238E27FC236}">
+                  <a16:creationId xmlns:a16="http://schemas.microsoft.com/office/drawing/2014/main" id="{6D875A2D-6937-0D43-A0DA-2779A5CAB692}"/>
+                </a:ext>
+              </a:extLst>
+            </p:cNvPr>
+            <p:cNvCxnSpPr>
+              <a:cxnSpLocks/>
+            </p:cNvCxnSpPr>
+            <p:nvPr/>
+          </p:nvCxnSpPr>
+          <p:spPr>
+            <a:xfrm>
+              <a:off x="8139641" y="7817074"/>
+              <a:ext cx="2546720" cy="0"/>
+            </a:xfrm>
+            <a:prstGeom prst="straightConnector1">
+              <a:avLst/>
+            </a:prstGeom>
+            <a:ln w="19050">
+              <a:solidFill>
+                <a:srgbClr val="7030A0"/>
+              </a:solidFill>
+              <a:prstDash val="sysDash"/>
+              <a:headEnd type="arrow" w="med" len="med"/>
+              <a:tailEnd type="none" w="med" len="med"/>
+            </a:ln>
+          </p:spPr>
+          <p:style>
+            <a:lnRef idx="1">
+              <a:schemeClr val="accent1"/>
+            </a:lnRef>
+            <a:fillRef idx="0">
+              <a:schemeClr val="accent1"/>
+            </a:fillRef>
+            <a:effectRef idx="0">
+              <a:schemeClr val="accent1"/>
+            </a:effectRef>
+            <a:fontRef idx="minor">
+              <a:schemeClr val="tx1"/>
+            </a:fontRef>
+          </p:style>
+        </p:cxnSp>
+        <p:sp>
+          <p:nvSpPr>
+            <p:cNvPr id="49" name="Rectangle 48"/>
+            <p:cNvSpPr/>
+            <p:nvPr/>
+          </p:nvSpPr>
+          <p:spPr>
+            <a:xfrm>
+              <a:off x="10591282" y="4384747"/>
+              <a:ext cx="168896" cy="536169"/>
+            </a:xfrm>
+            <a:prstGeom prst="rect">
+              <a:avLst/>
+            </a:prstGeom>
+            <a:solidFill>
+              <a:srgbClr val="7030A0"/>
+            </a:solidFill>
+            <a:ln>
+              <a:solidFill>
+                <a:srgbClr val="7030A0"/>
+              </a:solidFill>
+            </a:ln>
+            <a:effectLst/>
+          </p:spPr>
+          <p:style>
+            <a:lnRef idx="1">
+              <a:schemeClr val="accent3"/>
+            </a:lnRef>
+            <a:fillRef idx="2">
+              <a:schemeClr val="accent3"/>
+            </a:fillRef>
+            <a:effectRef idx="1">
+              <a:schemeClr val="accent3"/>
+            </a:effectRef>
+            <a:fontRef idx="minor">
+              <a:schemeClr val="dk1"/>
+            </a:fontRef>
+          </p:style>
+          <p:txBody>
+            <a:bodyPr rtlCol="0" anchor="ctr"/>
+            <a:lstStyle/>
+            <a:p>
+              <a:pPr algn="ctr"/>
+              <a:endParaRPr lang="en-SG" sz="1400"/>
+            </a:p>
+          </p:txBody>
+        </p:sp>
+        <p:sp>
+          <p:nvSpPr>
+            <p:cNvPr id="95" name="Rectangle 94">
+              <a:extLst>
+                <a:ext uri="{FF2B5EF4-FFF2-40B4-BE49-F238E27FC236}">
+                  <a16:creationId xmlns:a16="http://schemas.microsoft.com/office/drawing/2014/main" id="{9499F6F2-4A04-9047-8D5A-2FD1F6DD311F}"/>
+                </a:ext>
+              </a:extLst>
+            </p:cNvPr>
+            <p:cNvSpPr/>
+            <p:nvPr/>
+          </p:nvSpPr>
+          <p:spPr>
+            <a:xfrm>
+              <a:off x="13578975" y="5908103"/>
+              <a:ext cx="168896" cy="174042"/>
+            </a:xfrm>
+            <a:prstGeom prst="rect">
+              <a:avLst/>
+            </a:prstGeom>
+            <a:solidFill>
+              <a:srgbClr val="7030A0"/>
+            </a:solidFill>
+            <a:ln>
+              <a:solidFill>
+                <a:srgbClr val="7030A0"/>
+              </a:solidFill>
+            </a:ln>
+            <a:effectLst/>
+          </p:spPr>
+          <p:style>
+            <a:lnRef idx="1">
+              <a:schemeClr val="accent3"/>
+            </a:lnRef>
+            <a:fillRef idx="2">
+              <a:schemeClr val="accent3"/>
+            </a:fillRef>
+            <a:effectRef idx="1">
+              <a:schemeClr val="accent3"/>
+            </a:effectRef>
+            <a:fontRef idx="minor">
+              <a:schemeClr val="dk1"/>
+            </a:fontRef>
+          </p:style>
+          <p:txBody>
+            <a:bodyPr rtlCol="0" anchor="ctr"/>
+            <a:lstStyle/>
+            <a:p>
+              <a:pPr algn="ctr"/>
+              <a:endParaRPr lang="en-SG" sz="1400"/>
+            </a:p>
+          </p:txBody>
+        </p:sp>
+        <p:sp>
+          <p:nvSpPr>
+            <p:cNvPr id="97" name="Rectangle 96">
+              <a:extLst>
+                <a:ext uri="{FF2B5EF4-FFF2-40B4-BE49-F238E27FC236}">
+                  <a16:creationId xmlns:a16="http://schemas.microsoft.com/office/drawing/2014/main" id="{4873ED37-62EB-1242-BD75-3C7E57E41172}"/>
+                </a:ext>
+              </a:extLst>
+            </p:cNvPr>
+            <p:cNvSpPr/>
+            <p:nvPr/>
+          </p:nvSpPr>
+          <p:spPr>
+            <a:xfrm>
+              <a:off x="10591282" y="5154989"/>
+              <a:ext cx="168896" cy="297222"/>
+            </a:xfrm>
+            <a:prstGeom prst="rect">
+              <a:avLst/>
+            </a:prstGeom>
+            <a:solidFill>
+              <a:srgbClr val="7030A0"/>
+            </a:solidFill>
+            <a:ln>
+              <a:solidFill>
+                <a:srgbClr val="7030A0"/>
+              </a:solidFill>
+            </a:ln>
+            <a:effectLst/>
+          </p:spPr>
+          <p:style>
+            <a:lnRef idx="1">
+              <a:schemeClr val="accent3"/>
+            </a:lnRef>
+            <a:fillRef idx="2">
+              <a:schemeClr val="accent3"/>
+            </a:fillRef>
+            <a:effectRef idx="1">
+              <a:schemeClr val="accent3"/>
+            </a:effectRef>
+            <a:fontRef idx="minor">
+              <a:schemeClr val="dk1"/>
+            </a:fontRef>
+          </p:style>
+          <p:txBody>
+            <a:bodyPr rtlCol="0" anchor="ctr"/>
+            <a:lstStyle/>
+            <a:p>
+              <a:pPr algn="ctr"/>
+              <a:endParaRPr lang="en-SG" sz="1400"/>
+            </a:p>
+          </p:txBody>
+        </p:sp>
+        <p:cxnSp>
+          <p:nvCxnSpPr>
+            <p:cNvPr id="99" name="Straight Arrow Connector 98">
+              <a:extLst>
+                <a:ext uri="{FF2B5EF4-FFF2-40B4-BE49-F238E27FC236}">
+                  <a16:creationId xmlns:a16="http://schemas.microsoft.com/office/drawing/2014/main" id="{FEFC6A07-EAC7-D04C-BA68-56DCED02C5D2}"/>
+                </a:ext>
+              </a:extLst>
+            </p:cNvPr>
+            <p:cNvCxnSpPr>
+              <a:cxnSpLocks/>
+            </p:cNvCxnSpPr>
+            <p:nvPr/>
+          </p:nvCxnSpPr>
+          <p:spPr>
+            <a:xfrm>
+              <a:off x="8136610" y="5154989"/>
+              <a:ext cx="2454673" cy="0"/>
+            </a:xfrm>
+            <a:prstGeom prst="straightConnector1">
+              <a:avLst/>
+            </a:prstGeom>
+            <a:ln w="19050">
+              <a:solidFill>
+                <a:srgbClr val="7030A0"/>
+              </a:solidFill>
+              <a:tailEnd type="arrow"/>
+            </a:ln>
+          </p:spPr>
+          <p:style>
+            <a:lnRef idx="1">
+              <a:schemeClr val="accent1"/>
+            </a:lnRef>
+            <a:fillRef idx="0">
+              <a:schemeClr val="accent1"/>
+            </a:fillRef>
+            <a:effectRef idx="0">
+              <a:schemeClr val="accent1"/>
+            </a:effectRef>
+            <a:fontRef idx="minor">
+              <a:schemeClr val="tx1"/>
+            </a:fontRef>
+          </p:style>
+        </p:cxnSp>
+        <p:cxnSp>
+          <p:nvCxnSpPr>
+            <p:cNvPr id="100" name="Straight Arrow Connector 99">
+              <a:extLst>
+                <a:ext uri="{FF2B5EF4-FFF2-40B4-BE49-F238E27FC236}">
+                  <a16:creationId xmlns:a16="http://schemas.microsoft.com/office/drawing/2014/main" id="{4C797AB4-53E0-DC4C-9150-011C43CE8065}"/>
+                </a:ext>
+              </a:extLst>
+            </p:cNvPr>
+            <p:cNvCxnSpPr>
+              <a:cxnSpLocks/>
+            </p:cNvCxnSpPr>
+            <p:nvPr/>
+          </p:nvCxnSpPr>
+          <p:spPr>
+            <a:xfrm>
+              <a:off x="8139641" y="5446067"/>
+              <a:ext cx="2457450" cy="0"/>
+            </a:xfrm>
+            <a:prstGeom prst="straightConnector1">
+              <a:avLst/>
+            </a:prstGeom>
+            <a:ln w="19050">
+              <a:solidFill>
+                <a:srgbClr val="7030A0"/>
+              </a:solidFill>
+              <a:prstDash val="sysDash"/>
+              <a:headEnd type="arrow" w="med" len="med"/>
+              <a:tailEnd type="none" w="med" len="med"/>
+            </a:ln>
+          </p:spPr>
+          <p:style>
+            <a:lnRef idx="1">
+              <a:schemeClr val="accent1"/>
+            </a:lnRef>
+            <a:fillRef idx="0">
+              <a:schemeClr val="accent1"/>
+            </a:fillRef>
+            <a:effectRef idx="0">
+              <a:schemeClr val="accent1"/>
+            </a:effectRef>
+            <a:fontRef idx="minor">
+              <a:schemeClr val="tx1"/>
+            </a:fontRef>
+          </p:style>
+        </p:cxnSp>
+        <p:sp>
+          <p:nvSpPr>
+            <p:cNvPr id="105" name="TextBox 104">
+              <a:extLst>
+                <a:ext uri="{FF2B5EF4-FFF2-40B4-BE49-F238E27FC236}">
+                  <a16:creationId xmlns:a16="http://schemas.microsoft.com/office/drawing/2014/main" id="{5202EE9D-B570-F048-97B0-1128F3AFF2E9}"/>
+                </a:ext>
+              </a:extLst>
+            </p:cNvPr>
+            <p:cNvSpPr txBox="1"/>
+            <p:nvPr/>
+          </p:nvSpPr>
+          <p:spPr>
+            <a:xfrm>
+              <a:off x="8309745" y="4953556"/>
+              <a:ext cx="2332116" cy="184666"/>
+            </a:xfrm>
+            <a:prstGeom prst="rect">
+              <a:avLst/>
+            </a:prstGeom>
+            <a:noFill/>
+            <a:ln>
+              <a:noFill/>
+            </a:ln>
+          </p:spPr>
+          <p:txBody>
+            <a:bodyPr wrap="square" lIns="0" tIns="0" rIns="0" bIns="0" rtlCol="0">
+              <a:spAutoFit/>
+            </a:bodyPr>
+            <a:lstStyle>
+              <a:defPPr>
+                <a:defRPr lang="en-US"/>
+              </a:defPPr>
+              <a:lvl1pPr algn="r">
+                <a:defRPr sz="1400">
+                  <a:solidFill>
+                    <a:srgbClr val="0070C0"/>
+                  </a:solidFill>
+                </a:defRPr>
+              </a:lvl1pPr>
+            </a:lstStyle>
+            <a:p>
+              <a:pPr algn="ctr"/>
+              <a:r>
+                <a:rPr lang="en-US" sz="1200" err="1">
+                  <a:solidFill>
+                    <a:srgbClr val="7030A0"/>
+                  </a:solidFill>
+                </a:rPr>
+                <a:t>isEnoughBattleships(bs, 1)</a:t>
+              </a:r>
+              <a:endParaRPr lang="en-US" sz="1200">
+                <a:solidFill>
+                  <a:srgbClr val="7030A0"/>
+                </a:solidFill>
+              </a:endParaRPr>
+            </a:p>
+          </p:txBody>
+        </p:sp>
+        <p:cxnSp>
+          <p:nvCxnSpPr>
+            <p:cNvPr id="107" name="Straight Arrow Connector 106">
+              <a:extLst>
+                <a:ext uri="{FF2B5EF4-FFF2-40B4-BE49-F238E27FC236}">
+                  <a16:creationId xmlns:a16="http://schemas.microsoft.com/office/drawing/2014/main" id="{A901C160-EAAB-B84F-A3CB-29327EB10D48}"/>
+                </a:ext>
+              </a:extLst>
+            </p:cNvPr>
+            <p:cNvCxnSpPr>
+              <a:cxnSpLocks/>
+            </p:cNvCxnSpPr>
+            <p:nvPr/>
+          </p:nvCxnSpPr>
+          <p:spPr>
+            <a:xfrm>
+              <a:off x="8139641" y="6081496"/>
+              <a:ext cx="5520941" cy="0"/>
+            </a:xfrm>
+            <a:prstGeom prst="straightConnector1">
+              <a:avLst/>
+            </a:prstGeom>
+            <a:ln w="19050">
+              <a:solidFill>
+                <a:srgbClr val="7030A0"/>
+              </a:solidFill>
+              <a:prstDash val="sysDash"/>
+              <a:headEnd type="arrow" w="med" len="med"/>
+              <a:tailEnd type="none" w="med" len="med"/>
+            </a:ln>
+          </p:spPr>
+          <p:style>
+            <a:lnRef idx="1">
+              <a:schemeClr val="accent1"/>
+            </a:lnRef>
+            <a:fillRef idx="0">
+              <a:schemeClr val="accent1"/>
+            </a:fillRef>
+            <a:effectRef idx="0">
+              <a:schemeClr val="accent1"/>
+            </a:effectRef>
+            <a:fontRef idx="minor">
+              <a:schemeClr val="tx1"/>
+            </a:fontRef>
+          </p:style>
+        </p:cxnSp>
+        <p:cxnSp>
+          <p:nvCxnSpPr>
+            <p:cNvPr id="92" name="Straight Arrow Connector 91">
+              <a:extLst>
+                <a:ext uri="{FF2B5EF4-FFF2-40B4-BE49-F238E27FC236}">
+                  <a16:creationId xmlns:a16="http://schemas.microsoft.com/office/drawing/2014/main" id="{BB3190FB-CC68-A046-AA74-31A0A577EAE8}"/>
+                </a:ext>
+              </a:extLst>
+            </p:cNvPr>
+            <p:cNvCxnSpPr>
+              <a:cxnSpLocks/>
+            </p:cNvCxnSpPr>
+            <p:nvPr/>
+          </p:nvCxnSpPr>
+          <p:spPr>
+            <a:xfrm>
+              <a:off x="7994590" y="4387872"/>
+              <a:ext cx="2606906" cy="0"/>
+            </a:xfrm>
+            <a:prstGeom prst="straightConnector1">
+              <a:avLst/>
+            </a:prstGeom>
+            <a:ln w="19050">
+              <a:solidFill>
+                <a:srgbClr val="7030A0"/>
+              </a:solidFill>
+              <a:tailEnd type="arrow"/>
+            </a:ln>
+          </p:spPr>
+          <p:style>
+            <a:lnRef idx="1">
+              <a:schemeClr val="accent1"/>
+            </a:lnRef>
+            <a:fillRef idx="0">
+              <a:schemeClr val="accent1"/>
+            </a:fillRef>
+            <a:effectRef idx="0">
+              <a:schemeClr val="accent1"/>
+            </a:effectRef>
+            <a:fontRef idx="minor">
+              <a:schemeClr val="tx1"/>
+            </a:fontRef>
+          </p:style>
+        </p:cxnSp>
+        <p:sp>
+          <p:nvSpPr>
+            <p:cNvPr id="65" name="Rectangle 64"/>
+            <p:cNvSpPr/>
+            <p:nvPr/>
+          </p:nvSpPr>
+          <p:spPr>
+            <a:xfrm>
+              <a:off x="7965180" y="3824798"/>
+              <a:ext cx="169682" cy="4877878"/>
+            </a:xfrm>
+            <a:prstGeom prst="rect">
+              <a:avLst/>
+            </a:prstGeom>
+            <a:solidFill>
+              <a:srgbClr val="0070C0"/>
+            </a:solidFill>
+            <a:ln>
+              <a:solidFill>
+                <a:srgbClr val="0070C0"/>
+              </a:solidFill>
+            </a:ln>
+            <a:effectLst/>
+          </p:spPr>
+          <p:style>
+            <a:lnRef idx="1">
+              <a:schemeClr val="accent3"/>
+            </a:lnRef>
+            <a:fillRef idx="2">
+              <a:schemeClr val="accent3"/>
+            </a:fillRef>
+            <a:effectRef idx="1">
+              <a:schemeClr val="accent3"/>
+            </a:effectRef>
+            <a:fontRef idx="minor">
+              <a:schemeClr val="dk1"/>
+            </a:fontRef>
+          </p:style>
+          <p:txBody>
+            <a:bodyPr rtlCol="0" anchor="ctr"/>
+            <a:lstStyle/>
+            <a:p>
+              <a:pPr algn="ctr"/>
+              <a:endParaRPr lang="en-SG" sz="1400"/>
+            </a:p>
+          </p:txBody>
+        </p:sp>
+        <p:sp>
+          <p:nvSpPr>
+            <p:cNvPr id="122" name="Rectangle 62">
+              <a:extLst>
+                <a:ext uri="{FF2B5EF4-FFF2-40B4-BE49-F238E27FC236}">
+                  <a16:creationId xmlns:a16="http://schemas.microsoft.com/office/drawing/2014/main" id="{CFEC3571-1124-E34D-85CF-1856E29D0A87}"/>
+                </a:ext>
+              </a:extLst>
+            </p:cNvPr>
+            <p:cNvSpPr/>
+            <p:nvPr/>
+          </p:nvSpPr>
+          <p:spPr>
+            <a:xfrm>
+              <a:off x="3782115" y="1314783"/>
+              <a:ext cx="1941791" cy="234000"/>
+            </a:xfrm>
+            <a:prstGeom prst="rect">
+              <a:avLst/>
+            </a:prstGeom>
+            <a:solidFill>
+              <a:srgbClr val="0070C0"/>
+            </a:solidFill>
+            <a:ln w="19050">
+              <a:solidFill>
+                <a:srgbClr val="0070C0"/>
+              </a:solidFill>
+            </a:ln>
+            <a:effectLst/>
+          </p:spPr>
+          <p:style>
+            <a:lnRef idx="1">
+              <a:schemeClr val="accent2"/>
+            </a:lnRef>
+            <a:fillRef idx="2">
+              <a:schemeClr val="accent2"/>
+            </a:fillRef>
+            <a:effectRef idx="1">
+              <a:schemeClr val="accent2"/>
+            </a:effectRef>
+            <a:fontRef idx="minor">
+              <a:schemeClr val="dk1"/>
+            </a:fontRef>
+          </p:style>
+          <p:txBody>
+            <a:bodyPr rtlCol="0" anchor="ctr"/>
+            <a:lstStyle/>
+            <a:p>
+              <a:pPr algn="ctr"/>
+              <a:r>
+                <a:rPr lang="en-US" sz="1600" dirty="0">
+                  <a:solidFill>
+                    <a:schemeClr val="bg1"/>
+                  </a:solidFill>
+                </a:rPr>
+                <a:t>:BattleshipParser</a:t>
+              </a:r>
+              <a:endParaRPr lang="en-SG" sz="1600" dirty="0">
                 <a:solidFill>
                   <a:schemeClr val="bg1"/>
                 </a:solidFill>
-              </a:rPr>
-              <a:t>:</a:t>
-            </a:r>
-            <a:r>
-              <a:rPr lang="en-US" sz="1600" err="1">
-                <a:solidFill>
-                  <a:schemeClr val="bg1"/>
-                </a:solidFill>
-              </a:rPr>
-              <a:t>BoundaryValue</a:t>
-            </a:r>
-            <a:endParaRPr lang="en-US" sz="1600">
+              </a:endParaRPr>
+            </a:p>
+          </p:txBody>
+        </p:sp>
+        <p:sp>
+          <p:nvSpPr>
+            <p:cNvPr id="6" name="Rectangle 5"/>
+            <p:cNvSpPr/>
+            <p:nvPr/>
+          </p:nvSpPr>
+          <p:spPr>
+            <a:xfrm>
+              <a:off x="2210832" y="1890609"/>
+              <a:ext cx="168205" cy="6986691"/>
+            </a:xfrm>
+            <a:prstGeom prst="rect">
+              <a:avLst/>
+            </a:prstGeom>
+            <a:solidFill>
+              <a:srgbClr val="0070C0"/>
+            </a:solidFill>
+            <a:ln>
               <a:solidFill>
-                <a:schemeClr val="bg1"/>
+                <a:srgbClr val="0070C0"/>
               </a:solidFill>
-            </a:endParaRPr>
-          </a:p>
-          <a:p>
-            <a:pPr algn="ctr"/>
-            <a:r>
-              <a:rPr lang="en-US" sz="1600">
-                <a:solidFill>
-                  <a:schemeClr val="bg1"/>
-                </a:solidFill>
-              </a:rPr>
-              <a:t>Checker</a:t>
-            </a:r>
-            <a:endParaRPr lang="en-SG" sz="1600">
-              <a:solidFill>
-                <a:schemeClr val="bg1"/>
-              </a:solidFill>
-            </a:endParaRPr>
-          </a:p>
-        </p:txBody>
-      </p:sp>
-      <p:cxnSp>
-        <p:nvCxnSpPr>
-          <p:cNvPr id="126" name="Straight Connector 125">
-            <a:extLst>
-              <a:ext uri="{FF2B5EF4-FFF2-40B4-BE49-F238E27FC236}">
-                <a16:creationId xmlns:a16="http://schemas.microsoft.com/office/drawing/2014/main" id="{2AEE2C3D-45B3-184E-BE18-04118DE90F96}"/>
-              </a:ext>
-            </a:extLst>
-          </p:cNvPr>
-          <p:cNvCxnSpPr>
-            <a:cxnSpLocks/>
-            <a:stCxn id="95" idx="2"/>
-          </p:cNvCxnSpPr>
-          <p:nvPr/>
-        </p:nvCxnSpPr>
-        <p:spPr>
-          <a:xfrm>
-            <a:off x="13663423" y="6082145"/>
-            <a:ext cx="0" cy="2813882"/>
-          </a:xfrm>
-          <a:prstGeom prst="line">
-            <a:avLst/>
-          </a:prstGeom>
-          <a:ln w="19050">
-            <a:solidFill>
-              <a:srgbClr val="7030A0"/>
-            </a:solidFill>
-            <a:prstDash val="sysDash"/>
-          </a:ln>
-          <a:effectLst/>
-        </p:spPr>
-        <p:style>
-          <a:lnRef idx="1">
-            <a:schemeClr val="accent1"/>
-          </a:lnRef>
-          <a:fillRef idx="2">
-            <a:schemeClr val="accent1"/>
-          </a:fillRef>
-          <a:effectRef idx="1">
-            <a:schemeClr val="accent1"/>
-          </a:effectRef>
-          <a:fontRef idx="minor">
-            <a:schemeClr val="dk1"/>
-          </a:fontRef>
-        </p:style>
-      </p:cxnSp>
-      <p:sp>
-        <p:nvSpPr>
-          <p:cNvPr id="127" name="Rectangle 126">
-            <a:extLst>
-              <a:ext uri="{FF2B5EF4-FFF2-40B4-BE49-F238E27FC236}">
-                <a16:creationId xmlns:a16="http://schemas.microsoft.com/office/drawing/2014/main" id="{2243260F-8774-CA4F-8E4C-CECCED57EB89}"/>
-              </a:ext>
-            </a:extLst>
-          </p:cNvPr>
-          <p:cNvSpPr/>
-          <p:nvPr/>
-        </p:nvSpPr>
-        <p:spPr>
-          <a:xfrm>
-            <a:off x="13578975" y="6175015"/>
-            <a:ext cx="168896" cy="521349"/>
-          </a:xfrm>
-          <a:prstGeom prst="rect">
-            <a:avLst/>
-          </a:prstGeom>
-          <a:solidFill>
-            <a:srgbClr val="7030A0"/>
-          </a:solidFill>
-          <a:ln>
-            <a:solidFill>
-              <a:srgbClr val="7030A0"/>
-            </a:solidFill>
-          </a:ln>
-          <a:effectLst/>
-        </p:spPr>
-        <p:style>
-          <a:lnRef idx="1">
-            <a:schemeClr val="accent3"/>
-          </a:lnRef>
-          <a:fillRef idx="2">
-            <a:schemeClr val="accent3"/>
-          </a:fillRef>
-          <a:effectRef idx="1">
-            <a:schemeClr val="accent3"/>
-          </a:effectRef>
-          <a:fontRef idx="minor">
-            <a:schemeClr val="dk1"/>
-          </a:fontRef>
-        </p:style>
-        <p:txBody>
-          <a:bodyPr rtlCol="0" anchor="ctr"/>
-          <a:lstStyle/>
-          <a:p>
-            <a:pPr algn="ctr"/>
-            <a:endParaRPr lang="en-SG" sz="1400"/>
-          </a:p>
-        </p:txBody>
-      </p:sp>
-      <p:cxnSp>
-        <p:nvCxnSpPr>
-          <p:cNvPr id="128" name="Straight Arrow Connector 127">
-            <a:extLst>
-              <a:ext uri="{FF2B5EF4-FFF2-40B4-BE49-F238E27FC236}">
-                <a16:creationId xmlns:a16="http://schemas.microsoft.com/office/drawing/2014/main" id="{D1137AEB-64B8-754D-8A0B-75112F89BB07}"/>
-              </a:ext>
-            </a:extLst>
-          </p:cNvPr>
-          <p:cNvCxnSpPr>
-            <a:cxnSpLocks/>
-          </p:cNvCxnSpPr>
-          <p:nvPr/>
-        </p:nvCxnSpPr>
-        <p:spPr>
-          <a:xfrm>
-            <a:off x="8137204" y="6185782"/>
-            <a:ext cx="5441772" cy="0"/>
-          </a:xfrm>
-          <a:prstGeom prst="straightConnector1">
-            <a:avLst/>
-          </a:prstGeom>
-          <a:ln w="19050">
-            <a:solidFill>
-              <a:srgbClr val="7030A0"/>
-            </a:solidFill>
-            <a:tailEnd type="arrow"/>
-          </a:ln>
-        </p:spPr>
-        <p:style>
-          <a:lnRef idx="1">
-            <a:schemeClr val="accent1"/>
-          </a:lnRef>
-          <a:fillRef idx="0">
-            <a:schemeClr val="accent1"/>
-          </a:fillRef>
-          <a:effectRef idx="0">
-            <a:schemeClr val="accent1"/>
-          </a:effectRef>
-          <a:fontRef idx="minor">
-            <a:schemeClr val="tx1"/>
-          </a:fontRef>
-        </p:style>
-      </p:cxnSp>
-      <p:sp>
-        <p:nvSpPr>
-          <p:cNvPr id="129" name="TextBox 128">
-            <a:extLst>
-              <a:ext uri="{FF2B5EF4-FFF2-40B4-BE49-F238E27FC236}">
-                <a16:creationId xmlns:a16="http://schemas.microsoft.com/office/drawing/2014/main" id="{EB53C533-2CE1-7B44-B107-9E83FD5632F9}"/>
-              </a:ext>
-            </a:extLst>
-          </p:cNvPr>
-          <p:cNvSpPr txBox="1"/>
-          <p:nvPr/>
-        </p:nvSpPr>
-        <p:spPr>
-          <a:xfrm>
-            <a:off x="14053335" y="6010269"/>
-            <a:ext cx="1157705" cy="184666"/>
-          </a:xfrm>
-          <a:prstGeom prst="rect">
-            <a:avLst/>
-          </a:prstGeom>
-          <a:noFill/>
-          <a:ln>
+            </a:ln>
+            <a:effectLst/>
+          </p:spPr>
+          <p:style>
+            <a:lnRef idx="1">
+              <a:schemeClr val="accent3"/>
+            </a:lnRef>
+            <a:fillRef idx="2">
+              <a:schemeClr val="accent3"/>
+            </a:fillRef>
+            <a:effectRef idx="1">
+              <a:schemeClr val="accent3"/>
+            </a:effectRef>
+            <a:fontRef idx="minor">
+              <a:schemeClr val="dk1"/>
+            </a:fontRef>
+          </p:style>
+          <p:txBody>
+            <a:bodyPr rtlCol="0" anchor="ctr"/>
+            <a:lstStyle/>
+            <a:p>
+              <a:pPr algn="ctr"/>
+              <a:endParaRPr lang="en-SG" sz="1400" dirty="0"/>
+            </a:p>
+          </p:txBody>
+        </p:sp>
+        <p:sp>
+          <p:nvSpPr>
+            <p:cNvPr id="93" name="TextBox 92">
+              <a:extLst>
+                <a:ext uri="{FF2B5EF4-FFF2-40B4-BE49-F238E27FC236}">
+                  <a16:creationId xmlns:a16="http://schemas.microsoft.com/office/drawing/2014/main" id="{CEA2C275-9535-314B-899A-51AFCB7A8370}"/>
+                </a:ext>
+              </a:extLst>
+            </p:cNvPr>
+            <p:cNvSpPr txBox="1"/>
+            <p:nvPr/>
+          </p:nvSpPr>
+          <p:spPr>
+            <a:xfrm>
+              <a:off x="10231396" y="7082490"/>
+              <a:ext cx="3281404" cy="184666"/>
+            </a:xfrm>
+            <a:prstGeom prst="rect">
+              <a:avLst/>
+            </a:prstGeom>
             <a:noFill/>
-          </a:ln>
-        </p:spPr>
-        <p:txBody>
-          <a:bodyPr wrap="square" lIns="0" tIns="0" rIns="0" bIns="0" rtlCol="0">
-            <a:spAutoFit/>
-          </a:bodyPr>
-          <a:lstStyle>
-            <a:defPPr>
-              <a:defRPr lang="en-US"/>
-            </a:defPPr>
-            <a:lvl1pPr algn="r">
-              <a:defRPr sz="1400">
-                <a:solidFill>
-                  <a:srgbClr val="0070C0"/>
-                </a:solidFill>
-              </a:defRPr>
-            </a:lvl1pPr>
-          </a:lstStyle>
-          <a:p>
-            <a:r>
-              <a:rPr lang="en-US" sz="1200" err="1">
-                <a:solidFill>
-                  <a:srgbClr val="7030A0"/>
-                </a:solidFill>
-              </a:rPr>
-              <a:t>performChecks</a:t>
-            </a:r>
-            <a:r>
-              <a:rPr lang="en-US" sz="1200">
+            <a:ln>
+              <a:noFill/>
+            </a:ln>
+          </p:spPr>
+          <p:txBody>
+            <a:bodyPr wrap="square" lIns="0" tIns="0" rIns="0" bIns="0" rtlCol="0">
+              <a:spAutoFit/>
+            </a:bodyPr>
+            <a:lstStyle>
+              <a:defPPr>
+                <a:defRPr lang="en-US"/>
+              </a:defPPr>
+              <a:lvl1pPr algn="r">
+                <a:defRPr sz="1400">
+                  <a:solidFill>
+                    <a:srgbClr val="0070C0"/>
+                  </a:solidFill>
+                </a:defRPr>
+              </a:lvl1pPr>
+            </a:lstStyle>
+            <a:p>
+              <a:r>
+                <a:rPr lang="en-SG" sz="1200" err="1">
+                  <a:solidFill>
+                    <a:srgbClr val="7030A0"/>
+                  </a:solidFill>
+                </a:rPr>
+                <a:t> getFleet().deployOneBattleship(bs, cs, ot); </a:t>
+              </a:r>
+              <a:endParaRPr lang="en-US" sz="1200">
                 <a:solidFill>
                   <a:schemeClr val="accent4">
                     <a:lumMod val="75000"/>
                   </a:schemeClr>
                 </a:solidFill>
-              </a:rPr>
-              <a:t>()</a:t>
-            </a:r>
-          </a:p>
-        </p:txBody>
-      </p:sp>
-      <p:cxnSp>
-        <p:nvCxnSpPr>
-          <p:cNvPr id="130" name="Curved Connector 129">
-            <a:extLst>
-              <a:ext uri="{FF2B5EF4-FFF2-40B4-BE49-F238E27FC236}">
-                <a16:creationId xmlns:a16="http://schemas.microsoft.com/office/drawing/2014/main" id="{946C639C-F5BC-7E4B-A4ED-3FDA2D73A9D4}"/>
-              </a:ext>
-            </a:extLst>
-          </p:cNvPr>
-          <p:cNvCxnSpPr>
-            <a:cxnSpLocks/>
-          </p:cNvCxnSpPr>
-          <p:nvPr/>
-        </p:nvCxnSpPr>
-        <p:spPr>
-          <a:xfrm>
-            <a:off x="13747675" y="6207010"/>
-            <a:ext cx="134988" cy="109955"/>
-          </a:xfrm>
-          <a:prstGeom prst="curvedConnector3">
-            <a:avLst>
-              <a:gd name="adj1" fmla="val 291588"/>
-            </a:avLst>
-          </a:prstGeom>
-          <a:ln>
-            <a:solidFill>
-              <a:srgbClr val="7030A0"/>
-            </a:solidFill>
-            <a:tailEnd type="triangle"/>
-          </a:ln>
-        </p:spPr>
-        <p:style>
-          <a:lnRef idx="1">
-            <a:schemeClr val="accent1"/>
-          </a:lnRef>
-          <a:fillRef idx="0">
-            <a:schemeClr val="accent1"/>
-          </a:fillRef>
-          <a:effectRef idx="0">
-            <a:schemeClr val="accent1"/>
-          </a:effectRef>
-          <a:fontRef idx="minor">
-            <a:schemeClr val="tx1"/>
-          </a:fontRef>
-        </p:style>
-      </p:cxnSp>
-      <p:sp>
-        <p:nvSpPr>
-          <p:cNvPr id="131" name="Rectangle 130">
-            <a:extLst>
-              <a:ext uri="{FF2B5EF4-FFF2-40B4-BE49-F238E27FC236}">
-                <a16:creationId xmlns:a16="http://schemas.microsoft.com/office/drawing/2014/main" id="{E7488C15-06A6-0249-AE49-1C8B0973CEAB}"/>
-              </a:ext>
-            </a:extLst>
-          </p:cNvPr>
-          <p:cNvSpPr/>
-          <p:nvPr/>
-        </p:nvSpPr>
-        <p:spPr>
-          <a:xfrm>
-            <a:off x="13744947" y="6318691"/>
-            <a:ext cx="141008" cy="222295"/>
-          </a:xfrm>
-          <a:prstGeom prst="rect">
-            <a:avLst/>
-          </a:prstGeom>
-          <a:solidFill>
-            <a:srgbClr val="7030A0"/>
-          </a:solidFill>
-          <a:ln>
-            <a:solidFill>
-              <a:srgbClr val="7030A0"/>
-            </a:solidFill>
-          </a:ln>
-          <a:effectLst/>
-        </p:spPr>
-        <p:style>
-          <a:lnRef idx="1">
-            <a:schemeClr val="accent3"/>
-          </a:lnRef>
-          <a:fillRef idx="2">
-            <a:schemeClr val="accent3"/>
-          </a:fillRef>
-          <a:effectRef idx="1">
-            <a:schemeClr val="accent3"/>
-          </a:effectRef>
-          <a:fontRef idx="minor">
-            <a:schemeClr val="dk1"/>
-          </a:fontRef>
-        </p:style>
-        <p:txBody>
-          <a:bodyPr rtlCol="0" anchor="ctr"/>
-          <a:lstStyle/>
-          <a:p>
-            <a:pPr algn="ctr"/>
-            <a:endParaRPr lang="en-SG" sz="1400"/>
-          </a:p>
-        </p:txBody>
-      </p:sp>
-      <p:cxnSp>
-        <p:nvCxnSpPr>
-          <p:cNvPr id="132" name="Curved Connector 12">
-            <a:extLst>
-              <a:ext uri="{FF2B5EF4-FFF2-40B4-BE49-F238E27FC236}">
-                <a16:creationId xmlns:a16="http://schemas.microsoft.com/office/drawing/2014/main" id="{2D68D060-E27A-A34B-AE84-C8DE578BC9EE}"/>
-              </a:ext>
-            </a:extLst>
-          </p:cNvPr>
-          <p:cNvCxnSpPr>
-            <a:cxnSpLocks/>
-          </p:cNvCxnSpPr>
-          <p:nvPr/>
-        </p:nvCxnSpPr>
-        <p:spPr>
-          <a:xfrm rot="10800000" flipV="1">
-            <a:off x="13747877" y="6538639"/>
-            <a:ext cx="127009" cy="108247"/>
-          </a:xfrm>
-          <a:prstGeom prst="curvedConnector3">
-            <a:avLst>
-              <a:gd name="adj1" fmla="val -216834"/>
-            </a:avLst>
-          </a:prstGeom>
-          <a:ln>
-            <a:solidFill>
-              <a:srgbClr val="7030A0"/>
-            </a:solidFill>
-            <a:prstDash val="sysDash"/>
-            <a:tailEnd type="triangle"/>
-          </a:ln>
-        </p:spPr>
-        <p:style>
-          <a:lnRef idx="1">
-            <a:schemeClr val="accent1"/>
-          </a:lnRef>
-          <a:fillRef idx="0">
-            <a:schemeClr val="accent1"/>
-          </a:fillRef>
-          <a:effectRef idx="0">
-            <a:schemeClr val="accent1"/>
-          </a:effectRef>
-          <a:fontRef idx="minor">
-            <a:schemeClr val="tx1"/>
-          </a:fontRef>
-        </p:style>
-      </p:cxnSp>
-      <p:cxnSp>
-        <p:nvCxnSpPr>
-          <p:cNvPr id="133" name="Straight Arrow Connector 132">
-            <a:extLst>
-              <a:ext uri="{FF2B5EF4-FFF2-40B4-BE49-F238E27FC236}">
-                <a16:creationId xmlns:a16="http://schemas.microsoft.com/office/drawing/2014/main" id="{3756951D-16F6-A741-B2B8-5ED367B10648}"/>
-              </a:ext>
-            </a:extLst>
-          </p:cNvPr>
-          <p:cNvCxnSpPr>
-            <a:cxnSpLocks/>
-          </p:cNvCxnSpPr>
-          <p:nvPr/>
-        </p:nvCxnSpPr>
-        <p:spPr>
-          <a:xfrm>
-            <a:off x="8142514" y="6693239"/>
-            <a:ext cx="5442270" cy="0"/>
-          </a:xfrm>
-          <a:prstGeom prst="straightConnector1">
-            <a:avLst/>
-          </a:prstGeom>
-          <a:ln w="19050">
-            <a:solidFill>
-              <a:srgbClr val="7030A0"/>
-            </a:solidFill>
-            <a:prstDash val="sysDash"/>
-            <a:headEnd type="arrow" w="med" len="med"/>
-            <a:tailEnd type="none" w="med" len="med"/>
-          </a:ln>
-        </p:spPr>
-        <p:style>
-          <a:lnRef idx="1">
-            <a:schemeClr val="accent1"/>
-          </a:lnRef>
-          <a:fillRef idx="0">
-            <a:schemeClr val="accent1"/>
-          </a:fillRef>
-          <a:effectRef idx="0">
-            <a:schemeClr val="accent1"/>
-          </a:effectRef>
-          <a:fontRef idx="minor">
-            <a:schemeClr val="tx1"/>
-          </a:fontRef>
-        </p:style>
-      </p:cxnSp>
-      <p:cxnSp>
-        <p:nvCxnSpPr>
-          <p:cNvPr id="136" name="Curved Connector 135">
-            <a:extLst>
-              <a:ext uri="{FF2B5EF4-FFF2-40B4-BE49-F238E27FC236}">
-                <a16:creationId xmlns:a16="http://schemas.microsoft.com/office/drawing/2014/main" id="{81427CCB-F929-F546-8126-E943C6324BE5}"/>
-              </a:ext>
-            </a:extLst>
-          </p:cNvPr>
-          <p:cNvCxnSpPr>
-            <a:cxnSpLocks/>
-          </p:cNvCxnSpPr>
-          <p:nvPr/>
-        </p:nvCxnSpPr>
-        <p:spPr>
-          <a:xfrm>
-            <a:off x="10750476" y="7283738"/>
-            <a:ext cx="134988" cy="109955"/>
-          </a:xfrm>
-          <a:prstGeom prst="curvedConnector3">
-            <a:avLst>
-              <a:gd name="adj1" fmla="val 291588"/>
-            </a:avLst>
-          </a:prstGeom>
-          <a:ln>
-            <a:solidFill>
-              <a:srgbClr val="7030A0"/>
-            </a:solidFill>
-            <a:tailEnd type="triangle"/>
-          </a:ln>
-        </p:spPr>
-        <p:style>
-          <a:lnRef idx="1">
-            <a:schemeClr val="accent1"/>
-          </a:lnRef>
-          <a:fillRef idx="0">
-            <a:schemeClr val="accent1"/>
-          </a:fillRef>
-          <a:effectRef idx="0">
-            <a:schemeClr val="accent1"/>
-          </a:effectRef>
-          <a:fontRef idx="minor">
-            <a:schemeClr val="tx1"/>
-          </a:fontRef>
-        </p:style>
-      </p:cxnSp>
-      <p:sp>
-        <p:nvSpPr>
-          <p:cNvPr id="137" name="Rectangle 136">
-            <a:extLst>
-              <a:ext uri="{FF2B5EF4-FFF2-40B4-BE49-F238E27FC236}">
-                <a16:creationId xmlns:a16="http://schemas.microsoft.com/office/drawing/2014/main" id="{1141CCBC-E8C2-F044-92E1-C8DBCACCA949}"/>
-              </a:ext>
-            </a:extLst>
-          </p:cNvPr>
-          <p:cNvSpPr/>
-          <p:nvPr/>
-        </p:nvSpPr>
-        <p:spPr>
-          <a:xfrm>
-            <a:off x="10747748" y="7391740"/>
-            <a:ext cx="148050" cy="176924"/>
-          </a:xfrm>
-          <a:prstGeom prst="rect">
-            <a:avLst/>
-          </a:prstGeom>
-          <a:solidFill>
-            <a:srgbClr val="7030A0"/>
-          </a:solidFill>
-          <a:ln>
-            <a:solidFill>
-              <a:srgbClr val="7030A0"/>
-            </a:solidFill>
-          </a:ln>
-          <a:effectLst/>
-        </p:spPr>
-        <p:style>
-          <a:lnRef idx="1">
-            <a:schemeClr val="accent3"/>
-          </a:lnRef>
-          <a:fillRef idx="2">
-            <a:schemeClr val="accent3"/>
-          </a:fillRef>
-          <a:effectRef idx="1">
-            <a:schemeClr val="accent3"/>
-          </a:effectRef>
-          <a:fontRef idx="minor">
-            <a:schemeClr val="dk1"/>
-          </a:fontRef>
-        </p:style>
-        <p:txBody>
-          <a:bodyPr rtlCol="0" anchor="ctr"/>
-          <a:lstStyle/>
-          <a:p>
-            <a:pPr algn="ctr"/>
-            <a:endParaRPr lang="en-SG" sz="1400"/>
-          </a:p>
-        </p:txBody>
-      </p:sp>
-      <p:cxnSp>
-        <p:nvCxnSpPr>
-          <p:cNvPr id="138" name="Curved Connector 12">
-            <a:extLst>
-              <a:ext uri="{FF2B5EF4-FFF2-40B4-BE49-F238E27FC236}">
-                <a16:creationId xmlns:a16="http://schemas.microsoft.com/office/drawing/2014/main" id="{3F6C7E5D-AC1F-DE4E-90C9-C82EDBAC54D4}"/>
-              </a:ext>
-            </a:extLst>
-          </p:cNvPr>
-          <p:cNvCxnSpPr>
-            <a:cxnSpLocks/>
-          </p:cNvCxnSpPr>
-          <p:nvPr/>
-        </p:nvCxnSpPr>
-        <p:spPr>
-          <a:xfrm rot="10800000" flipV="1">
-            <a:off x="10755491" y="7569361"/>
-            <a:ext cx="127009" cy="108247"/>
-          </a:xfrm>
-          <a:prstGeom prst="curvedConnector3">
-            <a:avLst>
-              <a:gd name="adj1" fmla="val -216834"/>
-            </a:avLst>
-          </a:prstGeom>
-          <a:ln>
-            <a:solidFill>
-              <a:srgbClr val="7030A0"/>
-            </a:solidFill>
-            <a:prstDash val="sysDash"/>
-            <a:tailEnd type="triangle"/>
-          </a:ln>
-        </p:spPr>
-        <p:style>
-          <a:lnRef idx="1">
-            <a:schemeClr val="accent1"/>
-          </a:lnRef>
-          <a:fillRef idx="0">
-            <a:schemeClr val="accent1"/>
-          </a:fillRef>
-          <a:effectRef idx="0">
-            <a:schemeClr val="accent1"/>
-          </a:effectRef>
-          <a:fontRef idx="minor">
-            <a:schemeClr val="tx1"/>
-          </a:fontRef>
-        </p:style>
-      </p:cxnSp>
-      <p:sp>
-        <p:nvSpPr>
-          <p:cNvPr id="139" name="TextBox 138">
-            <a:extLst>
-              <a:ext uri="{FF2B5EF4-FFF2-40B4-BE49-F238E27FC236}">
-                <a16:creationId xmlns:a16="http://schemas.microsoft.com/office/drawing/2014/main" id="{7A58218F-A38C-3546-B5AD-6F257569221C}"/>
-              </a:ext>
-            </a:extLst>
-          </p:cNvPr>
-          <p:cNvSpPr txBox="1"/>
-          <p:nvPr/>
-        </p:nvSpPr>
-        <p:spPr>
-          <a:xfrm>
-            <a:off x="6473645" y="7077438"/>
-            <a:ext cx="3602605" cy="184666"/>
-          </a:xfrm>
-          <a:prstGeom prst="rect">
-            <a:avLst/>
-          </a:prstGeom>
-          <a:noFill/>
-          <a:ln>
+              </a:endParaRPr>
+            </a:p>
+          </p:txBody>
+        </p:sp>
+        <p:sp>
+          <p:nvSpPr>
+            <p:cNvPr id="98" name="TextBox 97">
+              <a:extLst>
+                <a:ext uri="{FF2B5EF4-FFF2-40B4-BE49-F238E27FC236}">
+                  <a16:creationId xmlns:a16="http://schemas.microsoft.com/office/drawing/2014/main" id="{D9EC8E8B-5853-B942-A878-02830A6F5038}"/>
+                </a:ext>
+              </a:extLst>
+            </p:cNvPr>
+            <p:cNvSpPr txBox="1"/>
+            <p:nvPr/>
+          </p:nvSpPr>
+          <p:spPr>
+            <a:xfrm>
+              <a:off x="9864807" y="9172940"/>
+              <a:ext cx="9254858" cy="215444"/>
+            </a:xfrm>
+            <a:prstGeom prst="rect">
+              <a:avLst/>
+            </a:prstGeom>
             <a:noFill/>
-          </a:ln>
-        </p:spPr>
-        <p:txBody>
-          <a:bodyPr wrap="square" lIns="0" tIns="0" rIns="0" bIns="0" rtlCol="0">
-            <a:spAutoFit/>
-          </a:bodyPr>
-          <a:lstStyle>
-            <a:defPPr>
-              <a:defRPr lang="en-US"/>
-            </a:defPPr>
-            <a:lvl1pPr algn="r">
-              <a:defRPr sz="1400">
-                <a:solidFill>
-                  <a:srgbClr val="0070C0"/>
-                </a:solidFill>
-              </a:defRPr>
-            </a:lvl1pPr>
-          </a:lstStyle>
-          <a:p>
-            <a:r>
-              <a:rPr lang="en-US" sz="1200" err="1">
+          </p:spPr>
+          <p:txBody>
+            <a:bodyPr wrap="square" lIns="0" tIns="0" rIns="0" bIns="0" rtlCol="0">
+              <a:spAutoFit/>
+            </a:bodyPr>
+            <a:lstStyle/>
+            <a:p>
+              <a:r>
+                <a:rPr lang="en-US" sz="1400">
+                  <a:solidFill>
+                    <a:srgbClr val="7030A0"/>
+                  </a:solidFill>
+                </a:rPr>
+                <a:t>bs = battleship, cs = coordinates, ot = orientation</a:t>
+              </a:r>
+            </a:p>
+          </p:txBody>
+        </p:sp>
+        <p:sp>
+          <p:nvSpPr>
+            <p:cNvPr id="101" name="TextBox 100">
+              <a:extLst>
+                <a:ext uri="{FF2B5EF4-FFF2-40B4-BE49-F238E27FC236}">
+                  <a16:creationId xmlns:a16="http://schemas.microsoft.com/office/drawing/2014/main" id="{D97A1F6F-959F-8442-AF14-D612661177B6}"/>
+                </a:ext>
+              </a:extLst>
+            </p:cNvPr>
+            <p:cNvSpPr txBox="1"/>
+            <p:nvPr/>
+          </p:nvSpPr>
+          <p:spPr>
+            <a:xfrm>
+              <a:off x="8287397" y="5461793"/>
+              <a:ext cx="4440061" cy="184666"/>
+            </a:xfrm>
+            <a:prstGeom prst="rect">
+              <a:avLst/>
+            </a:prstGeom>
+            <a:noFill/>
+            <a:ln>
+              <a:noFill/>
+            </a:ln>
+          </p:spPr>
+          <p:txBody>
+            <a:bodyPr wrap="square" lIns="0" tIns="0" rIns="0" bIns="0" rtlCol="0">
+              <a:spAutoFit/>
+            </a:bodyPr>
+            <a:lstStyle>
+              <a:defPPr>
+                <a:defRPr lang="en-US"/>
+              </a:defPPr>
+              <a:lvl1pPr algn="r">
+                <a:defRPr sz="1400">
+                  <a:solidFill>
+                    <a:srgbClr val="0070C0"/>
+                  </a:solidFill>
+                </a:defRPr>
+              </a:lvl1pPr>
+            </a:lstStyle>
+            <a:p>
+              <a:pPr algn="l"/>
+              <a:r>
+                <a:rPr lang="en-US" sz="1200" err="1">
+                  <a:solidFill>
+                    <a:srgbClr val="7030A0"/>
+                  </a:solidFill>
+                </a:rPr>
+                <a:t>new BoundaryValueChecker(mapGrid, bs, cs, ot)</a:t>
+              </a:r>
+              <a:endParaRPr lang="en-US" sz="1200">
                 <a:solidFill>
                   <a:srgbClr val="7030A0"/>
                 </a:solidFill>
-              </a:rPr>
-              <a:t>deployBattleship</a:t>
-            </a:r>
-            <a:r>
-              <a:rPr lang="en-US" sz="1200">
-                <a:solidFill>
-                  <a:srgbClr val="7030A0"/>
-                </a:solidFill>
-              </a:rPr>
-              <a:t>(bs, cs, ot)</a:t>
-            </a:r>
-            <a:endParaRPr lang="en-US" sz="1200">
-              <a:solidFill>
-                <a:schemeClr val="accent4">
-                  <a:lumMod val="75000"/>
-                </a:schemeClr>
-              </a:solidFill>
-            </a:endParaRPr>
-          </a:p>
-        </p:txBody>
-      </p:sp>
-      <p:sp>
-        <p:nvSpPr>
-          <p:cNvPr id="140" name="Rectangle 139">
-            <a:extLst>
-              <a:ext uri="{FF2B5EF4-FFF2-40B4-BE49-F238E27FC236}">
-                <a16:creationId xmlns:a16="http://schemas.microsoft.com/office/drawing/2014/main" id="{A72C36BA-2675-E243-B18E-532FAF184C51}"/>
-              </a:ext>
-            </a:extLst>
-          </p:cNvPr>
-          <p:cNvSpPr/>
-          <p:nvPr/>
-        </p:nvSpPr>
-        <p:spPr>
-          <a:xfrm>
-            <a:off x="12188829" y="4496809"/>
-            <a:ext cx="129933" cy="299071"/>
-          </a:xfrm>
-          <a:prstGeom prst="rect">
-            <a:avLst/>
-          </a:prstGeom>
-          <a:solidFill>
-            <a:schemeClr val="tx1">
-              <a:lumMod val="65000"/>
-              <a:lumOff val="35000"/>
-            </a:schemeClr>
-          </a:solidFill>
-          <a:ln>
-            <a:solidFill>
-              <a:schemeClr val="tx1">
-                <a:lumMod val="65000"/>
-                <a:lumOff val="35000"/>
-              </a:schemeClr>
-            </a:solidFill>
-          </a:ln>
-          <a:effectLst/>
-        </p:spPr>
-        <p:style>
-          <a:lnRef idx="1">
-            <a:schemeClr val="accent3"/>
-          </a:lnRef>
-          <a:fillRef idx="2">
-            <a:schemeClr val="accent3"/>
-          </a:fillRef>
-          <a:effectRef idx="1">
-            <a:schemeClr val="accent3"/>
-          </a:effectRef>
-          <a:fontRef idx="minor">
-            <a:schemeClr val="dk1"/>
-          </a:fontRef>
-        </p:style>
-        <p:txBody>
-          <a:bodyPr rtlCol="0" anchor="ctr"/>
-          <a:lstStyle/>
-          <a:p>
-            <a:pPr algn="ctr"/>
-            <a:endParaRPr lang="en-SG" sz="1400"/>
-          </a:p>
-        </p:txBody>
-      </p:sp>
-      <p:sp>
-        <p:nvSpPr>
-          <p:cNvPr id="151" name="Rectangle 150">
-            <a:extLst>
-              <a:ext uri="{FF2B5EF4-FFF2-40B4-BE49-F238E27FC236}">
-                <a16:creationId xmlns:a16="http://schemas.microsoft.com/office/drawing/2014/main" id="{C8632732-82EF-774E-BB24-848032F335AC}"/>
-              </a:ext>
-            </a:extLst>
-          </p:cNvPr>
-          <p:cNvSpPr/>
-          <p:nvPr/>
-        </p:nvSpPr>
-        <p:spPr>
-          <a:xfrm>
-            <a:off x="10591282" y="7282756"/>
-            <a:ext cx="168896" cy="539645"/>
-          </a:xfrm>
-          <a:prstGeom prst="rect">
-            <a:avLst/>
-          </a:prstGeom>
-          <a:solidFill>
-            <a:srgbClr val="7030A0"/>
-          </a:solidFill>
-          <a:ln>
-            <a:solidFill>
-              <a:srgbClr val="7030A0"/>
-            </a:solidFill>
-          </a:ln>
-          <a:effectLst/>
-        </p:spPr>
-        <p:style>
-          <a:lnRef idx="1">
-            <a:schemeClr val="accent3"/>
-          </a:lnRef>
-          <a:fillRef idx="2">
-            <a:schemeClr val="accent3"/>
-          </a:fillRef>
-          <a:effectRef idx="1">
-            <a:schemeClr val="accent3"/>
-          </a:effectRef>
-          <a:fontRef idx="minor">
-            <a:schemeClr val="dk1"/>
-          </a:fontRef>
-        </p:style>
-        <p:txBody>
-          <a:bodyPr rtlCol="0" anchor="ctr"/>
-          <a:lstStyle/>
-          <a:p>
-            <a:pPr algn="ctr"/>
-            <a:endParaRPr lang="en-SG" sz="1400"/>
-          </a:p>
-        </p:txBody>
-      </p:sp>
-      <p:cxnSp>
-        <p:nvCxnSpPr>
-          <p:cNvPr id="167" name="Straight Arrow Connector 166">
-            <a:extLst>
-              <a:ext uri="{FF2B5EF4-FFF2-40B4-BE49-F238E27FC236}">
-                <a16:creationId xmlns:a16="http://schemas.microsoft.com/office/drawing/2014/main" id="{1A6F8B90-7EFD-C14A-B429-23B9763226FB}"/>
-              </a:ext>
-            </a:extLst>
-          </p:cNvPr>
-          <p:cNvCxnSpPr>
-            <a:cxnSpLocks/>
-          </p:cNvCxnSpPr>
-          <p:nvPr/>
-        </p:nvCxnSpPr>
-        <p:spPr>
-          <a:xfrm>
-            <a:off x="8136610" y="7279874"/>
-            <a:ext cx="2454673" cy="0"/>
-          </a:xfrm>
-          <a:prstGeom prst="straightConnector1">
-            <a:avLst/>
-          </a:prstGeom>
-          <a:ln w="19050">
-            <a:solidFill>
-              <a:srgbClr val="7030A0"/>
-            </a:solidFill>
-            <a:tailEnd type="arrow"/>
-          </a:ln>
-        </p:spPr>
-        <p:style>
-          <a:lnRef idx="1">
-            <a:schemeClr val="accent1"/>
-          </a:lnRef>
-          <a:fillRef idx="0">
-            <a:schemeClr val="accent1"/>
-          </a:fillRef>
-          <a:effectRef idx="0">
-            <a:schemeClr val="accent1"/>
-          </a:effectRef>
-          <a:fontRef idx="minor">
-            <a:schemeClr val="tx1"/>
-          </a:fontRef>
-        </p:style>
-      </p:cxnSp>
-      <p:cxnSp>
-        <p:nvCxnSpPr>
-          <p:cNvPr id="169" name="Straight Arrow Connector 168">
-            <a:extLst>
-              <a:ext uri="{FF2B5EF4-FFF2-40B4-BE49-F238E27FC236}">
-                <a16:creationId xmlns:a16="http://schemas.microsoft.com/office/drawing/2014/main" id="{6D875A2D-6937-0D43-A0DA-2779A5CAB692}"/>
-              </a:ext>
-            </a:extLst>
-          </p:cNvPr>
-          <p:cNvCxnSpPr>
-            <a:cxnSpLocks/>
-          </p:cNvCxnSpPr>
-          <p:nvPr/>
-        </p:nvCxnSpPr>
-        <p:spPr>
-          <a:xfrm>
-            <a:off x="8139641" y="7817074"/>
-            <a:ext cx="2546720" cy="0"/>
-          </a:xfrm>
-          <a:prstGeom prst="straightConnector1">
-            <a:avLst/>
-          </a:prstGeom>
-          <a:ln w="19050">
-            <a:solidFill>
-              <a:srgbClr val="7030A0"/>
-            </a:solidFill>
-            <a:prstDash val="sysDash"/>
-            <a:headEnd type="arrow" w="med" len="med"/>
-            <a:tailEnd type="none" w="med" len="med"/>
-          </a:ln>
-        </p:spPr>
-        <p:style>
-          <a:lnRef idx="1">
-            <a:schemeClr val="accent1"/>
-          </a:lnRef>
-          <a:fillRef idx="0">
-            <a:schemeClr val="accent1"/>
-          </a:fillRef>
-          <a:effectRef idx="0">
-            <a:schemeClr val="accent1"/>
-          </a:effectRef>
-          <a:fontRef idx="minor">
-            <a:schemeClr val="tx1"/>
-          </a:fontRef>
-        </p:style>
-      </p:cxnSp>
-      <p:sp>
-        <p:nvSpPr>
-          <p:cNvPr id="49" name="Rectangle 48"/>
-          <p:cNvSpPr/>
-          <p:nvPr/>
-        </p:nvSpPr>
-        <p:spPr>
-          <a:xfrm>
-            <a:off x="10591282" y="4384747"/>
-            <a:ext cx="168896" cy="536169"/>
-          </a:xfrm>
-          <a:prstGeom prst="rect">
-            <a:avLst/>
-          </a:prstGeom>
-          <a:solidFill>
-            <a:srgbClr val="7030A0"/>
-          </a:solidFill>
-          <a:ln>
-            <a:solidFill>
-              <a:srgbClr val="7030A0"/>
-            </a:solidFill>
-          </a:ln>
-          <a:effectLst/>
-        </p:spPr>
-        <p:style>
-          <a:lnRef idx="1">
-            <a:schemeClr val="accent3"/>
-          </a:lnRef>
-          <a:fillRef idx="2">
-            <a:schemeClr val="accent3"/>
-          </a:fillRef>
-          <a:effectRef idx="1">
-            <a:schemeClr val="accent3"/>
-          </a:effectRef>
-          <a:fontRef idx="minor">
-            <a:schemeClr val="dk1"/>
-          </a:fontRef>
-        </p:style>
-        <p:txBody>
-          <a:bodyPr rtlCol="0" anchor="ctr"/>
-          <a:lstStyle/>
-          <a:p>
-            <a:pPr algn="ctr"/>
-            <a:endParaRPr lang="en-SG" sz="1400"/>
-          </a:p>
-        </p:txBody>
-      </p:sp>
-      <p:sp>
-        <p:nvSpPr>
-          <p:cNvPr id="95" name="Rectangle 94">
-            <a:extLst>
-              <a:ext uri="{FF2B5EF4-FFF2-40B4-BE49-F238E27FC236}">
-                <a16:creationId xmlns:a16="http://schemas.microsoft.com/office/drawing/2014/main" id="{9499F6F2-4A04-9047-8D5A-2FD1F6DD311F}"/>
-              </a:ext>
-            </a:extLst>
-          </p:cNvPr>
-          <p:cNvSpPr/>
-          <p:nvPr/>
-        </p:nvSpPr>
-        <p:spPr>
-          <a:xfrm>
-            <a:off x="13578975" y="5908103"/>
-            <a:ext cx="168896" cy="174042"/>
-          </a:xfrm>
-          <a:prstGeom prst="rect">
-            <a:avLst/>
-          </a:prstGeom>
-          <a:solidFill>
-            <a:srgbClr val="7030A0"/>
-          </a:solidFill>
-          <a:ln>
-            <a:solidFill>
-              <a:srgbClr val="7030A0"/>
-            </a:solidFill>
-          </a:ln>
-          <a:effectLst/>
-        </p:spPr>
-        <p:style>
-          <a:lnRef idx="1">
-            <a:schemeClr val="accent3"/>
-          </a:lnRef>
-          <a:fillRef idx="2">
-            <a:schemeClr val="accent3"/>
-          </a:fillRef>
-          <a:effectRef idx="1">
-            <a:schemeClr val="accent3"/>
-          </a:effectRef>
-          <a:fontRef idx="minor">
-            <a:schemeClr val="dk1"/>
-          </a:fontRef>
-        </p:style>
-        <p:txBody>
-          <a:bodyPr rtlCol="0" anchor="ctr"/>
-          <a:lstStyle/>
-          <a:p>
-            <a:pPr algn="ctr"/>
-            <a:endParaRPr lang="en-SG" sz="1400"/>
-          </a:p>
-        </p:txBody>
-      </p:sp>
-      <p:sp>
-        <p:nvSpPr>
-          <p:cNvPr id="97" name="Rectangle 96">
-            <a:extLst>
-              <a:ext uri="{FF2B5EF4-FFF2-40B4-BE49-F238E27FC236}">
-                <a16:creationId xmlns:a16="http://schemas.microsoft.com/office/drawing/2014/main" id="{4873ED37-62EB-1242-BD75-3C7E57E41172}"/>
-              </a:ext>
-            </a:extLst>
-          </p:cNvPr>
-          <p:cNvSpPr/>
-          <p:nvPr/>
-        </p:nvSpPr>
-        <p:spPr>
-          <a:xfrm>
-            <a:off x="10591282" y="5154989"/>
-            <a:ext cx="168896" cy="297222"/>
-          </a:xfrm>
-          <a:prstGeom prst="rect">
-            <a:avLst/>
-          </a:prstGeom>
-          <a:solidFill>
-            <a:srgbClr val="7030A0"/>
-          </a:solidFill>
-          <a:ln>
-            <a:solidFill>
-              <a:srgbClr val="7030A0"/>
-            </a:solidFill>
-          </a:ln>
-          <a:effectLst/>
-        </p:spPr>
-        <p:style>
-          <a:lnRef idx="1">
-            <a:schemeClr val="accent3"/>
-          </a:lnRef>
-          <a:fillRef idx="2">
-            <a:schemeClr val="accent3"/>
-          </a:fillRef>
-          <a:effectRef idx="1">
-            <a:schemeClr val="accent3"/>
-          </a:effectRef>
-          <a:fontRef idx="minor">
-            <a:schemeClr val="dk1"/>
-          </a:fontRef>
-        </p:style>
-        <p:txBody>
-          <a:bodyPr rtlCol="0" anchor="ctr"/>
-          <a:lstStyle/>
-          <a:p>
-            <a:pPr algn="ctr"/>
-            <a:endParaRPr lang="en-SG" sz="1400"/>
-          </a:p>
-        </p:txBody>
-      </p:sp>
-      <p:cxnSp>
-        <p:nvCxnSpPr>
-          <p:cNvPr id="99" name="Straight Arrow Connector 98">
-            <a:extLst>
-              <a:ext uri="{FF2B5EF4-FFF2-40B4-BE49-F238E27FC236}">
-                <a16:creationId xmlns:a16="http://schemas.microsoft.com/office/drawing/2014/main" id="{FEFC6A07-EAC7-D04C-BA68-56DCED02C5D2}"/>
-              </a:ext>
-            </a:extLst>
-          </p:cNvPr>
-          <p:cNvCxnSpPr>
-            <a:cxnSpLocks/>
-          </p:cNvCxnSpPr>
-          <p:nvPr/>
-        </p:nvCxnSpPr>
-        <p:spPr>
-          <a:xfrm>
-            <a:off x="8136610" y="5154989"/>
-            <a:ext cx="2454673" cy="0"/>
-          </a:xfrm>
-          <a:prstGeom prst="straightConnector1">
-            <a:avLst/>
-          </a:prstGeom>
-          <a:ln w="19050">
-            <a:solidFill>
-              <a:srgbClr val="7030A0"/>
-            </a:solidFill>
-            <a:tailEnd type="arrow"/>
-          </a:ln>
-        </p:spPr>
-        <p:style>
-          <a:lnRef idx="1">
-            <a:schemeClr val="accent1"/>
-          </a:lnRef>
-          <a:fillRef idx="0">
-            <a:schemeClr val="accent1"/>
-          </a:fillRef>
-          <a:effectRef idx="0">
-            <a:schemeClr val="accent1"/>
-          </a:effectRef>
-          <a:fontRef idx="minor">
-            <a:schemeClr val="tx1"/>
-          </a:fontRef>
-        </p:style>
-      </p:cxnSp>
-      <p:cxnSp>
-        <p:nvCxnSpPr>
-          <p:cNvPr id="100" name="Straight Arrow Connector 99">
-            <a:extLst>
-              <a:ext uri="{FF2B5EF4-FFF2-40B4-BE49-F238E27FC236}">
-                <a16:creationId xmlns:a16="http://schemas.microsoft.com/office/drawing/2014/main" id="{4C797AB4-53E0-DC4C-9150-011C43CE8065}"/>
-              </a:ext>
-            </a:extLst>
-          </p:cNvPr>
-          <p:cNvCxnSpPr>
-            <a:cxnSpLocks/>
-          </p:cNvCxnSpPr>
-          <p:nvPr/>
-        </p:nvCxnSpPr>
-        <p:spPr>
-          <a:xfrm>
-            <a:off x="8139641" y="5446067"/>
-            <a:ext cx="2457450" cy="0"/>
-          </a:xfrm>
-          <a:prstGeom prst="straightConnector1">
-            <a:avLst/>
-          </a:prstGeom>
-          <a:ln w="19050">
-            <a:solidFill>
-              <a:srgbClr val="7030A0"/>
-            </a:solidFill>
-            <a:prstDash val="sysDash"/>
-            <a:headEnd type="arrow" w="med" len="med"/>
-            <a:tailEnd type="none" w="med" len="med"/>
-          </a:ln>
-        </p:spPr>
-        <p:style>
-          <a:lnRef idx="1">
-            <a:schemeClr val="accent1"/>
-          </a:lnRef>
-          <a:fillRef idx="0">
-            <a:schemeClr val="accent1"/>
-          </a:fillRef>
-          <a:effectRef idx="0">
-            <a:schemeClr val="accent1"/>
-          </a:effectRef>
-          <a:fontRef idx="minor">
-            <a:schemeClr val="tx1"/>
-          </a:fontRef>
-        </p:style>
-      </p:cxnSp>
-      <p:sp>
-        <p:nvSpPr>
-          <p:cNvPr id="105" name="TextBox 104">
-            <a:extLst>
-              <a:ext uri="{FF2B5EF4-FFF2-40B4-BE49-F238E27FC236}">
-                <a16:creationId xmlns:a16="http://schemas.microsoft.com/office/drawing/2014/main" id="{5202EE9D-B570-F048-97B0-1128F3AFF2E9}"/>
-              </a:ext>
-            </a:extLst>
-          </p:cNvPr>
-          <p:cNvSpPr txBox="1"/>
-          <p:nvPr/>
-        </p:nvSpPr>
-        <p:spPr>
-          <a:xfrm>
-            <a:off x="8309745" y="4953556"/>
-            <a:ext cx="2332116" cy="184666"/>
-          </a:xfrm>
-          <a:prstGeom prst="rect">
-            <a:avLst/>
-          </a:prstGeom>
-          <a:noFill/>
-          <a:ln>
-            <a:noFill/>
-          </a:ln>
-        </p:spPr>
-        <p:txBody>
-          <a:bodyPr wrap="square" lIns="0" tIns="0" rIns="0" bIns="0" rtlCol="0">
-            <a:spAutoFit/>
-          </a:bodyPr>
-          <a:lstStyle>
-            <a:defPPr>
-              <a:defRPr lang="en-US"/>
-            </a:defPPr>
-            <a:lvl1pPr algn="r">
-              <a:defRPr sz="1400">
-                <a:solidFill>
-                  <a:srgbClr val="0070C0"/>
-                </a:solidFill>
-              </a:defRPr>
-            </a:lvl1pPr>
-          </a:lstStyle>
-          <a:p>
-            <a:pPr algn="ctr"/>
-            <a:r>
-              <a:rPr lang="en-US" sz="1200" err="1">
-                <a:solidFill>
-                  <a:srgbClr val="7030A0"/>
-                </a:solidFill>
-              </a:rPr>
-              <a:t>isEnoughBattleships(bs, 1)</a:t>
-            </a:r>
-            <a:endParaRPr lang="en-US" sz="1200">
-              <a:solidFill>
-                <a:srgbClr val="7030A0"/>
-              </a:solidFill>
-            </a:endParaRPr>
-          </a:p>
-        </p:txBody>
-      </p:sp>
-      <p:cxnSp>
-        <p:nvCxnSpPr>
-          <p:cNvPr id="107" name="Straight Arrow Connector 106">
-            <a:extLst>
-              <a:ext uri="{FF2B5EF4-FFF2-40B4-BE49-F238E27FC236}">
-                <a16:creationId xmlns:a16="http://schemas.microsoft.com/office/drawing/2014/main" id="{A901C160-EAAB-B84F-A3CB-29327EB10D48}"/>
-              </a:ext>
-            </a:extLst>
-          </p:cNvPr>
-          <p:cNvCxnSpPr>
-            <a:cxnSpLocks/>
-          </p:cNvCxnSpPr>
-          <p:nvPr/>
-        </p:nvCxnSpPr>
-        <p:spPr>
-          <a:xfrm>
-            <a:off x="8139641" y="6078321"/>
-            <a:ext cx="5520941" cy="0"/>
-          </a:xfrm>
-          <a:prstGeom prst="straightConnector1">
-            <a:avLst/>
-          </a:prstGeom>
-          <a:ln w="19050">
-            <a:solidFill>
-              <a:srgbClr val="7030A0"/>
-            </a:solidFill>
-            <a:prstDash val="sysDash"/>
-            <a:headEnd type="arrow" w="med" len="med"/>
-            <a:tailEnd type="none" w="med" len="med"/>
-          </a:ln>
-        </p:spPr>
-        <p:style>
-          <a:lnRef idx="1">
-            <a:schemeClr val="accent1"/>
-          </a:lnRef>
-          <a:fillRef idx="0">
-            <a:schemeClr val="accent1"/>
-          </a:fillRef>
-          <a:effectRef idx="0">
-            <a:schemeClr val="accent1"/>
-          </a:effectRef>
-          <a:fontRef idx="minor">
-            <a:schemeClr val="tx1"/>
-          </a:fontRef>
-        </p:style>
-      </p:cxnSp>
-      <p:cxnSp>
-        <p:nvCxnSpPr>
-          <p:cNvPr id="92" name="Straight Arrow Connector 91">
-            <a:extLst>
-              <a:ext uri="{FF2B5EF4-FFF2-40B4-BE49-F238E27FC236}">
-                <a16:creationId xmlns:a16="http://schemas.microsoft.com/office/drawing/2014/main" id="{BB3190FB-CC68-A046-AA74-31A0A577EAE8}"/>
-              </a:ext>
-            </a:extLst>
-          </p:cNvPr>
-          <p:cNvCxnSpPr>
-            <a:cxnSpLocks/>
-          </p:cNvCxnSpPr>
-          <p:nvPr/>
-        </p:nvCxnSpPr>
-        <p:spPr>
-          <a:xfrm>
-            <a:off x="7994590" y="4387872"/>
-            <a:ext cx="2606906" cy="0"/>
-          </a:xfrm>
-          <a:prstGeom prst="straightConnector1">
-            <a:avLst/>
-          </a:prstGeom>
-          <a:ln w="19050">
-            <a:solidFill>
-              <a:srgbClr val="7030A0"/>
-            </a:solidFill>
-            <a:tailEnd type="arrow"/>
-          </a:ln>
-        </p:spPr>
-        <p:style>
-          <a:lnRef idx="1">
-            <a:schemeClr val="accent1"/>
-          </a:lnRef>
-          <a:fillRef idx="0">
-            <a:schemeClr val="accent1"/>
-          </a:fillRef>
-          <a:effectRef idx="0">
-            <a:schemeClr val="accent1"/>
-          </a:effectRef>
-          <a:fontRef idx="minor">
-            <a:schemeClr val="tx1"/>
-          </a:fontRef>
-        </p:style>
-      </p:cxnSp>
-      <p:sp>
-        <p:nvSpPr>
-          <p:cNvPr id="65" name="Rectangle 64"/>
-          <p:cNvSpPr/>
-          <p:nvPr/>
-        </p:nvSpPr>
-        <p:spPr>
-          <a:xfrm>
-            <a:off x="7965180" y="3824798"/>
-            <a:ext cx="169682" cy="4877878"/>
-          </a:xfrm>
-          <a:prstGeom prst="rect">
-            <a:avLst/>
-          </a:prstGeom>
-          <a:solidFill>
-            <a:srgbClr val="0070C0"/>
-          </a:solidFill>
-          <a:ln>
-            <a:solidFill>
-              <a:srgbClr val="0070C0"/>
-            </a:solidFill>
-          </a:ln>
-          <a:effectLst/>
-        </p:spPr>
-        <p:style>
-          <a:lnRef idx="1">
-            <a:schemeClr val="accent3"/>
-          </a:lnRef>
-          <a:fillRef idx="2">
-            <a:schemeClr val="accent3"/>
-          </a:fillRef>
-          <a:effectRef idx="1">
-            <a:schemeClr val="accent3"/>
-          </a:effectRef>
-          <a:fontRef idx="minor">
-            <a:schemeClr val="dk1"/>
-          </a:fontRef>
-        </p:style>
-        <p:txBody>
-          <a:bodyPr rtlCol="0" anchor="ctr"/>
-          <a:lstStyle/>
-          <a:p>
-            <a:pPr algn="ctr"/>
-            <a:endParaRPr lang="en-SG" sz="1400"/>
-          </a:p>
-        </p:txBody>
-      </p:sp>
-      <p:sp>
-        <p:nvSpPr>
-          <p:cNvPr id="122" name="Rectangle 62">
-            <a:extLst>
-              <a:ext uri="{FF2B5EF4-FFF2-40B4-BE49-F238E27FC236}">
-                <a16:creationId xmlns:a16="http://schemas.microsoft.com/office/drawing/2014/main" id="{CFEC3571-1124-E34D-85CF-1856E29D0A87}"/>
-              </a:ext>
-            </a:extLst>
-          </p:cNvPr>
-          <p:cNvSpPr/>
-          <p:nvPr/>
-        </p:nvSpPr>
-        <p:spPr>
-          <a:xfrm>
-            <a:off x="3782115" y="1314783"/>
-            <a:ext cx="1941791" cy="234000"/>
-          </a:xfrm>
-          <a:prstGeom prst="rect">
-            <a:avLst/>
-          </a:prstGeom>
-          <a:solidFill>
-            <a:srgbClr val="0070C0"/>
-          </a:solidFill>
-          <a:ln w="19050">
-            <a:solidFill>
-              <a:srgbClr val="0070C0"/>
-            </a:solidFill>
-          </a:ln>
-          <a:effectLst/>
-        </p:spPr>
-        <p:style>
-          <a:lnRef idx="1">
-            <a:schemeClr val="accent2"/>
-          </a:lnRef>
-          <a:fillRef idx="2">
-            <a:schemeClr val="accent2"/>
-          </a:fillRef>
-          <a:effectRef idx="1">
-            <a:schemeClr val="accent2"/>
-          </a:effectRef>
-          <a:fontRef idx="minor">
-            <a:schemeClr val="dk1"/>
-          </a:fontRef>
-        </p:style>
-        <p:txBody>
-          <a:bodyPr rtlCol="0" anchor="ctr"/>
-          <a:lstStyle/>
-          <a:p>
-            <a:pPr algn="ctr"/>
-            <a:r>
-              <a:rPr lang="en-US" sz="1600" dirty="0">
-                <a:solidFill>
-                  <a:schemeClr val="bg1"/>
-                </a:solidFill>
-              </a:rPr>
-              <a:t>:BattleshipParser</a:t>
-            </a:r>
-            <a:endParaRPr lang="en-SG" sz="1600" dirty="0">
-              <a:solidFill>
-                <a:schemeClr val="bg1"/>
-              </a:solidFill>
-            </a:endParaRPr>
-          </a:p>
-        </p:txBody>
-      </p:sp>
-      <p:sp>
-        <p:nvSpPr>
-          <p:cNvPr id="6" name="Rectangle 5"/>
-          <p:cNvSpPr/>
-          <p:nvPr/>
-        </p:nvSpPr>
-        <p:spPr>
-          <a:xfrm>
-            <a:off x="2210832" y="1890609"/>
-            <a:ext cx="168205" cy="6986691"/>
-          </a:xfrm>
-          <a:prstGeom prst="rect">
-            <a:avLst/>
-          </a:prstGeom>
-          <a:solidFill>
-            <a:srgbClr val="0070C0"/>
-          </a:solidFill>
-          <a:ln>
-            <a:solidFill>
-              <a:srgbClr val="0070C0"/>
-            </a:solidFill>
-          </a:ln>
-          <a:effectLst/>
-        </p:spPr>
-        <p:style>
-          <a:lnRef idx="1">
-            <a:schemeClr val="accent3"/>
-          </a:lnRef>
-          <a:fillRef idx="2">
-            <a:schemeClr val="accent3"/>
-          </a:fillRef>
-          <a:effectRef idx="1">
-            <a:schemeClr val="accent3"/>
-          </a:effectRef>
-          <a:fontRef idx="minor">
-            <a:schemeClr val="dk1"/>
-          </a:fontRef>
-        </p:style>
-        <p:txBody>
-          <a:bodyPr rtlCol="0" anchor="ctr"/>
-          <a:lstStyle/>
-          <a:p>
-            <a:pPr algn="ctr"/>
-            <a:endParaRPr lang="en-SG" sz="1400" dirty="0"/>
-          </a:p>
-        </p:txBody>
-      </p:sp>
-      <p:sp>
-        <p:nvSpPr>
-          <p:cNvPr id="93" name="TextBox 92">
-            <a:extLst>
-              <a:ext uri="{FF2B5EF4-FFF2-40B4-BE49-F238E27FC236}">
-                <a16:creationId xmlns:a16="http://schemas.microsoft.com/office/drawing/2014/main" id="{CEA2C275-9535-314B-899A-51AFCB7A8370}"/>
-              </a:ext>
-            </a:extLst>
-          </p:cNvPr>
-          <p:cNvSpPr txBox="1"/>
-          <p:nvPr/>
-        </p:nvSpPr>
-        <p:spPr>
-          <a:xfrm>
-            <a:off x="10231396" y="7082490"/>
-            <a:ext cx="3281404" cy="184666"/>
-          </a:xfrm>
-          <a:prstGeom prst="rect">
-            <a:avLst/>
-          </a:prstGeom>
-          <a:noFill/>
-          <a:ln>
-            <a:noFill/>
-          </a:ln>
-        </p:spPr>
-        <p:txBody>
-          <a:bodyPr wrap="square" lIns="0" tIns="0" rIns="0" bIns="0" rtlCol="0">
-            <a:spAutoFit/>
-          </a:bodyPr>
-          <a:lstStyle>
-            <a:defPPr>
-              <a:defRPr lang="en-US"/>
-            </a:defPPr>
-            <a:lvl1pPr algn="r">
-              <a:defRPr sz="1400">
-                <a:solidFill>
-                  <a:srgbClr val="0070C0"/>
-                </a:solidFill>
-              </a:defRPr>
-            </a:lvl1pPr>
-          </a:lstStyle>
-          <a:p>
-            <a:r>
-              <a:rPr lang="en-SG" sz="1200" err="1">
-                <a:solidFill>
-                  <a:srgbClr val="7030A0"/>
-                </a:solidFill>
-              </a:rPr>
-              <a:t> getFleet().deployOneBattleship(bs, cs, ot); </a:t>
-            </a:r>
-            <a:endParaRPr lang="en-US" sz="1200">
-              <a:solidFill>
-                <a:schemeClr val="accent4">
-                  <a:lumMod val="75000"/>
-                </a:schemeClr>
-              </a:solidFill>
-            </a:endParaRPr>
-          </a:p>
-        </p:txBody>
-      </p:sp>
-      <p:sp>
-        <p:nvSpPr>
-          <p:cNvPr id="98" name="TextBox 97">
-            <a:extLst>
-              <a:ext uri="{FF2B5EF4-FFF2-40B4-BE49-F238E27FC236}">
-                <a16:creationId xmlns:a16="http://schemas.microsoft.com/office/drawing/2014/main" id="{D9EC8E8B-5853-B942-A878-02830A6F5038}"/>
-              </a:ext>
-            </a:extLst>
-          </p:cNvPr>
-          <p:cNvSpPr txBox="1"/>
-          <p:nvPr/>
-        </p:nvSpPr>
-        <p:spPr>
-          <a:xfrm>
-            <a:off x="9864807" y="9172940"/>
-            <a:ext cx="9254858" cy="215444"/>
-          </a:xfrm>
-          <a:prstGeom prst="rect">
-            <a:avLst/>
-          </a:prstGeom>
-          <a:noFill/>
-        </p:spPr>
-        <p:txBody>
-          <a:bodyPr wrap="square" lIns="0" tIns="0" rIns="0" bIns="0" rtlCol="0">
-            <a:spAutoFit/>
-          </a:bodyPr>
-          <a:lstStyle/>
-          <a:p>
-            <a:r>
-              <a:rPr lang="en-US" sz="1400">
-                <a:solidFill>
-                  <a:srgbClr val="7030A0"/>
-                </a:solidFill>
-              </a:rPr>
-              <a:t>bs = battleship, cs = coordinates, ot = orientation</a:t>
-            </a:r>
-          </a:p>
-        </p:txBody>
-      </p:sp>
-      <p:sp>
-        <p:nvSpPr>
-          <p:cNvPr id="101" name="TextBox 100">
-            <a:extLst>
-              <a:ext uri="{FF2B5EF4-FFF2-40B4-BE49-F238E27FC236}">
-                <a16:creationId xmlns:a16="http://schemas.microsoft.com/office/drawing/2014/main" id="{D97A1F6F-959F-8442-AF14-D612661177B6}"/>
-              </a:ext>
-            </a:extLst>
-          </p:cNvPr>
-          <p:cNvSpPr txBox="1"/>
-          <p:nvPr/>
-        </p:nvSpPr>
-        <p:spPr>
-          <a:xfrm>
-            <a:off x="8287397" y="5461793"/>
-            <a:ext cx="4440061" cy="184666"/>
-          </a:xfrm>
-          <a:prstGeom prst="rect">
-            <a:avLst/>
-          </a:prstGeom>
-          <a:noFill/>
-          <a:ln>
-            <a:noFill/>
-          </a:ln>
-        </p:spPr>
-        <p:txBody>
-          <a:bodyPr wrap="square" lIns="0" tIns="0" rIns="0" bIns="0" rtlCol="0">
-            <a:spAutoFit/>
-          </a:bodyPr>
-          <a:lstStyle>
-            <a:defPPr>
-              <a:defRPr lang="en-US"/>
-            </a:defPPr>
-            <a:lvl1pPr algn="r">
-              <a:defRPr sz="1400">
-                <a:solidFill>
-                  <a:srgbClr val="0070C0"/>
-                </a:solidFill>
-              </a:defRPr>
-            </a:lvl1pPr>
-          </a:lstStyle>
-          <a:p>
-            <a:pPr algn="l"/>
-            <a:r>
-              <a:rPr lang="en-US" sz="1200" err="1">
-                <a:solidFill>
-                  <a:srgbClr val="7030A0"/>
-                </a:solidFill>
-              </a:rPr>
-              <a:t>new BoundaryValueChecker(mapGrid, bs, cs, ot)</a:t>
-            </a:r>
-            <a:endParaRPr lang="en-US" sz="1200">
-              <a:solidFill>
-                <a:srgbClr val="7030A0"/>
-              </a:solidFill>
-            </a:endParaRPr>
-          </a:p>
-        </p:txBody>
-      </p:sp>
+              </a:endParaRPr>
+            </a:p>
+          </p:txBody>
+        </p:sp>
+      </p:grpSp>
     </p:spTree>
     <p:extLst>
       <p:ext uri="{BB962C8B-B14F-4D97-AF65-F5344CB8AC3E}">

--- a/docs/diagrams/PutShipSequenceDiagram.pptx
+++ b/docs/diagrams/PutShipSequenceDiagram.pptx
@@ -6271,8 +6271,8 @@
           </p:nvSpPr>
           <p:spPr>
             <a:xfrm>
-              <a:off x="4897924" y="3607803"/>
-              <a:ext cx="855808" cy="215444"/>
+              <a:off x="4897924" y="3596640"/>
+              <a:ext cx="1271228" cy="215444"/>
             </a:xfrm>
             <a:prstGeom prst="rect">
               <a:avLst/>
